--- a/powerpoints/data-import.pptx
+++ b/powerpoints/data-import.pptx
@@ -3492,7 +3492,7 @@
         </p:sp>
         <p:pic>
           <p:nvPicPr>
-            <p:cNvPr id="130" name="pasted-image.png" descr="pasted-image.png"/>
+            <p:cNvPr id="130" name="Image" descr="Image"/>
             <p:cNvPicPr>
               <a:picLocks noChangeAspect="1"/>
             </p:cNvPicPr>
@@ -3561,7 +3561,7 @@
       </p:grpSp>
       <p:pic>
         <p:nvPicPr>
-          <p:cNvPr id="133" name="pasted-image.pdf" descr="pasted-image.pdf"/>
+          <p:cNvPr id="133" name="Image" descr="Image"/>
           <p:cNvPicPr>
             <a:picLocks noChangeAspect="1"/>
           </p:cNvPicPr>
@@ -4139,7 +4139,7 @@
       </p:sp>
       <p:pic>
         <p:nvPicPr>
-          <p:cNvPr id="146" name="pasted-image.pdf" descr="pasted-image.pdf"/>
+          <p:cNvPr id="146" name="Image" descr="Image"/>
           <p:cNvPicPr>
             <a:picLocks noChangeAspect="1"/>
           </p:cNvPicPr>
@@ -5374,7 +5374,7 @@
           </p:grpSpPr>
           <p:pic>
             <p:nvPicPr>
-              <p:cNvPr id="153" name="pasted-image.png" descr="pasted-image.png"/>
+              <p:cNvPr id="153" name="Image" descr="Image"/>
               <p:cNvPicPr>
                 <a:picLocks noChangeAspect="1"/>
               </p:cNvPicPr>
@@ -5604,7 +5604,7 @@
           </p:grpSpPr>
           <p:pic>
             <p:nvPicPr>
-              <p:cNvPr id="158" name="pasted-image.png" descr="pasted-image.png"/>
+              <p:cNvPr id="158" name="Image" descr="Image"/>
               <p:cNvPicPr>
                 <a:picLocks noChangeAspect="1"/>
               </p:cNvPicPr>
@@ -5834,7 +5834,7 @@
           </p:grpSpPr>
           <p:pic>
             <p:nvPicPr>
-              <p:cNvPr id="163" name="pasted-image.png" descr="pasted-image.png"/>
+              <p:cNvPr id="163" name="Image" descr="Image"/>
               <p:cNvPicPr>
                 <a:picLocks noChangeAspect="1"/>
               </p:cNvPicPr>
@@ -6064,7 +6064,7 @@
           </p:grpSpPr>
           <p:pic>
             <p:nvPicPr>
-              <p:cNvPr id="168" name="pasted-image.png" descr="pasted-image.png"/>
+              <p:cNvPr id="168" name="Image" descr="Image"/>
               <p:cNvPicPr>
                 <a:picLocks noChangeAspect="1"/>
               </p:cNvPicPr>
@@ -8589,7 +8589,7 @@
           </p:grpSpPr>
           <p:pic>
             <p:nvPicPr>
-              <p:cNvPr id="186" name="pasted-image.png" descr="pasted-image.png"/>
+              <p:cNvPr id="186" name="Image" descr="Image"/>
               <p:cNvPicPr>
                 <a:picLocks noChangeAspect="1"/>
               </p:cNvPicPr>
@@ -11231,7 +11231,7 @@
           </p:sp>
           <p:pic>
             <p:nvPicPr>
-              <p:cNvPr id="209" name="pasted-image.png" descr="pasted-image.png"/>
+              <p:cNvPr id="209" name="Image" descr="Image"/>
               <p:cNvPicPr>
                 <a:picLocks noChangeAspect="1"/>
               </p:cNvPicPr>
@@ -11301,7 +11301,7 @@
       </p:grpSp>
       <p:pic>
         <p:nvPicPr>
-          <p:cNvPr id="213" name="pasted-image.pdf" descr="pasted-image.pdf"/>
+          <p:cNvPr id="213" name="Image" descr="Image"/>
           <p:cNvPicPr>
             <a:picLocks noChangeAspect="1"/>
           </p:cNvPicPr>
@@ -11879,7 +11879,7 @@
       </p:sp>
       <p:pic>
         <p:nvPicPr>
-          <p:cNvPr id="226" name="pasted-image.pdf" descr="pasted-image.pdf"/>
+          <p:cNvPr id="226" name="Image" descr="Image"/>
           <p:cNvPicPr>
             <a:picLocks noChangeAspect="1"/>
           </p:cNvPicPr>
@@ -13114,7 +13114,7 @@
           </p:grpSpPr>
           <p:pic>
             <p:nvPicPr>
-              <p:cNvPr id="233" name="pasted-image.png" descr="pasted-image.png"/>
+              <p:cNvPr id="233" name="Image" descr="Image"/>
               <p:cNvPicPr>
                 <a:picLocks noChangeAspect="1"/>
               </p:cNvPicPr>
@@ -13344,7 +13344,7 @@
           </p:grpSpPr>
           <p:pic>
             <p:nvPicPr>
-              <p:cNvPr id="238" name="pasted-image.png" descr="pasted-image.png"/>
+              <p:cNvPr id="238" name="Image" descr="Image"/>
               <p:cNvPicPr>
                 <a:picLocks noChangeAspect="1"/>
               </p:cNvPicPr>
@@ -13574,7 +13574,7 @@
           </p:grpSpPr>
           <p:pic>
             <p:nvPicPr>
-              <p:cNvPr id="243" name="pasted-image.png" descr="pasted-image.png"/>
+              <p:cNvPr id="243" name="Image" descr="Image"/>
               <p:cNvPicPr>
                 <a:picLocks noChangeAspect="1"/>
               </p:cNvPicPr>
@@ -13804,7 +13804,7 @@
           </p:grpSpPr>
           <p:pic>
             <p:nvPicPr>
-              <p:cNvPr id="248" name="pasted-image.png" descr="pasted-image.png"/>
+              <p:cNvPr id="248" name="Image" descr="Image"/>
               <p:cNvPicPr>
                 <a:picLocks noChangeAspect="1"/>
               </p:cNvPicPr>
@@ -16329,7 +16329,7 @@
           </p:grpSpPr>
           <p:pic>
             <p:nvPicPr>
-              <p:cNvPr id="266" name="pasted-image.png" descr="pasted-image.png"/>
+              <p:cNvPr id="266" name="Image" descr="Image"/>
               <p:cNvPicPr>
                 <a:picLocks noChangeAspect="1"/>
               </p:cNvPicPr>
@@ -18547,7 +18547,7 @@
       </p:grpSpPr>
       <p:pic>
         <p:nvPicPr>
-          <p:cNvPr id="286" name="pasted-image.pdf" descr="pasted-image.pdf"/>
+          <p:cNvPr id="286" name="Image" descr="Image"/>
           <p:cNvPicPr>
             <a:picLocks noChangeAspect="1"/>
           </p:cNvPicPr>
@@ -29185,14 +29185,14 @@
       </p:sp>
       <p:sp>
         <p:nvSpPr>
-          <p:cNvPr id="351" name="replace_na(x,list(x2 = 2), x2)"/>
+          <p:cNvPr id="351" name="replace_na(x, list(x2 = 2))"/>
           <p:cNvSpPr txBox="1"/>
           <p:nvPr/>
         </p:nvSpPr>
         <p:spPr>
           <a:xfrm>
-            <a:off x="8296729" y="8719968"/>
-            <a:ext cx="1975254" cy="325042"/>
+            <a:off x="8487606" y="8719968"/>
+            <a:ext cx="1785224" cy="325042"/>
           </a:xfrm>
           <a:prstGeom prst="rect">
             <a:avLst/>
@@ -29228,7 +29228,7 @@
           <a:p>
             <a:pPr/>
             <a:r>
-              <a:t>replace_na(x,list(x2 = 2), x2)</a:t>
+              <a:t>replace_na(x, list(x2 = 2))</a:t>
             </a:r>
           </a:p>
         </p:txBody>
@@ -34566,7 +34566,7 @@
       </p:sp>
       <p:pic>
         <p:nvPicPr>
-          <p:cNvPr id="399" name="pasted-image.pdf" descr="pasted-image.pdf"/>
+          <p:cNvPr id="399" name="Image" descr="Image"/>
           <p:cNvPicPr>
             <a:picLocks noChangeAspect="1"/>
           </p:cNvPicPr>
@@ -39985,7 +39985,7 @@
         <p:spPr>
           <a:xfrm>
             <a:off x="279400" y="508000"/>
-            <a:ext cx="3136901" cy="1"/>
+            <a:ext cx="3136901" cy="0"/>
           </a:xfrm>
           <a:prstGeom prst="line">
             <a:avLst/>

--- a/powerpoints/data-import.pptx
+++ b/powerpoints/data-import.pptx
@@ -4049,104 +4049,16 @@
           </a:ln>
         </p:spPr>
       </p:pic>
-      <p:sp>
-        <p:nvSpPr>
-          <p:cNvPr id="145" name="RStudio® is a trademark of RStudio, Inc.  •  CC BY RStudio •  info@rstudio.com  •  844-448-1212 • rstudio.com •  Learn more with tidyverse.org  •  readr  1.1.0 •  tibble  1.2.12 •  tidyr  0.6.0 •  Updated: 2017-01"/>
-          <p:cNvSpPr txBox="1"/>
-          <p:nvPr/>
-        </p:nvSpPr>
-        <p:spPr>
-          <a:xfrm>
-            <a:off x="1679757" y="10340910"/>
-            <a:ext cx="11996481" cy="248842"/>
-          </a:xfrm>
-          <a:prstGeom prst="rect">
-            <a:avLst/>
-          </a:prstGeom>
-          <a:ln w="12700">
-            <a:miter lim="400000"/>
-          </a:ln>
-          <a:extLst>
-            <a:ext uri="{C572A759-6A51-4108-AA02-DFA0A04FC94B}">
-              <ma14:wrappingTextBoxFlag xmlns:ma14="http://schemas.microsoft.com/office/mac/drawingml/2011/main" val="1"/>
-            </a:ext>
-          </a:extLst>
-        </p:spPr>
-        <p:txBody>
-          <a:bodyPr lIns="54570" tIns="54570" rIns="54570" bIns="54570" anchor="ctr">
-            <a:spAutoFit/>
-          </a:bodyPr>
-          <a:lstStyle/>
-          <a:p>
-            <a:pPr algn="r">
-              <a:lnSpc>
-                <a:spcPct val="90000"/>
-              </a:lnSpc>
-              <a:spcBef>
-                <a:spcPts val="0"/>
-              </a:spcBef>
-              <a:defRPr b="0" sz="900">
-                <a:solidFill>
-                  <a:srgbClr val="000000"/>
-                </a:solidFill>
-              </a:defRPr>
-            </a:pPr>
-            <a:r>
-              <a:t>RStudio® is a trademark of RStudio, Inc.  •  </a:t>
-            </a:r>
-            <a:r>
-              <a:rPr>
-                <a:hlinkClick r:id="rId6" invalidUrl="" action="" tgtFrame="" tooltip="" history="1" highlightClick="0" endSnd="0"/>
-              </a:rPr>
-              <a:t>CC BY </a:t>
-            </a:r>
-            <a:r>
-              <a:t>RStudio •  </a:t>
-            </a:r>
-            <a:r>
-              <a:rPr>
-                <a:hlinkClick r:id="rId7" invalidUrl="" action="" tgtFrame="" tooltip="" history="1" highlightClick="0" endSnd="0"/>
-              </a:rPr>
-              <a:t>info@rstudio.com</a:t>
-            </a:r>
-            <a:r>
-              <a:t>  •  844-448-1212 • </a:t>
-            </a:r>
-            <a:r>
-              <a:rPr>
-                <a:hlinkClick r:id="rId8" invalidUrl="" action="" tgtFrame="" tooltip="" history="1" highlightClick="0" endSnd="0"/>
-              </a:rPr>
-              <a:t>rstudio.com</a:t>
-            </a:r>
-            <a:r>
-              <a:t> •  Learn more with </a:t>
-            </a:r>
-            <a:r>
-              <a:rPr u="sng">
-                <a:hlinkClick r:id="rId9" invalidUrl="" action="" tgtFrame="" tooltip="" history="1" highlightClick="0" endSnd="0"/>
-              </a:rPr>
-              <a:t>tidyverse.org</a:t>
-            </a:r>
-            <a:r>
-              <a:rPr b="1"/>
-              <a:t> </a:t>
-            </a:r>
-            <a:r>
-              <a:t> •  readr  1.1.0 •  tibble  1.2.12 •  tidyr  0.6.0 •  Updated: 2017-01</a:t>
-            </a:r>
-          </a:p>
-        </p:txBody>
-      </p:sp>
       <p:pic>
         <p:nvPicPr>
-          <p:cNvPr id="146" name="Image" descr="Image"/>
+          <p:cNvPr id="145" name="Image" descr="Image"/>
           <p:cNvPicPr>
             <a:picLocks noChangeAspect="1"/>
           </p:cNvPicPr>
           <p:nvPr/>
         </p:nvPicPr>
         <p:blipFill>
-          <a:blip r:embed="rId10">
+          <a:blip r:embed="rId6">
             <a:extLst/>
           </a:blip>
           <a:stretch>
@@ -4168,7 +4080,7 @@
       </p:pic>
       <p:sp>
         <p:nvSpPr>
-          <p:cNvPr id="147" name="Line"/>
+          <p:cNvPr id="146" name="Line"/>
           <p:cNvSpPr/>
           <p:nvPr/>
         </p:nvSpPr>
@@ -4209,7 +4121,7 @@
       </p:sp>
       <p:sp>
         <p:nvSpPr>
-          <p:cNvPr id="148" name="OTHER TYPES OF DATA"/>
+          <p:cNvPr id="147" name="OTHER TYPES OF DATA"/>
           <p:cNvSpPr txBox="1"/>
           <p:nvPr/>
         </p:nvSpPr>
@@ -4263,7 +4175,7 @@
       </p:sp>
       <p:sp>
         <p:nvSpPr>
-          <p:cNvPr id="149" name="Comma delimited file…"/>
+          <p:cNvPr id="148" name="Comma delimited file…"/>
           <p:cNvSpPr txBox="1"/>
           <p:nvPr/>
         </p:nvSpPr>
@@ -4599,7 +4511,7 @@
       </p:sp>
       <p:sp>
         <p:nvSpPr>
-          <p:cNvPr id="150" name="Save x, an R object, to path, a file path, as:"/>
+          <p:cNvPr id="149" name="Save x, an R object, to path, a file path, as:"/>
           <p:cNvSpPr txBox="1"/>
           <p:nvPr/>
         </p:nvSpPr>
@@ -4669,7 +4581,7 @@
       </p:sp>
       <p:sp>
         <p:nvSpPr>
-          <p:cNvPr id="151" name="Skip lines…"/>
+          <p:cNvPr id="150" name="Skip lines…"/>
           <p:cNvSpPr txBox="1"/>
           <p:nvPr/>
         </p:nvSpPr>
@@ -4879,7 +4791,7 @@
       </p:sp>
       <p:sp>
         <p:nvSpPr>
-          <p:cNvPr id="152" name="Comma Delimited Files…"/>
+          <p:cNvPr id="151" name="Comma Delimited Files…"/>
           <p:cNvSpPr txBox="1"/>
           <p:nvPr/>
         </p:nvSpPr>
@@ -5346,7 +5258,7 @@
       </p:sp>
       <p:grpSp>
         <p:nvGrpSpPr>
-          <p:cNvPr id="157" name="Group"/>
+          <p:cNvPr id="156" name="Group"/>
           <p:cNvGrpSpPr/>
           <p:nvPr/>
         </p:nvGrpSpPr>
@@ -5360,7 +5272,7 @@
         </p:grpSpPr>
         <p:grpSp>
           <p:nvGrpSpPr>
-            <p:cNvPr id="155" name="Group"/>
+            <p:cNvPr id="154" name="Group"/>
             <p:cNvGrpSpPr/>
             <p:nvPr/>
           </p:nvGrpSpPr>
@@ -5374,14 +5286,14 @@
           </p:grpSpPr>
           <p:pic>
             <p:nvPicPr>
-              <p:cNvPr id="153" name="Image" descr="Image"/>
+              <p:cNvPr id="152" name="Image" descr="Image"/>
               <p:cNvPicPr>
                 <a:picLocks noChangeAspect="1"/>
               </p:cNvPicPr>
               <p:nvPr/>
             </p:nvPicPr>
             <p:blipFill>
-              <a:blip r:embed="rId11">
+              <a:blip r:embed="rId7">
                 <a:extLst/>
               </a:blip>
               <a:stretch>
@@ -5411,7 +5323,7 @@
           </p:pic>
           <p:sp>
             <p:nvSpPr>
-              <p:cNvPr id="154" name="Triangle"/>
+              <p:cNvPr id="153" name="Triangle"/>
               <p:cNvSpPr/>
               <p:nvPr/>
             </p:nvSpPr>
@@ -5488,7 +5400,7 @@
         </p:grpSp>
         <p:sp>
           <p:nvSpPr>
-            <p:cNvPr id="156" name="a,b,c…"/>
+            <p:cNvPr id="155" name="a,b,c…"/>
             <p:cNvSpPr txBox="1"/>
             <p:nvPr/>
           </p:nvSpPr>
@@ -5576,7 +5488,7 @@
       </p:grpSp>
       <p:grpSp>
         <p:nvGrpSpPr>
-          <p:cNvPr id="162" name="Group"/>
+          <p:cNvPr id="161" name="Group"/>
           <p:cNvGrpSpPr/>
           <p:nvPr/>
         </p:nvGrpSpPr>
@@ -5590,7 +5502,7 @@
         </p:grpSpPr>
         <p:grpSp>
           <p:nvGrpSpPr>
-            <p:cNvPr id="160" name="Group"/>
+            <p:cNvPr id="159" name="Group"/>
             <p:cNvGrpSpPr/>
             <p:nvPr/>
           </p:nvGrpSpPr>
@@ -5604,14 +5516,14 @@
           </p:grpSpPr>
           <p:pic>
             <p:nvPicPr>
-              <p:cNvPr id="158" name="Image" descr="Image"/>
+              <p:cNvPr id="157" name="Image" descr="Image"/>
               <p:cNvPicPr>
                 <a:picLocks noChangeAspect="1"/>
               </p:cNvPicPr>
               <p:nvPr/>
             </p:nvPicPr>
             <p:blipFill>
-              <a:blip r:embed="rId11">
+              <a:blip r:embed="rId7">
                 <a:extLst/>
               </a:blip>
               <a:stretch>
@@ -5641,7 +5553,7 @@
           </p:pic>
           <p:sp>
             <p:nvSpPr>
-              <p:cNvPr id="159" name="Triangle"/>
+              <p:cNvPr id="158" name="Triangle"/>
               <p:cNvSpPr/>
               <p:nvPr/>
             </p:nvSpPr>
@@ -5718,7 +5630,7 @@
         </p:grpSp>
         <p:sp>
           <p:nvSpPr>
-            <p:cNvPr id="161" name="a;b;c…"/>
+            <p:cNvPr id="160" name="a;b;c…"/>
             <p:cNvSpPr txBox="1"/>
             <p:nvPr/>
           </p:nvSpPr>
@@ -5806,7 +5718,7 @@
       </p:grpSp>
       <p:grpSp>
         <p:nvGrpSpPr>
-          <p:cNvPr id="167" name="Group"/>
+          <p:cNvPr id="166" name="Group"/>
           <p:cNvGrpSpPr/>
           <p:nvPr/>
         </p:nvGrpSpPr>
@@ -5820,7 +5732,7 @@
         </p:grpSpPr>
         <p:grpSp>
           <p:nvGrpSpPr>
-            <p:cNvPr id="165" name="Group"/>
+            <p:cNvPr id="164" name="Group"/>
             <p:cNvGrpSpPr/>
             <p:nvPr/>
           </p:nvGrpSpPr>
@@ -5834,14 +5746,14 @@
           </p:grpSpPr>
           <p:pic>
             <p:nvPicPr>
-              <p:cNvPr id="163" name="Image" descr="Image"/>
+              <p:cNvPr id="162" name="Image" descr="Image"/>
               <p:cNvPicPr>
                 <a:picLocks noChangeAspect="1"/>
               </p:cNvPicPr>
               <p:nvPr/>
             </p:nvPicPr>
             <p:blipFill>
-              <a:blip r:embed="rId11">
+              <a:blip r:embed="rId7">
                 <a:extLst/>
               </a:blip>
               <a:stretch>
@@ -5871,7 +5783,7 @@
           </p:pic>
           <p:sp>
             <p:nvSpPr>
-              <p:cNvPr id="164" name="Triangle"/>
+              <p:cNvPr id="163" name="Triangle"/>
               <p:cNvSpPr/>
               <p:nvPr/>
             </p:nvSpPr>
@@ -5948,7 +5860,7 @@
         </p:grpSp>
         <p:sp>
           <p:nvSpPr>
-            <p:cNvPr id="166" name="a|b|c…"/>
+            <p:cNvPr id="165" name="a|b|c…"/>
             <p:cNvSpPr txBox="1"/>
             <p:nvPr/>
           </p:nvSpPr>
@@ -6036,7 +5948,7 @@
       </p:grpSp>
       <p:grpSp>
         <p:nvGrpSpPr>
-          <p:cNvPr id="172" name="Group"/>
+          <p:cNvPr id="171" name="Group"/>
           <p:cNvGrpSpPr/>
           <p:nvPr/>
         </p:nvGrpSpPr>
@@ -6050,7 +5962,7 @@
         </p:grpSpPr>
         <p:grpSp>
           <p:nvGrpSpPr>
-            <p:cNvPr id="170" name="Group"/>
+            <p:cNvPr id="169" name="Group"/>
             <p:cNvGrpSpPr/>
             <p:nvPr/>
           </p:nvGrpSpPr>
@@ -6064,14 +5976,14 @@
           </p:grpSpPr>
           <p:pic>
             <p:nvPicPr>
-              <p:cNvPr id="168" name="Image" descr="Image"/>
+              <p:cNvPr id="167" name="Image" descr="Image"/>
               <p:cNvPicPr>
                 <a:picLocks noChangeAspect="1"/>
               </p:cNvPicPr>
               <p:nvPr/>
             </p:nvPicPr>
             <p:blipFill>
-              <a:blip r:embed="rId11">
+              <a:blip r:embed="rId7">
                 <a:extLst/>
               </a:blip>
               <a:stretch>
@@ -6101,7 +6013,7 @@
           </p:pic>
           <p:sp>
             <p:nvSpPr>
-              <p:cNvPr id="169" name="Triangle"/>
+              <p:cNvPr id="168" name="Triangle"/>
               <p:cNvSpPr/>
               <p:nvPr/>
             </p:nvSpPr>
@@ -6178,7 +6090,7 @@
         </p:grpSp>
         <p:sp>
           <p:nvSpPr>
-            <p:cNvPr id="171" name="a  b  c…"/>
+            <p:cNvPr id="170" name="a  b  c…"/>
             <p:cNvSpPr txBox="1"/>
             <p:nvPr/>
           </p:nvSpPr>
@@ -6266,7 +6178,7 @@
       </p:grpSp>
       <p:graphicFrame>
         <p:nvGraphicFramePr>
-          <p:cNvPr id="173" name="Table"/>
+          <p:cNvPr id="172" name="Table"/>
           <p:cNvGraphicFramePr/>
           <p:nvPr/>
         </p:nvGraphicFramePr>
@@ -6448,7 +6360,7 @@
       </p:graphicFrame>
       <p:graphicFrame>
         <p:nvGraphicFramePr>
-          <p:cNvPr id="174" name="Table"/>
+          <p:cNvPr id="173" name="Table"/>
           <p:cNvGraphicFramePr/>
           <p:nvPr/>
         </p:nvGraphicFramePr>
@@ -6680,7 +6592,7 @@
       </p:graphicFrame>
       <p:graphicFrame>
         <p:nvGraphicFramePr>
-          <p:cNvPr id="175" name="Table"/>
+          <p:cNvPr id="174" name="Table"/>
           <p:cNvGraphicFramePr/>
           <p:nvPr/>
         </p:nvGraphicFramePr>
@@ -6962,7 +6874,7 @@
       </p:graphicFrame>
       <p:graphicFrame>
         <p:nvGraphicFramePr>
-          <p:cNvPr id="176" name="Table"/>
+          <p:cNvPr id="175" name="Table"/>
           <p:cNvGraphicFramePr/>
           <p:nvPr/>
         </p:nvGraphicFramePr>
@@ -7203,7 +7115,7 @@
       </p:graphicFrame>
       <p:graphicFrame>
         <p:nvGraphicFramePr>
-          <p:cNvPr id="177" name="Table"/>
+          <p:cNvPr id="176" name="Table"/>
           <p:cNvGraphicFramePr/>
           <p:nvPr/>
         </p:nvGraphicFramePr>
@@ -7385,7 +7297,7 @@
       </p:graphicFrame>
       <p:graphicFrame>
         <p:nvGraphicFramePr>
-          <p:cNvPr id="178" name="Table"/>
+          <p:cNvPr id="177" name="Table"/>
           <p:cNvGraphicFramePr/>
           <p:nvPr/>
         </p:nvGraphicFramePr>
@@ -7626,7 +7538,7 @@
       </p:graphicFrame>
       <p:sp>
         <p:nvSpPr>
-          <p:cNvPr id="179" name="Line"/>
+          <p:cNvPr id="178" name="Line"/>
           <p:cNvSpPr/>
           <p:nvPr/>
         </p:nvSpPr>
@@ -7679,7 +7591,7 @@
       </p:sp>
       <p:graphicFrame>
         <p:nvGraphicFramePr>
-          <p:cNvPr id="180" name="Table"/>
+          <p:cNvPr id="179" name="Table"/>
           <p:cNvGraphicFramePr/>
           <p:nvPr/>
         </p:nvGraphicFramePr>
@@ -7920,7 +7832,7 @@
       </p:graphicFrame>
       <p:sp>
         <p:nvSpPr>
-          <p:cNvPr id="181" name="Line"/>
+          <p:cNvPr id="180" name="Line"/>
           <p:cNvSpPr/>
           <p:nvPr/>
         </p:nvSpPr>
@@ -7973,7 +7885,7 @@
       </p:sp>
       <p:graphicFrame>
         <p:nvGraphicFramePr>
-          <p:cNvPr id="182" name="Table"/>
+          <p:cNvPr id="181" name="Table"/>
           <p:cNvGraphicFramePr/>
           <p:nvPr/>
         </p:nvGraphicFramePr>
@@ -8214,7 +8126,7 @@
       </p:graphicFrame>
       <p:sp>
         <p:nvSpPr>
-          <p:cNvPr id="183" name="Line"/>
+          <p:cNvPr id="182" name="Line"/>
           <p:cNvSpPr/>
           <p:nvPr/>
         </p:nvSpPr>
@@ -8267,7 +8179,7 @@
       </p:sp>
       <p:graphicFrame>
         <p:nvGraphicFramePr>
-          <p:cNvPr id="184" name="Table"/>
+          <p:cNvPr id="183" name="Table"/>
           <p:cNvGraphicFramePr/>
           <p:nvPr/>
         </p:nvGraphicFramePr>
@@ -8508,7 +8420,7 @@
       </p:graphicFrame>
       <p:sp>
         <p:nvSpPr>
-          <p:cNvPr id="185" name="Line"/>
+          <p:cNvPr id="184" name="Line"/>
           <p:cNvSpPr/>
           <p:nvPr/>
         </p:nvSpPr>
@@ -8561,7 +8473,7 @@
       </p:sp>
       <p:grpSp>
         <p:nvGrpSpPr>
-          <p:cNvPr id="190" name="Group"/>
+          <p:cNvPr id="189" name="Group"/>
           <p:cNvGrpSpPr/>
           <p:nvPr/>
         </p:nvGrpSpPr>
@@ -8575,7 +8487,7 @@
         </p:grpSpPr>
         <p:grpSp>
           <p:nvGrpSpPr>
-            <p:cNvPr id="188" name="Group"/>
+            <p:cNvPr id="187" name="Group"/>
             <p:cNvGrpSpPr/>
             <p:nvPr/>
           </p:nvGrpSpPr>
@@ -8589,14 +8501,14 @@
           </p:grpSpPr>
           <p:pic>
             <p:nvPicPr>
-              <p:cNvPr id="186" name="Image" descr="Image"/>
+              <p:cNvPr id="185" name="Image" descr="Image"/>
               <p:cNvPicPr>
                 <a:picLocks noChangeAspect="1"/>
               </p:cNvPicPr>
               <p:nvPr/>
             </p:nvPicPr>
             <p:blipFill>
-              <a:blip r:embed="rId11">
+              <a:blip r:embed="rId7">
                 <a:extLst/>
               </a:blip>
               <a:stretch>
@@ -8626,7 +8538,7 @@
           </p:pic>
           <p:sp>
             <p:nvSpPr>
-              <p:cNvPr id="187" name="Triangle"/>
+              <p:cNvPr id="186" name="Triangle"/>
               <p:cNvSpPr/>
               <p:nvPr/>
             </p:nvSpPr>
@@ -8703,7 +8615,7 @@
         </p:grpSp>
         <p:sp>
           <p:nvSpPr>
-            <p:cNvPr id="189" name="a,b,c…"/>
+            <p:cNvPr id="188" name="a,b,c…"/>
             <p:cNvSpPr txBox="1"/>
             <p:nvPr/>
           </p:nvSpPr>
@@ -8791,7 +8703,7 @@
       </p:grpSp>
       <p:sp>
         <p:nvSpPr>
-          <p:cNvPr id="191" name="Example file…"/>
+          <p:cNvPr id="190" name="Example file…"/>
           <p:cNvSpPr txBox="1"/>
           <p:nvPr/>
         </p:nvSpPr>
@@ -8991,7 +8903,7 @@
       </p:sp>
       <p:sp>
         <p:nvSpPr>
-          <p:cNvPr id="192" name="Group"/>
+          <p:cNvPr id="191" name="Group"/>
           <p:cNvSpPr/>
           <p:nvPr/>
         </p:nvSpPr>
@@ -9034,7 +8946,7 @@
       </p:sp>
       <p:sp>
         <p:nvSpPr>
-          <p:cNvPr id="193" name="read_*(file, col_names = TRUE, col_types = NULL, locale = default_locale(), na = c(&quot;&quot;, &quot;NA&quot;), quoted_na = TRUE, comment = &quot;&quot;, trim_ws = TRUE, skip = 0, n_max = Inf, guess_max = min(1000, n_max), progress = interactive())"/>
+          <p:cNvPr id="192" name="read_*(file, col_names = TRUE, col_types = NULL, locale = default_locale(), na = c(&quot;&quot;, &quot;NA&quot;), quoted_na = TRUE, comment = &quot;&quot;, trim_ws = TRUE, skip = 0, n_max = Inf, guess_max = min(1000, n_max), progress = interactive())"/>
           <p:cNvSpPr txBox="1"/>
           <p:nvPr/>
         </p:nvSpPr>
@@ -9100,7 +9012,7 @@
       </p:sp>
       <p:sp>
         <p:nvSpPr>
-          <p:cNvPr id="194" name="Read a file into a single string…"/>
+          <p:cNvPr id="193" name="Read a file into a single string…"/>
           <p:cNvSpPr txBox="1"/>
           <p:nvPr/>
         </p:nvSpPr>
@@ -9233,7 +9145,7 @@
       </p:sp>
       <p:sp>
         <p:nvSpPr>
-          <p:cNvPr id="195" name="Line"/>
+          <p:cNvPr id="194" name="Line"/>
           <p:cNvSpPr/>
           <p:nvPr/>
         </p:nvSpPr>
@@ -9274,7 +9186,7 @@
       </p:sp>
       <p:sp>
         <p:nvSpPr>
-          <p:cNvPr id="196" name="Read a file into a raw vector…"/>
+          <p:cNvPr id="195" name="Read a file into a raw vector…"/>
           <p:cNvSpPr txBox="1"/>
           <p:nvPr/>
         </p:nvSpPr>
@@ -9418,7 +9330,7 @@
       </p:sp>
       <p:sp>
         <p:nvSpPr>
-          <p:cNvPr id="197" name="Read Non-Tabular Data"/>
+          <p:cNvPr id="196" name="Read Non-Tabular Data"/>
           <p:cNvSpPr txBox="1"/>
           <p:nvPr/>
         </p:nvSpPr>
@@ -9466,7 +9378,7 @@
       </p:sp>
       <p:sp>
         <p:nvSpPr>
-          <p:cNvPr id="198" name="Read Apache style log files…"/>
+          <p:cNvPr id="197" name="Read Apache style log files…"/>
           <p:cNvSpPr txBox="1"/>
           <p:nvPr/>
         </p:nvSpPr>
@@ -9550,7 +9462,7 @@
       </p:sp>
       <p:sp>
         <p:nvSpPr>
-          <p:cNvPr id="199" name="## Parsed with column specification:…"/>
+          <p:cNvPr id="198" name="## Parsed with column specification:…"/>
           <p:cNvSpPr txBox="1"/>
           <p:nvPr/>
         </p:nvSpPr>
@@ -9700,7 +9612,7 @@
       </p:sp>
       <p:sp>
         <p:nvSpPr>
-          <p:cNvPr id="200" name="1. Use problems() to diagnose problems…"/>
+          <p:cNvPr id="199" name="1. Use problems() to diagnose problems…"/>
           <p:cNvSpPr txBox="1"/>
           <p:nvPr/>
         </p:nvSpPr>
@@ -10306,7 +10218,7 @@
       </p:sp>
       <p:sp>
         <p:nvSpPr>
-          <p:cNvPr id="201" name="readr functions guess…"/>
+          <p:cNvPr id="200" name="readr functions guess…"/>
           <p:cNvSpPr txBox="1"/>
           <p:nvPr/>
         </p:nvSpPr>
@@ -10424,7 +10336,7 @@
       </p:sp>
       <p:sp>
         <p:nvSpPr>
-          <p:cNvPr id="202" name="earn is a double (numeric)"/>
+          <p:cNvPr id="201" name="earn is a double (numeric)"/>
           <p:cNvSpPr/>
           <p:nvPr/>
         </p:nvSpPr>
@@ -10544,7 +10456,7 @@
       </p:sp>
       <p:sp>
         <p:nvSpPr>
-          <p:cNvPr id="203" name="sex is a character"/>
+          <p:cNvPr id="202" name="sex is a character"/>
           <p:cNvSpPr/>
           <p:nvPr/>
         </p:nvSpPr>
@@ -10661,7 +10573,7 @@
       </p:sp>
       <p:sp>
         <p:nvSpPr>
-          <p:cNvPr id="204" name="age is an integer"/>
+          <p:cNvPr id="203" name="age is an integer"/>
           <p:cNvSpPr/>
           <p:nvPr/>
         </p:nvSpPr>
@@ -10775,6 +10687,94 @@
             <a:pPr/>
             <a:r>
               <a:t>age is an integer</a:t>
+            </a:r>
+          </a:p>
+        </p:txBody>
+      </p:sp>
+      <p:sp>
+        <p:nvSpPr>
+          <p:cNvPr id="204" name="RStudio® is a trademark of RStudio, Inc.  •  CC BY SA  RStudio •  info@rstudio.com  •  844-448-1212 • rstudio.com •  Learn more with tidyverse.org  •  readr  1.1.0 •  tibble  1.2.12 •  tidyr  0.6.0 •  Updated: 2017-01"/>
+          <p:cNvSpPr txBox="1"/>
+          <p:nvPr/>
+        </p:nvSpPr>
+        <p:spPr>
+          <a:xfrm>
+            <a:off x="1679757" y="10340910"/>
+            <a:ext cx="11996481" cy="248842"/>
+          </a:xfrm>
+          <a:prstGeom prst="rect">
+            <a:avLst/>
+          </a:prstGeom>
+          <a:ln w="12700">
+            <a:miter lim="400000"/>
+          </a:ln>
+          <a:extLst>
+            <a:ext uri="{C572A759-6A51-4108-AA02-DFA0A04FC94B}">
+              <ma14:wrappingTextBoxFlag xmlns:ma14="http://schemas.microsoft.com/office/mac/drawingml/2011/main" val="1"/>
+            </a:ext>
+          </a:extLst>
+        </p:spPr>
+        <p:txBody>
+          <a:bodyPr lIns="54570" tIns="54570" rIns="54570" bIns="54570" anchor="ctr">
+            <a:spAutoFit/>
+          </a:bodyPr>
+          <a:lstStyle/>
+          <a:p>
+            <a:pPr algn="r">
+              <a:lnSpc>
+                <a:spcPct val="90000"/>
+              </a:lnSpc>
+              <a:spcBef>
+                <a:spcPts val="0"/>
+              </a:spcBef>
+              <a:defRPr b="0" sz="900">
+                <a:solidFill>
+                  <a:srgbClr val="000000"/>
+                </a:solidFill>
+              </a:defRPr>
+            </a:pPr>
+            <a:r>
+              <a:t>RStudio® is a trademark of RStudio, Inc.  •  </a:t>
+            </a:r>
+            <a:r>
+              <a:rPr>
+                <a:hlinkClick r:id="rId8" invalidUrl="" action="" tgtFrame="" tooltip="" history="1" highlightClick="0" endSnd="0"/>
+              </a:rPr>
+              <a:t>CC BY SA</a:t>
+            </a:r>
+            <a:r>
+              <a:t>  RStudio •  </a:t>
+            </a:r>
+            <a:r>
+              <a:rPr>
+                <a:hlinkClick r:id="rId9" invalidUrl="" action="" tgtFrame="" tooltip="" history="1" highlightClick="0" endSnd="0"/>
+              </a:rPr>
+              <a:t>info@rstudio.com</a:t>
+            </a:r>
+            <a:r>
+              <a:t>  •  844-448-1212 • </a:t>
+            </a:r>
+            <a:r>
+              <a:rPr>
+                <a:hlinkClick r:id="rId10" invalidUrl="" action="" tgtFrame="" tooltip="" history="1" highlightClick="0" endSnd="0"/>
+              </a:rPr>
+              <a:t>rstudio.com</a:t>
+            </a:r>
+            <a:r>
+              <a:t> •  Learn more with </a:t>
+            </a:r>
+            <a:r>
+              <a:rPr u="sng">
+                <a:hlinkClick r:id="rId11" invalidUrl="" action="" tgtFrame="" tooltip="" history="1" highlightClick="0" endSnd="0"/>
+              </a:rPr>
+              <a:t>tidyverse.org</a:t>
+            </a:r>
+            <a:r>
+              <a:rPr b="1"/>
+              <a:t> </a:t>
+            </a:r>
+            <a:r>
+              <a:t> •  readr  1.1.0 •  tibble  1.2.12 •  tidyr  0.6.0 •  Updated: 2017-01</a:t>
             </a:r>
           </a:p>
         </p:txBody>
@@ -34478,7 +34478,7 @@
       </p:pic>
       <p:sp>
         <p:nvSpPr>
-          <p:cNvPr id="398" name="RStudio® is a trademark of RStudio, Inc.  •  CC BY RStudio •  info@rstudio.com  •  844-448-1212 • rstudio.com •  Learn more with tidyverse.org  •  readr  1.1.0 •  tibble  1.2.12 •  tidyr  0.6.0 •  Updated: 2017-01"/>
+          <p:cNvPr id="398" name="RStudio® is a trademark of RStudio, Inc.  •  CC BY SA  RStudio •  info@rstudio.com  •  844-448-1212 • rstudio.com •  Learn more with tidyverse.org  •  readr  1.1.0 •  tibble  1.2.12 •  tidyr  0.6.0 •  Updated: 2017-01"/>
           <p:cNvSpPr txBox="1"/>
           <p:nvPr/>
         </p:nvSpPr>
@@ -34525,10 +34525,10 @@
               <a:rPr>
                 <a:hlinkClick r:id="rId4" invalidUrl="" action="" tgtFrame="" tooltip="" history="1" highlightClick="0" endSnd="0"/>
               </a:rPr>
-              <a:t>CC BY </a:t>
-            </a:r>
-            <a:r>
-              <a:t>RStudio •  </a:t>
+              <a:t>CC BY SA</a:t>
+            </a:r>
+            <a:r>
+              <a:t>  RStudio •  </a:t>
             </a:r>
             <a:r>
               <a:rPr>

--- a/powerpoints/data-import.pptx
+++ b/powerpoints/data-import.pptx
@@ -10,7 +10,6 @@
   <p:sldIdLst>
     <p:sldId id="256" r:id="rId8"/>
     <p:sldId id="257" r:id="rId9"/>
-    <p:sldId id="258" r:id="rId10"/>
   </p:sldIdLst>
   <p:sldSz cx="13970000" cy="10795000"/>
   <p:notesSz cx="6858000" cy="9144000"/>
@@ -9612,7 +9611,7 @@
       </p:sp>
       <p:sp>
         <p:nvSpPr>
-          <p:cNvPr id="199" name="1. Use problems() to diagnose problems…"/>
+          <p:cNvPr id="199" name="1. Use problems() to diagnose problems.…"/>
           <p:cNvSpPr txBox="1"/>
           <p:nvPr/>
         </p:nvSpPr>
@@ -9657,7 +9656,7 @@
               <a:t>problems() </a:t>
             </a:r>
             <a:r>
-              <a:t>to diagnose problems</a:t>
+              <a:t>to diagnose problems.</a:t>
             </a:r>
           </a:p>
           <a:p>
@@ -9690,7 +9689,7 @@
               </a:defRPr>
             </a:pPr>
             <a:r>
-              <a:t>2. Use a col_ function to guide parsing</a:t>
+              <a:t>2. Use a col_ function to guide parsing.</a:t>
             </a:r>
           </a:p>
           <a:p>
@@ -10693,7 +10692,7 @@
       </p:sp>
       <p:sp>
         <p:nvSpPr>
-          <p:cNvPr id="204" name="RStudio® is a trademark of RStudio, Inc.  •  CC BY SA  RStudio •  info@rstudio.com  •  844-448-1212 • rstudio.com •  Learn more with tidyverse.org  •  readr  1.1.0 •  tibble  1.2.12 •  tidyr  0.6.0 •  Updated: 2017-01"/>
+          <p:cNvPr id="204" name="RStudio® is a trademark of RStudio, Inc.  •  CC BY SA  RStudio •  info@rstudio.com  •  844-448-1212 • rstudio.com •  Learn more at tidyverse.org  •  readr  1.1.0 •  tibble  1.2.12 •  tidyr  0.6.0 •  Updated: 2017-01"/>
           <p:cNvSpPr txBox="1"/>
           <p:nvPr/>
         </p:nvSpPr>
@@ -10761,7 +10760,7 @@
               <a:t>rstudio.com</a:t>
             </a:r>
             <a:r>
-              <a:t> •  Learn more with </a:t>
+              <a:t> •  Learn more at </a:t>
             </a:r>
             <a:r>
               <a:rPr u="sng">
@@ -10789,7746 +10788,6 @@
 </file>
 
 <file path=ppt/slides/slide2.xml><?xml version="1.0" encoding="utf-8"?>
-<p:sld xmlns:a="http://schemas.openxmlformats.org/drawingml/2006/main" xmlns:r="http://schemas.openxmlformats.org/officeDocument/2006/relationships" xmlns:p="http://schemas.openxmlformats.org/presentationml/2006/main" show="0" showMasterSp="1" showMasterPhAnim="1">
-  <p:cSld>
-    <p:spTree>
-      <p:nvGrpSpPr>
-        <p:cNvPr id="1" name=""/>
-        <p:cNvGrpSpPr/>
-        <p:nvPr/>
-      </p:nvGrpSpPr>
-      <p:grpSpPr>
-        <a:xfrm>
-          <a:off x="0" y="0"/>
-          <a:ext cx="0" cy="0"/>
-          <a:chOff x="0" y="0"/>
-          <a:chExt cx="0" cy="0"/>
-        </a:xfrm>
-      </p:grpSpPr>
-      <p:sp>
-        <p:nvSpPr>
-          <p:cNvPr id="206" name="Try one of the following packages to import other types of files…"/>
-          <p:cNvSpPr txBox="1"/>
-          <p:nvPr/>
-        </p:nvSpPr>
-        <p:spPr>
-          <a:xfrm>
-            <a:off x="292582" y="3362692"/>
-            <a:ext cx="3008066" cy="1793709"/>
-          </a:xfrm>
-          <a:prstGeom prst="rect">
-            <a:avLst/>
-          </a:prstGeom>
-          <a:ln w="12700">
-            <a:miter lim="400000"/>
-          </a:ln>
-          <a:extLst>
-            <a:ext uri="{C572A759-6A51-4108-AA02-DFA0A04FC94B}">
-              <ma14:wrappingTextBoxFlag xmlns:ma14="http://schemas.microsoft.com/office/mac/drawingml/2011/main" val="1"/>
-            </a:ext>
-          </a:extLst>
-        </p:spPr>
-        <p:txBody>
-          <a:bodyPr lIns="54570" tIns="54570" rIns="54570" bIns="54570" anchor="ctr">
-            <a:normAutofit fontScale="100000" lnSpcReduction="0"/>
-          </a:bodyPr>
-          <a:lstStyle/>
-          <a:p>
-            <a:pPr>
-              <a:lnSpc>
-                <a:spcPct val="80000"/>
-              </a:lnSpc>
-              <a:spcBef>
-                <a:spcPts val="300"/>
-              </a:spcBef>
-              <a:defRPr b="0">
-                <a:solidFill>
-                  <a:srgbClr val="000000"/>
-                </a:solidFill>
-              </a:defRPr>
-            </a:pPr>
-            <a:r>
-              <a:t>Try one of the following packages to import other types of files</a:t>
-            </a:r>
-          </a:p>
-          <a:p>
-            <a:pPr marL="431800" indent="-228600">
-              <a:lnSpc>
-                <a:spcPct val="80000"/>
-              </a:lnSpc>
-              <a:spcBef>
-                <a:spcPts val="300"/>
-              </a:spcBef>
-              <a:buSzPct val="100000"/>
-              <a:buChar char="•"/>
-              <a:defRPr>
-                <a:solidFill>
-                  <a:srgbClr val="000000"/>
-                </a:solidFill>
-              </a:defRPr>
-            </a:pPr>
-            <a:r>
-              <a:t>haven </a:t>
-            </a:r>
-            <a:r>
-              <a:rPr b="0"/>
-              <a:t>- SPSS, Stata, and SAS files</a:t>
-            </a:r>
-          </a:p>
-          <a:p>
-            <a:pPr marL="431800" indent="-228600">
-              <a:lnSpc>
-                <a:spcPct val="80000"/>
-              </a:lnSpc>
-              <a:spcBef>
-                <a:spcPts val="300"/>
-              </a:spcBef>
-              <a:buSzPct val="100000"/>
-              <a:buChar char="•"/>
-              <a:defRPr b="0">
-                <a:solidFill>
-                  <a:srgbClr val="000000"/>
-                </a:solidFill>
-              </a:defRPr>
-            </a:pPr>
-            <a:r>
-              <a:rPr b="1"/>
-              <a:t>readxl </a:t>
-            </a:r>
-            <a:r>
-              <a:t>- excel files (.xls and .xlsx)</a:t>
-            </a:r>
-          </a:p>
-          <a:p>
-            <a:pPr marL="431800" indent="-228600">
-              <a:lnSpc>
-                <a:spcPct val="80000"/>
-              </a:lnSpc>
-              <a:spcBef>
-                <a:spcPts val="300"/>
-              </a:spcBef>
-              <a:buSzPct val="100000"/>
-              <a:buChar char="•"/>
-              <a:defRPr b="0">
-                <a:solidFill>
-                  <a:srgbClr val="000000"/>
-                </a:solidFill>
-              </a:defRPr>
-            </a:pPr>
-            <a:r>
-              <a:rPr b="1"/>
-              <a:t>DBI </a:t>
-            </a:r>
-            <a:r>
-              <a:t>- databases</a:t>
-            </a:r>
-          </a:p>
-          <a:p>
-            <a:pPr marL="431800" indent="-228600">
-              <a:lnSpc>
-                <a:spcPct val="80000"/>
-              </a:lnSpc>
-              <a:spcBef>
-                <a:spcPts val="300"/>
-              </a:spcBef>
-              <a:buSzPct val="100000"/>
-              <a:buChar char="•"/>
-              <a:defRPr b="0">
-                <a:solidFill>
-                  <a:srgbClr val="000000"/>
-                </a:solidFill>
-              </a:defRPr>
-            </a:pPr>
-            <a:r>
-              <a:rPr b="1"/>
-              <a:t>jsonlite</a:t>
-            </a:r>
-            <a:r>
-              <a:t> - json</a:t>
-            </a:r>
-          </a:p>
-          <a:p>
-            <a:pPr marL="431800" indent="-228600">
-              <a:lnSpc>
-                <a:spcPct val="80000"/>
-              </a:lnSpc>
-              <a:spcBef>
-                <a:spcPts val="300"/>
-              </a:spcBef>
-              <a:buSzPct val="100000"/>
-              <a:buChar char="•"/>
-              <a:defRPr b="0">
-                <a:solidFill>
-                  <a:srgbClr val="000000"/>
-                </a:solidFill>
-              </a:defRPr>
-            </a:pPr>
-            <a:r>
-              <a:rPr b="1"/>
-              <a:t>xml2</a:t>
-            </a:r>
-            <a:r>
-              <a:t> - XML</a:t>
-            </a:r>
-          </a:p>
-          <a:p>
-            <a:pPr marL="431800" indent="-228600">
-              <a:lnSpc>
-                <a:spcPct val="80000"/>
-              </a:lnSpc>
-              <a:spcBef>
-                <a:spcPts val="300"/>
-              </a:spcBef>
-              <a:buSzPct val="100000"/>
-              <a:buChar char="•"/>
-              <a:defRPr b="0">
-                <a:solidFill>
-                  <a:srgbClr val="000000"/>
-                </a:solidFill>
-              </a:defRPr>
-            </a:pPr>
-            <a:r>
-              <a:rPr b="1"/>
-              <a:t>httr </a:t>
-            </a:r>
-            <a:r>
-              <a:t>- Web APIs</a:t>
-            </a:r>
-          </a:p>
-          <a:p>
-            <a:pPr marL="431800" indent="-228600">
-              <a:lnSpc>
-                <a:spcPct val="80000"/>
-              </a:lnSpc>
-              <a:spcBef>
-                <a:spcPts val="300"/>
-              </a:spcBef>
-              <a:buSzPct val="100000"/>
-              <a:buChar char="•"/>
-              <a:defRPr b="0">
-                <a:solidFill>
-                  <a:srgbClr val="000000"/>
-                </a:solidFill>
-              </a:defRPr>
-            </a:pPr>
-            <a:r>
-              <a:rPr b="1"/>
-              <a:t>rvest</a:t>
-            </a:r>
-            <a:r>
-              <a:t> - HTML (Web Scraping)</a:t>
-            </a:r>
-          </a:p>
-        </p:txBody>
-      </p:sp>
-      <p:grpSp>
-        <p:nvGrpSpPr>
-          <p:cNvPr id="212" name="Group"/>
-          <p:cNvGrpSpPr/>
-          <p:nvPr/>
-        </p:nvGrpSpPr>
-        <p:grpSpPr>
-          <a:xfrm>
-            <a:off x="318195" y="1217208"/>
-            <a:ext cx="3088981" cy="1854743"/>
-            <a:chOff x="0" y="0"/>
-            <a:chExt cx="3088980" cy="1854741"/>
-          </a:xfrm>
-        </p:grpSpPr>
-        <p:sp>
-          <p:nvSpPr>
-            <p:cNvPr id="207" name="Group"/>
-            <p:cNvSpPr/>
-            <p:nvPr/>
-          </p:nvSpPr>
-          <p:spPr>
-            <a:xfrm>
-              <a:off x="0" y="0"/>
-              <a:ext cx="3088981" cy="1854742"/>
-            </a:xfrm>
-            <a:prstGeom prst="rect">
-              <a:avLst/>
-            </a:prstGeom>
-            <a:solidFill>
-              <a:srgbClr val="79B0DC">
-                <a:alpha val="23776"/>
-              </a:srgbClr>
-            </a:solidFill>
-            <a:ln w="12700" cap="flat">
-              <a:noFill/>
-              <a:miter lim="400000"/>
-            </a:ln>
-            <a:effectLst/>
-          </p:spPr>
-          <p:txBody>
-            <a:bodyPr wrap="square" lIns="54570" tIns="54570" rIns="54570" bIns="54570" numCol="1" anchor="ctr">
-              <a:noAutofit/>
-            </a:bodyPr>
-            <a:lstStyle/>
-            <a:p>
-              <a:pPr>
-                <a:lnSpc>
-                  <a:spcPct val="80000"/>
-                </a:lnSpc>
-                <a:spcBef>
-                  <a:spcPts val="0"/>
-                </a:spcBef>
-                <a:defRPr b="0" sz="1000">
-                  <a:solidFill>
-                    <a:srgbClr val="000000"/>
-                  </a:solidFill>
-                </a:defRPr>
-              </a:pPr>
-            </a:p>
-          </p:txBody>
-        </p:sp>
-        <p:grpSp>
-          <p:nvGrpSpPr>
-            <p:cNvPr id="211" name="Group"/>
-            <p:cNvGrpSpPr/>
-            <p:nvPr/>
-          </p:nvGrpSpPr>
-          <p:grpSpPr>
-            <a:xfrm>
-              <a:off x="15001" y="51070"/>
-              <a:ext cx="3067130" cy="1752601"/>
-              <a:chOff x="0" y="0"/>
-              <a:chExt cx="3067128" cy="1752600"/>
-            </a:xfrm>
-          </p:grpSpPr>
-          <p:sp>
-            <p:nvSpPr>
-              <p:cNvPr id="208" name="R’s tidyverse is built around tidy data stored in  tibbles, which are enhanced data frames.…"/>
-              <p:cNvSpPr txBox="1"/>
-              <p:nvPr/>
-            </p:nvSpPr>
-            <p:spPr>
-              <a:xfrm>
-                <a:off x="0" y="0"/>
-                <a:ext cx="3067129" cy="1752600"/>
-              </a:xfrm>
-              <a:prstGeom prst="rect">
-                <a:avLst/>
-              </a:prstGeom>
-              <a:noFill/>
-              <a:ln w="12700" cap="flat">
-                <a:noFill/>
-                <a:miter lim="400000"/>
-              </a:ln>
-              <a:effectLst/>
-              <a:extLst>
-                <a:ext uri="{C572A759-6A51-4108-AA02-DFA0A04FC94B}">
-                  <ma14:wrappingTextBoxFlag xmlns:ma14="http://schemas.microsoft.com/office/mac/drawingml/2011/main" val="1"/>
-                </a:ext>
-              </a:extLst>
-            </p:spPr>
-            <p:txBody>
-              <a:bodyPr wrap="square" lIns="50800" tIns="50800" rIns="50800" bIns="50800" numCol="1" anchor="t">
-                <a:spAutoFit/>
-              </a:bodyPr>
-              <a:lstStyle/>
-              <a:p>
-                <a:pPr>
-                  <a:spcBef>
-                    <a:spcPts val="500"/>
-                  </a:spcBef>
-                  <a:buClr>
-                    <a:srgbClr val="F39019"/>
-                  </a:buClr>
-                  <a:defRPr b="0">
-                    <a:solidFill>
-                      <a:srgbClr val="000000"/>
-                    </a:solidFill>
-                  </a:defRPr>
-                </a:pPr>
-                <a:r>
-                  <a:t>R’s</a:t>
-                </a:r>
-                <a:r>
-                  <a:rPr b="1"/>
-                  <a:t> </a:t>
-                </a:r>
-                <a:r>
-                  <a:rPr b="1"/>
-                  <a:t>tidyverse</a:t>
-                </a:r>
-                <a:r>
-                  <a:t> is built around </a:t>
-                </a:r>
-                <a:r>
-                  <a:rPr b="1"/>
-                  <a:t>tidy data</a:t>
-                </a:r>
-                <a:r>
-                  <a:t> stored in  </a:t>
-                </a:r>
-                <a:r>
-                  <a:rPr b="1"/>
-                  <a:t>tibbles</a:t>
-                </a:r>
-                <a:r>
-                  <a:t>, which are enhanced data frames. </a:t>
-                </a:r>
-              </a:p>
-              <a:p>
-                <a:pPr marL="114300">
-                  <a:spcBef>
-                    <a:spcPts val="500"/>
-                  </a:spcBef>
-                  <a:buClr>
-                    <a:srgbClr val="FF7E79"/>
-                  </a:buClr>
-                  <a:defRPr b="0">
-                    <a:solidFill>
-                      <a:srgbClr val="000000"/>
-                    </a:solidFill>
-                  </a:defRPr>
-                </a:pPr>
-                <a:r>
-                  <a:t>The front side of this sheet shows how to read text files into R with </a:t>
-                </a:r>
-                <a:r>
-                  <a:rPr b="1"/>
-                  <a:t>readr</a:t>
-                </a:r>
-                <a:r>
-                  <a:t>.</a:t>
-                </a:r>
-              </a:p>
-              <a:p>
-                <a:pPr marL="114300">
-                  <a:spcBef>
-                    <a:spcPts val="300"/>
-                  </a:spcBef>
-                  <a:buClr>
-                    <a:srgbClr val="FF7E79"/>
-                  </a:buClr>
-                  <a:defRPr b="0">
-                    <a:solidFill>
-                      <a:srgbClr val="000000"/>
-                    </a:solidFill>
-                  </a:defRPr>
-                </a:pPr>
-                <a:r>
-                  <a:t>The reverse side shows how to create tibbles with </a:t>
-                </a:r>
-                <a:r>
-                  <a:rPr b="1"/>
-                  <a:t>tibble</a:t>
-                </a:r>
-                <a:r>
-                  <a:t> and to layout tidy data with </a:t>
-                </a:r>
-                <a:r>
-                  <a:rPr b="1"/>
-                  <a:t>tidyr</a:t>
-                </a:r>
-                <a:r>
-                  <a:t>. </a:t>
-                </a:r>
-              </a:p>
-            </p:txBody>
-          </p:sp>
-          <p:pic>
-            <p:nvPicPr>
-              <p:cNvPr id="209" name="Image" descr="Image"/>
-              <p:cNvPicPr>
-                <a:picLocks noChangeAspect="1"/>
-              </p:cNvPicPr>
-              <p:nvPr/>
-            </p:nvPicPr>
-            <p:blipFill>
-              <a:blip r:embed="rId2">
-                <a:extLst/>
-              </a:blip>
-              <a:stretch>
-                <a:fillRect/>
-              </a:stretch>
-            </p:blipFill>
-            <p:spPr>
-              <a:xfrm>
-                <a:off x="123747" y="472536"/>
-                <a:ext cx="533401" cy="599716"/>
-              </a:xfrm>
-              <a:prstGeom prst="rect">
-                <a:avLst/>
-              </a:prstGeom>
-              <a:ln w="12700" cap="flat">
-                <a:noFill/>
-                <a:miter lim="400000"/>
-              </a:ln>
-              <a:effectLst/>
-            </p:spPr>
-          </p:pic>
-          <p:pic>
-            <p:nvPicPr>
-              <p:cNvPr id="210" name="tidyr.png" descr="tidyr.png"/>
-              <p:cNvPicPr>
-                <a:picLocks noChangeAspect="1"/>
-              </p:cNvPicPr>
-              <p:nvPr/>
-            </p:nvPicPr>
-            <p:blipFill>
-              <a:blip r:embed="rId3">
-                <a:extLst/>
-              </a:blip>
-              <a:stretch>
-                <a:fillRect/>
-              </a:stretch>
-            </p:blipFill>
-            <p:spPr>
-              <a:xfrm>
-                <a:off x="149147" y="1085563"/>
-                <a:ext cx="476928" cy="552744"/>
-              </a:xfrm>
-              <a:prstGeom prst="rect">
-                <a:avLst/>
-              </a:prstGeom>
-              <a:ln w="12700" cap="flat">
-                <a:noFill/>
-                <a:miter lim="400000"/>
-              </a:ln>
-              <a:effectLst>
-                <a:outerShdw sx="100000" sy="100000" kx="0" ky="0" algn="b" rotWithShape="0" blurRad="12700" dist="12700" dir="5400000">
-                  <a:srgbClr val="000000">
-                    <a:alpha val="50000"/>
-                  </a:srgbClr>
-                </a:outerShdw>
-              </a:effectLst>
-            </p:spPr>
-          </p:pic>
-        </p:grpSp>
-      </p:grpSp>
-      <p:pic>
-        <p:nvPicPr>
-          <p:cNvPr id="213" name="Image" descr="Image"/>
-          <p:cNvPicPr>
-            <a:picLocks noChangeAspect="1"/>
-          </p:cNvPicPr>
-          <p:nvPr/>
-        </p:nvPicPr>
-        <p:blipFill>
-          <a:blip r:embed="rId4">
-            <a:extLst/>
-          </a:blip>
-          <a:stretch>
-            <a:fillRect/>
-          </a:stretch>
-        </p:blipFill>
-        <p:spPr>
-          <a:xfrm>
-            <a:off x="8369105" y="-684523"/>
-            <a:ext cx="5603817" cy="2992964"/>
-          </a:xfrm>
-          <a:prstGeom prst="rect">
-            <a:avLst/>
-          </a:prstGeom>
-          <a:ln w="12700">
-            <a:miter lim="400000"/>
-          </a:ln>
-        </p:spPr>
-      </p:pic>
-      <p:sp>
-        <p:nvSpPr>
-          <p:cNvPr id="214" name="Save Data"/>
-          <p:cNvSpPr txBox="1"/>
-          <p:nvPr/>
-        </p:nvSpPr>
-        <p:spPr>
-          <a:xfrm>
-            <a:off x="320788" y="5245099"/>
-            <a:ext cx="1347154" cy="431801"/>
-          </a:xfrm>
-          <a:prstGeom prst="rect">
-            <a:avLst/>
-          </a:prstGeom>
-          <a:ln w="12700">
-            <a:miter lim="400000"/>
-          </a:ln>
-          <a:extLst>
-            <a:ext uri="{C572A759-6A51-4108-AA02-DFA0A04FC94B}">
-              <ma14:wrappingTextBoxFlag xmlns:ma14="http://schemas.microsoft.com/office/mac/drawingml/2011/main" val="1"/>
-            </a:ext>
-          </a:extLst>
-        </p:spPr>
-        <p:txBody>
-          <a:bodyPr wrap="none" lIns="12700" tIns="12700" rIns="12700" bIns="12700" anchor="ctr">
-            <a:spAutoFit/>
-          </a:bodyPr>
-          <a:lstStyle/>
-          <a:p>
-            <a:pPr lvl="1" indent="0">
-              <a:lnSpc>
-                <a:spcPct val="80000"/>
-              </a:lnSpc>
-              <a:spcBef>
-                <a:spcPts val="0"/>
-              </a:spcBef>
-              <a:defRPr b="0" sz="2500">
-                <a:solidFill>
-                  <a:schemeClr val="accent6"/>
-                </a:solidFill>
-              </a:defRPr>
-            </a:pPr>
-            <a:r>
-              <a:t>Save Data</a:t>
-            </a:r>
-          </a:p>
-        </p:txBody>
-      </p:sp>
-      <p:sp>
-        <p:nvSpPr>
-          <p:cNvPr id="215" name="Line"/>
-          <p:cNvSpPr/>
-          <p:nvPr/>
-        </p:nvSpPr>
-        <p:spPr>
-          <a:xfrm>
-            <a:off x="344039" y="1217208"/>
-            <a:ext cx="3037294" cy="1"/>
-          </a:xfrm>
-          <a:prstGeom prst="line">
-            <a:avLst/>
-          </a:prstGeom>
-          <a:ln w="3175">
-            <a:solidFill>
-              <a:srgbClr val="FFF2C5"/>
-            </a:solidFill>
-            <a:miter lim="400000"/>
-          </a:ln>
-        </p:spPr>
-        <p:txBody>
-          <a:bodyPr lIns="54570" tIns="54570" rIns="54570" bIns="54570" anchor="ctr"/>
-          <a:lstStyle/>
-          <a:p>
-            <a:pPr>
-              <a:lnSpc>
-                <a:spcPct val="80000"/>
-              </a:lnSpc>
-              <a:spcBef>
-                <a:spcPts val="600"/>
-              </a:spcBef>
-              <a:defRPr b="0">
-                <a:solidFill>
-                  <a:srgbClr val="000000"/>
-                </a:solidFill>
-              </a:defRPr>
-            </a:pPr>
-          </a:p>
-        </p:txBody>
-      </p:sp>
-      <p:sp>
-        <p:nvSpPr>
-          <p:cNvPr id="216" name="Data Import : : CHEAT SHEET"/>
-          <p:cNvSpPr txBox="1"/>
-          <p:nvPr>
-            <p:ph type="title"/>
-          </p:nvPr>
-        </p:nvSpPr>
-        <p:spPr>
-          <a:xfrm>
-            <a:off x="275721" y="361177"/>
-            <a:ext cx="10898129" cy="803346"/>
-          </a:xfrm>
-          <a:prstGeom prst="rect">
-            <a:avLst/>
-          </a:prstGeom>
-        </p:spPr>
-        <p:txBody>
-          <a:bodyPr lIns="0" tIns="0" rIns="0" bIns="0" anchor="t"/>
-          <a:lstStyle/>
-          <a:p>
-            <a:pPr/>
-            <a:r>
-              <a:t>Data Import : : </a:t>
-            </a:r>
-            <a:r>
-              <a:rPr sz="3300">
-                <a:latin typeface="Source Sans Pro Semibold"/>
-                <a:ea typeface="Source Sans Pro Semibold"/>
-                <a:cs typeface="Source Sans Pro Semibold"/>
-                <a:sym typeface="Source Sans Pro Semibold"/>
-              </a:rPr>
-              <a:t>CHEAT SHEET</a:t>
-            </a:r>
-            <a:r>
-              <a:t> </a:t>
-            </a:r>
-          </a:p>
-        </p:txBody>
-      </p:sp>
-      <p:sp>
-        <p:nvSpPr>
-          <p:cNvPr id="217" name="Line"/>
-          <p:cNvSpPr/>
-          <p:nvPr/>
-        </p:nvSpPr>
-        <p:spPr>
-          <a:xfrm>
-            <a:off x="316739" y="5245100"/>
-            <a:ext cx="3091893" cy="0"/>
-          </a:xfrm>
-          <a:prstGeom prst="line">
-            <a:avLst/>
-          </a:prstGeom>
-          <a:ln w="6350">
-            <a:solidFill>
-              <a:srgbClr val="767C85"/>
-            </a:solidFill>
-            <a:miter lim="400000"/>
-          </a:ln>
-        </p:spPr>
-        <p:txBody>
-          <a:bodyPr lIns="54570" tIns="54570" rIns="54570" bIns="54570" anchor="ctr"/>
-          <a:lstStyle/>
-          <a:p>
-            <a:pPr>
-              <a:lnSpc>
-                <a:spcPct val="80000"/>
-              </a:lnSpc>
-              <a:spcBef>
-                <a:spcPts val="600"/>
-              </a:spcBef>
-              <a:defRPr b="0">
-                <a:solidFill>
-                  <a:srgbClr val="000000"/>
-                </a:solidFill>
-              </a:defRPr>
-            </a:pPr>
-          </a:p>
-        </p:txBody>
-      </p:sp>
-      <p:sp>
-        <p:nvSpPr>
-          <p:cNvPr id="218" name="Read Tabular Data - These functions share the common arguments:"/>
-          <p:cNvSpPr txBox="1"/>
-          <p:nvPr/>
-        </p:nvSpPr>
-        <p:spPr>
-          <a:xfrm>
-            <a:off x="3719970" y="1215390"/>
-            <a:ext cx="5604308" cy="541021"/>
-          </a:xfrm>
-          <a:prstGeom prst="rect">
-            <a:avLst/>
-          </a:prstGeom>
-          <a:ln w="12700">
-            <a:miter lim="400000"/>
-          </a:ln>
-          <a:extLst>
-            <a:ext uri="{C572A759-6A51-4108-AA02-DFA0A04FC94B}">
-              <ma14:wrappingTextBoxFlag xmlns:ma14="http://schemas.microsoft.com/office/mac/drawingml/2011/main" val="1"/>
-            </a:ext>
-          </a:extLst>
-        </p:spPr>
-        <p:txBody>
-          <a:bodyPr wrap="none" lIns="12700" tIns="12700" rIns="12700" bIns="12700" anchor="ctr">
-            <a:spAutoFit/>
-          </a:bodyPr>
-          <a:lstStyle/>
-          <a:p>
-            <a:pPr lvl="1" indent="0">
-              <a:lnSpc>
-                <a:spcPct val="80000"/>
-              </a:lnSpc>
-              <a:spcBef>
-                <a:spcPts val="0"/>
-              </a:spcBef>
-              <a:defRPr b="0" sz="2500">
-                <a:solidFill>
-                  <a:schemeClr val="accent6"/>
-                </a:solidFill>
-              </a:defRPr>
-            </a:pPr>
-            <a:r>
-              <a:t>Read Tabular Data </a:t>
-            </a:r>
-            <a:r>
-              <a:rPr sz="1200"/>
-              <a:t>- These functions share the common arguments:</a:t>
-            </a:r>
-            <a:endParaRPr sz="1200"/>
-          </a:p>
-        </p:txBody>
-      </p:sp>
-      <p:sp>
-        <p:nvSpPr>
-          <p:cNvPr id="219" name="Line"/>
-          <p:cNvSpPr/>
-          <p:nvPr/>
-        </p:nvSpPr>
-        <p:spPr>
-          <a:xfrm>
-            <a:off x="3720556" y="1217208"/>
-            <a:ext cx="6528888" cy="1"/>
-          </a:xfrm>
-          <a:prstGeom prst="line">
-            <a:avLst/>
-          </a:prstGeom>
-          <a:ln w="6350">
-            <a:solidFill>
-              <a:srgbClr val="767C85"/>
-            </a:solidFill>
-            <a:miter lim="400000"/>
-          </a:ln>
-        </p:spPr>
-        <p:txBody>
-          <a:bodyPr lIns="54570" tIns="54570" rIns="54570" bIns="54570" anchor="ctr"/>
-          <a:lstStyle/>
-          <a:p>
-            <a:pPr>
-              <a:lnSpc>
-                <a:spcPct val="80000"/>
-              </a:lnSpc>
-              <a:spcBef>
-                <a:spcPts val="600"/>
-              </a:spcBef>
-              <a:defRPr b="0">
-                <a:solidFill>
-                  <a:srgbClr val="000000"/>
-                </a:solidFill>
-              </a:defRPr>
-            </a:pPr>
-          </a:p>
-        </p:txBody>
-      </p:sp>
-      <p:sp>
-        <p:nvSpPr>
-          <p:cNvPr id="220" name="Data types"/>
-          <p:cNvSpPr txBox="1"/>
-          <p:nvPr/>
-        </p:nvSpPr>
-        <p:spPr>
-          <a:xfrm>
-            <a:off x="10573099" y="1216961"/>
-            <a:ext cx="1435419" cy="431801"/>
-          </a:xfrm>
-          <a:prstGeom prst="rect">
-            <a:avLst/>
-          </a:prstGeom>
-          <a:ln w="12700">
-            <a:miter lim="400000"/>
-          </a:ln>
-          <a:extLst>
-            <a:ext uri="{C572A759-6A51-4108-AA02-DFA0A04FC94B}">
-              <ma14:wrappingTextBoxFlag xmlns:ma14="http://schemas.microsoft.com/office/mac/drawingml/2011/main" val="1"/>
-            </a:ext>
-          </a:extLst>
-        </p:spPr>
-        <p:txBody>
-          <a:bodyPr wrap="none" lIns="12700" tIns="12700" rIns="12700" bIns="12700" anchor="ctr">
-            <a:spAutoFit/>
-          </a:bodyPr>
-          <a:lstStyle/>
-          <a:p>
-            <a:pPr lvl="1" indent="0">
-              <a:lnSpc>
-                <a:spcPct val="80000"/>
-              </a:lnSpc>
-              <a:spcBef>
-                <a:spcPts val="0"/>
-              </a:spcBef>
-              <a:defRPr b="0" sz="2500">
-                <a:solidFill>
-                  <a:schemeClr val="accent6"/>
-                </a:solidFill>
-              </a:defRPr>
-            </a:pPr>
-            <a:r>
-              <a:t>Data types</a:t>
-            </a:r>
-          </a:p>
-        </p:txBody>
-      </p:sp>
-      <p:sp>
-        <p:nvSpPr>
-          <p:cNvPr id="221" name="Line"/>
-          <p:cNvSpPr/>
-          <p:nvPr/>
-        </p:nvSpPr>
-        <p:spPr>
-          <a:xfrm>
-            <a:off x="10540889" y="1214970"/>
-            <a:ext cx="3079671" cy="1"/>
-          </a:xfrm>
-          <a:prstGeom prst="line">
-            <a:avLst/>
-          </a:prstGeom>
-          <a:ln w="6350">
-            <a:solidFill>
-              <a:srgbClr val="767C85"/>
-            </a:solidFill>
-            <a:miter lim="400000"/>
-          </a:ln>
-        </p:spPr>
-        <p:txBody>
-          <a:bodyPr lIns="54570" tIns="54570" rIns="54570" bIns="54570" anchor="ctr"/>
-          <a:lstStyle/>
-          <a:p>
-            <a:pPr>
-              <a:lnSpc>
-                <a:spcPct val="80000"/>
-              </a:lnSpc>
-              <a:spcBef>
-                <a:spcPts val="600"/>
-              </a:spcBef>
-              <a:defRPr b="0">
-                <a:solidFill>
-                  <a:srgbClr val="000000"/>
-                </a:solidFill>
-              </a:defRPr>
-            </a:pPr>
-          </a:p>
-        </p:txBody>
-      </p:sp>
-      <p:sp>
-        <p:nvSpPr>
-          <p:cNvPr id="222" name="USEFUL ARGUMENTS"/>
-          <p:cNvSpPr txBox="1"/>
-          <p:nvPr/>
-        </p:nvSpPr>
-        <p:spPr>
-          <a:xfrm>
-            <a:off x="3722607" y="5925099"/>
-            <a:ext cx="1442772" cy="215901"/>
-          </a:xfrm>
-          <a:prstGeom prst="rect">
-            <a:avLst/>
-          </a:prstGeom>
-          <a:ln w="12700">
-            <a:miter lim="400000"/>
-          </a:ln>
-          <a:extLst>
-            <a:ext uri="{C572A759-6A51-4108-AA02-DFA0A04FC94B}">
-              <ma14:wrappingTextBoxFlag xmlns:ma14="http://schemas.microsoft.com/office/mac/drawingml/2011/main" val="1"/>
-            </a:ext>
-          </a:extLst>
-        </p:spPr>
-        <p:txBody>
-          <a:bodyPr wrap="none" lIns="12700" tIns="12700" rIns="12700" bIns="12700" anchor="ctr">
-            <a:spAutoFit/>
-          </a:bodyPr>
-          <a:lstStyle/>
-          <a:p>
-            <a:pPr lvl="1" indent="0"/>
-            <a:r>
-              <a:t>USEFUL ARGUMENTS</a:t>
-            </a:r>
-          </a:p>
-        </p:txBody>
-      </p:sp>
-      <p:sp>
-        <p:nvSpPr>
-          <p:cNvPr id="223" name="Line"/>
-          <p:cNvSpPr/>
-          <p:nvPr/>
-        </p:nvSpPr>
-        <p:spPr>
-          <a:xfrm>
-            <a:off x="3713850" y="5865319"/>
-            <a:ext cx="6517793" cy="1"/>
-          </a:xfrm>
-          <a:prstGeom prst="line">
-            <a:avLst/>
-          </a:prstGeom>
-          <a:ln w="12700">
-            <a:solidFill>
-              <a:srgbClr val="4C4C4C"/>
-            </a:solidFill>
-            <a:custDash>
-              <a:ds d="100000" sp="200000"/>
-            </a:custDash>
-          </a:ln>
-        </p:spPr>
-        <p:txBody>
-          <a:bodyPr lIns="54570" tIns="54570" rIns="54570" bIns="54570" anchor="ctr"/>
-          <a:lstStyle/>
-          <a:p>
-            <a:pPr>
-              <a:lnSpc>
-                <a:spcPct val="80000"/>
-              </a:lnSpc>
-              <a:spcBef>
-                <a:spcPts val="600"/>
-              </a:spcBef>
-              <a:defRPr b="0">
-                <a:solidFill>
-                  <a:srgbClr val="000000"/>
-                </a:solidFill>
-              </a:defRPr>
-            </a:pPr>
-          </a:p>
-        </p:txBody>
-      </p:sp>
-      <p:pic>
-        <p:nvPicPr>
-          <p:cNvPr id="224" name="readr.png" descr="readr.png"/>
-          <p:cNvPicPr>
-            <a:picLocks noChangeAspect="1"/>
-          </p:cNvPicPr>
-          <p:nvPr/>
-        </p:nvPicPr>
-        <p:blipFill>
-          <a:blip r:embed="rId5">
-            <a:extLst/>
-          </a:blip>
-          <a:stretch>
-            <a:fillRect/>
-          </a:stretch>
-        </p:blipFill>
-        <p:spPr>
-          <a:xfrm>
-            <a:off x="12294644" y="198849"/>
-            <a:ext cx="1378971" cy="1598182"/>
-          </a:xfrm>
-          <a:prstGeom prst="rect">
-            <a:avLst/>
-          </a:prstGeom>
-          <a:ln w="12700">
-            <a:miter lim="400000"/>
-          </a:ln>
-        </p:spPr>
-      </p:pic>
-      <p:sp>
-        <p:nvSpPr>
-          <p:cNvPr id="225" name="RStudio® is a trademark of RStudio, Inc.  •  CC BY RStudio •  info@rstudio.com  •  844-448-1212 • rstudio.com •  Learn more with tidyverse.org  •  readr  1.1.0 •  tibble  1.2.12 •  tidyr  0.6.0 •  Updated: 2017-01"/>
-          <p:cNvSpPr txBox="1"/>
-          <p:nvPr/>
-        </p:nvSpPr>
-        <p:spPr>
-          <a:xfrm>
-            <a:off x="1679757" y="10340910"/>
-            <a:ext cx="11996481" cy="248842"/>
-          </a:xfrm>
-          <a:prstGeom prst="rect">
-            <a:avLst/>
-          </a:prstGeom>
-          <a:ln w="12700">
-            <a:miter lim="400000"/>
-          </a:ln>
-          <a:extLst>
-            <a:ext uri="{C572A759-6A51-4108-AA02-DFA0A04FC94B}">
-              <ma14:wrappingTextBoxFlag xmlns:ma14="http://schemas.microsoft.com/office/mac/drawingml/2011/main" val="1"/>
-            </a:ext>
-          </a:extLst>
-        </p:spPr>
-        <p:txBody>
-          <a:bodyPr lIns="54570" tIns="54570" rIns="54570" bIns="54570" anchor="ctr">
-            <a:spAutoFit/>
-          </a:bodyPr>
-          <a:lstStyle/>
-          <a:p>
-            <a:pPr algn="r">
-              <a:lnSpc>
-                <a:spcPct val="90000"/>
-              </a:lnSpc>
-              <a:spcBef>
-                <a:spcPts val="0"/>
-              </a:spcBef>
-              <a:defRPr b="0" sz="900">
-                <a:solidFill>
-                  <a:srgbClr val="000000"/>
-                </a:solidFill>
-              </a:defRPr>
-            </a:pPr>
-            <a:r>
-              <a:t>RStudio® is a trademark of RStudio, Inc.  •  </a:t>
-            </a:r>
-            <a:r>
-              <a:rPr>
-                <a:hlinkClick r:id="rId6" invalidUrl="" action="" tgtFrame="" tooltip="" history="1" highlightClick="0" endSnd="0"/>
-              </a:rPr>
-              <a:t>CC BY </a:t>
-            </a:r>
-            <a:r>
-              <a:t>RStudio •  </a:t>
-            </a:r>
-            <a:r>
-              <a:rPr>
-                <a:hlinkClick r:id="rId7" invalidUrl="" action="" tgtFrame="" tooltip="" history="1" highlightClick="0" endSnd="0"/>
-              </a:rPr>
-              <a:t>info@rstudio.com</a:t>
-            </a:r>
-            <a:r>
-              <a:t>  •  844-448-1212 • </a:t>
-            </a:r>
-            <a:r>
-              <a:rPr>
-                <a:hlinkClick r:id="rId8" invalidUrl="" action="" tgtFrame="" tooltip="" history="1" highlightClick="0" endSnd="0"/>
-              </a:rPr>
-              <a:t>rstudio.com</a:t>
-            </a:r>
-            <a:r>
-              <a:t> •  Learn more with </a:t>
-            </a:r>
-            <a:r>
-              <a:rPr u="sng">
-                <a:hlinkClick r:id="rId9" invalidUrl="" action="" tgtFrame="" tooltip="" history="1" highlightClick="0" endSnd="0"/>
-              </a:rPr>
-              <a:t>tidyverse.org</a:t>
-            </a:r>
-            <a:r>
-              <a:rPr b="1"/>
-              <a:t> </a:t>
-            </a:r>
-            <a:r>
-              <a:t> •  readr  1.1.0 •  tibble  1.2.12 •  tidyr  0.6.0 •  Updated: 2017-01</a:t>
-            </a:r>
-          </a:p>
-        </p:txBody>
-      </p:sp>
-      <p:pic>
-        <p:nvPicPr>
-          <p:cNvPr id="226" name="Image" descr="Image"/>
-          <p:cNvPicPr>
-            <a:picLocks noChangeAspect="1"/>
-          </p:cNvPicPr>
-          <p:nvPr/>
-        </p:nvPicPr>
-        <p:blipFill>
-          <a:blip r:embed="rId10">
-            <a:extLst/>
-          </a:blip>
-          <a:stretch>
-            <a:fillRect/>
-          </a:stretch>
-        </p:blipFill>
-        <p:spPr>
-          <a:xfrm>
-            <a:off x="238823" y="9978474"/>
-            <a:ext cx="1754521" cy="616478"/>
-          </a:xfrm>
-          <a:prstGeom prst="rect">
-            <a:avLst/>
-          </a:prstGeom>
-          <a:ln w="12700">
-            <a:miter lim="400000"/>
-          </a:ln>
-        </p:spPr>
-      </p:pic>
-      <p:sp>
-        <p:nvSpPr>
-          <p:cNvPr id="227" name="Line"/>
-          <p:cNvSpPr/>
-          <p:nvPr/>
-        </p:nvSpPr>
-        <p:spPr>
-          <a:xfrm>
-            <a:off x="2354308" y="10337513"/>
-            <a:ext cx="11321194" cy="1"/>
-          </a:xfrm>
-          <a:prstGeom prst="line">
-            <a:avLst/>
-          </a:prstGeom>
-          <a:ln w="12700">
-            <a:solidFill>
-              <a:srgbClr val="E4E4E3"/>
-            </a:solidFill>
-            <a:miter lim="400000"/>
-          </a:ln>
-        </p:spPr>
-        <p:txBody>
-          <a:bodyPr lIns="54570" tIns="54570" rIns="54570" bIns="54570" anchor="ctr"/>
-          <a:lstStyle/>
-          <a:p>
-            <a:pPr>
-              <a:lnSpc>
-                <a:spcPct val="80000"/>
-              </a:lnSpc>
-              <a:spcBef>
-                <a:spcPts val="600"/>
-              </a:spcBef>
-              <a:defRPr b="0">
-                <a:solidFill>
-                  <a:srgbClr val="000000"/>
-                </a:solidFill>
-              </a:defRPr>
-            </a:pPr>
-          </a:p>
-        </p:txBody>
-      </p:sp>
-      <p:sp>
-        <p:nvSpPr>
-          <p:cNvPr id="228" name="OTHER TYPES OF DATA"/>
-          <p:cNvSpPr txBox="1"/>
-          <p:nvPr/>
-        </p:nvSpPr>
-        <p:spPr>
-          <a:xfrm>
-            <a:off x="305964" y="3157154"/>
-            <a:ext cx="1620239" cy="299642"/>
-          </a:xfrm>
-          <a:prstGeom prst="rect">
-            <a:avLst/>
-          </a:prstGeom>
-          <a:ln w="12700">
-            <a:miter lim="400000"/>
-          </a:ln>
-          <a:extLst>
-            <a:ext uri="{C572A759-6A51-4108-AA02-DFA0A04FC94B}">
-              <ma14:wrappingTextBoxFlag xmlns:ma14="http://schemas.microsoft.com/office/mac/drawingml/2011/main" val="1"/>
-            </a:ext>
-          </a:extLst>
-        </p:spPr>
-        <p:txBody>
-          <a:bodyPr wrap="none" lIns="54570" tIns="54570" rIns="54570" bIns="54570" anchor="ctr">
-            <a:spAutoFit/>
-          </a:bodyPr>
-          <a:lstStyle>
-            <a:lvl1pPr>
-              <a:lnSpc>
-                <a:spcPct val="80000"/>
-              </a:lnSpc>
-              <a:spcBef>
-                <a:spcPts val="300"/>
-              </a:spcBef>
-              <a:defRPr>
-                <a:solidFill>
-                  <a:schemeClr val="accent6">
-                    <a:hueOff val="-3673401"/>
-                    <a:satOff val="-35929"/>
-                    <a:lumOff val="-28653"/>
-                  </a:schemeClr>
-                </a:solidFill>
-              </a:defRPr>
-            </a:lvl1pPr>
-          </a:lstStyle>
-          <a:p>
-            <a:pPr/>
-            <a:r>
-              <a:t>OTHER TYPES OF DATA</a:t>
-            </a:r>
-          </a:p>
-        </p:txBody>
-      </p:sp>
-      <p:sp>
-        <p:nvSpPr>
-          <p:cNvPr id="229" name="Comma delimited file…"/>
-          <p:cNvSpPr txBox="1"/>
-          <p:nvPr/>
-        </p:nvSpPr>
-        <p:spPr>
-          <a:xfrm>
-            <a:off x="169890" y="5878148"/>
-            <a:ext cx="3361336" cy="4011005"/>
-          </a:xfrm>
-          <a:prstGeom prst="rect">
-            <a:avLst/>
-          </a:prstGeom>
-          <a:ln w="12700">
-            <a:miter lim="400000"/>
-          </a:ln>
-          <a:extLst>
-            <a:ext uri="{C572A759-6A51-4108-AA02-DFA0A04FC94B}">
-              <ma14:wrappingTextBoxFlag xmlns:ma14="http://schemas.microsoft.com/office/mac/drawingml/2011/main" val="1"/>
-            </a:ext>
-          </a:extLst>
-        </p:spPr>
-        <p:txBody>
-          <a:bodyPr lIns="54570" tIns="54570" rIns="54570" bIns="54570" anchor="ctr">
-            <a:normAutofit fontScale="100000" lnSpcReduction="0"/>
-          </a:bodyPr>
-          <a:lstStyle/>
-          <a:p>
-            <a:pPr marL="228600" indent="-114300">
-              <a:lnSpc>
-                <a:spcPct val="90000"/>
-              </a:lnSpc>
-              <a:spcBef>
-                <a:spcPts val="0"/>
-              </a:spcBef>
-              <a:defRPr>
-                <a:solidFill>
-                  <a:srgbClr val="000000"/>
-                </a:solidFill>
-              </a:defRPr>
-            </a:pPr>
-            <a:r>
-              <a:t>Comma delimited file</a:t>
-            </a:r>
-          </a:p>
-          <a:p>
-            <a:pPr marL="228600" indent="-114300">
-              <a:lnSpc>
-                <a:spcPct val="90000"/>
-              </a:lnSpc>
-              <a:spcBef>
-                <a:spcPts val="500"/>
-              </a:spcBef>
-              <a:defRPr b="0">
-                <a:solidFill>
-                  <a:schemeClr val="accent6"/>
-                </a:solidFill>
-              </a:defRPr>
-            </a:pPr>
-            <a:r>
-              <a:rPr b="1"/>
-              <a:t>write_csv(</a:t>
-            </a:r>
-            <a:r>
-              <a:t>x, path, na = "NA", append = FALSE, col_names = !append</a:t>
-            </a:r>
-            <a:r>
-              <a:rPr b="1"/>
-              <a:t>)</a:t>
-            </a:r>
-            <a:endParaRPr b="1"/>
-          </a:p>
-          <a:p>
-            <a:pPr marL="228600" indent="-114300">
-              <a:lnSpc>
-                <a:spcPct val="90000"/>
-              </a:lnSpc>
-              <a:spcBef>
-                <a:spcPts val="0"/>
-              </a:spcBef>
-              <a:defRPr>
-                <a:solidFill>
-                  <a:srgbClr val="000000"/>
-                </a:solidFill>
-              </a:defRPr>
-            </a:pPr>
-            <a:r>
-              <a:t>File with arbitrary delimiter</a:t>
-            </a:r>
-          </a:p>
-          <a:p>
-            <a:pPr marL="228600" indent="-114300">
-              <a:lnSpc>
-                <a:spcPct val="90000"/>
-              </a:lnSpc>
-              <a:spcBef>
-                <a:spcPts val="500"/>
-              </a:spcBef>
-              <a:defRPr b="0">
-                <a:solidFill>
-                  <a:schemeClr val="accent6"/>
-                </a:solidFill>
-              </a:defRPr>
-            </a:pPr>
-            <a:r>
-              <a:rPr b="1"/>
-              <a:t>write_delim(</a:t>
-            </a:r>
-            <a:r>
-              <a:t>x, path, delim = " ", na = "NA", append = FALSE, col_names = !append</a:t>
-            </a:r>
-            <a:r>
-              <a:rPr b="1"/>
-              <a:t>)</a:t>
-            </a:r>
-          </a:p>
-          <a:p>
-            <a:pPr marL="228600" indent="-114300">
-              <a:lnSpc>
-                <a:spcPct val="90000"/>
-              </a:lnSpc>
-              <a:spcBef>
-                <a:spcPts val="0"/>
-              </a:spcBef>
-              <a:defRPr>
-                <a:solidFill>
-                  <a:srgbClr val="000000"/>
-                </a:solidFill>
-              </a:defRPr>
-            </a:pPr>
-            <a:r>
-              <a:t>CSV for excel</a:t>
-            </a:r>
-          </a:p>
-          <a:p>
-            <a:pPr marL="228600" indent="-114300">
-              <a:lnSpc>
-                <a:spcPct val="90000"/>
-              </a:lnSpc>
-              <a:spcBef>
-                <a:spcPts val="500"/>
-              </a:spcBef>
-              <a:defRPr b="0">
-                <a:solidFill>
-                  <a:schemeClr val="accent6"/>
-                </a:solidFill>
-              </a:defRPr>
-            </a:pPr>
-            <a:r>
-              <a:rPr b="1"/>
-              <a:t>write_excel_csv(</a:t>
-            </a:r>
-            <a:r>
-              <a:t>x, path, na = "NA", append = FALSE, col_names = !append</a:t>
-            </a:r>
-            <a:r>
-              <a:rPr b="1"/>
-              <a:t>)</a:t>
-            </a:r>
-          </a:p>
-          <a:p>
-            <a:pPr marL="228600" indent="-114300">
-              <a:lnSpc>
-                <a:spcPct val="90000"/>
-              </a:lnSpc>
-              <a:spcBef>
-                <a:spcPts val="0"/>
-              </a:spcBef>
-              <a:defRPr>
-                <a:solidFill>
-                  <a:srgbClr val="000000"/>
-                </a:solidFill>
-              </a:defRPr>
-            </a:pPr>
-            <a:r>
-              <a:t>String to file</a:t>
-            </a:r>
-          </a:p>
-          <a:p>
-            <a:pPr marL="228600" indent="-114300">
-              <a:lnSpc>
-                <a:spcPct val="90000"/>
-              </a:lnSpc>
-              <a:spcBef>
-                <a:spcPts val="500"/>
-              </a:spcBef>
-              <a:defRPr b="0">
-                <a:solidFill>
-                  <a:schemeClr val="accent6"/>
-                </a:solidFill>
-              </a:defRPr>
-            </a:pPr>
-            <a:r>
-              <a:rPr b="1"/>
-              <a:t>write_file(</a:t>
-            </a:r>
-            <a:r>
-              <a:t>x, path, append = FALSE</a:t>
-            </a:r>
-            <a:r>
-              <a:rPr b="1"/>
-              <a:t>)</a:t>
-            </a:r>
-          </a:p>
-          <a:p>
-            <a:pPr marL="228600" indent="-114300">
-              <a:lnSpc>
-                <a:spcPct val="90000"/>
-              </a:lnSpc>
-              <a:spcBef>
-                <a:spcPts val="0"/>
-              </a:spcBef>
-              <a:defRPr>
-                <a:solidFill>
-                  <a:srgbClr val="000000"/>
-                </a:solidFill>
-              </a:defRPr>
-            </a:pPr>
-            <a:r>
-              <a:t>String vector to file, one element per line</a:t>
-            </a:r>
-          </a:p>
-          <a:p>
-            <a:pPr marL="228600" indent="-114300">
-              <a:lnSpc>
-                <a:spcPct val="90000"/>
-              </a:lnSpc>
-              <a:spcBef>
-                <a:spcPts val="500"/>
-              </a:spcBef>
-              <a:defRPr b="0">
-                <a:solidFill>
-                  <a:schemeClr val="accent6"/>
-                </a:solidFill>
-              </a:defRPr>
-            </a:pPr>
-            <a:r>
-              <a:rPr b="1"/>
-              <a:t>write_lines(</a:t>
-            </a:r>
-            <a:r>
-              <a:t>x,path, na = "NA", append = FALSE</a:t>
-            </a:r>
-            <a:r>
-              <a:rPr b="1"/>
-              <a:t>)</a:t>
-            </a:r>
-          </a:p>
-          <a:p>
-            <a:pPr marL="228600" indent="-114300">
-              <a:lnSpc>
-                <a:spcPct val="90000"/>
-              </a:lnSpc>
-              <a:spcBef>
-                <a:spcPts val="0"/>
-              </a:spcBef>
-              <a:defRPr>
-                <a:solidFill>
-                  <a:srgbClr val="000000"/>
-                </a:solidFill>
-              </a:defRPr>
-            </a:pPr>
-            <a:r>
-              <a:t>Object to RDS file</a:t>
-            </a:r>
-          </a:p>
-          <a:p>
-            <a:pPr marL="228600" indent="-114300">
-              <a:lnSpc>
-                <a:spcPct val="90000"/>
-              </a:lnSpc>
-              <a:spcBef>
-                <a:spcPts val="500"/>
-              </a:spcBef>
-              <a:defRPr b="0">
-                <a:solidFill>
-                  <a:schemeClr val="accent6"/>
-                </a:solidFill>
-              </a:defRPr>
-            </a:pPr>
-            <a:r>
-              <a:rPr b="1"/>
-              <a:t>write_rds(</a:t>
-            </a:r>
-            <a:r>
-              <a:t>x, path, compress = c("none", "gz", "bz2", "xz"), ...</a:t>
-            </a:r>
-            <a:r>
-              <a:rPr b="1"/>
-              <a:t>)</a:t>
-            </a:r>
-          </a:p>
-          <a:p>
-            <a:pPr marL="228600" indent="-114300">
-              <a:lnSpc>
-                <a:spcPct val="90000"/>
-              </a:lnSpc>
-              <a:spcBef>
-                <a:spcPts val="0"/>
-              </a:spcBef>
-              <a:defRPr>
-                <a:solidFill>
-                  <a:srgbClr val="000000"/>
-                </a:solidFill>
-              </a:defRPr>
-            </a:pPr>
-            <a:r>
-              <a:t>Tab delimited files</a:t>
-            </a:r>
-          </a:p>
-          <a:p>
-            <a:pPr marL="228600" indent="-114300">
-              <a:lnSpc>
-                <a:spcPct val="90000"/>
-              </a:lnSpc>
-              <a:defRPr b="0">
-                <a:solidFill>
-                  <a:schemeClr val="accent6"/>
-                </a:solidFill>
-              </a:defRPr>
-            </a:pPr>
-            <a:r>
-              <a:rPr b="1"/>
-              <a:t>write_tsv(</a:t>
-            </a:r>
-            <a:r>
-              <a:t>x, path, na = "NA", append = FALSE, col_names = !append</a:t>
-            </a:r>
-            <a:r>
-              <a:rPr b="1"/>
-              <a:t>)</a:t>
-            </a:r>
-          </a:p>
-        </p:txBody>
-      </p:sp>
-      <p:sp>
-        <p:nvSpPr>
-          <p:cNvPr id="230" name="Save x, an R object, to path, a file path, as:"/>
-          <p:cNvSpPr txBox="1"/>
-          <p:nvPr/>
-        </p:nvSpPr>
-        <p:spPr>
-          <a:xfrm>
-            <a:off x="163717" y="5694179"/>
-            <a:ext cx="3122537" cy="299642"/>
-          </a:xfrm>
-          <a:prstGeom prst="rect">
-            <a:avLst/>
-          </a:prstGeom>
-          <a:ln w="12700">
-            <a:miter lim="400000"/>
-          </a:ln>
-          <a:extLst>
-            <a:ext uri="{C572A759-6A51-4108-AA02-DFA0A04FC94B}">
-              <ma14:wrappingTextBoxFlag xmlns:ma14="http://schemas.microsoft.com/office/mac/drawingml/2011/main" val="1"/>
-            </a:ext>
-          </a:extLst>
-        </p:spPr>
-        <p:txBody>
-          <a:bodyPr lIns="54570" tIns="54570" rIns="54570" bIns="54570" anchor="ctr">
-            <a:spAutoFit/>
-          </a:bodyPr>
-          <a:lstStyle/>
-          <a:p>
-            <a:pPr>
-              <a:lnSpc>
-                <a:spcPct val="90000"/>
-              </a:lnSpc>
-              <a:spcBef>
-                <a:spcPts val="300"/>
-              </a:spcBef>
-              <a:defRPr b="0">
-                <a:solidFill>
-                  <a:srgbClr val="000000"/>
-                </a:solidFill>
-              </a:defRPr>
-            </a:pPr>
-            <a:r>
-              <a:t>Save </a:t>
-            </a:r>
-            <a:r>
-              <a:rPr b="1">
-                <a:solidFill>
-                  <a:srgbClr val="6B8CB2"/>
-                </a:solidFill>
-              </a:rPr>
-              <a:t>x</a:t>
-            </a:r>
-            <a:r>
-              <a:t>, an R object, to </a:t>
-            </a:r>
-            <a:r>
-              <a:rPr b="1">
-                <a:solidFill>
-                  <a:srgbClr val="6B8CB2"/>
-                </a:solidFill>
-              </a:rPr>
-              <a:t>path</a:t>
-            </a:r>
-            <a:r>
-              <a:t>, a file path, as:</a:t>
-            </a:r>
-          </a:p>
-        </p:txBody>
-      </p:sp>
-      <p:sp>
-        <p:nvSpPr>
-          <p:cNvPr id="231" name="Skip lines…"/>
-          <p:cNvSpPr txBox="1"/>
-          <p:nvPr/>
-        </p:nvSpPr>
-        <p:spPr>
-          <a:xfrm>
-            <a:off x="8336347" y="6135555"/>
-            <a:ext cx="2036054" cy="2126374"/>
-          </a:xfrm>
-          <a:prstGeom prst="rect">
-            <a:avLst/>
-          </a:prstGeom>
-          <a:ln w="12700">
-            <a:miter lim="400000"/>
-          </a:ln>
-          <a:extLst>
-            <a:ext uri="{C572A759-6A51-4108-AA02-DFA0A04FC94B}">
-              <ma14:wrappingTextBoxFlag xmlns:ma14="http://schemas.microsoft.com/office/mac/drawingml/2011/main" val="1"/>
-            </a:ext>
-          </a:extLst>
-        </p:spPr>
-        <p:txBody>
-          <a:bodyPr lIns="54570" tIns="54570" rIns="54570" bIns="54570">
-            <a:normAutofit fontScale="100000" lnSpcReduction="0"/>
-          </a:bodyPr>
-          <a:lstStyle/>
-          <a:p>
-            <a:pPr marL="114300" indent="-114300">
-              <a:lnSpc>
-                <a:spcPct val="90000"/>
-              </a:lnSpc>
-              <a:spcBef>
-                <a:spcPts val="300"/>
-              </a:spcBef>
-              <a:defRPr>
-                <a:solidFill>
-                  <a:srgbClr val="000000"/>
-                </a:solidFill>
-              </a:defRPr>
-            </a:pPr>
-            <a:r>
-              <a:t>Skip lines</a:t>
-            </a:r>
-          </a:p>
-          <a:p>
-            <a:pPr marL="114300" indent="-114300">
-              <a:lnSpc>
-                <a:spcPct val="90000"/>
-              </a:lnSpc>
-              <a:spcBef>
-                <a:spcPts val="0"/>
-              </a:spcBef>
-              <a:defRPr b="0">
-                <a:solidFill>
-                  <a:schemeClr val="accent6"/>
-                </a:solidFill>
-              </a:defRPr>
-            </a:pPr>
-            <a:r>
-              <a:t>read_csv(f, </a:t>
-            </a:r>
-            <a:r>
-              <a:rPr b="1"/>
-              <a:t>skip = 1</a:t>
-            </a:r>
-            <a:r>
-              <a:t>)</a:t>
-            </a:r>
-          </a:p>
-          <a:p>
-            <a:pPr marL="114300" indent="-114300">
-              <a:lnSpc>
-                <a:spcPct val="90000"/>
-              </a:lnSpc>
-              <a:spcBef>
-                <a:spcPts val="300"/>
-              </a:spcBef>
-              <a:defRPr b="0">
-                <a:solidFill>
-                  <a:srgbClr val="000000"/>
-                </a:solidFill>
-              </a:defRPr>
-            </a:pPr>
-            <a:r>
-              <a:t> </a:t>
-            </a:r>
-          </a:p>
-          <a:p>
-            <a:pPr marL="114300" indent="-114300">
-              <a:lnSpc>
-                <a:spcPct val="90000"/>
-              </a:lnSpc>
-              <a:spcBef>
-                <a:spcPts val="300"/>
-              </a:spcBef>
-              <a:defRPr b="0" i="1">
-                <a:solidFill>
-                  <a:srgbClr val="000000"/>
-                </a:solidFill>
-              </a:defRPr>
-            </a:pPr>
-          </a:p>
-          <a:p>
-            <a:pPr marL="114300" indent="-114300">
-              <a:lnSpc>
-                <a:spcPct val="90000"/>
-              </a:lnSpc>
-              <a:spcBef>
-                <a:spcPts val="300"/>
-              </a:spcBef>
-              <a:defRPr>
-                <a:solidFill>
-                  <a:srgbClr val="000000"/>
-                </a:solidFill>
-              </a:defRPr>
-            </a:pPr>
-            <a:r>
-              <a:t>Read in a subset</a:t>
-            </a:r>
-          </a:p>
-          <a:p>
-            <a:pPr marL="114300" indent="-114300">
-              <a:lnSpc>
-                <a:spcPct val="90000"/>
-              </a:lnSpc>
-              <a:spcBef>
-                <a:spcPts val="900"/>
-              </a:spcBef>
-              <a:defRPr b="0">
-                <a:solidFill>
-                  <a:schemeClr val="accent6"/>
-                </a:solidFill>
-              </a:defRPr>
-            </a:pPr>
-            <a:r>
-              <a:t>read_csv(f, </a:t>
-            </a:r>
-            <a:r>
-              <a:rPr b="1"/>
-              <a:t>n_max = 1</a:t>
-            </a:r>
-            <a:r>
-              <a:t>)</a:t>
-            </a:r>
-          </a:p>
-          <a:p>
-            <a:pPr marL="114300" indent="-114300">
-              <a:lnSpc>
-                <a:spcPct val="90000"/>
-              </a:lnSpc>
-              <a:spcBef>
-                <a:spcPts val="300"/>
-              </a:spcBef>
-              <a:defRPr b="0">
-                <a:solidFill>
-                  <a:srgbClr val="000000"/>
-                </a:solidFill>
-              </a:defRPr>
-            </a:pPr>
-            <a:r>
-              <a:t> </a:t>
-            </a:r>
-          </a:p>
-          <a:p>
-            <a:pPr marL="114300" indent="-114300">
-              <a:lnSpc>
-                <a:spcPct val="90000"/>
-              </a:lnSpc>
-              <a:spcBef>
-                <a:spcPts val="300"/>
-              </a:spcBef>
-              <a:defRPr>
-                <a:solidFill>
-                  <a:srgbClr val="000000"/>
-                </a:solidFill>
-              </a:defRPr>
-            </a:pPr>
-            <a:r>
-              <a:t>Missing Values</a:t>
-            </a:r>
-          </a:p>
-          <a:p>
-            <a:pPr marL="114300" indent="-114300">
-              <a:lnSpc>
-                <a:spcPct val="90000"/>
-              </a:lnSpc>
-              <a:spcBef>
-                <a:spcPts val="100"/>
-              </a:spcBef>
-              <a:defRPr b="0">
-                <a:solidFill>
-                  <a:schemeClr val="accent6"/>
-                </a:solidFill>
-              </a:defRPr>
-            </a:pPr>
-            <a:r>
-              <a:t>read_csv(f, </a:t>
-            </a:r>
-            <a:r>
-              <a:rPr b="1"/>
-              <a:t>na = c("1", ".")</a:t>
-            </a:r>
-            <a:r>
-              <a:t>)</a:t>
-            </a:r>
-          </a:p>
-        </p:txBody>
-      </p:sp>
-      <p:sp>
-        <p:nvSpPr>
-          <p:cNvPr id="232" name="Comma Delimited Files…"/>
-          <p:cNvSpPr txBox="1"/>
-          <p:nvPr/>
-        </p:nvSpPr>
-        <p:spPr>
-          <a:xfrm>
-            <a:off x="5803493" y="2358737"/>
-            <a:ext cx="4422824" cy="3448051"/>
-          </a:xfrm>
-          <a:prstGeom prst="rect">
-            <a:avLst/>
-          </a:prstGeom>
-          <a:ln w="12700">
-            <a:miter lim="400000"/>
-          </a:ln>
-          <a:extLst>
-            <a:ext uri="{C572A759-6A51-4108-AA02-DFA0A04FC94B}">
-              <ma14:wrappingTextBoxFlag xmlns:ma14="http://schemas.microsoft.com/office/mac/drawingml/2011/main" val="1"/>
-            </a:ext>
-          </a:extLst>
-        </p:spPr>
-        <p:txBody>
-          <a:bodyPr lIns="0" tIns="0" rIns="0" bIns="0" anchor="ctr">
-            <a:spAutoFit/>
-          </a:bodyPr>
-          <a:lstStyle/>
-          <a:p>
-            <a:pPr marL="228600" indent="-114300">
-              <a:lnSpc>
-                <a:spcPct val="90000"/>
-              </a:lnSpc>
-              <a:spcBef>
-                <a:spcPts val="0"/>
-              </a:spcBef>
-              <a:defRPr>
-                <a:solidFill>
-                  <a:srgbClr val="000000"/>
-                </a:solidFill>
-              </a:defRPr>
-            </a:pPr>
-            <a:r>
-              <a:t>Comma Delimited Files</a:t>
-            </a:r>
-          </a:p>
-          <a:p>
-            <a:pPr marL="228600" indent="-114300">
-              <a:lnSpc>
-                <a:spcPct val="90000"/>
-              </a:lnSpc>
-              <a:spcBef>
-                <a:spcPts val="0"/>
-              </a:spcBef>
-              <a:defRPr b="0">
-                <a:solidFill>
-                  <a:schemeClr val="accent6"/>
-                </a:solidFill>
-              </a:defRPr>
-            </a:pPr>
-            <a:r>
-              <a:rPr b="1"/>
-              <a:t>read_csv(</a:t>
-            </a:r>
-            <a:r>
-              <a:t>"file.csv"</a:t>
-            </a:r>
-            <a:r>
-              <a:rPr b="1"/>
-              <a:t>)</a:t>
-            </a:r>
-            <a:endParaRPr b="1"/>
-          </a:p>
-          <a:p>
-            <a:pPr marL="228600" indent="-114300">
-              <a:lnSpc>
-                <a:spcPct val="90000"/>
-              </a:lnSpc>
-              <a:spcBef>
-                <a:spcPts val="0"/>
-              </a:spcBef>
-              <a:defRPr b="0">
-                <a:solidFill>
-                  <a:schemeClr val="accent6"/>
-                </a:solidFill>
-                <a:latin typeface="+mn-lt"/>
-                <a:ea typeface="+mn-ea"/>
-                <a:cs typeface="+mn-cs"/>
-                <a:sym typeface="Source Sans Pro Light"/>
-              </a:defRPr>
-            </a:pPr>
-            <a:r>
-              <a:t>To make file.csv run: </a:t>
-            </a:r>
-            <a:endParaRPr b="1">
-              <a:latin typeface="Source Sans Pro"/>
-              <a:ea typeface="Source Sans Pro"/>
-              <a:cs typeface="Source Sans Pro"/>
-              <a:sym typeface="Source Sans Pro"/>
-            </a:endParaRPr>
-          </a:p>
-          <a:p>
-            <a:pPr marL="228600" indent="-114300">
-              <a:lnSpc>
-                <a:spcPct val="90000"/>
-              </a:lnSpc>
-              <a:spcBef>
-                <a:spcPts val="0"/>
-              </a:spcBef>
-              <a:defRPr b="0">
-                <a:solidFill>
-                  <a:schemeClr val="accent6"/>
-                </a:solidFill>
-                <a:latin typeface="+mn-lt"/>
-                <a:ea typeface="+mn-ea"/>
-                <a:cs typeface="+mn-cs"/>
-                <a:sym typeface="Source Sans Pro Light"/>
-              </a:defRPr>
-            </a:pPr>
-            <a:r>
-              <a:t>write_file(x = "a,b,c\n1,2,3\n4,5,NA", path = "file.csv")</a:t>
-            </a:r>
-          </a:p>
-          <a:p>
-            <a:pPr marL="228600" indent="-114300">
-              <a:lnSpc>
-                <a:spcPct val="90000"/>
-              </a:lnSpc>
-              <a:spcBef>
-                <a:spcPts val="0"/>
-              </a:spcBef>
-              <a:defRPr b="0">
-                <a:solidFill>
-                  <a:schemeClr val="accent6"/>
-                </a:solidFill>
-              </a:defRPr>
-            </a:pPr>
-          </a:p>
-          <a:p>
-            <a:pPr marL="228600" indent="-114300">
-              <a:lnSpc>
-                <a:spcPct val="90000"/>
-              </a:lnSpc>
-              <a:spcBef>
-                <a:spcPts val="0"/>
-              </a:spcBef>
-              <a:defRPr>
-                <a:solidFill>
-                  <a:srgbClr val="000000"/>
-                </a:solidFill>
-              </a:defRPr>
-            </a:pPr>
-            <a:r>
-              <a:t>Semi-colon Delimited Files</a:t>
-            </a:r>
-          </a:p>
-          <a:p>
-            <a:pPr marL="228600" indent="-114300">
-              <a:lnSpc>
-                <a:spcPct val="90000"/>
-              </a:lnSpc>
-              <a:spcBef>
-                <a:spcPts val="0"/>
-              </a:spcBef>
-              <a:defRPr b="0">
-                <a:solidFill>
-                  <a:schemeClr val="accent6"/>
-                </a:solidFill>
-              </a:defRPr>
-            </a:pPr>
-            <a:r>
-              <a:rPr b="1"/>
-              <a:t>read_csv2(</a:t>
-            </a:r>
-            <a:r>
-              <a:t>"file2.csv"</a:t>
-            </a:r>
-            <a:r>
-              <a:rPr b="1"/>
-              <a:t>)</a:t>
-            </a:r>
-            <a:endParaRPr b="1"/>
-          </a:p>
-          <a:p>
-            <a:pPr marL="228600" indent="-114300">
-              <a:lnSpc>
-                <a:spcPct val="90000"/>
-              </a:lnSpc>
-              <a:spcBef>
-                <a:spcPts val="0"/>
-              </a:spcBef>
-              <a:defRPr b="0">
-                <a:solidFill>
-                  <a:schemeClr val="accent6"/>
-                </a:solidFill>
-                <a:latin typeface="+mn-lt"/>
-                <a:ea typeface="+mn-ea"/>
-                <a:cs typeface="+mn-cs"/>
-                <a:sym typeface="Source Sans Pro Light"/>
-              </a:defRPr>
-            </a:pPr>
-            <a:r>
-              <a:t>write_file(x = "a;b;c\n1;2;3\n4;5;NA", path = "file2.csv")</a:t>
-            </a:r>
-          </a:p>
-          <a:p>
-            <a:pPr marL="228600" indent="-114300">
-              <a:lnSpc>
-                <a:spcPct val="90000"/>
-              </a:lnSpc>
-              <a:spcBef>
-                <a:spcPts val="0"/>
-              </a:spcBef>
-              <a:defRPr b="0">
-                <a:solidFill>
-                  <a:schemeClr val="accent6"/>
-                </a:solidFill>
-              </a:defRPr>
-            </a:pPr>
-          </a:p>
-          <a:p>
-            <a:pPr marL="228600" indent="-114300">
-              <a:lnSpc>
-                <a:spcPct val="90000"/>
-              </a:lnSpc>
-              <a:spcBef>
-                <a:spcPts val="0"/>
-              </a:spcBef>
-              <a:defRPr>
-                <a:solidFill>
-                  <a:srgbClr val="000000"/>
-                </a:solidFill>
-              </a:defRPr>
-            </a:pPr>
-            <a:r>
-              <a:t>Files with Any Delimiter </a:t>
-            </a:r>
-          </a:p>
-          <a:p>
-            <a:pPr marL="228600" indent="-114300">
-              <a:lnSpc>
-                <a:spcPct val="90000"/>
-              </a:lnSpc>
-              <a:spcBef>
-                <a:spcPts val="0"/>
-              </a:spcBef>
-              <a:defRPr b="0">
-                <a:solidFill>
-                  <a:schemeClr val="accent6"/>
-                </a:solidFill>
-              </a:defRPr>
-            </a:pPr>
-            <a:r>
-              <a:rPr b="1"/>
-              <a:t>read_delim(</a:t>
-            </a:r>
-            <a:r>
-              <a:t>"file.txt", delim = "|"</a:t>
-            </a:r>
-            <a:r>
-              <a:rPr b="1"/>
-              <a:t>)</a:t>
-            </a:r>
-            <a:endParaRPr b="1"/>
-          </a:p>
-          <a:p>
-            <a:pPr marL="228600" indent="-114300">
-              <a:lnSpc>
-                <a:spcPct val="90000"/>
-              </a:lnSpc>
-              <a:spcBef>
-                <a:spcPts val="0"/>
-              </a:spcBef>
-              <a:defRPr b="0">
-                <a:solidFill>
-                  <a:schemeClr val="accent6"/>
-                </a:solidFill>
-                <a:latin typeface="+mn-lt"/>
-                <a:ea typeface="+mn-ea"/>
-                <a:cs typeface="+mn-cs"/>
-                <a:sym typeface="Source Sans Pro Light"/>
-              </a:defRPr>
-            </a:pPr>
-            <a:r>
-              <a:t>write_file(x = "a|b|c\n1|2|3\n4|5|NA", path = "file.txt")</a:t>
-            </a:r>
-          </a:p>
-          <a:p>
-            <a:pPr marL="228600" indent="-114300">
-              <a:lnSpc>
-                <a:spcPct val="90000"/>
-              </a:lnSpc>
-              <a:spcBef>
-                <a:spcPts val="0"/>
-              </a:spcBef>
-              <a:defRPr b="0">
-                <a:solidFill>
-                  <a:srgbClr val="6B8CB2"/>
-                </a:solidFill>
-                <a:latin typeface="Source Sans Pro Semibold"/>
-                <a:ea typeface="Source Sans Pro Semibold"/>
-                <a:cs typeface="Source Sans Pro Semibold"/>
-                <a:sym typeface="Source Sans Pro Semibold"/>
-              </a:defRPr>
-            </a:pPr>
-          </a:p>
-          <a:p>
-            <a:pPr marL="114300">
-              <a:lnSpc>
-                <a:spcPct val="90000"/>
-              </a:lnSpc>
-              <a:spcBef>
-                <a:spcPts val="0"/>
-              </a:spcBef>
-              <a:defRPr>
-                <a:solidFill>
-                  <a:srgbClr val="000000"/>
-                </a:solidFill>
-              </a:defRPr>
-            </a:pPr>
-            <a:r>
-              <a:t>Fixed Width Files</a:t>
-            </a:r>
-          </a:p>
-          <a:p>
-            <a:pPr marL="114300">
-              <a:lnSpc>
-                <a:spcPct val="90000"/>
-              </a:lnSpc>
-              <a:spcBef>
-                <a:spcPts val="0"/>
-              </a:spcBef>
-              <a:defRPr b="0">
-                <a:solidFill>
-                  <a:schemeClr val="accent6"/>
-                </a:solidFill>
-              </a:defRPr>
-            </a:pPr>
-            <a:r>
-              <a:rPr b="1"/>
-              <a:t>read_fwf(</a:t>
-            </a:r>
-            <a:r>
-              <a:t>"file.fwf", col_positions = c(1, 3, 5)</a:t>
-            </a:r>
-            <a:r>
-              <a:rPr b="1"/>
-              <a:t>)</a:t>
-            </a:r>
-            <a:r>
-              <a:t> </a:t>
-            </a:r>
-            <a:endParaRPr b="1"/>
-          </a:p>
-          <a:p>
-            <a:pPr marL="228600" indent="-114300">
-              <a:lnSpc>
-                <a:spcPct val="90000"/>
-              </a:lnSpc>
-              <a:spcBef>
-                <a:spcPts val="0"/>
-              </a:spcBef>
-              <a:defRPr b="0">
-                <a:solidFill>
-                  <a:schemeClr val="accent6"/>
-                </a:solidFill>
-                <a:latin typeface="+mn-lt"/>
-                <a:ea typeface="+mn-ea"/>
-                <a:cs typeface="+mn-cs"/>
-                <a:sym typeface="Source Sans Pro Light"/>
-              </a:defRPr>
-            </a:pPr>
-            <a:r>
-              <a:t>write_file(x = "a b c\n1 2 3\n4 5 NA", path = "file.fwf")</a:t>
-            </a:r>
-          </a:p>
-          <a:p>
-            <a:pPr marL="228600" indent="-114300">
-              <a:lnSpc>
-                <a:spcPct val="90000"/>
-              </a:lnSpc>
-              <a:spcBef>
-                <a:spcPts val="0"/>
-              </a:spcBef>
-              <a:defRPr b="0">
-                <a:solidFill>
-                  <a:schemeClr val="accent6"/>
-                </a:solidFill>
-              </a:defRPr>
-            </a:pPr>
-          </a:p>
-          <a:p>
-            <a:pPr marL="114300">
-              <a:lnSpc>
-                <a:spcPct val="90000"/>
-              </a:lnSpc>
-              <a:spcBef>
-                <a:spcPts val="0"/>
-              </a:spcBef>
-              <a:defRPr>
-                <a:solidFill>
-                  <a:srgbClr val="000000"/>
-                </a:solidFill>
-              </a:defRPr>
-            </a:pPr>
-            <a:r>
-              <a:t>Tab Delimited Files</a:t>
-            </a:r>
-          </a:p>
-          <a:p>
-            <a:pPr marL="114300">
-              <a:lnSpc>
-                <a:spcPct val="90000"/>
-              </a:lnSpc>
-              <a:spcBef>
-                <a:spcPts val="0"/>
-              </a:spcBef>
-              <a:defRPr b="0">
-                <a:solidFill>
-                  <a:schemeClr val="accent6"/>
-                </a:solidFill>
-              </a:defRPr>
-            </a:pPr>
-            <a:r>
-              <a:rPr b="1"/>
-              <a:t>read_tsv(</a:t>
-            </a:r>
-            <a:r>
-              <a:t>"file.tsv"</a:t>
-            </a:r>
-            <a:r>
-              <a:rPr b="1"/>
-              <a:t>)</a:t>
-            </a:r>
-            <a:r>
-              <a:t> Also</a:t>
-            </a:r>
-            <a:r>
-              <a:rPr b="1"/>
-              <a:t> read_table().</a:t>
-            </a:r>
-            <a:endParaRPr b="1"/>
-          </a:p>
-          <a:p>
-            <a:pPr marL="228600" indent="-114300">
-              <a:lnSpc>
-                <a:spcPct val="90000"/>
-              </a:lnSpc>
-              <a:spcBef>
-                <a:spcPts val="0"/>
-              </a:spcBef>
-              <a:defRPr b="0">
-                <a:solidFill>
-                  <a:schemeClr val="accent6"/>
-                </a:solidFill>
-                <a:latin typeface="+mn-lt"/>
-                <a:ea typeface="+mn-ea"/>
-                <a:cs typeface="+mn-cs"/>
-                <a:sym typeface="Source Sans Pro Light"/>
-              </a:defRPr>
-            </a:pPr>
-            <a:r>
-              <a:t>write_file(x = "a\tb\tc\n1\t2\t3\n4\t5\tNA", path = "file.tsv")</a:t>
-            </a:r>
-          </a:p>
-        </p:txBody>
-      </p:sp>
-      <p:grpSp>
-        <p:nvGrpSpPr>
-          <p:cNvPr id="237" name="Group"/>
-          <p:cNvGrpSpPr/>
-          <p:nvPr/>
-        </p:nvGrpSpPr>
-        <p:grpSpPr>
-          <a:xfrm>
-            <a:off x="3949897" y="2389823"/>
-            <a:ext cx="580009" cy="759292"/>
-            <a:chOff x="0" y="0"/>
-            <a:chExt cx="580007" cy="759291"/>
-          </a:xfrm>
-        </p:grpSpPr>
-        <p:grpSp>
-          <p:nvGrpSpPr>
-            <p:cNvPr id="235" name="Group"/>
-            <p:cNvGrpSpPr/>
-            <p:nvPr/>
-          </p:nvGrpSpPr>
-          <p:grpSpPr>
-            <a:xfrm>
-              <a:off x="0" y="-1"/>
-              <a:ext cx="580008" cy="759204"/>
-              <a:chOff x="0" y="0"/>
-              <a:chExt cx="580007" cy="759202"/>
-            </a:xfrm>
-          </p:grpSpPr>
-          <p:pic>
-            <p:nvPicPr>
-              <p:cNvPr id="233" name="Image" descr="Image"/>
-              <p:cNvPicPr>
-                <a:picLocks noChangeAspect="1"/>
-              </p:cNvPicPr>
-              <p:nvPr/>
-            </p:nvPicPr>
-            <p:blipFill>
-              <a:blip r:embed="rId11">
-                <a:extLst/>
-              </a:blip>
-              <a:stretch>
-                <a:fillRect/>
-              </a:stretch>
-            </p:blipFill>
-            <p:spPr>
-              <a:xfrm>
-                <a:off x="0" y="50311"/>
-                <a:ext cx="552101" cy="708892"/>
-              </a:xfrm>
-              <a:prstGeom prst="rect">
-                <a:avLst/>
-              </a:prstGeom>
-              <a:ln w="12700" cap="flat">
-                <a:noFill/>
-                <a:miter lim="400000"/>
-              </a:ln>
-              <a:effectLst>
-                <a:outerShdw sx="100000" sy="100000" kx="0" ky="0" algn="b" rotWithShape="0" blurRad="25400" dist="20037" dir="8434451">
-                  <a:srgbClr val="000000">
-                    <a:alpha val="22374"/>
-                  </a:srgbClr>
-                </a:outerShdw>
-              </a:effectLst>
-            </p:spPr>
-          </p:pic>
-          <p:sp>
-            <p:nvSpPr>
-              <p:cNvPr id="234" name="Triangle"/>
-              <p:cNvSpPr/>
-              <p:nvPr/>
-            </p:nvSpPr>
-            <p:spPr>
-              <a:xfrm rot="10800000">
-                <a:off x="372479" y="-1"/>
-                <a:ext cx="207529" cy="207529"/>
-              </a:xfrm>
-              <a:custGeom>
-                <a:avLst/>
-                <a:gdLst/>
-                <a:ahLst/>
-                <a:cxnLst>
-                  <a:cxn ang="0">
-                    <a:pos x="wd2" y="hd2"/>
-                  </a:cxn>
-                  <a:cxn ang="5400000">
-                    <a:pos x="wd2" y="hd2"/>
-                  </a:cxn>
-                  <a:cxn ang="10800000">
-                    <a:pos x="wd2" y="hd2"/>
-                  </a:cxn>
-                  <a:cxn ang="16200000">
-                    <a:pos x="wd2" y="hd2"/>
-                  </a:cxn>
-                </a:cxnLst>
-                <a:rect l="0" t="0" r="r" b="b"/>
-                <a:pathLst>
-                  <a:path w="21600" h="21600" fill="norm" stroke="1" extrusionOk="0">
-                    <a:moveTo>
-                      <a:pt x="0" y="0"/>
-                    </a:moveTo>
-                    <a:lnTo>
-                      <a:pt x="0" y="21600"/>
-                    </a:lnTo>
-                    <a:lnTo>
-                      <a:pt x="21600" y="21600"/>
-                    </a:lnTo>
-                    <a:close/>
-                  </a:path>
-                </a:pathLst>
-              </a:custGeom>
-              <a:solidFill>
-                <a:srgbClr val="FFFFFF"/>
-              </a:solidFill>
-              <a:ln w="12700" cap="flat">
-                <a:noFill/>
-                <a:miter lim="400000"/>
-              </a:ln>
-              <a:effectLst/>
-            </p:spPr>
-            <p:txBody>
-              <a:bodyPr wrap="square" lIns="54570" tIns="54570" rIns="54570" bIns="54570" numCol="1" anchor="ctr">
-                <a:noAutofit/>
-              </a:bodyPr>
-              <a:lstStyle/>
-              <a:p>
-                <a:pPr>
-                  <a:lnSpc>
-                    <a:spcPct val="80000"/>
-                  </a:lnSpc>
-                  <a:spcBef>
-                    <a:spcPts val="0"/>
-                  </a:spcBef>
-                  <a:defRPr b="0">
-                    <a:solidFill>
-                      <a:srgbClr val="000000"/>
-                    </a:solidFill>
-                  </a:defRPr>
-                </a:pPr>
-              </a:p>
-            </p:txBody>
-          </p:sp>
-        </p:grpSp>
-        <p:sp>
-          <p:nvSpPr>
-            <p:cNvPr id="236" name="a,b,c…"/>
-            <p:cNvSpPr txBox="1"/>
-            <p:nvPr/>
-          </p:nvSpPr>
-          <p:spPr>
-            <a:xfrm>
-              <a:off x="25400" y="76110"/>
-              <a:ext cx="534934" cy="683182"/>
-            </a:xfrm>
-            <a:prstGeom prst="rect">
-              <a:avLst/>
-            </a:prstGeom>
-            <a:noFill/>
-            <a:ln w="12700" cap="flat">
-              <a:noFill/>
-              <a:miter lim="400000"/>
-            </a:ln>
-            <a:effectLst/>
-            <a:extLst>
-              <a:ext uri="{C572A759-6A51-4108-AA02-DFA0A04FC94B}">
-                <ma14:wrappingTextBoxFlag xmlns:ma14="http://schemas.microsoft.com/office/mac/drawingml/2011/main" val="1"/>
-              </a:ext>
-            </a:extLst>
-          </p:spPr>
-          <p:txBody>
-            <a:bodyPr wrap="square" lIns="54570" tIns="54570" rIns="54570" bIns="54570" numCol="1" anchor="ctr">
-              <a:noAutofit/>
-            </a:bodyPr>
-            <a:lstStyle/>
-            <a:p>
-              <a:pPr>
-                <a:lnSpc>
-                  <a:spcPct val="90000"/>
-                </a:lnSpc>
-                <a:spcBef>
-                  <a:spcPts val="300"/>
-                </a:spcBef>
-                <a:defRPr b="0" i="1" sz="1100">
-                  <a:solidFill>
-                    <a:schemeClr val="accent1"/>
-                  </a:solidFill>
-                </a:defRPr>
-              </a:pPr>
-              <a:r>
-                <a:t>a,b,c</a:t>
-              </a:r>
-            </a:p>
-            <a:p>
-              <a:pPr>
-                <a:lnSpc>
-                  <a:spcPct val="90000"/>
-                </a:lnSpc>
-                <a:spcBef>
-                  <a:spcPts val="300"/>
-                </a:spcBef>
-                <a:defRPr b="0" i="1" sz="1100">
-                  <a:solidFill>
-                    <a:schemeClr val="accent1"/>
-                  </a:solidFill>
-                </a:defRPr>
-              </a:pPr>
-              <a:r>
-                <a:t>1,2,3</a:t>
-              </a:r>
-            </a:p>
-            <a:p>
-              <a:pPr>
-                <a:lnSpc>
-                  <a:spcPct val="90000"/>
-                </a:lnSpc>
-                <a:spcBef>
-                  <a:spcPts val="300"/>
-                </a:spcBef>
-                <a:defRPr b="0" i="1" sz="1100">
-                  <a:solidFill>
-                    <a:schemeClr val="accent1"/>
-                  </a:solidFill>
-                </a:defRPr>
-              </a:pPr>
-              <a:r>
-                <a:t>4,5,NA</a:t>
-              </a:r>
-            </a:p>
-          </p:txBody>
-        </p:sp>
-      </p:grpSp>
-      <p:grpSp>
-        <p:nvGrpSpPr>
-          <p:cNvPr id="242" name="Group"/>
-          <p:cNvGrpSpPr/>
-          <p:nvPr/>
-        </p:nvGrpSpPr>
-        <p:grpSpPr>
-          <a:xfrm>
-            <a:off x="3949897" y="3209612"/>
-            <a:ext cx="580009" cy="759292"/>
-            <a:chOff x="0" y="0"/>
-            <a:chExt cx="580007" cy="759291"/>
-          </a:xfrm>
-        </p:grpSpPr>
-        <p:grpSp>
-          <p:nvGrpSpPr>
-            <p:cNvPr id="240" name="Group"/>
-            <p:cNvGrpSpPr/>
-            <p:nvPr/>
-          </p:nvGrpSpPr>
-          <p:grpSpPr>
-            <a:xfrm>
-              <a:off x="0" y="-1"/>
-              <a:ext cx="580008" cy="759204"/>
-              <a:chOff x="0" y="0"/>
-              <a:chExt cx="580007" cy="759202"/>
-            </a:xfrm>
-          </p:grpSpPr>
-          <p:pic>
-            <p:nvPicPr>
-              <p:cNvPr id="238" name="Image" descr="Image"/>
-              <p:cNvPicPr>
-                <a:picLocks noChangeAspect="1"/>
-              </p:cNvPicPr>
-              <p:nvPr/>
-            </p:nvPicPr>
-            <p:blipFill>
-              <a:blip r:embed="rId11">
-                <a:extLst/>
-              </a:blip>
-              <a:stretch>
-                <a:fillRect/>
-              </a:stretch>
-            </p:blipFill>
-            <p:spPr>
-              <a:xfrm>
-                <a:off x="0" y="50311"/>
-                <a:ext cx="552101" cy="708892"/>
-              </a:xfrm>
-              <a:prstGeom prst="rect">
-                <a:avLst/>
-              </a:prstGeom>
-              <a:ln w="12700" cap="flat">
-                <a:noFill/>
-                <a:miter lim="400000"/>
-              </a:ln>
-              <a:effectLst>
-                <a:outerShdw sx="100000" sy="100000" kx="0" ky="0" algn="b" rotWithShape="0" blurRad="25400" dist="20037" dir="8434451">
-                  <a:srgbClr val="000000">
-                    <a:alpha val="22374"/>
-                  </a:srgbClr>
-                </a:outerShdw>
-              </a:effectLst>
-            </p:spPr>
-          </p:pic>
-          <p:sp>
-            <p:nvSpPr>
-              <p:cNvPr id="239" name="Triangle"/>
-              <p:cNvSpPr/>
-              <p:nvPr/>
-            </p:nvSpPr>
-            <p:spPr>
-              <a:xfrm rot="10800000">
-                <a:off x="372479" y="-1"/>
-                <a:ext cx="207529" cy="207529"/>
-              </a:xfrm>
-              <a:custGeom>
-                <a:avLst/>
-                <a:gdLst/>
-                <a:ahLst/>
-                <a:cxnLst>
-                  <a:cxn ang="0">
-                    <a:pos x="wd2" y="hd2"/>
-                  </a:cxn>
-                  <a:cxn ang="5400000">
-                    <a:pos x="wd2" y="hd2"/>
-                  </a:cxn>
-                  <a:cxn ang="10800000">
-                    <a:pos x="wd2" y="hd2"/>
-                  </a:cxn>
-                  <a:cxn ang="16200000">
-                    <a:pos x="wd2" y="hd2"/>
-                  </a:cxn>
-                </a:cxnLst>
-                <a:rect l="0" t="0" r="r" b="b"/>
-                <a:pathLst>
-                  <a:path w="21600" h="21600" fill="norm" stroke="1" extrusionOk="0">
-                    <a:moveTo>
-                      <a:pt x="0" y="0"/>
-                    </a:moveTo>
-                    <a:lnTo>
-                      <a:pt x="0" y="21600"/>
-                    </a:lnTo>
-                    <a:lnTo>
-                      <a:pt x="21600" y="21600"/>
-                    </a:lnTo>
-                    <a:close/>
-                  </a:path>
-                </a:pathLst>
-              </a:custGeom>
-              <a:solidFill>
-                <a:srgbClr val="FFFFFF"/>
-              </a:solidFill>
-              <a:ln w="12700" cap="flat">
-                <a:noFill/>
-                <a:miter lim="400000"/>
-              </a:ln>
-              <a:effectLst/>
-            </p:spPr>
-            <p:txBody>
-              <a:bodyPr wrap="square" lIns="54570" tIns="54570" rIns="54570" bIns="54570" numCol="1" anchor="ctr">
-                <a:noAutofit/>
-              </a:bodyPr>
-              <a:lstStyle/>
-              <a:p>
-                <a:pPr>
-                  <a:lnSpc>
-                    <a:spcPct val="80000"/>
-                  </a:lnSpc>
-                  <a:spcBef>
-                    <a:spcPts val="0"/>
-                  </a:spcBef>
-                  <a:defRPr b="0">
-                    <a:solidFill>
-                      <a:srgbClr val="000000"/>
-                    </a:solidFill>
-                  </a:defRPr>
-                </a:pPr>
-              </a:p>
-            </p:txBody>
-          </p:sp>
-        </p:grpSp>
-        <p:sp>
-          <p:nvSpPr>
-            <p:cNvPr id="241" name="a;b;c…"/>
-            <p:cNvSpPr txBox="1"/>
-            <p:nvPr/>
-          </p:nvSpPr>
-          <p:spPr>
-            <a:xfrm>
-              <a:off x="25400" y="76110"/>
-              <a:ext cx="506689" cy="683182"/>
-            </a:xfrm>
-            <a:prstGeom prst="rect">
-              <a:avLst/>
-            </a:prstGeom>
-            <a:noFill/>
-            <a:ln w="12700" cap="flat">
-              <a:noFill/>
-              <a:miter lim="400000"/>
-            </a:ln>
-            <a:effectLst/>
-            <a:extLst>
-              <a:ext uri="{C572A759-6A51-4108-AA02-DFA0A04FC94B}">
-                <ma14:wrappingTextBoxFlag xmlns:ma14="http://schemas.microsoft.com/office/mac/drawingml/2011/main" val="1"/>
-              </a:ext>
-            </a:extLst>
-          </p:spPr>
-          <p:txBody>
-            <a:bodyPr wrap="none" lIns="54570" tIns="54570" rIns="54570" bIns="54570" numCol="1" anchor="ctr">
-              <a:spAutoFit/>
-            </a:bodyPr>
-            <a:lstStyle/>
-            <a:p>
-              <a:pPr>
-                <a:lnSpc>
-                  <a:spcPct val="90000"/>
-                </a:lnSpc>
-                <a:spcBef>
-                  <a:spcPts val="300"/>
-                </a:spcBef>
-                <a:defRPr b="0" i="1" sz="1100">
-                  <a:solidFill>
-                    <a:schemeClr val="accent1"/>
-                  </a:solidFill>
-                </a:defRPr>
-              </a:pPr>
-              <a:r>
-                <a:t>a;b;c</a:t>
-              </a:r>
-            </a:p>
-            <a:p>
-              <a:pPr>
-                <a:lnSpc>
-                  <a:spcPct val="90000"/>
-                </a:lnSpc>
-                <a:spcBef>
-                  <a:spcPts val="300"/>
-                </a:spcBef>
-                <a:defRPr b="0" i="1" sz="1100">
-                  <a:solidFill>
-                    <a:schemeClr val="accent1"/>
-                  </a:solidFill>
-                </a:defRPr>
-              </a:pPr>
-              <a:r>
-                <a:t>1;2;3</a:t>
-              </a:r>
-            </a:p>
-            <a:p>
-              <a:pPr>
-                <a:lnSpc>
-                  <a:spcPct val="90000"/>
-                </a:lnSpc>
-                <a:spcBef>
-                  <a:spcPts val="300"/>
-                </a:spcBef>
-                <a:defRPr b="0" i="1" sz="1100">
-                  <a:solidFill>
-                    <a:schemeClr val="accent1"/>
-                  </a:solidFill>
-                </a:defRPr>
-              </a:pPr>
-              <a:r>
-                <a:t>4;5;NA</a:t>
-              </a:r>
-            </a:p>
-          </p:txBody>
-        </p:sp>
-      </p:grpSp>
-      <p:grpSp>
-        <p:nvGrpSpPr>
-          <p:cNvPr id="247" name="Group"/>
-          <p:cNvGrpSpPr/>
-          <p:nvPr/>
-        </p:nvGrpSpPr>
-        <p:grpSpPr>
-          <a:xfrm>
-            <a:off x="3949897" y="4029400"/>
-            <a:ext cx="580009" cy="759293"/>
-            <a:chOff x="0" y="0"/>
-            <a:chExt cx="580007" cy="759291"/>
-          </a:xfrm>
-        </p:grpSpPr>
-        <p:grpSp>
-          <p:nvGrpSpPr>
-            <p:cNvPr id="245" name="Group"/>
-            <p:cNvGrpSpPr/>
-            <p:nvPr/>
-          </p:nvGrpSpPr>
-          <p:grpSpPr>
-            <a:xfrm>
-              <a:off x="0" y="-1"/>
-              <a:ext cx="580008" cy="759204"/>
-              <a:chOff x="0" y="0"/>
-              <a:chExt cx="580007" cy="759202"/>
-            </a:xfrm>
-          </p:grpSpPr>
-          <p:pic>
-            <p:nvPicPr>
-              <p:cNvPr id="243" name="Image" descr="Image"/>
-              <p:cNvPicPr>
-                <a:picLocks noChangeAspect="1"/>
-              </p:cNvPicPr>
-              <p:nvPr/>
-            </p:nvPicPr>
-            <p:blipFill>
-              <a:blip r:embed="rId11">
-                <a:extLst/>
-              </a:blip>
-              <a:stretch>
-                <a:fillRect/>
-              </a:stretch>
-            </p:blipFill>
-            <p:spPr>
-              <a:xfrm>
-                <a:off x="0" y="50311"/>
-                <a:ext cx="552101" cy="708892"/>
-              </a:xfrm>
-              <a:prstGeom prst="rect">
-                <a:avLst/>
-              </a:prstGeom>
-              <a:ln w="12700" cap="flat">
-                <a:noFill/>
-                <a:miter lim="400000"/>
-              </a:ln>
-              <a:effectLst>
-                <a:outerShdw sx="100000" sy="100000" kx="0" ky="0" algn="b" rotWithShape="0" blurRad="25400" dist="20037" dir="8434451">
-                  <a:srgbClr val="000000">
-                    <a:alpha val="22374"/>
-                  </a:srgbClr>
-                </a:outerShdw>
-              </a:effectLst>
-            </p:spPr>
-          </p:pic>
-          <p:sp>
-            <p:nvSpPr>
-              <p:cNvPr id="244" name="Triangle"/>
-              <p:cNvSpPr/>
-              <p:nvPr/>
-            </p:nvSpPr>
-            <p:spPr>
-              <a:xfrm rot="10800000">
-                <a:off x="372479" y="-1"/>
-                <a:ext cx="207529" cy="207529"/>
-              </a:xfrm>
-              <a:custGeom>
-                <a:avLst/>
-                <a:gdLst/>
-                <a:ahLst/>
-                <a:cxnLst>
-                  <a:cxn ang="0">
-                    <a:pos x="wd2" y="hd2"/>
-                  </a:cxn>
-                  <a:cxn ang="5400000">
-                    <a:pos x="wd2" y="hd2"/>
-                  </a:cxn>
-                  <a:cxn ang="10800000">
-                    <a:pos x="wd2" y="hd2"/>
-                  </a:cxn>
-                  <a:cxn ang="16200000">
-                    <a:pos x="wd2" y="hd2"/>
-                  </a:cxn>
-                </a:cxnLst>
-                <a:rect l="0" t="0" r="r" b="b"/>
-                <a:pathLst>
-                  <a:path w="21600" h="21600" fill="norm" stroke="1" extrusionOk="0">
-                    <a:moveTo>
-                      <a:pt x="0" y="0"/>
-                    </a:moveTo>
-                    <a:lnTo>
-                      <a:pt x="0" y="21600"/>
-                    </a:lnTo>
-                    <a:lnTo>
-                      <a:pt x="21600" y="21600"/>
-                    </a:lnTo>
-                    <a:close/>
-                  </a:path>
-                </a:pathLst>
-              </a:custGeom>
-              <a:solidFill>
-                <a:srgbClr val="FFFFFF"/>
-              </a:solidFill>
-              <a:ln w="12700" cap="flat">
-                <a:noFill/>
-                <a:miter lim="400000"/>
-              </a:ln>
-              <a:effectLst/>
-            </p:spPr>
-            <p:txBody>
-              <a:bodyPr wrap="square" lIns="54570" tIns="54570" rIns="54570" bIns="54570" numCol="1" anchor="ctr">
-                <a:noAutofit/>
-              </a:bodyPr>
-              <a:lstStyle/>
-              <a:p>
-                <a:pPr>
-                  <a:lnSpc>
-                    <a:spcPct val="80000"/>
-                  </a:lnSpc>
-                  <a:spcBef>
-                    <a:spcPts val="0"/>
-                  </a:spcBef>
-                  <a:defRPr b="0">
-                    <a:solidFill>
-                      <a:srgbClr val="000000"/>
-                    </a:solidFill>
-                  </a:defRPr>
-                </a:pPr>
-              </a:p>
-            </p:txBody>
-          </p:sp>
-        </p:grpSp>
-        <p:sp>
-          <p:nvSpPr>
-            <p:cNvPr id="246" name="a|b|c…"/>
-            <p:cNvSpPr txBox="1"/>
-            <p:nvPr/>
-          </p:nvSpPr>
-          <p:spPr>
-            <a:xfrm>
-              <a:off x="25400" y="76110"/>
-              <a:ext cx="503616" cy="683182"/>
-            </a:xfrm>
-            <a:prstGeom prst="rect">
-              <a:avLst/>
-            </a:prstGeom>
-            <a:noFill/>
-            <a:ln w="12700" cap="flat">
-              <a:noFill/>
-              <a:miter lim="400000"/>
-            </a:ln>
-            <a:effectLst/>
-            <a:extLst>
-              <a:ext uri="{C572A759-6A51-4108-AA02-DFA0A04FC94B}">
-                <ma14:wrappingTextBoxFlag xmlns:ma14="http://schemas.microsoft.com/office/mac/drawingml/2011/main" val="1"/>
-              </a:ext>
-            </a:extLst>
-          </p:spPr>
-          <p:txBody>
-            <a:bodyPr wrap="none" lIns="54570" tIns="54570" rIns="54570" bIns="54570" numCol="1" anchor="ctr">
-              <a:spAutoFit/>
-            </a:bodyPr>
-            <a:lstStyle/>
-            <a:p>
-              <a:pPr>
-                <a:lnSpc>
-                  <a:spcPct val="90000"/>
-                </a:lnSpc>
-                <a:spcBef>
-                  <a:spcPts val="300"/>
-                </a:spcBef>
-                <a:defRPr b="0" i="1" sz="1100">
-                  <a:solidFill>
-                    <a:schemeClr val="accent1"/>
-                  </a:solidFill>
-                </a:defRPr>
-              </a:pPr>
-              <a:r>
-                <a:t>a|b|c</a:t>
-              </a:r>
-            </a:p>
-            <a:p>
-              <a:pPr>
-                <a:lnSpc>
-                  <a:spcPct val="90000"/>
-                </a:lnSpc>
-                <a:spcBef>
-                  <a:spcPts val="300"/>
-                </a:spcBef>
-                <a:defRPr b="0" i="1" sz="1100">
-                  <a:solidFill>
-                    <a:schemeClr val="accent1"/>
-                  </a:solidFill>
-                </a:defRPr>
-              </a:pPr>
-              <a:r>
-                <a:t>1|2|3</a:t>
-              </a:r>
-            </a:p>
-            <a:p>
-              <a:pPr>
-                <a:lnSpc>
-                  <a:spcPct val="90000"/>
-                </a:lnSpc>
-                <a:spcBef>
-                  <a:spcPts val="300"/>
-                </a:spcBef>
-                <a:defRPr b="0" i="1" sz="1100">
-                  <a:solidFill>
-                    <a:schemeClr val="accent1"/>
-                  </a:solidFill>
-                </a:defRPr>
-              </a:pPr>
-              <a:r>
-                <a:t>4|5|NA</a:t>
-              </a:r>
-            </a:p>
-          </p:txBody>
-        </p:sp>
-      </p:grpSp>
-      <p:grpSp>
-        <p:nvGrpSpPr>
-          <p:cNvPr id="252" name="Group"/>
-          <p:cNvGrpSpPr/>
-          <p:nvPr/>
-        </p:nvGrpSpPr>
-        <p:grpSpPr>
-          <a:xfrm>
-            <a:off x="3949897" y="4849189"/>
-            <a:ext cx="580009" cy="759293"/>
-            <a:chOff x="0" y="0"/>
-            <a:chExt cx="580007" cy="759291"/>
-          </a:xfrm>
-        </p:grpSpPr>
-        <p:grpSp>
-          <p:nvGrpSpPr>
-            <p:cNvPr id="250" name="Group"/>
-            <p:cNvGrpSpPr/>
-            <p:nvPr/>
-          </p:nvGrpSpPr>
-          <p:grpSpPr>
-            <a:xfrm>
-              <a:off x="0" y="-1"/>
-              <a:ext cx="580008" cy="759204"/>
-              <a:chOff x="0" y="0"/>
-              <a:chExt cx="580007" cy="759202"/>
-            </a:xfrm>
-          </p:grpSpPr>
-          <p:pic>
-            <p:nvPicPr>
-              <p:cNvPr id="248" name="Image" descr="Image"/>
-              <p:cNvPicPr>
-                <a:picLocks noChangeAspect="1"/>
-              </p:cNvPicPr>
-              <p:nvPr/>
-            </p:nvPicPr>
-            <p:blipFill>
-              <a:blip r:embed="rId11">
-                <a:extLst/>
-              </a:blip>
-              <a:stretch>
-                <a:fillRect/>
-              </a:stretch>
-            </p:blipFill>
-            <p:spPr>
-              <a:xfrm>
-                <a:off x="0" y="50311"/>
-                <a:ext cx="552101" cy="708892"/>
-              </a:xfrm>
-              <a:prstGeom prst="rect">
-                <a:avLst/>
-              </a:prstGeom>
-              <a:ln w="12700" cap="flat">
-                <a:noFill/>
-                <a:miter lim="400000"/>
-              </a:ln>
-              <a:effectLst>
-                <a:outerShdw sx="100000" sy="100000" kx="0" ky="0" algn="b" rotWithShape="0" blurRad="25400" dist="20037" dir="8434451">
-                  <a:srgbClr val="000000">
-                    <a:alpha val="22374"/>
-                  </a:srgbClr>
-                </a:outerShdw>
-              </a:effectLst>
-            </p:spPr>
-          </p:pic>
-          <p:sp>
-            <p:nvSpPr>
-              <p:cNvPr id="249" name="Triangle"/>
-              <p:cNvSpPr/>
-              <p:nvPr/>
-            </p:nvSpPr>
-            <p:spPr>
-              <a:xfrm rot="10800000">
-                <a:off x="372479" y="-1"/>
-                <a:ext cx="207529" cy="207529"/>
-              </a:xfrm>
-              <a:custGeom>
-                <a:avLst/>
-                <a:gdLst/>
-                <a:ahLst/>
-                <a:cxnLst>
-                  <a:cxn ang="0">
-                    <a:pos x="wd2" y="hd2"/>
-                  </a:cxn>
-                  <a:cxn ang="5400000">
-                    <a:pos x="wd2" y="hd2"/>
-                  </a:cxn>
-                  <a:cxn ang="10800000">
-                    <a:pos x="wd2" y="hd2"/>
-                  </a:cxn>
-                  <a:cxn ang="16200000">
-                    <a:pos x="wd2" y="hd2"/>
-                  </a:cxn>
-                </a:cxnLst>
-                <a:rect l="0" t="0" r="r" b="b"/>
-                <a:pathLst>
-                  <a:path w="21600" h="21600" fill="norm" stroke="1" extrusionOk="0">
-                    <a:moveTo>
-                      <a:pt x="0" y="0"/>
-                    </a:moveTo>
-                    <a:lnTo>
-                      <a:pt x="0" y="21600"/>
-                    </a:lnTo>
-                    <a:lnTo>
-                      <a:pt x="21600" y="21600"/>
-                    </a:lnTo>
-                    <a:close/>
-                  </a:path>
-                </a:pathLst>
-              </a:custGeom>
-              <a:solidFill>
-                <a:srgbClr val="FFFFFF"/>
-              </a:solidFill>
-              <a:ln w="12700" cap="flat">
-                <a:noFill/>
-                <a:miter lim="400000"/>
-              </a:ln>
-              <a:effectLst/>
-            </p:spPr>
-            <p:txBody>
-              <a:bodyPr wrap="square" lIns="54570" tIns="54570" rIns="54570" bIns="54570" numCol="1" anchor="ctr">
-                <a:noAutofit/>
-              </a:bodyPr>
-              <a:lstStyle/>
-              <a:p>
-                <a:pPr>
-                  <a:lnSpc>
-                    <a:spcPct val="80000"/>
-                  </a:lnSpc>
-                  <a:spcBef>
-                    <a:spcPts val="0"/>
-                  </a:spcBef>
-                  <a:defRPr b="0">
-                    <a:solidFill>
-                      <a:srgbClr val="000000"/>
-                    </a:solidFill>
-                  </a:defRPr>
-                </a:pPr>
-              </a:p>
-            </p:txBody>
-          </p:sp>
-        </p:grpSp>
-        <p:sp>
-          <p:nvSpPr>
-            <p:cNvPr id="251" name="a  b  c…"/>
-            <p:cNvSpPr txBox="1"/>
-            <p:nvPr/>
-          </p:nvSpPr>
-          <p:spPr>
-            <a:xfrm>
-              <a:off x="25400" y="76110"/>
-              <a:ext cx="520964" cy="683182"/>
-            </a:xfrm>
-            <a:prstGeom prst="rect">
-              <a:avLst/>
-            </a:prstGeom>
-            <a:noFill/>
-            <a:ln w="12700" cap="flat">
-              <a:noFill/>
-              <a:miter lim="400000"/>
-            </a:ln>
-            <a:effectLst/>
-            <a:extLst>
-              <a:ext uri="{C572A759-6A51-4108-AA02-DFA0A04FC94B}">
-                <ma14:wrappingTextBoxFlag xmlns:ma14="http://schemas.microsoft.com/office/mac/drawingml/2011/main" val="1"/>
-              </a:ext>
-            </a:extLst>
-          </p:spPr>
-          <p:txBody>
-            <a:bodyPr wrap="none" lIns="54570" tIns="54570" rIns="54570" bIns="54570" numCol="1" anchor="ctr">
-              <a:spAutoFit/>
-            </a:bodyPr>
-            <a:lstStyle/>
-            <a:p>
-              <a:pPr>
-                <a:lnSpc>
-                  <a:spcPct val="90000"/>
-                </a:lnSpc>
-                <a:spcBef>
-                  <a:spcPts val="300"/>
-                </a:spcBef>
-                <a:defRPr b="0" i="1" sz="1100">
-                  <a:solidFill>
-                    <a:schemeClr val="accent1"/>
-                  </a:solidFill>
-                </a:defRPr>
-              </a:pPr>
-              <a:r>
-                <a:t>a  b  c</a:t>
-              </a:r>
-            </a:p>
-            <a:p>
-              <a:pPr>
-                <a:lnSpc>
-                  <a:spcPct val="90000"/>
-                </a:lnSpc>
-                <a:spcBef>
-                  <a:spcPts val="300"/>
-                </a:spcBef>
-                <a:defRPr b="0" i="1" sz="1100">
-                  <a:solidFill>
-                    <a:schemeClr val="accent1"/>
-                  </a:solidFill>
-                </a:defRPr>
-              </a:pPr>
-              <a:r>
-                <a:t>1  2  3</a:t>
-              </a:r>
-            </a:p>
-            <a:p>
-              <a:pPr>
-                <a:lnSpc>
-                  <a:spcPct val="90000"/>
-                </a:lnSpc>
-                <a:spcBef>
-                  <a:spcPts val="300"/>
-                </a:spcBef>
-                <a:defRPr b="0" i="1" sz="1100">
-                  <a:solidFill>
-                    <a:schemeClr val="accent1"/>
-                  </a:solidFill>
-                </a:defRPr>
-              </a:pPr>
-              <a:r>
-                <a:t>4  5  NA</a:t>
-              </a:r>
-            </a:p>
-          </p:txBody>
-        </p:sp>
-      </p:grpSp>
-      <p:graphicFrame>
-        <p:nvGraphicFramePr>
-          <p:cNvPr id="253" name="Table"/>
-          <p:cNvGraphicFramePr/>
-          <p:nvPr/>
-        </p:nvGraphicFramePr>
-        <p:xfrm>
-          <a:off x="7676429" y="7008818"/>
-          <a:ext cx="1188951" cy="1524001"/>
-        </p:xfrm>
-        <a:graphic xmlns:a="http://schemas.openxmlformats.org/drawingml/2006/main">
-          <a:graphicData uri="http://schemas.openxmlformats.org/drawingml/2006/table">
-            <a:tbl>
-              <a:tblPr firstCol="0" firstRow="1" lastCol="0" lastRow="0" bandCol="0" bandRow="0" rtl="0">
-                <a:tableStyleId>{33BA23B1-9221-436E-865A-0063620EA4FD}</a:tableStyleId>
-              </a:tblPr>
-              <a:tblGrid>
-                <a:gridCol w="222840"/>
-                <a:gridCol w="222840"/>
-                <a:gridCol w="222840"/>
-              </a:tblGrid>
-              <a:tr h="203200">
-                <a:tc>
-                  <a:txBody>
-                    <a:bodyPr/>
-                    <a:lstStyle/>
-                    <a:p>
-                      <a:pPr defTabSz="914400">
-                        <a:defRPr b="0">
-                          <a:solidFill>
-                            <a:srgbClr val="000000"/>
-                          </a:solidFill>
-                        </a:defRPr>
-                      </a:pPr>
-                      <a:r>
-                        <a:rPr b="1" sz="900">
-                          <a:solidFill>
-                            <a:srgbClr val="FFFFFF"/>
-                          </a:solidFill>
-                          <a:latin typeface="Helvetica"/>
-                          <a:ea typeface="Helvetica"/>
-                          <a:cs typeface="Helvetica"/>
-                          <a:sym typeface="Helvetica"/>
-                        </a:rPr>
-                        <a:t>A</a:t>
-                      </a:r>
-                    </a:p>
-                  </a:txBody>
-                  <a:tcPr marL="0" marR="0" marT="0" marB="0" anchor="ctr" anchorCtr="0" horzOverflow="overflow">
-                    <a:solidFill>
-                      <a:srgbClr val="797979"/>
-                    </a:solidFill>
-                  </a:tcPr>
-                </a:tc>
-                <a:tc>
-                  <a:txBody>
-                    <a:bodyPr/>
-                    <a:lstStyle/>
-                    <a:p>
-                      <a:pPr defTabSz="914400">
-                        <a:defRPr b="0">
-                          <a:solidFill>
-                            <a:srgbClr val="000000"/>
-                          </a:solidFill>
-                        </a:defRPr>
-                      </a:pPr>
-                      <a:r>
-                        <a:rPr b="1" sz="900">
-                          <a:solidFill>
-                            <a:srgbClr val="FFFFFF"/>
-                          </a:solidFill>
-                          <a:latin typeface="Helvetica"/>
-                          <a:ea typeface="Helvetica"/>
-                          <a:cs typeface="Helvetica"/>
-                          <a:sym typeface="Helvetica"/>
-                        </a:rPr>
-                        <a:t>B</a:t>
-                      </a:r>
-                    </a:p>
-                  </a:txBody>
-                  <a:tcPr marL="0" marR="0" marT="0" marB="0" anchor="ctr" anchorCtr="0" horzOverflow="overflow">
-                    <a:solidFill>
-                      <a:srgbClr val="797979"/>
-                    </a:solidFill>
-                  </a:tcPr>
-                </a:tc>
-                <a:tc>
-                  <a:txBody>
-                    <a:bodyPr/>
-                    <a:lstStyle/>
-                    <a:p>
-                      <a:pPr defTabSz="914400">
-                        <a:defRPr b="0">
-                          <a:solidFill>
-                            <a:srgbClr val="000000"/>
-                          </a:solidFill>
-                        </a:defRPr>
-                      </a:pPr>
-                      <a:r>
-                        <a:rPr b="1" sz="900">
-                          <a:solidFill>
-                            <a:srgbClr val="FFFFFF"/>
-                          </a:solidFill>
-                          <a:latin typeface="Helvetica"/>
-                          <a:ea typeface="Helvetica"/>
-                          <a:cs typeface="Helvetica"/>
-                          <a:sym typeface="Helvetica"/>
-                        </a:rPr>
-                        <a:t>C</a:t>
-                      </a:r>
-                    </a:p>
-                  </a:txBody>
-                  <a:tcPr marL="0" marR="0" marT="0" marB="0" anchor="ctr" anchorCtr="0" horzOverflow="overflow">
-                    <a:solidFill>
-                      <a:srgbClr val="797979"/>
-                    </a:solidFill>
-                  </a:tcPr>
-                </a:tc>
-              </a:tr>
-              <a:tr h="203200">
-                <a:tc>
-                  <a:txBody>
-                    <a:bodyPr/>
-                    <a:lstStyle/>
-                    <a:p>
-                      <a:pPr defTabSz="914400"/>
-                      <a:r>
-                        <a:rPr sz="900">
-                          <a:latin typeface="Helvetica"/>
-                          <a:ea typeface="Helvetica"/>
-                          <a:cs typeface="Helvetica"/>
-                          <a:sym typeface="Helvetica"/>
-                        </a:rPr>
-                        <a:t>1</a:t>
-                      </a:r>
-                    </a:p>
-                  </a:txBody>
-                  <a:tcPr marL="0" marR="0" marT="0" marB="0" anchor="ctr" anchorCtr="0" horzOverflow="overflow"/>
-                </a:tc>
-                <a:tc>
-                  <a:txBody>
-                    <a:bodyPr/>
-                    <a:lstStyle/>
-                    <a:p>
-                      <a:pPr defTabSz="914400"/>
-                      <a:r>
-                        <a:rPr sz="900">
-                          <a:latin typeface="Helvetica"/>
-                          <a:ea typeface="Helvetica"/>
-                          <a:cs typeface="Helvetica"/>
-                          <a:sym typeface="Helvetica"/>
-                        </a:rPr>
-                        <a:t>2</a:t>
-                      </a:r>
-                    </a:p>
-                  </a:txBody>
-                  <a:tcPr marL="0" marR="0" marT="0" marB="0" anchor="ctr" anchorCtr="0" horzOverflow="overflow"/>
-                </a:tc>
-                <a:tc>
-                  <a:txBody>
-                    <a:bodyPr/>
-                    <a:lstStyle/>
-                    <a:p>
-                      <a:pPr defTabSz="914400"/>
-                      <a:r>
-                        <a:rPr sz="900">
-                          <a:latin typeface="Helvetica"/>
-                          <a:ea typeface="Helvetica"/>
-                          <a:cs typeface="Helvetica"/>
-                          <a:sym typeface="Helvetica"/>
-                        </a:rPr>
-                        <a:t>3</a:t>
-                      </a:r>
-                    </a:p>
-                  </a:txBody>
-                  <a:tcPr marL="0" marR="0" marT="0" marB="0" anchor="ctr" anchorCtr="0" horzOverflow="overflow"/>
-                </a:tc>
-              </a:tr>
-            </a:tbl>
-          </a:graphicData>
-        </a:graphic>
-      </p:graphicFrame>
-      <p:graphicFrame>
-        <p:nvGraphicFramePr>
-          <p:cNvPr id="254" name="Table"/>
-          <p:cNvGraphicFramePr/>
-          <p:nvPr/>
-        </p:nvGraphicFramePr>
-        <p:xfrm>
-          <a:off x="3963334" y="6982841"/>
-          <a:ext cx="1188952" cy="1524001"/>
-        </p:xfrm>
-        <a:graphic xmlns:a="http://schemas.openxmlformats.org/drawingml/2006/main">
-          <a:graphicData uri="http://schemas.openxmlformats.org/drawingml/2006/table">
-            <a:tbl>
-              <a:tblPr firstCol="0" firstRow="1" lastCol="0" lastRow="0" bandCol="0" bandRow="0" rtl="0">
-                <a:tableStyleId>{33BA23B1-9221-436E-865A-0063620EA4FD}</a:tableStyleId>
-              </a:tblPr>
-              <a:tblGrid>
-                <a:gridCol w="222840"/>
-                <a:gridCol w="222840"/>
-                <a:gridCol w="222840"/>
-              </a:tblGrid>
-              <a:tr h="160866">
-                <a:tc>
-                  <a:txBody>
-                    <a:bodyPr/>
-                    <a:lstStyle/>
-                    <a:p>
-                      <a:pPr defTabSz="914400">
-                        <a:defRPr b="0">
-                          <a:solidFill>
-                            <a:srgbClr val="000000"/>
-                          </a:solidFill>
-                        </a:defRPr>
-                      </a:pPr>
-                      <a:r>
-                        <a:rPr sz="900">
-                          <a:latin typeface="Helvetica"/>
-                          <a:ea typeface="Helvetica"/>
-                          <a:cs typeface="Helvetica"/>
-                          <a:sym typeface="Helvetica"/>
-                        </a:rPr>
-                        <a:t>A</a:t>
-                      </a:r>
-                    </a:p>
-                  </a:txBody>
-                  <a:tcPr marL="0" marR="0" marT="0" marB="0" anchor="ctr" anchorCtr="0" horzOverflow="overflow">
-                    <a:solidFill>
-                      <a:srgbClr val="D0D1D2"/>
-                    </a:solidFill>
-                  </a:tcPr>
-                </a:tc>
-                <a:tc>
-                  <a:txBody>
-                    <a:bodyPr/>
-                    <a:lstStyle/>
-                    <a:p>
-                      <a:pPr defTabSz="914400">
-                        <a:defRPr b="0">
-                          <a:solidFill>
-                            <a:srgbClr val="000000"/>
-                          </a:solidFill>
-                        </a:defRPr>
-                      </a:pPr>
-                      <a:r>
-                        <a:rPr sz="900">
-                          <a:latin typeface="Helvetica"/>
-                          <a:ea typeface="Helvetica"/>
-                          <a:cs typeface="Helvetica"/>
-                          <a:sym typeface="Helvetica"/>
-                        </a:rPr>
-                        <a:t>B</a:t>
-                      </a:r>
-                    </a:p>
-                  </a:txBody>
-                  <a:tcPr marL="0" marR="0" marT="0" marB="0" anchor="ctr" anchorCtr="0" horzOverflow="overflow">
-                    <a:solidFill>
-                      <a:srgbClr val="D0D1D2"/>
-                    </a:solidFill>
-                  </a:tcPr>
-                </a:tc>
-                <a:tc>
-                  <a:txBody>
-                    <a:bodyPr/>
-                    <a:lstStyle/>
-                    <a:p>
-                      <a:pPr defTabSz="914400">
-                        <a:defRPr b="0">
-                          <a:solidFill>
-                            <a:srgbClr val="000000"/>
-                          </a:solidFill>
-                        </a:defRPr>
-                      </a:pPr>
-                      <a:r>
-                        <a:rPr sz="900">
-                          <a:latin typeface="Helvetica"/>
-                          <a:ea typeface="Helvetica"/>
-                          <a:cs typeface="Helvetica"/>
-                          <a:sym typeface="Helvetica"/>
-                        </a:rPr>
-                        <a:t>C</a:t>
-                      </a:r>
-                    </a:p>
-                  </a:txBody>
-                  <a:tcPr marL="0" marR="0" marT="0" marB="0" anchor="ctr" anchorCtr="0" horzOverflow="overflow">
-                    <a:solidFill>
-                      <a:srgbClr val="D0D1D2"/>
-                    </a:solidFill>
-                  </a:tcPr>
-                </a:tc>
-              </a:tr>
-              <a:tr h="160866">
-                <a:tc>
-                  <a:txBody>
-                    <a:bodyPr/>
-                    <a:lstStyle/>
-                    <a:p>
-                      <a:pPr defTabSz="914400"/>
-                      <a:r>
-                        <a:rPr sz="900">
-                          <a:latin typeface="Helvetica"/>
-                          <a:ea typeface="Helvetica"/>
-                          <a:cs typeface="Helvetica"/>
-                          <a:sym typeface="Helvetica"/>
-                        </a:rPr>
-                        <a:t>1</a:t>
-                      </a:r>
-                    </a:p>
-                  </a:txBody>
-                  <a:tcPr marL="0" marR="0" marT="0" marB="0" anchor="ctr" anchorCtr="0" horzOverflow="overflow"/>
-                </a:tc>
-                <a:tc>
-                  <a:txBody>
-                    <a:bodyPr/>
-                    <a:lstStyle/>
-                    <a:p>
-                      <a:pPr defTabSz="914400"/>
-                      <a:r>
-                        <a:rPr sz="900">
-                          <a:latin typeface="Helvetica"/>
-                          <a:ea typeface="Helvetica"/>
-                          <a:cs typeface="Helvetica"/>
-                          <a:sym typeface="Helvetica"/>
-                        </a:rPr>
-                        <a:t>2</a:t>
-                      </a:r>
-                    </a:p>
-                  </a:txBody>
-                  <a:tcPr marL="0" marR="0" marT="0" marB="0" anchor="ctr" anchorCtr="0" horzOverflow="overflow"/>
-                </a:tc>
-                <a:tc>
-                  <a:txBody>
-                    <a:bodyPr/>
-                    <a:lstStyle/>
-                    <a:p>
-                      <a:pPr defTabSz="914400"/>
-                      <a:r>
-                        <a:rPr sz="900">
-                          <a:latin typeface="Helvetica"/>
-                          <a:ea typeface="Helvetica"/>
-                          <a:cs typeface="Helvetica"/>
-                          <a:sym typeface="Helvetica"/>
-                        </a:rPr>
-                        <a:t>3</a:t>
-                      </a:r>
-                    </a:p>
-                  </a:txBody>
-                  <a:tcPr marL="0" marR="0" marT="0" marB="0" anchor="ctr" anchorCtr="0" horzOverflow="overflow"/>
-                </a:tc>
-              </a:tr>
-              <a:tr h="160866">
-                <a:tc>
-                  <a:txBody>
-                    <a:bodyPr/>
-                    <a:lstStyle/>
-                    <a:p>
-                      <a:pPr defTabSz="914400"/>
-                      <a:r>
-                        <a:rPr sz="900">
-                          <a:latin typeface="Helvetica"/>
-                          <a:ea typeface="Helvetica"/>
-                          <a:cs typeface="Helvetica"/>
-                          <a:sym typeface="Helvetica"/>
-                        </a:rPr>
-                        <a:t>4</a:t>
-                      </a:r>
-                    </a:p>
-                  </a:txBody>
-                  <a:tcPr marL="0" marR="0" marT="0" marB="0" anchor="ctr" anchorCtr="0" horzOverflow="overflow"/>
-                </a:tc>
-                <a:tc>
-                  <a:txBody>
-                    <a:bodyPr/>
-                    <a:lstStyle/>
-                    <a:p>
-                      <a:pPr defTabSz="914400"/>
-                      <a:r>
-                        <a:rPr sz="900">
-                          <a:latin typeface="Helvetica"/>
-                          <a:ea typeface="Helvetica"/>
-                          <a:cs typeface="Helvetica"/>
-                          <a:sym typeface="Helvetica"/>
-                        </a:rPr>
-                        <a:t>5</a:t>
-                      </a:r>
-                    </a:p>
-                  </a:txBody>
-                  <a:tcPr marL="0" marR="0" marT="0" marB="0" anchor="ctr" anchorCtr="0" horzOverflow="overflow"/>
-                </a:tc>
-                <a:tc>
-                  <a:txBody>
-                    <a:bodyPr/>
-                    <a:lstStyle/>
-                    <a:p>
-                      <a:pPr defTabSz="914400"/>
-                      <a:r>
-                        <a:rPr sz="900">
-                          <a:latin typeface="Helvetica"/>
-                          <a:ea typeface="Helvetica"/>
-                          <a:cs typeface="Helvetica"/>
-                          <a:sym typeface="Helvetica"/>
-                        </a:rPr>
-                        <a:t>NA</a:t>
-                      </a:r>
-                    </a:p>
-                  </a:txBody>
-                  <a:tcPr marL="0" marR="0" marT="0" marB="0" anchor="ctr" anchorCtr="0" horzOverflow="overflow"/>
-                </a:tc>
-              </a:tr>
-            </a:tbl>
-          </a:graphicData>
-        </a:graphic>
-      </p:graphicFrame>
-      <p:graphicFrame>
-        <p:nvGraphicFramePr>
-          <p:cNvPr id="255" name="Table"/>
-          <p:cNvGraphicFramePr/>
-          <p:nvPr/>
-        </p:nvGraphicFramePr>
-        <p:xfrm>
-          <a:off x="3969684" y="7540750"/>
-          <a:ext cx="1188952" cy="1524001"/>
-        </p:xfrm>
-        <a:graphic xmlns:a="http://schemas.openxmlformats.org/drawingml/2006/main">
-          <a:graphicData uri="http://schemas.openxmlformats.org/drawingml/2006/table">
-            <a:tbl>
-              <a:tblPr firstCol="0" firstRow="0" lastCol="0" lastRow="0" bandCol="0" bandRow="0" rtl="0">
-                <a:tableStyleId>{33BA23B1-9221-436E-865A-0063620EA4FD}</a:tableStyleId>
-              </a:tblPr>
-              <a:tblGrid>
-                <a:gridCol w="222840"/>
-                <a:gridCol w="222840"/>
-                <a:gridCol w="222840"/>
-              </a:tblGrid>
-              <a:tr h="171450">
-                <a:tc>
-                  <a:txBody>
-                    <a:bodyPr/>
-                    <a:lstStyle/>
-                    <a:p>
-                      <a:pPr defTabSz="914400"/>
-                      <a:r>
-                        <a:rPr b="1" sz="900">
-                          <a:solidFill>
-                            <a:srgbClr val="FFFFFF"/>
-                          </a:solidFill>
-                          <a:latin typeface="Helvetica"/>
-                          <a:ea typeface="Helvetica"/>
-                          <a:cs typeface="Helvetica"/>
-                          <a:sym typeface="Helvetica"/>
-                        </a:rPr>
-                        <a:t>x</a:t>
-                      </a:r>
-                    </a:p>
-                  </a:txBody>
-                  <a:tcPr marL="0" marR="0" marT="0" marB="0" anchor="ctr" anchorCtr="0" horzOverflow="overflow">
-                    <a:solidFill>
-                      <a:srgbClr val="797979"/>
-                    </a:solidFill>
-                  </a:tcPr>
-                </a:tc>
-                <a:tc>
-                  <a:txBody>
-                    <a:bodyPr/>
-                    <a:lstStyle/>
-                    <a:p>
-                      <a:pPr defTabSz="914400"/>
-                      <a:r>
-                        <a:rPr b="1" sz="900">
-                          <a:solidFill>
-                            <a:srgbClr val="FFFFFF"/>
-                          </a:solidFill>
-                          <a:latin typeface="Helvetica"/>
-                          <a:ea typeface="Helvetica"/>
-                          <a:cs typeface="Helvetica"/>
-                          <a:sym typeface="Helvetica"/>
-                        </a:rPr>
-                        <a:t>y</a:t>
-                      </a:r>
-                    </a:p>
-                  </a:txBody>
-                  <a:tcPr marL="0" marR="0" marT="0" marB="0" anchor="ctr" anchorCtr="0" horzOverflow="overflow">
-                    <a:solidFill>
-                      <a:srgbClr val="797979"/>
-                    </a:solidFill>
-                  </a:tcPr>
-                </a:tc>
-                <a:tc>
-                  <a:txBody>
-                    <a:bodyPr/>
-                    <a:lstStyle/>
-                    <a:p>
-                      <a:pPr defTabSz="914400"/>
-                      <a:r>
-                        <a:rPr b="1" sz="900">
-                          <a:solidFill>
-                            <a:srgbClr val="FFFFFF"/>
-                          </a:solidFill>
-                          <a:latin typeface="Helvetica"/>
-                          <a:ea typeface="Helvetica"/>
-                          <a:cs typeface="Helvetica"/>
-                          <a:sym typeface="Helvetica"/>
-                        </a:rPr>
-                        <a:t>z</a:t>
-                      </a:r>
-                    </a:p>
-                  </a:txBody>
-                  <a:tcPr marL="0" marR="0" marT="0" marB="0" anchor="ctr" anchorCtr="0" horzOverflow="overflow">
-                    <a:solidFill>
-                      <a:srgbClr val="797979"/>
-                    </a:solidFill>
-                  </a:tcPr>
-                </a:tc>
-              </a:tr>
-              <a:tr h="171450">
-                <a:tc>
-                  <a:txBody>
-                    <a:bodyPr/>
-                    <a:lstStyle/>
-                    <a:p>
-                      <a:pPr defTabSz="914400"/>
-                      <a:r>
-                        <a:rPr sz="900">
-                          <a:latin typeface="Helvetica"/>
-                          <a:ea typeface="Helvetica"/>
-                          <a:cs typeface="Helvetica"/>
-                          <a:sym typeface="Helvetica"/>
-                        </a:rPr>
-                        <a:t>A</a:t>
-                      </a:r>
-                    </a:p>
-                  </a:txBody>
-                  <a:tcPr marL="0" marR="0" marT="0" marB="0" anchor="ctr" anchorCtr="0" horzOverflow="overflow"/>
-                </a:tc>
-                <a:tc>
-                  <a:txBody>
-                    <a:bodyPr/>
-                    <a:lstStyle/>
-                    <a:p>
-                      <a:pPr defTabSz="914400"/>
-                      <a:r>
-                        <a:rPr sz="900">
-                          <a:latin typeface="Helvetica"/>
-                          <a:ea typeface="Helvetica"/>
-                          <a:cs typeface="Helvetica"/>
-                          <a:sym typeface="Helvetica"/>
-                        </a:rPr>
-                        <a:t>B</a:t>
-                      </a:r>
-                    </a:p>
-                  </a:txBody>
-                  <a:tcPr marL="0" marR="0" marT="0" marB="0" anchor="ctr" anchorCtr="0" horzOverflow="overflow"/>
-                </a:tc>
-                <a:tc>
-                  <a:txBody>
-                    <a:bodyPr/>
-                    <a:lstStyle/>
-                    <a:p>
-                      <a:pPr defTabSz="914400"/>
-                      <a:r>
-                        <a:rPr sz="900">
-                          <a:latin typeface="Helvetica"/>
-                          <a:ea typeface="Helvetica"/>
-                          <a:cs typeface="Helvetica"/>
-                          <a:sym typeface="Helvetica"/>
-                        </a:rPr>
-                        <a:t>C</a:t>
-                      </a:r>
-                    </a:p>
-                  </a:txBody>
-                  <a:tcPr marL="0" marR="0" marT="0" marB="0" anchor="ctr" anchorCtr="0" horzOverflow="overflow"/>
-                </a:tc>
-              </a:tr>
-              <a:tr h="171450">
-                <a:tc>
-                  <a:txBody>
-                    <a:bodyPr/>
-                    <a:lstStyle/>
-                    <a:p>
-                      <a:pPr defTabSz="914400"/>
-                      <a:r>
-                        <a:rPr sz="900">
-                          <a:latin typeface="Helvetica"/>
-                          <a:ea typeface="Helvetica"/>
-                          <a:cs typeface="Helvetica"/>
-                          <a:sym typeface="Helvetica"/>
-                        </a:rPr>
-                        <a:t>1</a:t>
-                      </a:r>
-                    </a:p>
-                  </a:txBody>
-                  <a:tcPr marL="0" marR="0" marT="0" marB="0" anchor="ctr" anchorCtr="0" horzOverflow="overflow"/>
-                </a:tc>
-                <a:tc>
-                  <a:txBody>
-                    <a:bodyPr/>
-                    <a:lstStyle/>
-                    <a:p>
-                      <a:pPr defTabSz="914400"/>
-                      <a:r>
-                        <a:rPr sz="900">
-                          <a:latin typeface="Helvetica"/>
-                          <a:ea typeface="Helvetica"/>
-                          <a:cs typeface="Helvetica"/>
-                          <a:sym typeface="Helvetica"/>
-                        </a:rPr>
-                        <a:t>2</a:t>
-                      </a:r>
-                    </a:p>
-                  </a:txBody>
-                  <a:tcPr marL="0" marR="0" marT="0" marB="0" anchor="ctr" anchorCtr="0" horzOverflow="overflow"/>
-                </a:tc>
-                <a:tc>
-                  <a:txBody>
-                    <a:bodyPr/>
-                    <a:lstStyle/>
-                    <a:p>
-                      <a:pPr defTabSz="914400"/>
-                      <a:r>
-                        <a:rPr sz="900">
-                          <a:latin typeface="Helvetica"/>
-                          <a:ea typeface="Helvetica"/>
-                          <a:cs typeface="Helvetica"/>
-                          <a:sym typeface="Helvetica"/>
-                        </a:rPr>
-                        <a:t>3</a:t>
-                      </a:r>
-                    </a:p>
-                  </a:txBody>
-                  <a:tcPr marL="0" marR="0" marT="0" marB="0" anchor="ctr" anchorCtr="0" horzOverflow="overflow"/>
-                </a:tc>
-              </a:tr>
-              <a:tr h="171450">
-                <a:tc>
-                  <a:txBody>
-                    <a:bodyPr/>
-                    <a:lstStyle/>
-                    <a:p>
-                      <a:pPr defTabSz="914400"/>
-                      <a:r>
-                        <a:rPr sz="900">
-                          <a:latin typeface="Helvetica"/>
-                          <a:ea typeface="Helvetica"/>
-                          <a:cs typeface="Helvetica"/>
-                          <a:sym typeface="Helvetica"/>
-                        </a:rPr>
-                        <a:t>4</a:t>
-                      </a:r>
-                    </a:p>
-                  </a:txBody>
-                  <a:tcPr marL="0" marR="0" marT="0" marB="0" anchor="ctr" anchorCtr="0" horzOverflow="overflow"/>
-                </a:tc>
-                <a:tc>
-                  <a:txBody>
-                    <a:bodyPr/>
-                    <a:lstStyle/>
-                    <a:p>
-                      <a:pPr defTabSz="914400"/>
-                      <a:r>
-                        <a:rPr sz="900">
-                          <a:latin typeface="Helvetica"/>
-                          <a:ea typeface="Helvetica"/>
-                          <a:cs typeface="Helvetica"/>
-                          <a:sym typeface="Helvetica"/>
-                        </a:rPr>
-                        <a:t>5</a:t>
-                      </a:r>
-                    </a:p>
-                  </a:txBody>
-                  <a:tcPr marL="0" marR="0" marT="0" marB="0" anchor="ctr" anchorCtr="0" horzOverflow="overflow"/>
-                </a:tc>
-                <a:tc>
-                  <a:txBody>
-                    <a:bodyPr/>
-                    <a:lstStyle/>
-                    <a:p>
-                      <a:pPr defTabSz="914400"/>
-                      <a:r>
-                        <a:rPr sz="900">
-                          <a:latin typeface="Helvetica"/>
-                          <a:ea typeface="Helvetica"/>
-                          <a:cs typeface="Helvetica"/>
-                          <a:sym typeface="Helvetica"/>
-                        </a:rPr>
-                        <a:t>NA</a:t>
-                      </a:r>
-                    </a:p>
-                  </a:txBody>
-                  <a:tcPr marL="0" marR="0" marT="0" marB="0" anchor="ctr" anchorCtr="0" horzOverflow="overflow"/>
-                </a:tc>
-              </a:tr>
-            </a:tbl>
-          </a:graphicData>
-        </a:graphic>
-      </p:graphicFrame>
-      <p:graphicFrame>
-        <p:nvGraphicFramePr>
-          <p:cNvPr id="256" name="Table"/>
-          <p:cNvGraphicFramePr/>
-          <p:nvPr/>
-        </p:nvGraphicFramePr>
-        <p:xfrm>
-          <a:off x="7682779" y="7743950"/>
-          <a:ext cx="1188951" cy="1524001"/>
-        </p:xfrm>
-        <a:graphic xmlns:a="http://schemas.openxmlformats.org/drawingml/2006/main">
-          <a:graphicData uri="http://schemas.openxmlformats.org/drawingml/2006/table">
-            <a:tbl>
-              <a:tblPr firstCol="0" firstRow="1" lastCol="0" lastRow="0" bandCol="0" bandRow="0" rtl="0">
-                <a:tableStyleId>{33BA23B1-9221-436E-865A-0063620EA4FD}</a:tableStyleId>
-              </a:tblPr>
-              <a:tblGrid>
-                <a:gridCol w="222840"/>
-                <a:gridCol w="222840"/>
-                <a:gridCol w="222840"/>
-              </a:tblGrid>
-              <a:tr h="160866">
-                <a:tc>
-                  <a:txBody>
-                    <a:bodyPr/>
-                    <a:lstStyle/>
-                    <a:p>
-                      <a:pPr defTabSz="914400">
-                        <a:defRPr b="0">
-                          <a:solidFill>
-                            <a:srgbClr val="000000"/>
-                          </a:solidFill>
-                        </a:defRPr>
-                      </a:pPr>
-                      <a:r>
-                        <a:rPr b="1" sz="900">
-                          <a:solidFill>
-                            <a:srgbClr val="FFFFFF"/>
-                          </a:solidFill>
-                          <a:latin typeface="Helvetica"/>
-                          <a:ea typeface="Helvetica"/>
-                          <a:cs typeface="Helvetica"/>
-                          <a:sym typeface="Helvetica"/>
-                        </a:rPr>
-                        <a:t>A</a:t>
-                      </a:r>
-                    </a:p>
-                  </a:txBody>
-                  <a:tcPr marL="0" marR="0" marT="0" marB="0" anchor="ctr" anchorCtr="0" horzOverflow="overflow">
-                    <a:solidFill>
-                      <a:srgbClr val="797979"/>
-                    </a:solidFill>
-                  </a:tcPr>
-                </a:tc>
-                <a:tc>
-                  <a:txBody>
-                    <a:bodyPr/>
-                    <a:lstStyle/>
-                    <a:p>
-                      <a:pPr defTabSz="914400">
-                        <a:defRPr b="0">
-                          <a:solidFill>
-                            <a:srgbClr val="000000"/>
-                          </a:solidFill>
-                        </a:defRPr>
-                      </a:pPr>
-                      <a:r>
-                        <a:rPr b="1" sz="900">
-                          <a:solidFill>
-                            <a:srgbClr val="FFFFFF"/>
-                          </a:solidFill>
-                          <a:latin typeface="Helvetica"/>
-                          <a:ea typeface="Helvetica"/>
-                          <a:cs typeface="Helvetica"/>
-                          <a:sym typeface="Helvetica"/>
-                        </a:rPr>
-                        <a:t>B</a:t>
-                      </a:r>
-                    </a:p>
-                  </a:txBody>
-                  <a:tcPr marL="0" marR="0" marT="0" marB="0" anchor="ctr" anchorCtr="0" horzOverflow="overflow">
-                    <a:solidFill>
-                      <a:srgbClr val="797979"/>
-                    </a:solidFill>
-                  </a:tcPr>
-                </a:tc>
-                <a:tc>
-                  <a:txBody>
-                    <a:bodyPr/>
-                    <a:lstStyle/>
-                    <a:p>
-                      <a:pPr defTabSz="914400">
-                        <a:defRPr b="0">
-                          <a:solidFill>
-                            <a:srgbClr val="000000"/>
-                          </a:solidFill>
-                        </a:defRPr>
-                      </a:pPr>
-                      <a:r>
-                        <a:rPr b="1" sz="900">
-                          <a:solidFill>
-                            <a:srgbClr val="FFFFFF"/>
-                          </a:solidFill>
-                          <a:latin typeface="Helvetica"/>
-                          <a:ea typeface="Helvetica"/>
-                          <a:cs typeface="Helvetica"/>
-                          <a:sym typeface="Helvetica"/>
-                        </a:rPr>
-                        <a:t>C</a:t>
-                      </a:r>
-                    </a:p>
-                  </a:txBody>
-                  <a:tcPr marL="0" marR="0" marT="0" marB="0" anchor="ctr" anchorCtr="0" horzOverflow="overflow">
-                    <a:solidFill>
-                      <a:srgbClr val="797979"/>
-                    </a:solidFill>
-                  </a:tcPr>
-                </a:tc>
-              </a:tr>
-              <a:tr h="160866">
-                <a:tc>
-                  <a:txBody>
-                    <a:bodyPr/>
-                    <a:lstStyle/>
-                    <a:p>
-                      <a:pPr defTabSz="914400"/>
-                      <a:r>
-                        <a:rPr sz="900">
-                          <a:latin typeface="Helvetica"/>
-                          <a:ea typeface="Helvetica"/>
-                          <a:cs typeface="Helvetica"/>
-                          <a:sym typeface="Helvetica"/>
-                        </a:rPr>
-                        <a:t>NA</a:t>
-                      </a:r>
-                    </a:p>
-                  </a:txBody>
-                  <a:tcPr marL="0" marR="0" marT="0" marB="0" anchor="ctr" anchorCtr="0" horzOverflow="overflow"/>
-                </a:tc>
-                <a:tc>
-                  <a:txBody>
-                    <a:bodyPr/>
-                    <a:lstStyle/>
-                    <a:p>
-                      <a:pPr defTabSz="914400"/>
-                      <a:r>
-                        <a:rPr sz="900">
-                          <a:latin typeface="Helvetica"/>
-                          <a:ea typeface="Helvetica"/>
-                          <a:cs typeface="Helvetica"/>
-                          <a:sym typeface="Helvetica"/>
-                        </a:rPr>
-                        <a:t>2</a:t>
-                      </a:r>
-                    </a:p>
-                  </a:txBody>
-                  <a:tcPr marL="0" marR="0" marT="0" marB="0" anchor="ctr" anchorCtr="0" horzOverflow="overflow"/>
-                </a:tc>
-                <a:tc>
-                  <a:txBody>
-                    <a:bodyPr/>
-                    <a:lstStyle/>
-                    <a:p>
-                      <a:pPr defTabSz="914400"/>
-                      <a:r>
-                        <a:rPr sz="900">
-                          <a:latin typeface="Helvetica"/>
-                          <a:ea typeface="Helvetica"/>
-                          <a:cs typeface="Helvetica"/>
-                          <a:sym typeface="Helvetica"/>
-                        </a:rPr>
-                        <a:t>3</a:t>
-                      </a:r>
-                    </a:p>
-                  </a:txBody>
-                  <a:tcPr marL="0" marR="0" marT="0" marB="0" anchor="ctr" anchorCtr="0" horzOverflow="overflow"/>
-                </a:tc>
-              </a:tr>
-              <a:tr h="160866">
-                <a:tc>
-                  <a:txBody>
-                    <a:bodyPr/>
-                    <a:lstStyle/>
-                    <a:p>
-                      <a:pPr defTabSz="914400"/>
-                      <a:r>
-                        <a:rPr sz="900">
-                          <a:latin typeface="Helvetica"/>
-                          <a:ea typeface="Helvetica"/>
-                          <a:cs typeface="Helvetica"/>
-                          <a:sym typeface="Helvetica"/>
-                        </a:rPr>
-                        <a:t>4</a:t>
-                      </a:r>
-                    </a:p>
-                  </a:txBody>
-                  <a:tcPr marL="0" marR="0" marT="0" marB="0" anchor="ctr" anchorCtr="0" horzOverflow="overflow"/>
-                </a:tc>
-                <a:tc>
-                  <a:txBody>
-                    <a:bodyPr/>
-                    <a:lstStyle/>
-                    <a:p>
-                      <a:pPr defTabSz="914400"/>
-                      <a:r>
-                        <a:rPr sz="900">
-                          <a:latin typeface="Helvetica"/>
-                          <a:ea typeface="Helvetica"/>
-                          <a:cs typeface="Helvetica"/>
-                          <a:sym typeface="Helvetica"/>
-                        </a:rPr>
-                        <a:t>5</a:t>
-                      </a:r>
-                    </a:p>
-                  </a:txBody>
-                  <a:tcPr marL="0" marR="0" marT="0" marB="0" anchor="ctr" anchorCtr="0" horzOverflow="overflow"/>
-                </a:tc>
-                <a:tc>
-                  <a:txBody>
-                    <a:bodyPr/>
-                    <a:lstStyle/>
-                    <a:p>
-                      <a:pPr defTabSz="914400"/>
-                      <a:r>
-                        <a:rPr sz="900">
-                          <a:latin typeface="Helvetica"/>
-                          <a:ea typeface="Helvetica"/>
-                          <a:cs typeface="Helvetica"/>
-                          <a:sym typeface="Helvetica"/>
-                        </a:rPr>
-                        <a:t>NA</a:t>
-                      </a:r>
-                    </a:p>
-                  </a:txBody>
-                  <a:tcPr marL="0" marR="0" marT="0" marB="0" anchor="ctr" anchorCtr="0" horzOverflow="overflow"/>
-                </a:tc>
-              </a:tr>
-            </a:tbl>
-          </a:graphicData>
-        </a:graphic>
-      </p:graphicFrame>
-      <p:graphicFrame>
-        <p:nvGraphicFramePr>
-          <p:cNvPr id="257" name="Table"/>
-          <p:cNvGraphicFramePr/>
-          <p:nvPr/>
-        </p:nvGraphicFramePr>
-        <p:xfrm>
-          <a:off x="7676429" y="6197486"/>
-          <a:ext cx="1188951" cy="1524001"/>
-        </p:xfrm>
-        <a:graphic xmlns:a="http://schemas.openxmlformats.org/drawingml/2006/main">
-          <a:graphicData uri="http://schemas.openxmlformats.org/drawingml/2006/table">
-            <a:tbl>
-              <a:tblPr firstCol="0" firstRow="1" lastCol="0" lastRow="0" bandCol="0" bandRow="0" rtl="0">
-                <a:tableStyleId>{33BA23B1-9221-436E-865A-0063620EA4FD}</a:tableStyleId>
-              </a:tblPr>
-              <a:tblGrid>
-                <a:gridCol w="222840"/>
-                <a:gridCol w="222840"/>
-                <a:gridCol w="222840"/>
-              </a:tblGrid>
-              <a:tr h="241300">
-                <a:tc>
-                  <a:txBody>
-                    <a:bodyPr/>
-                    <a:lstStyle/>
-                    <a:p>
-                      <a:pPr defTabSz="914400">
-                        <a:defRPr b="0">
-                          <a:solidFill>
-                            <a:srgbClr val="000000"/>
-                          </a:solidFill>
-                        </a:defRPr>
-                      </a:pPr>
-                      <a:r>
-                        <a:rPr b="1" sz="900">
-                          <a:solidFill>
-                            <a:srgbClr val="FFFFFF"/>
-                          </a:solidFill>
-                          <a:latin typeface="Helvetica"/>
-                          <a:ea typeface="Helvetica"/>
-                          <a:cs typeface="Helvetica"/>
-                          <a:sym typeface="Helvetica"/>
-                        </a:rPr>
-                        <a:t>1</a:t>
-                      </a:r>
-                    </a:p>
-                  </a:txBody>
-                  <a:tcPr marL="0" marR="0" marT="0" marB="0" anchor="ctr" anchorCtr="0" horzOverflow="overflow">
-                    <a:solidFill>
-                      <a:srgbClr val="797979"/>
-                    </a:solidFill>
-                  </a:tcPr>
-                </a:tc>
-                <a:tc>
-                  <a:txBody>
-                    <a:bodyPr/>
-                    <a:lstStyle/>
-                    <a:p>
-                      <a:pPr defTabSz="914400">
-                        <a:defRPr b="0">
-                          <a:solidFill>
-                            <a:srgbClr val="000000"/>
-                          </a:solidFill>
-                        </a:defRPr>
-                      </a:pPr>
-                      <a:r>
-                        <a:rPr b="1" sz="900">
-                          <a:solidFill>
-                            <a:srgbClr val="FFFFFF"/>
-                          </a:solidFill>
-                          <a:latin typeface="Helvetica"/>
-                          <a:ea typeface="Helvetica"/>
-                          <a:cs typeface="Helvetica"/>
-                          <a:sym typeface="Helvetica"/>
-                        </a:rPr>
-                        <a:t>2</a:t>
-                      </a:r>
-                    </a:p>
-                  </a:txBody>
-                  <a:tcPr marL="0" marR="0" marT="0" marB="0" anchor="ctr" anchorCtr="0" horzOverflow="overflow">
-                    <a:solidFill>
-                      <a:srgbClr val="797979"/>
-                    </a:solidFill>
-                  </a:tcPr>
-                </a:tc>
-                <a:tc>
-                  <a:txBody>
-                    <a:bodyPr/>
-                    <a:lstStyle/>
-                    <a:p>
-                      <a:pPr defTabSz="914400">
-                        <a:defRPr b="0">
-                          <a:solidFill>
-                            <a:srgbClr val="000000"/>
-                          </a:solidFill>
-                        </a:defRPr>
-                      </a:pPr>
-                      <a:r>
-                        <a:rPr b="1" sz="900">
-                          <a:solidFill>
-                            <a:srgbClr val="FFFFFF"/>
-                          </a:solidFill>
-                          <a:latin typeface="Helvetica"/>
-                          <a:ea typeface="Helvetica"/>
-                          <a:cs typeface="Helvetica"/>
-                          <a:sym typeface="Helvetica"/>
-                        </a:rPr>
-                        <a:t>3</a:t>
-                      </a:r>
-                    </a:p>
-                  </a:txBody>
-                  <a:tcPr marL="0" marR="0" marT="0" marB="0" anchor="ctr" anchorCtr="0" horzOverflow="overflow">
-                    <a:solidFill>
-                      <a:srgbClr val="797979"/>
-                    </a:solidFill>
-                  </a:tcPr>
-                </a:tc>
-              </a:tr>
-              <a:tr h="241300">
-                <a:tc>
-                  <a:txBody>
-                    <a:bodyPr/>
-                    <a:lstStyle/>
-                    <a:p>
-                      <a:pPr defTabSz="914400"/>
-                      <a:r>
-                        <a:rPr sz="900">
-                          <a:latin typeface="Helvetica"/>
-                          <a:ea typeface="Helvetica"/>
-                          <a:cs typeface="Helvetica"/>
-                          <a:sym typeface="Helvetica"/>
-                        </a:rPr>
-                        <a:t>4</a:t>
-                      </a:r>
-                    </a:p>
-                  </a:txBody>
-                  <a:tcPr marL="0" marR="0" marT="0" marB="0" anchor="ctr" anchorCtr="0" horzOverflow="overflow"/>
-                </a:tc>
-                <a:tc>
-                  <a:txBody>
-                    <a:bodyPr/>
-                    <a:lstStyle/>
-                    <a:p>
-                      <a:pPr defTabSz="914400"/>
-                      <a:r>
-                        <a:rPr sz="900">
-                          <a:latin typeface="Helvetica"/>
-                          <a:ea typeface="Helvetica"/>
-                          <a:cs typeface="Helvetica"/>
-                          <a:sym typeface="Helvetica"/>
-                        </a:rPr>
-                        <a:t>5</a:t>
-                      </a:r>
-                    </a:p>
-                  </a:txBody>
-                  <a:tcPr marL="0" marR="0" marT="0" marB="0" anchor="ctr" anchorCtr="0" horzOverflow="overflow"/>
-                </a:tc>
-                <a:tc>
-                  <a:txBody>
-                    <a:bodyPr/>
-                    <a:lstStyle/>
-                    <a:p>
-                      <a:pPr defTabSz="914400"/>
-                      <a:r>
-                        <a:rPr sz="900">
-                          <a:latin typeface="Helvetica"/>
-                          <a:ea typeface="Helvetica"/>
-                          <a:cs typeface="Helvetica"/>
-                          <a:sym typeface="Helvetica"/>
-                        </a:rPr>
-                        <a:t>NA</a:t>
-                      </a:r>
-                    </a:p>
-                  </a:txBody>
-                  <a:tcPr marL="0" marR="0" marT="0" marB="0" anchor="ctr" anchorCtr="0" horzOverflow="overflow"/>
-                </a:tc>
-              </a:tr>
-            </a:tbl>
-          </a:graphicData>
-        </a:graphic>
-      </p:graphicFrame>
-      <p:graphicFrame>
-        <p:nvGraphicFramePr>
-          <p:cNvPr id="258" name="Table"/>
-          <p:cNvGraphicFramePr/>
-          <p:nvPr/>
-        </p:nvGraphicFramePr>
-        <p:xfrm>
-          <a:off x="5095880" y="2439268"/>
-          <a:ext cx="1188952" cy="1524001"/>
-        </p:xfrm>
-        <a:graphic xmlns:a="http://schemas.openxmlformats.org/drawingml/2006/main">
-          <a:graphicData uri="http://schemas.openxmlformats.org/drawingml/2006/table">
-            <a:tbl>
-              <a:tblPr firstCol="0" firstRow="1" lastCol="0" lastRow="0" bandCol="0" bandRow="0" rtl="0">
-                <a:tableStyleId>{33BA23B1-9221-436E-865A-0063620EA4FD}</a:tableStyleId>
-              </a:tblPr>
-              <a:tblGrid>
-                <a:gridCol w="222840"/>
-                <a:gridCol w="222840"/>
-                <a:gridCol w="222840"/>
-              </a:tblGrid>
-              <a:tr h="160866">
-                <a:tc>
-                  <a:txBody>
-                    <a:bodyPr/>
-                    <a:lstStyle/>
-                    <a:p>
-                      <a:pPr defTabSz="914400">
-                        <a:defRPr b="0">
-                          <a:solidFill>
-                            <a:srgbClr val="000000"/>
-                          </a:solidFill>
-                        </a:defRPr>
-                      </a:pPr>
-                      <a:r>
-                        <a:rPr b="1" sz="900">
-                          <a:solidFill>
-                            <a:srgbClr val="FFFFFF"/>
-                          </a:solidFill>
-                          <a:latin typeface="Helvetica"/>
-                          <a:ea typeface="Helvetica"/>
-                          <a:cs typeface="Helvetica"/>
-                          <a:sym typeface="Helvetica"/>
-                        </a:rPr>
-                        <a:t>A</a:t>
-                      </a:r>
-                    </a:p>
-                  </a:txBody>
-                  <a:tcPr marL="0" marR="0" marT="0" marB="0" anchor="ctr" anchorCtr="0" horzOverflow="overflow">
-                    <a:solidFill>
-                      <a:srgbClr val="797979"/>
-                    </a:solidFill>
-                  </a:tcPr>
-                </a:tc>
-                <a:tc>
-                  <a:txBody>
-                    <a:bodyPr/>
-                    <a:lstStyle/>
-                    <a:p>
-                      <a:pPr defTabSz="914400">
-                        <a:defRPr b="0">
-                          <a:solidFill>
-                            <a:srgbClr val="000000"/>
-                          </a:solidFill>
-                        </a:defRPr>
-                      </a:pPr>
-                      <a:r>
-                        <a:rPr b="1" sz="900">
-                          <a:solidFill>
-                            <a:srgbClr val="FFFFFF"/>
-                          </a:solidFill>
-                          <a:latin typeface="Helvetica"/>
-                          <a:ea typeface="Helvetica"/>
-                          <a:cs typeface="Helvetica"/>
-                          <a:sym typeface="Helvetica"/>
-                        </a:rPr>
-                        <a:t>B</a:t>
-                      </a:r>
-                    </a:p>
-                  </a:txBody>
-                  <a:tcPr marL="0" marR="0" marT="0" marB="0" anchor="ctr" anchorCtr="0" horzOverflow="overflow">
-                    <a:solidFill>
-                      <a:srgbClr val="797979"/>
-                    </a:solidFill>
-                  </a:tcPr>
-                </a:tc>
-                <a:tc>
-                  <a:txBody>
-                    <a:bodyPr/>
-                    <a:lstStyle/>
-                    <a:p>
-                      <a:pPr defTabSz="914400">
-                        <a:defRPr b="0">
-                          <a:solidFill>
-                            <a:srgbClr val="000000"/>
-                          </a:solidFill>
-                        </a:defRPr>
-                      </a:pPr>
-                      <a:r>
-                        <a:rPr b="1" sz="900">
-                          <a:solidFill>
-                            <a:srgbClr val="FFFFFF"/>
-                          </a:solidFill>
-                          <a:latin typeface="Helvetica"/>
-                          <a:ea typeface="Helvetica"/>
-                          <a:cs typeface="Helvetica"/>
-                          <a:sym typeface="Helvetica"/>
-                        </a:rPr>
-                        <a:t>C</a:t>
-                      </a:r>
-                    </a:p>
-                  </a:txBody>
-                  <a:tcPr marL="0" marR="0" marT="0" marB="0" anchor="ctr" anchorCtr="0" horzOverflow="overflow">
-                    <a:solidFill>
-                      <a:srgbClr val="797979"/>
-                    </a:solidFill>
-                  </a:tcPr>
-                </a:tc>
-              </a:tr>
-              <a:tr h="160866">
-                <a:tc>
-                  <a:txBody>
-                    <a:bodyPr/>
-                    <a:lstStyle/>
-                    <a:p>
-                      <a:pPr defTabSz="914400"/>
-                      <a:r>
-                        <a:rPr sz="900">
-                          <a:latin typeface="Helvetica"/>
-                          <a:ea typeface="Helvetica"/>
-                          <a:cs typeface="Helvetica"/>
-                          <a:sym typeface="Helvetica"/>
-                        </a:rPr>
-                        <a:t>1</a:t>
-                      </a:r>
-                    </a:p>
-                  </a:txBody>
-                  <a:tcPr marL="0" marR="0" marT="0" marB="0" anchor="ctr" anchorCtr="0" horzOverflow="overflow"/>
-                </a:tc>
-                <a:tc>
-                  <a:txBody>
-                    <a:bodyPr/>
-                    <a:lstStyle/>
-                    <a:p>
-                      <a:pPr defTabSz="914400"/>
-                      <a:r>
-                        <a:rPr sz="900">
-                          <a:latin typeface="Helvetica"/>
-                          <a:ea typeface="Helvetica"/>
-                          <a:cs typeface="Helvetica"/>
-                          <a:sym typeface="Helvetica"/>
-                        </a:rPr>
-                        <a:t>2</a:t>
-                      </a:r>
-                    </a:p>
-                  </a:txBody>
-                  <a:tcPr marL="0" marR="0" marT="0" marB="0" anchor="ctr" anchorCtr="0" horzOverflow="overflow"/>
-                </a:tc>
-                <a:tc>
-                  <a:txBody>
-                    <a:bodyPr/>
-                    <a:lstStyle/>
-                    <a:p>
-                      <a:pPr defTabSz="914400"/>
-                      <a:r>
-                        <a:rPr sz="900">
-                          <a:latin typeface="Helvetica"/>
-                          <a:ea typeface="Helvetica"/>
-                          <a:cs typeface="Helvetica"/>
-                          <a:sym typeface="Helvetica"/>
-                        </a:rPr>
-                        <a:t>3</a:t>
-                      </a:r>
-                    </a:p>
-                  </a:txBody>
-                  <a:tcPr marL="0" marR="0" marT="0" marB="0" anchor="ctr" anchorCtr="0" horzOverflow="overflow"/>
-                </a:tc>
-              </a:tr>
-              <a:tr h="160866">
-                <a:tc>
-                  <a:txBody>
-                    <a:bodyPr/>
-                    <a:lstStyle/>
-                    <a:p>
-                      <a:pPr defTabSz="914400"/>
-                      <a:r>
-                        <a:rPr sz="900">
-                          <a:latin typeface="Helvetica"/>
-                          <a:ea typeface="Helvetica"/>
-                          <a:cs typeface="Helvetica"/>
-                          <a:sym typeface="Helvetica"/>
-                        </a:rPr>
-                        <a:t>4</a:t>
-                      </a:r>
-                    </a:p>
-                  </a:txBody>
-                  <a:tcPr marL="0" marR="0" marT="0" marB="0" anchor="ctr" anchorCtr="0" horzOverflow="overflow"/>
-                </a:tc>
-                <a:tc>
-                  <a:txBody>
-                    <a:bodyPr/>
-                    <a:lstStyle/>
-                    <a:p>
-                      <a:pPr defTabSz="914400"/>
-                      <a:r>
-                        <a:rPr sz="900">
-                          <a:latin typeface="Helvetica"/>
-                          <a:ea typeface="Helvetica"/>
-                          <a:cs typeface="Helvetica"/>
-                          <a:sym typeface="Helvetica"/>
-                        </a:rPr>
-                        <a:t>5</a:t>
-                      </a:r>
-                    </a:p>
-                  </a:txBody>
-                  <a:tcPr marL="0" marR="0" marT="0" marB="0" anchor="ctr" anchorCtr="0" horzOverflow="overflow"/>
-                </a:tc>
-                <a:tc>
-                  <a:txBody>
-                    <a:bodyPr/>
-                    <a:lstStyle/>
-                    <a:p>
-                      <a:pPr defTabSz="914400"/>
-                      <a:r>
-                        <a:rPr sz="900">
-                          <a:latin typeface="Helvetica"/>
-                          <a:ea typeface="Helvetica"/>
-                          <a:cs typeface="Helvetica"/>
-                          <a:sym typeface="Helvetica"/>
-                        </a:rPr>
-                        <a:t>NA</a:t>
-                      </a:r>
-                    </a:p>
-                  </a:txBody>
-                  <a:tcPr marL="0" marR="0" marT="0" marB="0" anchor="ctr" anchorCtr="0" horzOverflow="overflow"/>
-                </a:tc>
-              </a:tr>
-            </a:tbl>
-          </a:graphicData>
-        </a:graphic>
-      </p:graphicFrame>
-      <p:sp>
-        <p:nvSpPr>
-          <p:cNvPr id="259" name="Line"/>
-          <p:cNvSpPr/>
-          <p:nvPr/>
-        </p:nvSpPr>
-        <p:spPr>
-          <a:xfrm>
-            <a:off x="4628162" y="2737718"/>
-            <a:ext cx="333334" cy="1"/>
-          </a:xfrm>
-          <a:prstGeom prst="line">
-            <a:avLst/>
-          </a:prstGeom>
-          <a:ln w="25400">
-            <a:solidFill>
-              <a:srgbClr val="53585F"/>
-            </a:solidFill>
-            <a:miter lim="400000"/>
-            <a:tailEnd type="stealth"/>
-          </a:ln>
-        </p:spPr>
-        <p:txBody>
-          <a:bodyPr lIns="0" tIns="0" rIns="0" bIns="0"/>
-          <a:lstStyle/>
-          <a:p>
-            <a:pPr>
-              <a:lnSpc>
-                <a:spcPct val="80000"/>
-              </a:lnSpc>
-              <a:spcBef>
-                <a:spcPts val="0"/>
-              </a:spcBef>
-              <a:defRPr b="0" sz="5600">
-                <a:solidFill>
-                  <a:srgbClr val="000000"/>
-                </a:solidFill>
-                <a:effectLst>
-                  <a:outerShdw sx="100000" sy="100000" kx="0" ky="0" algn="b" rotWithShape="0" blurRad="38100" dist="12700" dir="5400000">
-                    <a:srgbClr val="000000">
-                      <a:alpha val="50000"/>
-                    </a:srgbClr>
-                  </a:outerShdw>
-                </a:effectLst>
-                <a:latin typeface="Gill Sans"/>
-                <a:ea typeface="Gill Sans"/>
-                <a:cs typeface="Gill Sans"/>
-                <a:sym typeface="Gill Sans"/>
-              </a:defRPr>
-            </a:pPr>
-          </a:p>
-        </p:txBody>
-      </p:sp>
-      <p:graphicFrame>
-        <p:nvGraphicFramePr>
-          <p:cNvPr id="260" name="Table"/>
-          <p:cNvGraphicFramePr/>
-          <p:nvPr/>
-        </p:nvGraphicFramePr>
-        <p:xfrm>
-          <a:off x="5095880" y="3259057"/>
-          <a:ext cx="1188952" cy="1524001"/>
-        </p:xfrm>
-        <a:graphic xmlns:a="http://schemas.openxmlformats.org/drawingml/2006/main">
-          <a:graphicData uri="http://schemas.openxmlformats.org/drawingml/2006/table">
-            <a:tbl>
-              <a:tblPr firstCol="0" firstRow="1" lastCol="0" lastRow="0" bandCol="0" bandRow="0" rtl="0">
-                <a:tableStyleId>{33BA23B1-9221-436E-865A-0063620EA4FD}</a:tableStyleId>
-              </a:tblPr>
-              <a:tblGrid>
-                <a:gridCol w="222840"/>
-                <a:gridCol w="222840"/>
-                <a:gridCol w="222840"/>
-              </a:tblGrid>
-              <a:tr h="160866">
-                <a:tc>
-                  <a:txBody>
-                    <a:bodyPr/>
-                    <a:lstStyle/>
-                    <a:p>
-                      <a:pPr defTabSz="914400">
-                        <a:defRPr b="0">
-                          <a:solidFill>
-                            <a:srgbClr val="000000"/>
-                          </a:solidFill>
-                        </a:defRPr>
-                      </a:pPr>
-                      <a:r>
-                        <a:rPr b="1" sz="900">
-                          <a:solidFill>
-                            <a:srgbClr val="FFFFFF"/>
-                          </a:solidFill>
-                          <a:latin typeface="Helvetica"/>
-                          <a:ea typeface="Helvetica"/>
-                          <a:cs typeface="Helvetica"/>
-                          <a:sym typeface="Helvetica"/>
-                        </a:rPr>
-                        <a:t>A</a:t>
-                      </a:r>
-                    </a:p>
-                  </a:txBody>
-                  <a:tcPr marL="0" marR="0" marT="0" marB="0" anchor="ctr" anchorCtr="0" horzOverflow="overflow">
-                    <a:solidFill>
-                      <a:srgbClr val="797979"/>
-                    </a:solidFill>
-                  </a:tcPr>
-                </a:tc>
-                <a:tc>
-                  <a:txBody>
-                    <a:bodyPr/>
-                    <a:lstStyle/>
-                    <a:p>
-                      <a:pPr defTabSz="914400">
-                        <a:defRPr b="0">
-                          <a:solidFill>
-                            <a:srgbClr val="000000"/>
-                          </a:solidFill>
-                        </a:defRPr>
-                      </a:pPr>
-                      <a:r>
-                        <a:rPr b="1" sz="900">
-                          <a:solidFill>
-                            <a:srgbClr val="FFFFFF"/>
-                          </a:solidFill>
-                          <a:latin typeface="Helvetica"/>
-                          <a:ea typeface="Helvetica"/>
-                          <a:cs typeface="Helvetica"/>
-                          <a:sym typeface="Helvetica"/>
-                        </a:rPr>
-                        <a:t>B</a:t>
-                      </a:r>
-                    </a:p>
-                  </a:txBody>
-                  <a:tcPr marL="0" marR="0" marT="0" marB="0" anchor="ctr" anchorCtr="0" horzOverflow="overflow">
-                    <a:solidFill>
-                      <a:srgbClr val="797979"/>
-                    </a:solidFill>
-                  </a:tcPr>
-                </a:tc>
-                <a:tc>
-                  <a:txBody>
-                    <a:bodyPr/>
-                    <a:lstStyle/>
-                    <a:p>
-                      <a:pPr defTabSz="914400">
-                        <a:defRPr b="0">
-                          <a:solidFill>
-                            <a:srgbClr val="000000"/>
-                          </a:solidFill>
-                        </a:defRPr>
-                      </a:pPr>
-                      <a:r>
-                        <a:rPr b="1" sz="900">
-                          <a:solidFill>
-                            <a:srgbClr val="FFFFFF"/>
-                          </a:solidFill>
-                          <a:latin typeface="Helvetica"/>
-                          <a:ea typeface="Helvetica"/>
-                          <a:cs typeface="Helvetica"/>
-                          <a:sym typeface="Helvetica"/>
-                        </a:rPr>
-                        <a:t>C</a:t>
-                      </a:r>
-                    </a:p>
-                  </a:txBody>
-                  <a:tcPr marL="0" marR="0" marT="0" marB="0" anchor="ctr" anchorCtr="0" horzOverflow="overflow">
-                    <a:solidFill>
-                      <a:srgbClr val="797979"/>
-                    </a:solidFill>
-                  </a:tcPr>
-                </a:tc>
-              </a:tr>
-              <a:tr h="160866">
-                <a:tc>
-                  <a:txBody>
-                    <a:bodyPr/>
-                    <a:lstStyle/>
-                    <a:p>
-                      <a:pPr defTabSz="914400"/>
-                      <a:r>
-                        <a:rPr sz="900">
-                          <a:latin typeface="Helvetica"/>
-                          <a:ea typeface="Helvetica"/>
-                          <a:cs typeface="Helvetica"/>
-                          <a:sym typeface="Helvetica"/>
-                        </a:rPr>
-                        <a:t>1</a:t>
-                      </a:r>
-                    </a:p>
-                  </a:txBody>
-                  <a:tcPr marL="0" marR="0" marT="0" marB="0" anchor="ctr" anchorCtr="0" horzOverflow="overflow"/>
-                </a:tc>
-                <a:tc>
-                  <a:txBody>
-                    <a:bodyPr/>
-                    <a:lstStyle/>
-                    <a:p>
-                      <a:pPr defTabSz="914400"/>
-                      <a:r>
-                        <a:rPr sz="900">
-                          <a:latin typeface="Helvetica"/>
-                          <a:ea typeface="Helvetica"/>
-                          <a:cs typeface="Helvetica"/>
-                          <a:sym typeface="Helvetica"/>
-                        </a:rPr>
-                        <a:t>2</a:t>
-                      </a:r>
-                    </a:p>
-                  </a:txBody>
-                  <a:tcPr marL="0" marR="0" marT="0" marB="0" anchor="ctr" anchorCtr="0" horzOverflow="overflow"/>
-                </a:tc>
-                <a:tc>
-                  <a:txBody>
-                    <a:bodyPr/>
-                    <a:lstStyle/>
-                    <a:p>
-                      <a:pPr defTabSz="914400"/>
-                      <a:r>
-                        <a:rPr sz="900">
-                          <a:latin typeface="Helvetica"/>
-                          <a:ea typeface="Helvetica"/>
-                          <a:cs typeface="Helvetica"/>
-                          <a:sym typeface="Helvetica"/>
-                        </a:rPr>
-                        <a:t>3</a:t>
-                      </a:r>
-                    </a:p>
-                  </a:txBody>
-                  <a:tcPr marL="0" marR="0" marT="0" marB="0" anchor="ctr" anchorCtr="0" horzOverflow="overflow"/>
-                </a:tc>
-              </a:tr>
-              <a:tr h="160866">
-                <a:tc>
-                  <a:txBody>
-                    <a:bodyPr/>
-                    <a:lstStyle/>
-                    <a:p>
-                      <a:pPr defTabSz="914400"/>
-                      <a:r>
-                        <a:rPr sz="900">
-                          <a:latin typeface="Helvetica"/>
-                          <a:ea typeface="Helvetica"/>
-                          <a:cs typeface="Helvetica"/>
-                          <a:sym typeface="Helvetica"/>
-                        </a:rPr>
-                        <a:t>4</a:t>
-                      </a:r>
-                    </a:p>
-                  </a:txBody>
-                  <a:tcPr marL="0" marR="0" marT="0" marB="0" anchor="ctr" anchorCtr="0" horzOverflow="overflow"/>
-                </a:tc>
-                <a:tc>
-                  <a:txBody>
-                    <a:bodyPr/>
-                    <a:lstStyle/>
-                    <a:p>
-                      <a:pPr defTabSz="914400"/>
-                      <a:r>
-                        <a:rPr sz="900">
-                          <a:latin typeface="Helvetica"/>
-                          <a:ea typeface="Helvetica"/>
-                          <a:cs typeface="Helvetica"/>
-                          <a:sym typeface="Helvetica"/>
-                        </a:rPr>
-                        <a:t>5</a:t>
-                      </a:r>
-                    </a:p>
-                  </a:txBody>
-                  <a:tcPr marL="0" marR="0" marT="0" marB="0" anchor="ctr" anchorCtr="0" horzOverflow="overflow"/>
-                </a:tc>
-                <a:tc>
-                  <a:txBody>
-                    <a:bodyPr/>
-                    <a:lstStyle/>
-                    <a:p>
-                      <a:pPr defTabSz="914400"/>
-                      <a:r>
-                        <a:rPr sz="900">
-                          <a:latin typeface="Helvetica"/>
-                          <a:ea typeface="Helvetica"/>
-                          <a:cs typeface="Helvetica"/>
-                          <a:sym typeface="Helvetica"/>
-                        </a:rPr>
-                        <a:t>NA</a:t>
-                      </a:r>
-                    </a:p>
-                  </a:txBody>
-                  <a:tcPr marL="0" marR="0" marT="0" marB="0" anchor="ctr" anchorCtr="0" horzOverflow="overflow"/>
-                </a:tc>
-              </a:tr>
-            </a:tbl>
-          </a:graphicData>
-        </a:graphic>
-      </p:graphicFrame>
-      <p:sp>
-        <p:nvSpPr>
-          <p:cNvPr id="261" name="Line"/>
-          <p:cNvSpPr/>
-          <p:nvPr/>
-        </p:nvSpPr>
-        <p:spPr>
-          <a:xfrm>
-            <a:off x="4628162" y="3557507"/>
-            <a:ext cx="333334" cy="1"/>
-          </a:xfrm>
-          <a:prstGeom prst="line">
-            <a:avLst/>
-          </a:prstGeom>
-          <a:ln w="25400">
-            <a:solidFill>
-              <a:srgbClr val="53585F"/>
-            </a:solidFill>
-            <a:miter lim="400000"/>
-            <a:tailEnd type="stealth"/>
-          </a:ln>
-        </p:spPr>
-        <p:txBody>
-          <a:bodyPr lIns="0" tIns="0" rIns="0" bIns="0"/>
-          <a:lstStyle/>
-          <a:p>
-            <a:pPr>
-              <a:lnSpc>
-                <a:spcPct val="80000"/>
-              </a:lnSpc>
-              <a:spcBef>
-                <a:spcPts val="0"/>
-              </a:spcBef>
-              <a:defRPr b="0" sz="5600">
-                <a:solidFill>
-                  <a:srgbClr val="000000"/>
-                </a:solidFill>
-                <a:effectLst>
-                  <a:outerShdw sx="100000" sy="100000" kx="0" ky="0" algn="b" rotWithShape="0" blurRad="38100" dist="12700" dir="5400000">
-                    <a:srgbClr val="000000">
-                      <a:alpha val="50000"/>
-                    </a:srgbClr>
-                  </a:outerShdw>
-                </a:effectLst>
-                <a:latin typeface="Gill Sans"/>
-                <a:ea typeface="Gill Sans"/>
-                <a:cs typeface="Gill Sans"/>
-                <a:sym typeface="Gill Sans"/>
-              </a:defRPr>
-            </a:pPr>
-          </a:p>
-        </p:txBody>
-      </p:sp>
-      <p:graphicFrame>
-        <p:nvGraphicFramePr>
-          <p:cNvPr id="262" name="Table"/>
-          <p:cNvGraphicFramePr/>
-          <p:nvPr/>
-        </p:nvGraphicFramePr>
-        <p:xfrm>
-          <a:off x="5095880" y="4078846"/>
-          <a:ext cx="1188952" cy="1524001"/>
-        </p:xfrm>
-        <a:graphic xmlns:a="http://schemas.openxmlformats.org/drawingml/2006/main">
-          <a:graphicData uri="http://schemas.openxmlformats.org/drawingml/2006/table">
-            <a:tbl>
-              <a:tblPr firstCol="0" firstRow="1" lastCol="0" lastRow="0" bandCol="0" bandRow="0" rtl="0">
-                <a:tableStyleId>{33BA23B1-9221-436E-865A-0063620EA4FD}</a:tableStyleId>
-              </a:tblPr>
-              <a:tblGrid>
-                <a:gridCol w="222840"/>
-                <a:gridCol w="222840"/>
-                <a:gridCol w="222840"/>
-              </a:tblGrid>
-              <a:tr h="160866">
-                <a:tc>
-                  <a:txBody>
-                    <a:bodyPr/>
-                    <a:lstStyle/>
-                    <a:p>
-                      <a:pPr defTabSz="914400">
-                        <a:defRPr b="0">
-                          <a:solidFill>
-                            <a:srgbClr val="000000"/>
-                          </a:solidFill>
-                        </a:defRPr>
-                      </a:pPr>
-                      <a:r>
-                        <a:rPr b="1" sz="900">
-                          <a:solidFill>
-                            <a:srgbClr val="FFFFFF"/>
-                          </a:solidFill>
-                          <a:latin typeface="Helvetica"/>
-                          <a:ea typeface="Helvetica"/>
-                          <a:cs typeface="Helvetica"/>
-                          <a:sym typeface="Helvetica"/>
-                        </a:rPr>
-                        <a:t>A</a:t>
-                      </a:r>
-                    </a:p>
-                  </a:txBody>
-                  <a:tcPr marL="0" marR="0" marT="0" marB="0" anchor="ctr" anchorCtr="0" horzOverflow="overflow">
-                    <a:solidFill>
-                      <a:srgbClr val="797979"/>
-                    </a:solidFill>
-                  </a:tcPr>
-                </a:tc>
-                <a:tc>
-                  <a:txBody>
-                    <a:bodyPr/>
-                    <a:lstStyle/>
-                    <a:p>
-                      <a:pPr defTabSz="914400">
-                        <a:defRPr b="0">
-                          <a:solidFill>
-                            <a:srgbClr val="000000"/>
-                          </a:solidFill>
-                        </a:defRPr>
-                      </a:pPr>
-                      <a:r>
-                        <a:rPr b="1" sz="900">
-                          <a:solidFill>
-                            <a:srgbClr val="FFFFFF"/>
-                          </a:solidFill>
-                          <a:latin typeface="Helvetica"/>
-                          <a:ea typeface="Helvetica"/>
-                          <a:cs typeface="Helvetica"/>
-                          <a:sym typeface="Helvetica"/>
-                        </a:rPr>
-                        <a:t>B</a:t>
-                      </a:r>
-                    </a:p>
-                  </a:txBody>
-                  <a:tcPr marL="0" marR="0" marT="0" marB="0" anchor="ctr" anchorCtr="0" horzOverflow="overflow">
-                    <a:solidFill>
-                      <a:srgbClr val="797979"/>
-                    </a:solidFill>
-                  </a:tcPr>
-                </a:tc>
-                <a:tc>
-                  <a:txBody>
-                    <a:bodyPr/>
-                    <a:lstStyle/>
-                    <a:p>
-                      <a:pPr defTabSz="914400">
-                        <a:defRPr b="0">
-                          <a:solidFill>
-                            <a:srgbClr val="000000"/>
-                          </a:solidFill>
-                        </a:defRPr>
-                      </a:pPr>
-                      <a:r>
-                        <a:rPr b="1" sz="900">
-                          <a:solidFill>
-                            <a:srgbClr val="FFFFFF"/>
-                          </a:solidFill>
-                          <a:latin typeface="Helvetica"/>
-                          <a:ea typeface="Helvetica"/>
-                          <a:cs typeface="Helvetica"/>
-                          <a:sym typeface="Helvetica"/>
-                        </a:rPr>
-                        <a:t>C</a:t>
-                      </a:r>
-                    </a:p>
-                  </a:txBody>
-                  <a:tcPr marL="0" marR="0" marT="0" marB="0" anchor="ctr" anchorCtr="0" horzOverflow="overflow">
-                    <a:solidFill>
-                      <a:srgbClr val="797979"/>
-                    </a:solidFill>
-                  </a:tcPr>
-                </a:tc>
-              </a:tr>
-              <a:tr h="160866">
-                <a:tc>
-                  <a:txBody>
-                    <a:bodyPr/>
-                    <a:lstStyle/>
-                    <a:p>
-                      <a:pPr defTabSz="914400"/>
-                      <a:r>
-                        <a:rPr sz="900">
-                          <a:latin typeface="Helvetica"/>
-                          <a:ea typeface="Helvetica"/>
-                          <a:cs typeface="Helvetica"/>
-                          <a:sym typeface="Helvetica"/>
-                        </a:rPr>
-                        <a:t>1</a:t>
-                      </a:r>
-                    </a:p>
-                  </a:txBody>
-                  <a:tcPr marL="0" marR="0" marT="0" marB="0" anchor="ctr" anchorCtr="0" horzOverflow="overflow"/>
-                </a:tc>
-                <a:tc>
-                  <a:txBody>
-                    <a:bodyPr/>
-                    <a:lstStyle/>
-                    <a:p>
-                      <a:pPr defTabSz="914400"/>
-                      <a:r>
-                        <a:rPr sz="900">
-                          <a:latin typeface="Helvetica"/>
-                          <a:ea typeface="Helvetica"/>
-                          <a:cs typeface="Helvetica"/>
-                          <a:sym typeface="Helvetica"/>
-                        </a:rPr>
-                        <a:t>2</a:t>
-                      </a:r>
-                    </a:p>
-                  </a:txBody>
-                  <a:tcPr marL="0" marR="0" marT="0" marB="0" anchor="ctr" anchorCtr="0" horzOverflow="overflow"/>
-                </a:tc>
-                <a:tc>
-                  <a:txBody>
-                    <a:bodyPr/>
-                    <a:lstStyle/>
-                    <a:p>
-                      <a:pPr defTabSz="914400"/>
-                      <a:r>
-                        <a:rPr sz="900">
-                          <a:latin typeface="Helvetica"/>
-                          <a:ea typeface="Helvetica"/>
-                          <a:cs typeface="Helvetica"/>
-                          <a:sym typeface="Helvetica"/>
-                        </a:rPr>
-                        <a:t>3</a:t>
-                      </a:r>
-                    </a:p>
-                  </a:txBody>
-                  <a:tcPr marL="0" marR="0" marT="0" marB="0" anchor="ctr" anchorCtr="0" horzOverflow="overflow"/>
-                </a:tc>
-              </a:tr>
-              <a:tr h="160866">
-                <a:tc>
-                  <a:txBody>
-                    <a:bodyPr/>
-                    <a:lstStyle/>
-                    <a:p>
-                      <a:pPr defTabSz="914400"/>
-                      <a:r>
-                        <a:rPr sz="900">
-                          <a:latin typeface="Helvetica"/>
-                          <a:ea typeface="Helvetica"/>
-                          <a:cs typeface="Helvetica"/>
-                          <a:sym typeface="Helvetica"/>
-                        </a:rPr>
-                        <a:t>4</a:t>
-                      </a:r>
-                    </a:p>
-                  </a:txBody>
-                  <a:tcPr marL="0" marR="0" marT="0" marB="0" anchor="ctr" anchorCtr="0" horzOverflow="overflow"/>
-                </a:tc>
-                <a:tc>
-                  <a:txBody>
-                    <a:bodyPr/>
-                    <a:lstStyle/>
-                    <a:p>
-                      <a:pPr defTabSz="914400"/>
-                      <a:r>
-                        <a:rPr sz="900">
-                          <a:latin typeface="Helvetica"/>
-                          <a:ea typeface="Helvetica"/>
-                          <a:cs typeface="Helvetica"/>
-                          <a:sym typeface="Helvetica"/>
-                        </a:rPr>
-                        <a:t>5</a:t>
-                      </a:r>
-                    </a:p>
-                  </a:txBody>
-                  <a:tcPr marL="0" marR="0" marT="0" marB="0" anchor="ctr" anchorCtr="0" horzOverflow="overflow"/>
-                </a:tc>
-                <a:tc>
-                  <a:txBody>
-                    <a:bodyPr/>
-                    <a:lstStyle/>
-                    <a:p>
-                      <a:pPr defTabSz="914400"/>
-                      <a:r>
-                        <a:rPr sz="900">
-                          <a:latin typeface="Helvetica"/>
-                          <a:ea typeface="Helvetica"/>
-                          <a:cs typeface="Helvetica"/>
-                          <a:sym typeface="Helvetica"/>
-                        </a:rPr>
-                        <a:t>NA</a:t>
-                      </a:r>
-                    </a:p>
-                  </a:txBody>
-                  <a:tcPr marL="0" marR="0" marT="0" marB="0" anchor="ctr" anchorCtr="0" horzOverflow="overflow"/>
-                </a:tc>
-              </a:tr>
-            </a:tbl>
-          </a:graphicData>
-        </a:graphic>
-      </p:graphicFrame>
-      <p:sp>
-        <p:nvSpPr>
-          <p:cNvPr id="263" name="Line"/>
-          <p:cNvSpPr/>
-          <p:nvPr/>
-        </p:nvSpPr>
-        <p:spPr>
-          <a:xfrm>
-            <a:off x="4628162" y="4377296"/>
-            <a:ext cx="333334" cy="1"/>
-          </a:xfrm>
-          <a:prstGeom prst="line">
-            <a:avLst/>
-          </a:prstGeom>
-          <a:ln w="25400">
-            <a:solidFill>
-              <a:srgbClr val="53585F"/>
-            </a:solidFill>
-            <a:miter lim="400000"/>
-            <a:tailEnd type="stealth"/>
-          </a:ln>
-        </p:spPr>
-        <p:txBody>
-          <a:bodyPr lIns="0" tIns="0" rIns="0" bIns="0"/>
-          <a:lstStyle/>
-          <a:p>
-            <a:pPr>
-              <a:lnSpc>
-                <a:spcPct val="80000"/>
-              </a:lnSpc>
-              <a:spcBef>
-                <a:spcPts val="0"/>
-              </a:spcBef>
-              <a:defRPr b="0" sz="5600">
-                <a:solidFill>
-                  <a:srgbClr val="000000"/>
-                </a:solidFill>
-                <a:effectLst>
-                  <a:outerShdw sx="100000" sy="100000" kx="0" ky="0" algn="b" rotWithShape="0" blurRad="38100" dist="12700" dir="5400000">
-                    <a:srgbClr val="000000">
-                      <a:alpha val="50000"/>
-                    </a:srgbClr>
-                  </a:outerShdw>
-                </a:effectLst>
-                <a:latin typeface="Gill Sans"/>
-                <a:ea typeface="Gill Sans"/>
-                <a:cs typeface="Gill Sans"/>
-                <a:sym typeface="Gill Sans"/>
-              </a:defRPr>
-            </a:pPr>
-          </a:p>
-        </p:txBody>
-      </p:sp>
-      <p:graphicFrame>
-        <p:nvGraphicFramePr>
-          <p:cNvPr id="264" name="Table"/>
-          <p:cNvGraphicFramePr/>
-          <p:nvPr/>
-        </p:nvGraphicFramePr>
-        <p:xfrm>
-          <a:off x="5095880" y="4898635"/>
-          <a:ext cx="1188952" cy="1524001"/>
-        </p:xfrm>
-        <a:graphic xmlns:a="http://schemas.openxmlformats.org/drawingml/2006/main">
-          <a:graphicData uri="http://schemas.openxmlformats.org/drawingml/2006/table">
-            <a:tbl>
-              <a:tblPr firstCol="0" firstRow="1" lastCol="0" lastRow="0" bandCol="0" bandRow="0" rtl="0">
-                <a:tableStyleId>{33BA23B1-9221-436E-865A-0063620EA4FD}</a:tableStyleId>
-              </a:tblPr>
-              <a:tblGrid>
-                <a:gridCol w="222840"/>
-                <a:gridCol w="222840"/>
-                <a:gridCol w="222840"/>
-              </a:tblGrid>
-              <a:tr h="160866">
-                <a:tc>
-                  <a:txBody>
-                    <a:bodyPr/>
-                    <a:lstStyle/>
-                    <a:p>
-                      <a:pPr defTabSz="914400">
-                        <a:defRPr b="0">
-                          <a:solidFill>
-                            <a:srgbClr val="000000"/>
-                          </a:solidFill>
-                        </a:defRPr>
-                      </a:pPr>
-                      <a:r>
-                        <a:rPr b="1" sz="900">
-                          <a:solidFill>
-                            <a:srgbClr val="FFFFFF"/>
-                          </a:solidFill>
-                          <a:latin typeface="Helvetica"/>
-                          <a:ea typeface="Helvetica"/>
-                          <a:cs typeface="Helvetica"/>
-                          <a:sym typeface="Helvetica"/>
-                        </a:rPr>
-                        <a:t>A</a:t>
-                      </a:r>
-                    </a:p>
-                  </a:txBody>
-                  <a:tcPr marL="0" marR="0" marT="0" marB="0" anchor="ctr" anchorCtr="0" horzOverflow="overflow">
-                    <a:solidFill>
-                      <a:srgbClr val="797979"/>
-                    </a:solidFill>
-                  </a:tcPr>
-                </a:tc>
-                <a:tc>
-                  <a:txBody>
-                    <a:bodyPr/>
-                    <a:lstStyle/>
-                    <a:p>
-                      <a:pPr defTabSz="914400">
-                        <a:defRPr b="0">
-                          <a:solidFill>
-                            <a:srgbClr val="000000"/>
-                          </a:solidFill>
-                        </a:defRPr>
-                      </a:pPr>
-                      <a:r>
-                        <a:rPr b="1" sz="900">
-                          <a:solidFill>
-                            <a:srgbClr val="FFFFFF"/>
-                          </a:solidFill>
-                          <a:latin typeface="Helvetica"/>
-                          <a:ea typeface="Helvetica"/>
-                          <a:cs typeface="Helvetica"/>
-                          <a:sym typeface="Helvetica"/>
-                        </a:rPr>
-                        <a:t>B</a:t>
-                      </a:r>
-                    </a:p>
-                  </a:txBody>
-                  <a:tcPr marL="0" marR="0" marT="0" marB="0" anchor="ctr" anchorCtr="0" horzOverflow="overflow">
-                    <a:solidFill>
-                      <a:srgbClr val="797979"/>
-                    </a:solidFill>
-                  </a:tcPr>
-                </a:tc>
-                <a:tc>
-                  <a:txBody>
-                    <a:bodyPr/>
-                    <a:lstStyle/>
-                    <a:p>
-                      <a:pPr defTabSz="914400">
-                        <a:defRPr b="0">
-                          <a:solidFill>
-                            <a:srgbClr val="000000"/>
-                          </a:solidFill>
-                        </a:defRPr>
-                      </a:pPr>
-                      <a:r>
-                        <a:rPr b="1" sz="900">
-                          <a:solidFill>
-                            <a:srgbClr val="FFFFFF"/>
-                          </a:solidFill>
-                          <a:latin typeface="Helvetica"/>
-                          <a:ea typeface="Helvetica"/>
-                          <a:cs typeface="Helvetica"/>
-                          <a:sym typeface="Helvetica"/>
-                        </a:rPr>
-                        <a:t>C</a:t>
-                      </a:r>
-                    </a:p>
-                  </a:txBody>
-                  <a:tcPr marL="0" marR="0" marT="0" marB="0" anchor="ctr" anchorCtr="0" horzOverflow="overflow">
-                    <a:solidFill>
-                      <a:srgbClr val="797979"/>
-                    </a:solidFill>
-                  </a:tcPr>
-                </a:tc>
-              </a:tr>
-              <a:tr h="160866">
-                <a:tc>
-                  <a:txBody>
-                    <a:bodyPr/>
-                    <a:lstStyle/>
-                    <a:p>
-                      <a:pPr defTabSz="914400"/>
-                      <a:r>
-                        <a:rPr sz="900">
-                          <a:latin typeface="Helvetica"/>
-                          <a:ea typeface="Helvetica"/>
-                          <a:cs typeface="Helvetica"/>
-                          <a:sym typeface="Helvetica"/>
-                        </a:rPr>
-                        <a:t>1</a:t>
-                      </a:r>
-                    </a:p>
-                  </a:txBody>
-                  <a:tcPr marL="0" marR="0" marT="0" marB="0" anchor="ctr" anchorCtr="0" horzOverflow="overflow"/>
-                </a:tc>
-                <a:tc>
-                  <a:txBody>
-                    <a:bodyPr/>
-                    <a:lstStyle/>
-                    <a:p>
-                      <a:pPr defTabSz="914400"/>
-                      <a:r>
-                        <a:rPr sz="900">
-                          <a:latin typeface="Helvetica"/>
-                          <a:ea typeface="Helvetica"/>
-                          <a:cs typeface="Helvetica"/>
-                          <a:sym typeface="Helvetica"/>
-                        </a:rPr>
-                        <a:t>2</a:t>
-                      </a:r>
-                    </a:p>
-                  </a:txBody>
-                  <a:tcPr marL="0" marR="0" marT="0" marB="0" anchor="ctr" anchorCtr="0" horzOverflow="overflow"/>
-                </a:tc>
-                <a:tc>
-                  <a:txBody>
-                    <a:bodyPr/>
-                    <a:lstStyle/>
-                    <a:p>
-                      <a:pPr defTabSz="914400"/>
-                      <a:r>
-                        <a:rPr sz="900">
-                          <a:latin typeface="Helvetica"/>
-                          <a:ea typeface="Helvetica"/>
-                          <a:cs typeface="Helvetica"/>
-                          <a:sym typeface="Helvetica"/>
-                        </a:rPr>
-                        <a:t>3</a:t>
-                      </a:r>
-                    </a:p>
-                  </a:txBody>
-                  <a:tcPr marL="0" marR="0" marT="0" marB="0" anchor="ctr" anchorCtr="0" horzOverflow="overflow"/>
-                </a:tc>
-              </a:tr>
-              <a:tr h="160866">
-                <a:tc>
-                  <a:txBody>
-                    <a:bodyPr/>
-                    <a:lstStyle/>
-                    <a:p>
-                      <a:pPr defTabSz="914400"/>
-                      <a:r>
-                        <a:rPr sz="900">
-                          <a:latin typeface="Helvetica"/>
-                          <a:ea typeface="Helvetica"/>
-                          <a:cs typeface="Helvetica"/>
-                          <a:sym typeface="Helvetica"/>
-                        </a:rPr>
-                        <a:t>4</a:t>
-                      </a:r>
-                    </a:p>
-                  </a:txBody>
-                  <a:tcPr marL="0" marR="0" marT="0" marB="0" anchor="ctr" anchorCtr="0" horzOverflow="overflow"/>
-                </a:tc>
-                <a:tc>
-                  <a:txBody>
-                    <a:bodyPr/>
-                    <a:lstStyle/>
-                    <a:p>
-                      <a:pPr defTabSz="914400"/>
-                      <a:r>
-                        <a:rPr sz="900">
-                          <a:latin typeface="Helvetica"/>
-                          <a:ea typeface="Helvetica"/>
-                          <a:cs typeface="Helvetica"/>
-                          <a:sym typeface="Helvetica"/>
-                        </a:rPr>
-                        <a:t>5</a:t>
-                      </a:r>
-                    </a:p>
-                  </a:txBody>
-                  <a:tcPr marL="0" marR="0" marT="0" marB="0" anchor="ctr" anchorCtr="0" horzOverflow="overflow"/>
-                </a:tc>
-                <a:tc>
-                  <a:txBody>
-                    <a:bodyPr/>
-                    <a:lstStyle/>
-                    <a:p>
-                      <a:pPr defTabSz="914400"/>
-                      <a:r>
-                        <a:rPr sz="900">
-                          <a:latin typeface="Helvetica"/>
-                          <a:ea typeface="Helvetica"/>
-                          <a:cs typeface="Helvetica"/>
-                          <a:sym typeface="Helvetica"/>
-                        </a:rPr>
-                        <a:t>NA</a:t>
-                      </a:r>
-                    </a:p>
-                  </a:txBody>
-                  <a:tcPr marL="0" marR="0" marT="0" marB="0" anchor="ctr" anchorCtr="0" horzOverflow="overflow"/>
-                </a:tc>
-              </a:tr>
-            </a:tbl>
-          </a:graphicData>
-        </a:graphic>
-      </p:graphicFrame>
-      <p:sp>
-        <p:nvSpPr>
-          <p:cNvPr id="265" name="Line"/>
-          <p:cNvSpPr/>
-          <p:nvPr/>
-        </p:nvSpPr>
-        <p:spPr>
-          <a:xfrm>
-            <a:off x="4628162" y="5197085"/>
-            <a:ext cx="333334" cy="1"/>
-          </a:xfrm>
-          <a:prstGeom prst="line">
-            <a:avLst/>
-          </a:prstGeom>
-          <a:ln w="25400">
-            <a:solidFill>
-              <a:srgbClr val="53585F"/>
-            </a:solidFill>
-            <a:miter lim="400000"/>
-            <a:tailEnd type="stealth"/>
-          </a:ln>
-        </p:spPr>
-        <p:txBody>
-          <a:bodyPr lIns="0" tIns="0" rIns="0" bIns="0"/>
-          <a:lstStyle/>
-          <a:p>
-            <a:pPr>
-              <a:lnSpc>
-                <a:spcPct val="80000"/>
-              </a:lnSpc>
-              <a:spcBef>
-                <a:spcPts val="0"/>
-              </a:spcBef>
-              <a:defRPr b="0" sz="5600">
-                <a:solidFill>
-                  <a:srgbClr val="000000"/>
-                </a:solidFill>
-                <a:effectLst>
-                  <a:outerShdw sx="100000" sy="100000" kx="0" ky="0" algn="b" rotWithShape="0" blurRad="38100" dist="12700" dir="5400000">
-                    <a:srgbClr val="000000">
-                      <a:alpha val="50000"/>
-                    </a:srgbClr>
-                  </a:outerShdw>
-                </a:effectLst>
-                <a:latin typeface="Gill Sans"/>
-                <a:ea typeface="Gill Sans"/>
-                <a:cs typeface="Gill Sans"/>
-                <a:sym typeface="Gill Sans"/>
-              </a:defRPr>
-            </a:pPr>
-          </a:p>
-        </p:txBody>
-      </p:sp>
-      <p:grpSp>
-        <p:nvGrpSpPr>
-          <p:cNvPr id="270" name="Group"/>
-          <p:cNvGrpSpPr/>
-          <p:nvPr/>
-        </p:nvGrpSpPr>
-        <p:grpSpPr>
-          <a:xfrm>
-            <a:off x="3968598" y="6132855"/>
-            <a:ext cx="580009" cy="759293"/>
-            <a:chOff x="0" y="0"/>
-            <a:chExt cx="580007" cy="759291"/>
-          </a:xfrm>
-        </p:grpSpPr>
-        <p:grpSp>
-          <p:nvGrpSpPr>
-            <p:cNvPr id="268" name="Group"/>
-            <p:cNvGrpSpPr/>
-            <p:nvPr/>
-          </p:nvGrpSpPr>
-          <p:grpSpPr>
-            <a:xfrm>
-              <a:off x="0" y="-1"/>
-              <a:ext cx="580008" cy="759204"/>
-              <a:chOff x="0" y="0"/>
-              <a:chExt cx="580007" cy="759202"/>
-            </a:xfrm>
-          </p:grpSpPr>
-          <p:pic>
-            <p:nvPicPr>
-              <p:cNvPr id="266" name="Image" descr="Image"/>
-              <p:cNvPicPr>
-                <a:picLocks noChangeAspect="1"/>
-              </p:cNvPicPr>
-              <p:nvPr/>
-            </p:nvPicPr>
-            <p:blipFill>
-              <a:blip r:embed="rId11">
-                <a:extLst/>
-              </a:blip>
-              <a:stretch>
-                <a:fillRect/>
-              </a:stretch>
-            </p:blipFill>
-            <p:spPr>
-              <a:xfrm>
-                <a:off x="0" y="50311"/>
-                <a:ext cx="552101" cy="708892"/>
-              </a:xfrm>
-              <a:prstGeom prst="rect">
-                <a:avLst/>
-              </a:prstGeom>
-              <a:ln w="12700" cap="flat">
-                <a:noFill/>
-                <a:miter lim="400000"/>
-              </a:ln>
-              <a:effectLst>
-                <a:outerShdw sx="100000" sy="100000" kx="0" ky="0" algn="b" rotWithShape="0" blurRad="25400" dist="20037" dir="8434451">
-                  <a:srgbClr val="000000">
-                    <a:alpha val="22374"/>
-                  </a:srgbClr>
-                </a:outerShdw>
-              </a:effectLst>
-            </p:spPr>
-          </p:pic>
-          <p:sp>
-            <p:nvSpPr>
-              <p:cNvPr id="267" name="Triangle"/>
-              <p:cNvSpPr/>
-              <p:nvPr/>
-            </p:nvSpPr>
-            <p:spPr>
-              <a:xfrm rot="10800000">
-                <a:off x="372479" y="-1"/>
-                <a:ext cx="207529" cy="207529"/>
-              </a:xfrm>
-              <a:custGeom>
-                <a:avLst/>
-                <a:gdLst/>
-                <a:ahLst/>
-                <a:cxnLst>
-                  <a:cxn ang="0">
-                    <a:pos x="wd2" y="hd2"/>
-                  </a:cxn>
-                  <a:cxn ang="5400000">
-                    <a:pos x="wd2" y="hd2"/>
-                  </a:cxn>
-                  <a:cxn ang="10800000">
-                    <a:pos x="wd2" y="hd2"/>
-                  </a:cxn>
-                  <a:cxn ang="16200000">
-                    <a:pos x="wd2" y="hd2"/>
-                  </a:cxn>
-                </a:cxnLst>
-                <a:rect l="0" t="0" r="r" b="b"/>
-                <a:pathLst>
-                  <a:path w="21600" h="21600" fill="norm" stroke="1" extrusionOk="0">
-                    <a:moveTo>
-                      <a:pt x="0" y="0"/>
-                    </a:moveTo>
-                    <a:lnTo>
-                      <a:pt x="0" y="21600"/>
-                    </a:lnTo>
-                    <a:lnTo>
-                      <a:pt x="21600" y="21600"/>
-                    </a:lnTo>
-                    <a:close/>
-                  </a:path>
-                </a:pathLst>
-              </a:custGeom>
-              <a:solidFill>
-                <a:srgbClr val="FFFFFF"/>
-              </a:solidFill>
-              <a:ln w="12700" cap="flat">
-                <a:noFill/>
-                <a:miter lim="400000"/>
-              </a:ln>
-              <a:effectLst/>
-            </p:spPr>
-            <p:txBody>
-              <a:bodyPr wrap="square" lIns="54570" tIns="54570" rIns="54570" bIns="54570" numCol="1" anchor="ctr">
-                <a:noAutofit/>
-              </a:bodyPr>
-              <a:lstStyle/>
-              <a:p>
-                <a:pPr>
-                  <a:lnSpc>
-                    <a:spcPct val="80000"/>
-                  </a:lnSpc>
-                  <a:spcBef>
-                    <a:spcPts val="0"/>
-                  </a:spcBef>
-                  <a:defRPr b="0">
-                    <a:solidFill>
-                      <a:srgbClr val="000000"/>
-                    </a:solidFill>
-                  </a:defRPr>
-                </a:pPr>
-              </a:p>
-            </p:txBody>
-          </p:sp>
-        </p:grpSp>
-        <p:sp>
-          <p:nvSpPr>
-            <p:cNvPr id="269" name="a,b,c…"/>
-            <p:cNvSpPr txBox="1"/>
-            <p:nvPr/>
-          </p:nvSpPr>
-          <p:spPr>
-            <a:xfrm>
-              <a:off x="25400" y="76110"/>
-              <a:ext cx="534934" cy="683182"/>
-            </a:xfrm>
-            <a:prstGeom prst="rect">
-              <a:avLst/>
-            </a:prstGeom>
-            <a:noFill/>
-            <a:ln w="12700" cap="flat">
-              <a:noFill/>
-              <a:miter lim="400000"/>
-            </a:ln>
-            <a:effectLst/>
-            <a:extLst>
-              <a:ext uri="{C572A759-6A51-4108-AA02-DFA0A04FC94B}">
-                <ma14:wrappingTextBoxFlag xmlns:ma14="http://schemas.microsoft.com/office/mac/drawingml/2011/main" val="1"/>
-              </a:ext>
-            </a:extLst>
-          </p:spPr>
-          <p:txBody>
-            <a:bodyPr wrap="square" lIns="54570" tIns="54570" rIns="54570" bIns="54570" numCol="1" anchor="ctr">
-              <a:noAutofit/>
-            </a:bodyPr>
-            <a:lstStyle/>
-            <a:p>
-              <a:pPr>
-                <a:lnSpc>
-                  <a:spcPct val="90000"/>
-                </a:lnSpc>
-                <a:spcBef>
-                  <a:spcPts val="300"/>
-                </a:spcBef>
-                <a:defRPr b="0" i="1" sz="1100">
-                  <a:solidFill>
-                    <a:schemeClr val="accent1"/>
-                  </a:solidFill>
-                </a:defRPr>
-              </a:pPr>
-              <a:r>
-                <a:t>a,b,c</a:t>
-              </a:r>
-            </a:p>
-            <a:p>
-              <a:pPr>
-                <a:lnSpc>
-                  <a:spcPct val="90000"/>
-                </a:lnSpc>
-                <a:spcBef>
-                  <a:spcPts val="300"/>
-                </a:spcBef>
-                <a:defRPr b="0" i="1" sz="1100">
-                  <a:solidFill>
-                    <a:schemeClr val="accent1"/>
-                  </a:solidFill>
-                </a:defRPr>
-              </a:pPr>
-              <a:r>
-                <a:t>1,2,3</a:t>
-              </a:r>
-            </a:p>
-            <a:p>
-              <a:pPr>
-                <a:lnSpc>
-                  <a:spcPct val="90000"/>
-                </a:lnSpc>
-                <a:spcBef>
-                  <a:spcPts val="300"/>
-                </a:spcBef>
-                <a:defRPr b="0" i="1" sz="1100">
-                  <a:solidFill>
-                    <a:schemeClr val="accent1"/>
-                  </a:solidFill>
-                </a:defRPr>
-              </a:pPr>
-              <a:r>
-                <a:t>4,5,NA</a:t>
-              </a:r>
-            </a:p>
-          </p:txBody>
-        </p:sp>
-      </p:grpSp>
-      <p:sp>
-        <p:nvSpPr>
-          <p:cNvPr id="271" name="Example file…"/>
-          <p:cNvSpPr txBox="1"/>
-          <p:nvPr/>
-        </p:nvSpPr>
-        <p:spPr>
-          <a:xfrm>
-            <a:off x="4595567" y="6135555"/>
-            <a:ext cx="2991990" cy="2078392"/>
-          </a:xfrm>
-          <a:prstGeom prst="rect">
-            <a:avLst/>
-          </a:prstGeom>
-          <a:ln w="12700">
-            <a:miter lim="400000"/>
-          </a:ln>
-          <a:extLst>
-            <a:ext uri="{C572A759-6A51-4108-AA02-DFA0A04FC94B}">
-              <ma14:wrappingTextBoxFlag xmlns:ma14="http://schemas.microsoft.com/office/mac/drawingml/2011/main" val="1"/>
-            </a:ext>
-          </a:extLst>
-        </p:spPr>
-        <p:txBody>
-          <a:bodyPr lIns="54570" tIns="54570" rIns="54570" bIns="54570">
-            <a:normAutofit fontScale="100000" lnSpcReduction="0"/>
-          </a:bodyPr>
-          <a:lstStyle/>
-          <a:p>
-            <a:pPr marL="114300" indent="-114300">
-              <a:lnSpc>
-                <a:spcPct val="90000"/>
-              </a:lnSpc>
-              <a:spcBef>
-                <a:spcPts val="300"/>
-              </a:spcBef>
-              <a:defRPr>
-                <a:solidFill>
-                  <a:srgbClr val="000000"/>
-                </a:solidFill>
-              </a:defRPr>
-            </a:pPr>
-            <a:r>
-              <a:t>Example file</a:t>
-            </a:r>
-          </a:p>
-          <a:p>
-            <a:pPr marL="114300" indent="-114300">
-              <a:lnSpc>
-                <a:spcPct val="90000"/>
-              </a:lnSpc>
-              <a:spcBef>
-                <a:spcPts val="0"/>
-              </a:spcBef>
-              <a:defRPr b="0">
-                <a:solidFill>
-                  <a:schemeClr val="accent6"/>
-                </a:solidFill>
-              </a:defRPr>
-            </a:pPr>
-            <a:r>
-              <a:t>write_file("a,b,c\n1,2,3\n4,5,NA","file.csv")</a:t>
-            </a:r>
-          </a:p>
-          <a:p>
-            <a:pPr marL="114300" indent="-114300">
-              <a:lnSpc>
-                <a:spcPct val="90000"/>
-              </a:lnSpc>
-              <a:spcBef>
-                <a:spcPts val="400"/>
-              </a:spcBef>
-              <a:defRPr b="0">
-                <a:solidFill>
-                  <a:schemeClr val="accent6"/>
-                </a:solidFill>
-              </a:defRPr>
-            </a:pPr>
-            <a:r>
-              <a:t>f &lt;- "file.csv"</a:t>
-            </a:r>
-          </a:p>
-          <a:p>
-            <a:pPr marL="114300" indent="-114300">
-              <a:lnSpc>
-                <a:spcPct val="90000"/>
-              </a:lnSpc>
-              <a:spcBef>
-                <a:spcPts val="0"/>
-              </a:spcBef>
-              <a:defRPr b="0">
-                <a:solidFill>
-                  <a:srgbClr val="000000"/>
-                </a:solidFill>
-              </a:defRPr>
-            </a:pPr>
-          </a:p>
-          <a:p>
-            <a:pPr marL="114300" indent="-114300">
-              <a:lnSpc>
-                <a:spcPct val="90000"/>
-              </a:lnSpc>
-              <a:spcBef>
-                <a:spcPts val="300"/>
-              </a:spcBef>
-              <a:defRPr>
-                <a:solidFill>
-                  <a:srgbClr val="000000"/>
-                </a:solidFill>
-              </a:defRPr>
-            </a:pPr>
-            <a:r>
-              <a:t>No header</a:t>
-            </a:r>
-          </a:p>
-          <a:p>
-            <a:pPr marL="114300" indent="-114300">
-              <a:lnSpc>
-                <a:spcPct val="90000"/>
-              </a:lnSpc>
-              <a:spcBef>
-                <a:spcPts val="0"/>
-              </a:spcBef>
-              <a:defRPr b="0">
-                <a:solidFill>
-                  <a:schemeClr val="accent6"/>
-                </a:solidFill>
-              </a:defRPr>
-            </a:pPr>
-            <a:r>
-              <a:t>read_csv(f, </a:t>
-            </a:r>
-            <a:r>
-              <a:rPr b="1"/>
-              <a:t>col_names = FALSE</a:t>
-            </a:r>
-            <a:r>
-              <a:t>)</a:t>
-            </a:r>
-          </a:p>
-          <a:p>
-            <a:pPr marL="114300" indent="-114300">
-              <a:lnSpc>
-                <a:spcPct val="90000"/>
-              </a:lnSpc>
-              <a:spcBef>
-                <a:spcPts val="0"/>
-              </a:spcBef>
-              <a:defRPr b="0">
-                <a:solidFill>
-                  <a:srgbClr val="000000"/>
-                </a:solidFill>
-              </a:defRPr>
-            </a:pPr>
-          </a:p>
-          <a:p>
-            <a:pPr marL="114300" indent="-114300">
-              <a:lnSpc>
-                <a:spcPct val="90000"/>
-              </a:lnSpc>
-              <a:spcBef>
-                <a:spcPts val="300"/>
-              </a:spcBef>
-              <a:defRPr>
-                <a:solidFill>
-                  <a:srgbClr val="000000"/>
-                </a:solidFill>
-              </a:defRPr>
-            </a:pPr>
-            <a:r>
-              <a:t>Provide header</a:t>
-            </a:r>
-          </a:p>
-          <a:p>
-            <a:pPr marL="114300" indent="-114300">
-              <a:lnSpc>
-                <a:spcPct val="90000"/>
-              </a:lnSpc>
-              <a:spcBef>
-                <a:spcPts val="0"/>
-              </a:spcBef>
-              <a:defRPr b="0">
-                <a:solidFill>
-                  <a:schemeClr val="accent6"/>
-                </a:solidFill>
-              </a:defRPr>
-            </a:pPr>
-            <a:r>
-              <a:t>read_csv(f, </a:t>
-            </a:r>
-            <a:r>
-              <a:rPr b="1"/>
-              <a:t>col_names = c("x", "y", "z")</a:t>
-            </a:r>
-            <a:r>
-              <a:t>)</a:t>
-            </a:r>
-          </a:p>
-        </p:txBody>
-      </p:sp>
-      <p:sp>
-        <p:nvSpPr>
-          <p:cNvPr id="272" name="Group"/>
-          <p:cNvSpPr/>
-          <p:nvPr/>
-        </p:nvSpPr>
-        <p:spPr>
-          <a:xfrm>
-            <a:off x="3759895" y="1672238"/>
-            <a:ext cx="6425703" cy="689826"/>
-          </a:xfrm>
-          <a:prstGeom prst="rect">
-            <a:avLst/>
-          </a:prstGeom>
-          <a:solidFill>
-            <a:srgbClr val="79B0DC">
-              <a:alpha val="23776"/>
-            </a:srgbClr>
-          </a:solidFill>
-          <a:ln w="12700">
-            <a:miter lim="400000"/>
-          </a:ln>
-        </p:spPr>
-        <p:txBody>
-          <a:bodyPr lIns="54570" tIns="54570" rIns="54570" bIns="54570" anchor="ctr"/>
-          <a:lstStyle/>
-          <a:p>
-            <a:pPr>
-              <a:lnSpc>
-                <a:spcPct val="80000"/>
-              </a:lnSpc>
-              <a:spcBef>
-                <a:spcPts val="0"/>
-              </a:spcBef>
-              <a:defRPr b="0" sz="1000">
-                <a:solidFill>
-                  <a:srgbClr val="000000"/>
-                </a:solidFill>
-              </a:defRPr>
-            </a:pPr>
-          </a:p>
-        </p:txBody>
-      </p:sp>
-      <p:sp>
-        <p:nvSpPr>
-          <p:cNvPr id="273" name="read_*(file, col_names = TRUE, col_types = NULL, locale = default_locale(), na = c(&quot;&quot;, &quot;NA&quot;), quoted_na = TRUE, comment = &quot;&quot;, trim_ws = TRUE, skip = 0, n_max = Inf, guess_max = min(1000, n_max), progress = interactive())"/>
-          <p:cNvSpPr txBox="1"/>
-          <p:nvPr/>
-        </p:nvSpPr>
-        <p:spPr>
-          <a:xfrm>
-            <a:off x="3777516" y="1674085"/>
-            <a:ext cx="6414968" cy="642541"/>
-          </a:xfrm>
-          <a:prstGeom prst="rect">
-            <a:avLst/>
-          </a:prstGeom>
-          <a:ln w="12700">
-            <a:miter lim="400000"/>
-          </a:ln>
-          <a:extLst>
-            <a:ext uri="{C572A759-6A51-4108-AA02-DFA0A04FC94B}">
-              <ma14:wrappingTextBoxFlag xmlns:ma14="http://schemas.microsoft.com/office/mac/drawingml/2011/main" val="1"/>
-            </a:ext>
-          </a:extLst>
-        </p:spPr>
-        <p:txBody>
-          <a:bodyPr lIns="54570" tIns="54570" rIns="54570" bIns="54570" anchor="ctr">
-            <a:spAutoFit/>
-          </a:bodyPr>
-          <a:lstStyle/>
-          <a:p>
-            <a:pPr marL="114300" indent="-114300">
-              <a:lnSpc>
-                <a:spcPct val="90000"/>
-              </a:lnSpc>
-              <a:spcBef>
-                <a:spcPts val="300"/>
-              </a:spcBef>
-              <a:defRPr b="0">
-                <a:solidFill>
-                  <a:srgbClr val="000000"/>
-                </a:solidFill>
-              </a:defRPr>
-            </a:pPr>
-            <a:r>
-              <a:rPr>
-                <a:latin typeface="Source Sans Pro Semibold"/>
-                <a:ea typeface="Source Sans Pro Semibold"/>
-                <a:cs typeface="Source Sans Pro Semibold"/>
-                <a:sym typeface="Source Sans Pro Semibold"/>
-              </a:rPr>
-              <a:t>read_*(</a:t>
-            </a:r>
-            <a:r>
-              <a:t>file, col_names = TRUE, col_types = NULL, locale = default_locale(), na = c("", "NA"), quoted_na = TRUE, comment = "", trim_ws = TRUE, skip = 0, n_max = Inf, guess_max = min(1000, n_max), progress = interactive()</a:t>
-            </a:r>
-            <a:r>
-              <a:rPr>
-                <a:latin typeface="Source Sans Pro Semibold"/>
-                <a:ea typeface="Source Sans Pro Semibold"/>
-                <a:cs typeface="Source Sans Pro Semibold"/>
-                <a:sym typeface="Source Sans Pro Semibold"/>
-              </a:rPr>
-              <a:t>)</a:t>
-            </a:r>
-          </a:p>
-        </p:txBody>
-      </p:sp>
-      <p:sp>
-        <p:nvSpPr>
-          <p:cNvPr id="274" name="Read a file into a single string…"/>
-          <p:cNvSpPr txBox="1"/>
-          <p:nvPr/>
-        </p:nvSpPr>
-        <p:spPr>
-          <a:xfrm>
-            <a:off x="3826107" y="8881602"/>
-            <a:ext cx="3591835" cy="1416127"/>
-          </a:xfrm>
-          <a:prstGeom prst="rect">
-            <a:avLst/>
-          </a:prstGeom>
-          <a:ln w="12700">
-            <a:miter lim="400000"/>
-          </a:ln>
-          <a:extLst>
-            <a:ext uri="{C572A759-6A51-4108-AA02-DFA0A04FC94B}">
-              <ma14:wrappingTextBoxFlag xmlns:ma14="http://schemas.microsoft.com/office/mac/drawingml/2011/main" val="1"/>
-            </a:ext>
-          </a:extLst>
-        </p:spPr>
-        <p:txBody>
-          <a:bodyPr lIns="0" tIns="0" rIns="0" bIns="0">
-            <a:normAutofit fontScale="100000" lnSpcReduction="0"/>
-          </a:bodyPr>
-          <a:lstStyle/>
-          <a:p>
-            <a:pPr marL="228600" indent="-114300">
-              <a:lnSpc>
-                <a:spcPct val="90000"/>
-              </a:lnSpc>
-              <a:defRPr>
-                <a:solidFill>
-                  <a:srgbClr val="000000"/>
-                </a:solidFill>
-              </a:defRPr>
-            </a:pPr>
-            <a:r>
-              <a:t>Read a file into a single string</a:t>
-            </a:r>
-          </a:p>
-          <a:p>
-            <a:pPr marL="228600" indent="-114300">
-              <a:lnSpc>
-                <a:spcPct val="90000"/>
-              </a:lnSpc>
-              <a:spcBef>
-                <a:spcPts val="500"/>
-              </a:spcBef>
-              <a:defRPr b="0">
-                <a:solidFill>
-                  <a:schemeClr val="accent6"/>
-                </a:solidFill>
-                <a:latin typeface="Source Sans Pro Semibold"/>
-                <a:ea typeface="Source Sans Pro Semibold"/>
-                <a:cs typeface="Source Sans Pro Semibold"/>
-                <a:sym typeface="Source Sans Pro Semibold"/>
-              </a:defRPr>
-            </a:pPr>
-            <a:r>
-              <a:t>read_file(</a:t>
-            </a:r>
-            <a:r>
-              <a:rPr>
-                <a:latin typeface="+mn-lt"/>
-                <a:ea typeface="+mn-ea"/>
-                <a:cs typeface="+mn-cs"/>
-                <a:sym typeface="Source Sans Pro Light"/>
-              </a:rPr>
-              <a:t>file, locale = default_locale()</a:t>
-            </a:r>
-            <a:r>
-              <a:t>)</a:t>
-            </a:r>
-          </a:p>
-          <a:p>
-            <a:pPr marL="228600" indent="-114300">
-              <a:lnSpc>
-                <a:spcPct val="90000"/>
-              </a:lnSpc>
-              <a:defRPr>
-                <a:solidFill>
-                  <a:srgbClr val="000000"/>
-                </a:solidFill>
-              </a:defRPr>
-            </a:pPr>
-            <a:r>
-              <a:t>Read each line into its own string</a:t>
-            </a:r>
-          </a:p>
-          <a:p>
-            <a:pPr marL="228600" indent="-114300">
-              <a:lnSpc>
-                <a:spcPct val="90000"/>
-              </a:lnSpc>
-              <a:defRPr b="0">
-                <a:solidFill>
-                  <a:schemeClr val="accent6"/>
-                </a:solidFill>
-              </a:defRPr>
-            </a:pPr>
-            <a:r>
-              <a:rPr>
-                <a:latin typeface="Source Sans Pro Semibold"/>
-                <a:ea typeface="Source Sans Pro Semibold"/>
-                <a:cs typeface="Source Sans Pro Semibold"/>
-                <a:sym typeface="Source Sans Pro Semibold"/>
-              </a:rPr>
-              <a:t>read_lines(</a:t>
-            </a:r>
-            <a:r>
-              <a:rPr>
-                <a:latin typeface="+mn-lt"/>
-                <a:ea typeface="+mn-ea"/>
-                <a:cs typeface="+mn-cs"/>
-                <a:sym typeface="Source Sans Pro Light"/>
-              </a:rPr>
-              <a:t>file, skip = 0, n_max = -1L, na = character(), locale = default_locale(), progress = interactive()</a:t>
-            </a:r>
-            <a:r>
-              <a:rPr>
-                <a:latin typeface="Source Sans Pro Semibold"/>
-                <a:ea typeface="Source Sans Pro Semibold"/>
-                <a:cs typeface="Source Sans Pro Semibold"/>
-                <a:sym typeface="Source Sans Pro Semibold"/>
-              </a:rPr>
-              <a:t>)</a:t>
-            </a:r>
-          </a:p>
-        </p:txBody>
-      </p:sp>
-      <p:sp>
-        <p:nvSpPr>
-          <p:cNvPr id="275" name="Line"/>
-          <p:cNvSpPr/>
-          <p:nvPr/>
-        </p:nvSpPr>
-        <p:spPr>
-          <a:xfrm>
-            <a:off x="3708595" y="8428845"/>
-            <a:ext cx="6528889" cy="1"/>
-          </a:xfrm>
-          <a:prstGeom prst="line">
-            <a:avLst/>
-          </a:prstGeom>
-          <a:ln w="6350">
-            <a:solidFill>
-              <a:srgbClr val="767C85"/>
-            </a:solidFill>
-            <a:miter lim="400000"/>
-          </a:ln>
-        </p:spPr>
-        <p:txBody>
-          <a:bodyPr lIns="54570" tIns="54570" rIns="54570" bIns="54570" anchor="ctr"/>
-          <a:lstStyle/>
-          <a:p>
-            <a:pPr>
-              <a:lnSpc>
-                <a:spcPct val="80000"/>
-              </a:lnSpc>
-              <a:spcBef>
-                <a:spcPts val="600"/>
-              </a:spcBef>
-              <a:defRPr b="0">
-                <a:solidFill>
-                  <a:srgbClr val="000000"/>
-                </a:solidFill>
-              </a:defRPr>
-            </a:pPr>
-          </a:p>
-        </p:txBody>
-      </p:sp>
-      <p:sp>
-        <p:nvSpPr>
-          <p:cNvPr id="276" name="Read a file into a raw vector…"/>
-          <p:cNvSpPr txBox="1"/>
-          <p:nvPr/>
-        </p:nvSpPr>
-        <p:spPr>
-          <a:xfrm>
-            <a:off x="7379348" y="8475202"/>
-            <a:ext cx="3057327" cy="1733627"/>
-          </a:xfrm>
-          <a:prstGeom prst="rect">
-            <a:avLst/>
-          </a:prstGeom>
-          <a:ln w="12700">
-            <a:miter lim="400000"/>
-          </a:ln>
-          <a:extLst>
-            <a:ext uri="{C572A759-6A51-4108-AA02-DFA0A04FC94B}">
-              <ma14:wrappingTextBoxFlag xmlns:ma14="http://schemas.microsoft.com/office/mac/drawingml/2011/main" val="1"/>
-            </a:ext>
-          </a:extLst>
-        </p:spPr>
-        <p:txBody>
-          <a:bodyPr lIns="54570" tIns="54570" rIns="54570" bIns="54570" anchor="ctr">
-            <a:normAutofit fontScale="100000" lnSpcReduction="0"/>
-          </a:bodyPr>
-          <a:lstStyle/>
-          <a:p>
-            <a:pPr marL="228600" indent="-114300">
-              <a:lnSpc>
-                <a:spcPct val="90000"/>
-              </a:lnSpc>
-              <a:defRPr>
-                <a:solidFill>
-                  <a:srgbClr val="000000"/>
-                </a:solidFill>
-              </a:defRPr>
-            </a:pPr>
-            <a:r>
-              <a:t>Read a file into a raw vector</a:t>
-            </a:r>
-          </a:p>
-          <a:p>
-            <a:pPr marL="228600" indent="-114300">
-              <a:lnSpc>
-                <a:spcPct val="90000"/>
-              </a:lnSpc>
-              <a:spcBef>
-                <a:spcPts val="500"/>
-              </a:spcBef>
-              <a:defRPr b="0">
-                <a:solidFill>
-                  <a:schemeClr val="accent6"/>
-                </a:solidFill>
-              </a:defRPr>
-            </a:pPr>
-            <a:r>
-              <a:rPr>
-                <a:latin typeface="Source Sans Pro Semibold"/>
-                <a:ea typeface="Source Sans Pro Semibold"/>
-                <a:cs typeface="Source Sans Pro Semibold"/>
-                <a:sym typeface="Source Sans Pro Semibold"/>
-              </a:rPr>
-              <a:t>read_file_raw(</a:t>
-            </a:r>
-            <a:r>
-              <a:rPr>
-                <a:latin typeface="+mn-lt"/>
-                <a:ea typeface="+mn-ea"/>
-                <a:cs typeface="+mn-cs"/>
-                <a:sym typeface="Source Sans Pro Light"/>
-              </a:rPr>
-              <a:t>file</a:t>
-            </a:r>
-            <a:r>
-              <a:rPr>
-                <a:latin typeface="Source Sans Pro Semibold"/>
-                <a:ea typeface="Source Sans Pro Semibold"/>
-                <a:cs typeface="Source Sans Pro Semibold"/>
-                <a:sym typeface="Source Sans Pro Semibold"/>
-              </a:rPr>
-              <a:t>)</a:t>
-            </a:r>
-          </a:p>
-          <a:p>
-            <a:pPr marL="228600" indent="-114300">
-              <a:lnSpc>
-                <a:spcPct val="90000"/>
-              </a:lnSpc>
-              <a:defRPr>
-                <a:solidFill>
-                  <a:srgbClr val="000000"/>
-                </a:solidFill>
-              </a:defRPr>
-            </a:pPr>
-            <a:r>
-              <a:t>Read each line into a raw vector</a:t>
-            </a:r>
-          </a:p>
-          <a:p>
-            <a:pPr marL="228600" indent="-114300">
-              <a:lnSpc>
-                <a:spcPct val="90000"/>
-              </a:lnSpc>
-              <a:spcBef>
-                <a:spcPts val="500"/>
-              </a:spcBef>
-              <a:defRPr b="0">
-                <a:solidFill>
-                  <a:schemeClr val="accent6"/>
-                </a:solidFill>
-              </a:defRPr>
-            </a:pPr>
-            <a:r>
-              <a:rPr>
-                <a:latin typeface="Source Sans Pro Semibold"/>
-                <a:ea typeface="Source Sans Pro Semibold"/>
-                <a:cs typeface="Source Sans Pro Semibold"/>
-                <a:sym typeface="Source Sans Pro Semibold"/>
-              </a:rPr>
-              <a:t>read_lines_raw(</a:t>
-            </a:r>
-            <a:r>
-              <a:rPr>
-                <a:latin typeface="+mn-lt"/>
-                <a:ea typeface="+mn-ea"/>
-                <a:cs typeface="+mn-cs"/>
-                <a:sym typeface="Source Sans Pro Light"/>
-              </a:rPr>
-              <a:t>file, skip = 0, n_max = -1L, progress = interactive()</a:t>
-            </a:r>
-            <a:r>
-              <a:rPr>
-                <a:latin typeface="Source Sans Pro Semibold"/>
-                <a:ea typeface="Source Sans Pro Semibold"/>
-                <a:cs typeface="Source Sans Pro Semibold"/>
-                <a:sym typeface="Source Sans Pro Semibold"/>
-              </a:rPr>
-              <a:t>)</a:t>
-            </a:r>
-          </a:p>
-        </p:txBody>
-      </p:sp>
-      <p:sp>
-        <p:nvSpPr>
-          <p:cNvPr id="277" name="Read Non-Tabular Data"/>
-          <p:cNvSpPr txBox="1"/>
-          <p:nvPr/>
-        </p:nvSpPr>
-        <p:spPr>
-          <a:xfrm>
-            <a:off x="3708010" y="8430837"/>
-            <a:ext cx="3084831" cy="431801"/>
-          </a:xfrm>
-          <a:prstGeom prst="rect">
-            <a:avLst/>
-          </a:prstGeom>
-          <a:ln w="12700">
-            <a:miter lim="400000"/>
-          </a:ln>
-          <a:extLst>
-            <a:ext uri="{C572A759-6A51-4108-AA02-DFA0A04FC94B}">
-              <ma14:wrappingTextBoxFlag xmlns:ma14="http://schemas.microsoft.com/office/mac/drawingml/2011/main" val="1"/>
-            </a:ext>
-          </a:extLst>
-        </p:spPr>
-        <p:txBody>
-          <a:bodyPr wrap="none" lIns="12700" tIns="12700" rIns="12700" bIns="12700" anchor="ctr">
-            <a:spAutoFit/>
-          </a:bodyPr>
-          <a:lstStyle/>
-          <a:p>
-            <a:pPr lvl="1" indent="0">
-              <a:lnSpc>
-                <a:spcPct val="80000"/>
-              </a:lnSpc>
-              <a:spcBef>
-                <a:spcPts val="0"/>
-              </a:spcBef>
-              <a:defRPr b="0" sz="2500">
-                <a:solidFill>
-                  <a:schemeClr val="accent6"/>
-                </a:solidFill>
-              </a:defRPr>
-            </a:pPr>
-            <a:r>
-              <a:t>Read Non-Tabular Data</a:t>
-            </a:r>
-          </a:p>
-        </p:txBody>
-      </p:sp>
-      <p:sp>
-        <p:nvSpPr>
-          <p:cNvPr id="278" name="Read Apache style log files…"/>
-          <p:cNvSpPr txBox="1"/>
-          <p:nvPr/>
-        </p:nvSpPr>
-        <p:spPr>
-          <a:xfrm>
-            <a:off x="3775307" y="9857271"/>
-            <a:ext cx="6293279" cy="496492"/>
-          </a:xfrm>
-          <a:prstGeom prst="rect">
-            <a:avLst/>
-          </a:prstGeom>
-          <a:ln w="12700">
-            <a:miter lim="400000"/>
-          </a:ln>
-          <a:extLst>
-            <a:ext uri="{C572A759-6A51-4108-AA02-DFA0A04FC94B}">
-              <ma14:wrappingTextBoxFlag xmlns:ma14="http://schemas.microsoft.com/office/mac/drawingml/2011/main" val="1"/>
-            </a:ext>
-          </a:extLst>
-        </p:spPr>
-        <p:txBody>
-          <a:bodyPr wrap="none" lIns="54570" tIns="54570" rIns="54570" bIns="54570" anchor="ctr">
-            <a:spAutoFit/>
-          </a:bodyPr>
-          <a:lstStyle/>
-          <a:p>
-            <a:pPr marL="228600" indent="-114300">
-              <a:lnSpc>
-                <a:spcPct val="90000"/>
-              </a:lnSpc>
-              <a:defRPr>
-                <a:solidFill>
-                  <a:srgbClr val="000000"/>
-                </a:solidFill>
-              </a:defRPr>
-            </a:pPr>
-            <a:r>
-              <a:t>Read Apache style log files</a:t>
-            </a:r>
-          </a:p>
-          <a:p>
-            <a:pPr marL="228600" indent="-114300">
-              <a:lnSpc>
-                <a:spcPct val="90000"/>
-              </a:lnSpc>
-              <a:defRPr b="0">
-                <a:solidFill>
-                  <a:schemeClr val="accent6"/>
-                </a:solidFill>
-              </a:defRPr>
-            </a:pPr>
-            <a:r>
-              <a:rPr>
-                <a:latin typeface="Source Sans Pro Semibold"/>
-                <a:ea typeface="Source Sans Pro Semibold"/>
-                <a:cs typeface="Source Sans Pro Semibold"/>
-                <a:sym typeface="Source Sans Pro Semibold"/>
-              </a:rPr>
-              <a:t>read_log(</a:t>
-            </a:r>
-            <a:r>
-              <a:rPr>
-                <a:latin typeface="+mn-lt"/>
-                <a:ea typeface="+mn-ea"/>
-                <a:cs typeface="+mn-cs"/>
-                <a:sym typeface="Source Sans Pro Light"/>
-              </a:rPr>
-              <a:t>file, col_names = FALSE, col_types = NULL, skip = 0, n_max = -1, progress = interactive()</a:t>
-            </a:r>
-            <a:r>
-              <a:rPr>
-                <a:latin typeface="Source Sans Pro Semibold"/>
-                <a:ea typeface="Source Sans Pro Semibold"/>
-                <a:cs typeface="Source Sans Pro Semibold"/>
-                <a:sym typeface="Source Sans Pro Semibold"/>
-              </a:rPr>
-              <a:t>)</a:t>
-            </a:r>
-          </a:p>
-        </p:txBody>
-      </p:sp>
-      <p:sp>
-        <p:nvSpPr>
-          <p:cNvPr id="279" name="## Parsed with column specification:…"/>
-          <p:cNvSpPr txBox="1"/>
-          <p:nvPr/>
-        </p:nvSpPr>
-        <p:spPr>
-          <a:xfrm>
-            <a:off x="10642127" y="2962969"/>
-            <a:ext cx="2883921" cy="960042"/>
-          </a:xfrm>
-          <a:prstGeom prst="rect">
-            <a:avLst/>
-          </a:prstGeom>
-          <a:solidFill>
-            <a:srgbClr val="FFFFFF"/>
-          </a:solidFill>
-          <a:ln w="12700">
-            <a:solidFill>
-              <a:srgbClr val="A6AAA9"/>
-            </a:solidFill>
-            <a:miter lim="400000"/>
-          </a:ln>
-          <a:extLst>
-            <a:ext uri="{C572A759-6A51-4108-AA02-DFA0A04FC94B}">
-              <ma14:wrappingTextBoxFlag xmlns:ma14="http://schemas.microsoft.com/office/mac/drawingml/2011/main" val="1"/>
-            </a:ext>
-          </a:extLst>
-        </p:spPr>
-        <p:txBody>
-          <a:bodyPr lIns="54570" tIns="54570" rIns="54570" bIns="54570" anchor="ctr">
-            <a:spAutoFit/>
-          </a:bodyPr>
-          <a:lstStyle/>
-          <a:p>
-            <a:pPr>
-              <a:spcBef>
-                <a:spcPts val="0"/>
-              </a:spcBef>
-              <a:defRPr b="0" sz="1000">
-                <a:solidFill>
-                  <a:srgbClr val="000000"/>
-                </a:solidFill>
-                <a:latin typeface="Menlo"/>
-                <a:ea typeface="Menlo"/>
-                <a:cs typeface="Menlo"/>
-                <a:sym typeface="Menlo"/>
-              </a:defRPr>
-            </a:pPr>
-            <a:r>
-              <a:t>## Parsed with column specification:</a:t>
-            </a:r>
-          </a:p>
-          <a:p>
-            <a:pPr>
-              <a:spcBef>
-                <a:spcPts val="0"/>
-              </a:spcBef>
-              <a:defRPr b="0" sz="1000">
-                <a:solidFill>
-                  <a:srgbClr val="000000"/>
-                </a:solidFill>
-                <a:latin typeface="Menlo"/>
-                <a:ea typeface="Menlo"/>
-                <a:cs typeface="Menlo"/>
-                <a:sym typeface="Menlo"/>
-              </a:defRPr>
-            </a:pPr>
-            <a:r>
-              <a:t>## cols(</a:t>
-            </a:r>
-          </a:p>
-          <a:p>
-            <a:pPr>
-              <a:spcBef>
-                <a:spcPts val="0"/>
-              </a:spcBef>
-              <a:defRPr b="0" sz="1000">
-                <a:solidFill>
-                  <a:srgbClr val="000000"/>
-                </a:solidFill>
-                <a:latin typeface="Menlo"/>
-                <a:ea typeface="Menlo"/>
-                <a:cs typeface="Menlo"/>
-                <a:sym typeface="Menlo"/>
-              </a:defRPr>
-            </a:pPr>
-            <a:r>
-              <a:t>##   age = col_integer(),</a:t>
-            </a:r>
-          </a:p>
-          <a:p>
-            <a:pPr>
-              <a:spcBef>
-                <a:spcPts val="0"/>
-              </a:spcBef>
-              <a:defRPr b="0" sz="1000">
-                <a:solidFill>
-                  <a:srgbClr val="000000"/>
-                </a:solidFill>
-                <a:latin typeface="Menlo"/>
-                <a:ea typeface="Menlo"/>
-                <a:cs typeface="Menlo"/>
-                <a:sym typeface="Menlo"/>
-              </a:defRPr>
-            </a:pPr>
-            <a:r>
-              <a:t>##   sex = col_character(),</a:t>
-            </a:r>
-          </a:p>
-          <a:p>
-            <a:pPr>
-              <a:spcBef>
-                <a:spcPts val="0"/>
-              </a:spcBef>
-              <a:defRPr b="0" sz="1000">
-                <a:solidFill>
-                  <a:srgbClr val="000000"/>
-                </a:solidFill>
-                <a:latin typeface="Menlo"/>
-                <a:ea typeface="Menlo"/>
-                <a:cs typeface="Menlo"/>
-                <a:sym typeface="Menlo"/>
-              </a:defRPr>
-            </a:pPr>
-            <a:r>
-              <a:t>##   earn = col_double()</a:t>
-            </a:r>
-          </a:p>
-          <a:p>
-            <a:pPr>
-              <a:spcBef>
-                <a:spcPts val="0"/>
-              </a:spcBef>
-              <a:defRPr b="0" sz="1000">
-                <a:solidFill>
-                  <a:srgbClr val="000000"/>
-                </a:solidFill>
-                <a:latin typeface="Menlo"/>
-                <a:ea typeface="Menlo"/>
-                <a:cs typeface="Menlo"/>
-                <a:sym typeface="Menlo"/>
-              </a:defRPr>
-            </a:pPr>
-            <a:r>
-              <a:t>## )</a:t>
-            </a:r>
-          </a:p>
-        </p:txBody>
-      </p:sp>
-      <p:sp>
-        <p:nvSpPr>
-          <p:cNvPr id="280" name="1. Use problems() to diagnose problems…"/>
-          <p:cNvSpPr txBox="1"/>
-          <p:nvPr/>
-        </p:nvSpPr>
-        <p:spPr>
-          <a:xfrm>
-            <a:off x="10517265" y="4269263"/>
-            <a:ext cx="3184445" cy="6033311"/>
-          </a:xfrm>
-          <a:prstGeom prst="rect">
-            <a:avLst/>
-          </a:prstGeom>
-          <a:ln w="12700">
-            <a:miter lim="400000"/>
-          </a:ln>
-          <a:extLst>
-            <a:ext uri="{C572A759-6A51-4108-AA02-DFA0A04FC94B}">
-              <ma14:wrappingTextBoxFlag xmlns:ma14="http://schemas.microsoft.com/office/mac/drawingml/2011/main" val="1"/>
-            </a:ext>
-          </a:extLst>
-        </p:spPr>
-        <p:txBody>
-          <a:bodyPr lIns="0" tIns="0" rIns="0" bIns="0" anchor="b">
-            <a:normAutofit fontScale="100000" lnSpcReduction="0"/>
-          </a:bodyPr>
-          <a:lstStyle/>
-          <a:p>
-            <a:pPr marL="110871" defTabSz="566674">
-              <a:lnSpc>
-                <a:spcPct val="80000"/>
-              </a:lnSpc>
-              <a:defRPr b="0" sz="1164">
-                <a:solidFill>
-                  <a:srgbClr val="000000"/>
-                </a:solidFill>
-              </a:defRPr>
-            </a:pPr>
-            <a:r>
-              <a:t>1. Use </a:t>
-            </a:r>
-            <a:r>
-              <a:rPr b="1"/>
-              <a:t>problems() </a:t>
-            </a:r>
-            <a:r>
-              <a:t>to diagnose problems</a:t>
-            </a:r>
-          </a:p>
-          <a:p>
-            <a:pPr marL="221742" indent="-110871" defTabSz="566674">
-              <a:lnSpc>
-                <a:spcPct val="90000"/>
-              </a:lnSpc>
-              <a:spcBef>
-                <a:spcPts val="1900"/>
-              </a:spcBef>
-              <a:defRPr i="1" sz="1164">
-                <a:solidFill>
-                  <a:schemeClr val="accent6"/>
-                </a:solidFill>
-              </a:defRPr>
-            </a:pPr>
-            <a:r>
-              <a:t>x &lt;- read_csv("file.csv"); problems(x)</a:t>
-            </a:r>
-          </a:p>
-          <a:p>
-            <a:pPr marL="110871" defTabSz="566674">
-              <a:lnSpc>
-                <a:spcPct val="90000"/>
-              </a:lnSpc>
-              <a:defRPr b="0" sz="1164">
-                <a:solidFill>
-                  <a:srgbClr val="000000"/>
-                </a:solidFill>
-              </a:defRPr>
-            </a:pPr>
-            <a:r>
-              <a:t>2. Use a col_ function to guide parsing</a:t>
-            </a:r>
-          </a:p>
-          <a:p>
-            <a:pPr marL="357251" indent="-123190" defTabSz="566674">
-              <a:lnSpc>
-                <a:spcPct val="90000"/>
-              </a:lnSpc>
-              <a:buSzPct val="100000"/>
-              <a:buChar char="•"/>
-              <a:defRPr sz="1164">
-                <a:solidFill>
-                  <a:srgbClr val="000000"/>
-                </a:solidFill>
-              </a:defRPr>
-            </a:pPr>
-            <a:r>
-              <a:t>col_guess() </a:t>
-            </a:r>
-            <a:r>
-              <a:rPr b="0">
-                <a:solidFill>
-                  <a:srgbClr val="FF7E79"/>
-                </a:solidFill>
-                <a:latin typeface="+mn-lt"/>
-                <a:ea typeface="+mn-ea"/>
-                <a:cs typeface="+mn-cs"/>
-                <a:sym typeface="Source Sans Pro Light"/>
-              </a:rPr>
-              <a:t>-</a:t>
-            </a:r>
-            <a:r>
-              <a:rPr b="0">
-                <a:latin typeface="+mn-lt"/>
-                <a:ea typeface="+mn-ea"/>
-                <a:cs typeface="+mn-cs"/>
-                <a:sym typeface="Source Sans Pro Light"/>
-              </a:rPr>
-              <a:t> the default</a:t>
-            </a:r>
-          </a:p>
-          <a:p>
-            <a:pPr marL="357251" indent="-123190" defTabSz="566674">
-              <a:lnSpc>
-                <a:spcPct val="90000"/>
-              </a:lnSpc>
-              <a:buSzPct val="100000"/>
-              <a:buChar char="•"/>
-              <a:defRPr sz="1164">
-                <a:solidFill>
-                  <a:srgbClr val="000000"/>
-                </a:solidFill>
-              </a:defRPr>
-            </a:pPr>
-            <a:r>
-              <a:t>col_character()</a:t>
-            </a:r>
-          </a:p>
-          <a:p>
-            <a:pPr marL="357251" indent="-123190" defTabSz="566674">
-              <a:lnSpc>
-                <a:spcPct val="90000"/>
-              </a:lnSpc>
-              <a:buSzPct val="100000"/>
-              <a:buChar char="•"/>
-              <a:defRPr sz="1164">
-                <a:solidFill>
-                  <a:srgbClr val="000000"/>
-                </a:solidFill>
-              </a:defRPr>
-            </a:pPr>
-            <a:r>
-              <a:t>col_double()</a:t>
-            </a:r>
-            <a:r>
-              <a:rPr b="0"/>
-              <a:t>,</a:t>
-            </a:r>
-            <a:r>
-              <a:t> col_euro_double()</a:t>
-            </a:r>
-          </a:p>
-          <a:p>
-            <a:pPr marL="357251" indent="-123190" defTabSz="566674">
-              <a:lnSpc>
-                <a:spcPct val="90000"/>
-              </a:lnSpc>
-              <a:buSzPct val="100000"/>
-              <a:buChar char="•"/>
-              <a:defRPr sz="1164">
-                <a:solidFill>
-                  <a:srgbClr val="000000"/>
-                </a:solidFill>
-              </a:defRPr>
-            </a:pPr>
-            <a:r>
-              <a:t>col_datetime(</a:t>
-            </a:r>
-            <a:r>
-              <a:rPr b="0">
-                <a:latin typeface="+mn-lt"/>
-                <a:ea typeface="+mn-ea"/>
-                <a:cs typeface="+mn-cs"/>
-                <a:sym typeface="Source Sans Pro Light"/>
-              </a:rPr>
-              <a:t>format = ""</a:t>
-            </a:r>
-            <a:r>
-              <a:t>) </a:t>
-            </a:r>
-            <a:r>
-              <a:rPr b="0"/>
-              <a:t>Also </a:t>
-            </a:r>
-            <a:endParaRPr b="0"/>
-          </a:p>
-          <a:p>
-            <a:pPr indent="234061" defTabSz="566674">
-              <a:lnSpc>
-                <a:spcPct val="90000"/>
-              </a:lnSpc>
-              <a:defRPr sz="1164">
-                <a:solidFill>
-                  <a:srgbClr val="000000"/>
-                </a:solidFill>
-              </a:defRPr>
-            </a:pPr>
-            <a:r>
-              <a:t>col_date(</a:t>
-            </a:r>
-            <a:r>
-              <a:rPr b="0">
-                <a:latin typeface="+mn-lt"/>
-                <a:ea typeface="+mn-ea"/>
-                <a:cs typeface="+mn-cs"/>
-                <a:sym typeface="Source Sans Pro Light"/>
-              </a:rPr>
-              <a:t>format = ""</a:t>
-            </a:r>
-            <a:r>
-              <a:t>)</a:t>
-            </a:r>
-            <a:r>
-              <a:rPr b="0"/>
-              <a:t>, </a:t>
-            </a:r>
-            <a:r>
-              <a:t>col_time(</a:t>
-            </a:r>
-            <a:r>
-              <a:rPr b="0">
-                <a:latin typeface="+mn-lt"/>
-                <a:ea typeface="+mn-ea"/>
-                <a:cs typeface="+mn-cs"/>
-                <a:sym typeface="Source Sans Pro Light"/>
-              </a:rPr>
-              <a:t>format = ""</a:t>
-            </a:r>
-            <a:r>
-              <a:t>)</a:t>
-            </a:r>
-          </a:p>
-          <a:p>
-            <a:pPr marL="357251" indent="-123190" defTabSz="566674">
-              <a:lnSpc>
-                <a:spcPct val="90000"/>
-              </a:lnSpc>
-              <a:buSzPct val="100000"/>
-              <a:buChar char="•"/>
-              <a:defRPr sz="1164">
-                <a:solidFill>
-                  <a:srgbClr val="000000"/>
-                </a:solidFill>
-              </a:defRPr>
-            </a:pPr>
-            <a:r>
-              <a:t>col_factor(</a:t>
-            </a:r>
-            <a:r>
-              <a:rPr b="0">
-                <a:latin typeface="+mn-lt"/>
-                <a:ea typeface="+mn-ea"/>
-                <a:cs typeface="+mn-cs"/>
-                <a:sym typeface="Source Sans Pro Light"/>
-              </a:rPr>
-              <a:t>levels, ordered = FALSE</a:t>
-            </a:r>
-            <a:r>
-              <a:t>)</a:t>
-            </a:r>
-          </a:p>
-          <a:p>
-            <a:pPr marL="357251" indent="-123190" defTabSz="566674">
-              <a:lnSpc>
-                <a:spcPct val="90000"/>
-              </a:lnSpc>
-              <a:buSzPct val="100000"/>
-              <a:buChar char="•"/>
-              <a:defRPr sz="1164">
-                <a:solidFill>
-                  <a:srgbClr val="000000"/>
-                </a:solidFill>
-              </a:defRPr>
-            </a:pPr>
-            <a:r>
-              <a:t>col_integer()</a:t>
-            </a:r>
-          </a:p>
-          <a:p>
-            <a:pPr marL="357251" indent="-123190" defTabSz="566674">
-              <a:lnSpc>
-                <a:spcPct val="90000"/>
-              </a:lnSpc>
-              <a:buSzPct val="100000"/>
-              <a:buChar char="•"/>
-              <a:defRPr sz="1164">
-                <a:solidFill>
-                  <a:srgbClr val="000000"/>
-                </a:solidFill>
-              </a:defRPr>
-            </a:pPr>
-            <a:r>
-              <a:t>col_logical()</a:t>
-            </a:r>
-          </a:p>
-          <a:p>
-            <a:pPr marL="357251" indent="-123190" defTabSz="566674">
-              <a:lnSpc>
-                <a:spcPct val="90000"/>
-              </a:lnSpc>
-              <a:buSzPct val="100000"/>
-              <a:buChar char="•"/>
-              <a:defRPr sz="1164">
-                <a:solidFill>
-                  <a:srgbClr val="000000"/>
-                </a:solidFill>
-              </a:defRPr>
-            </a:pPr>
-            <a:r>
-              <a:t>col_number()</a:t>
-            </a:r>
-            <a:r>
-              <a:rPr b="0"/>
-              <a:t>,</a:t>
-            </a:r>
-            <a:r>
-              <a:t> col_numeric()</a:t>
-            </a:r>
-          </a:p>
-          <a:p>
-            <a:pPr marL="357251" indent="-123190" defTabSz="566674">
-              <a:lnSpc>
-                <a:spcPct val="90000"/>
-              </a:lnSpc>
-              <a:buSzPct val="100000"/>
-              <a:buChar char="•"/>
-              <a:defRPr sz="1164">
-                <a:solidFill>
-                  <a:srgbClr val="000000"/>
-                </a:solidFill>
-              </a:defRPr>
-            </a:pPr>
-            <a:r>
-              <a:t>col_skip()</a:t>
-            </a:r>
-          </a:p>
-          <a:p>
-            <a:pPr marL="221742" indent="-110871" defTabSz="566674">
-              <a:lnSpc>
-                <a:spcPct val="90000"/>
-              </a:lnSpc>
-              <a:spcBef>
-                <a:spcPts val="0"/>
-              </a:spcBef>
-              <a:defRPr i="1" sz="1164">
-                <a:solidFill>
-                  <a:schemeClr val="accent6"/>
-                </a:solidFill>
-              </a:defRPr>
-            </a:pPr>
-            <a:r>
-              <a:t>x &lt;- read_csv("file.csv", col_types = cols(</a:t>
-            </a:r>
-          </a:p>
-          <a:p>
-            <a:pPr marL="221742" indent="-110871" defTabSz="566674">
-              <a:lnSpc>
-                <a:spcPct val="90000"/>
-              </a:lnSpc>
-              <a:spcBef>
-                <a:spcPts val="0"/>
-              </a:spcBef>
-              <a:defRPr i="1" sz="1164">
-                <a:solidFill>
-                  <a:schemeClr val="accent6"/>
-                </a:solidFill>
-              </a:defRPr>
-            </a:pPr>
-            <a:r>
-              <a:t>    A = col_double(),</a:t>
-            </a:r>
-          </a:p>
-          <a:p>
-            <a:pPr marL="221742" indent="-110871" defTabSz="566674">
-              <a:lnSpc>
-                <a:spcPct val="90000"/>
-              </a:lnSpc>
-              <a:spcBef>
-                <a:spcPts val="0"/>
-              </a:spcBef>
-              <a:defRPr i="1" sz="1164">
-                <a:solidFill>
-                  <a:schemeClr val="accent6"/>
-                </a:solidFill>
-              </a:defRPr>
-            </a:pPr>
-            <a:r>
-              <a:t>    B = col_logical(),</a:t>
-            </a:r>
-          </a:p>
-          <a:p>
-            <a:pPr marL="221742" indent="-110871" defTabSz="566674">
-              <a:lnSpc>
-                <a:spcPct val="90000"/>
-              </a:lnSpc>
-              <a:spcBef>
-                <a:spcPts val="1900"/>
-              </a:spcBef>
-              <a:defRPr i="1" sz="1164">
-                <a:solidFill>
-                  <a:schemeClr val="accent6"/>
-                </a:solidFill>
-              </a:defRPr>
-            </a:pPr>
-            <a:r>
-              <a:t>    C = col_factor()))</a:t>
-            </a:r>
-          </a:p>
-          <a:p>
-            <a:pPr marL="110871" defTabSz="566674">
-              <a:lnSpc>
-                <a:spcPct val="80000"/>
-              </a:lnSpc>
-              <a:buClr>
-                <a:srgbClr val="000000"/>
-              </a:buClr>
-              <a:defRPr b="0" sz="1164">
-                <a:solidFill>
-                  <a:srgbClr val="000000"/>
-                </a:solidFill>
-              </a:defRPr>
-            </a:pPr>
-            <a:r>
-              <a:t>3. Else, read in as character vectors then parse with a parse_ function.</a:t>
-            </a:r>
-          </a:p>
-          <a:p>
-            <a:pPr marL="357251" indent="-123190" defTabSz="566674">
-              <a:lnSpc>
-                <a:spcPct val="90000"/>
-              </a:lnSpc>
-              <a:buSzPct val="100000"/>
-              <a:buChar char="•"/>
-              <a:defRPr sz="1164">
-                <a:solidFill>
-                  <a:srgbClr val="000000"/>
-                </a:solidFill>
-              </a:defRPr>
-            </a:pPr>
-            <a:r>
-              <a:t>parse_guess()</a:t>
-            </a:r>
-          </a:p>
-          <a:p>
-            <a:pPr marL="357251" indent="-123190" defTabSz="566674">
-              <a:lnSpc>
-                <a:spcPct val="90000"/>
-              </a:lnSpc>
-              <a:buSzPct val="100000"/>
-              <a:buChar char="•"/>
-              <a:defRPr sz="1164">
-                <a:solidFill>
-                  <a:srgbClr val="000000"/>
-                </a:solidFill>
-              </a:defRPr>
-            </a:pPr>
-            <a:r>
-              <a:t>parse_character()</a:t>
-            </a:r>
-          </a:p>
-          <a:p>
-            <a:pPr marL="357251" indent="-123190" defTabSz="566674">
-              <a:lnSpc>
-                <a:spcPct val="90000"/>
-              </a:lnSpc>
-              <a:buSzPct val="100000"/>
-              <a:buChar char="•"/>
-              <a:defRPr sz="1164">
-                <a:solidFill>
-                  <a:srgbClr val="000000"/>
-                </a:solidFill>
-              </a:defRPr>
-            </a:pPr>
-            <a:r>
-              <a:t>parse_datetime() </a:t>
-            </a:r>
-            <a:r>
-              <a:rPr b="0"/>
-              <a:t>Also</a:t>
-            </a:r>
-            <a:r>
-              <a:t> parse_date() </a:t>
-            </a:r>
-            <a:r>
-              <a:rPr b="0"/>
-              <a:t>and</a:t>
-            </a:r>
-            <a:r>
-              <a:t> parse_time()</a:t>
-            </a:r>
-          </a:p>
-          <a:p>
-            <a:pPr marL="357251" indent="-123190" defTabSz="566674">
-              <a:lnSpc>
-                <a:spcPct val="90000"/>
-              </a:lnSpc>
-              <a:buSzPct val="100000"/>
-              <a:buChar char="•"/>
-              <a:defRPr sz="1164">
-                <a:solidFill>
-                  <a:srgbClr val="000000"/>
-                </a:solidFill>
-              </a:defRPr>
-            </a:pPr>
-            <a:r>
-              <a:t>parse_double()</a:t>
-            </a:r>
-          </a:p>
-          <a:p>
-            <a:pPr marL="357251" indent="-123190" defTabSz="566674">
-              <a:lnSpc>
-                <a:spcPct val="90000"/>
-              </a:lnSpc>
-              <a:buSzPct val="100000"/>
-              <a:buChar char="•"/>
-              <a:defRPr sz="1164">
-                <a:solidFill>
-                  <a:srgbClr val="000000"/>
-                </a:solidFill>
-              </a:defRPr>
-            </a:pPr>
-            <a:r>
-              <a:t>parse_factor()</a:t>
-            </a:r>
-          </a:p>
-          <a:p>
-            <a:pPr marL="357251" indent="-123190" defTabSz="566674">
-              <a:lnSpc>
-                <a:spcPct val="90000"/>
-              </a:lnSpc>
-              <a:buSzPct val="100000"/>
-              <a:buChar char="•"/>
-              <a:defRPr sz="1164">
-                <a:solidFill>
-                  <a:srgbClr val="000000"/>
-                </a:solidFill>
-              </a:defRPr>
-            </a:pPr>
-            <a:r>
-              <a:t>parse_integer()</a:t>
-            </a:r>
-          </a:p>
-          <a:p>
-            <a:pPr marL="357251" indent="-123190" defTabSz="566674">
-              <a:lnSpc>
-                <a:spcPct val="90000"/>
-              </a:lnSpc>
-              <a:buSzPct val="100000"/>
-              <a:buChar char="•"/>
-              <a:defRPr sz="1164">
-                <a:solidFill>
-                  <a:srgbClr val="000000"/>
-                </a:solidFill>
-              </a:defRPr>
-            </a:pPr>
-            <a:r>
-              <a:t>parse_logical()</a:t>
-            </a:r>
-          </a:p>
-          <a:p>
-            <a:pPr marL="357251" indent="-123190" defTabSz="566674">
-              <a:lnSpc>
-                <a:spcPct val="90000"/>
-              </a:lnSpc>
-              <a:buSzPct val="100000"/>
-              <a:buChar char="•"/>
-              <a:defRPr sz="1164">
-                <a:solidFill>
-                  <a:srgbClr val="000000"/>
-                </a:solidFill>
-              </a:defRPr>
-            </a:pPr>
-            <a:r>
-              <a:t>parse_number()</a:t>
-            </a:r>
-          </a:p>
-          <a:p>
-            <a:pPr marL="221742" indent="-110871" defTabSz="566674">
-              <a:lnSpc>
-                <a:spcPct val="90000"/>
-              </a:lnSpc>
-              <a:spcBef>
-                <a:spcPts val="900"/>
-              </a:spcBef>
-              <a:defRPr i="1" sz="1164">
-                <a:solidFill>
-                  <a:schemeClr val="accent6"/>
-                </a:solidFill>
-              </a:defRPr>
-            </a:pPr>
-            <a:r>
-              <a:t>x$A &lt;- parse_number(x$A)</a:t>
-            </a:r>
-          </a:p>
-        </p:txBody>
-      </p:sp>
-      <p:sp>
-        <p:nvSpPr>
-          <p:cNvPr id="281" name="readr functions guess…"/>
-          <p:cNvSpPr txBox="1"/>
-          <p:nvPr/>
-        </p:nvSpPr>
-        <p:spPr>
-          <a:xfrm>
-            <a:off x="10522819" y="1664189"/>
-            <a:ext cx="3122537" cy="1162051"/>
-          </a:xfrm>
-          <a:prstGeom prst="rect">
-            <a:avLst/>
-          </a:prstGeom>
-          <a:ln w="12700">
-            <a:miter lim="400000"/>
-          </a:ln>
-          <a:extLst>
-            <a:ext uri="{C572A759-6A51-4108-AA02-DFA0A04FC94B}">
-              <ma14:wrappingTextBoxFlag xmlns:ma14="http://schemas.microsoft.com/office/mac/drawingml/2011/main" val="1"/>
-            </a:ext>
-          </a:extLst>
-        </p:spPr>
-        <p:txBody>
-          <a:bodyPr lIns="0" tIns="0" rIns="0" bIns="0" anchor="ctr">
-            <a:spAutoFit/>
-          </a:bodyPr>
-          <a:lstStyle/>
-          <a:p>
-            <a:pPr>
-              <a:lnSpc>
-                <a:spcPct val="90000"/>
-              </a:lnSpc>
-              <a:spcBef>
-                <a:spcPts val="0"/>
-              </a:spcBef>
-              <a:defRPr b="0">
-                <a:solidFill>
-                  <a:srgbClr val="000000"/>
-                </a:solidFill>
-                <a:latin typeface="+mn-lt"/>
-                <a:ea typeface="+mn-ea"/>
-                <a:cs typeface="+mn-cs"/>
-                <a:sym typeface="Source Sans Pro Light"/>
-              </a:defRPr>
-            </a:pPr>
-            <a:r>
-              <a:t>readr functions guess </a:t>
-            </a:r>
-          </a:p>
-          <a:p>
-            <a:pPr>
-              <a:lnSpc>
-                <a:spcPct val="90000"/>
-              </a:lnSpc>
-              <a:spcBef>
-                <a:spcPts val="0"/>
-              </a:spcBef>
-              <a:defRPr b="0">
-                <a:solidFill>
-                  <a:srgbClr val="000000"/>
-                </a:solidFill>
-                <a:latin typeface="+mn-lt"/>
-                <a:ea typeface="+mn-ea"/>
-                <a:cs typeface="+mn-cs"/>
-                <a:sym typeface="Source Sans Pro Light"/>
-              </a:defRPr>
-            </a:pPr>
-            <a:r>
-              <a:t>the types of each column and </a:t>
-            </a:r>
-          </a:p>
-          <a:p>
-            <a:pPr>
-              <a:lnSpc>
-                <a:spcPct val="90000"/>
-              </a:lnSpc>
-              <a:spcBef>
-                <a:spcPts val="900"/>
-              </a:spcBef>
-              <a:defRPr b="0">
-                <a:solidFill>
-                  <a:srgbClr val="000000"/>
-                </a:solidFill>
-                <a:latin typeface="+mn-lt"/>
-                <a:ea typeface="+mn-ea"/>
-                <a:cs typeface="+mn-cs"/>
-                <a:sym typeface="Source Sans Pro Light"/>
-              </a:defRPr>
-            </a:pPr>
-            <a:r>
-              <a:t>convert types when appropriate (but will NOT convert strings to factors automatically). </a:t>
-            </a:r>
-          </a:p>
-          <a:p>
-            <a:pPr>
-              <a:lnSpc>
-                <a:spcPct val="90000"/>
-              </a:lnSpc>
-              <a:spcBef>
-                <a:spcPts val="300"/>
-              </a:spcBef>
-              <a:defRPr b="0">
-                <a:solidFill>
-                  <a:srgbClr val="000000"/>
-                </a:solidFill>
-                <a:latin typeface="+mn-lt"/>
-                <a:ea typeface="+mn-ea"/>
-                <a:cs typeface="+mn-cs"/>
-                <a:sym typeface="Source Sans Pro Light"/>
-              </a:defRPr>
-            </a:pPr>
-            <a:r>
-              <a:t>A message shows the type of each column in the result.</a:t>
-            </a:r>
-          </a:p>
-        </p:txBody>
-      </p:sp>
-      <p:sp>
-        <p:nvSpPr>
-          <p:cNvPr id="282" name="earn is a double (numeric)"/>
-          <p:cNvSpPr/>
-          <p:nvPr/>
-        </p:nvSpPr>
-        <p:spPr>
-          <a:xfrm>
-            <a:off x="11031267" y="3755497"/>
-            <a:ext cx="1714898" cy="479030"/>
-          </a:xfrm>
-          <a:custGeom>
-            <a:avLst/>
-            <a:gdLst/>
-            <a:ahLst/>
-            <a:cxnLst>
-              <a:cxn ang="0">
-                <a:pos x="wd2" y="hd2"/>
-              </a:cxn>
-              <a:cxn ang="5400000">
-                <a:pos x="wd2" y="hd2"/>
-              </a:cxn>
-              <a:cxn ang="10800000">
-                <a:pos x="wd2" y="hd2"/>
-              </a:cxn>
-              <a:cxn ang="16200000">
-                <a:pos x="wd2" y="hd2"/>
-              </a:cxn>
-            </a:cxnLst>
-            <a:rect l="0" t="0" r="r" b="b"/>
-            <a:pathLst>
-              <a:path w="21600" h="21600" fill="norm" stroke="1" extrusionOk="0">
-                <a:moveTo>
-                  <a:pt x="10798" y="0"/>
-                </a:moveTo>
-                <a:lnTo>
-                  <a:pt x="10058" y="11382"/>
-                </a:lnTo>
-                <a:lnTo>
-                  <a:pt x="1220" y="11382"/>
-                </a:lnTo>
-                <a:cubicBezTo>
-                  <a:pt x="547" y="11382"/>
-                  <a:pt x="0" y="13340"/>
-                  <a:pt x="0" y="15748"/>
-                </a:cubicBezTo>
-                <a:lnTo>
-                  <a:pt x="0" y="17233"/>
-                </a:lnTo>
-                <a:cubicBezTo>
-                  <a:pt x="0" y="19642"/>
-                  <a:pt x="547" y="21600"/>
-                  <a:pt x="1220" y="21600"/>
-                </a:cubicBezTo>
-                <a:lnTo>
-                  <a:pt x="20385" y="21600"/>
-                </a:lnTo>
-                <a:cubicBezTo>
-                  <a:pt x="21058" y="21600"/>
-                  <a:pt x="21600" y="19642"/>
-                  <a:pt x="21600" y="17233"/>
-                </a:cubicBezTo>
-                <a:lnTo>
-                  <a:pt x="21600" y="15748"/>
-                </a:lnTo>
-                <a:cubicBezTo>
-                  <a:pt x="21600" y="13340"/>
-                  <a:pt x="21058" y="11382"/>
-                  <a:pt x="20385" y="11382"/>
-                </a:cubicBezTo>
-                <a:lnTo>
-                  <a:pt x="11542" y="11382"/>
-                </a:lnTo>
-                <a:lnTo>
-                  <a:pt x="10798" y="0"/>
-                </a:lnTo>
-                <a:close/>
-              </a:path>
-            </a:pathLst>
-          </a:custGeom>
-          <a:solidFill>
-            <a:schemeClr val="accent6">
-              <a:satOff val="21212"/>
-              <a:lumOff val="6862"/>
-            </a:schemeClr>
-          </a:solidFill>
-          <a:ln w="12700">
-            <a:miter lim="400000"/>
-          </a:ln>
-          <a:extLst>
-            <a:ext uri="{C572A759-6A51-4108-AA02-DFA0A04FC94B}">
-              <ma14:wrappingTextBoxFlag xmlns:ma14="http://schemas.microsoft.com/office/mac/drawingml/2011/main" val="1"/>
-            </a:ext>
-          </a:extLst>
-        </p:spPr>
-        <p:txBody>
-          <a:bodyPr lIns="0" tIns="0" rIns="0" bIns="0" anchor="ctr"/>
-          <a:lstStyle>
-            <a:lvl1pPr algn="ctr">
-              <a:lnSpc>
-                <a:spcPct val="80000"/>
-              </a:lnSpc>
-              <a:spcBef>
-                <a:spcPts val="0"/>
-              </a:spcBef>
-              <a:defRPr sz="1100">
-                <a:solidFill>
-                  <a:srgbClr val="FFFFFF"/>
-                </a:solidFill>
-              </a:defRPr>
-            </a:lvl1pPr>
-          </a:lstStyle>
-          <a:p>
-            <a:pPr/>
-            <a:r>
-              <a:t>earn is a double (numeric)</a:t>
-            </a:r>
-          </a:p>
-        </p:txBody>
-      </p:sp>
-      <p:sp>
-        <p:nvSpPr>
-          <p:cNvPr id="283" name="sex is a character"/>
-          <p:cNvSpPr/>
-          <p:nvPr/>
-        </p:nvSpPr>
-        <p:spPr>
-          <a:xfrm>
-            <a:off x="12630989" y="3627704"/>
-            <a:ext cx="855663" cy="606823"/>
-          </a:xfrm>
-          <a:custGeom>
-            <a:avLst/>
-            <a:gdLst/>
-            <a:ahLst/>
-            <a:cxnLst>
-              <a:cxn ang="0">
-                <a:pos x="wd2" y="hd2"/>
-              </a:cxn>
-              <a:cxn ang="5400000">
-                <a:pos x="wd2" y="hd2"/>
-              </a:cxn>
-              <a:cxn ang="10800000">
-                <a:pos x="wd2" y="hd2"/>
-              </a:cxn>
-              <a:cxn ang="16200000">
-                <a:pos x="wd2" y="hd2"/>
-              </a:cxn>
-            </a:cxnLst>
-            <a:rect l="0" t="0" r="r" b="b"/>
-            <a:pathLst>
-              <a:path w="21600" h="21600" fill="norm" stroke="1" extrusionOk="0">
-                <a:moveTo>
-                  <a:pt x="0" y="0"/>
-                </a:moveTo>
-                <a:lnTo>
-                  <a:pt x="5681" y="8730"/>
-                </a:lnTo>
-                <a:cubicBezTo>
-                  <a:pt x="5250" y="9351"/>
-                  <a:pt x="4989" y="10210"/>
-                  <a:pt x="4989" y="11146"/>
-                </a:cubicBezTo>
-                <a:lnTo>
-                  <a:pt x="4989" y="18167"/>
-                </a:lnTo>
-                <a:cubicBezTo>
-                  <a:pt x="4989" y="20068"/>
-                  <a:pt x="6086" y="21600"/>
-                  <a:pt x="7434" y="21600"/>
-                </a:cubicBezTo>
-                <a:lnTo>
-                  <a:pt x="19165" y="21600"/>
-                </a:lnTo>
-                <a:cubicBezTo>
-                  <a:pt x="20514" y="21600"/>
-                  <a:pt x="21600" y="20068"/>
-                  <a:pt x="21600" y="18167"/>
-                </a:cubicBezTo>
-                <a:lnTo>
-                  <a:pt x="21600" y="11146"/>
-                </a:lnTo>
-                <a:cubicBezTo>
-                  <a:pt x="21600" y="9245"/>
-                  <a:pt x="20514" y="7699"/>
-                  <a:pt x="19165" y="7699"/>
-                </a:cubicBezTo>
-                <a:lnTo>
-                  <a:pt x="10039" y="7699"/>
-                </a:lnTo>
-                <a:lnTo>
-                  <a:pt x="0" y="0"/>
-                </a:lnTo>
-                <a:close/>
-              </a:path>
-            </a:pathLst>
-          </a:custGeom>
-          <a:solidFill>
-            <a:schemeClr val="accent6">
-              <a:satOff val="21212"/>
-              <a:lumOff val="6862"/>
-            </a:schemeClr>
-          </a:solidFill>
-          <a:ln w="12700">
-            <a:miter lim="400000"/>
-          </a:ln>
-          <a:extLst>
-            <a:ext uri="{C572A759-6A51-4108-AA02-DFA0A04FC94B}">
-              <ma14:wrappingTextBoxFlag xmlns:ma14="http://schemas.microsoft.com/office/mac/drawingml/2011/main" val="1"/>
-            </a:ext>
-          </a:extLst>
-        </p:spPr>
-        <p:txBody>
-          <a:bodyPr lIns="0" tIns="0" rIns="0" bIns="0" anchor="ctr"/>
-          <a:lstStyle>
-            <a:lvl1pPr algn="ctr">
-              <a:lnSpc>
-                <a:spcPct val="80000"/>
-              </a:lnSpc>
-              <a:spcBef>
-                <a:spcPts val="0"/>
-              </a:spcBef>
-              <a:defRPr sz="1100">
-                <a:solidFill>
-                  <a:srgbClr val="FFFFFF"/>
-                </a:solidFill>
-              </a:defRPr>
-            </a:lvl1pPr>
-          </a:lstStyle>
-          <a:p>
-            <a:pPr/>
-            <a:r>
-              <a:t>sex is a character</a:t>
-            </a:r>
-          </a:p>
-        </p:txBody>
-      </p:sp>
-      <p:sp>
-        <p:nvSpPr>
-          <p:cNvPr id="284" name="age is an integer"/>
-          <p:cNvSpPr/>
-          <p:nvPr/>
-        </p:nvSpPr>
-        <p:spPr>
-          <a:xfrm>
-            <a:off x="12705998" y="3205616"/>
-            <a:ext cx="780654" cy="390526"/>
-          </a:xfrm>
-          <a:custGeom>
-            <a:avLst/>
-            <a:gdLst/>
-            <a:ahLst/>
-            <a:cxnLst>
-              <a:cxn ang="0">
-                <a:pos x="wd2" y="hd2"/>
-              </a:cxn>
-              <a:cxn ang="5400000">
-                <a:pos x="wd2" y="hd2"/>
-              </a:cxn>
-              <a:cxn ang="10800000">
-                <a:pos x="wd2" y="hd2"/>
-              </a:cxn>
-              <a:cxn ang="16200000">
-                <a:pos x="wd2" y="hd2"/>
-              </a:cxn>
-            </a:cxnLst>
-            <a:rect l="0" t="0" r="r" b="b"/>
-            <a:pathLst>
-              <a:path w="21600" h="21600" fill="norm" stroke="1" extrusionOk="0">
-                <a:moveTo>
-                  <a:pt x="6073" y="0"/>
-                </a:moveTo>
-                <a:cubicBezTo>
-                  <a:pt x="4595" y="0"/>
-                  <a:pt x="3393" y="2402"/>
-                  <a:pt x="3393" y="5356"/>
-                </a:cubicBezTo>
-                <a:lnTo>
-                  <a:pt x="3393" y="6629"/>
-                </a:lnTo>
-                <a:lnTo>
-                  <a:pt x="0" y="9439"/>
-                </a:lnTo>
-                <a:lnTo>
-                  <a:pt x="3393" y="13171"/>
-                </a:lnTo>
-                <a:lnTo>
-                  <a:pt x="3393" y="16266"/>
-                </a:lnTo>
-                <a:cubicBezTo>
-                  <a:pt x="3393" y="19220"/>
-                  <a:pt x="4595" y="21600"/>
-                  <a:pt x="6073" y="21600"/>
-                </a:cubicBezTo>
-                <a:lnTo>
-                  <a:pt x="18932" y="21600"/>
-                </a:lnTo>
-                <a:cubicBezTo>
-                  <a:pt x="20409" y="21600"/>
-                  <a:pt x="21600" y="19220"/>
-                  <a:pt x="21600" y="16266"/>
-                </a:cubicBezTo>
-                <a:lnTo>
-                  <a:pt x="21600" y="5356"/>
-                </a:lnTo>
-                <a:cubicBezTo>
-                  <a:pt x="21600" y="2402"/>
-                  <a:pt x="20409" y="0"/>
-                  <a:pt x="18932" y="0"/>
-                </a:cubicBezTo>
-                <a:lnTo>
-                  <a:pt x="6073" y="0"/>
-                </a:lnTo>
-                <a:close/>
-              </a:path>
-            </a:pathLst>
-          </a:custGeom>
-          <a:solidFill>
-            <a:schemeClr val="accent6">
-              <a:satOff val="21212"/>
-              <a:lumOff val="6862"/>
-            </a:schemeClr>
-          </a:solidFill>
-          <a:ln w="12700">
-            <a:miter lim="400000"/>
-          </a:ln>
-          <a:extLst>
-            <a:ext uri="{C572A759-6A51-4108-AA02-DFA0A04FC94B}">
-              <ma14:wrappingTextBoxFlag xmlns:ma14="http://schemas.microsoft.com/office/mac/drawingml/2011/main" val="1"/>
-            </a:ext>
-          </a:extLst>
-        </p:spPr>
-        <p:txBody>
-          <a:bodyPr lIns="0" tIns="0" rIns="0" bIns="0" anchor="ctr"/>
-          <a:lstStyle>
-            <a:lvl1pPr algn="ctr">
-              <a:lnSpc>
-                <a:spcPct val="80000"/>
-              </a:lnSpc>
-              <a:spcBef>
-                <a:spcPts val="0"/>
-              </a:spcBef>
-              <a:defRPr sz="1100">
-                <a:solidFill>
-                  <a:srgbClr val="FFFFFF"/>
-                </a:solidFill>
-              </a:defRPr>
-            </a:lvl1pPr>
-          </a:lstStyle>
-          <a:p>
-            <a:pPr/>
-            <a:r>
-              <a:t>age is an integer</a:t>
-            </a:r>
-          </a:p>
-        </p:txBody>
-      </p:sp>
-    </p:spTree>
-  </p:cSld>
-  <p:clrMapOvr>
-    <a:masterClrMapping/>
-  </p:clrMapOvr>
-  <p:transition xmlns:p14="http://schemas.microsoft.com/office/powerpoint/2010/main" spd="med" advClick="1"/>
-</p:sld>
-</file>
-
-<file path=ppt/slides/slide3.xml><?xml version="1.0" encoding="utf-8"?>
 <p:sld xmlns:a="http://schemas.openxmlformats.org/drawingml/2006/main" xmlns:r="http://schemas.openxmlformats.org/officeDocument/2006/relationships" xmlns:p="http://schemas.openxmlformats.org/presentationml/2006/main" showMasterSp="1" showMasterPhAnim="1">
   <p:cSld>
     <p:spTree>
@@ -18547,7 +10806,7 @@
       </p:grpSpPr>
       <p:pic>
         <p:nvPicPr>
-          <p:cNvPr id="286" name="Image" descr="Image"/>
+          <p:cNvPr id="206" name="Image" descr="Image"/>
           <p:cNvPicPr>
             <a:picLocks noChangeAspect="1"/>
           </p:cNvPicPr>
@@ -18576,7 +10835,7 @@
       </p:pic>
       <p:sp>
         <p:nvSpPr>
-          <p:cNvPr id="287" name="separate_rows(data, ..., sep = &quot;[^[:alnum:].]+&quot;, convert = FALSE)…"/>
+          <p:cNvPr id="207" name="separate_rows(data, ..., sep = &quot;[^[:alnum:].]+&quot;, convert = FALSE)…"/>
           <p:cNvSpPr txBox="1"/>
           <p:nvPr/>
         </p:nvSpPr>
@@ -18674,7 +10933,7 @@
       </p:sp>
       <p:sp>
         <p:nvSpPr>
-          <p:cNvPr id="288" name="Line"/>
+          <p:cNvPr id="208" name="Line"/>
           <p:cNvSpPr/>
           <p:nvPr/>
         </p:nvSpPr>
@@ -18717,7 +10976,7 @@
       </p:sp>
       <p:sp>
         <p:nvSpPr>
-          <p:cNvPr id="289" name="Line"/>
+          <p:cNvPr id="209" name="Line"/>
           <p:cNvSpPr/>
           <p:nvPr/>
         </p:nvSpPr>
@@ -18760,7 +11019,7 @@
       </p:sp>
       <p:sp>
         <p:nvSpPr>
-          <p:cNvPr id="290" name="Line"/>
+          <p:cNvPr id="210" name="Line"/>
           <p:cNvSpPr/>
           <p:nvPr/>
         </p:nvSpPr>
@@ -18803,7 +11062,7 @@
       </p:sp>
       <p:sp>
         <p:nvSpPr>
-          <p:cNvPr id="291" name="Handle Missing Values"/>
+          <p:cNvPr id="211" name="Handle Missing Values"/>
           <p:cNvSpPr txBox="1"/>
           <p:nvPr/>
         </p:nvSpPr>
@@ -18851,7 +11110,7 @@
       </p:sp>
       <p:sp>
         <p:nvSpPr>
-          <p:cNvPr id="292" name="Reshape Data - change the layout of values in a table"/>
+          <p:cNvPr id="212" name="Reshape Data - change the layout of values in a table"/>
           <p:cNvSpPr txBox="1"/>
           <p:nvPr/>
         </p:nvSpPr>
@@ -18903,7 +11162,7 @@
       </p:sp>
       <p:sp>
         <p:nvSpPr>
-          <p:cNvPr id="293" name="Line"/>
+          <p:cNvPr id="213" name="Line"/>
           <p:cNvSpPr/>
           <p:nvPr/>
         </p:nvSpPr>
@@ -18944,7 +11203,7 @@
       </p:sp>
       <p:sp>
         <p:nvSpPr>
-          <p:cNvPr id="294" name="gather(data, key, value, ..., na.rm = FALSE,…"/>
+          <p:cNvPr id="214" name="gather(data, key, value, ..., na.rm = FALSE,…"/>
           <p:cNvSpPr txBox="1"/>
           <p:nvPr/>
         </p:nvSpPr>
@@ -19030,7 +11289,7 @@
               </a:defRPr>
             </a:pPr>
             <a:r>
-              <a:t>Gather moves column names into a </a:t>
+              <a:t>gather() moves column names into a </a:t>
             </a:r>
             <a:r>
               <a:rPr>
@@ -19061,14 +11320,14 @@
       </p:sp>
       <p:sp>
         <p:nvSpPr>
-          <p:cNvPr id="295" name="spread(data, key, value, fill = NA, convert = FALSE, drop = TRUE, sep = NULL)…"/>
+          <p:cNvPr id="215" name="spread(data, key, value, fill = NA, convert = FALSE, drop = TRUE, sep = NULL)…"/>
           <p:cNvSpPr txBox="1"/>
           <p:nvPr/>
         </p:nvSpPr>
         <p:spPr>
           <a:xfrm>
-            <a:off x="6896735" y="3167136"/>
-            <a:ext cx="3333240" cy="1610541"/>
+            <a:off x="6845935" y="3167136"/>
+            <a:ext cx="3384040" cy="1610541"/>
           </a:xfrm>
           <a:prstGeom prst="rect">
             <a:avLst/>
@@ -19127,7 +11386,7 @@
               </a:defRPr>
             </a:pPr>
             <a:r>
-              <a:t>Spread moves the unique values of a </a:t>
+              <a:t>spread() moves the unique values of a </a:t>
             </a:r>
             <a:r>
               <a:rPr>
@@ -19158,7 +11417,7 @@
       </p:sp>
       <p:sp>
         <p:nvSpPr>
-          <p:cNvPr id="296" name="Use gather() and spread() to reorganize the values of a table into a new layout."/>
+          <p:cNvPr id="216" name="Use gather() and spread() to reorganize the values of a table into a new layout."/>
           <p:cNvSpPr txBox="1"/>
           <p:nvPr/>
         </p:nvSpPr>
@@ -19220,7 +11479,7 @@
       </p:sp>
       <p:sp>
         <p:nvSpPr>
-          <p:cNvPr id="297" name="gather(table4a, `1999`, `2000`,…"/>
+          <p:cNvPr id="217" name="gather(table4a, `1999`, `2000`,…"/>
           <p:cNvSpPr txBox="1"/>
           <p:nvPr/>
         </p:nvSpPr>
@@ -19286,7 +11545,7 @@
       </p:sp>
       <p:sp>
         <p:nvSpPr>
-          <p:cNvPr id="298" name="spread(table2, type, count)"/>
+          <p:cNvPr id="218" name="spread(table2, type, count)"/>
           <p:cNvSpPr txBox="1"/>
           <p:nvPr/>
         </p:nvSpPr>
@@ -19336,7 +11595,7 @@
       </p:sp>
       <p:grpSp>
         <p:nvGrpSpPr>
-          <p:cNvPr id="306" name="Group"/>
+          <p:cNvPr id="226" name="Group"/>
           <p:cNvGrpSpPr/>
           <p:nvPr/>
         </p:nvGrpSpPr>
@@ -19350,7 +11609,7 @@
         </p:grpSpPr>
         <p:sp>
           <p:nvSpPr>
-            <p:cNvPr id="299" name="value"/>
+            <p:cNvPr id="219" name="value"/>
             <p:cNvSpPr txBox="1"/>
             <p:nvPr/>
           </p:nvSpPr>
@@ -19404,7 +11663,7 @@
         </p:sp>
         <p:sp>
           <p:nvSpPr>
-            <p:cNvPr id="300" name="key"/>
+            <p:cNvPr id="220" name="key"/>
             <p:cNvSpPr txBox="1"/>
             <p:nvPr/>
           </p:nvSpPr>
@@ -19454,7 +11713,7 @@
         </p:sp>
         <p:grpSp>
           <p:nvGrpSpPr>
-            <p:cNvPr id="305" name="Group"/>
+            <p:cNvPr id="225" name="Group"/>
             <p:cNvGrpSpPr/>
             <p:nvPr/>
           </p:nvGrpSpPr>
@@ -19468,7 +11727,7 @@
           </p:grpSpPr>
           <p:graphicFrame>
             <p:nvGraphicFramePr>
-              <p:cNvPr id="301" name="Table"/>
+              <p:cNvPr id="221" name="Table"/>
               <p:cNvGraphicFramePr/>
               <p:nvPr/>
             </p:nvGraphicFramePr>
@@ -19858,7 +12117,7 @@
           </p:graphicFrame>
           <p:sp>
             <p:nvSpPr>
-              <p:cNvPr id="302" name="Line"/>
+              <p:cNvPr id="222" name="Line"/>
               <p:cNvSpPr/>
               <p:nvPr/>
             </p:nvSpPr>
@@ -19916,7 +12175,7 @@
           </p:sp>
           <p:sp>
             <p:nvSpPr>
-              <p:cNvPr id="303" name="table4a"/>
+              <p:cNvPr id="223" name="table4a"/>
               <p:cNvSpPr txBox="1"/>
               <p:nvPr/>
             </p:nvSpPr>
@@ -19966,7 +12225,7 @@
           </p:sp>
           <p:graphicFrame>
             <p:nvGraphicFramePr>
-              <p:cNvPr id="304" name="Table"/>
+              <p:cNvPr id="224" name="Table"/>
               <p:cNvGraphicFramePr/>
               <p:nvPr/>
             </p:nvGraphicFramePr>
@@ -20613,7 +12872,7 @@
       </p:grpSp>
       <p:grpSp>
         <p:nvGrpSpPr>
-          <p:cNvPr id="314" name="Group"/>
+          <p:cNvPr id="234" name="Group"/>
           <p:cNvGrpSpPr/>
           <p:nvPr/>
         </p:nvGrpSpPr>
@@ -20627,7 +12886,7 @@
         </p:grpSpPr>
         <p:sp>
           <p:nvSpPr>
-            <p:cNvPr id="307" name="value"/>
+            <p:cNvPr id="227" name="value"/>
             <p:cNvSpPr txBox="1"/>
             <p:nvPr/>
           </p:nvSpPr>
@@ -20681,7 +12940,7 @@
         </p:sp>
         <p:sp>
           <p:nvSpPr>
-            <p:cNvPr id="308" name="key"/>
+            <p:cNvPr id="228" name="key"/>
             <p:cNvSpPr txBox="1"/>
             <p:nvPr/>
           </p:nvSpPr>
@@ -20731,7 +12990,7 @@
         </p:sp>
         <p:grpSp>
           <p:nvGrpSpPr>
-            <p:cNvPr id="313" name="Group"/>
+            <p:cNvPr id="233" name="Group"/>
             <p:cNvGrpSpPr/>
             <p:nvPr/>
           </p:nvGrpSpPr>
@@ -20745,7 +13004,7 @@
           </p:grpSpPr>
           <p:graphicFrame>
             <p:nvGraphicFramePr>
-              <p:cNvPr id="309" name="Table"/>
+              <p:cNvPr id="229" name="Table"/>
               <p:cNvGraphicFramePr/>
               <p:nvPr/>
             </p:nvGraphicFramePr>
@@ -21573,7 +13832,7 @@
           </p:graphicFrame>
           <p:sp>
             <p:nvSpPr>
-              <p:cNvPr id="310" name="table2"/>
+              <p:cNvPr id="230" name="table2"/>
               <p:cNvSpPr txBox="1"/>
               <p:nvPr/>
             </p:nvSpPr>
@@ -21623,7 +13882,7 @@
           </p:sp>
           <p:sp>
             <p:nvSpPr>
-              <p:cNvPr id="311" name="Line"/>
+              <p:cNvPr id="231" name="Line"/>
               <p:cNvSpPr/>
               <p:nvPr/>
             </p:nvSpPr>
@@ -21681,7 +13940,7 @@
           </p:sp>
           <p:graphicFrame>
             <p:nvGraphicFramePr>
-              <p:cNvPr id="312" name="Table"/>
+              <p:cNvPr id="232" name="Table"/>
               <p:cNvGraphicFramePr/>
               <p:nvPr/>
             </p:nvGraphicFramePr>
@@ -23165,7 +15424,7 @@
       </p:grpSp>
       <p:sp>
         <p:nvSpPr>
-          <p:cNvPr id="315" name="unite(data, col, ..., sep = &quot;_&quot;, remove = TRUE)…"/>
+          <p:cNvPr id="235" name="unite(data, col, ..., sep = &quot;_&quot;, remove = TRUE)…"/>
           <p:cNvSpPr txBox="1"/>
           <p:nvPr/>
         </p:nvSpPr>
@@ -23235,7 +15494,7 @@
       </p:sp>
       <p:sp>
         <p:nvSpPr>
-          <p:cNvPr id="316" name="drop_na(data, ...)…"/>
+          <p:cNvPr id="236" name="drop_na(data, ...)…"/>
           <p:cNvSpPr txBox="1"/>
           <p:nvPr/>
         </p:nvSpPr>
@@ -23308,7 +15567,7 @@
       </p:sp>
       <p:sp>
         <p:nvSpPr>
-          <p:cNvPr id="317" name="fill(data, ..., .direction = c(&quot;down&quot;, &quot;up&quot;))…"/>
+          <p:cNvPr id="237" name="fill(data, ..., .direction = c(&quot;down&quot;, &quot;up&quot;))…"/>
           <p:cNvSpPr txBox="1"/>
           <p:nvPr/>
         </p:nvSpPr>
@@ -23375,7 +15634,7 @@
       </p:sp>
       <p:sp>
         <p:nvSpPr>
-          <p:cNvPr id="318" name="replace_na(data,…"/>
+          <p:cNvPr id="238" name="replace_na(data,…"/>
           <p:cNvSpPr txBox="1"/>
           <p:nvPr/>
         </p:nvSpPr>
@@ -23462,7 +15721,7 @@
       </p:sp>
       <p:sp>
         <p:nvSpPr>
-          <p:cNvPr id="319" name="Use these functions to split or combine cells into individual, isolated values."/>
+          <p:cNvPr id="239" name="Use these functions to split or combine cells into individual, isolated values."/>
           <p:cNvSpPr txBox="1"/>
           <p:nvPr/>
         </p:nvSpPr>
@@ -23512,7 +15771,7 @@
       </p:sp>
       <p:grpSp>
         <p:nvGrpSpPr>
-          <p:cNvPr id="324" name="Group"/>
+          <p:cNvPr id="244" name="Group"/>
           <p:cNvGrpSpPr/>
           <p:nvPr/>
         </p:nvGrpSpPr>
@@ -23526,7 +15785,7 @@
         </p:grpSpPr>
         <p:graphicFrame>
           <p:nvGraphicFramePr>
-            <p:cNvPr id="320" name="Table"/>
+            <p:cNvPr id="240" name="Table"/>
             <p:cNvGraphicFramePr/>
             <p:nvPr/>
           </p:nvGraphicFramePr>
@@ -24240,7 +16499,7 @@
         </p:graphicFrame>
         <p:graphicFrame>
           <p:nvGraphicFramePr>
-            <p:cNvPr id="321" name="Table"/>
+            <p:cNvPr id="241" name="Table"/>
             <p:cNvGraphicFramePr/>
             <p:nvPr/>
           </p:nvGraphicFramePr>
@@ -25072,7 +17331,7 @@
         </p:graphicFrame>
         <p:sp>
           <p:nvSpPr>
-            <p:cNvPr id="322" name="Line"/>
+            <p:cNvPr id="242" name="Line"/>
             <p:cNvSpPr/>
             <p:nvPr/>
           </p:nvSpPr>
@@ -25130,7 +17389,7 @@
         </p:sp>
         <p:sp>
           <p:nvSpPr>
-            <p:cNvPr id="323" name="table3"/>
+            <p:cNvPr id="243" name="table3"/>
             <p:cNvSpPr txBox="1"/>
             <p:nvPr/>
           </p:nvSpPr>
@@ -25181,7 +17440,7 @@
       </p:grpSp>
       <p:sp>
         <p:nvSpPr>
-          <p:cNvPr id="325" name="separate(data, col, into,  sep = &quot;[^[:alnum:]]+&quot;, remove = TRUE, convert = FALSE,…"/>
+          <p:cNvPr id="245" name="separate(data, col, into,  sep = &quot;[^[:alnum:]]+&quot;, remove = TRUE, convert = FALSE,…"/>
           <p:cNvSpPr txBox="1"/>
           <p:nvPr/>
         </p:nvSpPr>
@@ -25225,12 +17484,8 @@
               <a:t>separate(</a:t>
             </a:r>
             <a:r>
-              <a:rPr sz="1200"/>
-              <a:t>d</a:t>
-            </a:r>
-            <a:r>
               <a:rPr b="0" sz="1200"/>
-              <a:t>ata, col, into,  sep = "[^[:alnum:]]+", remove = TRUE, convert = FALSE, </a:t>
+              <a:t>data, col, into,  sep = "[^[:alnum:]]+", remove = TRUE, convert = FALSE, </a:t>
             </a:r>
             <a:endParaRPr b="0" sz="1200"/>
           </a:p>
@@ -25278,7 +17533,7 @@
       </p:sp>
       <p:grpSp>
         <p:nvGrpSpPr>
-          <p:cNvPr id="330" name="Group"/>
+          <p:cNvPr id="250" name="Group"/>
           <p:cNvGrpSpPr/>
           <p:nvPr/>
         </p:nvGrpSpPr>
@@ -25292,7 +17547,7 @@
         </p:grpSpPr>
         <p:graphicFrame>
           <p:nvGraphicFramePr>
-            <p:cNvPr id="326" name="Table"/>
+            <p:cNvPr id="246" name="Table"/>
             <p:cNvGraphicFramePr/>
             <p:nvPr/>
           </p:nvGraphicFramePr>
@@ -25944,7 +18199,7 @@
         </p:graphicFrame>
         <p:graphicFrame>
           <p:nvGraphicFramePr>
-            <p:cNvPr id="327" name="Table"/>
+            <p:cNvPr id="247" name="Table"/>
             <p:cNvGraphicFramePr/>
             <p:nvPr/>
           </p:nvGraphicFramePr>
@@ -26430,7 +18685,7 @@
         </p:graphicFrame>
         <p:sp>
           <p:nvSpPr>
-            <p:cNvPr id="328" name="Line"/>
+            <p:cNvPr id="248" name="Line"/>
             <p:cNvSpPr/>
             <p:nvPr/>
           </p:nvSpPr>
@@ -26488,7 +18743,7 @@
         </p:sp>
         <p:sp>
           <p:nvSpPr>
-            <p:cNvPr id="329" name="table5"/>
+            <p:cNvPr id="249" name="table5"/>
             <p:cNvSpPr txBox="1"/>
             <p:nvPr/>
           </p:nvSpPr>
@@ -26539,7 +18794,7 @@
       </p:grpSp>
       <p:sp>
         <p:nvSpPr>
-          <p:cNvPr id="331" name="separate(table3, rate,…"/>
+          <p:cNvPr id="251" name="separate(table3, rate,…"/>
           <p:cNvSpPr txBox="1"/>
           <p:nvPr/>
         </p:nvSpPr>
@@ -26605,7 +18860,7 @@
       </p:sp>
       <p:sp>
         <p:nvSpPr>
-          <p:cNvPr id="332" name="separate_rows(table3, rate)"/>
+          <p:cNvPr id="252" name="separate_rows(table3, rate)"/>
           <p:cNvSpPr txBox="1"/>
           <p:nvPr/>
         </p:nvSpPr>
@@ -26655,7 +18910,7 @@
       </p:sp>
       <p:sp>
         <p:nvSpPr>
-          <p:cNvPr id="333" name="unite(table5, century, year,…"/>
+          <p:cNvPr id="253" name="unite(table5, century, year,…"/>
           <p:cNvSpPr txBox="1"/>
           <p:nvPr/>
         </p:nvSpPr>
@@ -26721,7 +18976,7 @@
       </p:sp>
       <p:grpSp>
         <p:nvGrpSpPr>
-          <p:cNvPr id="338" name="Group"/>
+          <p:cNvPr id="258" name="Group"/>
           <p:cNvGrpSpPr/>
           <p:nvPr/>
         </p:nvGrpSpPr>
@@ -26735,7 +18990,7 @@
         </p:grpSpPr>
         <p:graphicFrame>
           <p:nvGraphicFramePr>
-            <p:cNvPr id="334" name="Table"/>
+            <p:cNvPr id="254" name="Table"/>
             <p:cNvGraphicFramePr/>
             <p:nvPr/>
           </p:nvGraphicFramePr>
@@ -27092,7 +19347,7 @@
         </p:graphicFrame>
         <p:graphicFrame>
           <p:nvGraphicFramePr>
-            <p:cNvPr id="335" name="Table"/>
+            <p:cNvPr id="255" name="Table"/>
             <p:cNvGraphicFramePr/>
             <p:nvPr/>
           </p:nvGraphicFramePr>
@@ -27284,7 +19539,7 @@
         </p:graphicFrame>
         <p:sp>
           <p:nvSpPr>
-            <p:cNvPr id="336" name="Line"/>
+            <p:cNvPr id="256" name="Line"/>
             <p:cNvSpPr/>
             <p:nvPr/>
           </p:nvSpPr>
@@ -27342,7 +19597,7 @@
         </p:sp>
         <p:sp>
           <p:nvSpPr>
-            <p:cNvPr id="337" name="x"/>
+            <p:cNvPr id="257" name="x"/>
             <p:cNvSpPr txBox="1"/>
             <p:nvPr/>
           </p:nvSpPr>
@@ -27393,7 +19648,7 @@
       </p:grpSp>
       <p:grpSp>
         <p:nvGrpSpPr>
-          <p:cNvPr id="343" name="Group"/>
+          <p:cNvPr id="263" name="Group"/>
           <p:cNvGrpSpPr/>
           <p:nvPr/>
         </p:nvGrpSpPr>
@@ -27407,7 +19662,7 @@
         </p:grpSpPr>
         <p:graphicFrame>
           <p:nvGraphicFramePr>
-            <p:cNvPr id="339" name="Table"/>
+            <p:cNvPr id="259" name="Table"/>
             <p:cNvGraphicFramePr/>
             <p:nvPr/>
           </p:nvGraphicFramePr>
@@ -27764,7 +20019,7 @@
         </p:graphicFrame>
         <p:graphicFrame>
           <p:nvGraphicFramePr>
-            <p:cNvPr id="340" name="Table"/>
+            <p:cNvPr id="260" name="Table"/>
             <p:cNvGraphicFramePr/>
             <p:nvPr/>
           </p:nvGraphicFramePr>
@@ -28130,7 +20385,7 @@
         </p:graphicFrame>
         <p:sp>
           <p:nvSpPr>
-            <p:cNvPr id="341" name="x"/>
+            <p:cNvPr id="261" name="x"/>
             <p:cNvSpPr txBox="1"/>
             <p:nvPr/>
           </p:nvSpPr>
@@ -28180,7 +20435,7 @@
         </p:sp>
         <p:sp>
           <p:nvSpPr>
-            <p:cNvPr id="342" name="Line"/>
+            <p:cNvPr id="262" name="Line"/>
             <p:cNvSpPr/>
             <p:nvPr/>
           </p:nvSpPr>
@@ -28239,7 +20494,7 @@
       </p:grpSp>
       <p:grpSp>
         <p:nvGrpSpPr>
-          <p:cNvPr id="348" name="Group"/>
+          <p:cNvPr id="268" name="Group"/>
           <p:cNvGrpSpPr/>
           <p:nvPr/>
         </p:nvGrpSpPr>
@@ -28253,7 +20508,7 @@
         </p:grpSpPr>
         <p:graphicFrame>
           <p:nvGraphicFramePr>
-            <p:cNvPr id="344" name="Table"/>
+            <p:cNvPr id="264" name="Table"/>
             <p:cNvGraphicFramePr/>
             <p:nvPr/>
           </p:nvGraphicFramePr>
@@ -28610,7 +20865,7 @@
         </p:graphicFrame>
         <p:graphicFrame>
           <p:nvGraphicFramePr>
-            <p:cNvPr id="345" name="Table"/>
+            <p:cNvPr id="265" name="Table"/>
             <p:cNvGraphicFramePr/>
             <p:nvPr/>
           </p:nvGraphicFramePr>
@@ -28976,7 +21231,7 @@
         </p:graphicFrame>
         <p:sp>
           <p:nvSpPr>
-            <p:cNvPr id="346" name="x"/>
+            <p:cNvPr id="266" name="x"/>
             <p:cNvSpPr txBox="1"/>
             <p:nvPr/>
           </p:nvSpPr>
@@ -29026,7 +21281,7 @@
         </p:sp>
         <p:sp>
           <p:nvSpPr>
-            <p:cNvPr id="347" name="Line"/>
+            <p:cNvPr id="267" name="Line"/>
             <p:cNvSpPr/>
             <p:nvPr/>
           </p:nvSpPr>
@@ -29085,7 +21340,7 @@
       </p:grpSp>
       <p:sp>
         <p:nvSpPr>
-          <p:cNvPr id="349" name="drop_na(x, x2)"/>
+          <p:cNvPr id="269" name="drop_na(x, x2)"/>
           <p:cNvSpPr txBox="1"/>
           <p:nvPr/>
         </p:nvSpPr>
@@ -29135,7 +21390,7 @@
       </p:sp>
       <p:sp>
         <p:nvSpPr>
-          <p:cNvPr id="350" name="fill(x, x2)"/>
+          <p:cNvPr id="270" name="fill(x, x2)"/>
           <p:cNvSpPr txBox="1"/>
           <p:nvPr/>
         </p:nvSpPr>
@@ -29185,7 +21440,7 @@
       </p:sp>
       <p:sp>
         <p:nvSpPr>
-          <p:cNvPr id="351" name="replace_na(x, list(x2 = 2))"/>
+          <p:cNvPr id="271" name="replace_na(x, list(x2 = 2))"/>
           <p:cNvSpPr txBox="1"/>
           <p:nvPr/>
         </p:nvSpPr>
@@ -29235,7 +21490,7 @@
       </p:sp>
       <p:grpSp>
         <p:nvGrpSpPr>
-          <p:cNvPr id="356" name="Group"/>
+          <p:cNvPr id="276" name="Group"/>
           <p:cNvGrpSpPr/>
           <p:nvPr/>
         </p:nvGrpSpPr>
@@ -29249,7 +21504,7 @@
         </p:grpSpPr>
         <p:graphicFrame>
           <p:nvGraphicFramePr>
-            <p:cNvPr id="352" name="Table"/>
+            <p:cNvPr id="272" name="Table"/>
             <p:cNvGraphicFramePr/>
             <p:nvPr/>
           </p:nvGraphicFramePr>
@@ -30341,7 +22596,7 @@
         </p:graphicFrame>
         <p:sp>
           <p:nvSpPr>
-            <p:cNvPr id="353" name="Line"/>
+            <p:cNvPr id="273" name="Line"/>
             <p:cNvSpPr/>
             <p:nvPr/>
           </p:nvSpPr>
@@ -30399,7 +22654,7 @@
         </p:sp>
         <p:sp>
           <p:nvSpPr>
-            <p:cNvPr id="354" name="table3"/>
+            <p:cNvPr id="274" name="table3"/>
             <p:cNvSpPr txBox="1"/>
             <p:nvPr/>
           </p:nvSpPr>
@@ -30449,7 +22704,7 @@
         </p:sp>
         <p:graphicFrame>
           <p:nvGraphicFramePr>
-            <p:cNvPr id="355" name="Table"/>
+            <p:cNvPr id="275" name="Table"/>
             <p:cNvGraphicFramePr/>
             <p:nvPr/>
           </p:nvGraphicFramePr>
@@ -31164,7 +23419,7 @@
       </p:grpSp>
       <p:sp>
         <p:nvSpPr>
-          <p:cNvPr id="357" name="Tidy data is a way to organize tabular data. It provides a consistent data structure across packages."/>
+          <p:cNvPr id="277" name="Tidy data is a way to organize tabular data. It provides a consistent data structure across packages."/>
           <p:cNvSpPr txBox="1"/>
           <p:nvPr/>
         </p:nvSpPr>
@@ -31237,7 +23492,7 @@
       </p:sp>
       <p:grpSp>
         <p:nvGrpSpPr>
-          <p:cNvPr id="366" name="Group"/>
+          <p:cNvPr id="286" name="Group"/>
           <p:cNvGrpSpPr/>
           <p:nvPr/>
         </p:nvGrpSpPr>
@@ -31251,7 +23506,7 @@
         </p:grpSpPr>
         <p:graphicFrame>
           <p:nvGraphicFramePr>
-            <p:cNvPr id="358" name="Table"/>
+            <p:cNvPr id="278" name="Table"/>
             <p:cNvGraphicFramePr/>
             <p:nvPr/>
           </p:nvGraphicFramePr>
@@ -31373,7 +23628,7 @@
         </p:graphicFrame>
         <p:graphicFrame>
           <p:nvGraphicFramePr>
-            <p:cNvPr id="359" name="Table"/>
+            <p:cNvPr id="279" name="Table"/>
             <p:cNvGraphicFramePr/>
             <p:nvPr/>
           </p:nvGraphicFramePr>
@@ -31495,7 +23750,7 @@
         </p:graphicFrame>
         <p:graphicFrame>
           <p:nvGraphicFramePr>
-            <p:cNvPr id="360" name="Table"/>
+            <p:cNvPr id="280" name="Table"/>
             <p:cNvGraphicFramePr/>
             <p:nvPr/>
           </p:nvGraphicFramePr>
@@ -31617,7 +23872,7 @@
         </p:graphicFrame>
         <p:sp>
           <p:nvSpPr>
-            <p:cNvPr id="361" name="A * B -&gt; C"/>
+            <p:cNvPr id="281" name="A * B -&gt; C"/>
             <p:cNvSpPr txBox="1"/>
             <p:nvPr/>
           </p:nvSpPr>
@@ -31671,7 +23926,7 @@
         </p:sp>
         <p:sp>
           <p:nvSpPr>
-            <p:cNvPr id="362" name="*"/>
+            <p:cNvPr id="282" name="*"/>
             <p:cNvSpPr txBox="1"/>
             <p:nvPr/>
           </p:nvSpPr>
@@ -31725,7 +23980,7 @@
         </p:sp>
         <p:sp>
           <p:nvSpPr>
-            <p:cNvPr id="363" name="Arrow"/>
+            <p:cNvPr id="283" name="Arrow"/>
             <p:cNvSpPr/>
             <p:nvPr/>
           </p:nvSpPr>
@@ -31783,7 +24038,7 @@
         </p:sp>
         <p:sp>
           <p:nvSpPr>
-            <p:cNvPr id="364" name="Arrow"/>
+            <p:cNvPr id="284" name="Arrow"/>
             <p:cNvSpPr/>
             <p:nvPr/>
           </p:nvSpPr>
@@ -31841,7 +24096,7 @@
         </p:sp>
         <p:sp>
           <p:nvSpPr>
-            <p:cNvPr id="365" name="Arrow"/>
+            <p:cNvPr id="285" name="Arrow"/>
             <p:cNvSpPr/>
             <p:nvPr/>
           </p:nvSpPr>
@@ -31900,7 +24155,7 @@
       </p:grpSp>
       <p:grpSp>
         <p:nvGrpSpPr>
-          <p:cNvPr id="373" name="Group"/>
+          <p:cNvPr id="293" name="Group"/>
           <p:cNvGrpSpPr/>
           <p:nvPr/>
         </p:nvGrpSpPr>
@@ -31914,7 +24169,7 @@
         </p:grpSpPr>
         <p:grpSp>
           <p:nvGrpSpPr>
-            <p:cNvPr id="369" name="Group"/>
+            <p:cNvPr id="289" name="Group"/>
             <p:cNvGrpSpPr/>
             <p:nvPr/>
           </p:nvGrpSpPr>
@@ -31928,7 +24183,7 @@
           </p:grpSpPr>
           <p:sp>
             <p:nvSpPr>
-              <p:cNvPr id="367" name="Square"/>
+              <p:cNvPr id="287" name="Square"/>
               <p:cNvSpPr/>
               <p:nvPr/>
             </p:nvSpPr>
@@ -31986,7 +24241,7 @@
           </p:sp>
           <p:graphicFrame>
             <p:nvGraphicFramePr>
-              <p:cNvPr id="368" name="Table"/>
+              <p:cNvPr id="288" name="Table"/>
               <p:cNvGraphicFramePr/>
               <p:nvPr/>
             </p:nvGraphicFramePr>
@@ -32293,7 +24548,7 @@
         </p:grpSp>
         <p:sp>
           <p:nvSpPr>
-            <p:cNvPr id="370" name="Rounded Rectangle"/>
+            <p:cNvPr id="290" name="Rounded Rectangle"/>
             <p:cNvSpPr/>
             <p:nvPr/>
           </p:nvSpPr>
@@ -32341,7 +24596,7 @@
         </p:sp>
         <p:sp>
           <p:nvSpPr>
-            <p:cNvPr id="371" name="Rounded Rectangle"/>
+            <p:cNvPr id="291" name="Rounded Rectangle"/>
             <p:cNvSpPr/>
             <p:nvPr/>
           </p:nvSpPr>
@@ -32389,7 +24644,7 @@
         </p:sp>
         <p:sp>
           <p:nvSpPr>
-            <p:cNvPr id="372" name="Rounded Rectangle"/>
+            <p:cNvPr id="292" name="Rounded Rectangle"/>
             <p:cNvSpPr/>
             <p:nvPr/>
           </p:nvSpPr>
@@ -32438,7 +24693,7 @@
       </p:grpSp>
       <p:sp>
         <p:nvSpPr>
-          <p:cNvPr id="374" name="Each observation, or case,  is in its own row"/>
+          <p:cNvPr id="294" name="Each observation, or case,  is in its own row"/>
           <p:cNvSpPr txBox="1"/>
           <p:nvPr/>
         </p:nvSpPr>
@@ -32507,7 +24762,7 @@
       </p:sp>
       <p:grpSp>
         <p:nvGrpSpPr>
-          <p:cNvPr id="380" name="Group"/>
+          <p:cNvPr id="300" name="Group"/>
           <p:cNvGrpSpPr/>
           <p:nvPr/>
         </p:nvGrpSpPr>
@@ -32521,7 +24776,7 @@
         </p:grpSpPr>
         <p:sp>
           <p:nvSpPr>
-            <p:cNvPr id="375" name="Square"/>
+            <p:cNvPr id="295" name="Square"/>
             <p:cNvSpPr/>
             <p:nvPr/>
           </p:nvSpPr>
@@ -32579,7 +24834,7 @@
         </p:sp>
         <p:graphicFrame>
           <p:nvGraphicFramePr>
-            <p:cNvPr id="376" name="Table"/>
+            <p:cNvPr id="296" name="Table"/>
             <p:cNvGraphicFramePr/>
             <p:nvPr/>
           </p:nvGraphicFramePr>
@@ -32885,7 +25140,7 @@
         </p:graphicFrame>
         <p:sp>
           <p:nvSpPr>
-            <p:cNvPr id="377" name="Line"/>
+            <p:cNvPr id="297" name="Line"/>
             <p:cNvSpPr/>
             <p:nvPr/>
           </p:nvSpPr>
@@ -32944,7 +25199,7 @@
         </p:sp>
         <p:sp>
           <p:nvSpPr>
-            <p:cNvPr id="378" name="Line"/>
+            <p:cNvPr id="298" name="Line"/>
             <p:cNvSpPr/>
             <p:nvPr/>
           </p:nvSpPr>
@@ -33003,7 +25258,7 @@
         </p:sp>
         <p:sp>
           <p:nvSpPr>
-            <p:cNvPr id="379" name="Line"/>
+            <p:cNvPr id="299" name="Line"/>
             <p:cNvSpPr/>
             <p:nvPr/>
           </p:nvSpPr>
@@ -33063,7 +25318,7 @@
       </p:grpSp>
       <p:sp>
         <p:nvSpPr>
-          <p:cNvPr id="381" name="Each variable is in its own column"/>
+          <p:cNvPr id="301" name="Each variable is in its own column"/>
           <p:cNvSpPr txBox="1"/>
           <p:nvPr/>
         </p:nvSpPr>
@@ -33125,7 +25380,7 @@
       </p:sp>
       <p:grpSp>
         <p:nvGrpSpPr>
-          <p:cNvPr id="387" name="Group"/>
+          <p:cNvPr id="307" name="Group"/>
           <p:cNvGrpSpPr/>
           <p:nvPr/>
         </p:nvGrpSpPr>
@@ -33139,7 +25394,7 @@
         </p:grpSpPr>
         <p:sp>
           <p:nvSpPr>
-            <p:cNvPr id="382" name="Square"/>
+            <p:cNvPr id="302" name="Square"/>
             <p:cNvSpPr/>
             <p:nvPr/>
           </p:nvSpPr>
@@ -33197,7 +25452,7 @@
         </p:sp>
         <p:graphicFrame>
           <p:nvGraphicFramePr>
-            <p:cNvPr id="383" name="Table"/>
+            <p:cNvPr id="303" name="Table"/>
             <p:cNvGraphicFramePr/>
             <p:nvPr/>
           </p:nvGraphicFramePr>
@@ -33503,7 +25758,7 @@
         </p:graphicFrame>
         <p:sp>
           <p:nvSpPr>
-            <p:cNvPr id="384" name="Line"/>
+            <p:cNvPr id="304" name="Line"/>
             <p:cNvSpPr/>
             <p:nvPr/>
           </p:nvSpPr>
@@ -33552,7 +25807,7 @@
         </p:sp>
         <p:sp>
           <p:nvSpPr>
-            <p:cNvPr id="385" name="Line"/>
+            <p:cNvPr id="305" name="Line"/>
             <p:cNvSpPr/>
             <p:nvPr/>
           </p:nvSpPr>
@@ -33601,7 +25856,7 @@
         </p:sp>
         <p:sp>
           <p:nvSpPr>
-            <p:cNvPr id="386" name="Line"/>
+            <p:cNvPr id="306" name="Line"/>
             <p:cNvSpPr/>
             <p:nvPr/>
           </p:nvSpPr>
@@ -33651,7 +25906,7 @@
       </p:grpSp>
       <p:sp>
         <p:nvSpPr>
-          <p:cNvPr id="388" name="&amp;"/>
+          <p:cNvPr id="308" name="&amp;"/>
           <p:cNvSpPr txBox="1"/>
           <p:nvPr/>
         </p:nvSpPr>
@@ -33702,7 +25957,7 @@
       </p:sp>
       <p:sp>
         <p:nvSpPr>
-          <p:cNvPr id="389" name="A table is tidy if:"/>
+          <p:cNvPr id="309" name="A table is tidy if:"/>
           <p:cNvSpPr txBox="1"/>
           <p:nvPr/>
         </p:nvSpPr>
@@ -33768,7 +26023,7 @@
       </p:sp>
       <p:sp>
         <p:nvSpPr>
-          <p:cNvPr id="390" name="Tidy data:"/>
+          <p:cNvPr id="310" name="Tidy data:"/>
           <p:cNvSpPr txBox="1"/>
           <p:nvPr/>
         </p:nvSpPr>
@@ -33834,7 +26089,7 @@
       </p:sp>
       <p:sp>
         <p:nvSpPr>
-          <p:cNvPr id="391" name="Makes variables easy to access as vectors"/>
+          <p:cNvPr id="311" name="Makes variables easy to access as vectors"/>
           <p:cNvSpPr txBox="1"/>
           <p:nvPr/>
         </p:nvSpPr>
@@ -33885,7 +26140,7 @@
       </p:sp>
       <p:sp>
         <p:nvSpPr>
-          <p:cNvPr id="392" name="Preserves cases during vectorized operations"/>
+          <p:cNvPr id="312" name="Preserves cases during vectorized operations"/>
           <p:cNvSpPr txBox="1"/>
           <p:nvPr/>
         </p:nvSpPr>
@@ -33936,7 +26191,7 @@
       </p:sp>
       <p:sp>
         <p:nvSpPr>
-          <p:cNvPr id="393" name="Rounded Rectangle"/>
+          <p:cNvPr id="313" name="Rounded Rectangle"/>
           <p:cNvSpPr/>
           <p:nvPr/>
         </p:nvSpPr>
@@ -33980,7 +26235,7 @@
       </p:sp>
       <p:sp>
         <p:nvSpPr>
-          <p:cNvPr id="394" name="complete(data, ..., fill = list())…"/>
+          <p:cNvPr id="314" name="complete(data, ..., fill = list())…"/>
           <p:cNvSpPr txBox="1"/>
           <p:nvPr/>
         </p:nvSpPr>
@@ -34082,7 +26337,7 @@
       </p:sp>
       <p:sp>
         <p:nvSpPr>
-          <p:cNvPr id="395" name="expand(data, ...)…"/>
+          <p:cNvPr id="315" name="expand(data, ...)…"/>
           <p:cNvSpPr txBox="1"/>
           <p:nvPr/>
         </p:nvSpPr>
@@ -34196,7 +26451,7 @@
       </p:sp>
       <p:sp>
         <p:nvSpPr>
-          <p:cNvPr id="396" name="The tibble package provides a new…"/>
+          <p:cNvPr id="316" name="The tibble package provides a new…"/>
           <p:cNvSpPr txBox="1"/>
           <p:nvPr/>
         </p:nvSpPr>
@@ -34449,7 +26704,7 @@
       </p:sp>
       <p:pic>
         <p:nvPicPr>
-          <p:cNvPr id="397" name="tidyr.png" descr="tidyr.png"/>
+          <p:cNvPr id="317" name="tidyr.png" descr="tidyr.png"/>
           <p:cNvPicPr>
             <a:picLocks noChangeAspect="1"/>
           </p:cNvPicPr>
@@ -34478,7 +26733,7 @@
       </p:pic>
       <p:sp>
         <p:nvSpPr>
-          <p:cNvPr id="398" name="RStudio® is a trademark of RStudio, Inc.  •  CC BY SA  RStudio •  info@rstudio.com  •  844-448-1212 • rstudio.com •  Learn more with tidyverse.org  •  readr  1.1.0 •  tibble  1.2.12 •  tidyr  0.6.0 •  Updated: 2017-01"/>
+          <p:cNvPr id="318" name="RStudio® is a trademark of RStudio, Inc.  •  CC BY SA  RStudio •  info@rstudio.com  •  844-448-1212 • rstudio.com •  Learn more at tidyverse.org  •  readr  1.1.0 •  tibble  1.2.12 •  tidyr  0.6.0 •  Updated: 2017-01"/>
           <p:cNvSpPr txBox="1"/>
           <p:nvPr/>
         </p:nvSpPr>
@@ -34546,7 +26801,7 @@
               <a:t>rstudio.com</a:t>
             </a:r>
             <a:r>
-              <a:t> •  Learn more with </a:t>
+              <a:t> •  Learn more at </a:t>
             </a:r>
             <a:r>
               <a:rPr u="sng">
@@ -34566,7 +26821,7 @@
       </p:sp>
       <p:pic>
         <p:nvPicPr>
-          <p:cNvPr id="399" name="Image" descr="Image"/>
+          <p:cNvPr id="319" name="Image" descr="Image"/>
           <p:cNvPicPr>
             <a:picLocks noChangeAspect="1"/>
           </p:cNvPicPr>
@@ -34595,7 +26850,7 @@
       </p:pic>
       <p:sp>
         <p:nvSpPr>
-          <p:cNvPr id="400" name="Line"/>
+          <p:cNvPr id="320" name="Line"/>
           <p:cNvSpPr/>
           <p:nvPr/>
         </p:nvSpPr>
@@ -34636,7 +26891,7 @@
       </p:sp>
       <p:sp>
         <p:nvSpPr>
-          <p:cNvPr id="401" name="Line"/>
+          <p:cNvPr id="321" name="Line"/>
           <p:cNvSpPr/>
           <p:nvPr/>
         </p:nvSpPr>
@@ -34677,7 +26932,7 @@
       </p:sp>
       <p:sp>
         <p:nvSpPr>
-          <p:cNvPr id="402" name="Tibbles - an enhanced data frame"/>
+          <p:cNvPr id="322" name="Tibbles - an enhanced data frame"/>
           <p:cNvSpPr txBox="1"/>
           <p:nvPr/>
         </p:nvSpPr>
@@ -34729,7 +26984,7 @@
       </p:sp>
       <p:sp>
         <p:nvSpPr>
-          <p:cNvPr id="403" name="Split Cells"/>
+          <p:cNvPr id="323" name="Split Cells"/>
           <p:cNvSpPr txBox="1"/>
           <p:nvPr/>
         </p:nvSpPr>
@@ -34777,7 +27032,7 @@
       </p:sp>
       <p:sp>
         <p:nvSpPr>
-          <p:cNvPr id="404" name="Line"/>
+          <p:cNvPr id="324" name="Line"/>
           <p:cNvSpPr/>
           <p:nvPr/>
         </p:nvSpPr>
@@ -34818,7 +27073,7 @@
       </p:sp>
       <p:pic>
         <p:nvPicPr>
-          <p:cNvPr id="405" name="tibble.png" descr="tibble.png"/>
+          <p:cNvPr id="325" name="tibble.png" descr="tibble.png"/>
           <p:cNvPicPr>
             <a:picLocks noChangeAspect="1"/>
           </p:cNvPicPr>
@@ -34847,7 +27102,7 @@
       </p:pic>
       <p:sp>
         <p:nvSpPr>
-          <p:cNvPr id="406" name="Control the default appearance with options:…"/>
+          <p:cNvPr id="326" name="Control the default appearance with options:…"/>
           <p:cNvSpPr txBox="1"/>
           <p:nvPr/>
         </p:nvSpPr>
@@ -35000,7 +27255,7 @@
       </p:sp>
       <p:sp>
         <p:nvSpPr>
-          <p:cNvPr id="407" name="data frame display"/>
+          <p:cNvPr id="327" name="data frame display"/>
           <p:cNvSpPr txBox="1"/>
           <p:nvPr/>
         </p:nvSpPr>
@@ -35049,7 +27304,7 @@
       </p:sp>
       <p:sp>
         <p:nvSpPr>
-          <p:cNvPr id="408" name="tibble display"/>
+          <p:cNvPr id="328" name="tibble display"/>
           <p:cNvSpPr txBox="1"/>
           <p:nvPr/>
         </p:nvSpPr>
@@ -35101,7 +27356,7 @@
       </p:sp>
       <p:grpSp>
         <p:nvGrpSpPr>
-          <p:cNvPr id="413" name="Group"/>
+          <p:cNvPr id="333" name="Group"/>
           <p:cNvGrpSpPr/>
           <p:nvPr/>
         </p:nvGrpSpPr>
@@ -35115,7 +27370,7 @@
         </p:grpSpPr>
         <p:sp>
           <p:nvSpPr>
-            <p:cNvPr id="409" name="Rounded Rectangle"/>
+            <p:cNvPr id="329" name="Rounded Rectangle"/>
             <p:cNvSpPr/>
             <p:nvPr/>
           </p:nvSpPr>
@@ -35165,7 +27420,7 @@
         </p:sp>
         <p:sp>
           <p:nvSpPr>
-            <p:cNvPr id="410" name="tibble(…)…"/>
+            <p:cNvPr id="330" name="tibble(…)…"/>
             <p:cNvSpPr txBox="1"/>
             <p:nvPr/>
           </p:nvSpPr>
@@ -35428,7 +27683,7 @@
         </p:sp>
         <p:sp>
           <p:nvSpPr>
-            <p:cNvPr id="411" name="A tibble: 3 × 2…"/>
+            <p:cNvPr id="331" name="A tibble: 3 × 2…"/>
             <p:cNvSpPr/>
             <p:nvPr/>
           </p:nvSpPr>
@@ -35525,7 +27780,7 @@
                 </a:defRPr>
               </a:pPr>
               <a:r>
-                <a:t>  &lt;int&gt; &lt;dbl&gt;</a:t>
+                <a:t>  &lt;int&gt; &lt;chr&gt;</a:t>
               </a:r>
             </a:p>
             <a:p>
@@ -35598,7 +27853,7 @@
         </p:sp>
         <p:sp>
           <p:nvSpPr>
-            <p:cNvPr id="412" name="Both…"/>
+            <p:cNvPr id="332" name="Both…"/>
             <p:cNvSpPr/>
             <p:nvPr/>
           </p:nvSpPr>
@@ -35757,7 +28012,7 @@
       </p:grpSp>
       <p:graphicFrame>
         <p:nvGraphicFramePr>
-          <p:cNvPr id="414" name="Table"/>
+          <p:cNvPr id="334" name="Table"/>
           <p:cNvGraphicFramePr/>
           <p:nvPr/>
         </p:nvGraphicFramePr>
@@ -38018,7 +30273,7 @@
       </p:graphicFrame>
       <p:sp>
         <p:nvSpPr>
-          <p:cNvPr id="415" name="Shape"/>
+          <p:cNvPr id="335" name="Shape"/>
           <p:cNvSpPr/>
           <p:nvPr/>
         </p:nvSpPr>
@@ -38102,7 +30357,7 @@
       </p:sp>
       <p:graphicFrame>
         <p:nvGraphicFramePr>
-          <p:cNvPr id="416" name="Table"/>
+          <p:cNvPr id="336" name="Table"/>
           <p:cNvGraphicFramePr/>
           <p:nvPr/>
         </p:nvGraphicFramePr>
@@ -38404,7 +30659,7 @@
       </p:graphicFrame>
       <p:sp>
         <p:nvSpPr>
-          <p:cNvPr id="417" name="Shape"/>
+          <p:cNvPr id="337" name="Shape"/>
           <p:cNvSpPr/>
           <p:nvPr/>
         </p:nvSpPr>
@@ -38488,7 +30743,7 @@
       </p:sp>
       <p:graphicFrame>
         <p:nvGraphicFramePr>
-          <p:cNvPr id="418" name="Table"/>
+          <p:cNvPr id="338" name="Table"/>
           <p:cNvGraphicFramePr/>
           <p:nvPr/>
         </p:nvGraphicFramePr>
@@ -38782,7 +31037,7 @@
       </p:graphicFrame>
       <p:sp>
         <p:nvSpPr>
-          <p:cNvPr id="419" name="# A tibble: 234 × 6…"/>
+          <p:cNvPr id="339" name="# A tibble: 234 × 6…"/>
           <p:cNvSpPr/>
           <p:nvPr/>
         </p:nvSpPr>
@@ -39168,7 +31423,7 @@
       </p:sp>
       <p:sp>
         <p:nvSpPr>
-          <p:cNvPr id="420" name="156 1999   6   auto(l4)…"/>
+          <p:cNvPr id="340" name="156 1999   6   auto(l4)…"/>
           <p:cNvSpPr/>
           <p:nvPr/>
         </p:nvSpPr>
@@ -39466,7 +31721,7 @@
       </p:sp>
       <p:sp>
         <p:nvSpPr>
-          <p:cNvPr id="421" name="A large table to display"/>
+          <p:cNvPr id="341" name="A large table to display"/>
           <p:cNvSpPr txBox="1"/>
           <p:nvPr/>
         </p:nvSpPr>
@@ -39518,7 +31773,7 @@
       </p:sp>
       <p:sp>
         <p:nvSpPr>
-          <p:cNvPr id="422" name="as_tibble(x, …) Convert data frame to tibble.…"/>
+          <p:cNvPr id="342" name="as_tibble(x, …) Convert data frame to tibble.…"/>
           <p:cNvSpPr txBox="1"/>
           <p:nvPr/>
         </p:nvSpPr>
@@ -39717,7 +31972,7 @@
       </p:sp>
       <p:sp>
         <p:nvSpPr>
-          <p:cNvPr id="423" name="CONSTRUCT A TIBBLE IN TWO WAYS"/>
+          <p:cNvPr id="343" name="CONSTRUCT A TIBBLE IN TWO WAYS"/>
           <p:cNvSpPr txBox="1"/>
           <p:nvPr/>
         </p:nvSpPr>
@@ -39753,7 +32008,7 @@
       </p:sp>
       <p:sp>
         <p:nvSpPr>
-          <p:cNvPr id="424" name="Line"/>
+          <p:cNvPr id="344" name="Line"/>
           <p:cNvSpPr/>
           <p:nvPr/>
         </p:nvSpPr>
@@ -39796,7 +32051,7 @@
       </p:sp>
       <p:sp>
         <p:nvSpPr>
-          <p:cNvPr id="425" name="Line"/>
+          <p:cNvPr id="345" name="Line"/>
           <p:cNvSpPr/>
           <p:nvPr/>
         </p:nvSpPr>
@@ -39837,7 +32092,7 @@
       </p:sp>
       <p:sp>
         <p:nvSpPr>
-          <p:cNvPr id="426" name="Expand Tables - quickly create tables with combinations of values"/>
+          <p:cNvPr id="346" name="Expand Tables - quickly create tables with combinations of values"/>
           <p:cNvSpPr txBox="1"/>
           <p:nvPr/>
         </p:nvSpPr>
@@ -39889,7 +32144,7 @@
       </p:sp>
       <p:sp>
         <p:nvSpPr>
-          <p:cNvPr id="427" name="Line"/>
+          <p:cNvPr id="347" name="Line"/>
           <p:cNvSpPr/>
           <p:nvPr/>
         </p:nvSpPr>
@@ -39930,14 +32185,14 @@
       </p:sp>
       <p:sp>
         <p:nvSpPr>
-          <p:cNvPr id="428" name="Tidy Data with Tidyr"/>
+          <p:cNvPr id="348" name="Tidy Data with tidyr"/>
           <p:cNvSpPr txBox="1"/>
           <p:nvPr/>
         </p:nvSpPr>
         <p:spPr>
           <a:xfrm>
             <a:off x="3724388" y="475729"/>
-            <a:ext cx="2681924" cy="431801"/>
+            <a:ext cx="2619059" cy="431801"/>
           </a:xfrm>
           <a:prstGeom prst="rect">
             <a:avLst/>
@@ -39971,14 +32226,14 @@
               </a:defRPr>
             </a:pPr>
             <a:r>
-              <a:t>Tidy Data with Tidyr</a:t>
+              <a:t>Tidy Data with tidyr</a:t>
             </a:r>
           </a:p>
         </p:txBody>
       </p:sp>
       <p:sp>
         <p:nvSpPr>
-          <p:cNvPr id="429" name="Line"/>
+          <p:cNvPr id="349" name="Line"/>
           <p:cNvSpPr/>
           <p:nvPr/>
         </p:nvSpPr>

--- a/powerpoints/data-import.pptx
+++ b/powerpoints/data-import.pptx
@@ -1,6 +1,6 @@
 
 <file path=ppt/presentation.xml><?xml version="1.0" encoding="utf-8"?>
-<p:presentation xmlns:a="http://schemas.openxmlformats.org/drawingml/2006/main" xmlns:r="http://schemas.openxmlformats.org/officeDocument/2006/relationships" xmlns:p="http://schemas.openxmlformats.org/presentationml/2006/main">
+<p:presentation xmlns:a="http://schemas.openxmlformats.org/drawingml/2006/main" xmlns:r="http://schemas.openxmlformats.org/officeDocument/2006/relationships" xmlns:p="http://schemas.openxmlformats.org/presentationml/2006/main" xmlns:m="http://schemas.openxmlformats.org/officeDocument/2006/math" xmlns:a14="http://schemas.microsoft.com/office/drawing/2010/main">
   <p:sldMasterIdLst>
     <p:sldMasterId id="2147483648" r:id="rId5"/>
   </p:sldMasterIdLst>
@@ -315,11 +315,11 @@
 </file>
 
 <file path=ppt/commentAuthors.xml><?xml version="1.0" encoding="utf-8"?>
-<p:cmAuthorLst xmlns:a="http://schemas.openxmlformats.org/drawingml/2006/main" xmlns:r="http://schemas.openxmlformats.org/officeDocument/2006/relationships" xmlns:p="http://schemas.openxmlformats.org/presentationml/2006/main"/>
+<p:cmAuthorLst xmlns:a="http://schemas.openxmlformats.org/drawingml/2006/main" xmlns:r="http://schemas.openxmlformats.org/officeDocument/2006/relationships" xmlns:p="http://schemas.openxmlformats.org/presentationml/2006/main" xmlns:m="http://schemas.openxmlformats.org/officeDocument/2006/math" xmlns:a14="http://schemas.microsoft.com/office/drawing/2010/main"/>
 </file>
 
 <file path=ppt/notesMasters/notesMaster1.xml><?xml version="1.0" encoding="utf-8"?>
-<p:notesMaster xmlns:a="http://schemas.openxmlformats.org/drawingml/2006/main" xmlns:r="http://schemas.openxmlformats.org/officeDocument/2006/relationships" xmlns:p="http://schemas.openxmlformats.org/presentationml/2006/main">
+<p:notesMaster xmlns:a="http://schemas.openxmlformats.org/drawingml/2006/main" xmlns:r="http://schemas.openxmlformats.org/officeDocument/2006/relationships" xmlns:p="http://schemas.openxmlformats.org/presentationml/2006/main" xmlns:m="http://schemas.openxmlformats.org/officeDocument/2006/math" xmlns:a14="http://schemas.microsoft.com/office/drawing/2010/main">
   <p:cSld>
     <p:spTree>
       <p:nvGrpSpPr>
@@ -493,7 +493,7 @@
 </file>
 
 <file path=ppt/slideLayouts/slideLayout1.xml><?xml version="1.0" encoding="utf-8"?>
-<p:sldLayout xmlns:a="http://schemas.openxmlformats.org/drawingml/2006/main" xmlns:r="http://schemas.openxmlformats.org/officeDocument/2006/relationships" xmlns:p="http://schemas.openxmlformats.org/presentationml/2006/main" type="title" showMasterSp="1" showMasterPhAnim="1">
+<p:sldLayout xmlns:a="http://schemas.openxmlformats.org/drawingml/2006/main" xmlns:r="http://schemas.openxmlformats.org/officeDocument/2006/relationships" xmlns:p="http://schemas.openxmlformats.org/presentationml/2006/main" xmlns:m="http://schemas.openxmlformats.org/officeDocument/2006/math" xmlns:a14="http://schemas.microsoft.com/office/drawing/2010/main" type="title" showMasterSp="1" showMasterPhAnim="1">
   <p:cSld name="Title &amp; Subtitle">
     <p:spTree>
       <p:nvGrpSpPr>
@@ -667,7 +667,7 @@
 </file>
 
 <file path=ppt/slideLayouts/slideLayout10.xml><?xml version="1.0" encoding="utf-8"?>
-<p:sldLayout xmlns:a="http://schemas.openxmlformats.org/drawingml/2006/main" xmlns:r="http://schemas.openxmlformats.org/officeDocument/2006/relationships" xmlns:p="http://schemas.openxmlformats.org/presentationml/2006/main" type="tx" showMasterSp="1" showMasterPhAnim="1">
+<p:sldLayout xmlns:a="http://schemas.openxmlformats.org/drawingml/2006/main" xmlns:r="http://schemas.openxmlformats.org/officeDocument/2006/relationships" xmlns:p="http://schemas.openxmlformats.org/presentationml/2006/main" xmlns:m="http://schemas.openxmlformats.org/officeDocument/2006/math" xmlns:a14="http://schemas.microsoft.com/office/drawing/2010/main" type="tx" showMasterSp="1" showMasterPhAnim="1">
   <p:cSld name="Quote">
     <p:spTree>
       <p:nvGrpSpPr>
@@ -789,7 +789,7 @@
 </file>
 
 <file path=ppt/slideLayouts/slideLayout11.xml><?xml version="1.0" encoding="utf-8"?>
-<p:sldLayout xmlns:a="http://schemas.openxmlformats.org/drawingml/2006/main" xmlns:r="http://schemas.openxmlformats.org/officeDocument/2006/relationships" xmlns:p="http://schemas.openxmlformats.org/presentationml/2006/main" type="tx" showMasterSp="1" showMasterPhAnim="1">
+<p:sldLayout xmlns:a="http://schemas.openxmlformats.org/drawingml/2006/main" xmlns:r="http://schemas.openxmlformats.org/officeDocument/2006/relationships" xmlns:p="http://schemas.openxmlformats.org/presentationml/2006/main" xmlns:m="http://schemas.openxmlformats.org/officeDocument/2006/math" xmlns:a14="http://schemas.microsoft.com/office/drawing/2010/main" type="tx" showMasterSp="1" showMasterPhAnim="1">
   <p:cSld name="Photo">
     <p:spTree>
       <p:nvGrpSpPr>
@@ -864,7 +864,7 @@
 </file>
 
 <file path=ppt/slideLayouts/slideLayout12.xml><?xml version="1.0" encoding="utf-8"?>
-<p:sldLayout xmlns:a="http://schemas.openxmlformats.org/drawingml/2006/main" xmlns:r="http://schemas.openxmlformats.org/officeDocument/2006/relationships" xmlns:p="http://schemas.openxmlformats.org/presentationml/2006/main" type="tx" showMasterSp="1" showMasterPhAnim="1">
+<p:sldLayout xmlns:a="http://schemas.openxmlformats.org/drawingml/2006/main" xmlns:r="http://schemas.openxmlformats.org/officeDocument/2006/relationships" xmlns:p="http://schemas.openxmlformats.org/presentationml/2006/main" xmlns:m="http://schemas.openxmlformats.org/officeDocument/2006/math" xmlns:a14="http://schemas.microsoft.com/office/drawing/2010/main" type="tx" showMasterSp="1" showMasterPhAnim="1">
   <p:cSld name="Blank">
     <p:spTree>
       <p:nvGrpSpPr>
@@ -912,7 +912,7 @@
 </file>
 
 <file path=ppt/slideLayouts/slideLayout13.xml><?xml version="1.0" encoding="utf-8"?>
-<p:sldLayout xmlns:a="http://schemas.openxmlformats.org/drawingml/2006/main" xmlns:r="http://schemas.openxmlformats.org/officeDocument/2006/relationships" xmlns:p="http://schemas.openxmlformats.org/presentationml/2006/main" type="tx" showMasterSp="1" showMasterPhAnim="1">
+<p:sldLayout xmlns:a="http://schemas.openxmlformats.org/drawingml/2006/main" xmlns:r="http://schemas.openxmlformats.org/officeDocument/2006/relationships" xmlns:p="http://schemas.openxmlformats.org/presentationml/2006/main" xmlns:m="http://schemas.openxmlformats.org/officeDocument/2006/math" xmlns:a14="http://schemas.microsoft.com/office/drawing/2010/main" type="tx" showMasterSp="1" showMasterPhAnim="1">
   <p:cSld name="Title &amp; Bullets">
     <p:spTree>
       <p:nvGrpSpPr>
@@ -1048,7 +1048,7 @@
 </file>
 
 <file path=ppt/slideLayouts/slideLayout2.xml><?xml version="1.0" encoding="utf-8"?>
-<p:sldLayout xmlns:a="http://schemas.openxmlformats.org/drawingml/2006/main" xmlns:r="http://schemas.openxmlformats.org/officeDocument/2006/relationships" xmlns:p="http://schemas.openxmlformats.org/presentationml/2006/main" type="tx" showMasterSp="1" showMasterPhAnim="1">
+<p:sldLayout xmlns:a="http://schemas.openxmlformats.org/drawingml/2006/main" xmlns:r="http://schemas.openxmlformats.org/officeDocument/2006/relationships" xmlns:p="http://schemas.openxmlformats.org/presentationml/2006/main" xmlns:m="http://schemas.openxmlformats.org/officeDocument/2006/math" xmlns:a14="http://schemas.microsoft.com/office/drawing/2010/main" type="tx" showMasterSp="1" showMasterPhAnim="1">
   <p:cSld name="Photo - Horizontal">
     <p:spTree>
       <p:nvGrpSpPr>
@@ -1253,7 +1253,7 @@
 </file>
 
 <file path=ppt/slideLayouts/slideLayout3.xml><?xml version="1.0" encoding="utf-8"?>
-<p:sldLayout xmlns:a="http://schemas.openxmlformats.org/drawingml/2006/main" xmlns:r="http://schemas.openxmlformats.org/officeDocument/2006/relationships" xmlns:p="http://schemas.openxmlformats.org/presentationml/2006/main" type="tx" showMasterSp="1" showMasterPhAnim="1">
+<p:sldLayout xmlns:a="http://schemas.openxmlformats.org/drawingml/2006/main" xmlns:r="http://schemas.openxmlformats.org/officeDocument/2006/relationships" xmlns:p="http://schemas.openxmlformats.org/presentationml/2006/main" xmlns:m="http://schemas.openxmlformats.org/officeDocument/2006/math" xmlns:a14="http://schemas.microsoft.com/office/drawing/2010/main" type="tx" showMasterSp="1" showMasterPhAnim="1">
   <p:cSld name="Title - Center">
     <p:spTree>
       <p:nvGrpSpPr>
@@ -1329,7 +1329,7 @@
 </file>
 
 <file path=ppt/slideLayouts/slideLayout4.xml><?xml version="1.0" encoding="utf-8"?>
-<p:sldLayout xmlns:a="http://schemas.openxmlformats.org/drawingml/2006/main" xmlns:r="http://schemas.openxmlformats.org/officeDocument/2006/relationships" xmlns:p="http://schemas.openxmlformats.org/presentationml/2006/main" type="tx" showMasterSp="1" showMasterPhAnim="1">
+<p:sldLayout xmlns:a="http://schemas.openxmlformats.org/drawingml/2006/main" xmlns:r="http://schemas.openxmlformats.org/officeDocument/2006/relationships" xmlns:p="http://schemas.openxmlformats.org/presentationml/2006/main" xmlns:m="http://schemas.openxmlformats.org/officeDocument/2006/math" xmlns:a14="http://schemas.microsoft.com/office/drawing/2010/main" type="tx" showMasterSp="1" showMasterPhAnim="1">
   <p:cSld name="Photo - Vertical">
     <p:spTree>
       <p:nvGrpSpPr>
@@ -1539,7 +1539,7 @@
 </file>
 
 <file path=ppt/slideLayouts/slideLayout5.xml><?xml version="1.0" encoding="utf-8"?>
-<p:sldLayout xmlns:a="http://schemas.openxmlformats.org/drawingml/2006/main" xmlns:r="http://schemas.openxmlformats.org/officeDocument/2006/relationships" xmlns:p="http://schemas.openxmlformats.org/presentationml/2006/main" type="tx" showMasterSp="1" showMasterPhAnim="1">
+<p:sldLayout xmlns:a="http://schemas.openxmlformats.org/drawingml/2006/main" xmlns:r="http://schemas.openxmlformats.org/officeDocument/2006/relationships" xmlns:p="http://schemas.openxmlformats.org/presentationml/2006/main" xmlns:m="http://schemas.openxmlformats.org/officeDocument/2006/math" xmlns:a14="http://schemas.microsoft.com/office/drawing/2010/main" type="tx" showMasterSp="1" showMasterPhAnim="1">
   <p:cSld name="Title - Top">
     <p:spTree>
       <p:nvGrpSpPr>
@@ -1611,7 +1611,7 @@
 </file>
 
 <file path=ppt/slideLayouts/slideLayout6.xml><?xml version="1.0" encoding="utf-8"?>
-<p:sldLayout xmlns:a="http://schemas.openxmlformats.org/drawingml/2006/main" xmlns:r="http://schemas.openxmlformats.org/officeDocument/2006/relationships" xmlns:p="http://schemas.openxmlformats.org/presentationml/2006/main" type="tx" showMasterSp="1" showMasterPhAnim="1">
+<p:sldLayout xmlns:a="http://schemas.openxmlformats.org/drawingml/2006/main" xmlns:r="http://schemas.openxmlformats.org/officeDocument/2006/relationships" xmlns:p="http://schemas.openxmlformats.org/presentationml/2006/main" xmlns:m="http://schemas.openxmlformats.org/officeDocument/2006/math" xmlns:a14="http://schemas.microsoft.com/office/drawing/2010/main" type="tx" showMasterSp="1" showMasterPhAnim="1">
   <p:cSld name="Title &amp; Bullets">
     <p:spTree>
       <p:nvGrpSpPr>
@@ -1731,7 +1731,7 @@
 </file>
 
 <file path=ppt/slideLayouts/slideLayout7.xml><?xml version="1.0" encoding="utf-8"?>
-<p:sldLayout xmlns:a="http://schemas.openxmlformats.org/drawingml/2006/main" xmlns:r="http://schemas.openxmlformats.org/officeDocument/2006/relationships" xmlns:p="http://schemas.openxmlformats.org/presentationml/2006/main" type="tx" showMasterSp="1" showMasterPhAnim="1">
+<p:sldLayout xmlns:a="http://schemas.openxmlformats.org/drawingml/2006/main" xmlns:r="http://schemas.openxmlformats.org/officeDocument/2006/relationships" xmlns:p="http://schemas.openxmlformats.org/presentationml/2006/main" xmlns:m="http://schemas.openxmlformats.org/officeDocument/2006/math" xmlns:a14="http://schemas.microsoft.com/office/drawing/2010/main" type="tx" showMasterSp="1" showMasterPhAnim="1">
   <p:cSld name="Title, Bullets &amp; Photo">
     <p:spTree>
       <p:nvGrpSpPr>
@@ -1898,7 +1898,7 @@
 </file>
 
 <file path=ppt/slideLayouts/slideLayout8.xml><?xml version="1.0" encoding="utf-8"?>
-<p:sldLayout xmlns:a="http://schemas.openxmlformats.org/drawingml/2006/main" xmlns:r="http://schemas.openxmlformats.org/officeDocument/2006/relationships" xmlns:p="http://schemas.openxmlformats.org/presentationml/2006/main" type="tx" showMasterSp="1" showMasterPhAnim="1">
+<p:sldLayout xmlns:a="http://schemas.openxmlformats.org/drawingml/2006/main" xmlns:r="http://schemas.openxmlformats.org/officeDocument/2006/relationships" xmlns:p="http://schemas.openxmlformats.org/presentationml/2006/main" xmlns:m="http://schemas.openxmlformats.org/officeDocument/2006/math" xmlns:a14="http://schemas.microsoft.com/office/drawing/2010/main" type="tx" showMasterSp="1" showMasterPhAnim="1">
   <p:cSld name="Bullets">
     <p:spTree>
       <p:nvGrpSpPr>
@@ -1998,7 +1998,7 @@
 </file>
 
 <file path=ppt/slideLayouts/slideLayout9.xml><?xml version="1.0" encoding="utf-8"?>
-<p:sldLayout xmlns:a="http://schemas.openxmlformats.org/drawingml/2006/main" xmlns:r="http://schemas.openxmlformats.org/officeDocument/2006/relationships" xmlns:p="http://schemas.openxmlformats.org/presentationml/2006/main" type="tx" showMasterSp="1" showMasterPhAnim="1">
+<p:sldLayout xmlns:a="http://schemas.openxmlformats.org/drawingml/2006/main" xmlns:r="http://schemas.openxmlformats.org/officeDocument/2006/relationships" xmlns:p="http://schemas.openxmlformats.org/presentationml/2006/main" xmlns:m="http://schemas.openxmlformats.org/officeDocument/2006/math" xmlns:a14="http://schemas.microsoft.com/office/drawing/2010/main" type="tx" showMasterSp="1" showMasterPhAnim="1">
   <p:cSld name="Photo - 3 Up">
     <p:spTree>
       <p:nvGrpSpPr>
@@ -2127,7 +2127,7 @@
 </file>
 
 <file path=ppt/slideMasters/slideMaster1.xml><?xml version="1.0" encoding="utf-8"?>
-<p:sldMaster xmlns:a="http://schemas.openxmlformats.org/drawingml/2006/main" xmlns:r="http://schemas.openxmlformats.org/officeDocument/2006/relationships" xmlns:p="http://schemas.openxmlformats.org/presentationml/2006/main">
+<p:sldMaster xmlns:a="http://schemas.openxmlformats.org/drawingml/2006/main" xmlns:r="http://schemas.openxmlformats.org/officeDocument/2006/relationships" xmlns:p="http://schemas.openxmlformats.org/presentationml/2006/main" xmlns:m="http://schemas.openxmlformats.org/officeDocument/2006/math" xmlns:a14="http://schemas.microsoft.com/office/drawing/2010/main">
   <p:cSld>
     <p:bg>
       <p:bgPr>
@@ -3110,7 +3110,7 @@
 </file>
 
 <file path=ppt/slides/slide1.xml><?xml version="1.0" encoding="utf-8"?>
-<p:sld xmlns:a="http://schemas.openxmlformats.org/drawingml/2006/main" xmlns:r="http://schemas.openxmlformats.org/officeDocument/2006/relationships" xmlns:p="http://schemas.openxmlformats.org/presentationml/2006/main" showMasterSp="1" showMasterPhAnim="1">
+<p:sld xmlns:a="http://schemas.openxmlformats.org/drawingml/2006/main" xmlns:r="http://schemas.openxmlformats.org/officeDocument/2006/relationships" xmlns:p="http://schemas.openxmlformats.org/presentationml/2006/main" xmlns:m="http://schemas.openxmlformats.org/officeDocument/2006/math" xmlns:a14="http://schemas.microsoft.com/office/drawing/2010/main" showMasterSp="1" showMasterPhAnim="1">
   <p:cSld>
     <p:spTree>
       <p:nvGrpSpPr>
@@ -3126,9 +3126,963 @@
           <a:chExt cx="0" cy="0"/>
         </a:xfrm>
       </p:grpSpPr>
+      <p:grpSp>
+        <p:nvGrpSpPr>
+          <p:cNvPr id="145" name="Group"/>
+          <p:cNvGrpSpPr/>
+          <p:nvPr/>
+        </p:nvGrpSpPr>
+        <p:grpSpPr>
+          <a:xfrm>
+            <a:off x="8383487" y="-1013161"/>
+            <a:ext cx="6157893" cy="3553962"/>
+            <a:chOff x="0" y="51032"/>
+            <a:chExt cx="6157891" cy="3553961"/>
+          </a:xfrm>
+        </p:grpSpPr>
+        <p:grpSp>
+          <p:nvGrpSpPr>
+            <p:cNvPr id="143" name="Group"/>
+            <p:cNvGrpSpPr/>
+            <p:nvPr/>
+          </p:nvGrpSpPr>
+          <p:grpSpPr>
+            <a:xfrm>
+              <a:off x="23293" y="51032"/>
+              <a:ext cx="6134599" cy="2980091"/>
+              <a:chOff x="0" y="51032"/>
+              <a:chExt cx="6134598" cy="2980090"/>
+            </a:xfrm>
+          </p:grpSpPr>
+          <p:sp>
+            <p:nvSpPr>
+              <p:cNvPr id="128" name="Triangle"/>
+              <p:cNvSpPr/>
+              <p:nvPr/>
+            </p:nvSpPr>
+            <p:spPr>
+              <a:xfrm rot="1800000">
+                <a:off x="1177377" y="304285"/>
+                <a:ext cx="1319509" cy="1143860"/>
+              </a:xfrm>
+              <a:prstGeom prst="triangle">
+                <a:avLst/>
+              </a:prstGeom>
+              <a:solidFill>
+                <a:schemeClr val="accent1">
+                  <a:hueOff val="47394"/>
+                  <a:satOff val="-25753"/>
+                  <a:lumOff val="-7544"/>
+                </a:schemeClr>
+              </a:solidFill>
+              <a:ln w="3175" cap="flat">
+                <a:solidFill>
+                  <a:schemeClr val="accent1">
+                    <a:hueOff val="47394"/>
+                    <a:satOff val="-25753"/>
+                    <a:lumOff val="-7544"/>
+                  </a:schemeClr>
+                </a:solidFill>
+                <a:prstDash val="solid"/>
+                <a:miter lim="400000"/>
+              </a:ln>
+              <a:effectLst/>
+            </p:spPr>
+            <p:txBody>
+              <a:bodyPr wrap="square" lIns="54570" tIns="54570" rIns="54570" bIns="54570" numCol="1" anchor="ctr">
+                <a:noAutofit/>
+              </a:bodyPr>
+              <a:lstStyle/>
+              <a:p>
+                <a:pPr>
+                  <a:lnSpc>
+                    <a:spcPct val="80000"/>
+                  </a:lnSpc>
+                  <a:spcBef>
+                    <a:spcPts val="0"/>
+                  </a:spcBef>
+                  <a:defRPr b="0">
+                    <a:solidFill>
+                      <a:srgbClr val="000000"/>
+                    </a:solidFill>
+                  </a:defRPr>
+                </a:pPr>
+              </a:p>
+            </p:txBody>
+          </p:sp>
+          <p:sp>
+            <p:nvSpPr>
+              <p:cNvPr id="129" name="Circle"/>
+              <p:cNvSpPr/>
+              <p:nvPr/>
+            </p:nvSpPr>
+            <p:spPr>
+              <a:xfrm flipH="1">
+                <a:off x="1550782" y="838357"/>
+                <a:ext cx="422090" cy="422090"/>
+              </a:xfrm>
+              <a:prstGeom prst="ellipse">
+                <a:avLst/>
+              </a:prstGeom>
+              <a:solidFill>
+                <a:srgbClr val="407AAA"/>
+              </a:solidFill>
+              <a:ln w="12700" cap="flat">
+                <a:noFill/>
+                <a:miter lim="400000"/>
+              </a:ln>
+              <a:effectLst/>
+            </p:spPr>
+            <p:txBody>
+              <a:bodyPr wrap="square" lIns="54570" tIns="54570" rIns="54570" bIns="54570" numCol="1" anchor="ctr">
+                <a:noAutofit/>
+              </a:bodyPr>
+              <a:lstStyle/>
+              <a:p>
+                <a:pPr>
+                  <a:lnSpc>
+                    <a:spcPct val="80000"/>
+                  </a:lnSpc>
+                  <a:spcBef>
+                    <a:spcPts val="0"/>
+                  </a:spcBef>
+                  <a:defRPr b="0">
+                    <a:solidFill>
+                      <a:srgbClr val="000000"/>
+                    </a:solidFill>
+                  </a:defRPr>
+                </a:pPr>
+              </a:p>
+            </p:txBody>
+          </p:sp>
+          <p:sp>
+            <p:nvSpPr>
+              <p:cNvPr id="130" name="Circle"/>
+              <p:cNvSpPr/>
+              <p:nvPr/>
+            </p:nvSpPr>
+            <p:spPr>
+              <a:xfrm flipH="1">
+                <a:off x="0" y="819778"/>
+                <a:ext cx="422089" cy="422090"/>
+              </a:xfrm>
+              <a:prstGeom prst="ellipse">
+                <a:avLst/>
+              </a:prstGeom>
+              <a:solidFill>
+                <a:schemeClr val="accent1">
+                  <a:hueOff val="47394"/>
+                  <a:satOff val="-25753"/>
+                  <a:lumOff val="-7544"/>
+                  <a:alpha val="50000"/>
+                </a:schemeClr>
+              </a:solidFill>
+              <a:ln w="12700" cap="flat">
+                <a:noFill/>
+                <a:miter lim="400000"/>
+              </a:ln>
+              <a:effectLst/>
+            </p:spPr>
+            <p:txBody>
+              <a:bodyPr wrap="square" lIns="54570" tIns="54570" rIns="54570" bIns="54570" numCol="1" anchor="ctr">
+                <a:noAutofit/>
+              </a:bodyPr>
+              <a:lstStyle/>
+              <a:p>
+                <a:pPr>
+                  <a:lnSpc>
+                    <a:spcPct val="80000"/>
+                  </a:lnSpc>
+                  <a:spcBef>
+                    <a:spcPts val="0"/>
+                  </a:spcBef>
+                  <a:defRPr b="0">
+                    <a:solidFill>
+                      <a:srgbClr val="000000"/>
+                    </a:solidFill>
+                  </a:defRPr>
+                </a:pPr>
+              </a:p>
+            </p:txBody>
+          </p:sp>
+          <p:sp>
+            <p:nvSpPr>
+              <p:cNvPr id="131" name="Triangle"/>
+              <p:cNvSpPr/>
+              <p:nvPr/>
+            </p:nvSpPr>
+            <p:spPr>
+              <a:xfrm rot="19800000">
+                <a:off x="2896973" y="973389"/>
+                <a:ext cx="1319509" cy="1143860"/>
+              </a:xfrm>
+              <a:prstGeom prst="triangle">
+                <a:avLst/>
+              </a:prstGeom>
+              <a:solidFill>
+                <a:srgbClr val="407AAA"/>
+              </a:solidFill>
+              <a:ln w="6350" cap="flat">
+                <a:solidFill>
+                  <a:srgbClr val="407AAA"/>
+                </a:solidFill>
+                <a:prstDash val="solid"/>
+                <a:miter lim="400000"/>
+              </a:ln>
+              <a:effectLst/>
+            </p:spPr>
+            <p:txBody>
+              <a:bodyPr wrap="square" lIns="54570" tIns="54570" rIns="54570" bIns="54570" numCol="1" anchor="ctr">
+                <a:noAutofit/>
+              </a:bodyPr>
+              <a:lstStyle/>
+              <a:p>
+                <a:pPr>
+                  <a:lnSpc>
+                    <a:spcPct val="80000"/>
+                  </a:lnSpc>
+                  <a:spcBef>
+                    <a:spcPts val="0"/>
+                  </a:spcBef>
+                  <a:defRPr b="0">
+                    <a:solidFill>
+                      <a:srgbClr val="000000"/>
+                    </a:solidFill>
+                  </a:defRPr>
+                </a:pPr>
+              </a:p>
+            </p:txBody>
+          </p:sp>
+          <p:sp>
+            <p:nvSpPr>
+              <p:cNvPr id="132" name="Triangle"/>
+              <p:cNvSpPr/>
+              <p:nvPr/>
+            </p:nvSpPr>
+            <p:spPr>
+              <a:xfrm rot="1800000">
+                <a:off x="3470359" y="1634009"/>
+                <a:ext cx="1319509" cy="1143861"/>
+              </a:xfrm>
+              <a:prstGeom prst="triangle">
+                <a:avLst/>
+              </a:prstGeom>
+              <a:solidFill>
+                <a:schemeClr val="accent1">
+                  <a:hueOff val="47394"/>
+                  <a:satOff val="-25753"/>
+                  <a:lumOff val="-7544"/>
+                </a:schemeClr>
+              </a:solidFill>
+              <a:ln w="6350" cap="flat">
+                <a:solidFill>
+                  <a:schemeClr val="accent1">
+                    <a:hueOff val="47394"/>
+                    <a:satOff val="-25753"/>
+                    <a:lumOff val="-7544"/>
+                  </a:schemeClr>
+                </a:solidFill>
+                <a:prstDash val="solid"/>
+                <a:miter lim="400000"/>
+              </a:ln>
+              <a:effectLst/>
+            </p:spPr>
+            <p:txBody>
+              <a:bodyPr wrap="square" lIns="54570" tIns="54570" rIns="54570" bIns="54570" numCol="1" anchor="ctr">
+                <a:noAutofit/>
+              </a:bodyPr>
+              <a:lstStyle/>
+              <a:p>
+                <a:pPr>
+                  <a:lnSpc>
+                    <a:spcPct val="80000"/>
+                  </a:lnSpc>
+                  <a:spcBef>
+                    <a:spcPts val="0"/>
+                  </a:spcBef>
+                  <a:defRPr b="0">
+                    <a:solidFill>
+                      <a:srgbClr val="000000"/>
+                    </a:solidFill>
+                  </a:defRPr>
+                </a:pPr>
+              </a:p>
+            </p:txBody>
+          </p:sp>
+          <p:sp>
+            <p:nvSpPr>
+              <p:cNvPr id="133" name="Circle"/>
+              <p:cNvSpPr/>
+              <p:nvPr/>
+            </p:nvSpPr>
+            <p:spPr>
+              <a:xfrm flipH="1">
+                <a:off x="3461021" y="1507461"/>
+                <a:ext cx="422090" cy="422090"/>
+              </a:xfrm>
+              <a:prstGeom prst="ellipse">
+                <a:avLst/>
+              </a:prstGeom>
+              <a:solidFill>
+                <a:schemeClr val="accent1">
+                  <a:hueOff val="47394"/>
+                  <a:satOff val="-25753"/>
+                  <a:lumOff val="-7544"/>
+                </a:schemeClr>
+              </a:solidFill>
+              <a:ln w="12700" cap="flat">
+                <a:noFill/>
+                <a:miter lim="400000"/>
+              </a:ln>
+              <a:effectLst/>
+            </p:spPr>
+            <p:txBody>
+              <a:bodyPr wrap="square" lIns="54570" tIns="54570" rIns="54570" bIns="54570" numCol="1" anchor="ctr">
+                <a:noAutofit/>
+              </a:bodyPr>
+              <a:lstStyle/>
+              <a:p>
+                <a:pPr>
+                  <a:lnSpc>
+                    <a:spcPct val="80000"/>
+                  </a:lnSpc>
+                  <a:spcBef>
+                    <a:spcPts val="0"/>
+                  </a:spcBef>
+                  <a:defRPr b="0">
+                    <a:solidFill>
+                      <a:srgbClr val="000000"/>
+                    </a:solidFill>
+                  </a:defRPr>
+                </a:pPr>
+              </a:p>
+            </p:txBody>
+          </p:sp>
+          <p:sp>
+            <p:nvSpPr>
+              <p:cNvPr id="134" name="Circle"/>
+              <p:cNvSpPr/>
+              <p:nvPr/>
+            </p:nvSpPr>
+            <p:spPr>
+              <a:xfrm flipH="1">
+                <a:off x="3843763" y="2168082"/>
+                <a:ext cx="422090" cy="422090"/>
+              </a:xfrm>
+              <a:prstGeom prst="ellipse">
+                <a:avLst/>
+              </a:prstGeom>
+              <a:solidFill>
+                <a:srgbClr val="407AAA"/>
+              </a:solidFill>
+              <a:ln w="12700" cap="flat">
+                <a:noFill/>
+                <a:miter lim="400000"/>
+              </a:ln>
+              <a:effectLst/>
+            </p:spPr>
+            <p:txBody>
+              <a:bodyPr wrap="square" lIns="54570" tIns="54570" rIns="54570" bIns="54570" numCol="1" anchor="ctr">
+                <a:noAutofit/>
+              </a:bodyPr>
+              <a:lstStyle/>
+              <a:p>
+                <a:pPr>
+                  <a:lnSpc>
+                    <a:spcPct val="80000"/>
+                  </a:lnSpc>
+                  <a:spcBef>
+                    <a:spcPts val="0"/>
+                  </a:spcBef>
+                  <a:defRPr b="0">
+                    <a:solidFill>
+                      <a:srgbClr val="000000"/>
+                    </a:solidFill>
+                  </a:defRPr>
+                </a:pPr>
+              </a:p>
+            </p:txBody>
+          </p:sp>
+          <p:sp>
+            <p:nvSpPr>
+              <p:cNvPr id="135" name="Triangle"/>
+              <p:cNvSpPr/>
+              <p:nvPr/>
+            </p:nvSpPr>
+            <p:spPr>
+              <a:xfrm rot="1800000">
+                <a:off x="3470359" y="312963"/>
+                <a:ext cx="1319509" cy="1143861"/>
+              </a:xfrm>
+              <a:prstGeom prst="triangle">
+                <a:avLst/>
+              </a:prstGeom>
+              <a:solidFill>
+                <a:schemeClr val="accent1">
+                  <a:hueOff val="47394"/>
+                  <a:satOff val="-25753"/>
+                  <a:lumOff val="-7544"/>
+                </a:schemeClr>
+              </a:solidFill>
+              <a:ln w="6350" cap="flat">
+                <a:solidFill>
+                  <a:schemeClr val="accent1">
+                    <a:hueOff val="47394"/>
+                    <a:satOff val="-25753"/>
+                    <a:lumOff val="-7544"/>
+                  </a:schemeClr>
+                </a:solidFill>
+                <a:prstDash val="solid"/>
+                <a:miter lim="400000"/>
+              </a:ln>
+              <a:effectLst/>
+            </p:spPr>
+            <p:txBody>
+              <a:bodyPr wrap="square" lIns="54570" tIns="54570" rIns="54570" bIns="54570" numCol="1" anchor="ctr">
+                <a:noAutofit/>
+              </a:bodyPr>
+              <a:lstStyle/>
+              <a:p>
+                <a:pPr>
+                  <a:lnSpc>
+                    <a:spcPct val="80000"/>
+                  </a:lnSpc>
+                  <a:spcBef>
+                    <a:spcPts val="0"/>
+                  </a:spcBef>
+                  <a:defRPr b="0">
+                    <a:solidFill>
+                      <a:srgbClr val="000000"/>
+                    </a:solidFill>
+                  </a:defRPr>
+                </a:pPr>
+              </a:p>
+            </p:txBody>
+          </p:sp>
+          <p:sp>
+            <p:nvSpPr>
+              <p:cNvPr id="136" name="Circle"/>
+              <p:cNvSpPr/>
+              <p:nvPr/>
+            </p:nvSpPr>
+            <p:spPr>
+              <a:xfrm flipH="1">
+                <a:off x="3843763" y="847036"/>
+                <a:ext cx="422090" cy="422090"/>
+              </a:xfrm>
+              <a:prstGeom prst="ellipse">
+                <a:avLst/>
+              </a:prstGeom>
+              <a:solidFill>
+                <a:srgbClr val="407AAA"/>
+              </a:solidFill>
+              <a:ln w="12700" cap="flat">
+                <a:noFill/>
+                <a:miter lim="400000"/>
+              </a:ln>
+              <a:effectLst/>
+            </p:spPr>
+            <p:txBody>
+              <a:bodyPr wrap="square" lIns="54570" tIns="54570" rIns="54570" bIns="54570" numCol="1" anchor="ctr">
+                <a:noAutofit/>
+              </a:bodyPr>
+              <a:lstStyle/>
+              <a:p>
+                <a:pPr>
+                  <a:lnSpc>
+                    <a:spcPct val="80000"/>
+                  </a:lnSpc>
+                  <a:spcBef>
+                    <a:spcPts val="0"/>
+                  </a:spcBef>
+                  <a:defRPr b="0">
+                    <a:solidFill>
+                      <a:srgbClr val="000000"/>
+                    </a:solidFill>
+                  </a:defRPr>
+                </a:pPr>
+              </a:p>
+            </p:txBody>
+          </p:sp>
+          <p:sp>
+            <p:nvSpPr>
+              <p:cNvPr id="137" name="Triangle"/>
+              <p:cNvSpPr/>
+              <p:nvPr/>
+            </p:nvSpPr>
+            <p:spPr>
+              <a:xfrm rot="19800000">
+                <a:off x="4044130" y="318647"/>
+                <a:ext cx="1319509" cy="1143861"/>
+              </a:xfrm>
+              <a:prstGeom prst="triangle">
+                <a:avLst/>
+              </a:prstGeom>
+              <a:solidFill>
+                <a:srgbClr val="407AAA"/>
+              </a:solidFill>
+              <a:ln w="6350" cap="flat">
+                <a:solidFill>
+                  <a:srgbClr val="407AAA"/>
+                </a:solidFill>
+                <a:prstDash val="solid"/>
+                <a:miter lim="400000"/>
+              </a:ln>
+              <a:effectLst/>
+            </p:spPr>
+            <p:txBody>
+              <a:bodyPr wrap="square" lIns="54570" tIns="54570" rIns="54570" bIns="54570" numCol="1" anchor="ctr">
+                <a:noAutofit/>
+              </a:bodyPr>
+              <a:lstStyle/>
+              <a:p>
+                <a:pPr>
+                  <a:lnSpc>
+                    <a:spcPct val="80000"/>
+                  </a:lnSpc>
+                  <a:spcBef>
+                    <a:spcPts val="0"/>
+                  </a:spcBef>
+                  <a:defRPr b="0">
+                    <a:solidFill>
+                      <a:srgbClr val="000000"/>
+                    </a:solidFill>
+                  </a:defRPr>
+                </a:pPr>
+              </a:p>
+            </p:txBody>
+          </p:sp>
+          <p:sp>
+            <p:nvSpPr>
+              <p:cNvPr id="138" name="Circle"/>
+              <p:cNvSpPr/>
+              <p:nvPr/>
+            </p:nvSpPr>
+            <p:spPr>
+              <a:xfrm flipH="1">
+                <a:off x="4608178" y="852720"/>
+                <a:ext cx="422090" cy="422090"/>
+              </a:xfrm>
+              <a:prstGeom prst="ellipse">
+                <a:avLst/>
+              </a:prstGeom>
+              <a:solidFill>
+                <a:schemeClr val="accent1">
+                  <a:hueOff val="47394"/>
+                  <a:satOff val="-25753"/>
+                  <a:lumOff val="-7544"/>
+                </a:schemeClr>
+              </a:solidFill>
+              <a:ln w="12700" cap="flat">
+                <a:noFill/>
+                <a:miter lim="400000"/>
+              </a:ln>
+              <a:effectLst/>
+            </p:spPr>
+            <p:txBody>
+              <a:bodyPr wrap="square" lIns="54570" tIns="54570" rIns="54570" bIns="54570" numCol="1" anchor="ctr">
+                <a:noAutofit/>
+              </a:bodyPr>
+              <a:lstStyle/>
+              <a:p>
+                <a:pPr>
+                  <a:lnSpc>
+                    <a:spcPct val="80000"/>
+                  </a:lnSpc>
+                  <a:spcBef>
+                    <a:spcPts val="0"/>
+                  </a:spcBef>
+                  <a:defRPr b="0">
+                    <a:solidFill>
+                      <a:srgbClr val="000000"/>
+                    </a:solidFill>
+                  </a:defRPr>
+                </a:pPr>
+              </a:p>
+            </p:txBody>
+          </p:sp>
+          <p:sp>
+            <p:nvSpPr>
+              <p:cNvPr id="139" name="Triangle"/>
+              <p:cNvSpPr/>
+              <p:nvPr/>
+            </p:nvSpPr>
+            <p:spPr>
+              <a:xfrm rot="1800000">
+                <a:off x="4617515" y="979268"/>
+                <a:ext cx="1319509" cy="1143861"/>
+              </a:xfrm>
+              <a:prstGeom prst="triangle">
+                <a:avLst/>
+              </a:prstGeom>
+              <a:solidFill>
+                <a:schemeClr val="accent1">
+                  <a:hueOff val="47394"/>
+                  <a:satOff val="-25753"/>
+                  <a:lumOff val="-7544"/>
+                </a:schemeClr>
+              </a:solidFill>
+              <a:ln w="6350" cap="flat">
+                <a:solidFill>
+                  <a:schemeClr val="accent1">
+                    <a:hueOff val="47394"/>
+                    <a:satOff val="-25753"/>
+                    <a:lumOff val="-7544"/>
+                  </a:schemeClr>
+                </a:solidFill>
+                <a:prstDash val="solid"/>
+                <a:miter lim="400000"/>
+              </a:ln>
+              <a:effectLst/>
+            </p:spPr>
+            <p:txBody>
+              <a:bodyPr wrap="square" lIns="54570" tIns="54570" rIns="54570" bIns="54570" numCol="1" anchor="ctr">
+                <a:noAutofit/>
+              </a:bodyPr>
+              <a:lstStyle/>
+              <a:p>
+                <a:pPr>
+                  <a:lnSpc>
+                    <a:spcPct val="80000"/>
+                  </a:lnSpc>
+                  <a:spcBef>
+                    <a:spcPts val="0"/>
+                  </a:spcBef>
+                  <a:defRPr b="0">
+                    <a:solidFill>
+                      <a:srgbClr val="000000"/>
+                    </a:solidFill>
+                  </a:defRPr>
+                </a:pPr>
+              </a:p>
+            </p:txBody>
+          </p:sp>
+          <p:sp>
+            <p:nvSpPr>
+              <p:cNvPr id="140" name="Circle"/>
+              <p:cNvSpPr/>
+              <p:nvPr/>
+            </p:nvSpPr>
+            <p:spPr>
+              <a:xfrm flipH="1">
+                <a:off x="4990920" y="1513341"/>
+                <a:ext cx="422090" cy="422090"/>
+              </a:xfrm>
+              <a:prstGeom prst="ellipse">
+                <a:avLst/>
+              </a:prstGeom>
+              <a:solidFill>
+                <a:srgbClr val="407AAA"/>
+              </a:solidFill>
+              <a:ln w="12700" cap="flat">
+                <a:noFill/>
+                <a:miter lim="400000"/>
+              </a:ln>
+              <a:effectLst/>
+            </p:spPr>
+            <p:txBody>
+              <a:bodyPr wrap="square" lIns="54570" tIns="54570" rIns="54570" bIns="54570" numCol="1" anchor="ctr">
+                <a:noAutofit/>
+              </a:bodyPr>
+              <a:lstStyle/>
+              <a:p>
+                <a:pPr>
+                  <a:lnSpc>
+                    <a:spcPct val="80000"/>
+                  </a:lnSpc>
+                  <a:spcBef>
+                    <a:spcPts val="0"/>
+                  </a:spcBef>
+                  <a:defRPr b="0">
+                    <a:solidFill>
+                      <a:srgbClr val="000000"/>
+                    </a:solidFill>
+                  </a:defRPr>
+                </a:pPr>
+              </a:p>
+            </p:txBody>
+          </p:sp>
+          <p:sp>
+            <p:nvSpPr>
+              <p:cNvPr id="141" name="Triangle"/>
+              <p:cNvSpPr/>
+              <p:nvPr/>
+            </p:nvSpPr>
+            <p:spPr>
+              <a:xfrm rot="19800000">
+                <a:off x="1751148" y="309969"/>
+                <a:ext cx="1319510" cy="1143860"/>
+              </a:xfrm>
+              <a:prstGeom prst="triangle">
+                <a:avLst/>
+              </a:prstGeom>
+              <a:solidFill>
+                <a:srgbClr val="407AAA"/>
+              </a:solidFill>
+              <a:ln w="6350" cap="flat">
+                <a:solidFill>
+                  <a:srgbClr val="407AAA"/>
+                </a:solidFill>
+                <a:prstDash val="solid"/>
+                <a:miter lim="400000"/>
+              </a:ln>
+              <a:effectLst/>
+            </p:spPr>
+            <p:txBody>
+              <a:bodyPr wrap="square" lIns="54570" tIns="54570" rIns="54570" bIns="54570" numCol="1" anchor="ctr">
+                <a:noAutofit/>
+              </a:bodyPr>
+              <a:lstStyle/>
+              <a:p>
+                <a:pPr>
+                  <a:lnSpc>
+                    <a:spcPct val="80000"/>
+                  </a:lnSpc>
+                  <a:spcBef>
+                    <a:spcPts val="0"/>
+                  </a:spcBef>
+                  <a:defRPr b="0">
+                    <a:solidFill>
+                      <a:srgbClr val="000000"/>
+                    </a:solidFill>
+                  </a:defRPr>
+                </a:pPr>
+              </a:p>
+            </p:txBody>
+          </p:sp>
+          <p:sp>
+            <p:nvSpPr>
+              <p:cNvPr id="142" name="Circle"/>
+              <p:cNvSpPr/>
+              <p:nvPr/>
+            </p:nvSpPr>
+            <p:spPr>
+              <a:xfrm flipH="1">
+                <a:off x="2315196" y="844041"/>
+                <a:ext cx="422090" cy="422090"/>
+              </a:xfrm>
+              <a:prstGeom prst="ellipse">
+                <a:avLst/>
+              </a:prstGeom>
+              <a:solidFill>
+                <a:schemeClr val="accent1">
+                  <a:hueOff val="47394"/>
+                  <a:satOff val="-25753"/>
+                  <a:lumOff val="-7544"/>
+                </a:schemeClr>
+              </a:solidFill>
+              <a:ln w="12700" cap="flat">
+                <a:noFill/>
+                <a:miter lim="400000"/>
+              </a:ln>
+              <a:effectLst/>
+            </p:spPr>
+            <p:txBody>
+              <a:bodyPr wrap="square" lIns="54570" tIns="54570" rIns="54570" bIns="54570" numCol="1" anchor="ctr">
+                <a:noAutofit/>
+              </a:bodyPr>
+              <a:lstStyle/>
+              <a:p>
+                <a:pPr>
+                  <a:lnSpc>
+                    <a:spcPct val="80000"/>
+                  </a:lnSpc>
+                  <a:spcBef>
+                    <a:spcPts val="0"/>
+                  </a:spcBef>
+                  <a:defRPr b="0">
+                    <a:solidFill>
+                      <a:srgbClr val="000000"/>
+                    </a:solidFill>
+                  </a:defRPr>
+                </a:pPr>
+              </a:p>
+            </p:txBody>
+          </p:sp>
+        </p:grpSp>
+        <p:sp>
+          <p:nvSpPr>
+            <p:cNvPr id="144" name="Rectangle"/>
+            <p:cNvSpPr/>
+            <p:nvPr/>
+          </p:nvSpPr>
+          <p:spPr>
+            <a:xfrm>
+              <a:off x="0" y="1038072"/>
+              <a:ext cx="5593304" cy="2566922"/>
+            </a:xfrm>
+            <a:prstGeom prst="rect">
+              <a:avLst/>
+            </a:prstGeom>
+            <a:gradFill flip="none" rotWithShape="1">
+              <a:gsLst>
+                <a:gs pos="0">
+                  <a:srgbClr val="FFFFFF">
+                    <a:alpha val="0"/>
+                  </a:srgbClr>
+                </a:gs>
+                <a:gs pos="20382">
+                  <a:srgbClr val="FFFFFF">
+                    <a:alpha val="45796"/>
+                  </a:srgbClr>
+                </a:gs>
+                <a:gs pos="35803">
+                  <a:srgbClr val="FFFFFF">
+                    <a:alpha val="72898"/>
+                  </a:srgbClr>
+                </a:gs>
+                <a:gs pos="55434">
+                  <a:srgbClr val="FFFFFF"/>
+                </a:gs>
+              </a:gsLst>
+              <a:path path="shape">
+                <a:fillToRect l="49659" t="-26178" r="50340" b="126178"/>
+              </a:path>
+            </a:gradFill>
+            <a:ln w="12700" cap="flat">
+              <a:noFill/>
+              <a:miter lim="400000"/>
+            </a:ln>
+            <a:effectLst/>
+          </p:spPr>
+          <p:txBody>
+            <a:bodyPr wrap="square" lIns="54570" tIns="54570" rIns="54570" bIns="54570" numCol="1" anchor="ctr">
+              <a:noAutofit/>
+            </a:bodyPr>
+            <a:lstStyle/>
+            <a:p>
+              <a:pPr>
+                <a:lnSpc>
+                  <a:spcPct val="80000"/>
+                </a:lnSpc>
+                <a:spcBef>
+                  <a:spcPts val="0"/>
+                </a:spcBef>
+                <a:defRPr b="0">
+                  <a:solidFill>
+                    <a:srgbClr val="000000"/>
+                  </a:solidFill>
+                </a:defRPr>
+              </a:pPr>
+            </a:p>
+          </p:txBody>
+        </p:sp>
+      </p:grpSp>
       <p:sp>
         <p:nvSpPr>
-          <p:cNvPr id="128" name="Try one of the following packages to import other types of files…"/>
+          <p:cNvPr id="146" name="Rectangle"/>
+          <p:cNvSpPr/>
+          <p:nvPr/>
+        </p:nvSpPr>
+        <p:spPr>
+          <a:xfrm>
+            <a:off x="3759895" y="1672239"/>
+            <a:ext cx="6425703" cy="689825"/>
+          </a:xfrm>
+          <a:prstGeom prst="rect">
+            <a:avLst/>
+          </a:prstGeom>
+          <a:solidFill>
+            <a:schemeClr val="accent1">
+              <a:hueOff val="47394"/>
+              <a:satOff val="-25753"/>
+              <a:lumOff val="-7544"/>
+              <a:alpha val="14776"/>
+            </a:schemeClr>
+          </a:solidFill>
+          <a:ln w="12700">
+            <a:miter lim="400000"/>
+          </a:ln>
+        </p:spPr>
+        <p:txBody>
+          <a:bodyPr lIns="54570" tIns="54570" rIns="54570" bIns="54570" anchor="ctr"/>
+          <a:lstStyle/>
+          <a:p>
+            <a:pPr>
+              <a:lnSpc>
+                <a:spcPct val="80000"/>
+              </a:lnSpc>
+              <a:spcBef>
+                <a:spcPts val="0"/>
+              </a:spcBef>
+              <a:defRPr b="0" sz="1000">
+                <a:solidFill>
+                  <a:srgbClr val="000000"/>
+                </a:solidFill>
+              </a:defRPr>
+            </a:pPr>
+          </a:p>
+        </p:txBody>
+      </p:sp>
+      <p:sp>
+        <p:nvSpPr>
+          <p:cNvPr id="147" name="read_*(file, col_names = TRUE, col_types = NULL, locale = default_locale(), na = c(&quot;&quot;, &quot;NA&quot;), quoted_na = TRUE, comment = &quot;&quot;, trim_ws = TRUE, skip = 0, n_max = Inf, guess_max = min(1000, n_max), progress = interactive())"/>
+          <p:cNvSpPr txBox="1"/>
+          <p:nvPr/>
+        </p:nvSpPr>
+        <p:spPr>
+          <a:xfrm>
+            <a:off x="3777516" y="1674085"/>
+            <a:ext cx="6414968" cy="642541"/>
+          </a:xfrm>
+          <a:prstGeom prst="rect">
+            <a:avLst/>
+          </a:prstGeom>
+          <a:ln w="12700">
+            <a:miter lim="400000"/>
+          </a:ln>
+          <a:extLst>
+            <a:ext uri="{C572A759-6A51-4108-AA02-DFA0A04FC94B}">
+              <ma14:wrappingTextBoxFlag xmlns:ma14="http://schemas.microsoft.com/office/mac/drawingml/2011/main" val="1"/>
+            </a:ext>
+          </a:extLst>
+        </p:spPr>
+        <p:txBody>
+          <a:bodyPr lIns="54570" tIns="54570" rIns="54570" bIns="54570" anchor="ctr">
+            <a:spAutoFit/>
+          </a:bodyPr>
+          <a:lstStyle/>
+          <a:p>
+            <a:pPr marL="114300" indent="-114300">
+              <a:lnSpc>
+                <a:spcPct val="90000"/>
+              </a:lnSpc>
+              <a:spcBef>
+                <a:spcPts val="300"/>
+              </a:spcBef>
+              <a:defRPr b="0">
+                <a:solidFill>
+                  <a:srgbClr val="000000"/>
+                </a:solidFill>
+              </a:defRPr>
+            </a:pPr>
+            <a:r>
+              <a:rPr>
+                <a:latin typeface="Source Sans Pro Semibold"/>
+                <a:ea typeface="Source Sans Pro Semibold"/>
+                <a:cs typeface="Source Sans Pro Semibold"/>
+                <a:sym typeface="Source Sans Pro Semibold"/>
+              </a:rPr>
+              <a:t>read_*(</a:t>
+            </a:r>
+            <a:r>
+              <a:t>file, col_names = TRUE, col_types = NULL, locale = default_locale(), na = c("", "NA"), quoted_na = TRUE, comment = "", trim_ws = TRUE, skip = 0, n_max = Inf, guess_max = min(1000, n_max), progress = interactive()</a:t>
+            </a:r>
+            <a:r>
+              <a:rPr>
+                <a:latin typeface="Source Sans Pro Semibold"/>
+                <a:ea typeface="Source Sans Pro Semibold"/>
+                <a:cs typeface="Source Sans Pro Semibold"/>
+                <a:sym typeface="Source Sans Pro Semibold"/>
+              </a:rPr>
+              <a:t>)</a:t>
+            </a:r>
+          </a:p>
+        </p:txBody>
+      </p:sp>
+      <p:sp>
+        <p:nvSpPr>
+          <p:cNvPr id="148" name="Try one of the following packages to import other types of files…"/>
           <p:cNvSpPr txBox="1"/>
           <p:nvPr/>
         </p:nvSpPr>
@@ -3344,7 +4298,7 @@
       </p:sp>
       <p:grpSp>
         <p:nvGrpSpPr>
-          <p:cNvPr id="132" name="Group"/>
+          <p:cNvPr id="152" name="Group"/>
           <p:cNvGrpSpPr/>
           <p:nvPr/>
         </p:nvGrpSpPr>
@@ -3358,7 +4312,7 @@
         </p:grpSpPr>
         <p:sp>
           <p:nvSpPr>
-            <p:cNvPr id="129" name="R’s tidyverse is built around tidy data stored in  tibbles, which are enhanced data frames.…"/>
+            <p:cNvPr id="149" name="R’s tidyverse is built around tidy data stored in  tibbles, which are enhanced data frames.…"/>
             <p:cNvSpPr txBox="1"/>
             <p:nvPr/>
           </p:nvSpPr>
@@ -3491,7 +4445,7 @@
         </p:sp>
         <p:pic>
           <p:nvPicPr>
-            <p:cNvPr id="130" name="Image" descr="Image"/>
+            <p:cNvPr id="150" name="Image" descr="Image"/>
             <p:cNvPicPr>
               <a:picLocks noChangeAspect="1"/>
             </p:cNvPicPr>
@@ -3522,7 +4476,7 @@
         </p:pic>
         <p:pic>
           <p:nvPicPr>
-            <p:cNvPr id="131" name="tidyr.png" descr="tidyr.png"/>
+            <p:cNvPr id="151" name="tidyr.png" descr="tidyr.png"/>
             <p:cNvPicPr>
               <a:picLocks noChangeAspect="1"/>
             </p:cNvPicPr>
@@ -3558,38 +4512,9 @@
           </p:spPr>
         </p:pic>
       </p:grpSp>
-      <p:pic>
-        <p:nvPicPr>
-          <p:cNvPr id="133" name="Image" descr="Image"/>
-          <p:cNvPicPr>
-            <a:picLocks noChangeAspect="1"/>
-          </p:cNvPicPr>
-          <p:nvPr/>
-        </p:nvPicPr>
-        <p:blipFill>
-          <a:blip r:embed="rId4">
-            <a:extLst/>
-          </a:blip>
-          <a:stretch>
-            <a:fillRect/>
-          </a:stretch>
-        </p:blipFill>
-        <p:spPr>
-          <a:xfrm>
-            <a:off x="8369105" y="-684523"/>
-            <a:ext cx="5603817" cy="2992964"/>
-          </a:xfrm>
-          <a:prstGeom prst="rect">
-            <a:avLst/>
-          </a:prstGeom>
-          <a:ln w="12700">
-            <a:miter lim="400000"/>
-          </a:ln>
-        </p:spPr>
-      </p:pic>
       <p:sp>
         <p:nvSpPr>
-          <p:cNvPr id="134" name="Save Data"/>
+          <p:cNvPr id="153" name="Save Data"/>
           <p:cNvSpPr txBox="1"/>
           <p:nvPr/>
         </p:nvSpPr>
@@ -3625,7 +4550,11 @@
               </a:spcBef>
               <a:defRPr b="0" sz="2500">
                 <a:solidFill>
-                  <a:schemeClr val="accent6"/>
+                  <a:schemeClr val="accent1">
+                    <a:hueOff val="47394"/>
+                    <a:satOff val="-25753"/>
+                    <a:lumOff val="-7544"/>
+                  </a:schemeClr>
                 </a:solidFill>
               </a:defRPr>
             </a:pPr>
@@ -3637,7 +4566,7 @@
       </p:sp>
       <p:sp>
         <p:nvSpPr>
-          <p:cNvPr id="135" name="Line"/>
+          <p:cNvPr id="154" name="Line"/>
           <p:cNvSpPr/>
           <p:nvPr/>
         </p:nvSpPr>
@@ -3678,7 +4607,7 @@
       </p:sp>
       <p:sp>
         <p:nvSpPr>
-          <p:cNvPr id="136" name="Data Import : : CHEAT SHEET"/>
+          <p:cNvPr id="155" name="Data Import : : CHEAT SHEET"/>
           <p:cNvSpPr txBox="1"/>
           <p:nvPr>
             <p:ph type="title"/>
@@ -3718,7 +4647,7 @@
       </p:sp>
       <p:sp>
         <p:nvSpPr>
-          <p:cNvPr id="137" name="Line"/>
+          <p:cNvPr id="156" name="Line"/>
           <p:cNvSpPr/>
           <p:nvPr/>
         </p:nvSpPr>
@@ -3759,7 +4688,7 @@
       </p:sp>
       <p:sp>
         <p:nvSpPr>
-          <p:cNvPr id="138" name="Read Tabular Data - These functions share the common arguments:"/>
+          <p:cNvPr id="157" name="Read Tabular Data - These functions share the common arguments:"/>
           <p:cNvSpPr txBox="1"/>
           <p:nvPr/>
         </p:nvSpPr>
@@ -3795,7 +4724,11 @@
               </a:spcBef>
               <a:defRPr b="0" sz="2500">
                 <a:solidFill>
-                  <a:schemeClr val="accent6"/>
+                  <a:schemeClr val="accent1">
+                    <a:hueOff val="47394"/>
+                    <a:satOff val="-25753"/>
+                    <a:lumOff val="-7544"/>
+                  </a:schemeClr>
                 </a:solidFill>
               </a:defRPr>
             </a:pPr>
@@ -3812,7 +4745,7 @@
       </p:sp>
       <p:sp>
         <p:nvSpPr>
-          <p:cNvPr id="139" name="Line"/>
+          <p:cNvPr id="158" name="Line"/>
           <p:cNvSpPr/>
           <p:nvPr/>
         </p:nvSpPr>
@@ -3853,7 +4786,7 @@
       </p:sp>
       <p:sp>
         <p:nvSpPr>
-          <p:cNvPr id="140" name="Data types"/>
+          <p:cNvPr id="159" name="Data types"/>
           <p:cNvSpPr txBox="1"/>
           <p:nvPr/>
         </p:nvSpPr>
@@ -3889,7 +4822,11 @@
               </a:spcBef>
               <a:defRPr b="0" sz="2500">
                 <a:solidFill>
-                  <a:schemeClr val="accent6"/>
+                  <a:schemeClr val="accent1">
+                    <a:hueOff val="47394"/>
+                    <a:satOff val="-25753"/>
+                    <a:lumOff val="-7544"/>
+                  </a:schemeClr>
                 </a:solidFill>
               </a:defRPr>
             </a:pPr>
@@ -3901,7 +4838,7 @@
       </p:sp>
       <p:sp>
         <p:nvSpPr>
-          <p:cNvPr id="141" name="Line"/>
+          <p:cNvPr id="160" name="Line"/>
           <p:cNvSpPr/>
           <p:nvPr/>
         </p:nvSpPr>
@@ -3942,7 +4879,7 @@
       </p:sp>
       <p:sp>
         <p:nvSpPr>
-          <p:cNvPr id="142" name="USEFUL ARGUMENTS"/>
+          <p:cNvPr id="161" name="USEFUL ARGUMENTS"/>
           <p:cNvSpPr txBox="1"/>
           <p:nvPr/>
         </p:nvSpPr>
@@ -3978,7 +4915,7 @@
       </p:sp>
       <p:sp>
         <p:nvSpPr>
-          <p:cNvPr id="143" name="Line"/>
+          <p:cNvPr id="162" name="Line"/>
           <p:cNvSpPr/>
           <p:nvPr/>
         </p:nvSpPr>
@@ -4021,14 +4958,14 @@
       </p:sp>
       <p:pic>
         <p:nvPicPr>
-          <p:cNvPr id="144" name="readr.png" descr="readr.png"/>
+          <p:cNvPr id="163" name="readr.png" descr="readr.png"/>
           <p:cNvPicPr>
             <a:picLocks noChangeAspect="1"/>
           </p:cNvPicPr>
           <p:nvPr/>
         </p:nvPicPr>
         <p:blipFill>
-          <a:blip r:embed="rId5">
+          <a:blip r:embed="rId4">
             <a:extLst/>
           </a:blip>
           <a:stretch>
@@ -4050,14 +4987,14 @@
       </p:pic>
       <p:pic>
         <p:nvPicPr>
-          <p:cNvPr id="145" name="Image" descr="Image"/>
+          <p:cNvPr id="164" name="Image" descr="Image"/>
           <p:cNvPicPr>
             <a:picLocks noChangeAspect="1"/>
           </p:cNvPicPr>
           <p:nvPr/>
         </p:nvPicPr>
         <p:blipFill>
-          <a:blip r:embed="rId6">
+          <a:blip r:embed="rId5">
             <a:extLst/>
           </a:blip>
           <a:stretch>
@@ -4079,7 +5016,7 @@
       </p:pic>
       <p:sp>
         <p:nvSpPr>
-          <p:cNvPr id="146" name="Line"/>
+          <p:cNvPr id="165" name="Line"/>
           <p:cNvSpPr/>
           <p:nvPr/>
         </p:nvSpPr>
@@ -4120,7 +5057,7 @@
       </p:sp>
       <p:sp>
         <p:nvSpPr>
-          <p:cNvPr id="147" name="OTHER TYPES OF DATA"/>
+          <p:cNvPr id="166" name="OTHER TYPES OF DATA"/>
           <p:cNvSpPr txBox="1"/>
           <p:nvPr/>
         </p:nvSpPr>
@@ -4174,7 +5111,7 @@
       </p:sp>
       <p:sp>
         <p:nvSpPr>
-          <p:cNvPr id="148" name="Comma delimited file…"/>
+          <p:cNvPr id="167" name="Comma delimited file…"/>
           <p:cNvSpPr txBox="1"/>
           <p:nvPr/>
         </p:nvSpPr>
@@ -4210,7 +5147,11 @@
               </a:spcBef>
               <a:defRPr>
                 <a:solidFill>
-                  <a:srgbClr val="6B8CB2"/>
+                  <a:schemeClr val="accent1">
+                    <a:hueOff val="47394"/>
+                    <a:satOff val="-25753"/>
+                    <a:lumOff val="-7544"/>
+                  </a:schemeClr>
                 </a:solidFill>
               </a:defRPr>
             </a:pPr>
@@ -4255,7 +5196,11 @@
               </a:spcBef>
               <a:defRPr>
                 <a:solidFill>
-                  <a:srgbClr val="6B8CB2"/>
+                  <a:schemeClr val="accent1">
+                    <a:hueOff val="47394"/>
+                    <a:satOff val="-25753"/>
+                    <a:lumOff val="-7544"/>
+                  </a:schemeClr>
                 </a:solidFill>
               </a:defRPr>
             </a:pPr>
@@ -4299,7 +5244,11 @@
               </a:spcBef>
               <a:defRPr>
                 <a:solidFill>
-                  <a:srgbClr val="6B8CB2"/>
+                  <a:schemeClr val="accent1">
+                    <a:hueOff val="47394"/>
+                    <a:satOff val="-25753"/>
+                    <a:lumOff val="-7544"/>
+                  </a:schemeClr>
                 </a:solidFill>
               </a:defRPr>
             </a:pPr>
@@ -4343,7 +5292,11 @@
               </a:spcBef>
               <a:defRPr>
                 <a:solidFill>
-                  <a:srgbClr val="6B8CB2"/>
+                  <a:schemeClr val="accent1">
+                    <a:hueOff val="47394"/>
+                    <a:satOff val="-25753"/>
+                    <a:lumOff val="-7544"/>
+                  </a:schemeClr>
                 </a:solidFill>
               </a:defRPr>
             </a:pPr>
@@ -4387,7 +5340,11 @@
               </a:spcBef>
               <a:defRPr>
                 <a:solidFill>
-                  <a:srgbClr val="6B8CB2"/>
+                  <a:schemeClr val="accent1">
+                    <a:hueOff val="47394"/>
+                    <a:satOff val="-25753"/>
+                    <a:lumOff val="-7544"/>
+                  </a:schemeClr>
                 </a:solidFill>
               </a:defRPr>
             </a:pPr>
@@ -4431,7 +5388,11 @@
               </a:spcBef>
               <a:defRPr>
                 <a:solidFill>
-                  <a:srgbClr val="6B8CB2"/>
+                  <a:schemeClr val="accent1">
+                    <a:hueOff val="47394"/>
+                    <a:satOff val="-25753"/>
+                    <a:lumOff val="-7544"/>
+                  </a:schemeClr>
                 </a:solidFill>
               </a:defRPr>
             </a:pPr>
@@ -4475,7 +5436,11 @@
               </a:spcBef>
               <a:defRPr>
                 <a:solidFill>
-                  <a:srgbClr val="6B8CB2"/>
+                  <a:schemeClr val="accent1">
+                    <a:hueOff val="47394"/>
+                    <a:satOff val="-25753"/>
+                    <a:lumOff val="-7544"/>
+                  </a:schemeClr>
                 </a:solidFill>
               </a:defRPr>
             </a:pPr>
@@ -4510,7 +5475,7 @@
       </p:sp>
       <p:sp>
         <p:nvSpPr>
-          <p:cNvPr id="149" name="Save x, an R object, to path, a file path, as:"/>
+          <p:cNvPr id="168" name="Save x, an R object, to path, a file path, as:"/>
           <p:cNvSpPr txBox="1"/>
           <p:nvPr/>
         </p:nvSpPr>
@@ -4556,7 +5521,11 @@
             <a:r>
               <a:rPr b="1">
                 <a:solidFill>
-                  <a:srgbClr val="6B8CB2"/>
+                  <a:schemeClr val="accent1">
+                    <a:hueOff val="47394"/>
+                    <a:satOff val="-25753"/>
+                    <a:lumOff val="-7544"/>
+                  </a:schemeClr>
                 </a:solidFill>
               </a:rPr>
               <a:t>x</a:t>
@@ -4567,7 +5536,11 @@
             <a:r>
               <a:rPr b="1">
                 <a:solidFill>
-                  <a:srgbClr val="6B8CB2"/>
+                  <a:schemeClr val="accent1">
+                    <a:hueOff val="47394"/>
+                    <a:satOff val="-25753"/>
+                    <a:lumOff val="-7544"/>
+                  </a:schemeClr>
                 </a:solidFill>
               </a:rPr>
               <a:t>path</a:t>
@@ -4580,7 +5553,7 @@
       </p:sp>
       <p:sp>
         <p:nvSpPr>
-          <p:cNvPr id="150" name="Skip lines…"/>
+          <p:cNvPr id="169" name="Skip lines…"/>
           <p:cNvSpPr txBox="1"/>
           <p:nvPr/>
         </p:nvSpPr>
@@ -4616,7 +5589,11 @@
               </a:spcBef>
               <a:defRPr>
                 <a:solidFill>
-                  <a:schemeClr val="accent6"/>
+                  <a:schemeClr val="accent1">
+                    <a:hueOff val="47394"/>
+                    <a:satOff val="-25753"/>
+                    <a:lumOff val="-7544"/>
+                  </a:schemeClr>
                 </a:solidFill>
               </a:defRPr>
             </a:pPr>
@@ -4692,7 +5669,11 @@
               </a:spcBef>
               <a:defRPr>
                 <a:solidFill>
-                  <a:schemeClr val="accent6"/>
+                  <a:schemeClr val="accent1">
+                    <a:hueOff val="47394"/>
+                    <a:satOff val="-25753"/>
+                    <a:lumOff val="-7544"/>
+                  </a:schemeClr>
                 </a:solidFill>
               </a:defRPr>
             </a:pPr>
@@ -4753,7 +5734,11 @@
               </a:spcBef>
               <a:defRPr>
                 <a:solidFill>
-                  <a:schemeClr val="accent6"/>
+                  <a:schemeClr val="accent1">
+                    <a:hueOff val="47394"/>
+                    <a:satOff val="-25753"/>
+                    <a:lumOff val="-7544"/>
+                  </a:schemeClr>
                 </a:solidFill>
               </a:defRPr>
             </a:pPr>
@@ -4790,7 +5775,7 @@
       </p:sp>
       <p:sp>
         <p:nvSpPr>
-          <p:cNvPr id="151" name="Comma Delimited Files…"/>
+          <p:cNvPr id="170" name="Comma Delimited Files…"/>
           <p:cNvSpPr txBox="1"/>
           <p:nvPr/>
         </p:nvSpPr>
@@ -4826,7 +5811,11 @@
               </a:spcBef>
               <a:defRPr>
                 <a:solidFill>
-                  <a:schemeClr val="accent6"/>
+                  <a:schemeClr val="accent1">
+                    <a:hueOff val="47394"/>
+                    <a:satOff val="-25753"/>
+                    <a:lumOff val="-7544"/>
+                  </a:schemeClr>
                 </a:solidFill>
               </a:defRPr>
             </a:pPr>
@@ -4936,7 +5925,11 @@
               </a:spcBef>
               <a:defRPr>
                 <a:solidFill>
-                  <a:schemeClr val="accent6"/>
+                  <a:schemeClr val="accent1">
+                    <a:hueOff val="47394"/>
+                    <a:satOff val="-25753"/>
+                    <a:lumOff val="-7544"/>
+                  </a:schemeClr>
                 </a:solidFill>
               </a:defRPr>
             </a:pPr>
@@ -5018,7 +6011,11 @@
               </a:spcBef>
               <a:defRPr>
                 <a:solidFill>
-                  <a:schemeClr val="accent6"/>
+                  <a:schemeClr val="accent1">
+                    <a:hueOff val="47394"/>
+                    <a:satOff val="-25753"/>
+                    <a:lumOff val="-7544"/>
+                  </a:schemeClr>
                 </a:solidFill>
               </a:defRPr>
             </a:pPr>
@@ -5104,7 +6101,11 @@
               </a:spcBef>
               <a:defRPr>
                 <a:solidFill>
-                  <a:schemeClr val="accent6"/>
+                  <a:schemeClr val="accent1">
+                    <a:hueOff val="47394"/>
+                    <a:satOff val="-25753"/>
+                    <a:lumOff val="-7544"/>
+                  </a:schemeClr>
                 </a:solidFill>
               </a:defRPr>
             </a:pPr>
@@ -5189,7 +6190,11 @@
               </a:spcBef>
               <a:defRPr>
                 <a:solidFill>
-                  <a:schemeClr val="accent6"/>
+                  <a:schemeClr val="accent1">
+                    <a:hueOff val="47394"/>
+                    <a:satOff val="-25753"/>
+                    <a:lumOff val="-7544"/>
+                  </a:schemeClr>
                 </a:solidFill>
               </a:defRPr>
             </a:pPr>
@@ -5257,7 +6262,7 @@
       </p:sp>
       <p:grpSp>
         <p:nvGrpSpPr>
-          <p:cNvPr id="156" name="Group"/>
+          <p:cNvPr id="175" name="Group"/>
           <p:cNvGrpSpPr/>
           <p:nvPr/>
         </p:nvGrpSpPr>
@@ -5271,7 +6276,7 @@
         </p:grpSpPr>
         <p:grpSp>
           <p:nvGrpSpPr>
-            <p:cNvPr id="154" name="Group"/>
+            <p:cNvPr id="173" name="Group"/>
             <p:cNvGrpSpPr/>
             <p:nvPr/>
           </p:nvGrpSpPr>
@@ -5285,14 +6290,14 @@
           </p:grpSpPr>
           <p:pic>
             <p:nvPicPr>
-              <p:cNvPr id="152" name="Image" descr="Image"/>
+              <p:cNvPr id="171" name="Image" descr="Image"/>
               <p:cNvPicPr>
                 <a:picLocks noChangeAspect="1"/>
               </p:cNvPicPr>
               <p:nvPr/>
             </p:nvPicPr>
             <p:blipFill>
-              <a:blip r:embed="rId7">
+              <a:blip r:embed="rId6">
                 <a:extLst/>
               </a:blip>
               <a:stretch>
@@ -5322,7 +6327,7 @@
           </p:pic>
           <p:sp>
             <p:nvSpPr>
-              <p:cNvPr id="153" name="Triangle"/>
+              <p:cNvPr id="172" name="Triangle"/>
               <p:cNvSpPr/>
               <p:nvPr/>
             </p:nvSpPr>
@@ -5399,7 +6404,7 @@
         </p:grpSp>
         <p:sp>
           <p:nvSpPr>
-            <p:cNvPr id="155" name="a,b,c…"/>
+            <p:cNvPr id="174" name="a,b,c…"/>
             <p:cNvSpPr txBox="1"/>
             <p:nvPr/>
           </p:nvSpPr>
@@ -5438,7 +6443,11 @@
                 </a:spcBef>
                 <a:defRPr b="0" i="1" sz="1100">
                   <a:solidFill>
-                    <a:schemeClr val="accent1"/>
+                    <a:schemeClr val="accent1">
+                      <a:hueOff val="47394"/>
+                      <a:satOff val="-25753"/>
+                      <a:lumOff val="-7544"/>
+                    </a:schemeClr>
                   </a:solidFill>
                 </a:defRPr>
               </a:pPr>
@@ -5456,7 +6465,11 @@
                 </a:spcBef>
                 <a:defRPr b="0" i="1" sz="1100">
                   <a:solidFill>
-                    <a:schemeClr val="accent1"/>
+                    <a:schemeClr val="accent1">
+                      <a:hueOff val="47394"/>
+                      <a:satOff val="-25753"/>
+                      <a:lumOff val="-7544"/>
+                    </a:schemeClr>
                   </a:solidFill>
                 </a:defRPr>
               </a:pPr>
@@ -5474,7 +6487,11 @@
                 </a:spcBef>
                 <a:defRPr b="0" i="1" sz="1100">
                   <a:solidFill>
-                    <a:schemeClr val="accent1"/>
+                    <a:schemeClr val="accent1">
+                      <a:hueOff val="47394"/>
+                      <a:satOff val="-25753"/>
+                      <a:lumOff val="-7544"/>
+                    </a:schemeClr>
                   </a:solidFill>
                 </a:defRPr>
               </a:pPr>
@@ -5487,7 +6504,7 @@
       </p:grpSp>
       <p:grpSp>
         <p:nvGrpSpPr>
-          <p:cNvPr id="161" name="Group"/>
+          <p:cNvPr id="180" name="Group"/>
           <p:cNvGrpSpPr/>
           <p:nvPr/>
         </p:nvGrpSpPr>
@@ -5501,7 +6518,7 @@
         </p:grpSpPr>
         <p:grpSp>
           <p:nvGrpSpPr>
-            <p:cNvPr id="159" name="Group"/>
+            <p:cNvPr id="178" name="Group"/>
             <p:cNvGrpSpPr/>
             <p:nvPr/>
           </p:nvGrpSpPr>
@@ -5515,14 +6532,14 @@
           </p:grpSpPr>
           <p:pic>
             <p:nvPicPr>
-              <p:cNvPr id="157" name="Image" descr="Image"/>
+              <p:cNvPr id="176" name="Image" descr="Image"/>
               <p:cNvPicPr>
                 <a:picLocks noChangeAspect="1"/>
               </p:cNvPicPr>
               <p:nvPr/>
             </p:nvPicPr>
             <p:blipFill>
-              <a:blip r:embed="rId7">
+              <a:blip r:embed="rId6">
                 <a:extLst/>
               </a:blip>
               <a:stretch>
@@ -5552,7 +6569,7 @@
           </p:pic>
           <p:sp>
             <p:nvSpPr>
-              <p:cNvPr id="158" name="Triangle"/>
+              <p:cNvPr id="177" name="Triangle"/>
               <p:cNvSpPr/>
               <p:nvPr/>
             </p:nvSpPr>
@@ -5629,7 +6646,7 @@
         </p:grpSp>
         <p:sp>
           <p:nvSpPr>
-            <p:cNvPr id="160" name="a;b;c…"/>
+            <p:cNvPr id="179" name="a;b;c…"/>
             <p:cNvSpPr txBox="1"/>
             <p:nvPr/>
           </p:nvSpPr>
@@ -5668,7 +6685,11 @@
                 </a:spcBef>
                 <a:defRPr b="0" i="1" sz="1100">
                   <a:solidFill>
-                    <a:schemeClr val="accent1"/>
+                    <a:schemeClr val="accent1">
+                      <a:hueOff val="47394"/>
+                      <a:satOff val="-25753"/>
+                      <a:lumOff val="-7544"/>
+                    </a:schemeClr>
                   </a:solidFill>
                 </a:defRPr>
               </a:pPr>
@@ -5686,7 +6707,11 @@
                 </a:spcBef>
                 <a:defRPr b="0" i="1" sz="1100">
                   <a:solidFill>
-                    <a:schemeClr val="accent1"/>
+                    <a:schemeClr val="accent1">
+                      <a:hueOff val="47394"/>
+                      <a:satOff val="-25753"/>
+                      <a:lumOff val="-7544"/>
+                    </a:schemeClr>
                   </a:solidFill>
                 </a:defRPr>
               </a:pPr>
@@ -5704,7 +6729,11 @@
                 </a:spcBef>
                 <a:defRPr b="0" i="1" sz="1100">
                   <a:solidFill>
-                    <a:schemeClr val="accent1"/>
+                    <a:schemeClr val="accent1">
+                      <a:hueOff val="47394"/>
+                      <a:satOff val="-25753"/>
+                      <a:lumOff val="-7544"/>
+                    </a:schemeClr>
                   </a:solidFill>
                 </a:defRPr>
               </a:pPr>
@@ -5717,7 +6746,7 @@
       </p:grpSp>
       <p:grpSp>
         <p:nvGrpSpPr>
-          <p:cNvPr id="166" name="Group"/>
+          <p:cNvPr id="185" name="Group"/>
           <p:cNvGrpSpPr/>
           <p:nvPr/>
         </p:nvGrpSpPr>
@@ -5731,7 +6760,7 @@
         </p:grpSpPr>
         <p:grpSp>
           <p:nvGrpSpPr>
-            <p:cNvPr id="164" name="Group"/>
+            <p:cNvPr id="183" name="Group"/>
             <p:cNvGrpSpPr/>
             <p:nvPr/>
           </p:nvGrpSpPr>
@@ -5745,14 +6774,14 @@
           </p:grpSpPr>
           <p:pic>
             <p:nvPicPr>
-              <p:cNvPr id="162" name="Image" descr="Image"/>
+              <p:cNvPr id="181" name="Image" descr="Image"/>
               <p:cNvPicPr>
                 <a:picLocks noChangeAspect="1"/>
               </p:cNvPicPr>
               <p:nvPr/>
             </p:nvPicPr>
             <p:blipFill>
-              <a:blip r:embed="rId7">
+              <a:blip r:embed="rId6">
                 <a:extLst/>
               </a:blip>
               <a:stretch>
@@ -5782,7 +6811,7 @@
           </p:pic>
           <p:sp>
             <p:nvSpPr>
-              <p:cNvPr id="163" name="Triangle"/>
+              <p:cNvPr id="182" name="Triangle"/>
               <p:cNvSpPr/>
               <p:nvPr/>
             </p:nvSpPr>
@@ -5859,7 +6888,7 @@
         </p:grpSp>
         <p:sp>
           <p:nvSpPr>
-            <p:cNvPr id="165" name="a|b|c…"/>
+            <p:cNvPr id="184" name="a|b|c…"/>
             <p:cNvSpPr txBox="1"/>
             <p:nvPr/>
           </p:nvSpPr>
@@ -5898,7 +6927,11 @@
                 </a:spcBef>
                 <a:defRPr b="0" i="1" sz="1100">
                   <a:solidFill>
-                    <a:schemeClr val="accent1"/>
+                    <a:schemeClr val="accent1">
+                      <a:hueOff val="47394"/>
+                      <a:satOff val="-25753"/>
+                      <a:lumOff val="-7544"/>
+                    </a:schemeClr>
                   </a:solidFill>
                 </a:defRPr>
               </a:pPr>
@@ -5916,7 +6949,11 @@
                 </a:spcBef>
                 <a:defRPr b="0" i="1" sz="1100">
                   <a:solidFill>
-                    <a:schemeClr val="accent1"/>
+                    <a:schemeClr val="accent1">
+                      <a:hueOff val="47394"/>
+                      <a:satOff val="-25753"/>
+                      <a:lumOff val="-7544"/>
+                    </a:schemeClr>
                   </a:solidFill>
                 </a:defRPr>
               </a:pPr>
@@ -5934,7 +6971,11 @@
                 </a:spcBef>
                 <a:defRPr b="0" i="1" sz="1100">
                   <a:solidFill>
-                    <a:schemeClr val="accent1"/>
+                    <a:schemeClr val="accent1">
+                      <a:hueOff val="47394"/>
+                      <a:satOff val="-25753"/>
+                      <a:lumOff val="-7544"/>
+                    </a:schemeClr>
                   </a:solidFill>
                 </a:defRPr>
               </a:pPr>
@@ -5947,7 +6988,7 @@
       </p:grpSp>
       <p:grpSp>
         <p:nvGrpSpPr>
-          <p:cNvPr id="171" name="Group"/>
+          <p:cNvPr id="190" name="Group"/>
           <p:cNvGrpSpPr/>
           <p:nvPr/>
         </p:nvGrpSpPr>
@@ -5961,7 +7002,7 @@
         </p:grpSpPr>
         <p:grpSp>
           <p:nvGrpSpPr>
-            <p:cNvPr id="169" name="Group"/>
+            <p:cNvPr id="188" name="Group"/>
             <p:cNvGrpSpPr/>
             <p:nvPr/>
           </p:nvGrpSpPr>
@@ -5975,14 +7016,14 @@
           </p:grpSpPr>
           <p:pic>
             <p:nvPicPr>
-              <p:cNvPr id="167" name="Image" descr="Image"/>
+              <p:cNvPr id="186" name="Image" descr="Image"/>
               <p:cNvPicPr>
                 <a:picLocks noChangeAspect="1"/>
               </p:cNvPicPr>
               <p:nvPr/>
             </p:nvPicPr>
             <p:blipFill>
-              <a:blip r:embed="rId7">
+              <a:blip r:embed="rId6">
                 <a:extLst/>
               </a:blip>
               <a:stretch>
@@ -6012,7 +7053,7 @@
           </p:pic>
           <p:sp>
             <p:nvSpPr>
-              <p:cNvPr id="168" name="Triangle"/>
+              <p:cNvPr id="187" name="Triangle"/>
               <p:cNvSpPr/>
               <p:nvPr/>
             </p:nvSpPr>
@@ -6089,7 +7130,7 @@
         </p:grpSp>
         <p:sp>
           <p:nvSpPr>
-            <p:cNvPr id="170" name="a  b  c…"/>
+            <p:cNvPr id="189" name="a  b  c…"/>
             <p:cNvSpPr txBox="1"/>
             <p:nvPr/>
           </p:nvSpPr>
@@ -6128,7 +7169,11 @@
                 </a:spcBef>
                 <a:defRPr b="0" i="1" sz="1100">
                   <a:solidFill>
-                    <a:schemeClr val="accent1"/>
+                    <a:schemeClr val="accent1">
+                      <a:hueOff val="47394"/>
+                      <a:satOff val="-25753"/>
+                      <a:lumOff val="-7544"/>
+                    </a:schemeClr>
                   </a:solidFill>
                 </a:defRPr>
               </a:pPr>
@@ -6146,7 +7191,11 @@
                 </a:spcBef>
                 <a:defRPr b="0" i="1" sz="1100">
                   <a:solidFill>
-                    <a:schemeClr val="accent1"/>
+                    <a:schemeClr val="accent1">
+                      <a:hueOff val="47394"/>
+                      <a:satOff val="-25753"/>
+                      <a:lumOff val="-7544"/>
+                    </a:schemeClr>
                   </a:solidFill>
                 </a:defRPr>
               </a:pPr>
@@ -6164,7 +7213,11 @@
                 </a:spcBef>
                 <a:defRPr b="0" i="1" sz="1100">
                   <a:solidFill>
-                    <a:schemeClr val="accent1"/>
+                    <a:schemeClr val="accent1">
+                      <a:hueOff val="47394"/>
+                      <a:satOff val="-25753"/>
+                      <a:lumOff val="-7544"/>
+                    </a:schemeClr>
                   </a:solidFill>
                 </a:defRPr>
               </a:pPr>
@@ -6177,7 +7230,7 @@
       </p:grpSp>
       <p:graphicFrame>
         <p:nvGraphicFramePr>
-          <p:cNvPr id="172" name="Table"/>
+          <p:cNvPr id="191" name="Table"/>
           <p:cNvGraphicFramePr/>
           <p:nvPr/>
         </p:nvGraphicFramePr>
@@ -6359,7 +7412,7 @@
       </p:graphicFrame>
       <p:graphicFrame>
         <p:nvGraphicFramePr>
-          <p:cNvPr id="173" name="Table"/>
+          <p:cNvPr id="192" name="Table"/>
           <p:cNvGraphicFramePr/>
           <p:nvPr/>
         </p:nvGraphicFramePr>
@@ -6591,7 +7644,7 @@
       </p:graphicFrame>
       <p:graphicFrame>
         <p:nvGraphicFramePr>
-          <p:cNvPr id="174" name="Table"/>
+          <p:cNvPr id="193" name="Table"/>
           <p:cNvGraphicFramePr/>
           <p:nvPr/>
         </p:nvGraphicFramePr>
@@ -6873,7 +7926,7 @@
       </p:graphicFrame>
       <p:graphicFrame>
         <p:nvGraphicFramePr>
-          <p:cNvPr id="175" name="Table"/>
+          <p:cNvPr id="194" name="Table"/>
           <p:cNvGraphicFramePr/>
           <p:nvPr/>
         </p:nvGraphicFramePr>
@@ -7114,7 +8167,7 @@
       </p:graphicFrame>
       <p:graphicFrame>
         <p:nvGraphicFramePr>
-          <p:cNvPr id="176" name="Table"/>
+          <p:cNvPr id="195" name="Table"/>
           <p:cNvGraphicFramePr/>
           <p:nvPr/>
         </p:nvGraphicFramePr>
@@ -7296,7 +8349,7 @@
       </p:graphicFrame>
       <p:graphicFrame>
         <p:nvGraphicFramePr>
-          <p:cNvPr id="177" name="Table"/>
+          <p:cNvPr id="196" name="Table"/>
           <p:cNvGraphicFramePr/>
           <p:nvPr/>
         </p:nvGraphicFramePr>
@@ -7537,7 +8590,7 @@
       </p:graphicFrame>
       <p:sp>
         <p:nvSpPr>
-          <p:cNvPr id="178" name="Line"/>
+          <p:cNvPr id="197" name="Line"/>
           <p:cNvSpPr/>
           <p:nvPr/>
         </p:nvSpPr>
@@ -7590,7 +8643,7 @@
       </p:sp>
       <p:graphicFrame>
         <p:nvGraphicFramePr>
-          <p:cNvPr id="179" name="Table"/>
+          <p:cNvPr id="198" name="Table"/>
           <p:cNvGraphicFramePr/>
           <p:nvPr/>
         </p:nvGraphicFramePr>
@@ -7831,7 +8884,7 @@
       </p:graphicFrame>
       <p:sp>
         <p:nvSpPr>
-          <p:cNvPr id="180" name="Line"/>
+          <p:cNvPr id="199" name="Line"/>
           <p:cNvSpPr/>
           <p:nvPr/>
         </p:nvSpPr>
@@ -7884,7 +8937,7 @@
       </p:sp>
       <p:graphicFrame>
         <p:nvGraphicFramePr>
-          <p:cNvPr id="181" name="Table"/>
+          <p:cNvPr id="200" name="Table"/>
           <p:cNvGraphicFramePr/>
           <p:nvPr/>
         </p:nvGraphicFramePr>
@@ -8125,7 +9178,7 @@
       </p:graphicFrame>
       <p:sp>
         <p:nvSpPr>
-          <p:cNvPr id="182" name="Line"/>
+          <p:cNvPr id="201" name="Line"/>
           <p:cNvSpPr/>
           <p:nvPr/>
         </p:nvSpPr>
@@ -8178,7 +9231,7 @@
       </p:sp>
       <p:graphicFrame>
         <p:nvGraphicFramePr>
-          <p:cNvPr id="183" name="Table"/>
+          <p:cNvPr id="202" name="Table"/>
           <p:cNvGraphicFramePr/>
           <p:nvPr/>
         </p:nvGraphicFramePr>
@@ -8419,7 +9472,7 @@
       </p:graphicFrame>
       <p:sp>
         <p:nvSpPr>
-          <p:cNvPr id="184" name="Line"/>
+          <p:cNvPr id="203" name="Line"/>
           <p:cNvSpPr/>
           <p:nvPr/>
         </p:nvSpPr>
@@ -8472,7 +9525,7 @@
       </p:sp>
       <p:grpSp>
         <p:nvGrpSpPr>
-          <p:cNvPr id="189" name="Group"/>
+          <p:cNvPr id="208" name="Group"/>
           <p:cNvGrpSpPr/>
           <p:nvPr/>
         </p:nvGrpSpPr>
@@ -8486,7 +9539,7 @@
         </p:grpSpPr>
         <p:grpSp>
           <p:nvGrpSpPr>
-            <p:cNvPr id="187" name="Group"/>
+            <p:cNvPr id="206" name="Group"/>
             <p:cNvGrpSpPr/>
             <p:nvPr/>
           </p:nvGrpSpPr>
@@ -8500,14 +9553,14 @@
           </p:grpSpPr>
           <p:pic>
             <p:nvPicPr>
-              <p:cNvPr id="185" name="Image" descr="Image"/>
+              <p:cNvPr id="204" name="Image" descr="Image"/>
               <p:cNvPicPr>
                 <a:picLocks noChangeAspect="1"/>
               </p:cNvPicPr>
               <p:nvPr/>
             </p:nvPicPr>
             <p:blipFill>
-              <a:blip r:embed="rId7">
+              <a:blip r:embed="rId6">
                 <a:extLst/>
               </a:blip>
               <a:stretch>
@@ -8537,7 +9590,7 @@
           </p:pic>
           <p:sp>
             <p:nvSpPr>
-              <p:cNvPr id="186" name="Triangle"/>
+              <p:cNvPr id="205" name="Triangle"/>
               <p:cNvSpPr/>
               <p:nvPr/>
             </p:nvSpPr>
@@ -8614,7 +9667,7 @@
         </p:grpSp>
         <p:sp>
           <p:nvSpPr>
-            <p:cNvPr id="188" name="a,b,c…"/>
+            <p:cNvPr id="207" name="a,b,c…"/>
             <p:cNvSpPr txBox="1"/>
             <p:nvPr/>
           </p:nvSpPr>
@@ -8653,7 +9706,11 @@
                 </a:spcBef>
                 <a:defRPr b="0" i="1" sz="1100">
                   <a:solidFill>
-                    <a:schemeClr val="accent1"/>
+                    <a:schemeClr val="accent1">
+                      <a:hueOff val="47394"/>
+                      <a:satOff val="-25753"/>
+                      <a:lumOff val="-7544"/>
+                    </a:schemeClr>
                   </a:solidFill>
                 </a:defRPr>
               </a:pPr>
@@ -8671,7 +9728,11 @@
                 </a:spcBef>
                 <a:defRPr b="0" i="1" sz="1100">
                   <a:solidFill>
-                    <a:schemeClr val="accent1"/>
+                    <a:schemeClr val="accent1">
+                      <a:hueOff val="47394"/>
+                      <a:satOff val="-25753"/>
+                      <a:lumOff val="-7544"/>
+                    </a:schemeClr>
                   </a:solidFill>
                 </a:defRPr>
               </a:pPr>
@@ -8689,7 +9750,11 @@
                 </a:spcBef>
                 <a:defRPr b="0" i="1" sz="1100">
                   <a:solidFill>
-                    <a:schemeClr val="accent1"/>
+                    <a:schemeClr val="accent1">
+                      <a:hueOff val="47394"/>
+                      <a:satOff val="-25753"/>
+                      <a:lumOff val="-7544"/>
+                    </a:schemeClr>
                   </a:solidFill>
                 </a:defRPr>
               </a:pPr>
@@ -8702,7 +9767,7 @@
       </p:grpSp>
       <p:sp>
         <p:nvSpPr>
-          <p:cNvPr id="190" name="Example file…"/>
+          <p:cNvPr id="209" name="Example file…"/>
           <p:cNvSpPr txBox="1"/>
           <p:nvPr/>
         </p:nvSpPr>
@@ -8738,7 +9803,11 @@
               </a:spcBef>
               <a:defRPr>
                 <a:solidFill>
-                  <a:schemeClr val="accent6"/>
+                  <a:schemeClr val="accent1">
+                    <a:hueOff val="47394"/>
+                    <a:satOff val="-25753"/>
+                    <a:lumOff val="-7544"/>
+                  </a:schemeClr>
                 </a:solidFill>
               </a:defRPr>
             </a:pPr>
@@ -8807,7 +9876,11 @@
               </a:spcBef>
               <a:defRPr>
                 <a:solidFill>
-                  <a:schemeClr val="accent6"/>
+                  <a:schemeClr val="accent1">
+                    <a:hueOff val="47394"/>
+                    <a:satOff val="-25753"/>
+                    <a:lumOff val="-7544"/>
+                  </a:schemeClr>
                 </a:solidFill>
               </a:defRPr>
             </a:pPr>
@@ -8865,7 +9938,11 @@
               </a:spcBef>
               <a:defRPr>
                 <a:solidFill>
-                  <a:schemeClr val="accent6"/>
+                  <a:schemeClr val="accent1">
+                    <a:hueOff val="47394"/>
+                    <a:satOff val="-25753"/>
+                    <a:lumOff val="-7544"/>
+                  </a:schemeClr>
                 </a:solidFill>
               </a:defRPr>
             </a:pPr>
@@ -8902,116 +9979,7 @@
       </p:sp>
       <p:sp>
         <p:nvSpPr>
-          <p:cNvPr id="191" name="Group"/>
-          <p:cNvSpPr/>
-          <p:nvPr/>
-        </p:nvSpPr>
-        <p:spPr>
-          <a:xfrm>
-            <a:off x="3759895" y="1672238"/>
-            <a:ext cx="6425703" cy="689826"/>
-          </a:xfrm>
-          <a:prstGeom prst="rect">
-            <a:avLst/>
-          </a:prstGeom>
-          <a:solidFill>
-            <a:srgbClr val="79B0DC">
-              <a:alpha val="23776"/>
-            </a:srgbClr>
-          </a:solidFill>
-          <a:ln w="12700">
-            <a:miter lim="400000"/>
-          </a:ln>
-        </p:spPr>
-        <p:txBody>
-          <a:bodyPr lIns="54570" tIns="54570" rIns="54570" bIns="54570" anchor="ctr"/>
-          <a:lstStyle/>
-          <a:p>
-            <a:pPr>
-              <a:lnSpc>
-                <a:spcPct val="80000"/>
-              </a:lnSpc>
-              <a:spcBef>
-                <a:spcPts val="0"/>
-              </a:spcBef>
-              <a:defRPr b="0" sz="1000">
-                <a:solidFill>
-                  <a:srgbClr val="000000"/>
-                </a:solidFill>
-              </a:defRPr>
-            </a:pPr>
-          </a:p>
-        </p:txBody>
-      </p:sp>
-      <p:sp>
-        <p:nvSpPr>
-          <p:cNvPr id="192" name="read_*(file, col_names = TRUE, col_types = NULL, locale = default_locale(), na = c(&quot;&quot;, &quot;NA&quot;), quoted_na = TRUE, comment = &quot;&quot;, trim_ws = TRUE, skip = 0, n_max = Inf, guess_max = min(1000, n_max), progress = interactive())"/>
-          <p:cNvSpPr txBox="1"/>
-          <p:nvPr/>
-        </p:nvSpPr>
-        <p:spPr>
-          <a:xfrm>
-            <a:off x="3777516" y="1674085"/>
-            <a:ext cx="6414968" cy="642541"/>
-          </a:xfrm>
-          <a:prstGeom prst="rect">
-            <a:avLst/>
-          </a:prstGeom>
-          <a:ln w="12700">
-            <a:miter lim="400000"/>
-          </a:ln>
-          <a:extLst>
-            <a:ext uri="{C572A759-6A51-4108-AA02-DFA0A04FC94B}">
-              <ma14:wrappingTextBoxFlag xmlns:ma14="http://schemas.microsoft.com/office/mac/drawingml/2011/main" val="1"/>
-            </a:ext>
-          </a:extLst>
-        </p:spPr>
-        <p:txBody>
-          <a:bodyPr lIns="54570" tIns="54570" rIns="54570" bIns="54570" anchor="ctr">
-            <a:spAutoFit/>
-          </a:bodyPr>
-          <a:lstStyle/>
-          <a:p>
-            <a:pPr marL="114300" indent="-114300">
-              <a:lnSpc>
-                <a:spcPct val="90000"/>
-              </a:lnSpc>
-              <a:spcBef>
-                <a:spcPts val="300"/>
-              </a:spcBef>
-              <a:defRPr b="0">
-                <a:solidFill>
-                  <a:srgbClr val="000000"/>
-                </a:solidFill>
-              </a:defRPr>
-            </a:pPr>
-            <a:r>
-              <a:rPr>
-                <a:latin typeface="Source Sans Pro Semibold"/>
-                <a:ea typeface="Source Sans Pro Semibold"/>
-                <a:cs typeface="Source Sans Pro Semibold"/>
-                <a:sym typeface="Source Sans Pro Semibold"/>
-              </a:rPr>
-              <a:t>read_*(</a:t>
-            </a:r>
-            <a:r>
-              <a:t>file, col_names = TRUE, col_types = NULL, locale = default_locale(), na = c("", "NA"), quoted_na = TRUE, comment = "", trim_ws = TRUE, skip = 0, n_max = Inf, guess_max = min(1000, n_max), progress = interactive()</a:t>
-            </a:r>
-            <a:r>
-              <a:rPr>
-                <a:latin typeface="Source Sans Pro Semibold"/>
-                <a:ea typeface="Source Sans Pro Semibold"/>
-                <a:cs typeface="Source Sans Pro Semibold"/>
-                <a:sym typeface="Source Sans Pro Semibold"/>
-              </a:rPr>
-              <a:t>)</a:t>
-            </a:r>
-          </a:p>
-        </p:txBody>
-      </p:sp>
-      <p:sp>
-        <p:nvSpPr>
-          <p:cNvPr id="193" name="Read a file into a single string…"/>
+          <p:cNvPr id="210" name="Read a file into a single string…"/>
           <p:cNvSpPr txBox="1"/>
           <p:nvPr/>
         </p:nvSpPr>
@@ -9044,7 +10012,11 @@
               </a:lnSpc>
               <a:defRPr>
                 <a:solidFill>
-                  <a:schemeClr val="accent6"/>
+                  <a:schemeClr val="accent1">
+                    <a:hueOff val="47394"/>
+                    <a:satOff val="-25753"/>
+                    <a:lumOff val="-7544"/>
+                  </a:schemeClr>
                 </a:solidFill>
               </a:defRPr>
             </a:pPr>
@@ -9093,7 +10065,11 @@
               </a:lnSpc>
               <a:defRPr>
                 <a:solidFill>
-                  <a:schemeClr val="accent6"/>
+                  <a:schemeClr val="accent1">
+                    <a:hueOff val="47394"/>
+                    <a:satOff val="-25753"/>
+                    <a:lumOff val="-7544"/>
+                  </a:schemeClr>
                 </a:solidFill>
               </a:defRPr>
             </a:pPr>
@@ -9144,7 +10120,7 @@
       </p:sp>
       <p:sp>
         <p:nvSpPr>
-          <p:cNvPr id="194" name="Line"/>
+          <p:cNvPr id="211" name="Line"/>
           <p:cNvSpPr/>
           <p:nvPr/>
         </p:nvSpPr>
@@ -9185,7 +10161,7 @@
       </p:sp>
       <p:sp>
         <p:nvSpPr>
-          <p:cNvPr id="195" name="Read a file into a raw vector…"/>
+          <p:cNvPr id="212" name="Read a file into a raw vector…"/>
           <p:cNvSpPr txBox="1"/>
           <p:nvPr/>
         </p:nvSpPr>
@@ -9218,7 +10194,11 @@
               </a:lnSpc>
               <a:defRPr>
                 <a:solidFill>
-                  <a:schemeClr val="accent6"/>
+                  <a:schemeClr val="accent1">
+                    <a:hueOff val="47394"/>
+                    <a:satOff val="-25753"/>
+                    <a:lumOff val="-7544"/>
+                  </a:schemeClr>
                 </a:solidFill>
               </a:defRPr>
             </a:pPr>
@@ -9275,7 +10255,11 @@
               </a:lnSpc>
               <a:defRPr>
                 <a:solidFill>
-                  <a:schemeClr val="accent6"/>
+                  <a:schemeClr val="accent1">
+                    <a:hueOff val="47394"/>
+                    <a:satOff val="-25753"/>
+                    <a:lumOff val="-7544"/>
+                  </a:schemeClr>
                 </a:solidFill>
               </a:defRPr>
             </a:pPr>
@@ -9329,7 +10313,7 @@
       </p:sp>
       <p:sp>
         <p:nvSpPr>
-          <p:cNvPr id="196" name="Read Non-Tabular Data"/>
+          <p:cNvPr id="213" name="Read Non-Tabular Data"/>
           <p:cNvSpPr txBox="1"/>
           <p:nvPr/>
         </p:nvSpPr>
@@ -9365,7 +10349,11 @@
               </a:spcBef>
               <a:defRPr b="0" sz="2500">
                 <a:solidFill>
-                  <a:schemeClr val="accent6"/>
+                  <a:schemeClr val="accent1">
+                    <a:hueOff val="47394"/>
+                    <a:satOff val="-25753"/>
+                    <a:lumOff val="-7544"/>
+                  </a:schemeClr>
                 </a:solidFill>
               </a:defRPr>
             </a:pPr>
@@ -9377,7 +10365,7 @@
       </p:sp>
       <p:sp>
         <p:nvSpPr>
-          <p:cNvPr id="197" name="Read Apache style log files…"/>
+          <p:cNvPr id="214" name="Read Apache style log files…"/>
           <p:cNvSpPr txBox="1"/>
           <p:nvPr/>
         </p:nvSpPr>
@@ -9410,7 +10398,11 @@
               </a:lnSpc>
               <a:defRPr>
                 <a:solidFill>
-                  <a:schemeClr val="accent6"/>
+                  <a:schemeClr val="accent1">
+                    <a:hueOff val="47394"/>
+                    <a:satOff val="-25753"/>
+                    <a:lumOff val="-7544"/>
+                  </a:schemeClr>
                 </a:solidFill>
               </a:defRPr>
             </a:pPr>
@@ -9461,7 +10453,7 @@
       </p:sp>
       <p:sp>
         <p:nvSpPr>
-          <p:cNvPr id="198" name="## Parsed with column specification:…"/>
+          <p:cNvPr id="215" name="## Parsed with column specification:…"/>
           <p:cNvSpPr txBox="1"/>
           <p:nvPr/>
         </p:nvSpPr>
@@ -9611,7 +10603,7 @@
       </p:sp>
       <p:sp>
         <p:nvSpPr>
-          <p:cNvPr id="199" name="1. Use problems() to diagnose problems.…"/>
+          <p:cNvPr id="216" name="1. Use problems() to diagnose problems.…"/>
           <p:cNvSpPr txBox="1"/>
           <p:nvPr/>
         </p:nvSpPr>
@@ -9669,7 +10661,11 @@
               </a:spcBef>
               <a:defRPr i="1" sz="1164">
                 <a:solidFill>
-                  <a:schemeClr val="accent6"/>
+                  <a:schemeClr val="accent1">
+                    <a:hueOff val="47394"/>
+                    <a:satOff val="-25753"/>
+                    <a:lumOff val="-7544"/>
+                  </a:schemeClr>
                 </a:solidFill>
               </a:defRPr>
             </a:pPr>
@@ -9965,7 +10961,11 @@
               </a:spcBef>
               <a:defRPr i="1" sz="1164">
                 <a:solidFill>
-                  <a:schemeClr val="accent6"/>
+                  <a:schemeClr val="accent1">
+                    <a:hueOff val="47394"/>
+                    <a:satOff val="-25753"/>
+                    <a:lumOff val="-7544"/>
+                  </a:schemeClr>
                 </a:solidFill>
               </a:defRPr>
             </a:pPr>
@@ -9983,7 +10983,11 @@
               </a:spcBef>
               <a:defRPr i="1" sz="1164">
                 <a:solidFill>
-                  <a:schemeClr val="accent6"/>
+                  <a:schemeClr val="accent1">
+                    <a:hueOff val="47394"/>
+                    <a:satOff val="-25753"/>
+                    <a:lumOff val="-7544"/>
+                  </a:schemeClr>
                 </a:solidFill>
               </a:defRPr>
             </a:pPr>
@@ -10001,7 +11005,11 @@
               </a:spcBef>
               <a:defRPr i="1" sz="1164">
                 <a:solidFill>
-                  <a:schemeClr val="accent6"/>
+                  <a:schemeClr val="accent1">
+                    <a:hueOff val="47394"/>
+                    <a:satOff val="-25753"/>
+                    <a:lumOff val="-7544"/>
+                  </a:schemeClr>
                 </a:solidFill>
               </a:defRPr>
             </a:pPr>
@@ -10019,7 +11027,11 @@
               </a:spcBef>
               <a:defRPr i="1" sz="1164">
                 <a:solidFill>
-                  <a:schemeClr val="accent6"/>
+                  <a:schemeClr val="accent1">
+                    <a:hueOff val="47394"/>
+                    <a:satOff val="-25753"/>
+                    <a:lumOff val="-7544"/>
+                  </a:schemeClr>
                 </a:solidFill>
               </a:defRPr>
             </a:pPr>
@@ -10205,7 +11217,11 @@
               </a:spcBef>
               <a:defRPr i="1" sz="1164">
                 <a:solidFill>
-                  <a:schemeClr val="accent6"/>
+                  <a:schemeClr val="accent1">
+                    <a:hueOff val="47394"/>
+                    <a:satOff val="-25753"/>
+                    <a:lumOff val="-7544"/>
+                  </a:schemeClr>
                 </a:solidFill>
               </a:defRPr>
             </a:pPr>
@@ -10217,7 +11233,7 @@
       </p:sp>
       <p:sp>
         <p:nvSpPr>
-          <p:cNvPr id="200" name="readr functions guess…"/>
+          <p:cNvPr id="217" name="readr functions guess…"/>
           <p:cNvSpPr txBox="1"/>
           <p:nvPr/>
         </p:nvSpPr>
@@ -10335,7 +11351,7 @@
       </p:sp>
       <p:sp>
         <p:nvSpPr>
-          <p:cNvPr id="201" name="earn is a double (numeric)"/>
+          <p:cNvPr id="218" name="earn is a double (numeric)"/>
           <p:cNvSpPr/>
           <p:nvPr/>
         </p:nvSpPr>
@@ -10414,9 +11430,10 @@
             </a:pathLst>
           </a:custGeom>
           <a:solidFill>
-            <a:schemeClr val="accent6">
-              <a:satOff val="21212"/>
-              <a:lumOff val="6862"/>
+            <a:schemeClr val="accent1">
+              <a:hueOff val="47394"/>
+              <a:satOff val="-25753"/>
+              <a:lumOff val="-7544"/>
             </a:schemeClr>
           </a:solidFill>
           <a:ln w="12700">
@@ -10455,7 +11472,7 @@
       </p:sp>
       <p:sp>
         <p:nvSpPr>
-          <p:cNvPr id="202" name="sex is a character"/>
+          <p:cNvPr id="219" name="sex is a character"/>
           <p:cNvSpPr/>
           <p:nvPr/>
         </p:nvSpPr>
@@ -10531,9 +11548,10 @@
             </a:pathLst>
           </a:custGeom>
           <a:solidFill>
-            <a:schemeClr val="accent6">
-              <a:satOff val="21212"/>
-              <a:lumOff val="6862"/>
+            <a:schemeClr val="accent1">
+              <a:hueOff val="47394"/>
+              <a:satOff val="-25753"/>
+              <a:lumOff val="-7544"/>
             </a:schemeClr>
           </a:solidFill>
           <a:ln w="12700">
@@ -10572,7 +11590,7 @@
       </p:sp>
       <p:sp>
         <p:nvSpPr>
-          <p:cNvPr id="203" name="age is an integer"/>
+          <p:cNvPr id="220" name="age is an integer"/>
           <p:cNvSpPr/>
           <p:nvPr/>
         </p:nvSpPr>
@@ -10651,9 +11669,10 @@
             </a:pathLst>
           </a:custGeom>
           <a:solidFill>
-            <a:schemeClr val="accent6">
-              <a:satOff val="21212"/>
-              <a:lumOff val="6862"/>
+            <a:schemeClr val="accent1">
+              <a:hueOff val="47394"/>
+              <a:satOff val="-25753"/>
+              <a:lumOff val="-7544"/>
             </a:schemeClr>
           </a:solidFill>
           <a:ln w="12700">
@@ -10692,7 +11711,7 @@
       </p:sp>
       <p:sp>
         <p:nvSpPr>
-          <p:cNvPr id="204" name="RStudio® is a trademark of RStudio, Inc.  •  CC BY SA  RStudio •  info@rstudio.com  •  844-448-1212 • rstudio.com •  Learn more at tidyverse.org  •  readr  1.1.0 •  tibble  1.2.12 •  tidyr  0.6.0 •  Updated: 2017-01"/>
+          <p:cNvPr id="221" name="RStudio® is a trademark of RStudio, Inc.  •  CC BY SA  RStudio •  info@rstudio.com  •  844-448-1212 • rstudio.com •  Learn more at tidyverse.org  •  readr  1.1.0 •  tibble  1.2.12 •  tidyr  0.6.0 •  Updated: 2017-01"/>
           <p:cNvSpPr txBox="1"/>
           <p:nvPr/>
         </p:nvSpPr>
@@ -10737,34 +11756,34 @@
             </a:r>
             <a:r>
               <a:rPr>
+                <a:hlinkClick r:id="rId7" invalidUrl="" action="" tgtFrame="" tooltip="" history="1" highlightClick="0" endSnd="0"/>
+              </a:rPr>
+              <a:t>CC BY SA</a:t>
+            </a:r>
+            <a:r>
+              <a:t>  RStudio •  </a:t>
+            </a:r>
+            <a:r>
+              <a:rPr>
                 <a:hlinkClick r:id="rId8" invalidUrl="" action="" tgtFrame="" tooltip="" history="1" highlightClick="0" endSnd="0"/>
               </a:rPr>
-              <a:t>CC BY SA</a:t>
-            </a:r>
-            <a:r>
-              <a:t>  RStudio •  </a:t>
+              <a:t>info@rstudio.com</a:t>
+            </a:r>
+            <a:r>
+              <a:t>  •  844-448-1212 • </a:t>
             </a:r>
             <a:r>
               <a:rPr>
                 <a:hlinkClick r:id="rId9" invalidUrl="" action="" tgtFrame="" tooltip="" history="1" highlightClick="0" endSnd="0"/>
               </a:rPr>
-              <a:t>info@rstudio.com</a:t>
-            </a:r>
-            <a:r>
-              <a:t>  •  844-448-1212 • </a:t>
-            </a:r>
-            <a:r>
-              <a:rPr>
+              <a:t>rstudio.com</a:t>
+            </a:r>
+            <a:r>
+              <a:t> •  Learn more at </a:t>
+            </a:r>
+            <a:r>
+              <a:rPr u="sng">
                 <a:hlinkClick r:id="rId10" invalidUrl="" action="" tgtFrame="" tooltip="" history="1" highlightClick="0" endSnd="0"/>
-              </a:rPr>
-              <a:t>rstudio.com</a:t>
-            </a:r>
-            <a:r>
-              <a:t> •  Learn more at </a:t>
-            </a:r>
-            <a:r>
-              <a:rPr u="sng">
-                <a:hlinkClick r:id="rId11" invalidUrl="" action="" tgtFrame="" tooltip="" history="1" highlightClick="0" endSnd="0"/>
               </a:rPr>
               <a:t>tidyverse.org</a:t>
             </a:r>
@@ -10788,7 +11807,7 @@
 </file>
 
 <file path=ppt/slides/slide2.xml><?xml version="1.0" encoding="utf-8"?>
-<p:sld xmlns:a="http://schemas.openxmlformats.org/drawingml/2006/main" xmlns:r="http://schemas.openxmlformats.org/officeDocument/2006/relationships" xmlns:p="http://schemas.openxmlformats.org/presentationml/2006/main" showMasterSp="1" showMasterPhAnim="1">
+<p:sld xmlns:a="http://schemas.openxmlformats.org/drawingml/2006/main" xmlns:r="http://schemas.openxmlformats.org/officeDocument/2006/relationships" xmlns:p="http://schemas.openxmlformats.org/presentationml/2006/main" xmlns:m="http://schemas.openxmlformats.org/officeDocument/2006/math" xmlns:a14="http://schemas.microsoft.com/office/drawing/2010/main" showMasterSp="1" showMasterPhAnim="1">
   <p:cSld>
     <p:spTree>
       <p:nvGrpSpPr>
@@ -10804,38 +11823,851 @@
           <a:chExt cx="0" cy="0"/>
         </a:xfrm>
       </p:grpSpPr>
-      <p:pic>
-        <p:nvPicPr>
-          <p:cNvPr id="206" name="Image" descr="Image"/>
-          <p:cNvPicPr>
-            <a:picLocks noChangeAspect="1"/>
-          </p:cNvPicPr>
+      <p:grpSp>
+        <p:nvGrpSpPr>
+          <p:cNvPr id="240" name="Group"/>
+          <p:cNvGrpSpPr/>
           <p:nvPr/>
-        </p:nvPicPr>
-        <p:blipFill>
-          <a:blip r:embed="rId2">
-            <a:extLst/>
-          </a:blip>
-          <a:stretch>
-            <a:fillRect/>
-          </a:stretch>
-        </p:blipFill>
-        <p:spPr>
+        </p:nvGrpSpPr>
+        <p:grpSpPr>
           <a:xfrm>
-            <a:off x="8369105" y="-684523"/>
-            <a:ext cx="5603817" cy="2992964"/>
+            <a:off x="8383487" y="-1013161"/>
+            <a:ext cx="6157893" cy="3553962"/>
+            <a:chOff x="0" y="51032"/>
+            <a:chExt cx="6157891" cy="3553961"/>
           </a:xfrm>
-          <a:prstGeom prst="rect">
-            <a:avLst/>
-          </a:prstGeom>
-          <a:ln w="12700">
-            <a:miter lim="400000"/>
-          </a:ln>
-        </p:spPr>
-      </p:pic>
+        </p:grpSpPr>
+        <p:grpSp>
+          <p:nvGrpSpPr>
+            <p:cNvPr id="238" name="Group"/>
+            <p:cNvGrpSpPr/>
+            <p:nvPr/>
+          </p:nvGrpSpPr>
+          <p:grpSpPr>
+            <a:xfrm>
+              <a:off x="23293" y="51032"/>
+              <a:ext cx="6134599" cy="2980091"/>
+              <a:chOff x="0" y="51032"/>
+              <a:chExt cx="6134598" cy="2980090"/>
+            </a:xfrm>
+          </p:grpSpPr>
+          <p:sp>
+            <p:nvSpPr>
+              <p:cNvPr id="223" name="Triangle"/>
+              <p:cNvSpPr/>
+              <p:nvPr/>
+            </p:nvSpPr>
+            <p:spPr>
+              <a:xfrm rot="1800000">
+                <a:off x="1177377" y="304285"/>
+                <a:ext cx="1319509" cy="1143860"/>
+              </a:xfrm>
+              <a:prstGeom prst="triangle">
+                <a:avLst/>
+              </a:prstGeom>
+              <a:solidFill>
+                <a:schemeClr val="accent1">
+                  <a:hueOff val="47394"/>
+                  <a:satOff val="-25753"/>
+                  <a:lumOff val="-7544"/>
+                </a:schemeClr>
+              </a:solidFill>
+              <a:ln w="3175" cap="flat">
+                <a:solidFill>
+                  <a:schemeClr val="accent1">
+                    <a:hueOff val="47394"/>
+                    <a:satOff val="-25753"/>
+                    <a:lumOff val="-7544"/>
+                  </a:schemeClr>
+                </a:solidFill>
+                <a:prstDash val="solid"/>
+                <a:miter lim="400000"/>
+              </a:ln>
+              <a:effectLst/>
+            </p:spPr>
+            <p:txBody>
+              <a:bodyPr wrap="square" lIns="54570" tIns="54570" rIns="54570" bIns="54570" numCol="1" anchor="ctr">
+                <a:noAutofit/>
+              </a:bodyPr>
+              <a:lstStyle/>
+              <a:p>
+                <a:pPr>
+                  <a:lnSpc>
+                    <a:spcPct val="80000"/>
+                  </a:lnSpc>
+                  <a:spcBef>
+                    <a:spcPts val="0"/>
+                  </a:spcBef>
+                  <a:defRPr b="0">
+                    <a:solidFill>
+                      <a:srgbClr val="000000"/>
+                    </a:solidFill>
+                  </a:defRPr>
+                </a:pPr>
+              </a:p>
+            </p:txBody>
+          </p:sp>
+          <p:sp>
+            <p:nvSpPr>
+              <p:cNvPr id="224" name="Circle"/>
+              <p:cNvSpPr/>
+              <p:nvPr/>
+            </p:nvSpPr>
+            <p:spPr>
+              <a:xfrm flipH="1">
+                <a:off x="1550782" y="838357"/>
+                <a:ext cx="422090" cy="422090"/>
+              </a:xfrm>
+              <a:prstGeom prst="ellipse">
+                <a:avLst/>
+              </a:prstGeom>
+              <a:solidFill>
+                <a:srgbClr val="407AAA"/>
+              </a:solidFill>
+              <a:ln w="12700" cap="flat">
+                <a:noFill/>
+                <a:miter lim="400000"/>
+              </a:ln>
+              <a:effectLst/>
+            </p:spPr>
+            <p:txBody>
+              <a:bodyPr wrap="square" lIns="54570" tIns="54570" rIns="54570" bIns="54570" numCol="1" anchor="ctr">
+                <a:noAutofit/>
+              </a:bodyPr>
+              <a:lstStyle/>
+              <a:p>
+                <a:pPr>
+                  <a:lnSpc>
+                    <a:spcPct val="80000"/>
+                  </a:lnSpc>
+                  <a:spcBef>
+                    <a:spcPts val="0"/>
+                  </a:spcBef>
+                  <a:defRPr b="0">
+                    <a:solidFill>
+                      <a:srgbClr val="000000"/>
+                    </a:solidFill>
+                  </a:defRPr>
+                </a:pPr>
+              </a:p>
+            </p:txBody>
+          </p:sp>
+          <p:sp>
+            <p:nvSpPr>
+              <p:cNvPr id="225" name="Circle"/>
+              <p:cNvSpPr/>
+              <p:nvPr/>
+            </p:nvSpPr>
+            <p:spPr>
+              <a:xfrm flipH="1">
+                <a:off x="0" y="819778"/>
+                <a:ext cx="422089" cy="422090"/>
+              </a:xfrm>
+              <a:prstGeom prst="ellipse">
+                <a:avLst/>
+              </a:prstGeom>
+              <a:solidFill>
+                <a:schemeClr val="accent1">
+                  <a:hueOff val="47394"/>
+                  <a:satOff val="-25753"/>
+                  <a:lumOff val="-7544"/>
+                  <a:alpha val="50000"/>
+                </a:schemeClr>
+              </a:solidFill>
+              <a:ln w="12700" cap="flat">
+                <a:noFill/>
+                <a:miter lim="400000"/>
+              </a:ln>
+              <a:effectLst/>
+            </p:spPr>
+            <p:txBody>
+              <a:bodyPr wrap="square" lIns="54570" tIns="54570" rIns="54570" bIns="54570" numCol="1" anchor="ctr">
+                <a:noAutofit/>
+              </a:bodyPr>
+              <a:lstStyle/>
+              <a:p>
+                <a:pPr>
+                  <a:lnSpc>
+                    <a:spcPct val="80000"/>
+                  </a:lnSpc>
+                  <a:spcBef>
+                    <a:spcPts val="0"/>
+                  </a:spcBef>
+                  <a:defRPr b="0">
+                    <a:solidFill>
+                      <a:srgbClr val="000000"/>
+                    </a:solidFill>
+                  </a:defRPr>
+                </a:pPr>
+              </a:p>
+            </p:txBody>
+          </p:sp>
+          <p:sp>
+            <p:nvSpPr>
+              <p:cNvPr id="226" name="Triangle"/>
+              <p:cNvSpPr/>
+              <p:nvPr/>
+            </p:nvSpPr>
+            <p:spPr>
+              <a:xfrm rot="19800000">
+                <a:off x="2896973" y="973389"/>
+                <a:ext cx="1319509" cy="1143860"/>
+              </a:xfrm>
+              <a:prstGeom prst="triangle">
+                <a:avLst/>
+              </a:prstGeom>
+              <a:solidFill>
+                <a:srgbClr val="407AAA"/>
+              </a:solidFill>
+              <a:ln w="6350" cap="flat">
+                <a:solidFill>
+                  <a:srgbClr val="407AAA"/>
+                </a:solidFill>
+                <a:prstDash val="solid"/>
+                <a:miter lim="400000"/>
+              </a:ln>
+              <a:effectLst/>
+            </p:spPr>
+            <p:txBody>
+              <a:bodyPr wrap="square" lIns="54570" tIns="54570" rIns="54570" bIns="54570" numCol="1" anchor="ctr">
+                <a:noAutofit/>
+              </a:bodyPr>
+              <a:lstStyle/>
+              <a:p>
+                <a:pPr>
+                  <a:lnSpc>
+                    <a:spcPct val="80000"/>
+                  </a:lnSpc>
+                  <a:spcBef>
+                    <a:spcPts val="0"/>
+                  </a:spcBef>
+                  <a:defRPr b="0">
+                    <a:solidFill>
+                      <a:srgbClr val="000000"/>
+                    </a:solidFill>
+                  </a:defRPr>
+                </a:pPr>
+              </a:p>
+            </p:txBody>
+          </p:sp>
+          <p:sp>
+            <p:nvSpPr>
+              <p:cNvPr id="227" name="Triangle"/>
+              <p:cNvSpPr/>
+              <p:nvPr/>
+            </p:nvSpPr>
+            <p:spPr>
+              <a:xfrm rot="1800000">
+                <a:off x="3470359" y="1634009"/>
+                <a:ext cx="1319509" cy="1143861"/>
+              </a:xfrm>
+              <a:prstGeom prst="triangle">
+                <a:avLst/>
+              </a:prstGeom>
+              <a:solidFill>
+                <a:schemeClr val="accent1">
+                  <a:hueOff val="47394"/>
+                  <a:satOff val="-25753"/>
+                  <a:lumOff val="-7544"/>
+                </a:schemeClr>
+              </a:solidFill>
+              <a:ln w="6350" cap="flat">
+                <a:solidFill>
+                  <a:schemeClr val="accent1">
+                    <a:hueOff val="47394"/>
+                    <a:satOff val="-25753"/>
+                    <a:lumOff val="-7544"/>
+                  </a:schemeClr>
+                </a:solidFill>
+                <a:prstDash val="solid"/>
+                <a:miter lim="400000"/>
+              </a:ln>
+              <a:effectLst/>
+            </p:spPr>
+            <p:txBody>
+              <a:bodyPr wrap="square" lIns="54570" tIns="54570" rIns="54570" bIns="54570" numCol="1" anchor="ctr">
+                <a:noAutofit/>
+              </a:bodyPr>
+              <a:lstStyle/>
+              <a:p>
+                <a:pPr>
+                  <a:lnSpc>
+                    <a:spcPct val="80000"/>
+                  </a:lnSpc>
+                  <a:spcBef>
+                    <a:spcPts val="0"/>
+                  </a:spcBef>
+                  <a:defRPr b="0">
+                    <a:solidFill>
+                      <a:srgbClr val="000000"/>
+                    </a:solidFill>
+                  </a:defRPr>
+                </a:pPr>
+              </a:p>
+            </p:txBody>
+          </p:sp>
+          <p:sp>
+            <p:nvSpPr>
+              <p:cNvPr id="228" name="Circle"/>
+              <p:cNvSpPr/>
+              <p:nvPr/>
+            </p:nvSpPr>
+            <p:spPr>
+              <a:xfrm flipH="1">
+                <a:off x="3461021" y="1507461"/>
+                <a:ext cx="422090" cy="422090"/>
+              </a:xfrm>
+              <a:prstGeom prst="ellipse">
+                <a:avLst/>
+              </a:prstGeom>
+              <a:solidFill>
+                <a:schemeClr val="accent1">
+                  <a:hueOff val="47394"/>
+                  <a:satOff val="-25753"/>
+                  <a:lumOff val="-7544"/>
+                </a:schemeClr>
+              </a:solidFill>
+              <a:ln w="12700" cap="flat">
+                <a:noFill/>
+                <a:miter lim="400000"/>
+              </a:ln>
+              <a:effectLst/>
+            </p:spPr>
+            <p:txBody>
+              <a:bodyPr wrap="square" lIns="54570" tIns="54570" rIns="54570" bIns="54570" numCol="1" anchor="ctr">
+                <a:noAutofit/>
+              </a:bodyPr>
+              <a:lstStyle/>
+              <a:p>
+                <a:pPr>
+                  <a:lnSpc>
+                    <a:spcPct val="80000"/>
+                  </a:lnSpc>
+                  <a:spcBef>
+                    <a:spcPts val="0"/>
+                  </a:spcBef>
+                  <a:defRPr b="0">
+                    <a:solidFill>
+                      <a:srgbClr val="000000"/>
+                    </a:solidFill>
+                  </a:defRPr>
+                </a:pPr>
+              </a:p>
+            </p:txBody>
+          </p:sp>
+          <p:sp>
+            <p:nvSpPr>
+              <p:cNvPr id="229" name="Circle"/>
+              <p:cNvSpPr/>
+              <p:nvPr/>
+            </p:nvSpPr>
+            <p:spPr>
+              <a:xfrm flipH="1">
+                <a:off x="3843763" y="2168082"/>
+                <a:ext cx="422090" cy="422090"/>
+              </a:xfrm>
+              <a:prstGeom prst="ellipse">
+                <a:avLst/>
+              </a:prstGeom>
+              <a:solidFill>
+                <a:srgbClr val="407AAA"/>
+              </a:solidFill>
+              <a:ln w="12700" cap="flat">
+                <a:noFill/>
+                <a:miter lim="400000"/>
+              </a:ln>
+              <a:effectLst/>
+            </p:spPr>
+            <p:txBody>
+              <a:bodyPr wrap="square" lIns="54570" tIns="54570" rIns="54570" bIns="54570" numCol="1" anchor="ctr">
+                <a:noAutofit/>
+              </a:bodyPr>
+              <a:lstStyle/>
+              <a:p>
+                <a:pPr>
+                  <a:lnSpc>
+                    <a:spcPct val="80000"/>
+                  </a:lnSpc>
+                  <a:spcBef>
+                    <a:spcPts val="0"/>
+                  </a:spcBef>
+                  <a:defRPr b="0">
+                    <a:solidFill>
+                      <a:srgbClr val="000000"/>
+                    </a:solidFill>
+                  </a:defRPr>
+                </a:pPr>
+              </a:p>
+            </p:txBody>
+          </p:sp>
+          <p:sp>
+            <p:nvSpPr>
+              <p:cNvPr id="230" name="Triangle"/>
+              <p:cNvSpPr/>
+              <p:nvPr/>
+            </p:nvSpPr>
+            <p:spPr>
+              <a:xfrm rot="1800000">
+                <a:off x="3470359" y="312963"/>
+                <a:ext cx="1319509" cy="1143861"/>
+              </a:xfrm>
+              <a:prstGeom prst="triangle">
+                <a:avLst/>
+              </a:prstGeom>
+              <a:solidFill>
+                <a:schemeClr val="accent1">
+                  <a:hueOff val="47394"/>
+                  <a:satOff val="-25753"/>
+                  <a:lumOff val="-7544"/>
+                </a:schemeClr>
+              </a:solidFill>
+              <a:ln w="6350" cap="flat">
+                <a:solidFill>
+                  <a:schemeClr val="accent1">
+                    <a:hueOff val="47394"/>
+                    <a:satOff val="-25753"/>
+                    <a:lumOff val="-7544"/>
+                  </a:schemeClr>
+                </a:solidFill>
+                <a:prstDash val="solid"/>
+                <a:miter lim="400000"/>
+              </a:ln>
+              <a:effectLst/>
+            </p:spPr>
+            <p:txBody>
+              <a:bodyPr wrap="square" lIns="54570" tIns="54570" rIns="54570" bIns="54570" numCol="1" anchor="ctr">
+                <a:noAutofit/>
+              </a:bodyPr>
+              <a:lstStyle/>
+              <a:p>
+                <a:pPr>
+                  <a:lnSpc>
+                    <a:spcPct val="80000"/>
+                  </a:lnSpc>
+                  <a:spcBef>
+                    <a:spcPts val="0"/>
+                  </a:spcBef>
+                  <a:defRPr b="0">
+                    <a:solidFill>
+                      <a:srgbClr val="000000"/>
+                    </a:solidFill>
+                  </a:defRPr>
+                </a:pPr>
+              </a:p>
+            </p:txBody>
+          </p:sp>
+          <p:sp>
+            <p:nvSpPr>
+              <p:cNvPr id="231" name="Circle"/>
+              <p:cNvSpPr/>
+              <p:nvPr/>
+            </p:nvSpPr>
+            <p:spPr>
+              <a:xfrm flipH="1">
+                <a:off x="3843763" y="847036"/>
+                <a:ext cx="422090" cy="422090"/>
+              </a:xfrm>
+              <a:prstGeom prst="ellipse">
+                <a:avLst/>
+              </a:prstGeom>
+              <a:solidFill>
+                <a:srgbClr val="407AAA"/>
+              </a:solidFill>
+              <a:ln w="12700" cap="flat">
+                <a:noFill/>
+                <a:miter lim="400000"/>
+              </a:ln>
+              <a:effectLst/>
+            </p:spPr>
+            <p:txBody>
+              <a:bodyPr wrap="square" lIns="54570" tIns="54570" rIns="54570" bIns="54570" numCol="1" anchor="ctr">
+                <a:noAutofit/>
+              </a:bodyPr>
+              <a:lstStyle/>
+              <a:p>
+                <a:pPr>
+                  <a:lnSpc>
+                    <a:spcPct val="80000"/>
+                  </a:lnSpc>
+                  <a:spcBef>
+                    <a:spcPts val="0"/>
+                  </a:spcBef>
+                  <a:defRPr b="0">
+                    <a:solidFill>
+                      <a:srgbClr val="000000"/>
+                    </a:solidFill>
+                  </a:defRPr>
+                </a:pPr>
+              </a:p>
+            </p:txBody>
+          </p:sp>
+          <p:sp>
+            <p:nvSpPr>
+              <p:cNvPr id="232" name="Triangle"/>
+              <p:cNvSpPr/>
+              <p:nvPr/>
+            </p:nvSpPr>
+            <p:spPr>
+              <a:xfrm rot="19800000">
+                <a:off x="4044130" y="318647"/>
+                <a:ext cx="1319509" cy="1143861"/>
+              </a:xfrm>
+              <a:prstGeom prst="triangle">
+                <a:avLst/>
+              </a:prstGeom>
+              <a:solidFill>
+                <a:srgbClr val="407AAA"/>
+              </a:solidFill>
+              <a:ln w="6350" cap="flat">
+                <a:solidFill>
+                  <a:srgbClr val="407AAA"/>
+                </a:solidFill>
+                <a:prstDash val="solid"/>
+                <a:miter lim="400000"/>
+              </a:ln>
+              <a:effectLst/>
+            </p:spPr>
+            <p:txBody>
+              <a:bodyPr wrap="square" lIns="54570" tIns="54570" rIns="54570" bIns="54570" numCol="1" anchor="ctr">
+                <a:noAutofit/>
+              </a:bodyPr>
+              <a:lstStyle/>
+              <a:p>
+                <a:pPr>
+                  <a:lnSpc>
+                    <a:spcPct val="80000"/>
+                  </a:lnSpc>
+                  <a:spcBef>
+                    <a:spcPts val="0"/>
+                  </a:spcBef>
+                  <a:defRPr b="0">
+                    <a:solidFill>
+                      <a:srgbClr val="000000"/>
+                    </a:solidFill>
+                  </a:defRPr>
+                </a:pPr>
+              </a:p>
+            </p:txBody>
+          </p:sp>
+          <p:sp>
+            <p:nvSpPr>
+              <p:cNvPr id="233" name="Circle"/>
+              <p:cNvSpPr/>
+              <p:nvPr/>
+            </p:nvSpPr>
+            <p:spPr>
+              <a:xfrm flipH="1">
+                <a:off x="4608178" y="852720"/>
+                <a:ext cx="422090" cy="422090"/>
+              </a:xfrm>
+              <a:prstGeom prst="ellipse">
+                <a:avLst/>
+              </a:prstGeom>
+              <a:solidFill>
+                <a:schemeClr val="accent1">
+                  <a:hueOff val="47394"/>
+                  <a:satOff val="-25753"/>
+                  <a:lumOff val="-7544"/>
+                </a:schemeClr>
+              </a:solidFill>
+              <a:ln w="12700" cap="flat">
+                <a:noFill/>
+                <a:miter lim="400000"/>
+              </a:ln>
+              <a:effectLst/>
+            </p:spPr>
+            <p:txBody>
+              <a:bodyPr wrap="square" lIns="54570" tIns="54570" rIns="54570" bIns="54570" numCol="1" anchor="ctr">
+                <a:noAutofit/>
+              </a:bodyPr>
+              <a:lstStyle/>
+              <a:p>
+                <a:pPr>
+                  <a:lnSpc>
+                    <a:spcPct val="80000"/>
+                  </a:lnSpc>
+                  <a:spcBef>
+                    <a:spcPts val="0"/>
+                  </a:spcBef>
+                  <a:defRPr b="0">
+                    <a:solidFill>
+                      <a:srgbClr val="000000"/>
+                    </a:solidFill>
+                  </a:defRPr>
+                </a:pPr>
+              </a:p>
+            </p:txBody>
+          </p:sp>
+          <p:sp>
+            <p:nvSpPr>
+              <p:cNvPr id="234" name="Triangle"/>
+              <p:cNvSpPr/>
+              <p:nvPr/>
+            </p:nvSpPr>
+            <p:spPr>
+              <a:xfrm rot="1800000">
+                <a:off x="4617515" y="979268"/>
+                <a:ext cx="1319509" cy="1143861"/>
+              </a:xfrm>
+              <a:prstGeom prst="triangle">
+                <a:avLst/>
+              </a:prstGeom>
+              <a:solidFill>
+                <a:schemeClr val="accent1">
+                  <a:hueOff val="47394"/>
+                  <a:satOff val="-25753"/>
+                  <a:lumOff val="-7544"/>
+                </a:schemeClr>
+              </a:solidFill>
+              <a:ln w="6350" cap="flat">
+                <a:solidFill>
+                  <a:schemeClr val="accent1">
+                    <a:hueOff val="47394"/>
+                    <a:satOff val="-25753"/>
+                    <a:lumOff val="-7544"/>
+                  </a:schemeClr>
+                </a:solidFill>
+                <a:prstDash val="solid"/>
+                <a:miter lim="400000"/>
+              </a:ln>
+              <a:effectLst/>
+            </p:spPr>
+            <p:txBody>
+              <a:bodyPr wrap="square" lIns="54570" tIns="54570" rIns="54570" bIns="54570" numCol="1" anchor="ctr">
+                <a:noAutofit/>
+              </a:bodyPr>
+              <a:lstStyle/>
+              <a:p>
+                <a:pPr>
+                  <a:lnSpc>
+                    <a:spcPct val="80000"/>
+                  </a:lnSpc>
+                  <a:spcBef>
+                    <a:spcPts val="0"/>
+                  </a:spcBef>
+                  <a:defRPr b="0">
+                    <a:solidFill>
+                      <a:srgbClr val="000000"/>
+                    </a:solidFill>
+                  </a:defRPr>
+                </a:pPr>
+              </a:p>
+            </p:txBody>
+          </p:sp>
+          <p:sp>
+            <p:nvSpPr>
+              <p:cNvPr id="235" name="Circle"/>
+              <p:cNvSpPr/>
+              <p:nvPr/>
+            </p:nvSpPr>
+            <p:spPr>
+              <a:xfrm flipH="1">
+                <a:off x="4990920" y="1513341"/>
+                <a:ext cx="422090" cy="422090"/>
+              </a:xfrm>
+              <a:prstGeom prst="ellipse">
+                <a:avLst/>
+              </a:prstGeom>
+              <a:solidFill>
+                <a:srgbClr val="407AAA"/>
+              </a:solidFill>
+              <a:ln w="12700" cap="flat">
+                <a:noFill/>
+                <a:miter lim="400000"/>
+              </a:ln>
+              <a:effectLst/>
+            </p:spPr>
+            <p:txBody>
+              <a:bodyPr wrap="square" lIns="54570" tIns="54570" rIns="54570" bIns="54570" numCol="1" anchor="ctr">
+                <a:noAutofit/>
+              </a:bodyPr>
+              <a:lstStyle/>
+              <a:p>
+                <a:pPr>
+                  <a:lnSpc>
+                    <a:spcPct val="80000"/>
+                  </a:lnSpc>
+                  <a:spcBef>
+                    <a:spcPts val="0"/>
+                  </a:spcBef>
+                  <a:defRPr b="0">
+                    <a:solidFill>
+                      <a:srgbClr val="000000"/>
+                    </a:solidFill>
+                  </a:defRPr>
+                </a:pPr>
+              </a:p>
+            </p:txBody>
+          </p:sp>
+          <p:sp>
+            <p:nvSpPr>
+              <p:cNvPr id="236" name="Triangle"/>
+              <p:cNvSpPr/>
+              <p:nvPr/>
+            </p:nvSpPr>
+            <p:spPr>
+              <a:xfrm rot="19800000">
+                <a:off x="1751148" y="309969"/>
+                <a:ext cx="1319510" cy="1143860"/>
+              </a:xfrm>
+              <a:prstGeom prst="triangle">
+                <a:avLst/>
+              </a:prstGeom>
+              <a:solidFill>
+                <a:srgbClr val="407AAA"/>
+              </a:solidFill>
+              <a:ln w="6350" cap="flat">
+                <a:solidFill>
+                  <a:srgbClr val="407AAA"/>
+                </a:solidFill>
+                <a:prstDash val="solid"/>
+                <a:miter lim="400000"/>
+              </a:ln>
+              <a:effectLst/>
+            </p:spPr>
+            <p:txBody>
+              <a:bodyPr wrap="square" lIns="54570" tIns="54570" rIns="54570" bIns="54570" numCol="1" anchor="ctr">
+                <a:noAutofit/>
+              </a:bodyPr>
+              <a:lstStyle/>
+              <a:p>
+                <a:pPr>
+                  <a:lnSpc>
+                    <a:spcPct val="80000"/>
+                  </a:lnSpc>
+                  <a:spcBef>
+                    <a:spcPts val="0"/>
+                  </a:spcBef>
+                  <a:defRPr b="0">
+                    <a:solidFill>
+                      <a:srgbClr val="000000"/>
+                    </a:solidFill>
+                  </a:defRPr>
+                </a:pPr>
+              </a:p>
+            </p:txBody>
+          </p:sp>
+          <p:sp>
+            <p:nvSpPr>
+              <p:cNvPr id="237" name="Circle"/>
+              <p:cNvSpPr/>
+              <p:nvPr/>
+            </p:nvSpPr>
+            <p:spPr>
+              <a:xfrm flipH="1">
+                <a:off x="2315196" y="844041"/>
+                <a:ext cx="422090" cy="422090"/>
+              </a:xfrm>
+              <a:prstGeom prst="ellipse">
+                <a:avLst/>
+              </a:prstGeom>
+              <a:solidFill>
+                <a:schemeClr val="accent1">
+                  <a:hueOff val="47394"/>
+                  <a:satOff val="-25753"/>
+                  <a:lumOff val="-7544"/>
+                </a:schemeClr>
+              </a:solidFill>
+              <a:ln w="12700" cap="flat">
+                <a:noFill/>
+                <a:miter lim="400000"/>
+              </a:ln>
+              <a:effectLst/>
+            </p:spPr>
+            <p:txBody>
+              <a:bodyPr wrap="square" lIns="54570" tIns="54570" rIns="54570" bIns="54570" numCol="1" anchor="ctr">
+                <a:noAutofit/>
+              </a:bodyPr>
+              <a:lstStyle/>
+              <a:p>
+                <a:pPr>
+                  <a:lnSpc>
+                    <a:spcPct val="80000"/>
+                  </a:lnSpc>
+                  <a:spcBef>
+                    <a:spcPts val="0"/>
+                  </a:spcBef>
+                  <a:defRPr b="0">
+                    <a:solidFill>
+                      <a:srgbClr val="000000"/>
+                    </a:solidFill>
+                  </a:defRPr>
+                </a:pPr>
+              </a:p>
+            </p:txBody>
+          </p:sp>
+        </p:grpSp>
+        <p:sp>
+          <p:nvSpPr>
+            <p:cNvPr id="239" name="Rectangle"/>
+            <p:cNvSpPr/>
+            <p:nvPr/>
+          </p:nvSpPr>
+          <p:spPr>
+            <a:xfrm>
+              <a:off x="0" y="1038072"/>
+              <a:ext cx="5593304" cy="2566922"/>
+            </a:xfrm>
+            <a:prstGeom prst="rect">
+              <a:avLst/>
+            </a:prstGeom>
+            <a:gradFill flip="none" rotWithShape="1">
+              <a:gsLst>
+                <a:gs pos="0">
+                  <a:srgbClr val="FFFFFF">
+                    <a:alpha val="0"/>
+                  </a:srgbClr>
+                </a:gs>
+                <a:gs pos="20382">
+                  <a:srgbClr val="FFFFFF">
+                    <a:alpha val="45796"/>
+                  </a:srgbClr>
+                </a:gs>
+                <a:gs pos="35803">
+                  <a:srgbClr val="FFFFFF">
+                    <a:alpha val="72898"/>
+                  </a:srgbClr>
+                </a:gs>
+                <a:gs pos="55434">
+                  <a:srgbClr val="FFFFFF"/>
+                </a:gs>
+              </a:gsLst>
+              <a:path path="shape">
+                <a:fillToRect l="49659" t="-26178" r="50340" b="126178"/>
+              </a:path>
+            </a:gradFill>
+            <a:ln w="12700" cap="flat">
+              <a:noFill/>
+              <a:miter lim="400000"/>
+            </a:ln>
+            <a:effectLst/>
+          </p:spPr>
+          <p:txBody>
+            <a:bodyPr wrap="square" lIns="54570" tIns="54570" rIns="54570" bIns="54570" numCol="1" anchor="ctr">
+              <a:noAutofit/>
+            </a:bodyPr>
+            <a:lstStyle/>
+            <a:p>
+              <a:pPr>
+                <a:lnSpc>
+                  <a:spcPct val="80000"/>
+                </a:lnSpc>
+                <a:spcBef>
+                  <a:spcPts val="0"/>
+                </a:spcBef>
+                <a:defRPr b="0">
+                  <a:solidFill>
+                    <a:srgbClr val="000000"/>
+                  </a:solidFill>
+                </a:defRPr>
+              </a:pPr>
+            </a:p>
+          </p:txBody>
+        </p:sp>
+      </p:grpSp>
       <p:sp>
         <p:nvSpPr>
-          <p:cNvPr id="207" name="separate_rows(data, ..., sep = &quot;[^[:alnum:].]+&quot;, convert = FALSE)…"/>
+          <p:cNvPr id="241" name="separate_rows(data, ..., sep = &quot;[^[:alnum:].]+&quot;, convert = FALSE)…"/>
           <p:cNvSpPr txBox="1"/>
           <p:nvPr/>
         </p:nvSpPr>
@@ -10933,7 +12765,7 @@
       </p:sp>
       <p:sp>
         <p:nvSpPr>
-          <p:cNvPr id="208" name="Line"/>
+          <p:cNvPr id="242" name="Line"/>
           <p:cNvSpPr/>
           <p:nvPr/>
         </p:nvSpPr>
@@ -10976,7 +12808,7 @@
       </p:sp>
       <p:sp>
         <p:nvSpPr>
-          <p:cNvPr id="209" name="Line"/>
+          <p:cNvPr id="243" name="Line"/>
           <p:cNvSpPr/>
           <p:nvPr/>
         </p:nvSpPr>
@@ -11019,7 +12851,7 @@
       </p:sp>
       <p:sp>
         <p:nvSpPr>
-          <p:cNvPr id="210" name="Line"/>
+          <p:cNvPr id="244" name="Line"/>
           <p:cNvSpPr/>
           <p:nvPr/>
         </p:nvSpPr>
@@ -11062,7 +12894,7 @@
       </p:sp>
       <p:sp>
         <p:nvSpPr>
-          <p:cNvPr id="211" name="Handle Missing Values"/>
+          <p:cNvPr id="245" name="Handle Missing Values"/>
           <p:cNvSpPr txBox="1"/>
           <p:nvPr/>
         </p:nvSpPr>
@@ -11098,7 +12930,7 @@
               </a:spcBef>
               <a:defRPr b="0" sz="2500">
                 <a:solidFill>
-                  <a:schemeClr val="accent6"/>
+                  <a:srgbClr val="004479"/>
                 </a:solidFill>
               </a:defRPr>
             </a:pPr>
@@ -11110,7 +12942,7 @@
       </p:sp>
       <p:sp>
         <p:nvSpPr>
-          <p:cNvPr id="212" name="Reshape Data - change the layout of values in a table"/>
+          <p:cNvPr id="246" name="Reshape Data - change the layout of values in a table"/>
           <p:cNvSpPr txBox="1"/>
           <p:nvPr/>
         </p:nvSpPr>
@@ -11146,7 +12978,11 @@
               </a:spcBef>
               <a:defRPr b="0" sz="2500">
                 <a:solidFill>
-                  <a:schemeClr val="accent6"/>
+                  <a:schemeClr val="accent1">
+                    <a:hueOff val="47394"/>
+                    <a:satOff val="-25753"/>
+                    <a:lumOff val="-7544"/>
+                  </a:schemeClr>
                 </a:solidFill>
               </a:defRPr>
             </a:pPr>
@@ -11162,7 +12998,7 @@
       </p:sp>
       <p:sp>
         <p:nvSpPr>
-          <p:cNvPr id="213" name="Line"/>
+          <p:cNvPr id="247" name="Line"/>
           <p:cNvSpPr/>
           <p:nvPr/>
         </p:nvSpPr>
@@ -11203,7 +13039,7 @@
       </p:sp>
       <p:sp>
         <p:nvSpPr>
-          <p:cNvPr id="214" name="gather(data, key, value, ..., na.rm = FALSE,…"/>
+          <p:cNvPr id="248" name="gather(data, key, value, ..., na.rm = FALSE,…"/>
           <p:cNvSpPr txBox="1"/>
           <p:nvPr/>
         </p:nvSpPr>
@@ -11320,7 +13156,7 @@
       </p:sp>
       <p:sp>
         <p:nvSpPr>
-          <p:cNvPr id="215" name="spread(data, key, value, fill = NA, convert = FALSE, drop = TRUE, sep = NULL)…"/>
+          <p:cNvPr id="249" name="spread(data, key, value, fill = NA, convert = FALSE, drop = TRUE, sep = NULL)…"/>
           <p:cNvSpPr txBox="1"/>
           <p:nvPr/>
         </p:nvSpPr>
@@ -11417,7 +13253,7 @@
       </p:sp>
       <p:sp>
         <p:nvSpPr>
-          <p:cNvPr id="216" name="Use gather() and spread() to reorganize the values of a table into a new layout."/>
+          <p:cNvPr id="250" name="Use gather() and spread() to reorganize the values of a table into a new layout."/>
           <p:cNvSpPr txBox="1"/>
           <p:nvPr/>
         </p:nvSpPr>
@@ -11479,7 +13315,7 @@
       </p:sp>
       <p:sp>
         <p:nvSpPr>
-          <p:cNvPr id="217" name="gather(table4a, `1999`, `2000`,…"/>
+          <p:cNvPr id="251" name="gather(table4a, `1999`, `2000`,…"/>
           <p:cNvSpPr txBox="1"/>
           <p:nvPr/>
         </p:nvSpPr>
@@ -11515,7 +13351,11 @@
               </a:spcBef>
               <a:defRPr b="0" i="1" sz="1300">
                 <a:solidFill>
-                  <a:schemeClr val="accent6"/>
+                  <a:schemeClr val="accent1">
+                    <a:hueOff val="47394"/>
+                    <a:satOff val="-25753"/>
+                    <a:lumOff val="-7544"/>
+                  </a:schemeClr>
                 </a:solidFill>
               </a:defRPr>
             </a:pPr>
@@ -11533,7 +13373,11 @@
               </a:spcBef>
               <a:defRPr b="0" i="1" sz="1300">
                 <a:solidFill>
-                  <a:schemeClr val="accent6"/>
+                  <a:schemeClr val="accent1">
+                    <a:hueOff val="47394"/>
+                    <a:satOff val="-25753"/>
+                    <a:lumOff val="-7544"/>
+                  </a:schemeClr>
                 </a:solidFill>
               </a:defRPr>
             </a:pPr>
@@ -11545,7 +13389,7 @@
       </p:sp>
       <p:sp>
         <p:nvSpPr>
-          <p:cNvPr id="218" name="spread(table2, type, count)"/>
+          <p:cNvPr id="252" name="spread(table2, type, count)"/>
           <p:cNvSpPr txBox="1"/>
           <p:nvPr/>
         </p:nvSpPr>
@@ -11580,7 +13424,11 @@
               </a:spcBef>
               <a:defRPr b="0" i="1" sz="1300">
                 <a:solidFill>
-                  <a:schemeClr val="accent6"/>
+                  <a:schemeClr val="accent1">
+                    <a:hueOff val="47394"/>
+                    <a:satOff val="-25753"/>
+                    <a:lumOff val="-7544"/>
+                  </a:schemeClr>
                 </a:solidFill>
               </a:defRPr>
             </a:lvl1pPr>
@@ -11595,7 +13443,7 @@
       </p:sp>
       <p:grpSp>
         <p:nvGrpSpPr>
-          <p:cNvPr id="226" name="Group"/>
+          <p:cNvPr id="260" name="Group"/>
           <p:cNvGrpSpPr/>
           <p:nvPr/>
         </p:nvGrpSpPr>
@@ -11609,7 +13457,7 @@
         </p:grpSpPr>
         <p:sp>
           <p:nvSpPr>
-            <p:cNvPr id="219" name="value"/>
+            <p:cNvPr id="253" name="value"/>
             <p:cNvSpPr txBox="1"/>
             <p:nvPr/>
           </p:nvSpPr>
@@ -11663,7 +13511,7 @@
         </p:sp>
         <p:sp>
           <p:nvSpPr>
-            <p:cNvPr id="220" name="key"/>
+            <p:cNvPr id="254" name="key"/>
             <p:cNvSpPr txBox="1"/>
             <p:nvPr/>
           </p:nvSpPr>
@@ -11698,7 +13546,11 @@
                 </a:spcBef>
                 <a:defRPr b="0" sz="1000">
                   <a:solidFill>
-                    <a:schemeClr val="accent1"/>
+                    <a:schemeClr val="accent1">
+                      <a:hueOff val="47394"/>
+                      <a:satOff val="-25753"/>
+                      <a:lumOff val="-7544"/>
+                    </a:schemeClr>
                   </a:solidFill>
                 </a:defRPr>
               </a:lvl1pPr>
@@ -11713,7 +13565,7 @@
         </p:sp>
         <p:grpSp>
           <p:nvGrpSpPr>
-            <p:cNvPr id="225" name="Group"/>
+            <p:cNvPr id="259" name="Group"/>
             <p:cNvGrpSpPr/>
             <p:nvPr/>
           </p:nvGrpSpPr>
@@ -11725,9 +13577,59 @@
               <a:chExt cx="3392849" cy="1776494"/>
             </a:xfrm>
           </p:grpSpPr>
+          <p:sp>
+            <p:nvSpPr>
+              <p:cNvPr id="255" name="table4a"/>
+              <p:cNvSpPr txBox="1"/>
+              <p:nvPr/>
+            </p:nvSpPr>
+            <p:spPr>
+              <a:xfrm>
+                <a:off x="311037" y="0"/>
+                <a:ext cx="518844" cy="274241"/>
+              </a:xfrm>
+              <a:prstGeom prst="rect">
+                <a:avLst/>
+              </a:prstGeom>
+              <a:noFill/>
+              <a:ln w="12700" cap="flat">
+                <a:noFill/>
+                <a:miter lim="400000"/>
+              </a:ln>
+              <a:effectLst/>
+              <a:extLst>
+                <a:ext uri="{C572A759-6A51-4108-AA02-DFA0A04FC94B}">
+                  <ma14:wrappingTextBoxFlag xmlns:ma14="http://schemas.microsoft.com/office/mac/drawingml/2011/main" val="1"/>
+                </a:ext>
+              </a:extLst>
+            </p:spPr>
+            <p:txBody>
+              <a:bodyPr wrap="none" lIns="54570" tIns="54570" rIns="54570" bIns="54570" numCol="1" anchor="ctr">
+                <a:spAutoFit/>
+              </a:bodyPr>
+              <a:lstStyle>
+                <a:lvl1pPr algn="ctr">
+                  <a:spcBef>
+                    <a:spcPts val="0"/>
+                  </a:spcBef>
+                  <a:defRPr b="0" sz="1000">
+                    <a:solidFill>
+                      <a:srgbClr val="A6AAA9"/>
+                    </a:solidFill>
+                  </a:defRPr>
+                </a:lvl1pPr>
+              </a:lstStyle>
+              <a:p>
+                <a:pPr/>
+                <a:r>
+                  <a:t>table4a</a:t>
+                </a:r>
+              </a:p>
+            </p:txBody>
+          </p:sp>
           <p:graphicFrame>
             <p:nvGraphicFramePr>
-              <p:cNvPr id="221" name="Table"/>
+              <p:cNvPr id="256" name="Table"/>
               <p:cNvGraphicFramePr/>
               <p:nvPr/>
             </p:nvGraphicFramePr>
@@ -11813,7 +13715,7 @@
                       </a:txBody>
                       <a:tcPr marL="0" marR="0" marT="0" marB="0" anchor="ctr" anchorCtr="0" horzOverflow="overflow">
                         <a:solidFill>
-                          <a:srgbClr val="78AAD6"/>
+                          <a:srgbClr val="407AAA"/>
                         </a:solidFill>
                       </a:tcPr>
                     </a:tc>
@@ -11848,7 +13750,11 @@
                       </a:txBody>
                       <a:tcPr marL="0" marR="0" marT="0" marB="0" anchor="ctr" anchorCtr="0" horzOverflow="overflow">
                         <a:solidFill>
-                          <a:srgbClr val="407AAA"/>
+                          <a:schemeClr val="accent1">
+                            <a:hueOff val="47394"/>
+                            <a:satOff val="-25753"/>
+                            <a:lumOff val="-7544"/>
+                          </a:schemeClr>
                         </a:solidFill>
                       </a:tcPr>
                     </a:tc>
@@ -12117,7 +14023,7 @@
           </p:graphicFrame>
           <p:sp>
             <p:nvSpPr>
-              <p:cNvPr id="222" name="Line"/>
+              <p:cNvPr id="257" name="Line"/>
               <p:cNvSpPr/>
               <p:nvPr/>
             </p:nvSpPr>
@@ -12173,59 +14079,9 @@
               </a:p>
             </p:txBody>
           </p:sp>
-          <p:sp>
-            <p:nvSpPr>
-              <p:cNvPr id="223" name="table4a"/>
-              <p:cNvSpPr txBox="1"/>
-              <p:nvPr/>
-            </p:nvSpPr>
-            <p:spPr>
-              <a:xfrm>
-                <a:off x="311037" y="0"/>
-                <a:ext cx="518844" cy="274241"/>
-              </a:xfrm>
-              <a:prstGeom prst="rect">
-                <a:avLst/>
-              </a:prstGeom>
-              <a:noFill/>
-              <a:ln w="12700" cap="flat">
-                <a:noFill/>
-                <a:miter lim="400000"/>
-              </a:ln>
-              <a:effectLst/>
-              <a:extLst>
-                <a:ext uri="{C572A759-6A51-4108-AA02-DFA0A04FC94B}">
-                  <ma14:wrappingTextBoxFlag xmlns:ma14="http://schemas.microsoft.com/office/mac/drawingml/2011/main" val="1"/>
-                </a:ext>
-              </a:extLst>
-            </p:spPr>
-            <p:txBody>
-              <a:bodyPr wrap="none" lIns="54570" tIns="54570" rIns="54570" bIns="54570" numCol="1" anchor="ctr">
-                <a:spAutoFit/>
-              </a:bodyPr>
-              <a:lstStyle>
-                <a:lvl1pPr algn="ctr">
-                  <a:spcBef>
-                    <a:spcPts val="0"/>
-                  </a:spcBef>
-                  <a:defRPr b="0" sz="1000">
-                    <a:solidFill>
-                      <a:srgbClr val="A6AAA9"/>
-                    </a:solidFill>
-                  </a:defRPr>
-                </a:lvl1pPr>
-              </a:lstStyle>
-              <a:p>
-                <a:pPr/>
-                <a:r>
-                  <a:t>table4a</a:t>
-                </a:r>
-              </a:p>
-            </p:txBody>
-          </p:sp>
           <p:graphicFrame>
             <p:nvGraphicFramePr>
-              <p:cNvPr id="224" name="Table"/>
+              <p:cNvPr id="258" name="Table"/>
               <p:cNvGraphicFramePr/>
               <p:nvPr/>
             </p:nvGraphicFramePr>
@@ -12389,6 +14245,9 @@
                           </a:pPr>
                           <a:r>
                             <a:rPr sz="800">
+                              <a:solidFill>
+                                <a:srgbClr val="FFFFFF"/>
+                              </a:solidFill>
                               <a:latin typeface="Helvetica"/>
                               <a:ea typeface="Helvetica"/>
                               <a:cs typeface="Helvetica"/>
@@ -12400,7 +14259,7 @@
                       </a:txBody>
                       <a:tcPr marL="0" marR="0" marT="0" marB="0" anchor="ctr" anchorCtr="0" horzOverflow="overflow">
                         <a:solidFill>
-                          <a:srgbClr val="78AAD6"/>
+                          <a:srgbClr val="407AAA"/>
                         </a:solidFill>
                       </a:tcPr>
                     </a:tc>
@@ -12471,6 +14330,9 @@
                           </a:pPr>
                           <a:r>
                             <a:rPr sz="800">
+                              <a:solidFill>
+                                <a:srgbClr val="FFFFFF"/>
+                              </a:solidFill>
                               <a:latin typeface="Helvetica"/>
                               <a:ea typeface="Helvetica"/>
                               <a:cs typeface="Helvetica"/>
@@ -12482,7 +14344,7 @@
                       </a:txBody>
                       <a:tcPr marL="0" marR="0" marT="0" marB="0" anchor="ctr" anchorCtr="0" horzOverflow="overflow">
                         <a:solidFill>
-                          <a:srgbClr val="78AAD6"/>
+                          <a:srgbClr val="407AAA"/>
                         </a:solidFill>
                       </a:tcPr>
                     </a:tc>
@@ -12553,6 +14415,9 @@
                           </a:pPr>
                           <a:r>
                             <a:rPr sz="800">
+                              <a:solidFill>
+                                <a:srgbClr val="FFFFFF"/>
+                              </a:solidFill>
                               <a:latin typeface="Helvetica"/>
                               <a:ea typeface="Helvetica"/>
                               <a:cs typeface="Helvetica"/>
@@ -12564,7 +14429,7 @@
                       </a:txBody>
                       <a:tcPr marL="0" marR="0" marT="0" marB="0" anchor="ctr" anchorCtr="0" horzOverflow="overflow">
                         <a:solidFill>
-                          <a:srgbClr val="78AAD6"/>
+                          <a:srgbClr val="407AAA"/>
                         </a:solidFill>
                       </a:tcPr>
                     </a:tc>
@@ -12649,7 +14514,11 @@
                       </a:txBody>
                       <a:tcPr marL="0" marR="0" marT="0" marB="0" anchor="ctr" anchorCtr="0" horzOverflow="overflow">
                         <a:solidFill>
-                          <a:srgbClr val="407AAA"/>
+                          <a:schemeClr val="accent1">
+                            <a:hueOff val="47394"/>
+                            <a:satOff val="-25753"/>
+                            <a:lumOff val="-7544"/>
+                          </a:schemeClr>
                         </a:solidFill>
                       </a:tcPr>
                     </a:tc>
@@ -12738,7 +14607,11 @@
                       </a:txBody>
                       <a:tcPr marL="0" marR="0" marT="0" marB="0" anchor="ctr" anchorCtr="0" horzOverflow="overflow">
                         <a:solidFill>
-                          <a:srgbClr val="407AAA"/>
+                          <a:schemeClr val="accent1">
+                            <a:hueOff val="47394"/>
+                            <a:satOff val="-25753"/>
+                            <a:lumOff val="-7544"/>
+                          </a:schemeClr>
                         </a:solidFill>
                       </a:tcPr>
                     </a:tc>
@@ -12827,7 +14700,11 @@
                       </a:txBody>
                       <a:tcPr marL="0" marR="0" marT="0" marB="0" anchor="ctr" anchorCtr="0" horzOverflow="overflow">
                         <a:solidFill>
-                          <a:srgbClr val="407AAA"/>
+                          <a:schemeClr val="accent1">
+                            <a:hueOff val="47394"/>
+                            <a:satOff val="-25753"/>
+                            <a:lumOff val="-7544"/>
+                          </a:schemeClr>
                         </a:solidFill>
                       </a:tcPr>
                     </a:tc>
@@ -12872,7 +14749,7 @@
       </p:grpSp>
       <p:grpSp>
         <p:nvGrpSpPr>
-          <p:cNvPr id="234" name="Group"/>
+          <p:cNvPr id="268" name="Group"/>
           <p:cNvGrpSpPr/>
           <p:nvPr/>
         </p:nvGrpSpPr>
@@ -12886,7 +14763,7 @@
         </p:grpSpPr>
         <p:sp>
           <p:nvSpPr>
-            <p:cNvPr id="227" name="value"/>
+            <p:cNvPr id="261" name="value"/>
             <p:cNvSpPr txBox="1"/>
             <p:nvPr/>
           </p:nvSpPr>
@@ -12940,7 +14817,7 @@
         </p:sp>
         <p:sp>
           <p:nvSpPr>
-            <p:cNvPr id="228" name="key"/>
+            <p:cNvPr id="262" name="key"/>
             <p:cNvSpPr txBox="1"/>
             <p:nvPr/>
           </p:nvSpPr>
@@ -12975,7 +14852,11 @@
                 </a:spcBef>
                 <a:defRPr b="0" sz="1000">
                   <a:solidFill>
-                    <a:schemeClr val="accent1"/>
+                    <a:schemeClr val="accent1">
+                      <a:hueOff val="47394"/>
+                      <a:satOff val="-25753"/>
+                      <a:lumOff val="-7544"/>
+                    </a:schemeClr>
                   </a:solidFill>
                 </a:defRPr>
               </a:lvl1pPr>
@@ -12990,7 +14871,7 @@
         </p:sp>
         <p:grpSp>
           <p:nvGrpSpPr>
-            <p:cNvPr id="233" name="Group"/>
+            <p:cNvPr id="267" name="Group"/>
             <p:cNvGrpSpPr/>
             <p:nvPr/>
           </p:nvGrpSpPr>
@@ -13004,7 +14885,7 @@
           </p:grpSpPr>
           <p:graphicFrame>
             <p:nvGraphicFramePr>
-              <p:cNvPr id="229" name="Table"/>
+              <p:cNvPr id="263" name="Table"/>
               <p:cNvGraphicFramePr/>
               <p:nvPr/>
             </p:nvGraphicFramePr>
@@ -13126,7 +15007,7 @@
                       </a:txBody>
                       <a:tcPr marL="0" marR="0" marT="0" marB="0" anchor="ctr" anchorCtr="0" horzOverflow="overflow">
                         <a:solidFill>
-                          <a:srgbClr val="78AAD6"/>
+                          <a:srgbClr val="407AAA"/>
                         </a:solidFill>
                       </a:tcPr>
                     </a:tc>
@@ -13161,7 +15042,11 @@
                       </a:txBody>
                       <a:tcPr marL="0" marR="0" marT="0" marB="0" anchor="ctr" anchorCtr="0" horzOverflow="overflow">
                         <a:solidFill>
-                          <a:srgbClr val="407AAA"/>
+                          <a:schemeClr val="accent1">
+                            <a:hueOff val="47394"/>
+                            <a:satOff val="-25753"/>
+                            <a:lumOff val="-7544"/>
+                          </a:schemeClr>
                         </a:solidFill>
                       </a:tcPr>
                     </a:tc>
@@ -13832,7 +15717,7 @@
           </p:graphicFrame>
           <p:sp>
             <p:nvSpPr>
-              <p:cNvPr id="230" name="table2"/>
+              <p:cNvPr id="264" name="table2"/>
               <p:cNvSpPr txBox="1"/>
               <p:nvPr/>
             </p:nvSpPr>
@@ -13882,7 +15767,7 @@
           </p:sp>
           <p:sp>
             <p:nvSpPr>
-              <p:cNvPr id="231" name="Line"/>
+              <p:cNvPr id="265" name="Line"/>
               <p:cNvSpPr/>
               <p:nvPr/>
             </p:nvSpPr>
@@ -13940,7 +15825,7 @@
           </p:sp>
           <p:graphicFrame>
             <p:nvGraphicFramePr>
-              <p:cNvPr id="232" name="Table"/>
+              <p:cNvPr id="266" name="Table"/>
               <p:cNvGraphicFramePr/>
               <p:nvPr/>
             </p:nvGraphicFramePr>
@@ -14164,6 +16049,9 @@
                           </a:pPr>
                           <a:r>
                             <a:rPr baseline="25000" sz="800">
+                              <a:solidFill>
+                                <a:srgbClr val="FFFFFF"/>
+                              </a:solidFill>
                               <a:latin typeface="Helvetica"/>
                               <a:ea typeface="Helvetica"/>
                               <a:cs typeface="Helvetica"/>
@@ -14175,7 +16063,7 @@
                       </a:txBody>
                       <a:tcPr marL="0" marR="0" marT="0" marB="0" anchor="t" anchorCtr="0" horzOverflow="overflow">
                         <a:solidFill>
-                          <a:srgbClr val="78AAD6"/>
+                          <a:srgbClr val="407AAA"/>
                         </a:solidFill>
                       </a:tcPr>
                     </a:tc>
@@ -14284,7 +16172,11 @@
                       </a:txBody>
                       <a:tcPr marL="0" marR="0" marT="0" marB="0" anchor="t" anchorCtr="0" horzOverflow="overflow">
                         <a:solidFill>
-                          <a:srgbClr val="407AAA"/>
+                          <a:schemeClr val="accent1">
+                            <a:hueOff val="47394"/>
+                            <a:satOff val="-25753"/>
+                            <a:lumOff val="-7544"/>
+                          </a:schemeClr>
                         </a:solidFill>
                       </a:tcPr>
                     </a:tc>
@@ -14383,6 +16275,9 @@
                           </a:pPr>
                           <a:r>
                             <a:rPr baseline="25000" sz="800">
+                              <a:solidFill>
+                                <a:srgbClr val="FFFFFF"/>
+                              </a:solidFill>
                               <a:latin typeface="Helvetica"/>
                               <a:ea typeface="Helvetica"/>
                               <a:cs typeface="Helvetica"/>
@@ -14394,7 +16289,7 @@
                       </a:txBody>
                       <a:tcPr marL="0" marR="0" marT="0" marB="0" anchor="t" anchorCtr="0" horzOverflow="overflow">
                         <a:solidFill>
-                          <a:srgbClr val="78AAD6"/>
+                          <a:srgbClr val="407AAA"/>
                         </a:solidFill>
                       </a:tcPr>
                     </a:tc>
@@ -14503,7 +16398,11 @@
                       </a:txBody>
                       <a:tcPr marL="0" marR="0" marT="0" marB="0" anchor="t" anchorCtr="0" horzOverflow="overflow">
                         <a:solidFill>
-                          <a:srgbClr val="407AAA"/>
+                          <a:schemeClr val="accent1">
+                            <a:hueOff val="47394"/>
+                            <a:satOff val="-25753"/>
+                            <a:lumOff val="-7544"/>
+                          </a:schemeClr>
                         </a:solidFill>
                       </a:tcPr>
                     </a:tc>
@@ -14602,6 +16501,9 @@
                           </a:pPr>
                           <a:r>
                             <a:rPr baseline="25000" sz="800">
+                              <a:solidFill>
+                                <a:srgbClr val="FFFFFF"/>
+                              </a:solidFill>
                               <a:latin typeface="Helvetica"/>
                               <a:ea typeface="Helvetica"/>
                               <a:cs typeface="Helvetica"/>
@@ -14613,7 +16515,7 @@
                       </a:txBody>
                       <a:tcPr marL="0" marR="0" marT="0" marB="0" anchor="t" anchorCtr="0" horzOverflow="overflow">
                         <a:solidFill>
-                          <a:srgbClr val="78AAD6"/>
+                          <a:srgbClr val="407AAA"/>
                         </a:solidFill>
                       </a:tcPr>
                     </a:tc>
@@ -14722,7 +16624,11 @@
                       </a:txBody>
                       <a:tcPr marL="0" marR="0" marT="0" marB="0" anchor="t" anchorCtr="0" horzOverflow="overflow">
                         <a:solidFill>
-                          <a:srgbClr val="407AAA"/>
+                          <a:schemeClr val="accent1">
+                            <a:hueOff val="47394"/>
+                            <a:satOff val="-25753"/>
+                            <a:lumOff val="-7544"/>
+                          </a:schemeClr>
                         </a:solidFill>
                       </a:tcPr>
                     </a:tc>
@@ -14821,6 +16727,9 @@
                           </a:pPr>
                           <a:r>
                             <a:rPr baseline="25000" sz="800">
+                              <a:solidFill>
+                                <a:srgbClr val="FFFFFF"/>
+                              </a:solidFill>
                               <a:latin typeface="Helvetica"/>
                               <a:ea typeface="Helvetica"/>
                               <a:cs typeface="Helvetica"/>
@@ -14832,7 +16741,7 @@
                       </a:txBody>
                       <a:tcPr marL="0" marR="0" marT="0" marB="0" anchor="t" anchorCtr="0" horzOverflow="overflow">
                         <a:solidFill>
-                          <a:srgbClr val="78AAD6"/>
+                          <a:srgbClr val="407AAA"/>
                         </a:solidFill>
                       </a:tcPr>
                     </a:tc>
@@ -14941,7 +16850,11 @@
                       </a:txBody>
                       <a:tcPr marL="0" marR="0" marT="0" marB="0" anchor="t" anchorCtr="0" horzOverflow="overflow">
                         <a:solidFill>
-                          <a:srgbClr val="407AAA"/>
+                          <a:schemeClr val="accent1">
+                            <a:hueOff val="47394"/>
+                            <a:satOff val="-25753"/>
+                            <a:lumOff val="-7544"/>
+                          </a:schemeClr>
                         </a:solidFill>
                       </a:tcPr>
                     </a:tc>
@@ -15040,6 +16953,9 @@
                           </a:pPr>
                           <a:r>
                             <a:rPr baseline="25000" sz="800">
+                              <a:solidFill>
+                                <a:srgbClr val="FFFFFF"/>
+                              </a:solidFill>
                               <a:latin typeface="Helvetica"/>
                               <a:ea typeface="Helvetica"/>
                               <a:cs typeface="Helvetica"/>
@@ -15051,7 +16967,7 @@
                       </a:txBody>
                       <a:tcPr marL="0" marR="0" marT="0" marB="0" anchor="t" anchorCtr="0" horzOverflow="overflow">
                         <a:solidFill>
-                          <a:srgbClr val="78AAD6"/>
+                          <a:srgbClr val="407AAA"/>
                         </a:solidFill>
                       </a:tcPr>
                     </a:tc>
@@ -15160,7 +17076,11 @@
                       </a:txBody>
                       <a:tcPr marL="0" marR="0" marT="0" marB="0" anchor="t" anchorCtr="0" horzOverflow="overflow">
                         <a:solidFill>
-                          <a:srgbClr val="407AAA"/>
+                          <a:schemeClr val="accent1">
+                            <a:hueOff val="47394"/>
+                            <a:satOff val="-25753"/>
+                            <a:lumOff val="-7544"/>
+                          </a:schemeClr>
                         </a:solidFill>
                       </a:tcPr>
                     </a:tc>
@@ -15259,6 +17179,9 @@
                           </a:pPr>
                           <a:r>
                             <a:rPr baseline="25000" sz="800">
+                              <a:solidFill>
+                                <a:srgbClr val="FFFFFF"/>
+                              </a:solidFill>
                               <a:latin typeface="Helvetica"/>
                               <a:ea typeface="Helvetica"/>
                               <a:cs typeface="Helvetica"/>
@@ -15270,7 +17193,7 @@
                       </a:txBody>
                       <a:tcPr marL="0" marR="0" marT="0" marB="0" anchor="t" anchorCtr="0" horzOverflow="overflow">
                         <a:solidFill>
-                          <a:srgbClr val="78AAD6"/>
+                          <a:srgbClr val="407AAA"/>
                         </a:solidFill>
                       </a:tcPr>
                     </a:tc>
@@ -15379,7 +17302,11 @@
                       </a:txBody>
                       <a:tcPr marL="0" marR="0" marT="0" marB="0" anchor="t" anchorCtr="0" horzOverflow="overflow">
                         <a:solidFill>
-                          <a:srgbClr val="407AAA"/>
+                          <a:schemeClr val="accent1">
+                            <a:hueOff val="47394"/>
+                            <a:satOff val="-25753"/>
+                            <a:lumOff val="-7544"/>
+                          </a:schemeClr>
                         </a:solidFill>
                       </a:tcPr>
                     </a:tc>
@@ -15424,7 +17351,7 @@
       </p:grpSp>
       <p:sp>
         <p:nvSpPr>
-          <p:cNvPr id="235" name="unite(data, col, ..., sep = &quot;_&quot;, remove = TRUE)…"/>
+          <p:cNvPr id="269" name="unite(data, col, ..., sep = &quot;_&quot;, remove = TRUE)…"/>
           <p:cNvSpPr txBox="1"/>
           <p:nvPr/>
         </p:nvSpPr>
@@ -15494,7 +17421,7 @@
       </p:sp>
       <p:sp>
         <p:nvSpPr>
-          <p:cNvPr id="236" name="drop_na(data, ...)…"/>
+          <p:cNvPr id="270" name="drop_na(data, ...)…"/>
           <p:cNvSpPr txBox="1"/>
           <p:nvPr/>
         </p:nvSpPr>
@@ -15567,7 +17494,7 @@
       </p:sp>
       <p:sp>
         <p:nvSpPr>
-          <p:cNvPr id="237" name="fill(data, ..., .direction = c(&quot;down&quot;, &quot;up&quot;))…"/>
+          <p:cNvPr id="271" name="fill(data, ..., .direction = c(&quot;down&quot;, &quot;up&quot;))…"/>
           <p:cNvSpPr txBox="1"/>
           <p:nvPr/>
         </p:nvSpPr>
@@ -15634,7 +17561,7 @@
       </p:sp>
       <p:sp>
         <p:nvSpPr>
-          <p:cNvPr id="238" name="replace_na(data,…"/>
+          <p:cNvPr id="272" name="replace_na(data,…"/>
           <p:cNvSpPr txBox="1"/>
           <p:nvPr/>
         </p:nvSpPr>
@@ -15721,7 +17648,7 @@
       </p:sp>
       <p:sp>
         <p:nvSpPr>
-          <p:cNvPr id="239" name="Use these functions to split or combine cells into individual, isolated values."/>
+          <p:cNvPr id="273" name="Use these functions to split or combine cells into individual, isolated values."/>
           <p:cNvSpPr txBox="1"/>
           <p:nvPr/>
         </p:nvSpPr>
@@ -15771,7 +17698,7 @@
       </p:sp>
       <p:grpSp>
         <p:nvGrpSpPr>
-          <p:cNvPr id="244" name="Group"/>
+          <p:cNvPr id="278" name="Group"/>
           <p:cNvGrpSpPr/>
           <p:nvPr/>
         </p:nvGrpSpPr>
@@ -15785,7 +17712,7 @@
         </p:grpSpPr>
         <p:graphicFrame>
           <p:nvGraphicFramePr>
-            <p:cNvPr id="240" name="Table"/>
+            <p:cNvPr id="274" name="Table"/>
             <p:cNvGraphicFramePr/>
             <p:nvPr/>
           </p:nvGraphicFramePr>
@@ -15998,7 +17925,11 @@
                         <a:r>
                           <a:rPr>
                             <a:solidFill>
-                              <a:schemeClr val="accent1"/>
+                              <a:schemeClr val="accent1">
+                                <a:hueOff val="47394"/>
+                                <a:satOff val="-25753"/>
+                                <a:lumOff val="-7544"/>
+                              </a:schemeClr>
                             </a:solidFill>
                           </a:rPr>
                           <a:t>19M</a:t>
@@ -16095,7 +18026,11 @@
                         <a:r>
                           <a:rPr>
                             <a:solidFill>
-                              <a:schemeClr val="accent1"/>
+                              <a:schemeClr val="accent1">
+                                <a:hueOff val="47394"/>
+                                <a:satOff val="-25753"/>
+                                <a:lumOff val="-7544"/>
+                              </a:schemeClr>
                             </a:solidFill>
                           </a:rPr>
                           <a:t>20M</a:t>
@@ -16192,7 +18127,11 @@
                         <a:r>
                           <a:rPr>
                             <a:solidFill>
-                              <a:schemeClr val="accent1"/>
+                              <a:schemeClr val="accent1">
+                                <a:hueOff val="47394"/>
+                                <a:satOff val="-25753"/>
+                                <a:lumOff val="-7544"/>
+                              </a:schemeClr>
                             </a:solidFill>
                           </a:rPr>
                           <a:t>172M</a:t>
@@ -16289,7 +18228,11 @@
                         <a:r>
                           <a:rPr>
                             <a:solidFill>
-                              <a:schemeClr val="accent1"/>
+                              <a:schemeClr val="accent1">
+                                <a:hueOff val="47394"/>
+                                <a:satOff val="-25753"/>
+                                <a:lumOff val="-7544"/>
+                              </a:schemeClr>
                             </a:solidFill>
                           </a:rPr>
                           <a:t>174M</a:t>
@@ -16386,7 +18329,11 @@
                         <a:r>
                           <a:rPr>
                             <a:solidFill>
-                              <a:schemeClr val="accent1"/>
+                              <a:schemeClr val="accent1">
+                                <a:hueOff val="47394"/>
+                                <a:satOff val="-25753"/>
+                                <a:lumOff val="-7544"/>
+                              </a:schemeClr>
                             </a:solidFill>
                           </a:rPr>
                           <a:t>1T</a:t>
@@ -16483,7 +18430,11 @@
                         <a:r>
                           <a:rPr>
                             <a:solidFill>
-                              <a:schemeClr val="accent1"/>
+                              <a:schemeClr val="accent1">
+                                <a:hueOff val="47394"/>
+                                <a:satOff val="-25753"/>
+                                <a:lumOff val="-7544"/>
+                              </a:schemeClr>
                             </a:solidFill>
                           </a:rPr>
                           <a:t>1T</a:t>
@@ -16499,7 +18450,7 @@
         </p:graphicFrame>
         <p:graphicFrame>
           <p:nvGraphicFramePr>
-            <p:cNvPr id="241" name="Table"/>
+            <p:cNvPr id="275" name="Table"/>
             <p:cNvGraphicFramePr/>
             <p:nvPr/>
           </p:nvGraphicFramePr>
@@ -16660,7 +18611,11 @@
                     </a:txBody>
                     <a:tcPr marL="0" marR="0" marT="0" marB="0" anchor="ctr" anchorCtr="0" horzOverflow="overflow">
                       <a:solidFill>
-                        <a:srgbClr val="407AAA"/>
+                        <a:schemeClr val="accent1">
+                          <a:hueOff val="47394"/>
+                          <a:satOff val="-25753"/>
+                          <a:lumOff val="-7544"/>
+                        </a:schemeClr>
                       </a:solidFill>
                     </a:tcPr>
                   </a:tc>
@@ -16759,6 +18714,9 @@
                         </a:pPr>
                         <a:r>
                           <a:rPr sz="800">
+                            <a:solidFill>
+                              <a:srgbClr val="FFFFFF"/>
+                            </a:solidFill>
                             <a:latin typeface="Helvetica"/>
                             <a:ea typeface="Helvetica"/>
                             <a:cs typeface="Helvetica"/>
@@ -16770,7 +18728,7 @@
                     </a:txBody>
                     <a:tcPr marL="0" marR="0" marT="0" marB="0" anchor="ctr" anchorCtr="0" horzOverflow="overflow">
                       <a:solidFill>
-                        <a:srgbClr val="78AAD6"/>
+                        <a:srgbClr val="407AAA"/>
                       </a:solidFill>
                     </a:tcPr>
                   </a:tc>
@@ -16869,6 +18827,9 @@
                         </a:pPr>
                         <a:r>
                           <a:rPr sz="800">
+                            <a:solidFill>
+                              <a:srgbClr val="FFFFFF"/>
+                            </a:solidFill>
                             <a:latin typeface="Helvetica"/>
                             <a:ea typeface="Helvetica"/>
                             <a:cs typeface="Helvetica"/>
@@ -16880,7 +18841,7 @@
                     </a:txBody>
                     <a:tcPr marL="0" marR="0" marT="0" marB="0" anchor="ctr" anchorCtr="0" horzOverflow="overflow">
                       <a:solidFill>
-                        <a:srgbClr val="78AAD6"/>
+                        <a:srgbClr val="407AAA"/>
                       </a:solidFill>
                     </a:tcPr>
                   </a:tc>
@@ -16979,6 +18940,9 @@
                         </a:pPr>
                         <a:r>
                           <a:rPr sz="800">
+                            <a:solidFill>
+                              <a:srgbClr val="FFFFFF"/>
+                            </a:solidFill>
                             <a:latin typeface="Helvetica"/>
                             <a:ea typeface="Helvetica"/>
                             <a:cs typeface="Helvetica"/>
@@ -16990,7 +18954,7 @@
                     </a:txBody>
                     <a:tcPr marL="0" marR="0" marT="0" marB="0" anchor="ctr" anchorCtr="0" horzOverflow="overflow">
                       <a:solidFill>
-                        <a:srgbClr val="78AAD6"/>
+                        <a:srgbClr val="407AAA"/>
                       </a:solidFill>
                     </a:tcPr>
                   </a:tc>
@@ -17089,6 +19053,9 @@
                         </a:pPr>
                         <a:r>
                           <a:rPr sz="800">
+                            <a:solidFill>
+                              <a:srgbClr val="FFFFFF"/>
+                            </a:solidFill>
                             <a:latin typeface="Helvetica"/>
                             <a:ea typeface="Helvetica"/>
                             <a:cs typeface="Helvetica"/>
@@ -17100,7 +19067,7 @@
                     </a:txBody>
                     <a:tcPr marL="0" marR="0" marT="0" marB="0" anchor="ctr" anchorCtr="0" horzOverflow="overflow">
                       <a:solidFill>
-                        <a:srgbClr val="78AAD6"/>
+                        <a:srgbClr val="407AAA"/>
                       </a:solidFill>
                     </a:tcPr>
                   </a:tc>
@@ -17199,6 +19166,9 @@
                         </a:pPr>
                         <a:r>
                           <a:rPr sz="800">
+                            <a:solidFill>
+                              <a:srgbClr val="FFFFFF"/>
+                            </a:solidFill>
                             <a:latin typeface="Helvetica"/>
                             <a:ea typeface="Helvetica"/>
                             <a:cs typeface="Helvetica"/>
@@ -17210,7 +19180,7 @@
                     </a:txBody>
                     <a:tcPr marL="0" marR="0" marT="0" marB="0" anchor="ctr" anchorCtr="0" horzOverflow="overflow">
                       <a:solidFill>
-                        <a:srgbClr val="78AAD6"/>
+                        <a:srgbClr val="407AAA"/>
                       </a:solidFill>
                     </a:tcPr>
                   </a:tc>
@@ -17309,6 +19279,9 @@
                         </a:pPr>
                         <a:r>
                           <a:rPr sz="800">
+                            <a:solidFill>
+                              <a:srgbClr val="FFFFFF"/>
+                            </a:solidFill>
                             <a:latin typeface="Helvetica"/>
                             <a:ea typeface="Helvetica"/>
                             <a:cs typeface="Helvetica"/>
@@ -17320,7 +19293,7 @@
                     </a:txBody>
                     <a:tcPr marL="0" marR="0" marT="0" marB="0" anchor="ctr" anchorCtr="0" horzOverflow="overflow">
                       <a:solidFill>
-                        <a:srgbClr val="78AAD6"/>
+                        <a:srgbClr val="407AAA"/>
                       </a:solidFill>
                     </a:tcPr>
                   </a:tc>
@@ -17331,7 +19304,7 @@
         </p:graphicFrame>
         <p:sp>
           <p:nvSpPr>
-            <p:cNvPr id="242" name="Line"/>
+            <p:cNvPr id="276" name="Line"/>
             <p:cNvSpPr/>
             <p:nvPr/>
           </p:nvSpPr>
@@ -17389,7 +19362,7 @@
         </p:sp>
         <p:sp>
           <p:nvSpPr>
-            <p:cNvPr id="243" name="table3"/>
+            <p:cNvPr id="277" name="table3"/>
             <p:cNvSpPr txBox="1"/>
             <p:nvPr/>
           </p:nvSpPr>
@@ -17440,7 +19413,7 @@
       </p:grpSp>
       <p:sp>
         <p:nvSpPr>
-          <p:cNvPr id="245" name="separate(data, col, into,  sep = &quot;[^[:alnum:]]+&quot;, remove = TRUE, convert = FALSE,…"/>
+          <p:cNvPr id="279" name="separate(data, col, into,  sep = &quot;[^[:alnum:]]+&quot;, remove = TRUE, convert = FALSE,…"/>
           <p:cNvSpPr txBox="1"/>
           <p:nvPr/>
         </p:nvSpPr>
@@ -17533,7 +19506,7 @@
       </p:sp>
       <p:grpSp>
         <p:nvGrpSpPr>
-          <p:cNvPr id="250" name="Group"/>
+          <p:cNvPr id="284" name="Group"/>
           <p:cNvGrpSpPr/>
           <p:nvPr/>
         </p:nvGrpSpPr>
@@ -17547,7 +19520,7 @@
         </p:grpSpPr>
         <p:graphicFrame>
           <p:nvGraphicFramePr>
-            <p:cNvPr id="246" name="Table"/>
+            <p:cNvPr id="280" name="Table"/>
             <p:cNvGraphicFramePr/>
             <p:nvPr/>
           </p:nvGraphicFramePr>
@@ -17672,7 +19645,11 @@
                     </a:txBody>
                     <a:tcPr marL="0" marR="0" marT="0" marB="0" anchor="ctr" anchorCtr="0" horzOverflow="overflow">
                       <a:solidFill>
-                        <a:srgbClr val="407AAA"/>
+                        <a:schemeClr val="accent1">
+                          <a:hueOff val="47394"/>
+                          <a:satOff val="-25753"/>
+                          <a:lumOff val="-7544"/>
+                        </a:schemeClr>
                       </a:solidFill>
                     </a:tcPr>
                   </a:tc>
@@ -17747,6 +19724,9 @@
                         </a:pPr>
                         <a:r>
                           <a:rPr sz="800">
+                            <a:solidFill>
+                              <a:srgbClr val="FFFFFF"/>
+                            </a:solidFill>
                             <a:latin typeface="Helvetica"/>
                             <a:ea typeface="Helvetica"/>
                             <a:cs typeface="Helvetica"/>
@@ -17758,7 +19738,7 @@
                     </a:txBody>
                     <a:tcPr marL="0" marR="0" marT="0" marB="0" anchor="ctr" anchorCtr="0" horzOverflow="overflow">
                       <a:solidFill>
-                        <a:srgbClr val="78AAD6"/>
+                        <a:srgbClr val="407AAA"/>
                       </a:solidFill>
                     </a:tcPr>
                   </a:tc>
@@ -17833,6 +19813,9 @@
                         </a:pPr>
                         <a:r>
                           <a:rPr sz="800">
+                            <a:solidFill>
+                              <a:srgbClr val="FFFFFF"/>
+                            </a:solidFill>
                             <a:latin typeface="Helvetica"/>
                             <a:ea typeface="Helvetica"/>
                             <a:cs typeface="Helvetica"/>
@@ -17844,7 +19827,7 @@
                     </a:txBody>
                     <a:tcPr marL="0" marR="0" marT="0" marB="0" anchor="ctr" anchorCtr="0" horzOverflow="overflow">
                       <a:solidFill>
-                        <a:srgbClr val="78AAD6"/>
+                        <a:srgbClr val="407AAA"/>
                       </a:solidFill>
                     </a:tcPr>
                   </a:tc>
@@ -17919,6 +19902,9 @@
                         </a:pPr>
                         <a:r>
                           <a:rPr sz="800">
+                            <a:solidFill>
+                              <a:srgbClr val="FFFFFF"/>
+                            </a:solidFill>
                             <a:latin typeface="Helvetica"/>
                             <a:ea typeface="Helvetica"/>
                             <a:cs typeface="Helvetica"/>
@@ -17930,7 +19916,7 @@
                     </a:txBody>
                     <a:tcPr marL="0" marR="0" marT="0" marB="0" anchor="ctr" anchorCtr="0" horzOverflow="overflow">
                       <a:solidFill>
-                        <a:srgbClr val="78AAD6"/>
+                        <a:srgbClr val="407AAA"/>
                       </a:solidFill>
                     </a:tcPr>
                   </a:tc>
@@ -18005,6 +19991,9 @@
                         </a:pPr>
                         <a:r>
                           <a:rPr sz="800">
+                            <a:solidFill>
+                              <a:srgbClr val="FFFFFF"/>
+                            </a:solidFill>
                             <a:latin typeface="Helvetica"/>
                             <a:ea typeface="Helvetica"/>
                             <a:cs typeface="Helvetica"/>
@@ -18016,7 +20005,7 @@
                     </a:txBody>
                     <a:tcPr marL="0" marR="0" marT="0" marB="0" anchor="ctr" anchorCtr="0" horzOverflow="overflow">
                       <a:solidFill>
-                        <a:srgbClr val="78AAD6"/>
+                        <a:srgbClr val="407AAA"/>
                       </a:solidFill>
                     </a:tcPr>
                   </a:tc>
@@ -18091,6 +20080,9 @@
                         </a:pPr>
                         <a:r>
                           <a:rPr sz="800">
+                            <a:solidFill>
+                              <a:srgbClr val="FFFFFF"/>
+                            </a:solidFill>
                             <a:latin typeface="Helvetica"/>
                             <a:ea typeface="Helvetica"/>
                             <a:cs typeface="Helvetica"/>
@@ -18102,7 +20094,7 @@
                     </a:txBody>
                     <a:tcPr marL="0" marR="0" marT="0" marB="0" anchor="ctr" anchorCtr="0" horzOverflow="overflow">
                       <a:solidFill>
-                        <a:srgbClr val="78AAD6"/>
+                        <a:srgbClr val="407AAA"/>
                       </a:solidFill>
                     </a:tcPr>
                   </a:tc>
@@ -18177,6 +20169,9 @@
                         </a:pPr>
                         <a:r>
                           <a:rPr sz="800">
+                            <a:solidFill>
+                              <a:srgbClr val="FFFFFF"/>
+                            </a:solidFill>
                             <a:latin typeface="Helvetica"/>
                             <a:ea typeface="Helvetica"/>
                             <a:cs typeface="Helvetica"/>
@@ -18188,7 +20183,7 @@
                     </a:txBody>
                     <a:tcPr marL="0" marR="0" marT="0" marB="0" anchor="ctr" anchorCtr="0" horzOverflow="overflow">
                       <a:solidFill>
-                        <a:srgbClr val="78AAD6"/>
+                        <a:srgbClr val="407AAA"/>
                       </a:solidFill>
                     </a:tcPr>
                   </a:tc>
@@ -18199,7 +20194,7 @@
         </p:graphicFrame>
         <p:graphicFrame>
           <p:nvGraphicFramePr>
-            <p:cNvPr id="247" name="Table"/>
+            <p:cNvPr id="281" name="Table"/>
             <p:cNvGraphicFramePr/>
             <p:nvPr/>
           </p:nvGraphicFramePr>
@@ -18344,7 +20339,11 @@
                         <a:r>
                           <a:rPr>
                             <a:solidFill>
-                              <a:schemeClr val="accent1"/>
+                              <a:schemeClr val="accent1">
+                                <a:hueOff val="47394"/>
+                                <a:satOff val="-25753"/>
+                                <a:lumOff val="-7544"/>
+                              </a:schemeClr>
                             </a:solidFill>
                           </a:rPr>
                           <a:t>99</a:t>
@@ -18409,7 +20408,11 @@
                         <a:r>
                           <a:rPr>
                             <a:solidFill>
-                              <a:schemeClr val="accent1"/>
+                              <a:schemeClr val="accent1">
+                                <a:hueOff val="47394"/>
+                                <a:satOff val="-25753"/>
+                                <a:lumOff val="-7544"/>
+                              </a:schemeClr>
                             </a:solidFill>
                           </a:rPr>
                           <a:t>00</a:t>
@@ -18477,7 +20480,19 @@
                               <a:schemeClr val="accent1"/>
                             </a:solidFill>
                           </a:rPr>
-                          <a:t>99</a:t>
+                          <a:t>9</a:t>
+                        </a:r>
+                        <a:r>
+                          <a:rPr>
+                            <a:solidFill>
+                              <a:schemeClr val="accent1">
+                                <a:hueOff val="47394"/>
+                                <a:satOff val="-25753"/>
+                                <a:lumOff val="-7544"/>
+                              </a:schemeClr>
+                            </a:solidFill>
+                          </a:rPr>
+                          <a:t>9</a:t>
                         </a:r>
                       </a:p>
                     </a:txBody>
@@ -18539,7 +20554,11 @@
                         <a:r>
                           <a:rPr>
                             <a:solidFill>
-                              <a:schemeClr val="accent1"/>
+                              <a:schemeClr val="accent1">
+                                <a:hueOff val="47394"/>
+                                <a:satOff val="-25753"/>
+                                <a:lumOff val="-7544"/>
+                              </a:schemeClr>
                             </a:solidFill>
                           </a:rPr>
                           <a:t>00</a:t>
@@ -18604,10 +20623,22 @@
                         <a:r>
                           <a:rPr>
                             <a:solidFill>
+                              <a:schemeClr val="accent1">
+                                <a:hueOff val="47394"/>
+                                <a:satOff val="-25753"/>
+                                <a:lumOff val="-7544"/>
+                              </a:schemeClr>
+                            </a:solidFill>
+                          </a:rPr>
+                          <a:t>9</a:t>
+                        </a:r>
+                        <a:r>
+                          <a:rPr>
+                            <a:solidFill>
                               <a:schemeClr val="accent1"/>
                             </a:solidFill>
                           </a:rPr>
-                          <a:t>99</a:t>
+                          <a:t>9</a:t>
                         </a:r>
                       </a:p>
                     </a:txBody>
@@ -18669,7 +20700,11 @@
                         <a:r>
                           <a:rPr>
                             <a:solidFill>
-                              <a:schemeClr val="accent1"/>
+                              <a:schemeClr val="accent1">
+                                <a:hueOff val="47394"/>
+                                <a:satOff val="-25753"/>
+                                <a:lumOff val="-7544"/>
+                              </a:schemeClr>
                             </a:solidFill>
                           </a:rPr>
                           <a:t>00</a:t>
@@ -18685,7 +20720,7 @@
         </p:graphicFrame>
         <p:sp>
           <p:nvSpPr>
-            <p:cNvPr id="248" name="Line"/>
+            <p:cNvPr id="282" name="Line"/>
             <p:cNvSpPr/>
             <p:nvPr/>
           </p:nvSpPr>
@@ -18743,7 +20778,7 @@
         </p:sp>
         <p:sp>
           <p:nvSpPr>
-            <p:cNvPr id="249" name="table5"/>
+            <p:cNvPr id="283" name="table5"/>
             <p:cNvSpPr txBox="1"/>
             <p:nvPr/>
           </p:nvSpPr>
@@ -18794,7 +20829,7 @@
       </p:grpSp>
       <p:sp>
         <p:nvSpPr>
-          <p:cNvPr id="251" name="separate(table3, rate,…"/>
+          <p:cNvPr id="285" name="separate(table3, rate,…"/>
           <p:cNvSpPr txBox="1"/>
           <p:nvPr/>
         </p:nvSpPr>
@@ -18830,7 +20865,11 @@
               </a:spcBef>
               <a:defRPr b="0" i="1" sz="1300">
                 <a:solidFill>
-                  <a:schemeClr val="accent6"/>
+                  <a:schemeClr val="accent1">
+                    <a:hueOff val="47394"/>
+                    <a:satOff val="-25753"/>
+                    <a:lumOff val="-7544"/>
+                  </a:schemeClr>
                 </a:solidFill>
               </a:defRPr>
             </a:pPr>
@@ -18848,7 +20887,11 @@
               </a:spcBef>
               <a:defRPr b="0" i="1" sz="1300">
                 <a:solidFill>
-                  <a:schemeClr val="accent6"/>
+                  <a:schemeClr val="accent1">
+                    <a:hueOff val="47394"/>
+                    <a:satOff val="-25753"/>
+                    <a:lumOff val="-7544"/>
+                  </a:schemeClr>
                 </a:solidFill>
               </a:defRPr>
             </a:pPr>
@@ -18860,7 +20903,7 @@
       </p:sp>
       <p:sp>
         <p:nvSpPr>
-          <p:cNvPr id="252" name="separate_rows(table3, rate)"/>
+          <p:cNvPr id="286" name="separate_rows(table3, rate)"/>
           <p:cNvSpPr txBox="1"/>
           <p:nvPr/>
         </p:nvSpPr>
@@ -18895,7 +20938,11 @@
               </a:spcBef>
               <a:defRPr b="0" i="1" sz="1300">
                 <a:solidFill>
-                  <a:schemeClr val="accent6"/>
+                  <a:schemeClr val="accent1">
+                    <a:hueOff val="47394"/>
+                    <a:satOff val="-25753"/>
+                    <a:lumOff val="-7544"/>
+                  </a:schemeClr>
                 </a:solidFill>
               </a:defRPr>
             </a:lvl1pPr>
@@ -18910,7 +20957,7 @@
       </p:sp>
       <p:sp>
         <p:nvSpPr>
-          <p:cNvPr id="253" name="unite(table5, century, year,…"/>
+          <p:cNvPr id="287" name="unite(table5, century, year,…"/>
           <p:cNvSpPr txBox="1"/>
           <p:nvPr/>
         </p:nvSpPr>
@@ -18946,7 +20993,11 @@
               </a:spcBef>
               <a:defRPr b="0" i="1" sz="1300">
                 <a:solidFill>
-                  <a:schemeClr val="accent6"/>
+                  <a:schemeClr val="accent1">
+                    <a:hueOff val="47394"/>
+                    <a:satOff val="-25753"/>
+                    <a:lumOff val="-7544"/>
+                  </a:schemeClr>
                 </a:solidFill>
               </a:defRPr>
             </a:pPr>
@@ -18964,7 +21015,11 @@
               </a:spcBef>
               <a:defRPr b="0" i="1" sz="1300">
                 <a:solidFill>
-                  <a:schemeClr val="accent6"/>
+                  <a:schemeClr val="accent1">
+                    <a:hueOff val="47394"/>
+                    <a:satOff val="-25753"/>
+                    <a:lumOff val="-7544"/>
+                  </a:schemeClr>
                 </a:solidFill>
               </a:defRPr>
             </a:pPr>
@@ -18976,7 +21031,7 @@
       </p:sp>
       <p:grpSp>
         <p:nvGrpSpPr>
-          <p:cNvPr id="258" name="Group"/>
+          <p:cNvPr id="292" name="Group"/>
           <p:cNvGrpSpPr/>
           <p:nvPr/>
         </p:nvGrpSpPr>
@@ -18990,7 +21045,7 @@
         </p:grpSpPr>
         <p:graphicFrame>
           <p:nvGraphicFramePr>
-            <p:cNvPr id="254" name="Table"/>
+            <p:cNvPr id="288" name="Table"/>
             <p:cNvGraphicFramePr/>
             <p:nvPr/>
           </p:nvGraphicFramePr>
@@ -19347,7 +21402,7 @@
         </p:graphicFrame>
         <p:graphicFrame>
           <p:nvGraphicFramePr>
-            <p:cNvPr id="255" name="Table"/>
+            <p:cNvPr id="289" name="Table"/>
             <p:cNvGraphicFramePr/>
             <p:nvPr/>
           </p:nvGraphicFramePr>
@@ -19539,7 +21594,7 @@
         </p:graphicFrame>
         <p:sp>
           <p:nvSpPr>
-            <p:cNvPr id="256" name="Line"/>
+            <p:cNvPr id="290" name="Line"/>
             <p:cNvSpPr/>
             <p:nvPr/>
           </p:nvSpPr>
@@ -19597,7 +21652,7 @@
         </p:sp>
         <p:sp>
           <p:nvSpPr>
-            <p:cNvPr id="257" name="x"/>
+            <p:cNvPr id="291" name="x"/>
             <p:cNvSpPr txBox="1"/>
             <p:nvPr/>
           </p:nvSpPr>
@@ -19648,7 +21703,7 @@
       </p:grpSp>
       <p:grpSp>
         <p:nvGrpSpPr>
-          <p:cNvPr id="263" name="Group"/>
+          <p:cNvPr id="297" name="Group"/>
           <p:cNvGrpSpPr/>
           <p:nvPr/>
         </p:nvGrpSpPr>
@@ -19662,7 +21717,7 @@
         </p:grpSpPr>
         <p:graphicFrame>
           <p:nvGraphicFramePr>
-            <p:cNvPr id="259" name="Table"/>
+            <p:cNvPr id="293" name="Table"/>
             <p:cNvGraphicFramePr/>
             <p:nvPr/>
           </p:nvGraphicFramePr>
@@ -20019,7 +22074,7 @@
         </p:graphicFrame>
         <p:graphicFrame>
           <p:nvGraphicFramePr>
-            <p:cNvPr id="260" name="Table"/>
+            <p:cNvPr id="294" name="Table"/>
             <p:cNvGraphicFramePr/>
             <p:nvPr/>
           </p:nvGraphicFramePr>
@@ -20385,7 +22440,7 @@
         </p:graphicFrame>
         <p:sp>
           <p:nvSpPr>
-            <p:cNvPr id="261" name="x"/>
+            <p:cNvPr id="295" name="x"/>
             <p:cNvSpPr txBox="1"/>
             <p:nvPr/>
           </p:nvSpPr>
@@ -20435,7 +22490,7 @@
         </p:sp>
         <p:sp>
           <p:nvSpPr>
-            <p:cNvPr id="262" name="Line"/>
+            <p:cNvPr id="296" name="Line"/>
             <p:cNvSpPr/>
             <p:nvPr/>
           </p:nvSpPr>
@@ -20494,7 +22549,7 @@
       </p:grpSp>
       <p:grpSp>
         <p:nvGrpSpPr>
-          <p:cNvPr id="268" name="Group"/>
+          <p:cNvPr id="302" name="Group"/>
           <p:cNvGrpSpPr/>
           <p:nvPr/>
         </p:nvGrpSpPr>
@@ -20508,7 +22563,7 @@
         </p:grpSpPr>
         <p:graphicFrame>
           <p:nvGraphicFramePr>
-            <p:cNvPr id="264" name="Table"/>
+            <p:cNvPr id="298" name="Table"/>
             <p:cNvGraphicFramePr/>
             <p:nvPr/>
           </p:nvGraphicFramePr>
@@ -20865,7 +22920,7 @@
         </p:graphicFrame>
         <p:graphicFrame>
           <p:nvGraphicFramePr>
-            <p:cNvPr id="265" name="Table"/>
+            <p:cNvPr id="299" name="Table"/>
             <p:cNvGraphicFramePr/>
             <p:nvPr/>
           </p:nvGraphicFramePr>
@@ -21231,7 +23286,7 @@
         </p:graphicFrame>
         <p:sp>
           <p:nvSpPr>
-            <p:cNvPr id="266" name="x"/>
+            <p:cNvPr id="300" name="x"/>
             <p:cNvSpPr txBox="1"/>
             <p:nvPr/>
           </p:nvSpPr>
@@ -21281,7 +23336,7 @@
         </p:sp>
         <p:sp>
           <p:nvSpPr>
-            <p:cNvPr id="267" name="Line"/>
+            <p:cNvPr id="301" name="Line"/>
             <p:cNvSpPr/>
             <p:nvPr/>
           </p:nvSpPr>
@@ -21340,7 +23395,7 @@
       </p:grpSp>
       <p:sp>
         <p:nvSpPr>
-          <p:cNvPr id="269" name="drop_na(x, x2)"/>
+          <p:cNvPr id="303" name="drop_na(x, x2)"/>
           <p:cNvSpPr txBox="1"/>
           <p:nvPr/>
         </p:nvSpPr>
@@ -21375,7 +23430,11 @@
               </a:spcBef>
               <a:defRPr b="0" i="1" sz="1274">
                 <a:solidFill>
-                  <a:schemeClr val="accent6"/>
+                  <a:schemeClr val="accent1">
+                    <a:hueOff val="47394"/>
+                    <a:satOff val="-25753"/>
+                    <a:lumOff val="-7544"/>
+                  </a:schemeClr>
                 </a:solidFill>
               </a:defRPr>
             </a:lvl1pPr>
@@ -21390,7 +23449,7 @@
       </p:sp>
       <p:sp>
         <p:nvSpPr>
-          <p:cNvPr id="270" name="fill(x, x2)"/>
+          <p:cNvPr id="304" name="fill(x, x2)"/>
           <p:cNvSpPr txBox="1"/>
           <p:nvPr/>
         </p:nvSpPr>
@@ -21425,7 +23484,11 @@
               </a:spcBef>
               <a:defRPr b="0" i="1" sz="1274">
                 <a:solidFill>
-                  <a:schemeClr val="accent6"/>
+                  <a:schemeClr val="accent1">
+                    <a:hueOff val="47394"/>
+                    <a:satOff val="-25753"/>
+                    <a:lumOff val="-7544"/>
+                  </a:schemeClr>
                 </a:solidFill>
               </a:defRPr>
             </a:lvl1pPr>
@@ -21440,7 +23503,7 @@
       </p:sp>
       <p:sp>
         <p:nvSpPr>
-          <p:cNvPr id="271" name="replace_na(x, list(x2 = 2))"/>
+          <p:cNvPr id="305" name="replace_na(x, list(x2 = 2))"/>
           <p:cNvSpPr txBox="1"/>
           <p:nvPr/>
         </p:nvSpPr>
@@ -21475,7 +23538,11 @@
               </a:spcBef>
               <a:defRPr b="0" i="1" sz="1300">
                 <a:solidFill>
-                  <a:schemeClr val="accent6"/>
+                  <a:schemeClr val="accent1">
+                    <a:hueOff val="47394"/>
+                    <a:satOff val="-25753"/>
+                    <a:lumOff val="-7544"/>
+                  </a:schemeClr>
                 </a:solidFill>
               </a:defRPr>
             </a:lvl1pPr>
@@ -21490,7 +23557,7 @@
       </p:sp>
       <p:grpSp>
         <p:nvGrpSpPr>
-          <p:cNvPr id="276" name="Group"/>
+          <p:cNvPr id="310" name="Group"/>
           <p:cNvGrpSpPr/>
           <p:nvPr/>
         </p:nvGrpSpPr>
@@ -21504,7 +23571,7 @@
         </p:grpSpPr>
         <p:graphicFrame>
           <p:nvGraphicFramePr>
-            <p:cNvPr id="272" name="Table"/>
+            <p:cNvPr id="306" name="Table"/>
             <p:cNvGraphicFramePr/>
             <p:nvPr/>
           </p:nvGraphicFramePr>
@@ -21774,6 +23841,9 @@
                         </a:pPr>
                         <a:r>
                           <a:rPr sz="800">
+                            <a:solidFill>
+                              <a:srgbClr val="FFFFFF"/>
+                            </a:solidFill>
                             <a:latin typeface="Helvetica"/>
                             <a:ea typeface="Helvetica"/>
                             <a:cs typeface="Helvetica"/>
@@ -21785,7 +23855,7 @@
                     </a:txBody>
                     <a:tcPr marL="0" marR="0" marT="0" marB="0" anchor="ctr" anchorCtr="0" horzOverflow="overflow">
                       <a:solidFill>
-                        <a:srgbClr val="78AAD6"/>
+                        <a:srgbClr val="407AAA"/>
                       </a:solidFill>
                     </a:tcPr>
                   </a:tc>
@@ -21934,6 +24004,9 @@
                         </a:pPr>
                         <a:r>
                           <a:rPr sz="800">
+                            <a:solidFill>
+                              <a:srgbClr val="FFFFFF"/>
+                            </a:solidFill>
                             <a:latin typeface="Helvetica"/>
                             <a:ea typeface="Helvetica"/>
                             <a:cs typeface="Helvetica"/>
@@ -21945,7 +24018,7 @@
                     </a:txBody>
                     <a:tcPr marL="0" marR="0" marT="0" marB="0" anchor="ctr" anchorCtr="0" horzOverflow="overflow">
                       <a:solidFill>
-                        <a:srgbClr val="78AAD6"/>
+                        <a:srgbClr val="407AAA"/>
                       </a:solidFill>
                     </a:tcPr>
                   </a:tc>
@@ -22094,6 +24167,9 @@
                         </a:pPr>
                         <a:r>
                           <a:rPr sz="800">
+                            <a:solidFill>
+                              <a:srgbClr val="FFFFFF"/>
+                            </a:solidFill>
                             <a:latin typeface="Helvetica"/>
                             <a:ea typeface="Helvetica"/>
                             <a:cs typeface="Helvetica"/>
@@ -22105,7 +24181,7 @@
                     </a:txBody>
                     <a:tcPr marL="0" marR="0" marT="0" marB="0" anchor="ctr" anchorCtr="0" horzOverflow="overflow">
                       <a:solidFill>
-                        <a:srgbClr val="78AAD6"/>
+                        <a:srgbClr val="407AAA"/>
                       </a:solidFill>
                     </a:tcPr>
                   </a:tc>
@@ -22254,6 +24330,9 @@
                         </a:pPr>
                         <a:r>
                           <a:rPr sz="800">
+                            <a:solidFill>
+                              <a:srgbClr val="FFFFFF"/>
+                            </a:solidFill>
                             <a:latin typeface="Helvetica"/>
                             <a:ea typeface="Helvetica"/>
                             <a:cs typeface="Helvetica"/>
@@ -22265,7 +24344,7 @@
                     </a:txBody>
                     <a:tcPr marL="0" marR="0" marT="0" marB="0" anchor="ctr" anchorCtr="0" horzOverflow="overflow">
                       <a:solidFill>
-                        <a:srgbClr val="78AAD6"/>
+                        <a:srgbClr val="407AAA"/>
                       </a:solidFill>
                     </a:tcPr>
                   </a:tc>
@@ -22414,6 +24493,9 @@
                         </a:pPr>
                         <a:r>
                           <a:rPr sz="800">
+                            <a:solidFill>
+                              <a:srgbClr val="FFFFFF"/>
+                            </a:solidFill>
                             <a:latin typeface="Helvetica"/>
                             <a:ea typeface="Helvetica"/>
                             <a:cs typeface="Helvetica"/>
@@ -22425,7 +24507,7 @@
                     </a:txBody>
                     <a:tcPr marL="0" marR="0" marT="0" marB="0" anchor="ctr" anchorCtr="0" horzOverflow="overflow">
                       <a:solidFill>
-                        <a:srgbClr val="78AAD6"/>
+                        <a:srgbClr val="407AAA"/>
                       </a:solidFill>
                     </a:tcPr>
                   </a:tc>
@@ -22574,6 +24656,9 @@
                         </a:pPr>
                         <a:r>
                           <a:rPr sz="800">
+                            <a:solidFill>
+                              <a:srgbClr val="FFFFFF"/>
+                            </a:solidFill>
                             <a:latin typeface="Helvetica"/>
                             <a:ea typeface="Helvetica"/>
                             <a:cs typeface="Helvetica"/>
@@ -22585,7 +24670,7 @@
                     </a:txBody>
                     <a:tcPr marL="0" marR="0" marT="0" marB="0" anchor="ctr" anchorCtr="0" horzOverflow="overflow">
                       <a:solidFill>
-                        <a:srgbClr val="78AAD6"/>
+                        <a:srgbClr val="407AAA"/>
                       </a:solidFill>
                     </a:tcPr>
                   </a:tc>
@@ -22596,7 +24681,7 @@
         </p:graphicFrame>
         <p:sp>
           <p:nvSpPr>
-            <p:cNvPr id="273" name="Line"/>
+            <p:cNvPr id="307" name="Line"/>
             <p:cNvSpPr/>
             <p:nvPr/>
           </p:nvSpPr>
@@ -22654,7 +24739,7 @@
         </p:sp>
         <p:sp>
           <p:nvSpPr>
-            <p:cNvPr id="274" name="table3"/>
+            <p:cNvPr id="308" name="table3"/>
             <p:cNvSpPr txBox="1"/>
             <p:nvPr/>
           </p:nvSpPr>
@@ -22704,7 +24789,7 @@
         </p:sp>
         <p:graphicFrame>
           <p:nvGraphicFramePr>
-            <p:cNvPr id="275" name="Table"/>
+            <p:cNvPr id="309" name="Table"/>
             <p:cNvGraphicFramePr/>
             <p:nvPr/>
           </p:nvGraphicFramePr>
@@ -22917,7 +25002,11 @@
                         <a:r>
                           <a:rPr>
                             <a:solidFill>
-                              <a:schemeClr val="accent1"/>
+                              <a:schemeClr val="accent1">
+                                <a:hueOff val="47394"/>
+                                <a:satOff val="-25753"/>
+                                <a:lumOff val="-7544"/>
+                              </a:schemeClr>
                             </a:solidFill>
                           </a:rPr>
                           <a:t>19M</a:t>
@@ -23014,7 +25103,11 @@
                         <a:r>
                           <a:rPr>
                             <a:solidFill>
-                              <a:schemeClr val="accent1"/>
+                              <a:schemeClr val="accent1">
+                                <a:hueOff val="47394"/>
+                                <a:satOff val="-25753"/>
+                                <a:lumOff val="-7544"/>
+                              </a:schemeClr>
                             </a:solidFill>
                           </a:rPr>
                           <a:t>20M</a:t>
@@ -23111,7 +25204,11 @@
                         <a:r>
                           <a:rPr>
                             <a:solidFill>
-                              <a:schemeClr val="accent1"/>
+                              <a:schemeClr val="accent1">
+                                <a:hueOff val="47394"/>
+                                <a:satOff val="-25753"/>
+                                <a:lumOff val="-7544"/>
+                              </a:schemeClr>
                             </a:solidFill>
                           </a:rPr>
                           <a:t>172M</a:t>
@@ -23208,7 +25305,11 @@
                         <a:r>
                           <a:rPr>
                             <a:solidFill>
-                              <a:schemeClr val="accent1"/>
+                              <a:schemeClr val="accent1">
+                                <a:hueOff val="47394"/>
+                                <a:satOff val="-25753"/>
+                                <a:lumOff val="-7544"/>
+                              </a:schemeClr>
                             </a:solidFill>
                           </a:rPr>
                           <a:t>174M</a:t>
@@ -23305,7 +25406,11 @@
                         <a:r>
                           <a:rPr>
                             <a:solidFill>
-                              <a:schemeClr val="accent1"/>
+                              <a:schemeClr val="accent1">
+                                <a:hueOff val="47394"/>
+                                <a:satOff val="-25753"/>
+                                <a:lumOff val="-7544"/>
+                              </a:schemeClr>
                             </a:solidFill>
                           </a:rPr>
                           <a:t>1T</a:t>
@@ -23402,7 +25507,11 @@
                         <a:r>
                           <a:rPr>
                             <a:solidFill>
-                              <a:schemeClr val="accent1"/>
+                              <a:schemeClr val="accent1">
+                                <a:hueOff val="47394"/>
+                                <a:satOff val="-25753"/>
+                                <a:lumOff val="-7544"/>
+                              </a:schemeClr>
                             </a:solidFill>
                           </a:rPr>
                           <a:t>1T</a:t>
@@ -23419,7 +25528,7 @@
       </p:grpSp>
       <p:sp>
         <p:nvSpPr>
-          <p:cNvPr id="277" name="Tidy data is a way to organize tabular data. It provides a consistent data structure across packages."/>
+          <p:cNvPr id="311" name="Tidy data is a way to organize tabular data. It provides a consistent data structure across packages."/>
           <p:cNvSpPr txBox="1"/>
           <p:nvPr/>
         </p:nvSpPr>
@@ -23492,7 +25601,7 @@
       </p:sp>
       <p:grpSp>
         <p:nvGrpSpPr>
-          <p:cNvPr id="286" name="Group"/>
+          <p:cNvPr id="320" name="Group"/>
           <p:cNvGrpSpPr/>
           <p:nvPr/>
         </p:nvGrpSpPr>
@@ -23506,7 +25615,7 @@
         </p:grpSpPr>
         <p:graphicFrame>
           <p:nvGraphicFramePr>
-            <p:cNvPr id="278" name="Table"/>
+            <p:cNvPr id="312" name="Table"/>
             <p:cNvGraphicFramePr/>
             <p:nvPr/>
           </p:nvGraphicFramePr>
@@ -23628,7 +25737,7 @@
         </p:graphicFrame>
         <p:graphicFrame>
           <p:nvGraphicFramePr>
-            <p:cNvPr id="279" name="Table"/>
+            <p:cNvPr id="313" name="Table"/>
             <p:cNvGraphicFramePr/>
             <p:nvPr/>
           </p:nvGraphicFramePr>
@@ -23750,7 +25859,7 @@
         </p:graphicFrame>
         <p:graphicFrame>
           <p:nvGraphicFramePr>
-            <p:cNvPr id="280" name="Table"/>
+            <p:cNvPr id="314" name="Table"/>
             <p:cNvGraphicFramePr/>
             <p:nvPr/>
           </p:nvGraphicFramePr>
@@ -23872,7 +25981,7 @@
         </p:graphicFrame>
         <p:sp>
           <p:nvSpPr>
-            <p:cNvPr id="281" name="A * B -&gt; C"/>
+            <p:cNvPr id="315" name="A * B -&gt; C"/>
             <p:cNvSpPr txBox="1"/>
             <p:nvPr/>
           </p:nvSpPr>
@@ -23926,7 +26035,7 @@
         </p:sp>
         <p:sp>
           <p:nvSpPr>
-            <p:cNvPr id="282" name="*"/>
+            <p:cNvPr id="316" name="*"/>
             <p:cNvSpPr txBox="1"/>
             <p:nvPr/>
           </p:nvSpPr>
@@ -23980,7 +26089,7 @@
         </p:sp>
         <p:sp>
           <p:nvSpPr>
-            <p:cNvPr id="283" name="Arrow"/>
+            <p:cNvPr id="317" name="Arrow"/>
             <p:cNvSpPr/>
             <p:nvPr/>
           </p:nvSpPr>
@@ -23998,7 +26107,11 @@
             <a:gradFill flip="none" rotWithShape="1">
               <a:gsLst>
                 <a:gs pos="0">
-                  <a:schemeClr val="accent1"/>
+                  <a:schemeClr val="accent1">
+                    <a:hueOff val="47394"/>
+                    <a:satOff val="-25753"/>
+                    <a:lumOff val="-7544"/>
+                  </a:schemeClr>
                 </a:gs>
                 <a:gs pos="100000">
                   <a:srgbClr val="76D6FF">
@@ -24038,7 +26151,7 @@
         </p:sp>
         <p:sp>
           <p:nvSpPr>
-            <p:cNvPr id="284" name="Arrow"/>
+            <p:cNvPr id="318" name="Arrow"/>
             <p:cNvSpPr/>
             <p:nvPr/>
           </p:nvSpPr>
@@ -24056,7 +26169,11 @@
             <a:gradFill flip="none" rotWithShape="1">
               <a:gsLst>
                 <a:gs pos="0">
-                  <a:schemeClr val="accent1"/>
+                  <a:schemeClr val="accent1">
+                    <a:hueOff val="47394"/>
+                    <a:satOff val="-25753"/>
+                    <a:lumOff val="-7544"/>
+                  </a:schemeClr>
                 </a:gs>
                 <a:gs pos="100000">
                   <a:srgbClr val="76D6FF">
@@ -24096,7 +26213,7 @@
         </p:sp>
         <p:sp>
           <p:nvSpPr>
-            <p:cNvPr id="285" name="Arrow"/>
+            <p:cNvPr id="319" name="Arrow"/>
             <p:cNvSpPr/>
             <p:nvPr/>
           </p:nvSpPr>
@@ -24114,7 +26231,11 @@
             <a:gradFill flip="none" rotWithShape="1">
               <a:gsLst>
                 <a:gs pos="0">
-                  <a:schemeClr val="accent1"/>
+                  <a:schemeClr val="accent1">
+                    <a:hueOff val="47394"/>
+                    <a:satOff val="-25753"/>
+                    <a:lumOff val="-7544"/>
+                  </a:schemeClr>
                 </a:gs>
                 <a:gs pos="100000">
                   <a:srgbClr val="76D6FF">
@@ -24155,7 +26276,7 @@
       </p:grpSp>
       <p:grpSp>
         <p:nvGrpSpPr>
-          <p:cNvPr id="293" name="Group"/>
+          <p:cNvPr id="327" name="Group"/>
           <p:cNvGrpSpPr/>
           <p:nvPr/>
         </p:nvGrpSpPr>
@@ -24169,7 +26290,7 @@
         </p:grpSpPr>
         <p:grpSp>
           <p:nvGrpSpPr>
-            <p:cNvPr id="289" name="Group"/>
+            <p:cNvPr id="323" name="Group"/>
             <p:cNvGrpSpPr/>
             <p:nvPr/>
           </p:nvGrpSpPr>
@@ -24183,7 +26304,7 @@
           </p:grpSpPr>
           <p:sp>
             <p:nvSpPr>
-              <p:cNvPr id="287" name="Square"/>
+              <p:cNvPr id="321" name="Square"/>
               <p:cNvSpPr/>
               <p:nvPr/>
             </p:nvSpPr>
@@ -24241,7 +26362,7 @@
           </p:sp>
           <p:graphicFrame>
             <p:nvGraphicFramePr>
-              <p:cNvPr id="288" name="Table"/>
+              <p:cNvPr id="322" name="Table"/>
               <p:cNvGraphicFramePr/>
               <p:nvPr/>
             </p:nvGraphicFramePr>
@@ -24548,7 +26669,7 @@
         </p:grpSp>
         <p:sp>
           <p:nvSpPr>
-            <p:cNvPr id="290" name="Rounded Rectangle"/>
+            <p:cNvPr id="324" name="Rounded Rectangle"/>
             <p:cNvSpPr/>
             <p:nvPr/>
           </p:nvSpPr>
@@ -24596,7 +26717,7 @@
         </p:sp>
         <p:sp>
           <p:nvSpPr>
-            <p:cNvPr id="291" name="Rounded Rectangle"/>
+            <p:cNvPr id="325" name="Rounded Rectangle"/>
             <p:cNvSpPr/>
             <p:nvPr/>
           </p:nvSpPr>
@@ -24644,7 +26765,7 @@
         </p:sp>
         <p:sp>
           <p:nvSpPr>
-            <p:cNvPr id="292" name="Rounded Rectangle"/>
+            <p:cNvPr id="326" name="Rounded Rectangle"/>
             <p:cNvSpPr/>
             <p:nvPr/>
           </p:nvSpPr>
@@ -24693,7 +26814,7 @@
       </p:grpSp>
       <p:sp>
         <p:nvSpPr>
-          <p:cNvPr id="294" name="Each observation, or case,  is in its own row"/>
+          <p:cNvPr id="328" name="Each observation, or case,  is in its own row"/>
           <p:cNvSpPr txBox="1"/>
           <p:nvPr/>
         </p:nvSpPr>
@@ -24762,7 +26883,7 @@
       </p:sp>
       <p:grpSp>
         <p:nvGrpSpPr>
-          <p:cNvPr id="300" name="Group"/>
+          <p:cNvPr id="334" name="Group"/>
           <p:cNvGrpSpPr/>
           <p:nvPr/>
         </p:nvGrpSpPr>
@@ -24776,7 +26897,7 @@
         </p:grpSpPr>
         <p:sp>
           <p:nvSpPr>
-            <p:cNvPr id="295" name="Square"/>
+            <p:cNvPr id="329" name="Square"/>
             <p:cNvSpPr/>
             <p:nvPr/>
           </p:nvSpPr>
@@ -24834,7 +26955,7 @@
         </p:sp>
         <p:graphicFrame>
           <p:nvGraphicFramePr>
-            <p:cNvPr id="296" name="Table"/>
+            <p:cNvPr id="330" name="Table"/>
             <p:cNvGraphicFramePr/>
             <p:nvPr/>
           </p:nvGraphicFramePr>
@@ -25140,7 +27261,7 @@
         </p:graphicFrame>
         <p:sp>
           <p:nvSpPr>
-            <p:cNvPr id="297" name="Line"/>
+            <p:cNvPr id="331" name="Line"/>
             <p:cNvSpPr/>
             <p:nvPr/>
           </p:nvSpPr>
@@ -25199,7 +27320,7 @@
         </p:sp>
         <p:sp>
           <p:nvSpPr>
-            <p:cNvPr id="298" name="Line"/>
+            <p:cNvPr id="332" name="Line"/>
             <p:cNvSpPr/>
             <p:nvPr/>
           </p:nvSpPr>
@@ -25258,7 +27379,7 @@
         </p:sp>
         <p:sp>
           <p:nvSpPr>
-            <p:cNvPr id="299" name="Line"/>
+            <p:cNvPr id="333" name="Line"/>
             <p:cNvSpPr/>
             <p:nvPr/>
           </p:nvSpPr>
@@ -25318,7 +27439,7 @@
       </p:grpSp>
       <p:sp>
         <p:nvSpPr>
-          <p:cNvPr id="301" name="Each variable is in its own column"/>
+          <p:cNvPr id="335" name="Each variable is in its own column"/>
           <p:cNvSpPr txBox="1"/>
           <p:nvPr/>
         </p:nvSpPr>
@@ -25380,7 +27501,7 @@
       </p:sp>
       <p:grpSp>
         <p:nvGrpSpPr>
-          <p:cNvPr id="307" name="Group"/>
+          <p:cNvPr id="341" name="Group"/>
           <p:cNvGrpSpPr/>
           <p:nvPr/>
         </p:nvGrpSpPr>
@@ -25394,7 +27515,7 @@
         </p:grpSpPr>
         <p:sp>
           <p:nvSpPr>
-            <p:cNvPr id="302" name="Square"/>
+            <p:cNvPr id="336" name="Square"/>
             <p:cNvSpPr/>
             <p:nvPr/>
           </p:nvSpPr>
@@ -25452,7 +27573,7 @@
         </p:sp>
         <p:graphicFrame>
           <p:nvGraphicFramePr>
-            <p:cNvPr id="303" name="Table"/>
+            <p:cNvPr id="337" name="Table"/>
             <p:cNvGraphicFramePr/>
             <p:nvPr/>
           </p:nvGraphicFramePr>
@@ -25758,7 +27879,7 @@
         </p:graphicFrame>
         <p:sp>
           <p:nvSpPr>
-            <p:cNvPr id="304" name="Line"/>
+            <p:cNvPr id="338" name="Line"/>
             <p:cNvSpPr/>
             <p:nvPr/>
           </p:nvSpPr>
@@ -25807,7 +27928,7 @@
         </p:sp>
         <p:sp>
           <p:nvSpPr>
-            <p:cNvPr id="305" name="Line"/>
+            <p:cNvPr id="339" name="Line"/>
             <p:cNvSpPr/>
             <p:nvPr/>
           </p:nvSpPr>
@@ -25856,7 +27977,7 @@
         </p:sp>
         <p:sp>
           <p:nvSpPr>
-            <p:cNvPr id="306" name="Line"/>
+            <p:cNvPr id="340" name="Line"/>
             <p:cNvSpPr/>
             <p:nvPr/>
           </p:nvSpPr>
@@ -25906,7 +28027,7 @@
       </p:grpSp>
       <p:sp>
         <p:nvSpPr>
-          <p:cNvPr id="308" name="&amp;"/>
+          <p:cNvPr id="342" name="&amp;"/>
           <p:cNvSpPr txBox="1"/>
           <p:nvPr/>
         </p:nvSpPr>
@@ -25938,7 +28059,11 @@
               </a:spcBef>
               <a:defRPr b="0" sz="3800">
                 <a:solidFill>
-                  <a:schemeClr val="accent6"/>
+                  <a:schemeClr val="accent1">
+                    <a:hueOff val="47394"/>
+                    <a:satOff val="-25753"/>
+                    <a:lumOff val="-7544"/>
+                  </a:schemeClr>
                 </a:solidFill>
                 <a:latin typeface="ChunkFive-Roman"/>
                 <a:ea typeface="ChunkFive-Roman"/>
@@ -25957,7 +28082,7 @@
       </p:sp>
       <p:sp>
         <p:nvSpPr>
-          <p:cNvPr id="309" name="A table is tidy if:"/>
+          <p:cNvPr id="343" name="A table is tidy if:"/>
           <p:cNvSpPr txBox="1"/>
           <p:nvPr/>
         </p:nvSpPr>
@@ -26023,7 +28148,7 @@
       </p:sp>
       <p:sp>
         <p:nvSpPr>
-          <p:cNvPr id="310" name="Tidy data:"/>
+          <p:cNvPr id="344" name="Tidy data:"/>
           <p:cNvSpPr txBox="1"/>
           <p:nvPr/>
         </p:nvSpPr>
@@ -26089,7 +28214,7 @@
       </p:sp>
       <p:sp>
         <p:nvSpPr>
-          <p:cNvPr id="311" name="Makes variables easy to access as vectors"/>
+          <p:cNvPr id="345" name="Makes variables easy to access as vectors"/>
           <p:cNvSpPr txBox="1"/>
           <p:nvPr/>
         </p:nvSpPr>
@@ -26140,7 +28265,7 @@
       </p:sp>
       <p:sp>
         <p:nvSpPr>
-          <p:cNvPr id="312" name="Preserves cases during vectorized operations"/>
+          <p:cNvPr id="346" name="Preserves cases during vectorized operations"/>
           <p:cNvSpPr txBox="1"/>
           <p:nvPr/>
         </p:nvSpPr>
@@ -26191,7 +28316,7 @@
       </p:sp>
       <p:sp>
         <p:nvSpPr>
-          <p:cNvPr id="313" name="Rounded Rectangle"/>
+          <p:cNvPr id="347" name="Rounded Rectangle"/>
           <p:cNvSpPr/>
           <p:nvPr/>
         </p:nvSpPr>
@@ -26235,7 +28360,7 @@
       </p:sp>
       <p:sp>
         <p:nvSpPr>
-          <p:cNvPr id="314" name="complete(data, ..., fill = list())…"/>
+          <p:cNvPr id="348" name="complete(data, ..., fill = list())…"/>
           <p:cNvSpPr txBox="1"/>
           <p:nvPr/>
         </p:nvSpPr>
@@ -26315,7 +28440,11 @@
               </a:spcBef>
               <a:defRPr b="0">
                 <a:solidFill>
-                  <a:schemeClr val="accent6"/>
+                  <a:schemeClr val="accent1">
+                    <a:hueOff val="47394"/>
+                    <a:satOff val="-25753"/>
+                    <a:lumOff val="-7544"/>
+                  </a:schemeClr>
                 </a:solidFill>
                 <a:latin typeface="+mn-lt"/>
                 <a:ea typeface="+mn-ea"/>
@@ -26337,7 +28466,7 @@
       </p:sp>
       <p:sp>
         <p:nvSpPr>
-          <p:cNvPr id="315" name="expand(data, ...)…"/>
+          <p:cNvPr id="349" name="expand(data, ...)…"/>
           <p:cNvSpPr txBox="1"/>
           <p:nvPr/>
         </p:nvSpPr>
@@ -26429,7 +28558,11 @@
               </a:spcBef>
               <a:defRPr b="0">
                 <a:solidFill>
-                  <a:schemeClr val="accent6"/>
+                  <a:schemeClr val="accent1">
+                    <a:hueOff val="47394"/>
+                    <a:satOff val="-25753"/>
+                    <a:lumOff val="-7544"/>
+                  </a:schemeClr>
                 </a:solidFill>
                 <a:latin typeface="+mn-lt"/>
                 <a:ea typeface="+mn-ea"/>
@@ -26451,7 +28584,7 @@
       </p:sp>
       <p:sp>
         <p:nvSpPr>
-          <p:cNvPr id="316" name="The tibble package provides a new…"/>
+          <p:cNvPr id="350" name="The tibble package provides a new…"/>
           <p:cNvSpPr txBox="1"/>
           <p:nvPr/>
         </p:nvSpPr>
@@ -26704,14 +28837,14 @@
       </p:sp>
       <p:pic>
         <p:nvPicPr>
-          <p:cNvPr id="317" name="tidyr.png" descr="tidyr.png"/>
+          <p:cNvPr id="351" name="tidyr.png" descr="tidyr.png"/>
           <p:cNvPicPr>
             <a:picLocks noChangeAspect="1"/>
           </p:cNvPicPr>
           <p:nvPr/>
         </p:nvPicPr>
         <p:blipFill>
-          <a:blip r:embed="rId3">
+          <a:blip r:embed="rId2">
             <a:extLst/>
           </a:blip>
           <a:stretch>
@@ -26733,7 +28866,7 @@
       </p:pic>
       <p:sp>
         <p:nvSpPr>
-          <p:cNvPr id="318" name="RStudio® is a trademark of RStudio, Inc.  •  CC BY SA  RStudio •  info@rstudio.com  •  844-448-1212 • rstudio.com •  Learn more at tidyverse.org  •  readr  1.1.0 •  tibble  1.2.12 •  tidyr  0.6.0 •  Updated: 2017-01"/>
+          <p:cNvPr id="352" name="RStudio® is a trademark of RStudio, Inc.  •  CC BY SA  RStudio •  info@rstudio.com  •  844-448-1212 • rstudio.com •  Learn more at tidyverse.org  •  readr  1.1.0 •  tibble  1.2.12 •  tidyr  0.6.0 •  Updated: 2017-01"/>
           <p:cNvSpPr txBox="1"/>
           <p:nvPr/>
         </p:nvSpPr>
@@ -26778,34 +28911,34 @@
             </a:r>
             <a:r>
               <a:rPr>
+                <a:hlinkClick r:id="rId3" invalidUrl="" action="" tgtFrame="" tooltip="" history="1" highlightClick="0" endSnd="0"/>
+              </a:rPr>
+              <a:t>CC BY SA</a:t>
+            </a:r>
+            <a:r>
+              <a:t>  RStudio •  </a:t>
+            </a:r>
+            <a:r>
+              <a:rPr>
                 <a:hlinkClick r:id="rId4" invalidUrl="" action="" tgtFrame="" tooltip="" history="1" highlightClick="0" endSnd="0"/>
               </a:rPr>
-              <a:t>CC BY SA</a:t>
-            </a:r>
-            <a:r>
-              <a:t>  RStudio •  </a:t>
+              <a:t>info@rstudio.com</a:t>
+            </a:r>
+            <a:r>
+              <a:t>  •  844-448-1212 • </a:t>
             </a:r>
             <a:r>
               <a:rPr>
                 <a:hlinkClick r:id="rId5" invalidUrl="" action="" tgtFrame="" tooltip="" history="1" highlightClick="0" endSnd="0"/>
               </a:rPr>
-              <a:t>info@rstudio.com</a:t>
-            </a:r>
-            <a:r>
-              <a:t>  •  844-448-1212 • </a:t>
-            </a:r>
-            <a:r>
-              <a:rPr>
+              <a:t>rstudio.com</a:t>
+            </a:r>
+            <a:r>
+              <a:t> •  Learn more at </a:t>
+            </a:r>
+            <a:r>
+              <a:rPr u="sng">
                 <a:hlinkClick r:id="rId6" invalidUrl="" action="" tgtFrame="" tooltip="" history="1" highlightClick="0" endSnd="0"/>
-              </a:rPr>
-              <a:t>rstudio.com</a:t>
-            </a:r>
-            <a:r>
-              <a:t> •  Learn more at </a:t>
-            </a:r>
-            <a:r>
-              <a:rPr u="sng">
-                <a:hlinkClick r:id="rId7" invalidUrl="" action="" tgtFrame="" tooltip="" history="1" highlightClick="0" endSnd="0"/>
               </a:rPr>
               <a:t>tidyverse.org</a:t>
             </a:r>
@@ -26821,14 +28954,14 @@
       </p:sp>
       <p:pic>
         <p:nvPicPr>
-          <p:cNvPr id="319" name="Image" descr="Image"/>
+          <p:cNvPr id="353" name="Image" descr="Image"/>
           <p:cNvPicPr>
             <a:picLocks noChangeAspect="1"/>
           </p:cNvPicPr>
           <p:nvPr/>
         </p:nvPicPr>
         <p:blipFill>
-          <a:blip r:embed="rId8">
+          <a:blip r:embed="rId7">
             <a:extLst/>
           </a:blip>
           <a:stretch>
@@ -26850,7 +28983,7 @@
       </p:pic>
       <p:sp>
         <p:nvSpPr>
-          <p:cNvPr id="320" name="Line"/>
+          <p:cNvPr id="354" name="Line"/>
           <p:cNvSpPr/>
           <p:nvPr/>
         </p:nvSpPr>
@@ -26891,7 +29024,7 @@
       </p:sp>
       <p:sp>
         <p:nvSpPr>
-          <p:cNvPr id="321" name="Line"/>
+          <p:cNvPr id="355" name="Line"/>
           <p:cNvSpPr/>
           <p:nvPr/>
         </p:nvSpPr>
@@ -26932,7 +29065,7 @@
       </p:sp>
       <p:sp>
         <p:nvSpPr>
-          <p:cNvPr id="322" name="Tibbles - an enhanced data frame"/>
+          <p:cNvPr id="356" name="Tibbles - an enhanced data frame"/>
           <p:cNvSpPr txBox="1"/>
           <p:nvPr/>
         </p:nvSpPr>
@@ -26968,7 +29101,11 @@
               </a:spcBef>
               <a:defRPr b="0" sz="2500">
                 <a:solidFill>
-                  <a:schemeClr val="accent6"/>
+                  <a:schemeClr val="accent1">
+                    <a:hueOff val="47394"/>
+                    <a:satOff val="-25753"/>
+                    <a:lumOff val="-7544"/>
+                  </a:schemeClr>
                 </a:solidFill>
               </a:defRPr>
             </a:pPr>
@@ -26984,7 +29121,7 @@
       </p:sp>
       <p:sp>
         <p:nvSpPr>
-          <p:cNvPr id="323" name="Split Cells"/>
+          <p:cNvPr id="357" name="Split Cells"/>
           <p:cNvSpPr txBox="1"/>
           <p:nvPr/>
         </p:nvSpPr>
@@ -27020,7 +29157,11 @@
               </a:spcBef>
               <a:defRPr b="0" sz="2500">
                 <a:solidFill>
-                  <a:schemeClr val="accent6"/>
+                  <a:schemeClr val="accent1">
+                    <a:hueOff val="47394"/>
+                    <a:satOff val="-25753"/>
+                    <a:lumOff val="-7544"/>
+                  </a:schemeClr>
                 </a:solidFill>
               </a:defRPr>
             </a:pPr>
@@ -27032,7 +29173,7 @@
       </p:sp>
       <p:sp>
         <p:nvSpPr>
-          <p:cNvPr id="324" name="Line"/>
+          <p:cNvPr id="358" name="Line"/>
           <p:cNvSpPr/>
           <p:nvPr/>
         </p:nvSpPr>
@@ -27073,14 +29214,14 @@
       </p:sp>
       <p:pic>
         <p:nvPicPr>
-          <p:cNvPr id="325" name="tibble.png" descr="tibble.png"/>
+          <p:cNvPr id="359" name="tibble.png" descr="tibble.png"/>
           <p:cNvPicPr>
             <a:picLocks noChangeAspect="1"/>
           </p:cNvPicPr>
           <p:nvPr/>
         </p:nvPicPr>
         <p:blipFill>
-          <a:blip r:embed="rId9">
+          <a:blip r:embed="rId8">
             <a:extLst/>
           </a:blip>
           <a:stretch>
@@ -27102,7 +29243,7 @@
       </p:pic>
       <p:sp>
         <p:nvSpPr>
-          <p:cNvPr id="326" name="Control the default appearance with options:…"/>
+          <p:cNvPr id="360" name="Control the default appearance with options:…"/>
           <p:cNvSpPr txBox="1"/>
           <p:nvPr/>
         </p:nvSpPr>
@@ -27255,7 +29396,7 @@
       </p:sp>
       <p:sp>
         <p:nvSpPr>
-          <p:cNvPr id="327" name="data frame display"/>
+          <p:cNvPr id="361" name="data frame display"/>
           <p:cNvSpPr txBox="1"/>
           <p:nvPr/>
         </p:nvSpPr>
@@ -27288,7 +29429,11 @@
               </a:spcBef>
               <a:defRPr b="0">
                 <a:solidFill>
-                  <a:schemeClr val="accent6"/>
+                  <a:schemeClr val="accent1">
+                    <a:hueOff val="47394"/>
+                    <a:satOff val="-25753"/>
+                    <a:lumOff val="-7544"/>
+                  </a:schemeClr>
                 </a:solidFill>
                 <a:latin typeface="Source Sans Pro Semibold"/>
                 <a:ea typeface="Source Sans Pro Semibold"/>
@@ -27304,7 +29449,7 @@
       </p:sp>
       <p:sp>
         <p:nvSpPr>
-          <p:cNvPr id="328" name="tibble display"/>
+          <p:cNvPr id="362" name="tibble display"/>
           <p:cNvSpPr txBox="1"/>
           <p:nvPr/>
         </p:nvSpPr>
@@ -27337,7 +29482,11 @@
               </a:spcBef>
               <a:defRPr b="0">
                 <a:solidFill>
-                  <a:schemeClr val="accent6"/>
+                  <a:schemeClr val="accent1">
+                    <a:hueOff val="47394"/>
+                    <a:satOff val="-25753"/>
+                    <a:lumOff val="-7544"/>
+                  </a:schemeClr>
                 </a:solidFill>
                 <a:latin typeface="Source Sans Pro Semibold"/>
                 <a:ea typeface="Source Sans Pro Semibold"/>
@@ -27356,7 +29505,7 @@
       </p:sp>
       <p:grpSp>
         <p:nvGrpSpPr>
-          <p:cNvPr id="333" name="Group"/>
+          <p:cNvPr id="367" name="Group"/>
           <p:cNvGrpSpPr/>
           <p:nvPr/>
         </p:nvGrpSpPr>
@@ -27370,7 +29519,7 @@
         </p:grpSpPr>
         <p:sp>
           <p:nvSpPr>
-            <p:cNvPr id="329" name="Rounded Rectangle"/>
+            <p:cNvPr id="363" name="Rounded Rectangle"/>
             <p:cNvSpPr/>
             <p:nvPr/>
           </p:nvSpPr>
@@ -27420,7 +29569,7 @@
         </p:sp>
         <p:sp>
           <p:nvSpPr>
-            <p:cNvPr id="330" name="tibble(…)…"/>
+            <p:cNvPr id="364" name="tibble(…)…"/>
             <p:cNvSpPr txBox="1"/>
             <p:nvPr/>
           </p:nvSpPr>
@@ -27525,7 +29674,11 @@
                 </a:spcBef>
                 <a:defRPr b="0" i="1">
                   <a:solidFill>
-                    <a:schemeClr val="accent6"/>
+                    <a:schemeClr val="accent1">
+                      <a:hueOff val="47394"/>
+                      <a:satOff val="-25753"/>
+                      <a:lumOff val="-7544"/>
+                    </a:schemeClr>
                   </a:solidFill>
                 </a:defRPr>
               </a:pPr>
@@ -27613,7 +29766,11 @@
                 </a:spcBef>
                 <a:defRPr b="0" i="1">
                   <a:solidFill>
-                    <a:schemeClr val="accent6"/>
+                    <a:schemeClr val="accent1">
+                      <a:hueOff val="47394"/>
+                      <a:satOff val="-25753"/>
+                      <a:lumOff val="-7544"/>
+                    </a:schemeClr>
                   </a:solidFill>
                 </a:defRPr>
               </a:pPr>
@@ -27635,7 +29792,11 @@
                 </a:spcBef>
                 <a:defRPr b="0" i="1">
                   <a:solidFill>
-                    <a:schemeClr val="accent6"/>
+                    <a:schemeClr val="accent1">
+                      <a:hueOff val="47394"/>
+                      <a:satOff val="-25753"/>
+                      <a:lumOff val="-7544"/>
+                    </a:schemeClr>
                   </a:solidFill>
                 </a:defRPr>
               </a:pPr>
@@ -27653,7 +29814,11 @@
                 </a:spcBef>
                 <a:defRPr b="0" i="1">
                   <a:solidFill>
-                    <a:schemeClr val="accent6"/>
+                    <a:schemeClr val="accent1">
+                      <a:hueOff val="47394"/>
+                      <a:satOff val="-25753"/>
+                      <a:lumOff val="-7544"/>
+                    </a:schemeClr>
                   </a:solidFill>
                 </a:defRPr>
               </a:pPr>
@@ -27671,7 +29836,11 @@
                 </a:spcBef>
                 <a:defRPr b="0" i="1">
                   <a:solidFill>
-                    <a:schemeClr val="accent6"/>
+                    <a:schemeClr val="accent1">
+                      <a:hueOff val="47394"/>
+                      <a:satOff val="-25753"/>
+                      <a:lumOff val="-7544"/>
+                    </a:schemeClr>
                   </a:solidFill>
                 </a:defRPr>
               </a:pPr>
@@ -27683,7 +29852,7 @@
         </p:sp>
         <p:sp>
           <p:nvSpPr>
-            <p:cNvPr id="331" name="A tibble: 3 × 2…"/>
+            <p:cNvPr id="365" name="A tibble: 3 × 2…"/>
             <p:cNvSpPr/>
             <p:nvPr/>
           </p:nvSpPr>
@@ -27727,7 +29896,11 @@
                 </a:spcBef>
                 <a:defRPr b="0" sz="900">
                   <a:solidFill>
-                    <a:schemeClr val="accent1"/>
+                    <a:schemeClr val="accent1">
+                      <a:hueOff val="47394"/>
+                      <a:satOff val="-25753"/>
+                      <a:lumOff val="-7544"/>
+                    </a:schemeClr>
                   </a:solidFill>
                   <a:latin typeface="Menlo"/>
                   <a:ea typeface="Menlo"/>
@@ -27749,7 +29922,11 @@
                 </a:spcBef>
                 <a:defRPr b="0" sz="900">
                   <a:solidFill>
-                    <a:schemeClr val="accent1"/>
+                    <a:schemeClr val="accent1">
+                      <a:hueOff val="47394"/>
+                      <a:satOff val="-25753"/>
+                      <a:lumOff val="-7544"/>
+                    </a:schemeClr>
                   </a:solidFill>
                   <a:latin typeface="Menlo"/>
                   <a:ea typeface="Menlo"/>
@@ -27771,7 +29948,11 @@
                 </a:spcBef>
                 <a:defRPr b="0" sz="900">
                   <a:solidFill>
-                    <a:schemeClr val="accent1"/>
+                    <a:schemeClr val="accent1">
+                      <a:hueOff val="47394"/>
+                      <a:satOff val="-25753"/>
+                      <a:lumOff val="-7544"/>
+                    </a:schemeClr>
                   </a:solidFill>
                   <a:latin typeface="Menlo"/>
                   <a:ea typeface="Menlo"/>
@@ -27793,7 +29974,11 @@
                 </a:spcBef>
                 <a:defRPr b="0" sz="900">
                   <a:solidFill>
-                    <a:schemeClr val="accent1"/>
+                    <a:schemeClr val="accent1">
+                      <a:hueOff val="47394"/>
+                      <a:satOff val="-25753"/>
+                      <a:lumOff val="-7544"/>
+                    </a:schemeClr>
                   </a:solidFill>
                   <a:latin typeface="Menlo"/>
                   <a:ea typeface="Menlo"/>
@@ -27815,7 +30000,11 @@
                 </a:spcBef>
                 <a:defRPr b="0" sz="900">
                   <a:solidFill>
-                    <a:schemeClr val="accent1"/>
+                    <a:schemeClr val="accent1">
+                      <a:hueOff val="47394"/>
+                      <a:satOff val="-25753"/>
+                      <a:lumOff val="-7544"/>
+                    </a:schemeClr>
                   </a:solidFill>
                   <a:latin typeface="Menlo"/>
                   <a:ea typeface="Menlo"/>
@@ -27837,7 +30026,11 @@
                 </a:spcBef>
                 <a:defRPr b="0" sz="900">
                   <a:solidFill>
-                    <a:schemeClr val="accent1"/>
+                    <a:schemeClr val="accent1">
+                      <a:hueOff val="47394"/>
+                      <a:satOff val="-25753"/>
+                      <a:lumOff val="-7544"/>
+                    </a:schemeClr>
                   </a:solidFill>
                   <a:latin typeface="Menlo"/>
                   <a:ea typeface="Menlo"/>
@@ -27853,7 +30046,7 @@
         </p:sp>
         <p:sp>
           <p:nvSpPr>
-            <p:cNvPr id="332" name="Both…"/>
+            <p:cNvPr id="366" name="Both…"/>
             <p:cNvSpPr/>
             <p:nvPr/>
           </p:nvSpPr>
@@ -27932,9 +30125,10 @@
               </a:pathLst>
             </a:custGeom>
             <a:solidFill>
-              <a:schemeClr val="accent6">
-                <a:satOff val="21212"/>
-                <a:lumOff val="6862"/>
+              <a:schemeClr val="accent1">
+                <a:hueOff val="47394"/>
+                <a:satOff val="-25753"/>
+                <a:lumOff val="-7544"/>
               </a:schemeClr>
             </a:solidFill>
             <a:ln w="12700" cap="flat">
@@ -28012,7 +30206,7 @@
       </p:grpSp>
       <p:graphicFrame>
         <p:nvGraphicFramePr>
-          <p:cNvPr id="334" name="Table"/>
+          <p:cNvPr id="368" name="Table"/>
           <p:cNvGraphicFramePr/>
           <p:nvPr/>
         </p:nvGraphicFramePr>
@@ -30273,7 +32467,7 @@
       </p:graphicFrame>
       <p:sp>
         <p:nvSpPr>
-          <p:cNvPr id="335" name="Shape"/>
+          <p:cNvPr id="369" name="Shape"/>
           <p:cNvSpPr/>
           <p:nvPr/>
         </p:nvSpPr>
@@ -30327,7 +32521,10 @@
           </a:custGeom>
           <a:solidFill>
             <a:schemeClr val="accent1">
-              <a:alpha val="25000"/>
+              <a:hueOff val="47394"/>
+              <a:satOff val="-25753"/>
+              <a:lumOff val="-7544"/>
+              <a:alpha val="25425"/>
             </a:schemeClr>
           </a:solidFill>
           <a:ln w="12700">
@@ -30357,7 +32554,7 @@
       </p:sp>
       <p:graphicFrame>
         <p:nvGraphicFramePr>
-          <p:cNvPr id="336" name="Table"/>
+          <p:cNvPr id="370" name="Table"/>
           <p:cNvGraphicFramePr/>
           <p:nvPr/>
         </p:nvGraphicFramePr>
@@ -30411,7 +32608,11 @@
                   </a:txBody>
                   <a:tcPr marL="50800" marR="50800" marT="50800" marB="50800" anchor="ctr" anchorCtr="0" horzOverflow="overflow">
                     <a:solidFill>
-                      <a:schemeClr val="accent1"/>
+                      <a:schemeClr val="accent1">
+                        <a:hueOff val="47394"/>
+                        <a:satOff val="-25753"/>
+                        <a:lumOff val="-7544"/>
+                      </a:schemeClr>
                     </a:solidFill>
                   </a:tcPr>
                 </a:tc>
@@ -30432,7 +32633,11 @@
                   </a:txBody>
                   <a:tcPr marL="50800" marR="50800" marT="50800" marB="50800" anchor="ctr" anchorCtr="0" horzOverflow="overflow">
                     <a:solidFill>
-                      <a:schemeClr val="accent1"/>
+                      <a:schemeClr val="accent1">
+                        <a:hueOff val="47394"/>
+                        <a:satOff val="-25753"/>
+                        <a:lumOff val="-7544"/>
+                      </a:schemeClr>
                     </a:solidFill>
                   </a:tcPr>
                 </a:tc>
@@ -30453,7 +32658,11 @@
                   </a:txBody>
                   <a:tcPr marL="50800" marR="50800" marT="50800" marB="50800" anchor="ctr" anchorCtr="0" horzOverflow="overflow">
                     <a:solidFill>
-                      <a:schemeClr val="accent1"/>
+                      <a:schemeClr val="accent1">
+                        <a:hueOff val="47394"/>
+                        <a:satOff val="-25753"/>
+                        <a:lumOff val="-7544"/>
+                      </a:schemeClr>
                     </a:solidFill>
                   </a:tcPr>
                 </a:tc>
@@ -30476,7 +32685,7 @@
                   </a:txBody>
                   <a:tcPr marL="50800" marR="50800" marT="50800" marB="50800" anchor="ctr" anchorCtr="0" horzOverflow="overflow">
                     <a:solidFill>
-                      <a:srgbClr val="78AAD6"/>
+                      <a:srgbClr val="407AAA"/>
                     </a:solidFill>
                   </a:tcPr>
                 </a:tc>
@@ -30497,7 +32706,7 @@
                   </a:txBody>
                   <a:tcPr marL="50800" marR="50800" marT="50800" marB="50800" anchor="ctr" anchorCtr="0" horzOverflow="overflow">
                     <a:solidFill>
-                      <a:srgbClr val="78AAD6"/>
+                      <a:srgbClr val="407AAA"/>
                     </a:solidFill>
                   </a:tcPr>
                 </a:tc>
@@ -30518,7 +32727,7 @@
                   </a:txBody>
                   <a:tcPr marL="50800" marR="50800" marT="50800" marB="50800" anchor="ctr" anchorCtr="0" horzOverflow="overflow">
                     <a:solidFill>
-                      <a:srgbClr val="78AAD6"/>
+                      <a:srgbClr val="407AAA"/>
                     </a:solidFill>
                   </a:tcPr>
                 </a:tc>
@@ -30541,7 +32750,7 @@
                   </a:txBody>
                   <a:tcPr marL="50800" marR="50800" marT="50800" marB="50800" anchor="ctr" anchorCtr="0" horzOverflow="overflow">
                     <a:solidFill>
-                      <a:srgbClr val="78AAD6"/>
+                      <a:srgbClr val="407AAA"/>
                     </a:solidFill>
                   </a:tcPr>
                 </a:tc>
@@ -30562,7 +32771,7 @@
                   </a:txBody>
                   <a:tcPr marL="50800" marR="50800" marT="50800" marB="50800" anchor="ctr" anchorCtr="0" horzOverflow="overflow">
                     <a:solidFill>
-                      <a:srgbClr val="78AAD6"/>
+                      <a:srgbClr val="407AAA"/>
                     </a:solidFill>
                   </a:tcPr>
                 </a:tc>
@@ -30583,7 +32792,7 @@
                   </a:txBody>
                   <a:tcPr marL="50800" marR="50800" marT="50800" marB="50800" anchor="ctr" anchorCtr="0" horzOverflow="overflow">
                     <a:solidFill>
-                      <a:srgbClr val="78AAD6"/>
+                      <a:srgbClr val="407AAA"/>
                     </a:solidFill>
                   </a:tcPr>
                 </a:tc>
@@ -30606,7 +32815,7 @@
                   </a:txBody>
                   <a:tcPr marL="50800" marR="50800" marT="50800" marB="50800" anchor="ctr" anchorCtr="0" horzOverflow="overflow">
                     <a:solidFill>
-                      <a:srgbClr val="78AAD6"/>
+                      <a:srgbClr val="407AAA"/>
                     </a:solidFill>
                   </a:tcPr>
                 </a:tc>
@@ -30627,7 +32836,7 @@
                   </a:txBody>
                   <a:tcPr marL="50800" marR="50800" marT="50800" marB="50800" anchor="ctr" anchorCtr="0" horzOverflow="overflow">
                     <a:solidFill>
-                      <a:srgbClr val="78AAD6"/>
+                      <a:srgbClr val="407AAA"/>
                     </a:solidFill>
                   </a:tcPr>
                 </a:tc>
@@ -30648,7 +32857,7 @@
                   </a:txBody>
                   <a:tcPr marL="50800" marR="50800" marT="50800" marB="50800" anchor="ctr" anchorCtr="0" horzOverflow="overflow">
                     <a:solidFill>
-                      <a:srgbClr val="78AAD6"/>
+                      <a:srgbClr val="407AAA"/>
                     </a:solidFill>
                   </a:tcPr>
                 </a:tc>
@@ -30659,7 +32868,7 @@
       </p:graphicFrame>
       <p:sp>
         <p:nvSpPr>
-          <p:cNvPr id="337" name="Shape"/>
+          <p:cNvPr id="371" name="Shape"/>
           <p:cNvSpPr/>
           <p:nvPr/>
         </p:nvSpPr>
@@ -30713,7 +32922,10 @@
           </a:custGeom>
           <a:solidFill>
             <a:schemeClr val="accent1">
-              <a:alpha val="25000"/>
+              <a:hueOff val="47394"/>
+              <a:satOff val="-25753"/>
+              <a:lumOff val="-7544"/>
+              <a:alpha val="25425"/>
             </a:schemeClr>
           </a:solidFill>
           <a:ln w="12700">
@@ -30743,7 +32955,7 @@
       </p:sp>
       <p:graphicFrame>
         <p:nvGraphicFramePr>
-          <p:cNvPr id="338" name="Table"/>
+          <p:cNvPr id="372" name="Table"/>
           <p:cNvGraphicFramePr/>
           <p:nvPr/>
         </p:nvGraphicFramePr>
@@ -30783,7 +32995,7 @@
                   </a:txBody>
                   <a:tcPr marL="50800" marR="50800" marT="50800" marB="50800" anchor="ctr" anchorCtr="0" horzOverflow="overflow">
                     <a:solidFill>
-                      <a:srgbClr val="78AAD6"/>
+                      <a:srgbClr val="407AAA"/>
                     </a:solidFill>
                   </a:tcPr>
                 </a:tc>
@@ -30807,7 +33019,7 @@
                   </a:txBody>
                   <a:tcPr marL="50800" marR="50800" marT="50800" marB="50800" anchor="ctr" anchorCtr="0" horzOverflow="overflow">
                     <a:solidFill>
-                      <a:srgbClr val="78AAD6"/>
+                      <a:srgbClr val="407AAA"/>
                     </a:solidFill>
                   </a:tcPr>
                 </a:tc>
@@ -30831,7 +33043,7 @@
                   </a:txBody>
                   <a:tcPr marL="50800" marR="50800" marT="50800" marB="50800" anchor="ctr" anchorCtr="0" horzOverflow="overflow">
                     <a:solidFill>
-                      <a:srgbClr val="78AAD6"/>
+                      <a:srgbClr val="407AAA"/>
                     </a:solidFill>
                   </a:tcPr>
                 </a:tc>
@@ -30854,7 +33066,7 @@
                   </a:txBody>
                   <a:tcPr marL="50800" marR="50800" marT="50800" marB="50800" anchor="ctr" anchorCtr="0" horzOverflow="overflow">
                     <a:solidFill>
-                      <a:srgbClr val="78AAD6"/>
+                      <a:srgbClr val="407AAA"/>
                     </a:solidFill>
                   </a:tcPr>
                 </a:tc>
@@ -30875,7 +33087,7 @@
                   </a:txBody>
                   <a:tcPr marL="50800" marR="50800" marT="50800" marB="50800" anchor="ctr" anchorCtr="0" horzOverflow="overflow">
                     <a:solidFill>
-                      <a:srgbClr val="78AAD6"/>
+                      <a:srgbClr val="407AAA"/>
                     </a:solidFill>
                   </a:tcPr>
                 </a:tc>
@@ -30896,7 +33108,7 @@
                   </a:txBody>
                   <a:tcPr marL="50800" marR="50800" marT="50800" marB="50800" anchor="ctr" anchorCtr="0" horzOverflow="overflow">
                     <a:solidFill>
-                      <a:srgbClr val="78AAD6"/>
+                      <a:srgbClr val="407AAA"/>
                     </a:solidFill>
                   </a:tcPr>
                 </a:tc>
@@ -30919,7 +33131,7 @@
                   </a:txBody>
                   <a:tcPr marL="50800" marR="50800" marT="50800" marB="50800" anchor="ctr" anchorCtr="0" horzOverflow="overflow">
                     <a:solidFill>
-                      <a:srgbClr val="78AAD6"/>
+                      <a:srgbClr val="407AAA"/>
                     </a:solidFill>
                   </a:tcPr>
                 </a:tc>
@@ -30940,7 +33152,7 @@
                   </a:txBody>
                   <a:tcPr marL="50800" marR="50800" marT="50800" marB="50800" anchor="ctr" anchorCtr="0" horzOverflow="overflow">
                     <a:solidFill>
-                      <a:srgbClr val="78AAD6"/>
+                      <a:srgbClr val="407AAA"/>
                     </a:solidFill>
                   </a:tcPr>
                 </a:tc>
@@ -30961,7 +33173,7 @@
                   </a:txBody>
                   <a:tcPr marL="50800" marR="50800" marT="50800" marB="50800" anchor="ctr" anchorCtr="0" horzOverflow="overflow">
                     <a:solidFill>
-                      <a:srgbClr val="78AAD6"/>
+                      <a:srgbClr val="407AAA"/>
                     </a:solidFill>
                   </a:tcPr>
                 </a:tc>
@@ -30984,7 +33196,7 @@
                   </a:txBody>
                   <a:tcPr marL="50800" marR="50800" marT="50800" marB="50800" anchor="ctr" anchorCtr="0" horzOverflow="overflow">
                     <a:solidFill>
-                      <a:srgbClr val="78AAD6"/>
+                      <a:srgbClr val="407AAA"/>
                     </a:solidFill>
                   </a:tcPr>
                 </a:tc>
@@ -31005,7 +33217,7 @@
                   </a:txBody>
                   <a:tcPr marL="50800" marR="50800" marT="50800" marB="50800" anchor="ctr" anchorCtr="0" horzOverflow="overflow">
                     <a:solidFill>
-                      <a:srgbClr val="78AAD6"/>
+                      <a:srgbClr val="407AAA"/>
                     </a:solidFill>
                   </a:tcPr>
                 </a:tc>
@@ -31026,7 +33238,7 @@
                   </a:txBody>
                   <a:tcPr marL="50800" marR="50800" marT="50800" marB="50800" anchor="ctr" anchorCtr="0" horzOverflow="overflow">
                     <a:solidFill>
-                      <a:srgbClr val="78AAD6"/>
+                      <a:srgbClr val="407AAA"/>
                     </a:solidFill>
                   </a:tcPr>
                 </a:tc>
@@ -31037,7 +33249,7 @@
       </p:graphicFrame>
       <p:sp>
         <p:nvSpPr>
-          <p:cNvPr id="339" name="# A tibble: 234 × 6…"/>
+          <p:cNvPr id="373" name="# A tibble: 234 × 6…"/>
           <p:cNvSpPr/>
           <p:nvPr/>
         </p:nvSpPr>
@@ -31077,7 +33289,11 @@
               </a:spcBef>
               <a:defRPr b="0" sz="550">
                 <a:solidFill>
-                  <a:schemeClr val="accent1"/>
+                  <a:schemeClr val="accent1">
+                    <a:hueOff val="47394"/>
+                    <a:satOff val="-25753"/>
+                    <a:lumOff val="-7544"/>
+                  </a:schemeClr>
                 </a:solidFill>
                 <a:latin typeface="Menlo"/>
                 <a:ea typeface="Menlo"/>
@@ -31099,7 +33315,11 @@
               </a:spcBef>
               <a:defRPr b="0" sz="550">
                 <a:solidFill>
-                  <a:schemeClr val="accent1"/>
+                  <a:schemeClr val="accent1">
+                    <a:hueOff val="47394"/>
+                    <a:satOff val="-25753"/>
+                    <a:lumOff val="-7544"/>
+                  </a:schemeClr>
                 </a:solidFill>
                 <a:latin typeface="Menlo"/>
                 <a:ea typeface="Menlo"/>
@@ -31121,7 +33341,11 @@
               </a:spcBef>
               <a:defRPr b="0" sz="550">
                 <a:solidFill>
-                  <a:schemeClr val="accent1"/>
+                  <a:schemeClr val="accent1">
+                    <a:hueOff val="47394"/>
+                    <a:satOff val="-25753"/>
+                    <a:lumOff val="-7544"/>
+                  </a:schemeClr>
                 </a:solidFill>
                 <a:latin typeface="Menlo"/>
                 <a:ea typeface="Menlo"/>
@@ -31143,7 +33367,11 @@
               </a:spcBef>
               <a:defRPr b="0" sz="550">
                 <a:solidFill>
-                  <a:schemeClr val="accent1"/>
+                  <a:schemeClr val="accent1">
+                    <a:hueOff val="47394"/>
+                    <a:satOff val="-25753"/>
+                    <a:lumOff val="-7544"/>
+                  </a:schemeClr>
                 </a:solidFill>
                 <a:latin typeface="Menlo"/>
                 <a:ea typeface="Menlo"/>
@@ -31165,7 +33393,11 @@
               </a:spcBef>
               <a:defRPr b="0" sz="550">
                 <a:solidFill>
-                  <a:schemeClr val="accent1"/>
+                  <a:schemeClr val="accent1">
+                    <a:hueOff val="47394"/>
+                    <a:satOff val="-25753"/>
+                    <a:lumOff val="-7544"/>
+                  </a:schemeClr>
                 </a:solidFill>
                 <a:latin typeface="Menlo"/>
                 <a:ea typeface="Menlo"/>
@@ -31187,7 +33419,11 @@
               </a:spcBef>
               <a:defRPr b="0" sz="550">
                 <a:solidFill>
-                  <a:schemeClr val="accent1"/>
+                  <a:schemeClr val="accent1">
+                    <a:hueOff val="47394"/>
+                    <a:satOff val="-25753"/>
+                    <a:lumOff val="-7544"/>
+                  </a:schemeClr>
                 </a:solidFill>
                 <a:latin typeface="Menlo"/>
                 <a:ea typeface="Menlo"/>
@@ -31209,7 +33445,11 @@
               </a:spcBef>
               <a:defRPr b="0" sz="550">
                 <a:solidFill>
-                  <a:schemeClr val="accent1"/>
+                  <a:schemeClr val="accent1">
+                    <a:hueOff val="47394"/>
+                    <a:satOff val="-25753"/>
+                    <a:lumOff val="-7544"/>
+                  </a:schemeClr>
                 </a:solidFill>
                 <a:latin typeface="Menlo"/>
                 <a:ea typeface="Menlo"/>
@@ -31231,7 +33471,11 @@
               </a:spcBef>
               <a:defRPr b="0" sz="550">
                 <a:solidFill>
-                  <a:schemeClr val="accent1"/>
+                  <a:schemeClr val="accent1">
+                    <a:hueOff val="47394"/>
+                    <a:satOff val="-25753"/>
+                    <a:lumOff val="-7544"/>
+                  </a:schemeClr>
                 </a:solidFill>
                 <a:latin typeface="Menlo"/>
                 <a:ea typeface="Menlo"/>
@@ -31253,7 +33497,11 @@
               </a:spcBef>
               <a:defRPr b="0" sz="550">
                 <a:solidFill>
-                  <a:schemeClr val="accent1"/>
+                  <a:schemeClr val="accent1">
+                    <a:hueOff val="47394"/>
+                    <a:satOff val="-25753"/>
+                    <a:lumOff val="-7544"/>
+                  </a:schemeClr>
                 </a:solidFill>
                 <a:latin typeface="Menlo"/>
                 <a:ea typeface="Menlo"/>
@@ -31275,7 +33523,11 @@
               </a:spcBef>
               <a:defRPr b="0" sz="550">
                 <a:solidFill>
-                  <a:schemeClr val="accent1"/>
+                  <a:schemeClr val="accent1">
+                    <a:hueOff val="47394"/>
+                    <a:satOff val="-25753"/>
+                    <a:lumOff val="-7544"/>
+                  </a:schemeClr>
                 </a:solidFill>
                 <a:latin typeface="Menlo"/>
                 <a:ea typeface="Menlo"/>
@@ -31297,7 +33549,11 @@
               </a:spcBef>
               <a:defRPr b="0" sz="550">
                 <a:solidFill>
-                  <a:schemeClr val="accent1"/>
+                  <a:schemeClr val="accent1">
+                    <a:hueOff val="47394"/>
+                    <a:satOff val="-25753"/>
+                    <a:lumOff val="-7544"/>
+                  </a:schemeClr>
                 </a:solidFill>
                 <a:latin typeface="Menlo"/>
                 <a:ea typeface="Menlo"/>
@@ -31319,7 +33575,11 @@
               </a:spcBef>
               <a:defRPr b="0" sz="550">
                 <a:solidFill>
-                  <a:schemeClr val="accent1"/>
+                  <a:schemeClr val="accent1">
+                    <a:hueOff val="47394"/>
+                    <a:satOff val="-25753"/>
+                    <a:lumOff val="-7544"/>
+                  </a:schemeClr>
                 </a:solidFill>
                 <a:latin typeface="Menlo"/>
                 <a:ea typeface="Menlo"/>
@@ -31341,7 +33601,11 @@
               </a:spcBef>
               <a:defRPr b="0" sz="550">
                 <a:solidFill>
-                  <a:schemeClr val="accent1"/>
+                  <a:schemeClr val="accent1">
+                    <a:hueOff val="47394"/>
+                    <a:satOff val="-25753"/>
+                    <a:lumOff val="-7544"/>
+                  </a:schemeClr>
                 </a:solidFill>
                 <a:latin typeface="Menlo"/>
                 <a:ea typeface="Menlo"/>
@@ -31363,7 +33627,11 @@
               </a:spcBef>
               <a:defRPr b="0" sz="550">
                 <a:solidFill>
-                  <a:schemeClr val="accent1"/>
+                  <a:schemeClr val="accent1">
+                    <a:hueOff val="47394"/>
+                    <a:satOff val="-25753"/>
+                    <a:lumOff val="-7544"/>
+                  </a:schemeClr>
                 </a:solidFill>
                 <a:latin typeface="Menlo"/>
                 <a:ea typeface="Menlo"/>
@@ -31385,7 +33653,11 @@
               </a:spcBef>
               <a:defRPr b="0" sz="550">
                 <a:solidFill>
-                  <a:schemeClr val="accent1"/>
+                  <a:schemeClr val="accent1">
+                    <a:hueOff val="47394"/>
+                    <a:satOff val="-25753"/>
+                    <a:lumOff val="-7544"/>
+                  </a:schemeClr>
                 </a:solidFill>
                 <a:latin typeface="Menlo"/>
                 <a:ea typeface="Menlo"/>
@@ -31407,7 +33679,11 @@
               </a:spcBef>
               <a:defRPr b="0" sz="550">
                 <a:solidFill>
-                  <a:schemeClr val="accent1"/>
+                  <a:schemeClr val="accent1">
+                    <a:hueOff val="47394"/>
+                    <a:satOff val="-25753"/>
+                    <a:lumOff val="-7544"/>
+                  </a:schemeClr>
                 </a:solidFill>
                 <a:latin typeface="Menlo"/>
                 <a:ea typeface="Menlo"/>
@@ -31423,7 +33699,7 @@
       </p:sp>
       <p:sp>
         <p:nvSpPr>
-          <p:cNvPr id="340" name="156 1999   6   auto(l4)…"/>
+          <p:cNvPr id="374" name="156 1999   6   auto(l4)…"/>
           <p:cNvSpPr/>
           <p:nvPr/>
         </p:nvSpPr>
@@ -31463,7 +33739,11 @@
               </a:spcBef>
               <a:defRPr b="0" sz="550">
                 <a:solidFill>
-                  <a:schemeClr val="accent1"/>
+                  <a:schemeClr val="accent1">
+                    <a:hueOff val="47394"/>
+                    <a:satOff val="-25753"/>
+                    <a:lumOff val="-7544"/>
+                  </a:schemeClr>
                 </a:solidFill>
                 <a:latin typeface="Menlo"/>
                 <a:ea typeface="Menlo"/>
@@ -31485,7 +33765,11 @@
               </a:spcBef>
               <a:defRPr b="0" sz="550">
                 <a:solidFill>
-                  <a:schemeClr val="accent1"/>
+                  <a:schemeClr val="accent1">
+                    <a:hueOff val="47394"/>
+                    <a:satOff val="-25753"/>
+                    <a:lumOff val="-7544"/>
+                  </a:schemeClr>
                 </a:solidFill>
                 <a:latin typeface="Menlo"/>
                 <a:ea typeface="Menlo"/>
@@ -31507,7 +33791,11 @@
               </a:spcBef>
               <a:defRPr b="0" sz="550">
                 <a:solidFill>
-                  <a:schemeClr val="accent1"/>
+                  <a:schemeClr val="accent1">
+                    <a:hueOff val="47394"/>
+                    <a:satOff val="-25753"/>
+                    <a:lumOff val="-7544"/>
+                  </a:schemeClr>
                 </a:solidFill>
                 <a:latin typeface="Menlo"/>
                 <a:ea typeface="Menlo"/>
@@ -31529,7 +33817,11 @@
               </a:spcBef>
               <a:defRPr b="0" sz="550">
                 <a:solidFill>
-                  <a:schemeClr val="accent1"/>
+                  <a:schemeClr val="accent1">
+                    <a:hueOff val="47394"/>
+                    <a:satOff val="-25753"/>
+                    <a:lumOff val="-7544"/>
+                  </a:schemeClr>
                 </a:solidFill>
                 <a:latin typeface="Menlo"/>
                 <a:ea typeface="Menlo"/>
@@ -31551,7 +33843,11 @@
               </a:spcBef>
               <a:defRPr b="0" sz="550">
                 <a:solidFill>
-                  <a:schemeClr val="accent1"/>
+                  <a:schemeClr val="accent1">
+                    <a:hueOff val="47394"/>
+                    <a:satOff val="-25753"/>
+                    <a:lumOff val="-7544"/>
+                  </a:schemeClr>
                 </a:solidFill>
                 <a:latin typeface="Menlo"/>
                 <a:ea typeface="Menlo"/>
@@ -31573,7 +33869,11 @@
               </a:spcBef>
               <a:defRPr b="0" sz="550">
                 <a:solidFill>
-                  <a:schemeClr val="accent1"/>
+                  <a:schemeClr val="accent1">
+                    <a:hueOff val="47394"/>
+                    <a:satOff val="-25753"/>
+                    <a:lumOff val="-7544"/>
+                  </a:schemeClr>
                 </a:solidFill>
                 <a:latin typeface="Menlo"/>
                 <a:ea typeface="Menlo"/>
@@ -31595,7 +33895,11 @@
               </a:spcBef>
               <a:defRPr b="0" sz="550">
                 <a:solidFill>
-                  <a:schemeClr val="accent1"/>
+                  <a:schemeClr val="accent1">
+                    <a:hueOff val="47394"/>
+                    <a:satOff val="-25753"/>
+                    <a:lumOff val="-7544"/>
+                  </a:schemeClr>
                 </a:solidFill>
                 <a:latin typeface="Menlo"/>
                 <a:ea typeface="Menlo"/>
@@ -31617,7 +33921,11 @@
               </a:spcBef>
               <a:defRPr b="0" sz="550">
                 <a:solidFill>
-                  <a:schemeClr val="accent1"/>
+                  <a:schemeClr val="accent1">
+                    <a:hueOff val="47394"/>
+                    <a:satOff val="-25753"/>
+                    <a:lumOff val="-7544"/>
+                  </a:schemeClr>
                 </a:solidFill>
                 <a:latin typeface="Menlo"/>
                 <a:ea typeface="Menlo"/>
@@ -31639,7 +33947,11 @@
               </a:spcBef>
               <a:defRPr b="0" sz="550">
                 <a:solidFill>
-                  <a:schemeClr val="accent1"/>
+                  <a:schemeClr val="accent1">
+                    <a:hueOff val="47394"/>
+                    <a:satOff val="-25753"/>
+                    <a:lumOff val="-7544"/>
+                  </a:schemeClr>
                 </a:solidFill>
                 <a:latin typeface="Menlo"/>
                 <a:ea typeface="Menlo"/>
@@ -31661,7 +33973,11 @@
               </a:spcBef>
               <a:defRPr b="0" sz="550">
                 <a:solidFill>
-                  <a:schemeClr val="accent1"/>
+                  <a:schemeClr val="accent1">
+                    <a:hueOff val="47394"/>
+                    <a:satOff val="-25753"/>
+                    <a:lumOff val="-7544"/>
+                  </a:schemeClr>
                 </a:solidFill>
                 <a:latin typeface="Menlo"/>
                 <a:ea typeface="Menlo"/>
@@ -31683,7 +33999,11 @@
               </a:spcBef>
               <a:defRPr b="0" sz="550">
                 <a:solidFill>
-                  <a:schemeClr val="accent1"/>
+                  <a:schemeClr val="accent1">
+                    <a:hueOff val="47394"/>
+                    <a:satOff val="-25753"/>
+                    <a:lumOff val="-7544"/>
+                  </a:schemeClr>
                 </a:solidFill>
                 <a:latin typeface="Menlo"/>
                 <a:ea typeface="Menlo"/>
@@ -31721,7 +34041,7 @@
       </p:sp>
       <p:sp>
         <p:nvSpPr>
-          <p:cNvPr id="341" name="A large table to display"/>
+          <p:cNvPr id="375" name="A large table to display"/>
           <p:cNvSpPr txBox="1"/>
           <p:nvPr/>
         </p:nvSpPr>
@@ -31757,7 +34077,11 @@
               </a:spcBef>
               <a:defRPr b="0">
                 <a:solidFill>
-                  <a:schemeClr val="accent6"/>
+                  <a:schemeClr val="accent1">
+                    <a:hueOff val="47394"/>
+                    <a:satOff val="-25753"/>
+                    <a:lumOff val="-7544"/>
+                  </a:schemeClr>
                 </a:solidFill>
                 <a:latin typeface="Source Sans Pro Semibold"/>
                 <a:ea typeface="Source Sans Pro Semibold"/>
@@ -31773,7 +34097,7 @@
       </p:sp>
       <p:sp>
         <p:nvSpPr>
-          <p:cNvPr id="342" name="as_tibble(x, …) Convert data frame to tibble.…"/>
+          <p:cNvPr id="376" name="as_tibble(x, …) Convert data frame to tibble.…"/>
           <p:cNvSpPr txBox="1"/>
           <p:nvPr/>
         </p:nvSpPr>
@@ -31843,7 +34167,11 @@
             <a:r>
               <a:rPr>
                 <a:solidFill>
-                  <a:schemeClr val="accent6"/>
+                  <a:schemeClr val="accent1">
+                    <a:hueOff val="47394"/>
+                    <a:satOff val="-25753"/>
+                    <a:lumOff val="-7544"/>
+                  </a:schemeClr>
                 </a:solidFill>
               </a:rPr>
               <a:t>Convert data frame to tibble.</a:t>
@@ -31907,7 +34235,11 @@
             <a:r>
               <a:rPr>
                 <a:solidFill>
-                  <a:schemeClr val="accent6"/>
+                  <a:schemeClr val="accent1">
+                    <a:hueOff val="47394"/>
+                    <a:satOff val="-25753"/>
+                    <a:lumOff val="-7544"/>
+                  </a:schemeClr>
                 </a:solidFill>
               </a:rPr>
               <a:t>Convert named vector to a tibble</a:t>
@@ -31962,7 +34294,11 @@
             <a:r>
               <a:rPr>
                 <a:solidFill>
-                  <a:schemeClr val="accent6"/>
+                  <a:schemeClr val="accent1">
+                    <a:hueOff val="47394"/>
+                    <a:satOff val="-25753"/>
+                    <a:lumOff val="-7544"/>
+                  </a:schemeClr>
                 </a:solidFill>
               </a:rPr>
               <a:t>Test whether x is a tibble.</a:t>
@@ -31972,7 +34308,7 @@
       </p:sp>
       <p:sp>
         <p:nvSpPr>
-          <p:cNvPr id="343" name="CONSTRUCT A TIBBLE IN TWO WAYS"/>
+          <p:cNvPr id="377" name="CONSTRUCT A TIBBLE IN TWO WAYS"/>
           <p:cNvSpPr txBox="1"/>
           <p:nvPr/>
         </p:nvSpPr>
@@ -32008,7 +34344,7 @@
       </p:sp>
       <p:sp>
         <p:nvSpPr>
-          <p:cNvPr id="344" name="Line"/>
+          <p:cNvPr id="378" name="Line"/>
           <p:cNvSpPr/>
           <p:nvPr/>
         </p:nvSpPr>
@@ -32051,7 +34387,7 @@
       </p:sp>
       <p:sp>
         <p:nvSpPr>
-          <p:cNvPr id="345" name="Line"/>
+          <p:cNvPr id="379" name="Line"/>
           <p:cNvSpPr/>
           <p:nvPr/>
         </p:nvSpPr>
@@ -32092,7 +34428,7 @@
       </p:sp>
       <p:sp>
         <p:nvSpPr>
-          <p:cNvPr id="346" name="Expand Tables - quickly create tables with combinations of values"/>
+          <p:cNvPr id="380" name="Expand Tables - quickly create tables with combinations of values"/>
           <p:cNvSpPr txBox="1"/>
           <p:nvPr/>
         </p:nvSpPr>
@@ -32128,7 +34464,11 @@
               </a:spcBef>
               <a:defRPr b="0" sz="2500">
                 <a:solidFill>
-                  <a:schemeClr val="accent6"/>
+                  <a:schemeClr val="accent1">
+                    <a:hueOff val="47394"/>
+                    <a:satOff val="-25753"/>
+                    <a:lumOff val="-7544"/>
+                  </a:schemeClr>
                 </a:solidFill>
               </a:defRPr>
             </a:pPr>
@@ -32144,7 +34484,7 @@
       </p:sp>
       <p:sp>
         <p:nvSpPr>
-          <p:cNvPr id="347" name="Line"/>
+          <p:cNvPr id="381" name="Line"/>
           <p:cNvSpPr/>
           <p:nvPr/>
         </p:nvSpPr>
@@ -32185,7 +34525,7 @@
       </p:sp>
       <p:sp>
         <p:nvSpPr>
-          <p:cNvPr id="348" name="Tidy Data with tidyr"/>
+          <p:cNvPr id="382" name="Tidy Data with tidyr"/>
           <p:cNvSpPr txBox="1"/>
           <p:nvPr/>
         </p:nvSpPr>
@@ -32221,7 +34561,11 @@
               </a:spcBef>
               <a:defRPr b="0" sz="2500">
                 <a:solidFill>
-                  <a:schemeClr val="accent6"/>
+                  <a:schemeClr val="accent1">
+                    <a:hueOff val="47394"/>
+                    <a:satOff val="-25753"/>
+                    <a:lumOff val="-7544"/>
+                  </a:schemeClr>
                 </a:solidFill>
               </a:defRPr>
             </a:pPr>
@@ -32233,7 +34577,7 @@
       </p:sp>
       <p:sp>
         <p:nvSpPr>
-          <p:cNvPr id="349" name="Line"/>
+          <p:cNvPr id="383" name="Line"/>
           <p:cNvSpPr/>
           <p:nvPr/>
         </p:nvSpPr>

--- a/powerpoints/data-import.pptx
+++ b/powerpoints/data-import.pptx
@@ -4296,225 +4296,9 @@
           </a:p>
         </p:txBody>
       </p:sp>
-      <p:grpSp>
-        <p:nvGrpSpPr>
-          <p:cNvPr id="152" name="Group"/>
-          <p:cNvGrpSpPr/>
-          <p:nvPr/>
-        </p:nvGrpSpPr>
-        <p:grpSpPr>
-          <a:xfrm>
-            <a:off x="333196" y="1268279"/>
-            <a:ext cx="3067130" cy="1752601"/>
-            <a:chOff x="0" y="0"/>
-            <a:chExt cx="3067128" cy="1752600"/>
-          </a:xfrm>
-        </p:grpSpPr>
-        <p:sp>
-          <p:nvSpPr>
-            <p:cNvPr id="149" name="R’s tidyverse is built around tidy data stored in  tibbles, which are enhanced data frames.…"/>
-            <p:cNvSpPr txBox="1"/>
-            <p:nvPr/>
-          </p:nvSpPr>
-          <p:spPr>
-            <a:xfrm>
-              <a:off x="0" y="0"/>
-              <a:ext cx="3067129" cy="1752600"/>
-            </a:xfrm>
-            <a:prstGeom prst="rect">
-              <a:avLst/>
-            </a:prstGeom>
-            <a:noFill/>
-            <a:ln w="12700" cap="flat">
-              <a:noFill/>
-              <a:miter lim="400000"/>
-            </a:ln>
-            <a:effectLst/>
-            <a:extLst>
-              <a:ext uri="{C572A759-6A51-4108-AA02-DFA0A04FC94B}">
-                <ma14:wrappingTextBoxFlag xmlns:ma14="http://schemas.microsoft.com/office/mac/drawingml/2011/main" val="1"/>
-              </a:ext>
-            </a:extLst>
-          </p:spPr>
-          <p:txBody>
-            <a:bodyPr wrap="square" lIns="50800" tIns="50800" rIns="50800" bIns="50800" numCol="1" anchor="t">
-              <a:spAutoFit/>
-            </a:bodyPr>
-            <a:lstStyle/>
-            <a:p>
-              <a:pPr>
-                <a:spcBef>
-                  <a:spcPts val="500"/>
-                </a:spcBef>
-                <a:buClr>
-                  <a:srgbClr val="F39019"/>
-                </a:buClr>
-                <a:defRPr b="0">
-                  <a:solidFill>
-                    <a:srgbClr val="000000"/>
-                  </a:solidFill>
-                </a:defRPr>
-              </a:pPr>
-              <a:r>
-                <a:t>R’s</a:t>
-              </a:r>
-              <a:r>
-                <a:rPr b="1"/>
-                <a:t> </a:t>
-              </a:r>
-              <a:r>
-                <a:rPr b="1"/>
-                <a:t>tidyverse</a:t>
-              </a:r>
-              <a:r>
-                <a:t> is built around </a:t>
-              </a:r>
-              <a:r>
-                <a:rPr b="1"/>
-                <a:t>tidy data</a:t>
-              </a:r>
-              <a:r>
-                <a:t> stored in  </a:t>
-              </a:r>
-              <a:r>
-                <a:rPr b="1"/>
-                <a:t>tibbles</a:t>
-              </a:r>
-              <a:r>
-                <a:t>, which are enhanced data frames. </a:t>
-              </a:r>
-            </a:p>
-            <a:p>
-              <a:pPr marL="114300">
-                <a:spcBef>
-                  <a:spcPts val="500"/>
-                </a:spcBef>
-                <a:buClr>
-                  <a:srgbClr val="FF7E79"/>
-                </a:buClr>
-                <a:defRPr b="0">
-                  <a:solidFill>
-                    <a:srgbClr val="000000"/>
-                  </a:solidFill>
-                </a:defRPr>
-              </a:pPr>
-              <a:r>
-                <a:t>The front side of this sheet shows how to read text files into R with </a:t>
-              </a:r>
-              <a:r>
-                <a:rPr b="1"/>
-                <a:t>readr</a:t>
-              </a:r>
-              <a:r>
-                <a:t>.</a:t>
-              </a:r>
-            </a:p>
-            <a:p>
-              <a:pPr marL="114300">
-                <a:spcBef>
-                  <a:spcPts val="300"/>
-                </a:spcBef>
-                <a:buClr>
-                  <a:srgbClr val="FF7E79"/>
-                </a:buClr>
-                <a:defRPr b="0">
-                  <a:solidFill>
-                    <a:srgbClr val="000000"/>
-                  </a:solidFill>
-                </a:defRPr>
-              </a:pPr>
-              <a:r>
-                <a:t>The reverse side shows how to create tibbles with </a:t>
-              </a:r>
-              <a:r>
-                <a:rPr b="1"/>
-                <a:t>tibble</a:t>
-              </a:r>
-              <a:r>
-                <a:t> and to layout tidy data with </a:t>
-              </a:r>
-              <a:r>
-                <a:rPr b="1"/>
-                <a:t>tidyr</a:t>
-              </a:r>
-              <a:r>
-                <a:t>. </a:t>
-              </a:r>
-            </a:p>
-          </p:txBody>
-        </p:sp>
-        <p:pic>
-          <p:nvPicPr>
-            <p:cNvPr id="150" name="Image" descr="Image"/>
-            <p:cNvPicPr>
-              <a:picLocks noChangeAspect="1"/>
-            </p:cNvPicPr>
-            <p:nvPr/>
-          </p:nvPicPr>
-          <p:blipFill>
-            <a:blip r:embed="rId2">
-              <a:extLst/>
-            </a:blip>
-            <a:stretch>
-              <a:fillRect/>
-            </a:stretch>
-          </p:blipFill>
-          <p:spPr>
-            <a:xfrm>
-              <a:off x="123747" y="472536"/>
-              <a:ext cx="533401" cy="599716"/>
-            </a:xfrm>
-            <a:prstGeom prst="rect">
-              <a:avLst/>
-            </a:prstGeom>
-            <a:ln w="12700" cap="flat">
-              <a:noFill/>
-              <a:miter lim="400000"/>
-            </a:ln>
-            <a:effectLst/>
-          </p:spPr>
-        </p:pic>
-        <p:pic>
-          <p:nvPicPr>
-            <p:cNvPr id="151" name="tidyr.png" descr="tidyr.png"/>
-            <p:cNvPicPr>
-              <a:picLocks noChangeAspect="1"/>
-            </p:cNvPicPr>
-            <p:nvPr/>
-          </p:nvPicPr>
-          <p:blipFill>
-            <a:blip r:embed="rId3">
-              <a:extLst/>
-            </a:blip>
-            <a:stretch>
-              <a:fillRect/>
-            </a:stretch>
-          </p:blipFill>
-          <p:spPr>
-            <a:xfrm>
-              <a:off x="149147" y="1085563"/>
-              <a:ext cx="476928" cy="552744"/>
-            </a:xfrm>
-            <a:prstGeom prst="rect">
-              <a:avLst/>
-            </a:prstGeom>
-            <a:ln w="12700" cap="flat">
-              <a:noFill/>
-              <a:miter lim="400000"/>
-            </a:ln>
-            <a:effectLst>
-              <a:outerShdw sx="100000" sy="100000" kx="0" ky="0" algn="b" rotWithShape="0" blurRad="12700" dist="12700" dir="5400000">
-                <a:srgbClr val="000000">
-                  <a:alpha val="50000"/>
-                </a:srgbClr>
-              </a:outerShdw>
-            </a:effectLst>
-          </p:spPr>
-        </p:pic>
-      </p:grpSp>
       <p:sp>
         <p:nvSpPr>
-          <p:cNvPr id="153" name="Save Data"/>
+          <p:cNvPr id="149" name="Save Data"/>
           <p:cNvSpPr txBox="1"/>
           <p:nvPr/>
         </p:nvSpPr>
@@ -4566,7 +4350,7 @@
       </p:sp>
       <p:sp>
         <p:nvSpPr>
-          <p:cNvPr id="154" name="Line"/>
+          <p:cNvPr id="150" name="Line"/>
           <p:cNvSpPr/>
           <p:nvPr/>
         </p:nvSpPr>
@@ -4607,7 +4391,7 @@
       </p:sp>
       <p:sp>
         <p:nvSpPr>
-          <p:cNvPr id="155" name="Data Import : : CHEAT SHEET"/>
+          <p:cNvPr id="151" name="Data Import : : CHEAT SHEET"/>
           <p:cNvSpPr txBox="1"/>
           <p:nvPr>
             <p:ph type="title"/>
@@ -4647,7 +4431,7 @@
       </p:sp>
       <p:sp>
         <p:nvSpPr>
-          <p:cNvPr id="156" name="Line"/>
+          <p:cNvPr id="152" name="Line"/>
           <p:cNvSpPr/>
           <p:nvPr/>
         </p:nvSpPr>
@@ -4688,7 +4472,7 @@
       </p:sp>
       <p:sp>
         <p:nvSpPr>
-          <p:cNvPr id="157" name="Read Tabular Data - These functions share the common arguments:"/>
+          <p:cNvPr id="153" name="Read Tabular Data - These functions share the common arguments:"/>
           <p:cNvSpPr txBox="1"/>
           <p:nvPr/>
         </p:nvSpPr>
@@ -4745,7 +4529,7 @@
       </p:sp>
       <p:sp>
         <p:nvSpPr>
-          <p:cNvPr id="158" name="Line"/>
+          <p:cNvPr id="154" name="Line"/>
           <p:cNvSpPr/>
           <p:nvPr/>
         </p:nvSpPr>
@@ -4786,7 +4570,7 @@
       </p:sp>
       <p:sp>
         <p:nvSpPr>
-          <p:cNvPr id="159" name="Data types"/>
+          <p:cNvPr id="155" name="Data types"/>
           <p:cNvSpPr txBox="1"/>
           <p:nvPr/>
         </p:nvSpPr>
@@ -4838,7 +4622,7 @@
       </p:sp>
       <p:sp>
         <p:nvSpPr>
-          <p:cNvPr id="160" name="Line"/>
+          <p:cNvPr id="156" name="Line"/>
           <p:cNvSpPr/>
           <p:nvPr/>
         </p:nvSpPr>
@@ -4879,7 +4663,7 @@
       </p:sp>
       <p:sp>
         <p:nvSpPr>
-          <p:cNvPr id="161" name="USEFUL ARGUMENTS"/>
+          <p:cNvPr id="157" name="USEFUL ARGUMENTS"/>
           <p:cNvSpPr txBox="1"/>
           <p:nvPr/>
         </p:nvSpPr>
@@ -4915,7 +4699,7 @@
       </p:sp>
       <p:sp>
         <p:nvSpPr>
-          <p:cNvPr id="162" name="Line"/>
+          <p:cNvPr id="158" name="Line"/>
           <p:cNvSpPr/>
           <p:nvPr/>
         </p:nvSpPr>
@@ -4956,67 +4740,9 @@
           </a:p>
         </p:txBody>
       </p:sp>
-      <p:pic>
-        <p:nvPicPr>
-          <p:cNvPr id="163" name="readr.png" descr="readr.png"/>
-          <p:cNvPicPr>
-            <a:picLocks noChangeAspect="1"/>
-          </p:cNvPicPr>
-          <p:nvPr/>
-        </p:nvPicPr>
-        <p:blipFill>
-          <a:blip r:embed="rId4">
-            <a:extLst/>
-          </a:blip>
-          <a:stretch>
-            <a:fillRect/>
-          </a:stretch>
-        </p:blipFill>
-        <p:spPr>
-          <a:xfrm>
-            <a:off x="12294644" y="198849"/>
-            <a:ext cx="1378971" cy="1598182"/>
-          </a:xfrm>
-          <a:prstGeom prst="rect">
-            <a:avLst/>
-          </a:prstGeom>
-          <a:ln w="12700">
-            <a:miter lim="400000"/>
-          </a:ln>
-        </p:spPr>
-      </p:pic>
-      <p:pic>
-        <p:nvPicPr>
-          <p:cNvPr id="164" name="Image" descr="Image"/>
-          <p:cNvPicPr>
-            <a:picLocks noChangeAspect="1"/>
-          </p:cNvPicPr>
-          <p:nvPr/>
-        </p:nvPicPr>
-        <p:blipFill>
-          <a:blip r:embed="rId5">
-            <a:extLst/>
-          </a:blip>
-          <a:stretch>
-            <a:fillRect/>
-          </a:stretch>
-        </p:blipFill>
-        <p:spPr>
-          <a:xfrm>
-            <a:off x="238823" y="9978474"/>
-            <a:ext cx="1754521" cy="616478"/>
-          </a:xfrm>
-          <a:prstGeom prst="rect">
-            <a:avLst/>
-          </a:prstGeom>
-          <a:ln w="12700">
-            <a:miter lim="400000"/>
-          </a:ln>
-        </p:spPr>
-      </p:pic>
       <p:sp>
         <p:nvSpPr>
-          <p:cNvPr id="165" name="Line"/>
+          <p:cNvPr id="159" name="Line"/>
           <p:cNvSpPr/>
           <p:nvPr/>
         </p:nvSpPr>
@@ -5057,7 +4783,7 @@
       </p:sp>
       <p:sp>
         <p:nvSpPr>
-          <p:cNvPr id="166" name="OTHER TYPES OF DATA"/>
+          <p:cNvPr id="160" name="OTHER TYPES OF DATA"/>
           <p:cNvSpPr txBox="1"/>
           <p:nvPr/>
         </p:nvSpPr>
@@ -5111,7 +4837,7 @@
       </p:sp>
       <p:sp>
         <p:nvSpPr>
-          <p:cNvPr id="167" name="Comma delimited file…"/>
+          <p:cNvPr id="161" name="Comma delimited file…"/>
           <p:cNvSpPr txBox="1"/>
           <p:nvPr/>
         </p:nvSpPr>
@@ -5475,7 +5201,7 @@
       </p:sp>
       <p:sp>
         <p:nvSpPr>
-          <p:cNvPr id="168" name="Save x, an R object, to path, a file path, as:"/>
+          <p:cNvPr id="162" name="Save x, an R object, to path, a file path, as:"/>
           <p:cNvSpPr txBox="1"/>
           <p:nvPr/>
         </p:nvSpPr>
@@ -5553,7 +5279,7 @@
       </p:sp>
       <p:sp>
         <p:nvSpPr>
-          <p:cNvPr id="169" name="Skip lines…"/>
+          <p:cNvPr id="163" name="Skip lines…"/>
           <p:cNvSpPr txBox="1"/>
           <p:nvPr/>
         </p:nvSpPr>
@@ -5775,7 +5501,7 @@
       </p:sp>
       <p:sp>
         <p:nvSpPr>
-          <p:cNvPr id="170" name="Comma Delimited Files…"/>
+          <p:cNvPr id="164" name="Comma Delimited Files…"/>
           <p:cNvSpPr txBox="1"/>
           <p:nvPr/>
         </p:nvSpPr>
@@ -6262,7 +5988,7 @@
       </p:sp>
       <p:grpSp>
         <p:nvGrpSpPr>
-          <p:cNvPr id="175" name="Group"/>
+          <p:cNvPr id="169" name="Group"/>
           <p:cNvGrpSpPr/>
           <p:nvPr/>
         </p:nvGrpSpPr>
@@ -6276,7 +6002,7 @@
         </p:grpSpPr>
         <p:grpSp>
           <p:nvGrpSpPr>
-            <p:cNvPr id="173" name="Group"/>
+            <p:cNvPr id="167" name="Group"/>
             <p:cNvGrpSpPr/>
             <p:nvPr/>
           </p:nvGrpSpPr>
@@ -6290,14 +6016,14 @@
           </p:grpSpPr>
           <p:pic>
             <p:nvPicPr>
-              <p:cNvPr id="171" name="Image" descr="Image"/>
+              <p:cNvPr id="165" name="Image" descr="Image"/>
               <p:cNvPicPr>
                 <a:picLocks noChangeAspect="1"/>
               </p:cNvPicPr>
               <p:nvPr/>
             </p:nvPicPr>
             <p:blipFill>
-              <a:blip r:embed="rId6">
+              <a:blip r:embed="rId2">
                 <a:extLst/>
               </a:blip>
               <a:stretch>
@@ -6327,7 +6053,7 @@
           </p:pic>
           <p:sp>
             <p:nvSpPr>
-              <p:cNvPr id="172" name="Triangle"/>
+              <p:cNvPr id="166" name="Triangle"/>
               <p:cNvSpPr/>
               <p:nvPr/>
             </p:nvSpPr>
@@ -6404,7 +6130,7 @@
         </p:grpSp>
         <p:sp>
           <p:nvSpPr>
-            <p:cNvPr id="174" name="a,b,c…"/>
+            <p:cNvPr id="168" name="a,b,c…"/>
             <p:cNvSpPr txBox="1"/>
             <p:nvPr/>
           </p:nvSpPr>
@@ -6504,7 +6230,7 @@
       </p:grpSp>
       <p:grpSp>
         <p:nvGrpSpPr>
-          <p:cNvPr id="180" name="Group"/>
+          <p:cNvPr id="174" name="Group"/>
           <p:cNvGrpSpPr/>
           <p:nvPr/>
         </p:nvGrpSpPr>
@@ -6518,7 +6244,7 @@
         </p:grpSpPr>
         <p:grpSp>
           <p:nvGrpSpPr>
-            <p:cNvPr id="178" name="Group"/>
+            <p:cNvPr id="172" name="Group"/>
             <p:cNvGrpSpPr/>
             <p:nvPr/>
           </p:nvGrpSpPr>
@@ -6532,14 +6258,14 @@
           </p:grpSpPr>
           <p:pic>
             <p:nvPicPr>
-              <p:cNvPr id="176" name="Image" descr="Image"/>
+              <p:cNvPr id="170" name="Image" descr="Image"/>
               <p:cNvPicPr>
                 <a:picLocks noChangeAspect="1"/>
               </p:cNvPicPr>
               <p:nvPr/>
             </p:nvPicPr>
             <p:blipFill>
-              <a:blip r:embed="rId6">
+              <a:blip r:embed="rId2">
                 <a:extLst/>
               </a:blip>
               <a:stretch>
@@ -6569,7 +6295,7 @@
           </p:pic>
           <p:sp>
             <p:nvSpPr>
-              <p:cNvPr id="177" name="Triangle"/>
+              <p:cNvPr id="171" name="Triangle"/>
               <p:cNvSpPr/>
               <p:nvPr/>
             </p:nvSpPr>
@@ -6646,7 +6372,7 @@
         </p:grpSp>
         <p:sp>
           <p:nvSpPr>
-            <p:cNvPr id="179" name="a;b;c…"/>
+            <p:cNvPr id="173" name="a;b;c…"/>
             <p:cNvSpPr txBox="1"/>
             <p:nvPr/>
           </p:nvSpPr>
@@ -6746,7 +6472,7 @@
       </p:grpSp>
       <p:grpSp>
         <p:nvGrpSpPr>
-          <p:cNvPr id="185" name="Group"/>
+          <p:cNvPr id="179" name="Group"/>
           <p:cNvGrpSpPr/>
           <p:nvPr/>
         </p:nvGrpSpPr>
@@ -6760,7 +6486,7 @@
         </p:grpSpPr>
         <p:grpSp>
           <p:nvGrpSpPr>
-            <p:cNvPr id="183" name="Group"/>
+            <p:cNvPr id="177" name="Group"/>
             <p:cNvGrpSpPr/>
             <p:nvPr/>
           </p:nvGrpSpPr>
@@ -6774,14 +6500,14 @@
           </p:grpSpPr>
           <p:pic>
             <p:nvPicPr>
-              <p:cNvPr id="181" name="Image" descr="Image"/>
+              <p:cNvPr id="175" name="Image" descr="Image"/>
               <p:cNvPicPr>
                 <a:picLocks noChangeAspect="1"/>
               </p:cNvPicPr>
               <p:nvPr/>
             </p:nvPicPr>
             <p:blipFill>
-              <a:blip r:embed="rId6">
+              <a:blip r:embed="rId2">
                 <a:extLst/>
               </a:blip>
               <a:stretch>
@@ -6811,7 +6537,7 @@
           </p:pic>
           <p:sp>
             <p:nvSpPr>
-              <p:cNvPr id="182" name="Triangle"/>
+              <p:cNvPr id="176" name="Triangle"/>
               <p:cNvSpPr/>
               <p:nvPr/>
             </p:nvSpPr>
@@ -6888,7 +6614,7 @@
         </p:grpSp>
         <p:sp>
           <p:nvSpPr>
-            <p:cNvPr id="184" name="a|b|c…"/>
+            <p:cNvPr id="178" name="a|b|c…"/>
             <p:cNvSpPr txBox="1"/>
             <p:nvPr/>
           </p:nvSpPr>
@@ -6988,7 +6714,7 @@
       </p:grpSp>
       <p:grpSp>
         <p:nvGrpSpPr>
-          <p:cNvPr id="190" name="Group"/>
+          <p:cNvPr id="184" name="Group"/>
           <p:cNvGrpSpPr/>
           <p:nvPr/>
         </p:nvGrpSpPr>
@@ -7002,7 +6728,7 @@
         </p:grpSpPr>
         <p:grpSp>
           <p:nvGrpSpPr>
-            <p:cNvPr id="188" name="Group"/>
+            <p:cNvPr id="182" name="Group"/>
             <p:cNvGrpSpPr/>
             <p:nvPr/>
           </p:nvGrpSpPr>
@@ -7016,14 +6742,14 @@
           </p:grpSpPr>
           <p:pic>
             <p:nvPicPr>
-              <p:cNvPr id="186" name="Image" descr="Image"/>
+              <p:cNvPr id="180" name="Image" descr="Image"/>
               <p:cNvPicPr>
                 <a:picLocks noChangeAspect="1"/>
               </p:cNvPicPr>
               <p:nvPr/>
             </p:nvPicPr>
             <p:blipFill>
-              <a:blip r:embed="rId6">
+              <a:blip r:embed="rId2">
                 <a:extLst/>
               </a:blip>
               <a:stretch>
@@ -7053,7 +6779,7 @@
           </p:pic>
           <p:sp>
             <p:nvSpPr>
-              <p:cNvPr id="187" name="Triangle"/>
+              <p:cNvPr id="181" name="Triangle"/>
               <p:cNvSpPr/>
               <p:nvPr/>
             </p:nvSpPr>
@@ -7130,7 +6856,7 @@
         </p:grpSp>
         <p:sp>
           <p:nvSpPr>
-            <p:cNvPr id="189" name="a  b  c…"/>
+            <p:cNvPr id="183" name="a  b  c…"/>
             <p:cNvSpPr txBox="1"/>
             <p:nvPr/>
           </p:nvSpPr>
@@ -7230,7 +6956,7 @@
       </p:grpSp>
       <p:graphicFrame>
         <p:nvGraphicFramePr>
-          <p:cNvPr id="191" name="Table"/>
+          <p:cNvPr id="185" name="Table"/>
           <p:cNvGraphicFramePr/>
           <p:nvPr/>
         </p:nvGraphicFramePr>
@@ -7412,7 +7138,7 @@
       </p:graphicFrame>
       <p:graphicFrame>
         <p:nvGraphicFramePr>
-          <p:cNvPr id="192" name="Table"/>
+          <p:cNvPr id="186" name="Table"/>
           <p:cNvGraphicFramePr/>
           <p:nvPr/>
         </p:nvGraphicFramePr>
@@ -7644,7 +7370,7 @@
       </p:graphicFrame>
       <p:graphicFrame>
         <p:nvGraphicFramePr>
-          <p:cNvPr id="193" name="Table"/>
+          <p:cNvPr id="187" name="Table"/>
           <p:cNvGraphicFramePr/>
           <p:nvPr/>
         </p:nvGraphicFramePr>
@@ -7926,7 +7652,7 @@
       </p:graphicFrame>
       <p:graphicFrame>
         <p:nvGraphicFramePr>
-          <p:cNvPr id="194" name="Table"/>
+          <p:cNvPr id="188" name="Table"/>
           <p:cNvGraphicFramePr/>
           <p:nvPr/>
         </p:nvGraphicFramePr>
@@ -8167,7 +7893,7 @@
       </p:graphicFrame>
       <p:graphicFrame>
         <p:nvGraphicFramePr>
-          <p:cNvPr id="195" name="Table"/>
+          <p:cNvPr id="189" name="Table"/>
           <p:cNvGraphicFramePr/>
           <p:nvPr/>
         </p:nvGraphicFramePr>
@@ -8349,12 +8075,894 @@
       </p:graphicFrame>
       <p:graphicFrame>
         <p:nvGraphicFramePr>
+          <p:cNvPr id="190" name="Table"/>
+          <p:cNvGraphicFramePr/>
+          <p:nvPr/>
+        </p:nvGraphicFramePr>
+        <p:xfrm>
+          <a:off x="5095880" y="2439268"/>
+          <a:ext cx="1188952" cy="1524001"/>
+        </p:xfrm>
+        <a:graphic xmlns:a="http://schemas.openxmlformats.org/drawingml/2006/main">
+          <a:graphicData uri="http://schemas.openxmlformats.org/drawingml/2006/table">
+            <a:tbl>
+              <a:tblPr firstCol="0" firstRow="1" lastCol="0" lastRow="0" bandCol="0" bandRow="0" rtl="0">
+                <a:tableStyleId>{33BA23B1-9221-436E-865A-0063620EA4FD}</a:tableStyleId>
+              </a:tblPr>
+              <a:tblGrid>
+                <a:gridCol w="222840"/>
+                <a:gridCol w="222840"/>
+                <a:gridCol w="222840"/>
+              </a:tblGrid>
+              <a:tr h="160866">
+                <a:tc>
+                  <a:txBody>
+                    <a:bodyPr/>
+                    <a:lstStyle/>
+                    <a:p>
+                      <a:pPr defTabSz="914400">
+                        <a:defRPr b="0">
+                          <a:solidFill>
+                            <a:srgbClr val="000000"/>
+                          </a:solidFill>
+                        </a:defRPr>
+                      </a:pPr>
+                      <a:r>
+                        <a:rPr b="1" sz="900">
+                          <a:solidFill>
+                            <a:srgbClr val="FFFFFF"/>
+                          </a:solidFill>
+                          <a:latin typeface="Helvetica"/>
+                          <a:ea typeface="Helvetica"/>
+                          <a:cs typeface="Helvetica"/>
+                          <a:sym typeface="Helvetica"/>
+                        </a:rPr>
+                        <a:t>A</a:t>
+                      </a:r>
+                    </a:p>
+                  </a:txBody>
+                  <a:tcPr marL="0" marR="0" marT="0" marB="0" anchor="ctr" anchorCtr="0" horzOverflow="overflow">
+                    <a:solidFill>
+                      <a:srgbClr val="797979"/>
+                    </a:solidFill>
+                  </a:tcPr>
+                </a:tc>
+                <a:tc>
+                  <a:txBody>
+                    <a:bodyPr/>
+                    <a:lstStyle/>
+                    <a:p>
+                      <a:pPr defTabSz="914400">
+                        <a:defRPr b="0">
+                          <a:solidFill>
+                            <a:srgbClr val="000000"/>
+                          </a:solidFill>
+                        </a:defRPr>
+                      </a:pPr>
+                      <a:r>
+                        <a:rPr b="1" sz="900">
+                          <a:solidFill>
+                            <a:srgbClr val="FFFFFF"/>
+                          </a:solidFill>
+                          <a:latin typeface="Helvetica"/>
+                          <a:ea typeface="Helvetica"/>
+                          <a:cs typeface="Helvetica"/>
+                          <a:sym typeface="Helvetica"/>
+                        </a:rPr>
+                        <a:t>B</a:t>
+                      </a:r>
+                    </a:p>
+                  </a:txBody>
+                  <a:tcPr marL="0" marR="0" marT="0" marB="0" anchor="ctr" anchorCtr="0" horzOverflow="overflow">
+                    <a:solidFill>
+                      <a:srgbClr val="797979"/>
+                    </a:solidFill>
+                  </a:tcPr>
+                </a:tc>
+                <a:tc>
+                  <a:txBody>
+                    <a:bodyPr/>
+                    <a:lstStyle/>
+                    <a:p>
+                      <a:pPr defTabSz="914400">
+                        <a:defRPr b="0">
+                          <a:solidFill>
+                            <a:srgbClr val="000000"/>
+                          </a:solidFill>
+                        </a:defRPr>
+                      </a:pPr>
+                      <a:r>
+                        <a:rPr b="1" sz="900">
+                          <a:solidFill>
+                            <a:srgbClr val="FFFFFF"/>
+                          </a:solidFill>
+                          <a:latin typeface="Helvetica"/>
+                          <a:ea typeface="Helvetica"/>
+                          <a:cs typeface="Helvetica"/>
+                          <a:sym typeface="Helvetica"/>
+                        </a:rPr>
+                        <a:t>C</a:t>
+                      </a:r>
+                    </a:p>
+                  </a:txBody>
+                  <a:tcPr marL="0" marR="0" marT="0" marB="0" anchor="ctr" anchorCtr="0" horzOverflow="overflow">
+                    <a:solidFill>
+                      <a:srgbClr val="797979"/>
+                    </a:solidFill>
+                  </a:tcPr>
+                </a:tc>
+              </a:tr>
+              <a:tr h="160866">
+                <a:tc>
+                  <a:txBody>
+                    <a:bodyPr/>
+                    <a:lstStyle/>
+                    <a:p>
+                      <a:pPr defTabSz="914400"/>
+                      <a:r>
+                        <a:rPr sz="900">
+                          <a:latin typeface="Helvetica"/>
+                          <a:ea typeface="Helvetica"/>
+                          <a:cs typeface="Helvetica"/>
+                          <a:sym typeface="Helvetica"/>
+                        </a:rPr>
+                        <a:t>1</a:t>
+                      </a:r>
+                    </a:p>
+                  </a:txBody>
+                  <a:tcPr marL="0" marR="0" marT="0" marB="0" anchor="ctr" anchorCtr="0" horzOverflow="overflow"/>
+                </a:tc>
+                <a:tc>
+                  <a:txBody>
+                    <a:bodyPr/>
+                    <a:lstStyle/>
+                    <a:p>
+                      <a:pPr defTabSz="914400"/>
+                      <a:r>
+                        <a:rPr sz="900">
+                          <a:latin typeface="Helvetica"/>
+                          <a:ea typeface="Helvetica"/>
+                          <a:cs typeface="Helvetica"/>
+                          <a:sym typeface="Helvetica"/>
+                        </a:rPr>
+                        <a:t>2</a:t>
+                      </a:r>
+                    </a:p>
+                  </a:txBody>
+                  <a:tcPr marL="0" marR="0" marT="0" marB="0" anchor="ctr" anchorCtr="0" horzOverflow="overflow"/>
+                </a:tc>
+                <a:tc>
+                  <a:txBody>
+                    <a:bodyPr/>
+                    <a:lstStyle/>
+                    <a:p>
+                      <a:pPr defTabSz="914400"/>
+                      <a:r>
+                        <a:rPr sz="900">
+                          <a:latin typeface="Helvetica"/>
+                          <a:ea typeface="Helvetica"/>
+                          <a:cs typeface="Helvetica"/>
+                          <a:sym typeface="Helvetica"/>
+                        </a:rPr>
+                        <a:t>3</a:t>
+                      </a:r>
+                    </a:p>
+                  </a:txBody>
+                  <a:tcPr marL="0" marR="0" marT="0" marB="0" anchor="ctr" anchorCtr="0" horzOverflow="overflow"/>
+                </a:tc>
+              </a:tr>
+              <a:tr h="160866">
+                <a:tc>
+                  <a:txBody>
+                    <a:bodyPr/>
+                    <a:lstStyle/>
+                    <a:p>
+                      <a:pPr defTabSz="914400"/>
+                      <a:r>
+                        <a:rPr sz="900">
+                          <a:latin typeface="Helvetica"/>
+                          <a:ea typeface="Helvetica"/>
+                          <a:cs typeface="Helvetica"/>
+                          <a:sym typeface="Helvetica"/>
+                        </a:rPr>
+                        <a:t>4</a:t>
+                      </a:r>
+                    </a:p>
+                  </a:txBody>
+                  <a:tcPr marL="0" marR="0" marT="0" marB="0" anchor="ctr" anchorCtr="0" horzOverflow="overflow"/>
+                </a:tc>
+                <a:tc>
+                  <a:txBody>
+                    <a:bodyPr/>
+                    <a:lstStyle/>
+                    <a:p>
+                      <a:pPr defTabSz="914400"/>
+                      <a:r>
+                        <a:rPr sz="900">
+                          <a:latin typeface="Helvetica"/>
+                          <a:ea typeface="Helvetica"/>
+                          <a:cs typeface="Helvetica"/>
+                          <a:sym typeface="Helvetica"/>
+                        </a:rPr>
+                        <a:t>5</a:t>
+                      </a:r>
+                    </a:p>
+                  </a:txBody>
+                  <a:tcPr marL="0" marR="0" marT="0" marB="0" anchor="ctr" anchorCtr="0" horzOverflow="overflow"/>
+                </a:tc>
+                <a:tc>
+                  <a:txBody>
+                    <a:bodyPr/>
+                    <a:lstStyle/>
+                    <a:p>
+                      <a:pPr defTabSz="914400"/>
+                      <a:r>
+                        <a:rPr sz="900">
+                          <a:latin typeface="Helvetica"/>
+                          <a:ea typeface="Helvetica"/>
+                          <a:cs typeface="Helvetica"/>
+                          <a:sym typeface="Helvetica"/>
+                        </a:rPr>
+                        <a:t>NA</a:t>
+                      </a:r>
+                    </a:p>
+                  </a:txBody>
+                  <a:tcPr marL="0" marR="0" marT="0" marB="0" anchor="ctr" anchorCtr="0" horzOverflow="overflow"/>
+                </a:tc>
+              </a:tr>
+            </a:tbl>
+          </a:graphicData>
+        </a:graphic>
+      </p:graphicFrame>
+      <p:sp>
+        <p:nvSpPr>
+          <p:cNvPr id="191" name="Line"/>
+          <p:cNvSpPr/>
+          <p:nvPr/>
+        </p:nvSpPr>
+        <p:spPr>
+          <a:xfrm>
+            <a:off x="4628162" y="2737718"/>
+            <a:ext cx="333334" cy="1"/>
+          </a:xfrm>
+          <a:prstGeom prst="line">
+            <a:avLst/>
+          </a:prstGeom>
+          <a:ln w="25400">
+            <a:solidFill>
+              <a:srgbClr val="53585F"/>
+            </a:solidFill>
+            <a:miter lim="400000"/>
+            <a:tailEnd type="stealth"/>
+          </a:ln>
+        </p:spPr>
+        <p:txBody>
+          <a:bodyPr lIns="0" tIns="0" rIns="0" bIns="0"/>
+          <a:lstStyle/>
+          <a:p>
+            <a:pPr>
+              <a:lnSpc>
+                <a:spcPct val="80000"/>
+              </a:lnSpc>
+              <a:spcBef>
+                <a:spcPts val="0"/>
+              </a:spcBef>
+              <a:defRPr b="0" sz="5600">
+                <a:solidFill>
+                  <a:srgbClr val="000000"/>
+                </a:solidFill>
+                <a:effectLst>
+                  <a:outerShdw sx="100000" sy="100000" kx="0" ky="0" algn="b" rotWithShape="0" blurRad="38100" dist="12700" dir="5400000">
+                    <a:srgbClr val="000000">
+                      <a:alpha val="50000"/>
+                    </a:srgbClr>
+                  </a:outerShdw>
+                </a:effectLst>
+                <a:latin typeface="Gill Sans"/>
+                <a:ea typeface="Gill Sans"/>
+                <a:cs typeface="Gill Sans"/>
+                <a:sym typeface="Gill Sans"/>
+              </a:defRPr>
+            </a:pPr>
+          </a:p>
+        </p:txBody>
+      </p:sp>
+      <p:graphicFrame>
+        <p:nvGraphicFramePr>
+          <p:cNvPr id="192" name="Table"/>
+          <p:cNvGraphicFramePr/>
+          <p:nvPr/>
+        </p:nvGraphicFramePr>
+        <p:xfrm>
+          <a:off x="5095880" y="3259057"/>
+          <a:ext cx="1188952" cy="1524001"/>
+        </p:xfrm>
+        <a:graphic xmlns:a="http://schemas.openxmlformats.org/drawingml/2006/main">
+          <a:graphicData uri="http://schemas.openxmlformats.org/drawingml/2006/table">
+            <a:tbl>
+              <a:tblPr firstCol="0" firstRow="1" lastCol="0" lastRow="0" bandCol="0" bandRow="0" rtl="0">
+                <a:tableStyleId>{33BA23B1-9221-436E-865A-0063620EA4FD}</a:tableStyleId>
+              </a:tblPr>
+              <a:tblGrid>
+                <a:gridCol w="222840"/>
+                <a:gridCol w="222840"/>
+                <a:gridCol w="222840"/>
+              </a:tblGrid>
+              <a:tr h="160866">
+                <a:tc>
+                  <a:txBody>
+                    <a:bodyPr/>
+                    <a:lstStyle/>
+                    <a:p>
+                      <a:pPr defTabSz="914400">
+                        <a:defRPr b="0">
+                          <a:solidFill>
+                            <a:srgbClr val="000000"/>
+                          </a:solidFill>
+                        </a:defRPr>
+                      </a:pPr>
+                      <a:r>
+                        <a:rPr b="1" sz="900">
+                          <a:solidFill>
+                            <a:srgbClr val="FFFFFF"/>
+                          </a:solidFill>
+                          <a:latin typeface="Helvetica"/>
+                          <a:ea typeface="Helvetica"/>
+                          <a:cs typeface="Helvetica"/>
+                          <a:sym typeface="Helvetica"/>
+                        </a:rPr>
+                        <a:t>A</a:t>
+                      </a:r>
+                    </a:p>
+                  </a:txBody>
+                  <a:tcPr marL="0" marR="0" marT="0" marB="0" anchor="ctr" anchorCtr="0" horzOverflow="overflow">
+                    <a:solidFill>
+                      <a:srgbClr val="797979"/>
+                    </a:solidFill>
+                  </a:tcPr>
+                </a:tc>
+                <a:tc>
+                  <a:txBody>
+                    <a:bodyPr/>
+                    <a:lstStyle/>
+                    <a:p>
+                      <a:pPr defTabSz="914400">
+                        <a:defRPr b="0">
+                          <a:solidFill>
+                            <a:srgbClr val="000000"/>
+                          </a:solidFill>
+                        </a:defRPr>
+                      </a:pPr>
+                      <a:r>
+                        <a:rPr b="1" sz="900">
+                          <a:solidFill>
+                            <a:srgbClr val="FFFFFF"/>
+                          </a:solidFill>
+                          <a:latin typeface="Helvetica"/>
+                          <a:ea typeface="Helvetica"/>
+                          <a:cs typeface="Helvetica"/>
+                          <a:sym typeface="Helvetica"/>
+                        </a:rPr>
+                        <a:t>B</a:t>
+                      </a:r>
+                    </a:p>
+                  </a:txBody>
+                  <a:tcPr marL="0" marR="0" marT="0" marB="0" anchor="ctr" anchorCtr="0" horzOverflow="overflow">
+                    <a:solidFill>
+                      <a:srgbClr val="797979"/>
+                    </a:solidFill>
+                  </a:tcPr>
+                </a:tc>
+                <a:tc>
+                  <a:txBody>
+                    <a:bodyPr/>
+                    <a:lstStyle/>
+                    <a:p>
+                      <a:pPr defTabSz="914400">
+                        <a:defRPr b="0">
+                          <a:solidFill>
+                            <a:srgbClr val="000000"/>
+                          </a:solidFill>
+                        </a:defRPr>
+                      </a:pPr>
+                      <a:r>
+                        <a:rPr b="1" sz="900">
+                          <a:solidFill>
+                            <a:srgbClr val="FFFFFF"/>
+                          </a:solidFill>
+                          <a:latin typeface="Helvetica"/>
+                          <a:ea typeface="Helvetica"/>
+                          <a:cs typeface="Helvetica"/>
+                          <a:sym typeface="Helvetica"/>
+                        </a:rPr>
+                        <a:t>C</a:t>
+                      </a:r>
+                    </a:p>
+                  </a:txBody>
+                  <a:tcPr marL="0" marR="0" marT="0" marB="0" anchor="ctr" anchorCtr="0" horzOverflow="overflow">
+                    <a:solidFill>
+                      <a:srgbClr val="797979"/>
+                    </a:solidFill>
+                  </a:tcPr>
+                </a:tc>
+              </a:tr>
+              <a:tr h="160866">
+                <a:tc>
+                  <a:txBody>
+                    <a:bodyPr/>
+                    <a:lstStyle/>
+                    <a:p>
+                      <a:pPr defTabSz="914400"/>
+                      <a:r>
+                        <a:rPr sz="900">
+                          <a:latin typeface="Helvetica"/>
+                          <a:ea typeface="Helvetica"/>
+                          <a:cs typeface="Helvetica"/>
+                          <a:sym typeface="Helvetica"/>
+                        </a:rPr>
+                        <a:t>1</a:t>
+                      </a:r>
+                    </a:p>
+                  </a:txBody>
+                  <a:tcPr marL="0" marR="0" marT="0" marB="0" anchor="ctr" anchorCtr="0" horzOverflow="overflow"/>
+                </a:tc>
+                <a:tc>
+                  <a:txBody>
+                    <a:bodyPr/>
+                    <a:lstStyle/>
+                    <a:p>
+                      <a:pPr defTabSz="914400"/>
+                      <a:r>
+                        <a:rPr sz="900">
+                          <a:latin typeface="Helvetica"/>
+                          <a:ea typeface="Helvetica"/>
+                          <a:cs typeface="Helvetica"/>
+                          <a:sym typeface="Helvetica"/>
+                        </a:rPr>
+                        <a:t>2</a:t>
+                      </a:r>
+                    </a:p>
+                  </a:txBody>
+                  <a:tcPr marL="0" marR="0" marT="0" marB="0" anchor="ctr" anchorCtr="0" horzOverflow="overflow"/>
+                </a:tc>
+                <a:tc>
+                  <a:txBody>
+                    <a:bodyPr/>
+                    <a:lstStyle/>
+                    <a:p>
+                      <a:pPr defTabSz="914400"/>
+                      <a:r>
+                        <a:rPr sz="900">
+                          <a:latin typeface="Helvetica"/>
+                          <a:ea typeface="Helvetica"/>
+                          <a:cs typeface="Helvetica"/>
+                          <a:sym typeface="Helvetica"/>
+                        </a:rPr>
+                        <a:t>3</a:t>
+                      </a:r>
+                    </a:p>
+                  </a:txBody>
+                  <a:tcPr marL="0" marR="0" marT="0" marB="0" anchor="ctr" anchorCtr="0" horzOverflow="overflow"/>
+                </a:tc>
+              </a:tr>
+              <a:tr h="160866">
+                <a:tc>
+                  <a:txBody>
+                    <a:bodyPr/>
+                    <a:lstStyle/>
+                    <a:p>
+                      <a:pPr defTabSz="914400"/>
+                      <a:r>
+                        <a:rPr sz="900">
+                          <a:latin typeface="Helvetica"/>
+                          <a:ea typeface="Helvetica"/>
+                          <a:cs typeface="Helvetica"/>
+                          <a:sym typeface="Helvetica"/>
+                        </a:rPr>
+                        <a:t>4</a:t>
+                      </a:r>
+                    </a:p>
+                  </a:txBody>
+                  <a:tcPr marL="0" marR="0" marT="0" marB="0" anchor="ctr" anchorCtr="0" horzOverflow="overflow"/>
+                </a:tc>
+                <a:tc>
+                  <a:txBody>
+                    <a:bodyPr/>
+                    <a:lstStyle/>
+                    <a:p>
+                      <a:pPr defTabSz="914400"/>
+                      <a:r>
+                        <a:rPr sz="900">
+                          <a:latin typeface="Helvetica"/>
+                          <a:ea typeface="Helvetica"/>
+                          <a:cs typeface="Helvetica"/>
+                          <a:sym typeface="Helvetica"/>
+                        </a:rPr>
+                        <a:t>5</a:t>
+                      </a:r>
+                    </a:p>
+                  </a:txBody>
+                  <a:tcPr marL="0" marR="0" marT="0" marB="0" anchor="ctr" anchorCtr="0" horzOverflow="overflow"/>
+                </a:tc>
+                <a:tc>
+                  <a:txBody>
+                    <a:bodyPr/>
+                    <a:lstStyle/>
+                    <a:p>
+                      <a:pPr defTabSz="914400"/>
+                      <a:r>
+                        <a:rPr sz="900">
+                          <a:latin typeface="Helvetica"/>
+                          <a:ea typeface="Helvetica"/>
+                          <a:cs typeface="Helvetica"/>
+                          <a:sym typeface="Helvetica"/>
+                        </a:rPr>
+                        <a:t>NA</a:t>
+                      </a:r>
+                    </a:p>
+                  </a:txBody>
+                  <a:tcPr marL="0" marR="0" marT="0" marB="0" anchor="ctr" anchorCtr="0" horzOverflow="overflow"/>
+                </a:tc>
+              </a:tr>
+            </a:tbl>
+          </a:graphicData>
+        </a:graphic>
+      </p:graphicFrame>
+      <p:sp>
+        <p:nvSpPr>
+          <p:cNvPr id="193" name="Line"/>
+          <p:cNvSpPr/>
+          <p:nvPr/>
+        </p:nvSpPr>
+        <p:spPr>
+          <a:xfrm>
+            <a:off x="4628162" y="3557507"/>
+            <a:ext cx="333334" cy="1"/>
+          </a:xfrm>
+          <a:prstGeom prst="line">
+            <a:avLst/>
+          </a:prstGeom>
+          <a:ln w="25400">
+            <a:solidFill>
+              <a:srgbClr val="53585F"/>
+            </a:solidFill>
+            <a:miter lim="400000"/>
+            <a:tailEnd type="stealth"/>
+          </a:ln>
+        </p:spPr>
+        <p:txBody>
+          <a:bodyPr lIns="0" tIns="0" rIns="0" bIns="0"/>
+          <a:lstStyle/>
+          <a:p>
+            <a:pPr>
+              <a:lnSpc>
+                <a:spcPct val="80000"/>
+              </a:lnSpc>
+              <a:spcBef>
+                <a:spcPts val="0"/>
+              </a:spcBef>
+              <a:defRPr b="0" sz="5600">
+                <a:solidFill>
+                  <a:srgbClr val="000000"/>
+                </a:solidFill>
+                <a:effectLst>
+                  <a:outerShdw sx="100000" sy="100000" kx="0" ky="0" algn="b" rotWithShape="0" blurRad="38100" dist="12700" dir="5400000">
+                    <a:srgbClr val="000000">
+                      <a:alpha val="50000"/>
+                    </a:srgbClr>
+                  </a:outerShdw>
+                </a:effectLst>
+                <a:latin typeface="Gill Sans"/>
+                <a:ea typeface="Gill Sans"/>
+                <a:cs typeface="Gill Sans"/>
+                <a:sym typeface="Gill Sans"/>
+              </a:defRPr>
+            </a:pPr>
+          </a:p>
+        </p:txBody>
+      </p:sp>
+      <p:graphicFrame>
+        <p:nvGraphicFramePr>
+          <p:cNvPr id="194" name="Table"/>
+          <p:cNvGraphicFramePr/>
+          <p:nvPr/>
+        </p:nvGraphicFramePr>
+        <p:xfrm>
+          <a:off x="5095880" y="4078846"/>
+          <a:ext cx="1188952" cy="1524001"/>
+        </p:xfrm>
+        <a:graphic xmlns:a="http://schemas.openxmlformats.org/drawingml/2006/main">
+          <a:graphicData uri="http://schemas.openxmlformats.org/drawingml/2006/table">
+            <a:tbl>
+              <a:tblPr firstCol="0" firstRow="1" lastCol="0" lastRow="0" bandCol="0" bandRow="0" rtl="0">
+                <a:tableStyleId>{33BA23B1-9221-436E-865A-0063620EA4FD}</a:tableStyleId>
+              </a:tblPr>
+              <a:tblGrid>
+                <a:gridCol w="222840"/>
+                <a:gridCol w="222840"/>
+                <a:gridCol w="222840"/>
+              </a:tblGrid>
+              <a:tr h="160866">
+                <a:tc>
+                  <a:txBody>
+                    <a:bodyPr/>
+                    <a:lstStyle/>
+                    <a:p>
+                      <a:pPr defTabSz="914400">
+                        <a:defRPr b="0">
+                          <a:solidFill>
+                            <a:srgbClr val="000000"/>
+                          </a:solidFill>
+                        </a:defRPr>
+                      </a:pPr>
+                      <a:r>
+                        <a:rPr b="1" sz="900">
+                          <a:solidFill>
+                            <a:srgbClr val="FFFFFF"/>
+                          </a:solidFill>
+                          <a:latin typeface="Helvetica"/>
+                          <a:ea typeface="Helvetica"/>
+                          <a:cs typeface="Helvetica"/>
+                          <a:sym typeface="Helvetica"/>
+                        </a:rPr>
+                        <a:t>A</a:t>
+                      </a:r>
+                    </a:p>
+                  </a:txBody>
+                  <a:tcPr marL="0" marR="0" marT="0" marB="0" anchor="ctr" anchorCtr="0" horzOverflow="overflow">
+                    <a:solidFill>
+                      <a:srgbClr val="797979"/>
+                    </a:solidFill>
+                  </a:tcPr>
+                </a:tc>
+                <a:tc>
+                  <a:txBody>
+                    <a:bodyPr/>
+                    <a:lstStyle/>
+                    <a:p>
+                      <a:pPr defTabSz="914400">
+                        <a:defRPr b="0">
+                          <a:solidFill>
+                            <a:srgbClr val="000000"/>
+                          </a:solidFill>
+                        </a:defRPr>
+                      </a:pPr>
+                      <a:r>
+                        <a:rPr b="1" sz="900">
+                          <a:solidFill>
+                            <a:srgbClr val="FFFFFF"/>
+                          </a:solidFill>
+                          <a:latin typeface="Helvetica"/>
+                          <a:ea typeface="Helvetica"/>
+                          <a:cs typeface="Helvetica"/>
+                          <a:sym typeface="Helvetica"/>
+                        </a:rPr>
+                        <a:t>B</a:t>
+                      </a:r>
+                    </a:p>
+                  </a:txBody>
+                  <a:tcPr marL="0" marR="0" marT="0" marB="0" anchor="ctr" anchorCtr="0" horzOverflow="overflow">
+                    <a:solidFill>
+                      <a:srgbClr val="797979"/>
+                    </a:solidFill>
+                  </a:tcPr>
+                </a:tc>
+                <a:tc>
+                  <a:txBody>
+                    <a:bodyPr/>
+                    <a:lstStyle/>
+                    <a:p>
+                      <a:pPr defTabSz="914400">
+                        <a:defRPr b="0">
+                          <a:solidFill>
+                            <a:srgbClr val="000000"/>
+                          </a:solidFill>
+                        </a:defRPr>
+                      </a:pPr>
+                      <a:r>
+                        <a:rPr b="1" sz="900">
+                          <a:solidFill>
+                            <a:srgbClr val="FFFFFF"/>
+                          </a:solidFill>
+                          <a:latin typeface="Helvetica"/>
+                          <a:ea typeface="Helvetica"/>
+                          <a:cs typeface="Helvetica"/>
+                          <a:sym typeface="Helvetica"/>
+                        </a:rPr>
+                        <a:t>C</a:t>
+                      </a:r>
+                    </a:p>
+                  </a:txBody>
+                  <a:tcPr marL="0" marR="0" marT="0" marB="0" anchor="ctr" anchorCtr="0" horzOverflow="overflow">
+                    <a:solidFill>
+                      <a:srgbClr val="797979"/>
+                    </a:solidFill>
+                  </a:tcPr>
+                </a:tc>
+              </a:tr>
+              <a:tr h="160866">
+                <a:tc>
+                  <a:txBody>
+                    <a:bodyPr/>
+                    <a:lstStyle/>
+                    <a:p>
+                      <a:pPr defTabSz="914400"/>
+                      <a:r>
+                        <a:rPr sz="900">
+                          <a:latin typeface="Helvetica"/>
+                          <a:ea typeface="Helvetica"/>
+                          <a:cs typeface="Helvetica"/>
+                          <a:sym typeface="Helvetica"/>
+                        </a:rPr>
+                        <a:t>1</a:t>
+                      </a:r>
+                    </a:p>
+                  </a:txBody>
+                  <a:tcPr marL="0" marR="0" marT="0" marB="0" anchor="ctr" anchorCtr="0" horzOverflow="overflow"/>
+                </a:tc>
+                <a:tc>
+                  <a:txBody>
+                    <a:bodyPr/>
+                    <a:lstStyle/>
+                    <a:p>
+                      <a:pPr defTabSz="914400"/>
+                      <a:r>
+                        <a:rPr sz="900">
+                          <a:latin typeface="Helvetica"/>
+                          <a:ea typeface="Helvetica"/>
+                          <a:cs typeface="Helvetica"/>
+                          <a:sym typeface="Helvetica"/>
+                        </a:rPr>
+                        <a:t>2</a:t>
+                      </a:r>
+                    </a:p>
+                  </a:txBody>
+                  <a:tcPr marL="0" marR="0" marT="0" marB="0" anchor="ctr" anchorCtr="0" horzOverflow="overflow"/>
+                </a:tc>
+                <a:tc>
+                  <a:txBody>
+                    <a:bodyPr/>
+                    <a:lstStyle/>
+                    <a:p>
+                      <a:pPr defTabSz="914400"/>
+                      <a:r>
+                        <a:rPr sz="900">
+                          <a:latin typeface="Helvetica"/>
+                          <a:ea typeface="Helvetica"/>
+                          <a:cs typeface="Helvetica"/>
+                          <a:sym typeface="Helvetica"/>
+                        </a:rPr>
+                        <a:t>3</a:t>
+                      </a:r>
+                    </a:p>
+                  </a:txBody>
+                  <a:tcPr marL="0" marR="0" marT="0" marB="0" anchor="ctr" anchorCtr="0" horzOverflow="overflow"/>
+                </a:tc>
+              </a:tr>
+              <a:tr h="160866">
+                <a:tc>
+                  <a:txBody>
+                    <a:bodyPr/>
+                    <a:lstStyle/>
+                    <a:p>
+                      <a:pPr defTabSz="914400"/>
+                      <a:r>
+                        <a:rPr sz="900">
+                          <a:latin typeface="Helvetica"/>
+                          <a:ea typeface="Helvetica"/>
+                          <a:cs typeface="Helvetica"/>
+                          <a:sym typeface="Helvetica"/>
+                        </a:rPr>
+                        <a:t>4</a:t>
+                      </a:r>
+                    </a:p>
+                  </a:txBody>
+                  <a:tcPr marL="0" marR="0" marT="0" marB="0" anchor="ctr" anchorCtr="0" horzOverflow="overflow"/>
+                </a:tc>
+                <a:tc>
+                  <a:txBody>
+                    <a:bodyPr/>
+                    <a:lstStyle/>
+                    <a:p>
+                      <a:pPr defTabSz="914400"/>
+                      <a:r>
+                        <a:rPr sz="900">
+                          <a:latin typeface="Helvetica"/>
+                          <a:ea typeface="Helvetica"/>
+                          <a:cs typeface="Helvetica"/>
+                          <a:sym typeface="Helvetica"/>
+                        </a:rPr>
+                        <a:t>5</a:t>
+                      </a:r>
+                    </a:p>
+                  </a:txBody>
+                  <a:tcPr marL="0" marR="0" marT="0" marB="0" anchor="ctr" anchorCtr="0" horzOverflow="overflow"/>
+                </a:tc>
+                <a:tc>
+                  <a:txBody>
+                    <a:bodyPr/>
+                    <a:lstStyle/>
+                    <a:p>
+                      <a:pPr defTabSz="914400"/>
+                      <a:r>
+                        <a:rPr sz="900">
+                          <a:latin typeface="Helvetica"/>
+                          <a:ea typeface="Helvetica"/>
+                          <a:cs typeface="Helvetica"/>
+                          <a:sym typeface="Helvetica"/>
+                        </a:rPr>
+                        <a:t>NA</a:t>
+                      </a:r>
+                    </a:p>
+                  </a:txBody>
+                  <a:tcPr marL="0" marR="0" marT="0" marB="0" anchor="ctr" anchorCtr="0" horzOverflow="overflow"/>
+                </a:tc>
+              </a:tr>
+            </a:tbl>
+          </a:graphicData>
+        </a:graphic>
+      </p:graphicFrame>
+      <p:sp>
+        <p:nvSpPr>
+          <p:cNvPr id="195" name="Line"/>
+          <p:cNvSpPr/>
+          <p:nvPr/>
+        </p:nvSpPr>
+        <p:spPr>
+          <a:xfrm>
+            <a:off x="4628162" y="4377296"/>
+            <a:ext cx="333334" cy="1"/>
+          </a:xfrm>
+          <a:prstGeom prst="line">
+            <a:avLst/>
+          </a:prstGeom>
+          <a:ln w="25400">
+            <a:solidFill>
+              <a:srgbClr val="53585F"/>
+            </a:solidFill>
+            <a:miter lim="400000"/>
+            <a:tailEnd type="stealth"/>
+          </a:ln>
+        </p:spPr>
+        <p:txBody>
+          <a:bodyPr lIns="0" tIns="0" rIns="0" bIns="0"/>
+          <a:lstStyle/>
+          <a:p>
+            <a:pPr>
+              <a:lnSpc>
+                <a:spcPct val="80000"/>
+              </a:lnSpc>
+              <a:spcBef>
+                <a:spcPts val="0"/>
+              </a:spcBef>
+              <a:defRPr b="0" sz="5600">
+                <a:solidFill>
+                  <a:srgbClr val="000000"/>
+                </a:solidFill>
+                <a:effectLst>
+                  <a:outerShdw sx="100000" sy="100000" kx="0" ky="0" algn="b" rotWithShape="0" blurRad="38100" dist="12700" dir="5400000">
+                    <a:srgbClr val="000000">
+                      <a:alpha val="50000"/>
+                    </a:srgbClr>
+                  </a:outerShdw>
+                </a:effectLst>
+                <a:latin typeface="Gill Sans"/>
+                <a:ea typeface="Gill Sans"/>
+                <a:cs typeface="Gill Sans"/>
+                <a:sym typeface="Gill Sans"/>
+              </a:defRPr>
+            </a:pPr>
+          </a:p>
+        </p:txBody>
+      </p:sp>
+      <p:graphicFrame>
+        <p:nvGraphicFramePr>
           <p:cNvPr id="196" name="Table"/>
           <p:cNvGraphicFramePr/>
           <p:nvPr/>
         </p:nvGraphicFramePr>
         <p:xfrm>
-          <a:off x="5095880" y="2439268"/>
+          <a:off x="5095880" y="4898635"/>
           <a:ext cx="1188952" cy="1524001"/>
         </p:xfrm>
         <a:graphic xmlns:a="http://schemas.openxmlformats.org/drawingml/2006/main">
@@ -8596,888 +9204,6 @@
         </p:nvSpPr>
         <p:spPr>
           <a:xfrm>
-            <a:off x="4628162" y="2737718"/>
-            <a:ext cx="333334" cy="1"/>
-          </a:xfrm>
-          <a:prstGeom prst="line">
-            <a:avLst/>
-          </a:prstGeom>
-          <a:ln w="25400">
-            <a:solidFill>
-              <a:srgbClr val="53585F"/>
-            </a:solidFill>
-            <a:miter lim="400000"/>
-            <a:tailEnd type="stealth"/>
-          </a:ln>
-        </p:spPr>
-        <p:txBody>
-          <a:bodyPr lIns="0" tIns="0" rIns="0" bIns="0"/>
-          <a:lstStyle/>
-          <a:p>
-            <a:pPr>
-              <a:lnSpc>
-                <a:spcPct val="80000"/>
-              </a:lnSpc>
-              <a:spcBef>
-                <a:spcPts val="0"/>
-              </a:spcBef>
-              <a:defRPr b="0" sz="5600">
-                <a:solidFill>
-                  <a:srgbClr val="000000"/>
-                </a:solidFill>
-                <a:effectLst>
-                  <a:outerShdw sx="100000" sy="100000" kx="0" ky="0" algn="b" rotWithShape="0" blurRad="38100" dist="12700" dir="5400000">
-                    <a:srgbClr val="000000">
-                      <a:alpha val="50000"/>
-                    </a:srgbClr>
-                  </a:outerShdw>
-                </a:effectLst>
-                <a:latin typeface="Gill Sans"/>
-                <a:ea typeface="Gill Sans"/>
-                <a:cs typeface="Gill Sans"/>
-                <a:sym typeface="Gill Sans"/>
-              </a:defRPr>
-            </a:pPr>
-          </a:p>
-        </p:txBody>
-      </p:sp>
-      <p:graphicFrame>
-        <p:nvGraphicFramePr>
-          <p:cNvPr id="198" name="Table"/>
-          <p:cNvGraphicFramePr/>
-          <p:nvPr/>
-        </p:nvGraphicFramePr>
-        <p:xfrm>
-          <a:off x="5095880" y="3259057"/>
-          <a:ext cx="1188952" cy="1524001"/>
-        </p:xfrm>
-        <a:graphic xmlns:a="http://schemas.openxmlformats.org/drawingml/2006/main">
-          <a:graphicData uri="http://schemas.openxmlformats.org/drawingml/2006/table">
-            <a:tbl>
-              <a:tblPr firstCol="0" firstRow="1" lastCol="0" lastRow="0" bandCol="0" bandRow="0" rtl="0">
-                <a:tableStyleId>{33BA23B1-9221-436E-865A-0063620EA4FD}</a:tableStyleId>
-              </a:tblPr>
-              <a:tblGrid>
-                <a:gridCol w="222840"/>
-                <a:gridCol w="222840"/>
-                <a:gridCol w="222840"/>
-              </a:tblGrid>
-              <a:tr h="160866">
-                <a:tc>
-                  <a:txBody>
-                    <a:bodyPr/>
-                    <a:lstStyle/>
-                    <a:p>
-                      <a:pPr defTabSz="914400">
-                        <a:defRPr b="0">
-                          <a:solidFill>
-                            <a:srgbClr val="000000"/>
-                          </a:solidFill>
-                        </a:defRPr>
-                      </a:pPr>
-                      <a:r>
-                        <a:rPr b="1" sz="900">
-                          <a:solidFill>
-                            <a:srgbClr val="FFFFFF"/>
-                          </a:solidFill>
-                          <a:latin typeface="Helvetica"/>
-                          <a:ea typeface="Helvetica"/>
-                          <a:cs typeface="Helvetica"/>
-                          <a:sym typeface="Helvetica"/>
-                        </a:rPr>
-                        <a:t>A</a:t>
-                      </a:r>
-                    </a:p>
-                  </a:txBody>
-                  <a:tcPr marL="0" marR="0" marT="0" marB="0" anchor="ctr" anchorCtr="0" horzOverflow="overflow">
-                    <a:solidFill>
-                      <a:srgbClr val="797979"/>
-                    </a:solidFill>
-                  </a:tcPr>
-                </a:tc>
-                <a:tc>
-                  <a:txBody>
-                    <a:bodyPr/>
-                    <a:lstStyle/>
-                    <a:p>
-                      <a:pPr defTabSz="914400">
-                        <a:defRPr b="0">
-                          <a:solidFill>
-                            <a:srgbClr val="000000"/>
-                          </a:solidFill>
-                        </a:defRPr>
-                      </a:pPr>
-                      <a:r>
-                        <a:rPr b="1" sz="900">
-                          <a:solidFill>
-                            <a:srgbClr val="FFFFFF"/>
-                          </a:solidFill>
-                          <a:latin typeface="Helvetica"/>
-                          <a:ea typeface="Helvetica"/>
-                          <a:cs typeface="Helvetica"/>
-                          <a:sym typeface="Helvetica"/>
-                        </a:rPr>
-                        <a:t>B</a:t>
-                      </a:r>
-                    </a:p>
-                  </a:txBody>
-                  <a:tcPr marL="0" marR="0" marT="0" marB="0" anchor="ctr" anchorCtr="0" horzOverflow="overflow">
-                    <a:solidFill>
-                      <a:srgbClr val="797979"/>
-                    </a:solidFill>
-                  </a:tcPr>
-                </a:tc>
-                <a:tc>
-                  <a:txBody>
-                    <a:bodyPr/>
-                    <a:lstStyle/>
-                    <a:p>
-                      <a:pPr defTabSz="914400">
-                        <a:defRPr b="0">
-                          <a:solidFill>
-                            <a:srgbClr val="000000"/>
-                          </a:solidFill>
-                        </a:defRPr>
-                      </a:pPr>
-                      <a:r>
-                        <a:rPr b="1" sz="900">
-                          <a:solidFill>
-                            <a:srgbClr val="FFFFFF"/>
-                          </a:solidFill>
-                          <a:latin typeface="Helvetica"/>
-                          <a:ea typeface="Helvetica"/>
-                          <a:cs typeface="Helvetica"/>
-                          <a:sym typeface="Helvetica"/>
-                        </a:rPr>
-                        <a:t>C</a:t>
-                      </a:r>
-                    </a:p>
-                  </a:txBody>
-                  <a:tcPr marL="0" marR="0" marT="0" marB="0" anchor="ctr" anchorCtr="0" horzOverflow="overflow">
-                    <a:solidFill>
-                      <a:srgbClr val="797979"/>
-                    </a:solidFill>
-                  </a:tcPr>
-                </a:tc>
-              </a:tr>
-              <a:tr h="160866">
-                <a:tc>
-                  <a:txBody>
-                    <a:bodyPr/>
-                    <a:lstStyle/>
-                    <a:p>
-                      <a:pPr defTabSz="914400"/>
-                      <a:r>
-                        <a:rPr sz="900">
-                          <a:latin typeface="Helvetica"/>
-                          <a:ea typeface="Helvetica"/>
-                          <a:cs typeface="Helvetica"/>
-                          <a:sym typeface="Helvetica"/>
-                        </a:rPr>
-                        <a:t>1</a:t>
-                      </a:r>
-                    </a:p>
-                  </a:txBody>
-                  <a:tcPr marL="0" marR="0" marT="0" marB="0" anchor="ctr" anchorCtr="0" horzOverflow="overflow"/>
-                </a:tc>
-                <a:tc>
-                  <a:txBody>
-                    <a:bodyPr/>
-                    <a:lstStyle/>
-                    <a:p>
-                      <a:pPr defTabSz="914400"/>
-                      <a:r>
-                        <a:rPr sz="900">
-                          <a:latin typeface="Helvetica"/>
-                          <a:ea typeface="Helvetica"/>
-                          <a:cs typeface="Helvetica"/>
-                          <a:sym typeface="Helvetica"/>
-                        </a:rPr>
-                        <a:t>2</a:t>
-                      </a:r>
-                    </a:p>
-                  </a:txBody>
-                  <a:tcPr marL="0" marR="0" marT="0" marB="0" anchor="ctr" anchorCtr="0" horzOverflow="overflow"/>
-                </a:tc>
-                <a:tc>
-                  <a:txBody>
-                    <a:bodyPr/>
-                    <a:lstStyle/>
-                    <a:p>
-                      <a:pPr defTabSz="914400"/>
-                      <a:r>
-                        <a:rPr sz="900">
-                          <a:latin typeface="Helvetica"/>
-                          <a:ea typeface="Helvetica"/>
-                          <a:cs typeface="Helvetica"/>
-                          <a:sym typeface="Helvetica"/>
-                        </a:rPr>
-                        <a:t>3</a:t>
-                      </a:r>
-                    </a:p>
-                  </a:txBody>
-                  <a:tcPr marL="0" marR="0" marT="0" marB="0" anchor="ctr" anchorCtr="0" horzOverflow="overflow"/>
-                </a:tc>
-              </a:tr>
-              <a:tr h="160866">
-                <a:tc>
-                  <a:txBody>
-                    <a:bodyPr/>
-                    <a:lstStyle/>
-                    <a:p>
-                      <a:pPr defTabSz="914400"/>
-                      <a:r>
-                        <a:rPr sz="900">
-                          <a:latin typeface="Helvetica"/>
-                          <a:ea typeface="Helvetica"/>
-                          <a:cs typeface="Helvetica"/>
-                          <a:sym typeface="Helvetica"/>
-                        </a:rPr>
-                        <a:t>4</a:t>
-                      </a:r>
-                    </a:p>
-                  </a:txBody>
-                  <a:tcPr marL="0" marR="0" marT="0" marB="0" anchor="ctr" anchorCtr="0" horzOverflow="overflow"/>
-                </a:tc>
-                <a:tc>
-                  <a:txBody>
-                    <a:bodyPr/>
-                    <a:lstStyle/>
-                    <a:p>
-                      <a:pPr defTabSz="914400"/>
-                      <a:r>
-                        <a:rPr sz="900">
-                          <a:latin typeface="Helvetica"/>
-                          <a:ea typeface="Helvetica"/>
-                          <a:cs typeface="Helvetica"/>
-                          <a:sym typeface="Helvetica"/>
-                        </a:rPr>
-                        <a:t>5</a:t>
-                      </a:r>
-                    </a:p>
-                  </a:txBody>
-                  <a:tcPr marL="0" marR="0" marT="0" marB="0" anchor="ctr" anchorCtr="0" horzOverflow="overflow"/>
-                </a:tc>
-                <a:tc>
-                  <a:txBody>
-                    <a:bodyPr/>
-                    <a:lstStyle/>
-                    <a:p>
-                      <a:pPr defTabSz="914400"/>
-                      <a:r>
-                        <a:rPr sz="900">
-                          <a:latin typeface="Helvetica"/>
-                          <a:ea typeface="Helvetica"/>
-                          <a:cs typeface="Helvetica"/>
-                          <a:sym typeface="Helvetica"/>
-                        </a:rPr>
-                        <a:t>NA</a:t>
-                      </a:r>
-                    </a:p>
-                  </a:txBody>
-                  <a:tcPr marL="0" marR="0" marT="0" marB="0" anchor="ctr" anchorCtr="0" horzOverflow="overflow"/>
-                </a:tc>
-              </a:tr>
-            </a:tbl>
-          </a:graphicData>
-        </a:graphic>
-      </p:graphicFrame>
-      <p:sp>
-        <p:nvSpPr>
-          <p:cNvPr id="199" name="Line"/>
-          <p:cNvSpPr/>
-          <p:nvPr/>
-        </p:nvSpPr>
-        <p:spPr>
-          <a:xfrm>
-            <a:off x="4628162" y="3557507"/>
-            <a:ext cx="333334" cy="1"/>
-          </a:xfrm>
-          <a:prstGeom prst="line">
-            <a:avLst/>
-          </a:prstGeom>
-          <a:ln w="25400">
-            <a:solidFill>
-              <a:srgbClr val="53585F"/>
-            </a:solidFill>
-            <a:miter lim="400000"/>
-            <a:tailEnd type="stealth"/>
-          </a:ln>
-        </p:spPr>
-        <p:txBody>
-          <a:bodyPr lIns="0" tIns="0" rIns="0" bIns="0"/>
-          <a:lstStyle/>
-          <a:p>
-            <a:pPr>
-              <a:lnSpc>
-                <a:spcPct val="80000"/>
-              </a:lnSpc>
-              <a:spcBef>
-                <a:spcPts val="0"/>
-              </a:spcBef>
-              <a:defRPr b="0" sz="5600">
-                <a:solidFill>
-                  <a:srgbClr val="000000"/>
-                </a:solidFill>
-                <a:effectLst>
-                  <a:outerShdw sx="100000" sy="100000" kx="0" ky="0" algn="b" rotWithShape="0" blurRad="38100" dist="12700" dir="5400000">
-                    <a:srgbClr val="000000">
-                      <a:alpha val="50000"/>
-                    </a:srgbClr>
-                  </a:outerShdw>
-                </a:effectLst>
-                <a:latin typeface="Gill Sans"/>
-                <a:ea typeface="Gill Sans"/>
-                <a:cs typeface="Gill Sans"/>
-                <a:sym typeface="Gill Sans"/>
-              </a:defRPr>
-            </a:pPr>
-          </a:p>
-        </p:txBody>
-      </p:sp>
-      <p:graphicFrame>
-        <p:nvGraphicFramePr>
-          <p:cNvPr id="200" name="Table"/>
-          <p:cNvGraphicFramePr/>
-          <p:nvPr/>
-        </p:nvGraphicFramePr>
-        <p:xfrm>
-          <a:off x="5095880" y="4078846"/>
-          <a:ext cx="1188952" cy="1524001"/>
-        </p:xfrm>
-        <a:graphic xmlns:a="http://schemas.openxmlformats.org/drawingml/2006/main">
-          <a:graphicData uri="http://schemas.openxmlformats.org/drawingml/2006/table">
-            <a:tbl>
-              <a:tblPr firstCol="0" firstRow="1" lastCol="0" lastRow="0" bandCol="0" bandRow="0" rtl="0">
-                <a:tableStyleId>{33BA23B1-9221-436E-865A-0063620EA4FD}</a:tableStyleId>
-              </a:tblPr>
-              <a:tblGrid>
-                <a:gridCol w="222840"/>
-                <a:gridCol w="222840"/>
-                <a:gridCol w="222840"/>
-              </a:tblGrid>
-              <a:tr h="160866">
-                <a:tc>
-                  <a:txBody>
-                    <a:bodyPr/>
-                    <a:lstStyle/>
-                    <a:p>
-                      <a:pPr defTabSz="914400">
-                        <a:defRPr b="0">
-                          <a:solidFill>
-                            <a:srgbClr val="000000"/>
-                          </a:solidFill>
-                        </a:defRPr>
-                      </a:pPr>
-                      <a:r>
-                        <a:rPr b="1" sz="900">
-                          <a:solidFill>
-                            <a:srgbClr val="FFFFFF"/>
-                          </a:solidFill>
-                          <a:latin typeface="Helvetica"/>
-                          <a:ea typeface="Helvetica"/>
-                          <a:cs typeface="Helvetica"/>
-                          <a:sym typeface="Helvetica"/>
-                        </a:rPr>
-                        <a:t>A</a:t>
-                      </a:r>
-                    </a:p>
-                  </a:txBody>
-                  <a:tcPr marL="0" marR="0" marT="0" marB="0" anchor="ctr" anchorCtr="0" horzOverflow="overflow">
-                    <a:solidFill>
-                      <a:srgbClr val="797979"/>
-                    </a:solidFill>
-                  </a:tcPr>
-                </a:tc>
-                <a:tc>
-                  <a:txBody>
-                    <a:bodyPr/>
-                    <a:lstStyle/>
-                    <a:p>
-                      <a:pPr defTabSz="914400">
-                        <a:defRPr b="0">
-                          <a:solidFill>
-                            <a:srgbClr val="000000"/>
-                          </a:solidFill>
-                        </a:defRPr>
-                      </a:pPr>
-                      <a:r>
-                        <a:rPr b="1" sz="900">
-                          <a:solidFill>
-                            <a:srgbClr val="FFFFFF"/>
-                          </a:solidFill>
-                          <a:latin typeface="Helvetica"/>
-                          <a:ea typeface="Helvetica"/>
-                          <a:cs typeface="Helvetica"/>
-                          <a:sym typeface="Helvetica"/>
-                        </a:rPr>
-                        <a:t>B</a:t>
-                      </a:r>
-                    </a:p>
-                  </a:txBody>
-                  <a:tcPr marL="0" marR="0" marT="0" marB="0" anchor="ctr" anchorCtr="0" horzOverflow="overflow">
-                    <a:solidFill>
-                      <a:srgbClr val="797979"/>
-                    </a:solidFill>
-                  </a:tcPr>
-                </a:tc>
-                <a:tc>
-                  <a:txBody>
-                    <a:bodyPr/>
-                    <a:lstStyle/>
-                    <a:p>
-                      <a:pPr defTabSz="914400">
-                        <a:defRPr b="0">
-                          <a:solidFill>
-                            <a:srgbClr val="000000"/>
-                          </a:solidFill>
-                        </a:defRPr>
-                      </a:pPr>
-                      <a:r>
-                        <a:rPr b="1" sz="900">
-                          <a:solidFill>
-                            <a:srgbClr val="FFFFFF"/>
-                          </a:solidFill>
-                          <a:latin typeface="Helvetica"/>
-                          <a:ea typeface="Helvetica"/>
-                          <a:cs typeface="Helvetica"/>
-                          <a:sym typeface="Helvetica"/>
-                        </a:rPr>
-                        <a:t>C</a:t>
-                      </a:r>
-                    </a:p>
-                  </a:txBody>
-                  <a:tcPr marL="0" marR="0" marT="0" marB="0" anchor="ctr" anchorCtr="0" horzOverflow="overflow">
-                    <a:solidFill>
-                      <a:srgbClr val="797979"/>
-                    </a:solidFill>
-                  </a:tcPr>
-                </a:tc>
-              </a:tr>
-              <a:tr h="160866">
-                <a:tc>
-                  <a:txBody>
-                    <a:bodyPr/>
-                    <a:lstStyle/>
-                    <a:p>
-                      <a:pPr defTabSz="914400"/>
-                      <a:r>
-                        <a:rPr sz="900">
-                          <a:latin typeface="Helvetica"/>
-                          <a:ea typeface="Helvetica"/>
-                          <a:cs typeface="Helvetica"/>
-                          <a:sym typeface="Helvetica"/>
-                        </a:rPr>
-                        <a:t>1</a:t>
-                      </a:r>
-                    </a:p>
-                  </a:txBody>
-                  <a:tcPr marL="0" marR="0" marT="0" marB="0" anchor="ctr" anchorCtr="0" horzOverflow="overflow"/>
-                </a:tc>
-                <a:tc>
-                  <a:txBody>
-                    <a:bodyPr/>
-                    <a:lstStyle/>
-                    <a:p>
-                      <a:pPr defTabSz="914400"/>
-                      <a:r>
-                        <a:rPr sz="900">
-                          <a:latin typeface="Helvetica"/>
-                          <a:ea typeface="Helvetica"/>
-                          <a:cs typeface="Helvetica"/>
-                          <a:sym typeface="Helvetica"/>
-                        </a:rPr>
-                        <a:t>2</a:t>
-                      </a:r>
-                    </a:p>
-                  </a:txBody>
-                  <a:tcPr marL="0" marR="0" marT="0" marB="0" anchor="ctr" anchorCtr="0" horzOverflow="overflow"/>
-                </a:tc>
-                <a:tc>
-                  <a:txBody>
-                    <a:bodyPr/>
-                    <a:lstStyle/>
-                    <a:p>
-                      <a:pPr defTabSz="914400"/>
-                      <a:r>
-                        <a:rPr sz="900">
-                          <a:latin typeface="Helvetica"/>
-                          <a:ea typeface="Helvetica"/>
-                          <a:cs typeface="Helvetica"/>
-                          <a:sym typeface="Helvetica"/>
-                        </a:rPr>
-                        <a:t>3</a:t>
-                      </a:r>
-                    </a:p>
-                  </a:txBody>
-                  <a:tcPr marL="0" marR="0" marT="0" marB="0" anchor="ctr" anchorCtr="0" horzOverflow="overflow"/>
-                </a:tc>
-              </a:tr>
-              <a:tr h="160866">
-                <a:tc>
-                  <a:txBody>
-                    <a:bodyPr/>
-                    <a:lstStyle/>
-                    <a:p>
-                      <a:pPr defTabSz="914400"/>
-                      <a:r>
-                        <a:rPr sz="900">
-                          <a:latin typeface="Helvetica"/>
-                          <a:ea typeface="Helvetica"/>
-                          <a:cs typeface="Helvetica"/>
-                          <a:sym typeface="Helvetica"/>
-                        </a:rPr>
-                        <a:t>4</a:t>
-                      </a:r>
-                    </a:p>
-                  </a:txBody>
-                  <a:tcPr marL="0" marR="0" marT="0" marB="0" anchor="ctr" anchorCtr="0" horzOverflow="overflow"/>
-                </a:tc>
-                <a:tc>
-                  <a:txBody>
-                    <a:bodyPr/>
-                    <a:lstStyle/>
-                    <a:p>
-                      <a:pPr defTabSz="914400"/>
-                      <a:r>
-                        <a:rPr sz="900">
-                          <a:latin typeface="Helvetica"/>
-                          <a:ea typeface="Helvetica"/>
-                          <a:cs typeface="Helvetica"/>
-                          <a:sym typeface="Helvetica"/>
-                        </a:rPr>
-                        <a:t>5</a:t>
-                      </a:r>
-                    </a:p>
-                  </a:txBody>
-                  <a:tcPr marL="0" marR="0" marT="0" marB="0" anchor="ctr" anchorCtr="0" horzOverflow="overflow"/>
-                </a:tc>
-                <a:tc>
-                  <a:txBody>
-                    <a:bodyPr/>
-                    <a:lstStyle/>
-                    <a:p>
-                      <a:pPr defTabSz="914400"/>
-                      <a:r>
-                        <a:rPr sz="900">
-                          <a:latin typeface="Helvetica"/>
-                          <a:ea typeface="Helvetica"/>
-                          <a:cs typeface="Helvetica"/>
-                          <a:sym typeface="Helvetica"/>
-                        </a:rPr>
-                        <a:t>NA</a:t>
-                      </a:r>
-                    </a:p>
-                  </a:txBody>
-                  <a:tcPr marL="0" marR="0" marT="0" marB="0" anchor="ctr" anchorCtr="0" horzOverflow="overflow"/>
-                </a:tc>
-              </a:tr>
-            </a:tbl>
-          </a:graphicData>
-        </a:graphic>
-      </p:graphicFrame>
-      <p:sp>
-        <p:nvSpPr>
-          <p:cNvPr id="201" name="Line"/>
-          <p:cNvSpPr/>
-          <p:nvPr/>
-        </p:nvSpPr>
-        <p:spPr>
-          <a:xfrm>
-            <a:off x="4628162" y="4377296"/>
-            <a:ext cx="333334" cy="1"/>
-          </a:xfrm>
-          <a:prstGeom prst="line">
-            <a:avLst/>
-          </a:prstGeom>
-          <a:ln w="25400">
-            <a:solidFill>
-              <a:srgbClr val="53585F"/>
-            </a:solidFill>
-            <a:miter lim="400000"/>
-            <a:tailEnd type="stealth"/>
-          </a:ln>
-        </p:spPr>
-        <p:txBody>
-          <a:bodyPr lIns="0" tIns="0" rIns="0" bIns="0"/>
-          <a:lstStyle/>
-          <a:p>
-            <a:pPr>
-              <a:lnSpc>
-                <a:spcPct val="80000"/>
-              </a:lnSpc>
-              <a:spcBef>
-                <a:spcPts val="0"/>
-              </a:spcBef>
-              <a:defRPr b="0" sz="5600">
-                <a:solidFill>
-                  <a:srgbClr val="000000"/>
-                </a:solidFill>
-                <a:effectLst>
-                  <a:outerShdw sx="100000" sy="100000" kx="0" ky="0" algn="b" rotWithShape="0" blurRad="38100" dist="12700" dir="5400000">
-                    <a:srgbClr val="000000">
-                      <a:alpha val="50000"/>
-                    </a:srgbClr>
-                  </a:outerShdw>
-                </a:effectLst>
-                <a:latin typeface="Gill Sans"/>
-                <a:ea typeface="Gill Sans"/>
-                <a:cs typeface="Gill Sans"/>
-                <a:sym typeface="Gill Sans"/>
-              </a:defRPr>
-            </a:pPr>
-          </a:p>
-        </p:txBody>
-      </p:sp>
-      <p:graphicFrame>
-        <p:nvGraphicFramePr>
-          <p:cNvPr id="202" name="Table"/>
-          <p:cNvGraphicFramePr/>
-          <p:nvPr/>
-        </p:nvGraphicFramePr>
-        <p:xfrm>
-          <a:off x="5095880" y="4898635"/>
-          <a:ext cx="1188952" cy="1524001"/>
-        </p:xfrm>
-        <a:graphic xmlns:a="http://schemas.openxmlformats.org/drawingml/2006/main">
-          <a:graphicData uri="http://schemas.openxmlformats.org/drawingml/2006/table">
-            <a:tbl>
-              <a:tblPr firstCol="0" firstRow="1" lastCol="0" lastRow="0" bandCol="0" bandRow="0" rtl="0">
-                <a:tableStyleId>{33BA23B1-9221-436E-865A-0063620EA4FD}</a:tableStyleId>
-              </a:tblPr>
-              <a:tblGrid>
-                <a:gridCol w="222840"/>
-                <a:gridCol w="222840"/>
-                <a:gridCol w="222840"/>
-              </a:tblGrid>
-              <a:tr h="160866">
-                <a:tc>
-                  <a:txBody>
-                    <a:bodyPr/>
-                    <a:lstStyle/>
-                    <a:p>
-                      <a:pPr defTabSz="914400">
-                        <a:defRPr b="0">
-                          <a:solidFill>
-                            <a:srgbClr val="000000"/>
-                          </a:solidFill>
-                        </a:defRPr>
-                      </a:pPr>
-                      <a:r>
-                        <a:rPr b="1" sz="900">
-                          <a:solidFill>
-                            <a:srgbClr val="FFFFFF"/>
-                          </a:solidFill>
-                          <a:latin typeface="Helvetica"/>
-                          <a:ea typeface="Helvetica"/>
-                          <a:cs typeface="Helvetica"/>
-                          <a:sym typeface="Helvetica"/>
-                        </a:rPr>
-                        <a:t>A</a:t>
-                      </a:r>
-                    </a:p>
-                  </a:txBody>
-                  <a:tcPr marL="0" marR="0" marT="0" marB="0" anchor="ctr" anchorCtr="0" horzOverflow="overflow">
-                    <a:solidFill>
-                      <a:srgbClr val="797979"/>
-                    </a:solidFill>
-                  </a:tcPr>
-                </a:tc>
-                <a:tc>
-                  <a:txBody>
-                    <a:bodyPr/>
-                    <a:lstStyle/>
-                    <a:p>
-                      <a:pPr defTabSz="914400">
-                        <a:defRPr b="0">
-                          <a:solidFill>
-                            <a:srgbClr val="000000"/>
-                          </a:solidFill>
-                        </a:defRPr>
-                      </a:pPr>
-                      <a:r>
-                        <a:rPr b="1" sz="900">
-                          <a:solidFill>
-                            <a:srgbClr val="FFFFFF"/>
-                          </a:solidFill>
-                          <a:latin typeface="Helvetica"/>
-                          <a:ea typeface="Helvetica"/>
-                          <a:cs typeface="Helvetica"/>
-                          <a:sym typeface="Helvetica"/>
-                        </a:rPr>
-                        <a:t>B</a:t>
-                      </a:r>
-                    </a:p>
-                  </a:txBody>
-                  <a:tcPr marL="0" marR="0" marT="0" marB="0" anchor="ctr" anchorCtr="0" horzOverflow="overflow">
-                    <a:solidFill>
-                      <a:srgbClr val="797979"/>
-                    </a:solidFill>
-                  </a:tcPr>
-                </a:tc>
-                <a:tc>
-                  <a:txBody>
-                    <a:bodyPr/>
-                    <a:lstStyle/>
-                    <a:p>
-                      <a:pPr defTabSz="914400">
-                        <a:defRPr b="0">
-                          <a:solidFill>
-                            <a:srgbClr val="000000"/>
-                          </a:solidFill>
-                        </a:defRPr>
-                      </a:pPr>
-                      <a:r>
-                        <a:rPr b="1" sz="900">
-                          <a:solidFill>
-                            <a:srgbClr val="FFFFFF"/>
-                          </a:solidFill>
-                          <a:latin typeface="Helvetica"/>
-                          <a:ea typeface="Helvetica"/>
-                          <a:cs typeface="Helvetica"/>
-                          <a:sym typeface="Helvetica"/>
-                        </a:rPr>
-                        <a:t>C</a:t>
-                      </a:r>
-                    </a:p>
-                  </a:txBody>
-                  <a:tcPr marL="0" marR="0" marT="0" marB="0" anchor="ctr" anchorCtr="0" horzOverflow="overflow">
-                    <a:solidFill>
-                      <a:srgbClr val="797979"/>
-                    </a:solidFill>
-                  </a:tcPr>
-                </a:tc>
-              </a:tr>
-              <a:tr h="160866">
-                <a:tc>
-                  <a:txBody>
-                    <a:bodyPr/>
-                    <a:lstStyle/>
-                    <a:p>
-                      <a:pPr defTabSz="914400"/>
-                      <a:r>
-                        <a:rPr sz="900">
-                          <a:latin typeface="Helvetica"/>
-                          <a:ea typeface="Helvetica"/>
-                          <a:cs typeface="Helvetica"/>
-                          <a:sym typeface="Helvetica"/>
-                        </a:rPr>
-                        <a:t>1</a:t>
-                      </a:r>
-                    </a:p>
-                  </a:txBody>
-                  <a:tcPr marL="0" marR="0" marT="0" marB="0" anchor="ctr" anchorCtr="0" horzOverflow="overflow"/>
-                </a:tc>
-                <a:tc>
-                  <a:txBody>
-                    <a:bodyPr/>
-                    <a:lstStyle/>
-                    <a:p>
-                      <a:pPr defTabSz="914400"/>
-                      <a:r>
-                        <a:rPr sz="900">
-                          <a:latin typeface="Helvetica"/>
-                          <a:ea typeface="Helvetica"/>
-                          <a:cs typeface="Helvetica"/>
-                          <a:sym typeface="Helvetica"/>
-                        </a:rPr>
-                        <a:t>2</a:t>
-                      </a:r>
-                    </a:p>
-                  </a:txBody>
-                  <a:tcPr marL="0" marR="0" marT="0" marB="0" anchor="ctr" anchorCtr="0" horzOverflow="overflow"/>
-                </a:tc>
-                <a:tc>
-                  <a:txBody>
-                    <a:bodyPr/>
-                    <a:lstStyle/>
-                    <a:p>
-                      <a:pPr defTabSz="914400"/>
-                      <a:r>
-                        <a:rPr sz="900">
-                          <a:latin typeface="Helvetica"/>
-                          <a:ea typeface="Helvetica"/>
-                          <a:cs typeface="Helvetica"/>
-                          <a:sym typeface="Helvetica"/>
-                        </a:rPr>
-                        <a:t>3</a:t>
-                      </a:r>
-                    </a:p>
-                  </a:txBody>
-                  <a:tcPr marL="0" marR="0" marT="0" marB="0" anchor="ctr" anchorCtr="0" horzOverflow="overflow"/>
-                </a:tc>
-              </a:tr>
-              <a:tr h="160866">
-                <a:tc>
-                  <a:txBody>
-                    <a:bodyPr/>
-                    <a:lstStyle/>
-                    <a:p>
-                      <a:pPr defTabSz="914400"/>
-                      <a:r>
-                        <a:rPr sz="900">
-                          <a:latin typeface="Helvetica"/>
-                          <a:ea typeface="Helvetica"/>
-                          <a:cs typeface="Helvetica"/>
-                          <a:sym typeface="Helvetica"/>
-                        </a:rPr>
-                        <a:t>4</a:t>
-                      </a:r>
-                    </a:p>
-                  </a:txBody>
-                  <a:tcPr marL="0" marR="0" marT="0" marB="0" anchor="ctr" anchorCtr="0" horzOverflow="overflow"/>
-                </a:tc>
-                <a:tc>
-                  <a:txBody>
-                    <a:bodyPr/>
-                    <a:lstStyle/>
-                    <a:p>
-                      <a:pPr defTabSz="914400"/>
-                      <a:r>
-                        <a:rPr sz="900">
-                          <a:latin typeface="Helvetica"/>
-                          <a:ea typeface="Helvetica"/>
-                          <a:cs typeface="Helvetica"/>
-                          <a:sym typeface="Helvetica"/>
-                        </a:rPr>
-                        <a:t>5</a:t>
-                      </a:r>
-                    </a:p>
-                  </a:txBody>
-                  <a:tcPr marL="0" marR="0" marT="0" marB="0" anchor="ctr" anchorCtr="0" horzOverflow="overflow"/>
-                </a:tc>
-                <a:tc>
-                  <a:txBody>
-                    <a:bodyPr/>
-                    <a:lstStyle/>
-                    <a:p>
-                      <a:pPr defTabSz="914400"/>
-                      <a:r>
-                        <a:rPr sz="900">
-                          <a:latin typeface="Helvetica"/>
-                          <a:ea typeface="Helvetica"/>
-                          <a:cs typeface="Helvetica"/>
-                          <a:sym typeface="Helvetica"/>
-                        </a:rPr>
-                        <a:t>NA</a:t>
-                      </a:r>
-                    </a:p>
-                  </a:txBody>
-                  <a:tcPr marL="0" marR="0" marT="0" marB="0" anchor="ctr" anchorCtr="0" horzOverflow="overflow"/>
-                </a:tc>
-              </a:tr>
-            </a:tbl>
-          </a:graphicData>
-        </a:graphic>
-      </p:graphicFrame>
-      <p:sp>
-        <p:nvSpPr>
-          <p:cNvPr id="203" name="Line"/>
-          <p:cNvSpPr/>
-          <p:nvPr/>
-        </p:nvSpPr>
-        <p:spPr>
-          <a:xfrm>
             <a:off x="4628162" y="5197085"/>
             <a:ext cx="333334" cy="1"/>
           </a:xfrm>
@@ -9525,7 +9251,7 @@
       </p:sp>
       <p:grpSp>
         <p:nvGrpSpPr>
-          <p:cNvPr id="208" name="Group"/>
+          <p:cNvPr id="202" name="Group"/>
           <p:cNvGrpSpPr/>
           <p:nvPr/>
         </p:nvGrpSpPr>
@@ -9539,7 +9265,7 @@
         </p:grpSpPr>
         <p:grpSp>
           <p:nvGrpSpPr>
-            <p:cNvPr id="206" name="Group"/>
+            <p:cNvPr id="200" name="Group"/>
             <p:cNvGrpSpPr/>
             <p:nvPr/>
           </p:nvGrpSpPr>
@@ -9553,14 +9279,14 @@
           </p:grpSpPr>
           <p:pic>
             <p:nvPicPr>
-              <p:cNvPr id="204" name="Image" descr="Image"/>
+              <p:cNvPr id="198" name="Image" descr="Image"/>
               <p:cNvPicPr>
                 <a:picLocks noChangeAspect="1"/>
               </p:cNvPicPr>
               <p:nvPr/>
             </p:nvPicPr>
             <p:blipFill>
-              <a:blip r:embed="rId6">
+              <a:blip r:embed="rId2">
                 <a:extLst/>
               </a:blip>
               <a:stretch>
@@ -9590,7 +9316,7 @@
           </p:pic>
           <p:sp>
             <p:nvSpPr>
-              <p:cNvPr id="205" name="Triangle"/>
+              <p:cNvPr id="199" name="Triangle"/>
               <p:cNvSpPr/>
               <p:nvPr/>
             </p:nvSpPr>
@@ -9667,7 +9393,7 @@
         </p:grpSp>
         <p:sp>
           <p:nvSpPr>
-            <p:cNvPr id="207" name="a,b,c…"/>
+            <p:cNvPr id="201" name="a,b,c…"/>
             <p:cNvSpPr txBox="1"/>
             <p:nvPr/>
           </p:nvSpPr>
@@ -9767,7 +9493,7 @@
       </p:grpSp>
       <p:sp>
         <p:nvSpPr>
-          <p:cNvPr id="209" name="Example file…"/>
+          <p:cNvPr id="203" name="Example file…"/>
           <p:cNvSpPr txBox="1"/>
           <p:nvPr/>
         </p:nvSpPr>
@@ -9979,7 +9705,7 @@
       </p:sp>
       <p:sp>
         <p:nvSpPr>
-          <p:cNvPr id="210" name="Read a file into a single string…"/>
+          <p:cNvPr id="204" name="Read a file into a single string…"/>
           <p:cNvSpPr txBox="1"/>
           <p:nvPr/>
         </p:nvSpPr>
@@ -10120,7 +9846,7 @@
       </p:sp>
       <p:sp>
         <p:nvSpPr>
-          <p:cNvPr id="211" name="Line"/>
+          <p:cNvPr id="205" name="Line"/>
           <p:cNvSpPr/>
           <p:nvPr/>
         </p:nvSpPr>
@@ -10161,7 +9887,7 @@
       </p:sp>
       <p:sp>
         <p:nvSpPr>
-          <p:cNvPr id="212" name="Read a file into a raw vector…"/>
+          <p:cNvPr id="206" name="Read a file into a raw vector…"/>
           <p:cNvSpPr txBox="1"/>
           <p:nvPr/>
         </p:nvSpPr>
@@ -10313,7 +10039,7 @@
       </p:sp>
       <p:sp>
         <p:nvSpPr>
-          <p:cNvPr id="213" name="Read Non-Tabular Data"/>
+          <p:cNvPr id="207" name="Read Non-Tabular Data"/>
           <p:cNvSpPr txBox="1"/>
           <p:nvPr/>
         </p:nvSpPr>
@@ -10365,7 +10091,7 @@
       </p:sp>
       <p:sp>
         <p:nvSpPr>
-          <p:cNvPr id="214" name="Read Apache style log files…"/>
+          <p:cNvPr id="208" name="Read Apache style log files…"/>
           <p:cNvSpPr txBox="1"/>
           <p:nvPr/>
         </p:nvSpPr>
@@ -10453,7 +10179,7 @@
       </p:sp>
       <p:sp>
         <p:nvSpPr>
-          <p:cNvPr id="215" name="## Parsed with column specification:…"/>
+          <p:cNvPr id="209" name="## Parsed with column specification:…"/>
           <p:cNvSpPr txBox="1"/>
           <p:nvPr/>
         </p:nvSpPr>
@@ -10603,7 +10329,7 @@
       </p:sp>
       <p:sp>
         <p:nvSpPr>
-          <p:cNvPr id="216" name="1. Use problems() to diagnose problems.…"/>
+          <p:cNvPr id="210" name="1. Use problems() to diagnose problems.…"/>
           <p:cNvSpPr txBox="1"/>
           <p:nvPr/>
         </p:nvSpPr>
@@ -11233,7 +10959,7 @@
       </p:sp>
       <p:sp>
         <p:nvSpPr>
-          <p:cNvPr id="217" name="readr functions guess…"/>
+          <p:cNvPr id="211" name="readr functions guess…"/>
           <p:cNvSpPr txBox="1"/>
           <p:nvPr/>
         </p:nvSpPr>
@@ -11351,7 +11077,7 @@
       </p:sp>
       <p:sp>
         <p:nvSpPr>
-          <p:cNvPr id="218" name="earn is a double (numeric)"/>
+          <p:cNvPr id="212" name="earn is a double (numeric)"/>
           <p:cNvSpPr/>
           <p:nvPr/>
         </p:nvSpPr>
@@ -11472,7 +11198,7 @@
       </p:sp>
       <p:sp>
         <p:nvSpPr>
-          <p:cNvPr id="219" name="sex is a character"/>
+          <p:cNvPr id="213" name="sex is a character"/>
           <p:cNvSpPr/>
           <p:nvPr/>
         </p:nvSpPr>
@@ -11590,7 +11316,7 @@
       </p:sp>
       <p:sp>
         <p:nvSpPr>
-          <p:cNvPr id="220" name="age is an integer"/>
+          <p:cNvPr id="214" name="age is an integer"/>
           <p:cNvSpPr/>
           <p:nvPr/>
         </p:nvSpPr>
@@ -11711,7 +11437,7 @@
       </p:sp>
       <p:sp>
         <p:nvSpPr>
-          <p:cNvPr id="221" name="RStudio® is a trademark of RStudio, Inc.  •  CC BY SA  RStudio •  info@rstudio.com  •  844-448-1212 • rstudio.com •  Learn more at tidyverse.org  •  readr  1.1.0 •  tibble  1.2.12 •  tidyr  0.6.0 •  Updated: 2017-01"/>
+          <p:cNvPr id="215" name="RStudio® is a trademark of RStudio, Inc.  •  CC BY SA  RStudio •  info@rstudio.com  •  844-448-1212 • rstudio.com •  Learn more at tidyverse.org  •  readr  1.1.0 •  tibble  1.2.12 •  tidyr  0.6.0 •  Updated: 2017-01"/>
           <p:cNvSpPr txBox="1"/>
           <p:nvPr/>
         </p:nvSpPr>
@@ -11756,7 +11482,7 @@
             </a:r>
             <a:r>
               <a:rPr>
-                <a:hlinkClick r:id="rId7" invalidUrl="" action="" tgtFrame="" tooltip="" history="1" highlightClick="0" endSnd="0"/>
+                <a:hlinkClick r:id="rId3" invalidUrl="" action="" tgtFrame="" tooltip="" history="1" highlightClick="0" endSnd="0"/>
               </a:rPr>
               <a:t>CC BY SA</a:t>
             </a:r>
@@ -11765,7 +11491,7 @@
             </a:r>
             <a:r>
               <a:rPr>
-                <a:hlinkClick r:id="rId8" invalidUrl="" action="" tgtFrame="" tooltip="" history="1" highlightClick="0" endSnd="0"/>
+                <a:hlinkClick r:id="rId4" invalidUrl="" action="" tgtFrame="" tooltip="" history="1" highlightClick="0" endSnd="0"/>
               </a:rPr>
               <a:t>info@rstudio.com</a:t>
             </a:r>
@@ -11774,7 +11500,7 @@
             </a:r>
             <a:r>
               <a:rPr>
-                <a:hlinkClick r:id="rId9" invalidUrl="" action="" tgtFrame="" tooltip="" history="1" highlightClick="0" endSnd="0"/>
+                <a:hlinkClick r:id="rId5" invalidUrl="" action="" tgtFrame="" tooltip="" history="1" highlightClick="0" endSnd="0"/>
               </a:rPr>
               <a:t>rstudio.com</a:t>
             </a:r>
@@ -11783,7 +11509,7 @@
             </a:r>
             <a:r>
               <a:rPr u="sng">
-                <a:hlinkClick r:id="rId10" invalidUrl="" action="" tgtFrame="" tooltip="" history="1" highlightClick="0" endSnd="0"/>
+                <a:hlinkClick r:id="rId6" invalidUrl="" action="" tgtFrame="" tooltip="" history="1" highlightClick="0" endSnd="0"/>
               </a:rPr>
               <a:t>tidyverse.org</a:t>
             </a:r>
@@ -11797,6 +11523,280 @@
           </a:p>
         </p:txBody>
       </p:sp>
+      <p:grpSp>
+        <p:nvGrpSpPr>
+          <p:cNvPr id="219" name="Group"/>
+          <p:cNvGrpSpPr/>
+          <p:nvPr/>
+        </p:nvGrpSpPr>
+        <p:grpSpPr>
+          <a:xfrm>
+            <a:off x="333196" y="1268279"/>
+            <a:ext cx="3067130" cy="1752601"/>
+            <a:chOff x="0" y="0"/>
+            <a:chExt cx="3067128" cy="1752600"/>
+          </a:xfrm>
+        </p:grpSpPr>
+        <p:sp>
+          <p:nvSpPr>
+            <p:cNvPr id="216" name="R’s tidyverse is built around tidy data stored in  tibbles, which are enhanced data frames.…"/>
+            <p:cNvSpPr txBox="1"/>
+            <p:nvPr/>
+          </p:nvSpPr>
+          <p:spPr>
+            <a:xfrm>
+              <a:off x="0" y="0"/>
+              <a:ext cx="3067129" cy="1752600"/>
+            </a:xfrm>
+            <a:prstGeom prst="rect">
+              <a:avLst/>
+            </a:prstGeom>
+            <a:noFill/>
+            <a:ln w="12700" cap="flat">
+              <a:noFill/>
+              <a:miter lim="400000"/>
+            </a:ln>
+            <a:effectLst/>
+            <a:extLst>
+              <a:ext uri="{C572A759-6A51-4108-AA02-DFA0A04FC94B}">
+                <ma14:wrappingTextBoxFlag xmlns:ma14="http://schemas.microsoft.com/office/mac/drawingml/2011/main" val="1"/>
+              </a:ext>
+            </a:extLst>
+          </p:spPr>
+          <p:txBody>
+            <a:bodyPr wrap="square" lIns="50800" tIns="50800" rIns="50800" bIns="50800" numCol="1" anchor="t">
+              <a:spAutoFit/>
+            </a:bodyPr>
+            <a:lstStyle/>
+            <a:p>
+              <a:pPr>
+                <a:spcBef>
+                  <a:spcPts val="500"/>
+                </a:spcBef>
+                <a:buClr>
+                  <a:srgbClr val="F39019"/>
+                </a:buClr>
+                <a:defRPr b="0">
+                  <a:solidFill>
+                    <a:srgbClr val="000000"/>
+                  </a:solidFill>
+                </a:defRPr>
+              </a:pPr>
+              <a:r>
+                <a:t>R’s</a:t>
+              </a:r>
+              <a:r>
+                <a:rPr b="1"/>
+                <a:t> </a:t>
+              </a:r>
+              <a:r>
+                <a:rPr b="1"/>
+                <a:t>tidyverse</a:t>
+              </a:r>
+              <a:r>
+                <a:t> is built around </a:t>
+              </a:r>
+              <a:r>
+                <a:rPr b="1"/>
+                <a:t>tidy data</a:t>
+              </a:r>
+              <a:r>
+                <a:t> stored in  </a:t>
+              </a:r>
+              <a:r>
+                <a:rPr b="1"/>
+                <a:t>tibbles</a:t>
+              </a:r>
+              <a:r>
+                <a:t>, which are enhanced data frames. </a:t>
+              </a:r>
+            </a:p>
+            <a:p>
+              <a:pPr marL="114300">
+                <a:spcBef>
+                  <a:spcPts val="500"/>
+                </a:spcBef>
+                <a:buClr>
+                  <a:srgbClr val="FF7E79"/>
+                </a:buClr>
+                <a:defRPr b="0">
+                  <a:solidFill>
+                    <a:srgbClr val="000000"/>
+                  </a:solidFill>
+                </a:defRPr>
+              </a:pPr>
+              <a:r>
+                <a:t>The front side of this sheet shows how to read text files into R with </a:t>
+              </a:r>
+              <a:r>
+                <a:rPr b="1"/>
+                <a:t>readr</a:t>
+              </a:r>
+              <a:r>
+                <a:t>.</a:t>
+              </a:r>
+            </a:p>
+            <a:p>
+              <a:pPr marL="114300">
+                <a:spcBef>
+                  <a:spcPts val="300"/>
+                </a:spcBef>
+                <a:buClr>
+                  <a:srgbClr val="FF7E79"/>
+                </a:buClr>
+                <a:defRPr b="0">
+                  <a:solidFill>
+                    <a:srgbClr val="000000"/>
+                  </a:solidFill>
+                </a:defRPr>
+              </a:pPr>
+              <a:r>
+                <a:t>The reverse side shows how to create tibbles with </a:t>
+              </a:r>
+              <a:r>
+                <a:rPr b="1"/>
+                <a:t>tibble</a:t>
+              </a:r>
+              <a:r>
+                <a:t> and to layout tidy data with </a:t>
+              </a:r>
+              <a:r>
+                <a:rPr b="1"/>
+                <a:t>tidyr</a:t>
+              </a:r>
+              <a:r>
+                <a:t>. </a:t>
+              </a:r>
+            </a:p>
+          </p:txBody>
+        </p:sp>
+        <p:pic>
+          <p:nvPicPr>
+            <p:cNvPr id="217" name="Image" descr="Image"/>
+            <p:cNvPicPr>
+              <a:picLocks noChangeAspect="1"/>
+            </p:cNvPicPr>
+            <p:nvPr/>
+          </p:nvPicPr>
+          <p:blipFill>
+            <a:blip r:embed="rId7">
+              <a:extLst/>
+            </a:blip>
+            <a:stretch>
+              <a:fillRect/>
+            </a:stretch>
+          </p:blipFill>
+          <p:spPr>
+            <a:xfrm>
+              <a:off x="123747" y="472536"/>
+              <a:ext cx="533401" cy="599716"/>
+            </a:xfrm>
+            <a:prstGeom prst="rect">
+              <a:avLst/>
+            </a:prstGeom>
+            <a:ln w="12700" cap="flat">
+              <a:noFill/>
+              <a:miter lim="400000"/>
+            </a:ln>
+            <a:effectLst/>
+          </p:spPr>
+        </p:pic>
+        <p:pic>
+          <p:nvPicPr>
+            <p:cNvPr id="218" name="tidyr.png" descr="tidyr.png"/>
+            <p:cNvPicPr>
+              <a:picLocks noChangeAspect="1"/>
+            </p:cNvPicPr>
+            <p:nvPr/>
+          </p:nvPicPr>
+          <p:blipFill>
+            <a:blip r:embed="rId8">
+              <a:extLst/>
+            </a:blip>
+            <a:stretch>
+              <a:fillRect/>
+            </a:stretch>
+          </p:blipFill>
+          <p:spPr>
+            <a:xfrm>
+              <a:off x="149147" y="1085563"/>
+              <a:ext cx="476928" cy="552744"/>
+            </a:xfrm>
+            <a:prstGeom prst="rect">
+              <a:avLst/>
+            </a:prstGeom>
+            <a:ln w="12700" cap="flat">
+              <a:noFill/>
+              <a:miter lim="400000"/>
+            </a:ln>
+            <a:effectLst>
+              <a:outerShdw sx="100000" sy="100000" kx="0" ky="0" algn="b" rotWithShape="0" blurRad="12700" dist="12700" dir="5400000">
+                <a:srgbClr val="000000">
+                  <a:alpha val="50000"/>
+                </a:srgbClr>
+              </a:outerShdw>
+            </a:effectLst>
+          </p:spPr>
+        </p:pic>
+      </p:grpSp>
+      <p:pic>
+        <p:nvPicPr>
+          <p:cNvPr id="220" name="readr.png" descr="readr.png"/>
+          <p:cNvPicPr>
+            <a:picLocks noChangeAspect="1"/>
+          </p:cNvPicPr>
+          <p:nvPr/>
+        </p:nvPicPr>
+        <p:blipFill>
+          <a:blip r:embed="rId9">
+            <a:extLst/>
+          </a:blip>
+          <a:stretch>
+            <a:fillRect/>
+          </a:stretch>
+        </p:blipFill>
+        <p:spPr>
+          <a:xfrm>
+            <a:off x="12294644" y="198849"/>
+            <a:ext cx="1378971" cy="1598182"/>
+          </a:xfrm>
+          <a:prstGeom prst="rect">
+            <a:avLst/>
+          </a:prstGeom>
+          <a:ln w="12700">
+            <a:miter lim="400000"/>
+          </a:ln>
+        </p:spPr>
+      </p:pic>
+      <p:pic>
+        <p:nvPicPr>
+          <p:cNvPr id="221" name="Image" descr="Image"/>
+          <p:cNvPicPr>
+            <a:picLocks noChangeAspect="1"/>
+          </p:cNvPicPr>
+          <p:nvPr/>
+        </p:nvPicPr>
+        <p:blipFill>
+          <a:blip r:embed="rId10">
+            <a:extLst/>
+          </a:blip>
+          <a:stretch>
+            <a:fillRect/>
+          </a:stretch>
+        </p:blipFill>
+        <p:spPr>
+          <a:xfrm>
+            <a:off x="238823" y="9978474"/>
+            <a:ext cx="1754521" cy="616478"/>
+          </a:xfrm>
+          <a:prstGeom prst="rect">
+            <a:avLst/>
+          </a:prstGeom>
+          <a:ln w="12700">
+            <a:miter lim="400000"/>
+          </a:ln>
+        </p:spPr>
+      </p:pic>
     </p:spTree>
   </p:cSld>
   <p:clrMapOvr>
@@ -28835,38 +28835,9 @@
           </a:p>
         </p:txBody>
       </p:sp>
-      <p:pic>
-        <p:nvPicPr>
-          <p:cNvPr id="351" name="tidyr.png" descr="tidyr.png"/>
-          <p:cNvPicPr>
-            <a:picLocks noChangeAspect="1"/>
-          </p:cNvPicPr>
-          <p:nvPr/>
-        </p:nvPicPr>
-        <p:blipFill>
-          <a:blip r:embed="rId2">
-            <a:extLst/>
-          </a:blip>
-          <a:stretch>
-            <a:fillRect/>
-          </a:stretch>
-        </p:blipFill>
-        <p:spPr>
-          <a:xfrm>
-            <a:off x="12291979" y="195760"/>
-            <a:ext cx="1384301" cy="1604360"/>
-          </a:xfrm>
-          <a:prstGeom prst="rect">
-            <a:avLst/>
-          </a:prstGeom>
-          <a:ln w="12700">
-            <a:miter lim="400000"/>
-          </a:ln>
-        </p:spPr>
-      </p:pic>
       <p:sp>
         <p:nvSpPr>
-          <p:cNvPr id="352" name="RStudio® is a trademark of RStudio, Inc.  •  CC BY SA  RStudio •  info@rstudio.com  •  844-448-1212 • rstudio.com •  Learn more at tidyverse.org  •  readr  1.1.0 •  tibble  1.2.12 •  tidyr  0.6.0 •  Updated: 2017-01"/>
+          <p:cNvPr id="351" name="RStudio® is a trademark of RStudio, Inc.  •  CC BY SA  RStudio •  info@rstudio.com  •  844-448-1212 • rstudio.com •  Learn more at tidyverse.org  •  readr  1.1.0 •  tibble  1.2.12 •  tidyr  0.6.0 •  Updated: 2017-01"/>
           <p:cNvSpPr txBox="1"/>
           <p:nvPr/>
         </p:nvSpPr>
@@ -28911,34 +28882,34 @@
             </a:r>
             <a:r>
               <a:rPr>
+                <a:hlinkClick r:id="rId2" invalidUrl="" action="" tgtFrame="" tooltip="" history="1" highlightClick="0" endSnd="0"/>
+              </a:rPr>
+              <a:t>CC BY SA</a:t>
+            </a:r>
+            <a:r>
+              <a:t>  RStudio •  </a:t>
+            </a:r>
+            <a:r>
+              <a:rPr>
                 <a:hlinkClick r:id="rId3" invalidUrl="" action="" tgtFrame="" tooltip="" history="1" highlightClick="0" endSnd="0"/>
               </a:rPr>
-              <a:t>CC BY SA</a:t>
-            </a:r>
-            <a:r>
-              <a:t>  RStudio •  </a:t>
+              <a:t>info@rstudio.com</a:t>
+            </a:r>
+            <a:r>
+              <a:t>  •  844-448-1212 • </a:t>
             </a:r>
             <a:r>
               <a:rPr>
                 <a:hlinkClick r:id="rId4" invalidUrl="" action="" tgtFrame="" tooltip="" history="1" highlightClick="0" endSnd="0"/>
               </a:rPr>
-              <a:t>info@rstudio.com</a:t>
-            </a:r>
-            <a:r>
-              <a:t>  •  844-448-1212 • </a:t>
-            </a:r>
-            <a:r>
-              <a:rPr>
+              <a:t>rstudio.com</a:t>
+            </a:r>
+            <a:r>
+              <a:t> •  Learn more at </a:t>
+            </a:r>
+            <a:r>
+              <a:rPr u="sng">
                 <a:hlinkClick r:id="rId5" invalidUrl="" action="" tgtFrame="" tooltip="" history="1" highlightClick="0" endSnd="0"/>
-              </a:rPr>
-              <a:t>rstudio.com</a:t>
-            </a:r>
-            <a:r>
-              <a:t> •  Learn more at </a:t>
-            </a:r>
-            <a:r>
-              <a:rPr u="sng">
-                <a:hlinkClick r:id="rId6" invalidUrl="" action="" tgtFrame="" tooltip="" history="1" highlightClick="0" endSnd="0"/>
               </a:rPr>
               <a:t>tidyverse.org</a:t>
             </a:r>
@@ -28952,38 +28923,9 @@
           </a:p>
         </p:txBody>
       </p:sp>
-      <p:pic>
-        <p:nvPicPr>
-          <p:cNvPr id="353" name="Image" descr="Image"/>
-          <p:cNvPicPr>
-            <a:picLocks noChangeAspect="1"/>
-          </p:cNvPicPr>
-          <p:nvPr/>
-        </p:nvPicPr>
-        <p:blipFill>
-          <a:blip r:embed="rId7">
-            <a:extLst/>
-          </a:blip>
-          <a:stretch>
-            <a:fillRect/>
-          </a:stretch>
-        </p:blipFill>
-        <p:spPr>
-          <a:xfrm>
-            <a:off x="238823" y="9978474"/>
-            <a:ext cx="1754521" cy="616478"/>
-          </a:xfrm>
-          <a:prstGeom prst="rect">
-            <a:avLst/>
-          </a:prstGeom>
-          <a:ln w="12700">
-            <a:miter lim="400000"/>
-          </a:ln>
-        </p:spPr>
-      </p:pic>
       <p:sp>
         <p:nvSpPr>
-          <p:cNvPr id="354" name="Line"/>
+          <p:cNvPr id="352" name="Line"/>
           <p:cNvSpPr/>
           <p:nvPr/>
         </p:nvSpPr>
@@ -29024,7 +28966,7 @@
       </p:sp>
       <p:sp>
         <p:nvSpPr>
-          <p:cNvPr id="355" name="Line"/>
+          <p:cNvPr id="353" name="Line"/>
           <p:cNvSpPr/>
           <p:nvPr/>
         </p:nvSpPr>
@@ -29065,7 +29007,7 @@
       </p:sp>
       <p:sp>
         <p:nvSpPr>
-          <p:cNvPr id="356" name="Tibbles - an enhanced data frame"/>
+          <p:cNvPr id="354" name="Tibbles - an enhanced data frame"/>
           <p:cNvSpPr txBox="1"/>
           <p:nvPr/>
         </p:nvSpPr>
@@ -29121,7 +29063,7 @@
       </p:sp>
       <p:sp>
         <p:nvSpPr>
-          <p:cNvPr id="357" name="Split Cells"/>
+          <p:cNvPr id="355" name="Split Cells"/>
           <p:cNvSpPr txBox="1"/>
           <p:nvPr/>
         </p:nvSpPr>
@@ -29173,7 +29115,7 @@
       </p:sp>
       <p:sp>
         <p:nvSpPr>
-          <p:cNvPr id="358" name="Line"/>
+          <p:cNvPr id="356" name="Line"/>
           <p:cNvSpPr/>
           <p:nvPr/>
         </p:nvSpPr>
@@ -29212,38 +29154,9 @@
           </a:p>
         </p:txBody>
       </p:sp>
-      <p:pic>
-        <p:nvPicPr>
-          <p:cNvPr id="359" name="tibble.png" descr="tibble.png"/>
-          <p:cNvPicPr>
-            <a:picLocks noChangeAspect="1"/>
-          </p:cNvPicPr>
-          <p:nvPr/>
-        </p:nvPicPr>
-        <p:blipFill>
-          <a:blip r:embed="rId8">
-            <a:extLst/>
-          </a:blip>
-          <a:stretch>
-            <a:fillRect/>
-          </a:stretch>
-        </p:blipFill>
-        <p:spPr>
-          <a:xfrm>
-            <a:off x="2704385" y="822803"/>
-            <a:ext cx="704373" cy="816345"/>
-          </a:xfrm>
-          <a:prstGeom prst="rect">
-            <a:avLst/>
-          </a:prstGeom>
-          <a:ln w="12700">
-            <a:miter lim="400000"/>
-          </a:ln>
-        </p:spPr>
-      </p:pic>
       <p:sp>
         <p:nvSpPr>
-          <p:cNvPr id="360" name="Control the default appearance with options:…"/>
+          <p:cNvPr id="357" name="Control the default appearance with options:…"/>
           <p:cNvSpPr txBox="1"/>
           <p:nvPr/>
         </p:nvSpPr>
@@ -29396,7 +29309,7 @@
       </p:sp>
       <p:sp>
         <p:nvSpPr>
-          <p:cNvPr id="361" name="data frame display"/>
+          <p:cNvPr id="358" name="data frame display"/>
           <p:cNvSpPr txBox="1"/>
           <p:nvPr/>
         </p:nvSpPr>
@@ -29449,7 +29362,7 @@
       </p:sp>
       <p:sp>
         <p:nvSpPr>
-          <p:cNvPr id="362" name="tibble display"/>
+          <p:cNvPr id="359" name="tibble display"/>
           <p:cNvSpPr txBox="1"/>
           <p:nvPr/>
         </p:nvSpPr>
@@ -29505,7 +29418,7 @@
       </p:sp>
       <p:grpSp>
         <p:nvGrpSpPr>
-          <p:cNvPr id="367" name="Group"/>
+          <p:cNvPr id="364" name="Group"/>
           <p:cNvGrpSpPr/>
           <p:nvPr/>
         </p:nvGrpSpPr>
@@ -29519,7 +29432,7 @@
         </p:grpSpPr>
         <p:sp>
           <p:nvSpPr>
-            <p:cNvPr id="363" name="Rounded Rectangle"/>
+            <p:cNvPr id="360" name="Rounded Rectangle"/>
             <p:cNvSpPr/>
             <p:nvPr/>
           </p:nvSpPr>
@@ -29569,7 +29482,7 @@
         </p:sp>
         <p:sp>
           <p:nvSpPr>
-            <p:cNvPr id="364" name="tibble(…)…"/>
+            <p:cNvPr id="361" name="tibble(…)…"/>
             <p:cNvSpPr txBox="1"/>
             <p:nvPr/>
           </p:nvSpPr>
@@ -29852,7 +29765,7 @@
         </p:sp>
         <p:sp>
           <p:nvSpPr>
-            <p:cNvPr id="365" name="A tibble: 3 × 2…"/>
+            <p:cNvPr id="362" name="A tibble: 3 × 2…"/>
             <p:cNvSpPr/>
             <p:nvPr/>
           </p:nvSpPr>
@@ -30046,7 +29959,7 @@
         </p:sp>
         <p:sp>
           <p:nvSpPr>
-            <p:cNvPr id="366" name="Both…"/>
+            <p:cNvPr id="363" name="Both…"/>
             <p:cNvSpPr/>
             <p:nvPr/>
           </p:nvSpPr>
@@ -30206,7 +30119,7 @@
       </p:grpSp>
       <p:graphicFrame>
         <p:nvGraphicFramePr>
-          <p:cNvPr id="368" name="Table"/>
+          <p:cNvPr id="365" name="Table"/>
           <p:cNvGraphicFramePr/>
           <p:nvPr/>
         </p:nvGraphicFramePr>
@@ -32467,7 +32380,7 @@
       </p:graphicFrame>
       <p:sp>
         <p:nvSpPr>
-          <p:cNvPr id="369" name="Shape"/>
+          <p:cNvPr id="366" name="Shape"/>
           <p:cNvSpPr/>
           <p:nvPr/>
         </p:nvSpPr>
@@ -32554,7 +32467,7 @@
       </p:sp>
       <p:graphicFrame>
         <p:nvGraphicFramePr>
-          <p:cNvPr id="370" name="Table"/>
+          <p:cNvPr id="367" name="Table"/>
           <p:cNvGraphicFramePr/>
           <p:nvPr/>
         </p:nvGraphicFramePr>
@@ -32868,7 +32781,7 @@
       </p:graphicFrame>
       <p:sp>
         <p:nvSpPr>
-          <p:cNvPr id="371" name="Shape"/>
+          <p:cNvPr id="368" name="Shape"/>
           <p:cNvSpPr/>
           <p:nvPr/>
         </p:nvSpPr>
@@ -32955,7 +32868,7 @@
       </p:sp>
       <p:graphicFrame>
         <p:nvGraphicFramePr>
-          <p:cNvPr id="372" name="Table"/>
+          <p:cNvPr id="369" name="Table"/>
           <p:cNvGraphicFramePr/>
           <p:nvPr/>
         </p:nvGraphicFramePr>
@@ -33249,7 +33162,7 @@
       </p:graphicFrame>
       <p:sp>
         <p:nvSpPr>
-          <p:cNvPr id="373" name="# A tibble: 234 × 6…"/>
+          <p:cNvPr id="370" name="# A tibble: 234 × 6…"/>
           <p:cNvSpPr/>
           <p:nvPr/>
         </p:nvSpPr>
@@ -33699,7 +33612,7 @@
       </p:sp>
       <p:sp>
         <p:nvSpPr>
-          <p:cNvPr id="374" name="156 1999   6   auto(l4)…"/>
+          <p:cNvPr id="371" name="156 1999   6   auto(l4)…"/>
           <p:cNvSpPr/>
           <p:nvPr/>
         </p:nvSpPr>
@@ -34041,7 +33954,7 @@
       </p:sp>
       <p:sp>
         <p:nvSpPr>
-          <p:cNvPr id="375" name="A large table to display"/>
+          <p:cNvPr id="372" name="A large table to display"/>
           <p:cNvSpPr txBox="1"/>
           <p:nvPr/>
         </p:nvSpPr>
@@ -34097,7 +34010,7 @@
       </p:sp>
       <p:sp>
         <p:nvSpPr>
-          <p:cNvPr id="376" name="as_tibble(x, …) Convert data frame to tibble.…"/>
+          <p:cNvPr id="373" name="as_tibble(x, …) Convert data frame to tibble.…"/>
           <p:cNvSpPr txBox="1"/>
           <p:nvPr/>
         </p:nvSpPr>
@@ -34308,7 +34221,7 @@
       </p:sp>
       <p:sp>
         <p:nvSpPr>
-          <p:cNvPr id="377" name="CONSTRUCT A TIBBLE IN TWO WAYS"/>
+          <p:cNvPr id="374" name="CONSTRUCT A TIBBLE IN TWO WAYS"/>
           <p:cNvSpPr txBox="1"/>
           <p:nvPr/>
         </p:nvSpPr>
@@ -34344,7 +34257,7 @@
       </p:sp>
       <p:sp>
         <p:nvSpPr>
-          <p:cNvPr id="378" name="Line"/>
+          <p:cNvPr id="375" name="Line"/>
           <p:cNvSpPr/>
           <p:nvPr/>
         </p:nvSpPr>
@@ -34387,7 +34300,7 @@
       </p:sp>
       <p:sp>
         <p:nvSpPr>
-          <p:cNvPr id="379" name="Line"/>
+          <p:cNvPr id="376" name="Line"/>
           <p:cNvSpPr/>
           <p:nvPr/>
         </p:nvSpPr>
@@ -34428,7 +34341,7 @@
       </p:sp>
       <p:sp>
         <p:nvSpPr>
-          <p:cNvPr id="380" name="Expand Tables - quickly create tables with combinations of values"/>
+          <p:cNvPr id="377" name="Expand Tables - quickly create tables with combinations of values"/>
           <p:cNvSpPr txBox="1"/>
           <p:nvPr/>
         </p:nvSpPr>
@@ -34484,7 +34397,7 @@
       </p:sp>
       <p:sp>
         <p:nvSpPr>
-          <p:cNvPr id="381" name="Line"/>
+          <p:cNvPr id="378" name="Line"/>
           <p:cNvSpPr/>
           <p:nvPr/>
         </p:nvSpPr>
@@ -34525,7 +34438,7 @@
       </p:sp>
       <p:sp>
         <p:nvSpPr>
-          <p:cNvPr id="382" name="Tidy Data with tidyr"/>
+          <p:cNvPr id="379" name="Tidy Data with tidyr"/>
           <p:cNvSpPr txBox="1"/>
           <p:nvPr/>
         </p:nvSpPr>
@@ -34577,7 +34490,7 @@
       </p:sp>
       <p:sp>
         <p:nvSpPr>
-          <p:cNvPr id="383" name="Line"/>
+          <p:cNvPr id="380" name="Line"/>
           <p:cNvSpPr/>
           <p:nvPr/>
         </p:nvSpPr>
@@ -34616,6 +34529,93 @@
           </a:p>
         </p:txBody>
       </p:sp>
+      <p:pic>
+        <p:nvPicPr>
+          <p:cNvPr id="381" name="tidyr.png" descr="tidyr.png"/>
+          <p:cNvPicPr>
+            <a:picLocks noChangeAspect="1"/>
+          </p:cNvPicPr>
+          <p:nvPr/>
+        </p:nvPicPr>
+        <p:blipFill>
+          <a:blip r:embed="rId6">
+            <a:extLst/>
+          </a:blip>
+          <a:stretch>
+            <a:fillRect/>
+          </a:stretch>
+        </p:blipFill>
+        <p:spPr>
+          <a:xfrm>
+            <a:off x="12291979" y="195760"/>
+            <a:ext cx="1384301" cy="1604360"/>
+          </a:xfrm>
+          <a:prstGeom prst="rect">
+            <a:avLst/>
+          </a:prstGeom>
+          <a:ln w="12700">
+            <a:miter lim="400000"/>
+          </a:ln>
+        </p:spPr>
+      </p:pic>
+      <p:pic>
+        <p:nvPicPr>
+          <p:cNvPr id="382" name="Image" descr="Image"/>
+          <p:cNvPicPr>
+            <a:picLocks noChangeAspect="1"/>
+          </p:cNvPicPr>
+          <p:nvPr/>
+        </p:nvPicPr>
+        <p:blipFill>
+          <a:blip r:embed="rId7">
+            <a:extLst/>
+          </a:blip>
+          <a:stretch>
+            <a:fillRect/>
+          </a:stretch>
+        </p:blipFill>
+        <p:spPr>
+          <a:xfrm>
+            <a:off x="238823" y="9978474"/>
+            <a:ext cx="1754521" cy="616478"/>
+          </a:xfrm>
+          <a:prstGeom prst="rect">
+            <a:avLst/>
+          </a:prstGeom>
+          <a:ln w="12700">
+            <a:miter lim="400000"/>
+          </a:ln>
+        </p:spPr>
+      </p:pic>
+      <p:pic>
+        <p:nvPicPr>
+          <p:cNvPr id="383" name="tibble.png" descr="tibble.png"/>
+          <p:cNvPicPr>
+            <a:picLocks noChangeAspect="1"/>
+          </p:cNvPicPr>
+          <p:nvPr/>
+        </p:nvPicPr>
+        <p:blipFill>
+          <a:blip r:embed="rId8">
+            <a:extLst/>
+          </a:blip>
+          <a:stretch>
+            <a:fillRect/>
+          </a:stretch>
+        </p:blipFill>
+        <p:spPr>
+          <a:xfrm>
+            <a:off x="2704385" y="822803"/>
+            <a:ext cx="704373" cy="816345"/>
+          </a:xfrm>
+          <a:prstGeom prst="rect">
+            <a:avLst/>
+          </a:prstGeom>
+          <a:ln w="12700">
+            <a:miter lim="400000"/>
+          </a:ln>
+        </p:spPr>
+      </p:pic>
     </p:spTree>
   </p:cSld>
   <p:clrMapOvr>

--- a/powerpoints/data-import.pptx
+++ b/powerpoints/data-import.pptx
@@ -20829,14 +20829,14 @@
       </p:grpSp>
       <p:sp>
         <p:nvSpPr>
-          <p:cNvPr id="285" name="separate(table3, rate,…"/>
+          <p:cNvPr id="285" name="separate(table3, rate, sep = &quot;/&quot;,…"/>
           <p:cNvSpPr txBox="1"/>
           <p:nvPr/>
         </p:nvSpPr>
         <p:spPr>
           <a:xfrm>
-            <a:off x="11034555" y="4055905"/>
-            <a:ext cx="2009810" cy="650107"/>
+            <a:off x="11025424" y="4066453"/>
+            <a:ext cx="2129671" cy="650107"/>
           </a:xfrm>
           <a:prstGeom prst="rect">
             <a:avLst/>
@@ -20856,14 +20856,14 @@
           </a:bodyPr>
           <a:lstStyle/>
           <a:p>
-            <a:pPr marL="114300" indent="-114300">
+            <a:pPr marL="110871" indent="-110871" algn="ctr" defTabSz="566674">
               <a:lnSpc>
                 <a:spcPct val="90000"/>
               </a:lnSpc>
               <a:spcBef>
                 <a:spcPts val="0"/>
               </a:spcBef>
-              <a:defRPr b="0" i="1" sz="1300">
+              <a:defRPr b="0" i="1" sz="1261">
                 <a:solidFill>
                   <a:schemeClr val="accent1">
                     <a:hueOff val="47394"/>
@@ -20874,18 +20874,18 @@
               </a:defRPr>
             </a:pPr>
             <a:r>
-              <a:t>separate(table3, rate, </a:t>
+              <a:t>separate(table3, rate, sep = "/", </a:t>
             </a:r>
           </a:p>
           <a:p>
-            <a:pPr marL="114300" indent="-114300">
+            <a:pPr marL="110871" indent="-110871" algn="ctr" defTabSz="566674">
               <a:lnSpc>
                 <a:spcPct val="90000"/>
               </a:lnSpc>
               <a:spcBef>
                 <a:spcPts val="0"/>
               </a:spcBef>
-              <a:defRPr b="0" i="1" sz="1300">
+              <a:defRPr b="0" i="1" sz="1261">
                 <a:solidFill>
                   <a:schemeClr val="accent1">
                     <a:hueOff val="47394"/>

--- a/powerpoints/data-import.pptx
+++ b/powerpoints/data-import.pptx
@@ -815,8 +815,8 @@
         </p:nvSpPr>
         <p:spPr>
           <a:xfrm>
-            <a:off x="0" y="158750"/>
-            <a:ext cx="13964218" cy="10477500"/>
+            <a:off x="-873125" y="158750"/>
+            <a:ext cx="15708068" cy="10477500"/>
           </a:xfrm>
           <a:prstGeom prst="rect">
             <a:avLst/>
@@ -1075,7 +1075,7 @@
         <p:spPr>
           <a:xfrm>
             <a:off x="1725786" y="840878"/>
-            <a:ext cx="10504786" cy="6357443"/>
+            <a:ext cx="10504786" cy="7006839"/>
           </a:xfrm>
           <a:prstGeom prst="rect">
             <a:avLst/>
@@ -1350,13 +1350,13 @@
           <p:cNvPr id="38" name="Image"/>
           <p:cNvSpPr/>
           <p:nvPr>
-            <p:ph type="pic" sz="half" idx="13"/>
+            <p:ph type="pic" idx="13"/>
           </p:nvPr>
         </p:nvSpPr>
         <p:spPr>
           <a:xfrm>
-            <a:off x="7216923" y="840878"/>
-            <a:ext cx="5729884" cy="8840392"/>
+            <a:off x="2919511" y="840878"/>
+            <a:ext cx="13274230" cy="8849488"/>
           </a:xfrm>
           <a:prstGeom prst="rect">
             <a:avLst/>
@@ -1752,13 +1752,13 @@
           <p:cNvPr id="65" name="Image"/>
           <p:cNvSpPr/>
           <p:nvPr>
-            <p:ph type="pic" sz="half" idx="13"/>
+            <p:ph type="pic" idx="13"/>
           </p:nvPr>
         </p:nvSpPr>
         <p:spPr>
           <a:xfrm>
-            <a:off x="7216923" y="2955478"/>
-            <a:ext cx="5729884" cy="6753077"/>
+            <a:off x="4870400" y="2955478"/>
+            <a:ext cx="10129615" cy="6753077"/>
           </a:xfrm>
           <a:prstGeom prst="rect">
             <a:avLst/>
@@ -2019,13 +2019,13 @@
           <p:cNvPr id="83" name="Image"/>
           <p:cNvSpPr/>
           <p:nvPr>
-            <p:ph type="pic" sz="half" idx="13"/>
+            <p:ph type="pic" idx="13"/>
           </p:nvPr>
         </p:nvSpPr>
         <p:spPr>
           <a:xfrm>
-            <a:off x="1023193" y="1113730"/>
-            <a:ext cx="5729884" cy="8567540"/>
+            <a:off x="-2551163" y="1113730"/>
+            <a:ext cx="12864953" cy="8576636"/>
           </a:xfrm>
           <a:prstGeom prst="rect">
             <a:avLst/>
@@ -2051,8 +2051,8 @@
         </p:nvSpPr>
         <p:spPr>
           <a:xfrm>
-            <a:off x="7216923" y="5629423"/>
-            <a:ext cx="5729884" cy="4051847"/>
+            <a:off x="7175996" y="5558791"/>
+            <a:ext cx="6507511" cy="4340601"/>
           </a:xfrm>
           <a:prstGeom prst="rect">
             <a:avLst/>
@@ -2078,8 +2078,8 @@
         </p:nvSpPr>
         <p:spPr>
           <a:xfrm>
-            <a:off x="7223603" y="1113730"/>
-            <a:ext cx="5729884" cy="4051847"/>
+            <a:off x="6985000" y="1111310"/>
+            <a:ext cx="6302872" cy="4201915"/>
           </a:xfrm>
           <a:prstGeom prst="rect">
             <a:avLst/>
@@ -2333,9 +2333,6 @@
         <a:buNone/>
         <a:tabLst/>
         <a:defRPr b="0" baseline="0" cap="none" i="0" spc="0" strike="noStrike" sz="4800" u="none">
-          <a:ln>
-            <a:noFill/>
-          </a:ln>
           <a:solidFill>
             <a:srgbClr val="585858"/>
           </a:solidFill>
@@ -2362,9 +2359,6 @@
         <a:buNone/>
         <a:tabLst/>
         <a:defRPr b="0" baseline="0" cap="none" i="0" spc="0" strike="noStrike" sz="4800" u="none">
-          <a:ln>
-            <a:noFill/>
-          </a:ln>
           <a:solidFill>
             <a:srgbClr val="585858"/>
           </a:solidFill>
@@ -2391,9 +2385,6 @@
         <a:buNone/>
         <a:tabLst/>
         <a:defRPr b="0" baseline="0" cap="none" i="0" spc="0" strike="noStrike" sz="4800" u="none">
-          <a:ln>
-            <a:noFill/>
-          </a:ln>
           <a:solidFill>
             <a:srgbClr val="585858"/>
           </a:solidFill>
@@ -2420,9 +2411,6 @@
         <a:buNone/>
         <a:tabLst/>
         <a:defRPr b="0" baseline="0" cap="none" i="0" spc="0" strike="noStrike" sz="4800" u="none">
-          <a:ln>
-            <a:noFill/>
-          </a:ln>
           <a:solidFill>
             <a:srgbClr val="585858"/>
           </a:solidFill>
@@ -2449,9 +2437,6 @@
         <a:buNone/>
         <a:tabLst/>
         <a:defRPr b="0" baseline="0" cap="none" i="0" spc="0" strike="noStrike" sz="4800" u="none">
-          <a:ln>
-            <a:noFill/>
-          </a:ln>
           <a:solidFill>
             <a:srgbClr val="585858"/>
           </a:solidFill>
@@ -2478,9 +2463,6 @@
         <a:buNone/>
         <a:tabLst/>
         <a:defRPr b="0" baseline="0" cap="none" i="0" spc="0" strike="noStrike" sz="4800" u="none">
-          <a:ln>
-            <a:noFill/>
-          </a:ln>
           <a:solidFill>
             <a:srgbClr val="585858"/>
           </a:solidFill>
@@ -2507,9 +2489,6 @@
         <a:buNone/>
         <a:tabLst/>
         <a:defRPr b="0" baseline="0" cap="none" i="0" spc="0" strike="noStrike" sz="4800" u="none">
-          <a:ln>
-            <a:noFill/>
-          </a:ln>
           <a:solidFill>
             <a:srgbClr val="585858"/>
           </a:solidFill>
@@ -2536,9 +2515,6 @@
         <a:buNone/>
         <a:tabLst/>
         <a:defRPr b="0" baseline="0" cap="none" i="0" spc="0" strike="noStrike" sz="4800" u="none">
-          <a:ln>
-            <a:noFill/>
-          </a:ln>
           <a:solidFill>
             <a:srgbClr val="585858"/>
           </a:solidFill>
@@ -2565,9 +2541,6 @@
         <a:buNone/>
         <a:tabLst/>
         <a:defRPr b="0" baseline="0" cap="none" i="0" spc="0" strike="noStrike" sz="4800" u="none">
-          <a:ln>
-            <a:noFill/>
-          </a:ln>
           <a:solidFill>
             <a:srgbClr val="585858"/>
           </a:solidFill>
@@ -2596,9 +2569,6 @@
         <a:buChar char="•"/>
         <a:tabLst/>
         <a:defRPr b="0" baseline="0" cap="none" i="0" spc="0" strike="noStrike" sz="1200" u="none">
-          <a:ln>
-            <a:noFill/>
-          </a:ln>
           <a:solidFill>
             <a:srgbClr val="000000"/>
           </a:solidFill>
@@ -2625,9 +2595,6 @@
         <a:buChar char="•"/>
         <a:tabLst/>
         <a:defRPr b="0" baseline="0" cap="none" i="0" spc="0" strike="noStrike" sz="1200" u="none">
-          <a:ln>
-            <a:noFill/>
-          </a:ln>
           <a:solidFill>
             <a:srgbClr val="000000"/>
           </a:solidFill>
@@ -2654,9 +2621,6 @@
         <a:buChar char="•"/>
         <a:tabLst/>
         <a:defRPr b="0" baseline="0" cap="none" i="0" spc="0" strike="noStrike" sz="1200" u="none">
-          <a:ln>
-            <a:noFill/>
-          </a:ln>
           <a:solidFill>
             <a:srgbClr val="000000"/>
           </a:solidFill>
@@ -2683,9 +2647,6 @@
         <a:buChar char="•"/>
         <a:tabLst/>
         <a:defRPr b="0" baseline="0" cap="none" i="0" spc="0" strike="noStrike" sz="1200" u="none">
-          <a:ln>
-            <a:noFill/>
-          </a:ln>
           <a:solidFill>
             <a:srgbClr val="000000"/>
           </a:solidFill>
@@ -2712,9 +2673,6 @@
         <a:buChar char="•"/>
         <a:tabLst/>
         <a:defRPr b="0" baseline="0" cap="none" i="0" spc="0" strike="noStrike" sz="1200" u="none">
-          <a:ln>
-            <a:noFill/>
-          </a:ln>
           <a:solidFill>
             <a:srgbClr val="000000"/>
           </a:solidFill>
@@ -2741,9 +2699,6 @@
         <a:buChar char="•"/>
         <a:tabLst/>
         <a:defRPr b="0" baseline="0" cap="none" i="0" spc="0" strike="noStrike" sz="1200" u="none">
-          <a:ln>
-            <a:noFill/>
-          </a:ln>
           <a:solidFill>
             <a:srgbClr val="000000"/>
           </a:solidFill>
@@ -2770,9 +2725,6 @@
         <a:buChar char="•"/>
         <a:tabLst/>
         <a:defRPr b="0" baseline="0" cap="none" i="0" spc="0" strike="noStrike" sz="1200" u="none">
-          <a:ln>
-            <a:noFill/>
-          </a:ln>
           <a:solidFill>
             <a:srgbClr val="000000"/>
           </a:solidFill>
@@ -2799,9 +2751,6 @@
         <a:buChar char="•"/>
         <a:tabLst/>
         <a:defRPr b="0" baseline="0" cap="none" i="0" spc="0" strike="noStrike" sz="1200" u="none">
-          <a:ln>
-            <a:noFill/>
-          </a:ln>
           <a:solidFill>
             <a:srgbClr val="000000"/>
           </a:solidFill>
@@ -2828,9 +2777,6 @@
         <a:buChar char="•"/>
         <a:tabLst/>
         <a:defRPr b="0" baseline="0" cap="none" i="0" spc="0" strike="noStrike" sz="1200" u="none">
-          <a:ln>
-            <a:noFill/>
-          </a:ln>
           <a:solidFill>
             <a:srgbClr val="000000"/>
           </a:solidFill>
@@ -2859,9 +2805,6 @@
         <a:buNone/>
         <a:tabLst/>
         <a:defRPr b="0" baseline="0" cap="none" i="0" spc="0" strike="noStrike" sz="1800" u="none">
-          <a:ln>
-            <a:noFill/>
-          </a:ln>
           <a:solidFill>
             <a:schemeClr val="tx1"/>
           </a:solidFill>
@@ -2888,9 +2831,6 @@
         <a:buNone/>
         <a:tabLst/>
         <a:defRPr b="0" baseline="0" cap="none" i="0" spc="0" strike="noStrike" sz="1800" u="none">
-          <a:ln>
-            <a:noFill/>
-          </a:ln>
           <a:solidFill>
             <a:schemeClr val="tx1"/>
           </a:solidFill>
@@ -2917,9 +2857,6 @@
         <a:buNone/>
         <a:tabLst/>
         <a:defRPr b="0" baseline="0" cap="none" i="0" spc="0" strike="noStrike" sz="1800" u="none">
-          <a:ln>
-            <a:noFill/>
-          </a:ln>
           <a:solidFill>
             <a:schemeClr val="tx1"/>
           </a:solidFill>
@@ -2946,9 +2883,6 @@
         <a:buNone/>
         <a:tabLst/>
         <a:defRPr b="0" baseline="0" cap="none" i="0" spc="0" strike="noStrike" sz="1800" u="none">
-          <a:ln>
-            <a:noFill/>
-          </a:ln>
           <a:solidFill>
             <a:schemeClr val="tx1"/>
           </a:solidFill>
@@ -2975,9 +2909,6 @@
         <a:buNone/>
         <a:tabLst/>
         <a:defRPr b="0" baseline="0" cap="none" i="0" spc="0" strike="noStrike" sz="1800" u="none">
-          <a:ln>
-            <a:noFill/>
-          </a:ln>
           <a:solidFill>
             <a:schemeClr val="tx1"/>
           </a:solidFill>
@@ -3004,9 +2935,6 @@
         <a:buNone/>
         <a:tabLst/>
         <a:defRPr b="0" baseline="0" cap="none" i="0" spc="0" strike="noStrike" sz="1800" u="none">
-          <a:ln>
-            <a:noFill/>
-          </a:ln>
           <a:solidFill>
             <a:schemeClr val="tx1"/>
           </a:solidFill>
@@ -3033,9 +2961,6 @@
         <a:buNone/>
         <a:tabLst/>
         <a:defRPr b="0" baseline="0" cap="none" i="0" spc="0" strike="noStrike" sz="1800" u="none">
-          <a:ln>
-            <a:noFill/>
-          </a:ln>
           <a:solidFill>
             <a:schemeClr val="tx1"/>
           </a:solidFill>
@@ -3062,9 +2987,6 @@
         <a:buNone/>
         <a:tabLst/>
         <a:defRPr b="0" baseline="0" cap="none" i="0" spc="0" strike="noStrike" sz="1800" u="none">
-          <a:ln>
-            <a:noFill/>
-          </a:ln>
           <a:solidFill>
             <a:schemeClr val="tx1"/>
           </a:solidFill>
@@ -3091,9 +3013,6 @@
         <a:buNone/>
         <a:tabLst/>
         <a:defRPr b="0" baseline="0" cap="none" i="0" spc="0" strike="noStrike" sz="1800" u="none">
-          <a:ln>
-            <a:noFill/>
-          </a:ln>
           <a:solidFill>
             <a:schemeClr val="tx1"/>
           </a:solidFill>
@@ -6237,9 +6156,9 @@
         <p:grpSpPr>
           <a:xfrm>
             <a:off x="3949897" y="3209612"/>
-            <a:ext cx="580009" cy="759292"/>
+            <a:ext cx="1295401" cy="1687702"/>
             <a:chOff x="0" y="0"/>
-            <a:chExt cx="580007" cy="759291"/>
+            <a:chExt cx="1295399" cy="1687701"/>
           </a:xfrm>
         </p:grpSpPr>
         <p:grpSp>
@@ -6373,15 +6292,15 @@
         <p:sp>
           <p:nvSpPr>
             <p:cNvPr id="173" name="a;b;c…"/>
-            <p:cNvSpPr txBox="1"/>
+            <p:cNvSpPr/>
             <p:nvPr/>
           </p:nvSpPr>
           <p:spPr>
             <a:xfrm>
-              <a:off x="25400" y="76110"/>
-              <a:ext cx="506689" cy="683182"/>
+              <a:off x="25400" y="417701"/>
+              <a:ext cx="1270000" cy="1270001"/>
             </a:xfrm>
-            <a:prstGeom prst="rect">
+            <a:prstGeom prst="line">
               <a:avLst/>
             </a:prstGeom>
             <a:noFill/>
@@ -6479,9 +6398,9 @@
         <p:grpSpPr>
           <a:xfrm>
             <a:off x="3949897" y="4029400"/>
-            <a:ext cx="580009" cy="759293"/>
+            <a:ext cx="1295401" cy="1687702"/>
             <a:chOff x="0" y="0"/>
-            <a:chExt cx="580007" cy="759291"/>
+            <a:chExt cx="1295399" cy="1687701"/>
           </a:xfrm>
         </p:grpSpPr>
         <p:grpSp>
@@ -6615,15 +6534,15 @@
         <p:sp>
           <p:nvSpPr>
             <p:cNvPr id="178" name="a|b|c…"/>
-            <p:cNvSpPr txBox="1"/>
+            <p:cNvSpPr/>
             <p:nvPr/>
           </p:nvSpPr>
           <p:spPr>
             <a:xfrm>
-              <a:off x="25400" y="76110"/>
-              <a:ext cx="503616" cy="683182"/>
+              <a:off x="25400" y="417701"/>
+              <a:ext cx="1270000" cy="1270001"/>
             </a:xfrm>
-            <a:prstGeom prst="rect">
+            <a:prstGeom prst="line">
               <a:avLst/>
             </a:prstGeom>
             <a:noFill/>
@@ -6721,9 +6640,9 @@
         <p:grpSpPr>
           <a:xfrm>
             <a:off x="3949897" y="4849189"/>
-            <a:ext cx="580009" cy="759293"/>
+            <a:ext cx="1295401" cy="1687702"/>
             <a:chOff x="0" y="0"/>
-            <a:chExt cx="580007" cy="759291"/>
+            <a:chExt cx="1295399" cy="1687701"/>
           </a:xfrm>
         </p:grpSpPr>
         <p:grpSp>
@@ -6857,15 +6776,15 @@
         <p:sp>
           <p:nvSpPr>
             <p:cNvPr id="183" name="a  b  c…"/>
-            <p:cNvSpPr txBox="1"/>
+            <p:cNvSpPr/>
             <p:nvPr/>
           </p:nvSpPr>
           <p:spPr>
             <a:xfrm>
-              <a:off x="25400" y="76110"/>
-              <a:ext cx="520964" cy="683182"/>
+              <a:off x="25400" y="417701"/>
+              <a:ext cx="1270000" cy="1270001"/>
             </a:xfrm>
-            <a:prstGeom prst="rect">
+            <a:prstGeom prst="line">
               <a:avLst/>
             </a:prstGeom>
             <a:noFill/>
@@ -11532,25 +11451,59 @@
         <p:grpSpPr>
           <a:xfrm>
             <a:off x="333196" y="1268279"/>
-            <a:ext cx="3067130" cy="1752601"/>
+            <a:ext cx="3067130" cy="1638307"/>
             <a:chOff x="0" y="0"/>
-            <a:chExt cx="3067128" cy="1752600"/>
+            <a:chExt cx="3067128" cy="1638306"/>
           </a:xfrm>
         </p:grpSpPr>
         <p:sp>
           <p:nvSpPr>
             <p:cNvPr id="216" name="R’s tidyverse is built around tidy data stored in  tibbles, which are enhanced data frames.…"/>
-            <p:cNvSpPr txBox="1"/>
+            <p:cNvSpPr/>
             <p:nvPr/>
           </p:nvSpPr>
           <p:spPr>
             <a:xfrm>
               <a:off x="0" y="0"/>
-              <a:ext cx="3067129" cy="1752600"/>
+              <a:ext cx="3067129" cy="0"/>
             </a:xfrm>
-            <a:prstGeom prst="rect">
+            <a:custGeom>
               <a:avLst/>
-            </a:prstGeom>
+              <a:gdLst/>
+              <a:ahLst/>
+              <a:cxnLst>
+                <a:cxn ang="0">
+                  <a:pos x="wd2" y="hd2"/>
+                </a:cxn>
+                <a:cxn ang="5400000">
+                  <a:pos x="wd2" y="hd2"/>
+                </a:cxn>
+                <a:cxn ang="10800000">
+                  <a:pos x="wd2" y="hd2"/>
+                </a:cxn>
+                <a:cxn ang="16200000">
+                  <a:pos x="wd2" y="hd2"/>
+                </a:cxn>
+              </a:cxnLst>
+              <a:rect l="0" t="0" r="r" b="b"/>
+              <a:pathLst>
+                <a:path w="21600" h="0" fill="norm" stroke="1" extrusionOk="0">
+                  <a:moveTo>
+                    <a:pt x="0" y="0"/>
+                  </a:moveTo>
+                  <a:lnTo>
+                    <a:pt x="21600" y="0"/>
+                  </a:lnTo>
+                  <a:lnTo>
+                    <a:pt x="21600" y="0"/>
+                  </a:lnTo>
+                  <a:lnTo>
+                    <a:pt x="0" y="0"/>
+                  </a:lnTo>
+                  <a:close/>
+                </a:path>
+              </a:pathLst>
+            </a:custGeom>
             <a:noFill/>
             <a:ln w="12700" cap="flat">
               <a:noFill/>
@@ -13571,8 +13524,8 @@
           </p:nvGrpSpPr>
           <p:grpSpPr>
             <a:xfrm>
-              <a:off x="25400" y="0"/>
-              <a:ext cx="3392850" cy="1776495"/>
+              <a:off x="25400" y="-1"/>
+              <a:ext cx="3392850" cy="1776496"/>
               <a:chOff x="25400" y="0"/>
               <a:chExt cx="3392849" cy="1776494"/>
             </a:xfrm>
@@ -14877,8 +14830,8 @@
           </p:nvGrpSpPr>
           <p:grpSpPr>
             <a:xfrm>
-              <a:off x="25400" y="0"/>
-              <a:ext cx="3535666" cy="1776495"/>
+              <a:off x="25400" y="-1"/>
+              <a:ext cx="3535666" cy="1776496"/>
               <a:chOff x="25400" y="0"/>
               <a:chExt cx="3535665" cy="1776494"/>
             </a:xfrm>
@@ -19821,7 +19774,7 @@
                             <a:cs typeface="Helvetica"/>
                             <a:sym typeface="Helvetica"/>
                           </a:rPr>
-                          <a:t>0</a:t>
+                          <a:t>00</a:t>
                         </a:r>
                       </a:p>
                     </a:txBody>
@@ -19999,7 +19952,7 @@
                             <a:cs typeface="Helvetica"/>
                             <a:sym typeface="Helvetica"/>
                           </a:rPr>
-                          <a:t>0</a:t>
+                          <a:t>00</a:t>
                         </a:r>
                       </a:p>
                     </a:txBody>
@@ -20177,7 +20130,7 @@
                             <a:cs typeface="Helvetica"/>
                             <a:sym typeface="Helvetica"/>
                           </a:rPr>
-                          <a:t>0</a:t>
+                          <a:t>00</a:t>
                         </a:r>
                       </a:p>
                     </a:txBody>
@@ -20835,8 +20788,8 @@
         </p:nvSpPr>
         <p:spPr>
           <a:xfrm>
-            <a:off x="11025424" y="4066453"/>
-            <a:ext cx="2129671" cy="650107"/>
+            <a:off x="11025424" y="4066454"/>
+            <a:ext cx="2129671" cy="650106"/>
           </a:xfrm>
           <a:prstGeom prst="rect">
             <a:avLst/>
@@ -25607,10 +25560,10 @@
         </p:nvGrpSpPr>
         <p:grpSpPr>
           <a:xfrm>
-            <a:off x="8827644" y="1085896"/>
-            <a:ext cx="1376293" cy="992164"/>
-            <a:chOff x="7741" y="-209262"/>
-            <a:chExt cx="1376292" cy="992163"/>
+            <a:off x="8819902" y="1254767"/>
+            <a:ext cx="1639875" cy="1479263"/>
+            <a:chOff x="0" y="168870"/>
+            <a:chExt cx="1639873" cy="1479262"/>
           </a:xfrm>
         </p:grpSpPr>
         <p:graphicFrame>
@@ -25620,8 +25573,8 @@
             <p:nvPr/>
           </p:nvGraphicFramePr>
           <p:xfrm>
-            <a:off x="1118644" y="69991"/>
-            <a:ext cx="265390" cy="712910"/>
+            <a:off x="1093244" y="253854"/>
+            <a:ext cx="279401" cy="749301"/>
           </p:xfrm>
           <a:graphic xmlns:a="http://schemas.openxmlformats.org/drawingml/2006/main">
             <a:graphicData uri="http://schemas.openxmlformats.org/drawingml/2006/table">
@@ -25742,8 +25695,8 @@
             <p:nvPr/>
           </p:nvGraphicFramePr>
           <p:xfrm>
-            <a:off x="485746" y="69991"/>
-            <a:ext cx="265391" cy="712910"/>
+            <a:off x="460346" y="253854"/>
+            <a:ext cx="279401" cy="749301"/>
           </p:xfrm>
           <a:graphic xmlns:a="http://schemas.openxmlformats.org/drawingml/2006/main">
             <a:graphicData uri="http://schemas.openxmlformats.org/drawingml/2006/table">
@@ -25864,8 +25817,8 @@
             <p:nvPr/>
           </p:nvGraphicFramePr>
           <p:xfrm>
-            <a:off x="25400" y="66837"/>
-            <a:ext cx="265390" cy="712909"/>
+            <a:off x="0" y="250699"/>
+            <a:ext cx="279400" cy="749301"/>
           </p:xfrm>
           <a:graphic xmlns:a="http://schemas.openxmlformats.org/drawingml/2006/main">
             <a:graphicData uri="http://schemas.openxmlformats.org/drawingml/2006/table">
@@ -25982,17 +25935,51 @@
         <p:sp>
           <p:nvSpPr>
             <p:cNvPr id="315" name="A * B -&gt; C"/>
-            <p:cNvSpPr txBox="1"/>
+            <p:cNvSpPr/>
             <p:nvPr/>
           </p:nvSpPr>
           <p:spPr>
             <a:xfrm>
-              <a:off x="7741" y="-209263"/>
-              <a:ext cx="1318622" cy="337742"/>
+              <a:off x="7741" y="168870"/>
+              <a:ext cx="1318622" cy="1"/>
             </a:xfrm>
-            <a:prstGeom prst="rect">
+            <a:custGeom>
               <a:avLst/>
-            </a:prstGeom>
+              <a:gdLst/>
+              <a:ahLst/>
+              <a:cxnLst>
+                <a:cxn ang="0">
+                  <a:pos x="wd2" y="hd2"/>
+                </a:cxn>
+                <a:cxn ang="5400000">
+                  <a:pos x="wd2" y="hd2"/>
+                </a:cxn>
+                <a:cxn ang="10800000">
+                  <a:pos x="wd2" y="hd2"/>
+                </a:cxn>
+                <a:cxn ang="16200000">
+                  <a:pos x="wd2" y="hd2"/>
+                </a:cxn>
+              </a:cxnLst>
+              <a:rect l="0" t="0" r="r" b="b"/>
+              <a:pathLst>
+                <a:path w="21600" h="0" fill="norm" stroke="1" extrusionOk="0">
+                  <a:moveTo>
+                    <a:pt x="0" y="0"/>
+                  </a:moveTo>
+                  <a:lnTo>
+                    <a:pt x="21600" y="0"/>
+                  </a:lnTo>
+                  <a:lnTo>
+                    <a:pt x="21600" y="0"/>
+                  </a:lnTo>
+                  <a:lnTo>
+                    <a:pt x="0" y="0"/>
+                  </a:lnTo>
+                  <a:close/>
+                </a:path>
+              </a:pathLst>
+            </a:custGeom>
             <a:noFill/>
             <a:ln w="12700" cap="flat">
               <a:noFill/>
@@ -26036,15 +26023,15 @@
         <p:sp>
           <p:nvSpPr>
             <p:cNvPr id="316" name="*"/>
-            <p:cNvSpPr txBox="1"/>
+            <p:cNvSpPr/>
             <p:nvPr/>
           </p:nvSpPr>
           <p:spPr>
             <a:xfrm>
-              <a:off x="251607" y="-1"/>
-              <a:ext cx="236533" cy="337742"/>
+              <a:off x="369873" y="378132"/>
+              <a:ext cx="1270001" cy="1270001"/>
             </a:xfrm>
-            <a:prstGeom prst="rect">
+            <a:prstGeom prst="line">
               <a:avLst/>
             </a:prstGeom>
             <a:noFill/>
@@ -26095,7 +26082,7 @@
           </p:nvSpPr>
           <p:spPr>
             <a:xfrm>
-              <a:off x="49597" y="605475"/>
+              <a:off x="49597" y="814737"/>
               <a:ext cx="1044794" cy="142241"/>
             </a:xfrm>
             <a:prstGeom prst="rightArrow">
@@ -26157,7 +26144,7 @@
           </p:nvSpPr>
           <p:spPr>
             <a:xfrm>
-              <a:off x="49597" y="454655"/>
+              <a:off x="49597" y="663917"/>
               <a:ext cx="1044794" cy="142241"/>
             </a:xfrm>
             <a:prstGeom prst="rightArrow">
@@ -26219,7 +26206,7 @@
           </p:nvSpPr>
           <p:spPr>
             <a:xfrm>
-              <a:off x="49597" y="303835"/>
+              <a:off x="49597" y="513098"/>
               <a:ext cx="1044794" cy="142241"/>
             </a:xfrm>
             <a:prstGeom prst="rightArrow">
@@ -26282,10 +26269,10 @@
         </p:nvGrpSpPr>
         <p:grpSpPr>
           <a:xfrm>
-            <a:off x="7430108" y="1310485"/>
-            <a:ext cx="718100" cy="788489"/>
-            <a:chOff x="20209" y="0"/>
-            <a:chExt cx="718098" cy="788488"/>
+            <a:off x="7409898" y="1310485"/>
+            <a:ext cx="749301" cy="788489"/>
+            <a:chOff x="0" y="0"/>
+            <a:chExt cx="749300" cy="788488"/>
           </a:xfrm>
         </p:grpSpPr>
         <p:grpSp>
@@ -26296,10 +26283,10 @@
           </p:nvGrpSpPr>
           <p:grpSpPr>
             <a:xfrm>
-              <a:off x="20209" y="41818"/>
-              <a:ext cx="718100" cy="722254"/>
-              <a:chOff x="119271" y="16056"/>
-              <a:chExt cx="718098" cy="722252"/>
+              <a:off x="0" y="25762"/>
+              <a:ext cx="749300" cy="749301"/>
+              <a:chOff x="0" y="0"/>
+              <a:chExt cx="749300" cy="749300"/>
             </a:xfrm>
           </p:grpSpPr>
           <p:sp>
@@ -26310,7 +26297,7 @@
             </p:nvSpPr>
             <p:spPr>
               <a:xfrm>
-                <a:off x="119271" y="16056"/>
+                <a:off x="20209" y="16056"/>
                 <a:ext cx="708991" cy="715502"/>
               </a:xfrm>
               <a:prstGeom prst="rect">
@@ -26367,8 +26354,8 @@
               <p:nvPr/>
             </p:nvGraphicFramePr>
             <p:xfrm>
-              <a:off x="124461" y="25400"/>
-              <a:ext cx="712910" cy="712909"/>
+              <a:off x="0" y="0"/>
+              <a:ext cx="749300" cy="749300"/>
             </p:xfrm>
             <a:graphic xmlns:a="http://schemas.openxmlformats.org/drawingml/2006/main">
               <a:graphicData uri="http://schemas.openxmlformats.org/drawingml/2006/table">
@@ -29426,7 +29413,7 @@
           <a:xfrm>
             <a:off x="321327" y="7175797"/>
             <a:ext cx="3082562" cy="1814577"/>
-            <a:chOff x="0" y="15753"/>
+            <a:chOff x="0" y="0"/>
             <a:chExt cx="3082560" cy="1814575"/>
           </a:xfrm>
         </p:grpSpPr>
@@ -29438,8 +29425,8 @@
           </p:nvSpPr>
           <p:spPr>
             <a:xfrm>
-              <a:off x="65743" y="44823"/>
-              <a:ext cx="3016818" cy="1757353"/>
+              <a:off x="65743" y="29070"/>
+              <a:ext cx="3016818" cy="1757352"/>
             </a:xfrm>
             <a:prstGeom prst="roundRect">
               <a:avLst>
@@ -29488,7 +29475,7 @@
           </p:nvSpPr>
           <p:spPr>
             <a:xfrm>
-              <a:off x="0" y="15753"/>
+              <a:off x="0" y="0"/>
               <a:ext cx="2665234" cy="1814576"/>
             </a:xfrm>
             <a:prstGeom prst="rect">
@@ -29771,7 +29758,7 @@
           </p:nvSpPr>
           <p:spPr>
             <a:xfrm>
-              <a:off x="1767262" y="848518"/>
+              <a:off x="1767262" y="832765"/>
               <a:ext cx="1189359" cy="889655"/>
             </a:xfrm>
             <a:prstGeom prst="rect">
@@ -29965,7 +29952,7 @@
           </p:nvSpPr>
           <p:spPr>
             <a:xfrm>
-              <a:off x="2303204" y="117375"/>
+              <a:off x="2303204" y="101621"/>
               <a:ext cx="717154" cy="774304"/>
             </a:xfrm>
             <a:custGeom>

--- a/powerpoints/data-import.pptx
+++ b/powerpoints/data-import.pptx
@@ -11356,7 +11356,7 @@
       </p:sp>
       <p:sp>
         <p:nvSpPr>
-          <p:cNvPr id="215" name="RStudio® is a trademark of RStudio, Inc.  •  CC BY SA  RStudio •  info@rstudio.com  •  844-448-1212 • rstudio.com •  Learn more at tidyverse.org  •  readr  1.1.0 •  tibble  1.2.12 •  tidyr  0.6.0 •  Updated: 2017-01"/>
+          <p:cNvPr id="215" name="RStudio® is a trademark of RStudio, Inc.  •  CC BY SA  RStudio •  info@rstudio.com  •  844-448-1212 • rstudio.com •  Learn more at tidyverse.org  •  readr  1.1.0 •  tibble  1.2.12 •  tidyr  0.6.0 •  Updated: 2019–08"/>
           <p:cNvSpPr txBox="1"/>
           <p:nvPr/>
         </p:nvSpPr>
@@ -11437,7 +11437,7 @@
               <a:t> </a:t>
             </a:r>
             <a:r>
-              <a:t> •  readr  1.1.0 •  tibble  1.2.12 •  tidyr  0.6.0 •  Updated: 2017-01</a:t>
+              <a:t> •  readr  1.1.0 •  tibble  1.2.12 •  tidyr  0.6.0 •  Updated: 2019–08</a:t>
             </a:r>
           </a:p>
         </p:txBody>
@@ -12696,22 +12696,7 @@
                 <a:cs typeface="Source Sans Pro"/>
                 <a:sym typeface="Source Sans Pro"/>
               </a:rPr>
-              <a:t>Separate each cell in a column to make several rows. Also</a:t>
-            </a:r>
-            <a:r>
-              <a:t> </a:t>
-            </a:r>
-            <a:r>
-              <a:rPr b="1">
-                <a:latin typeface="Source Sans Pro"/>
-                <a:ea typeface="Source Sans Pro"/>
-                <a:cs typeface="Source Sans Pro"/>
-                <a:sym typeface="Source Sans Pro"/>
-              </a:rPr>
-              <a:t>separate_rows_()</a:t>
-            </a:r>
-            <a:r>
-              <a:t>.</a:t>
+              <a:t>Separate each cell in a column to make several rows.</a:t>
             </a:r>
           </a:p>
         </p:txBody>
@@ -28824,7 +28809,7 @@
       </p:sp>
       <p:sp>
         <p:nvSpPr>
-          <p:cNvPr id="351" name="RStudio® is a trademark of RStudio, Inc.  •  CC BY SA  RStudio •  info@rstudio.com  •  844-448-1212 • rstudio.com •  Learn more at tidyverse.org  •  readr  1.1.0 •  tibble  1.2.12 •  tidyr  0.6.0 •  Updated: 2017-01"/>
+          <p:cNvPr id="351" name="RStudio® is a trademark of RStudio, Inc.  •  CC BY SA  RStudio •  info@rstudio.com  •  844-448-1212 • rstudio.com •  Learn more at tidyverse.org  •  readr  1.1.0 •  tibble  1.2.12 •  tidyr  0.6.0 •  Updated: 2019–08"/>
           <p:cNvSpPr txBox="1"/>
           <p:nvPr/>
         </p:nvSpPr>
@@ -28905,7 +28890,7 @@
               <a:t> </a:t>
             </a:r>
             <a:r>
-              <a:t> •  readr  1.1.0 •  tibble  1.2.12 •  tidyr  0.6.0 •  Updated: 2017-01</a:t>
+              <a:t> •  readr  1.1.0 •  tibble  1.2.12 •  tidyr  0.6.0 •  Updated: 2019–08</a:t>
             </a:r>
           </a:p>
         </p:txBody>

--- a/powerpoints/data-import.pptx
+++ b/powerpoints/data-import.pptx
@@ -20841,14 +20841,14 @@
       </p:sp>
       <p:sp>
         <p:nvSpPr>
-          <p:cNvPr id="286" name="separate_rows(table3, rate)"/>
+          <p:cNvPr id="286" name="separate_rows(table3, rate, sep = &quot;/&quot;)"/>
           <p:cNvSpPr txBox="1"/>
           <p:nvPr/>
         </p:nvSpPr>
         <p:spPr>
           <a:xfrm>
-            <a:off x="11043686" y="7550706"/>
-            <a:ext cx="2009810" cy="409405"/>
+            <a:off x="10780183" y="7560553"/>
+            <a:ext cx="2638416" cy="409405"/>
           </a:xfrm>
           <a:prstGeom prst="rect">
             <a:avLst/>
@@ -20867,7 +20867,7 @@
             <a:normAutofit fontScale="100000" lnSpcReduction="0"/>
           </a:bodyPr>
           <a:lstStyle>
-            <a:lvl1pPr marL="114300" indent="-114300">
+            <a:lvl1pPr marL="114300" indent="-114300" algn="ctr">
               <a:lnSpc>
                 <a:spcPct val="90000"/>
               </a:lnSpc>
@@ -20888,7 +20888,7 @@
           <a:p>
             <a:pPr/>
             <a:r>
-              <a:t>separate_rows(table3, rate)</a:t>
+              <a:t>separate_rows(table3, rate, sep = "/")</a:t>
             </a:r>
           </a:p>
         </p:txBody>

--- a/powerpoints/data-import.pptx
+++ b/powerpoints/data-import.pptx
@@ -688,7 +688,7 @@
           <p:cNvPr id="93" name="–Johnny Appleseed"/>
           <p:cNvSpPr/>
           <p:nvPr>
-            <p:ph type="body" sz="quarter" idx="13"/>
+            <p:ph type="body" sz="quarter" idx="21"/>
           </p:nvPr>
         </p:nvSpPr>
         <p:spPr>
@@ -727,7 +727,7 @@
           <p:cNvPr id="94" name="“Type a quote here.”"/>
           <p:cNvSpPr/>
           <p:nvPr>
-            <p:ph type="body" sz="quarter" idx="14"/>
+            <p:ph type="body" sz="quarter" idx="22"/>
           </p:nvPr>
         </p:nvSpPr>
         <p:spPr>
@@ -810,7 +810,7 @@
           <p:cNvPr id="102" name="Image"/>
           <p:cNvSpPr/>
           <p:nvPr>
-            <p:ph type="pic" idx="13"/>
+            <p:ph type="pic" idx="21"/>
           </p:nvPr>
         </p:nvSpPr>
         <p:spPr>
@@ -1069,7 +1069,7 @@
           <p:cNvPr id="20" name="Image"/>
           <p:cNvSpPr/>
           <p:nvPr>
-            <p:ph type="pic" idx="13"/>
+            <p:ph type="pic" idx="21"/>
           </p:nvPr>
         </p:nvSpPr>
         <p:spPr>
@@ -1350,7 +1350,7 @@
           <p:cNvPr id="38" name="Image"/>
           <p:cNvSpPr/>
           <p:nvPr>
-            <p:ph type="pic" idx="13"/>
+            <p:ph type="pic" idx="21"/>
           </p:nvPr>
         </p:nvSpPr>
         <p:spPr>
@@ -1752,7 +1752,7 @@
           <p:cNvPr id="65" name="Image"/>
           <p:cNvSpPr/>
           <p:nvPr>
-            <p:ph type="pic" idx="13"/>
+            <p:ph type="pic" idx="21"/>
           </p:nvPr>
         </p:nvSpPr>
         <p:spPr>
@@ -2019,7 +2019,7 @@
           <p:cNvPr id="83" name="Image"/>
           <p:cNvSpPr/>
           <p:nvPr>
-            <p:ph type="pic" idx="13"/>
+            <p:ph type="pic" idx="21"/>
           </p:nvPr>
         </p:nvSpPr>
         <p:spPr>
@@ -2046,7 +2046,7 @@
           <p:cNvPr id="84" name="Image"/>
           <p:cNvSpPr/>
           <p:nvPr>
-            <p:ph type="pic" sz="quarter" idx="14"/>
+            <p:ph type="pic" sz="quarter" idx="22"/>
           </p:nvPr>
         </p:nvSpPr>
         <p:spPr>
@@ -2073,7 +2073,7 @@
           <p:cNvPr id="85" name="Image"/>
           <p:cNvSpPr/>
           <p:nvPr>
-            <p:ph type="pic" sz="quarter" idx="15"/>
+            <p:ph type="pic" sz="quarter" idx="23"/>
           </p:nvPr>
         </p:nvSpPr>
         <p:spPr>
@@ -4398,7 +4398,7 @@
         <p:spPr>
           <a:xfrm>
             <a:off x="3719970" y="1215390"/>
-            <a:ext cx="5604308" cy="541021"/>
+            <a:ext cx="5573828" cy="541021"/>
           </a:xfrm>
           <a:prstGeom prst="rect">
             <a:avLst/>
@@ -10139,10 +10139,10 @@
                 <a:solidFill>
                   <a:srgbClr val="000000"/>
                 </a:solidFill>
-                <a:latin typeface="Menlo"/>
-                <a:ea typeface="Menlo"/>
-                <a:cs typeface="Menlo"/>
-                <a:sym typeface="Menlo"/>
+                <a:latin typeface="Menlo Regular"/>
+                <a:ea typeface="Menlo Regular"/>
+                <a:cs typeface="Menlo Regular"/>
+                <a:sym typeface="Menlo Regular"/>
               </a:defRPr>
             </a:pPr>
             <a:r>
@@ -10158,10 +10158,10 @@
                 <a:solidFill>
                   <a:srgbClr val="000000"/>
                 </a:solidFill>
-                <a:latin typeface="Menlo"/>
-                <a:ea typeface="Menlo"/>
-                <a:cs typeface="Menlo"/>
-                <a:sym typeface="Menlo"/>
+                <a:latin typeface="Menlo Regular"/>
+                <a:ea typeface="Menlo Regular"/>
+                <a:cs typeface="Menlo Regular"/>
+                <a:sym typeface="Menlo Regular"/>
               </a:defRPr>
             </a:pPr>
             <a:r>
@@ -10177,10 +10177,10 @@
                 <a:solidFill>
                   <a:srgbClr val="000000"/>
                 </a:solidFill>
-                <a:latin typeface="Menlo"/>
-                <a:ea typeface="Menlo"/>
-                <a:cs typeface="Menlo"/>
-                <a:sym typeface="Menlo"/>
+                <a:latin typeface="Menlo Regular"/>
+                <a:ea typeface="Menlo Regular"/>
+                <a:cs typeface="Menlo Regular"/>
+                <a:sym typeface="Menlo Regular"/>
               </a:defRPr>
             </a:pPr>
             <a:r>
@@ -10196,10 +10196,10 @@
                 <a:solidFill>
                   <a:srgbClr val="000000"/>
                 </a:solidFill>
-                <a:latin typeface="Menlo"/>
-                <a:ea typeface="Menlo"/>
-                <a:cs typeface="Menlo"/>
-                <a:sym typeface="Menlo"/>
+                <a:latin typeface="Menlo Regular"/>
+                <a:ea typeface="Menlo Regular"/>
+                <a:cs typeface="Menlo Regular"/>
+                <a:sym typeface="Menlo Regular"/>
               </a:defRPr>
             </a:pPr>
             <a:r>
@@ -10215,10 +10215,10 @@
                 <a:solidFill>
                   <a:srgbClr val="000000"/>
                 </a:solidFill>
-                <a:latin typeface="Menlo"/>
-                <a:ea typeface="Menlo"/>
-                <a:cs typeface="Menlo"/>
-                <a:sym typeface="Menlo"/>
+                <a:latin typeface="Menlo Regular"/>
+                <a:ea typeface="Menlo Regular"/>
+                <a:cs typeface="Menlo Regular"/>
+                <a:sym typeface="Menlo Regular"/>
               </a:defRPr>
             </a:pPr>
             <a:r>
@@ -10234,10 +10234,10 @@
                 <a:solidFill>
                   <a:srgbClr val="000000"/>
                 </a:solidFill>
-                <a:latin typeface="Menlo"/>
-                <a:ea typeface="Menlo"/>
-                <a:cs typeface="Menlo"/>
-                <a:sym typeface="Menlo"/>
+                <a:latin typeface="Menlo Regular"/>
+                <a:ea typeface="Menlo Regular"/>
+                <a:cs typeface="Menlo Regular"/>
+                <a:sym typeface="Menlo Regular"/>
               </a:defRPr>
             </a:pPr>
             <a:r>
@@ -11356,7 +11356,7 @@
       </p:sp>
       <p:sp>
         <p:nvSpPr>
-          <p:cNvPr id="215" name="RStudio® is a trademark of RStudio, Inc.  •  CC BY SA  RStudio •  info@rstudio.com  •  844-448-1212 • rstudio.com •  Learn more at tidyverse.org  •  readr  1.1.0 •  tibble  1.2.12 •  tidyr  0.6.0 •  Updated: 2019–08"/>
+          <p:cNvPr id="215" name="RStudio® is a trademark of RStudio, Inc.  •  CC BY SA  RStudio •  info@rstudio.com  •  844-448-1212 • rstudio.com •  Learn more at tidyverse.org  •  readr  1.1.0 •  tibble  1.2.12 •  tidyr  0.6.0 •  Updated: 2021–03"/>
           <p:cNvSpPr txBox="1"/>
           <p:nvPr/>
         </p:nvSpPr>
@@ -11437,7 +11437,7 @@
               <a:t> </a:t>
             </a:r>
             <a:r>
-              <a:t> •  readr  1.1.0 •  tibble  1.2.12 •  tidyr  0.6.0 •  Updated: 2019–08</a:t>
+              <a:t> •  readr  1.1.0 •  tibble  1.2.12 •  tidyr  0.6.0 •  Updated: 2021–03</a:t>
             </a:r>
           </a:p>
         </p:txBody>
@@ -11776,9 +11776,126 @@
           <a:chExt cx="0" cy="0"/>
         </a:xfrm>
       </p:grpSpPr>
+      <p:sp>
+        <p:nvSpPr>
+          <p:cNvPr id="223" name="pivot_longer(data, cols, names_to = &quot;name&quot;, names_prefix = NULL, names_sep = NULL, names_pattern = NULL, names_ptypes = list(), names_transform = list(), names_repair = &quot;check_unique&quot;, values_to = &quot;value&quot;, values_drop_na = FALSE, values_ptypes = list(), "/>
+          <p:cNvSpPr txBox="1"/>
+          <p:nvPr/>
+        </p:nvSpPr>
+        <p:spPr>
+          <a:xfrm>
+            <a:off x="3740292" y="3167136"/>
+            <a:ext cx="3122536" cy="2627111"/>
+          </a:xfrm>
+          <a:prstGeom prst="rect">
+            <a:avLst/>
+          </a:prstGeom>
+          <a:ln w="12700">
+            <a:miter lim="400000"/>
+          </a:ln>
+          <a:extLst>
+            <a:ext uri="{C572A759-6A51-4108-AA02-DFA0A04FC94B}">
+              <ma14:wrappingTextBoxFlag xmlns:ma14="http://schemas.microsoft.com/office/mac/drawingml/2011/main" val="1"/>
+            </a:ext>
+          </a:extLst>
+        </p:spPr>
+        <p:txBody>
+          <a:bodyPr lIns="54570" tIns="54570" rIns="54570" bIns="54570">
+            <a:normAutofit fontScale="100000" lnSpcReduction="0"/>
+          </a:bodyPr>
+          <a:lstStyle/>
+          <a:p>
+            <a:pPr marL="114300" indent="-114300">
+              <a:lnSpc>
+                <a:spcPct val="90000"/>
+              </a:lnSpc>
+              <a:spcBef>
+                <a:spcPts val="700"/>
+              </a:spcBef>
+              <a:defRPr sz="1400">
+                <a:solidFill>
+                  <a:srgbClr val="000000"/>
+                </a:solidFill>
+              </a:defRPr>
+            </a:pPr>
+            <a:r>
+              <a:t>pivot_longer(</a:t>
+            </a:r>
+            <a:r>
+              <a:rPr b="0" sz="1000"/>
+              <a:t>data, cols, names_to = "name", names_prefix = NULL, names_sep = NULL, names_pattern = NULL, names_ptypes = list(), names_transform = list(), names_repair = "check_unique", values_to = "value", values_drop_na = FALSE, values_ptypes = list(), values_transform = list(), ..</a:t>
+            </a:r>
+            <a:r>
+              <a:rPr b="0" sz="1200"/>
+              <a:t>.</a:t>
+            </a:r>
+            <a:r>
+              <a:t>)</a:t>
+            </a:r>
+          </a:p>
+          <a:p>
+            <a:pPr>
+              <a:lnSpc>
+                <a:spcPct val="90000"/>
+              </a:lnSpc>
+              <a:spcBef>
+                <a:spcPts val="300"/>
+              </a:spcBef>
+              <a:defRPr b="0">
+                <a:solidFill>
+                  <a:srgbClr val="000000"/>
+                </a:solidFill>
+              </a:defRPr>
+            </a:pPr>
+            <a:r>
+              <a:t>pivot_longer() pivots </a:t>
+            </a:r>
+            <a:r>
+              <a:rPr>
+                <a:latin typeface="Source Sans Pro Semibold"/>
+                <a:ea typeface="Source Sans Pro Semibold"/>
+                <a:cs typeface="Source Sans Pro Semibold"/>
+                <a:sym typeface="Source Sans Pro Semibold"/>
+              </a:rPr>
+              <a:t>cols</a:t>
+            </a:r>
+            <a:r>
+              <a:rPr b="1"/>
+              <a:t> </a:t>
+            </a:r>
+            <a:r>
+              <a:t>columns, moving column names into a </a:t>
+            </a:r>
+            <a:r>
+              <a:rPr>
+                <a:latin typeface="Source Sans Pro Semibold"/>
+                <a:ea typeface="Source Sans Pro Semibold"/>
+                <a:cs typeface="Source Sans Pro Semibold"/>
+                <a:sym typeface="Source Sans Pro Semibold"/>
+              </a:rPr>
+              <a:t>names_to</a:t>
+            </a:r>
+            <a:r>
+              <a:t> column, and column values into a </a:t>
+            </a:r>
+            <a:r>
+              <a:rPr>
+                <a:latin typeface="Source Sans Pro Semibold"/>
+                <a:ea typeface="Source Sans Pro Semibold"/>
+                <a:cs typeface="Source Sans Pro Semibold"/>
+                <a:sym typeface="Source Sans Pro Semibold"/>
+              </a:rPr>
+              <a:t>values_to</a:t>
+            </a:r>
+            <a:r>
+              <a:t> column.</a:t>
+            </a:r>
+          </a:p>
+        </p:txBody>
+      </p:sp>
       <p:grpSp>
         <p:nvGrpSpPr>
-          <p:cNvPr id="240" name="Group"/>
+          <p:cNvPr id="241" name="Group"/>
           <p:cNvGrpSpPr/>
           <p:nvPr/>
         </p:nvGrpSpPr>
@@ -11792,7 +11909,7 @@
         </p:grpSpPr>
         <p:grpSp>
           <p:nvGrpSpPr>
-            <p:cNvPr id="238" name="Group"/>
+            <p:cNvPr id="239" name="Group"/>
             <p:cNvGrpSpPr/>
             <p:nvPr/>
           </p:nvGrpSpPr>
@@ -11806,7 +11923,7 @@
           </p:grpSpPr>
           <p:sp>
             <p:nvSpPr>
-              <p:cNvPr id="223" name="Triangle"/>
+              <p:cNvPr id="224" name="Triangle"/>
               <p:cNvSpPr/>
               <p:nvPr/>
             </p:nvSpPr>
@@ -11862,7 +11979,7 @@
           </p:sp>
           <p:sp>
             <p:nvSpPr>
-              <p:cNvPr id="224" name="Circle"/>
+              <p:cNvPr id="225" name="Circle"/>
               <p:cNvSpPr/>
               <p:nvPr/>
             </p:nvSpPr>
@@ -11907,7 +12024,7 @@
           </p:sp>
           <p:sp>
             <p:nvSpPr>
-              <p:cNvPr id="225" name="Circle"/>
+              <p:cNvPr id="226" name="Circle"/>
               <p:cNvSpPr/>
               <p:nvPr/>
             </p:nvSpPr>
@@ -11957,7 +12074,7 @@
           </p:sp>
           <p:sp>
             <p:nvSpPr>
-              <p:cNvPr id="226" name="Triangle"/>
+              <p:cNvPr id="227" name="Triangle"/>
               <p:cNvSpPr/>
               <p:nvPr/>
             </p:nvSpPr>
@@ -12005,7 +12122,7 @@
           </p:sp>
           <p:sp>
             <p:nvSpPr>
-              <p:cNvPr id="227" name="Triangle"/>
+              <p:cNvPr id="228" name="Triangle"/>
               <p:cNvSpPr/>
               <p:nvPr/>
             </p:nvSpPr>
@@ -12061,7 +12178,7 @@
           </p:sp>
           <p:sp>
             <p:nvSpPr>
-              <p:cNvPr id="228" name="Circle"/>
+              <p:cNvPr id="229" name="Circle"/>
               <p:cNvSpPr/>
               <p:nvPr/>
             </p:nvSpPr>
@@ -12110,7 +12227,7 @@
           </p:sp>
           <p:sp>
             <p:nvSpPr>
-              <p:cNvPr id="229" name="Circle"/>
+              <p:cNvPr id="230" name="Circle"/>
               <p:cNvSpPr/>
               <p:nvPr/>
             </p:nvSpPr>
@@ -12155,7 +12272,7 @@
           </p:sp>
           <p:sp>
             <p:nvSpPr>
-              <p:cNvPr id="230" name="Triangle"/>
+              <p:cNvPr id="231" name="Triangle"/>
               <p:cNvSpPr/>
               <p:nvPr/>
             </p:nvSpPr>
@@ -12211,7 +12328,7 @@
           </p:sp>
           <p:sp>
             <p:nvSpPr>
-              <p:cNvPr id="231" name="Circle"/>
+              <p:cNvPr id="232" name="Circle"/>
               <p:cNvSpPr/>
               <p:nvPr/>
             </p:nvSpPr>
@@ -12256,7 +12373,7 @@
           </p:sp>
           <p:sp>
             <p:nvSpPr>
-              <p:cNvPr id="232" name="Triangle"/>
+              <p:cNvPr id="233" name="Triangle"/>
               <p:cNvSpPr/>
               <p:nvPr/>
             </p:nvSpPr>
@@ -12304,7 +12421,7 @@
           </p:sp>
           <p:sp>
             <p:nvSpPr>
-              <p:cNvPr id="233" name="Circle"/>
+              <p:cNvPr id="234" name="Circle"/>
               <p:cNvSpPr/>
               <p:nvPr/>
             </p:nvSpPr>
@@ -12353,7 +12470,7 @@
           </p:sp>
           <p:sp>
             <p:nvSpPr>
-              <p:cNvPr id="234" name="Triangle"/>
+              <p:cNvPr id="235" name="Triangle"/>
               <p:cNvSpPr/>
               <p:nvPr/>
             </p:nvSpPr>
@@ -12409,7 +12526,7 @@
           </p:sp>
           <p:sp>
             <p:nvSpPr>
-              <p:cNvPr id="235" name="Circle"/>
+              <p:cNvPr id="236" name="Circle"/>
               <p:cNvSpPr/>
               <p:nvPr/>
             </p:nvSpPr>
@@ -12454,7 +12571,7 @@
           </p:sp>
           <p:sp>
             <p:nvSpPr>
-              <p:cNvPr id="236" name="Triangle"/>
+              <p:cNvPr id="237" name="Triangle"/>
               <p:cNvSpPr/>
               <p:nvPr/>
             </p:nvSpPr>
@@ -12502,7 +12619,7 @@
           </p:sp>
           <p:sp>
             <p:nvSpPr>
-              <p:cNvPr id="237" name="Circle"/>
+              <p:cNvPr id="238" name="Circle"/>
               <p:cNvSpPr/>
               <p:nvPr/>
             </p:nvSpPr>
@@ -12552,7 +12669,7 @@
         </p:grpSp>
         <p:sp>
           <p:nvSpPr>
-            <p:cNvPr id="239" name="Rectangle"/>
+            <p:cNvPr id="240" name="Rectangle"/>
             <p:cNvSpPr/>
             <p:nvPr/>
           </p:nvSpPr>
@@ -12620,7 +12737,7 @@
       </p:grpSp>
       <p:sp>
         <p:nvSpPr>
-          <p:cNvPr id="241" name="separate_rows(data, ..., sep = &quot;[^[:alnum:].]+&quot;, convert = FALSE)…"/>
+          <p:cNvPr id="242" name="separate_rows(data, ..., sep = &quot;[^[:alnum:].]+&quot;, convert = FALSE)…"/>
           <p:cNvSpPr txBox="1"/>
           <p:nvPr/>
         </p:nvSpPr>
@@ -12703,7 +12820,7 @@
       </p:sp>
       <p:sp>
         <p:nvSpPr>
-          <p:cNvPr id="242" name="Line"/>
+          <p:cNvPr id="243" name="Line"/>
           <p:cNvSpPr/>
           <p:nvPr/>
         </p:nvSpPr>
@@ -12746,7 +12863,7 @@
       </p:sp>
       <p:sp>
         <p:nvSpPr>
-          <p:cNvPr id="243" name="Line"/>
+          <p:cNvPr id="244" name="Line"/>
           <p:cNvSpPr/>
           <p:nvPr/>
         </p:nvSpPr>
@@ -12789,7 +12906,7 @@
       </p:sp>
       <p:sp>
         <p:nvSpPr>
-          <p:cNvPr id="244" name="Line"/>
+          <p:cNvPr id="245" name="Line"/>
           <p:cNvSpPr/>
           <p:nvPr/>
         </p:nvSpPr>
@@ -12832,7 +12949,7 @@
       </p:sp>
       <p:sp>
         <p:nvSpPr>
-          <p:cNvPr id="245" name="Handle Missing Values"/>
+          <p:cNvPr id="246" name="Handle Missing Values"/>
           <p:cNvSpPr txBox="1"/>
           <p:nvPr/>
         </p:nvSpPr>
@@ -12880,7 +12997,7 @@
       </p:sp>
       <p:sp>
         <p:nvSpPr>
-          <p:cNvPr id="246" name="Reshape Data - change the layout of values in a table"/>
+          <p:cNvPr id="247" name="Reshape Data - change the layout of values in a table"/>
           <p:cNvSpPr txBox="1"/>
           <p:nvPr/>
         </p:nvSpPr>
@@ -12936,7 +13053,7 @@
       </p:sp>
       <p:sp>
         <p:nvSpPr>
-          <p:cNvPr id="247" name="Line"/>
+          <p:cNvPr id="248" name="Line"/>
           <p:cNvSpPr/>
           <p:nvPr/>
         </p:nvSpPr>
@@ -12977,221 +13094,7 @@
       </p:sp>
       <p:sp>
         <p:nvSpPr>
-          <p:cNvPr id="248" name="gather(data, key, value, ..., na.rm = FALSE,…"/>
-          <p:cNvSpPr txBox="1"/>
-          <p:nvPr/>
-        </p:nvSpPr>
-        <p:spPr>
-          <a:xfrm>
-            <a:off x="3740292" y="3167136"/>
-            <a:ext cx="3122536" cy="1481008"/>
-          </a:xfrm>
-          <a:prstGeom prst="rect">
-            <a:avLst/>
-          </a:prstGeom>
-          <a:ln w="12700">
-            <a:miter lim="400000"/>
-          </a:ln>
-          <a:extLst>
-            <a:ext uri="{C572A759-6A51-4108-AA02-DFA0A04FC94B}">
-              <ma14:wrappingTextBoxFlag xmlns:ma14="http://schemas.microsoft.com/office/mac/drawingml/2011/main" val="1"/>
-            </a:ext>
-          </a:extLst>
-        </p:spPr>
-        <p:txBody>
-          <a:bodyPr lIns="54570" tIns="54570" rIns="54570" bIns="54570">
-            <a:normAutofit fontScale="100000" lnSpcReduction="0"/>
-          </a:bodyPr>
-          <a:lstStyle/>
-          <a:p>
-            <a:pPr marL="114300" indent="-114300">
-              <a:lnSpc>
-                <a:spcPct val="90000"/>
-              </a:lnSpc>
-              <a:spcBef>
-                <a:spcPts val="0"/>
-              </a:spcBef>
-              <a:defRPr sz="1400">
-                <a:solidFill>
-                  <a:srgbClr val="000000"/>
-                </a:solidFill>
-              </a:defRPr>
-            </a:pPr>
-            <a:r>
-              <a:t>gather(</a:t>
-            </a:r>
-            <a:r>
-              <a:rPr b="0" sz="1200"/>
-              <a:t>data, key, value, ..., na.rm = FALSE, </a:t>
-            </a:r>
-            <a:endParaRPr b="0" sz="1200"/>
-          </a:p>
-          <a:p>
-            <a:pPr marL="114300" indent="-114300">
-              <a:lnSpc>
-                <a:spcPct val="90000"/>
-              </a:lnSpc>
-              <a:spcBef>
-                <a:spcPts val="700"/>
-              </a:spcBef>
-              <a:defRPr sz="1400">
-                <a:solidFill>
-                  <a:srgbClr val="000000"/>
-                </a:solidFill>
-              </a:defRPr>
-            </a:pPr>
-            <a:r>
-              <a:rPr b="0" sz="1200"/>
-              <a:t>convert = FALSE, factor_key = FALSE</a:t>
-            </a:r>
-            <a:r>
-              <a:t>)</a:t>
-            </a:r>
-          </a:p>
-          <a:p>
-            <a:pPr>
-              <a:lnSpc>
-                <a:spcPct val="90000"/>
-              </a:lnSpc>
-              <a:spcBef>
-                <a:spcPts val="300"/>
-              </a:spcBef>
-              <a:defRPr b="0">
-                <a:solidFill>
-                  <a:srgbClr val="000000"/>
-                </a:solidFill>
-              </a:defRPr>
-            </a:pPr>
-            <a:r>
-              <a:t>gather() moves column names into a </a:t>
-            </a:r>
-            <a:r>
-              <a:rPr>
-                <a:latin typeface="Source Sans Pro Semibold"/>
-                <a:ea typeface="Source Sans Pro Semibold"/>
-                <a:cs typeface="Source Sans Pro Semibold"/>
-                <a:sym typeface="Source Sans Pro Semibold"/>
-              </a:rPr>
-              <a:t>key</a:t>
-            </a:r>
-            <a:r>
-              <a:t> column, gathering the column values into a single </a:t>
-            </a:r>
-            <a:r>
-              <a:rPr>
-                <a:latin typeface="Source Sans Pro Semibold"/>
-                <a:ea typeface="Source Sans Pro Semibold"/>
-                <a:cs typeface="Source Sans Pro Semibold"/>
-                <a:sym typeface="Source Sans Pro Semibold"/>
-              </a:rPr>
-              <a:t>value</a:t>
-            </a:r>
-            <a:r>
-              <a:t> column.</a:t>
-            </a:r>
-          </a:p>
-        </p:txBody>
-      </p:sp>
-      <p:sp>
-        <p:nvSpPr>
-          <p:cNvPr id="249" name="spread(data, key, value, fill = NA, convert = FALSE, drop = TRUE, sep = NULL)…"/>
-          <p:cNvSpPr txBox="1"/>
-          <p:nvPr/>
-        </p:nvSpPr>
-        <p:spPr>
-          <a:xfrm>
-            <a:off x="6845935" y="3167136"/>
-            <a:ext cx="3384040" cy="1610541"/>
-          </a:xfrm>
-          <a:prstGeom prst="rect">
-            <a:avLst/>
-          </a:prstGeom>
-          <a:ln w="12700">
-            <a:miter lim="400000"/>
-          </a:ln>
-          <a:extLst>
-            <a:ext uri="{C572A759-6A51-4108-AA02-DFA0A04FC94B}">
-              <ma14:wrappingTextBoxFlag xmlns:ma14="http://schemas.microsoft.com/office/mac/drawingml/2011/main" val="1"/>
-            </a:ext>
-          </a:extLst>
-        </p:spPr>
-        <p:txBody>
-          <a:bodyPr lIns="54570" tIns="54570" rIns="54570" bIns="54570">
-            <a:normAutofit fontScale="100000" lnSpcReduction="0"/>
-          </a:bodyPr>
-          <a:lstStyle/>
-          <a:p>
-            <a:pPr marL="114300" indent="-114300">
-              <a:lnSpc>
-                <a:spcPct val="90000"/>
-              </a:lnSpc>
-              <a:spcBef>
-                <a:spcPts val="700"/>
-              </a:spcBef>
-              <a:defRPr sz="1400">
-                <a:solidFill>
-                  <a:srgbClr val="000000"/>
-                </a:solidFill>
-              </a:defRPr>
-            </a:pPr>
-            <a:r>
-              <a:t>spread(</a:t>
-            </a:r>
-            <a:r>
-              <a:rPr b="0" sz="1200"/>
-              <a:t>data, key, value, fill = NA, convert = FALSE, drop = TRUE, sep = NULL</a:t>
-            </a:r>
-            <a:r>
-              <a:t>)</a:t>
-            </a:r>
-          </a:p>
-          <a:p>
-            <a:pPr>
-              <a:lnSpc>
-                <a:spcPct val="90000"/>
-              </a:lnSpc>
-              <a:spcBef>
-                <a:spcPts val="300"/>
-              </a:spcBef>
-              <a:defRPr b="0">
-                <a:solidFill>
-                  <a:srgbClr val="000000"/>
-                </a:solidFill>
-              </a:defRPr>
-            </a:pPr>
-            <a:r>
-              <a:t>spread() moves the unique values of a </a:t>
-            </a:r>
-            <a:r>
-              <a:rPr>
-                <a:latin typeface="Source Sans Pro Semibold"/>
-                <a:ea typeface="Source Sans Pro Semibold"/>
-                <a:cs typeface="Source Sans Pro Semibold"/>
-                <a:sym typeface="Source Sans Pro Semibold"/>
-              </a:rPr>
-              <a:t>key</a:t>
-            </a:r>
-            <a:r>
-              <a:t> column into the column names, spreading the values of a </a:t>
-            </a:r>
-            <a:r>
-              <a:rPr>
-                <a:latin typeface="Source Sans Pro Semibold"/>
-                <a:ea typeface="Source Sans Pro Semibold"/>
-                <a:cs typeface="Source Sans Pro Semibold"/>
-                <a:sym typeface="Source Sans Pro Semibold"/>
-              </a:rPr>
-              <a:t>value</a:t>
-            </a:r>
-            <a:r>
-              <a:t> column across the new columns.</a:t>
-            </a:r>
-          </a:p>
-        </p:txBody>
-      </p:sp>
-      <p:sp>
-        <p:nvSpPr>
-          <p:cNvPr id="250" name="Use gather() and spread() to reorganize the values of a table into a new layout."/>
+          <p:cNvPr id="249" name="Use pivot_longer() and pivot_wider() to reorganize the values of a table into a new layout."/>
           <p:cNvSpPr txBox="1"/>
           <p:nvPr/>
         </p:nvSpPr>
@@ -13236,14 +13139,14 @@
             </a:r>
             <a:r>
               <a:rPr b="1"/>
-              <a:t>gather()</a:t>
+              <a:t>pivot_longer()</a:t>
             </a:r>
             <a:r>
               <a:t> and </a:t>
             </a:r>
             <a:r>
               <a:rPr b="1"/>
-              <a:t>spread()</a:t>
+              <a:t>pivot_wider()</a:t>
             </a:r>
             <a:r>
               <a:t> to reorganize the values of a table into a new layout.</a:t>
@@ -13253,14 +13156,14 @@
       </p:sp>
       <p:sp>
         <p:nvSpPr>
-          <p:cNvPr id="251" name="gather(table4a, `1999`, `2000`,…"/>
+          <p:cNvPr id="250" name="pivot_longer(table4a, cols = 2:3,…"/>
           <p:cNvSpPr txBox="1"/>
           <p:nvPr/>
         </p:nvSpPr>
         <p:spPr>
           <a:xfrm>
-            <a:off x="4157879" y="6289565"/>
-            <a:ext cx="2287363" cy="524267"/>
+            <a:off x="3806826" y="6289565"/>
+            <a:ext cx="2965680" cy="524267"/>
           </a:xfrm>
           <a:prstGeom prst="rect">
             <a:avLst/>
@@ -13298,7 +13201,7 @@
               </a:defRPr>
             </a:pPr>
             <a:r>
-              <a:t>gather(table4a, `1999`, `2000`, </a:t>
+              <a:t>pivot_longer(table4a, cols = 2:3, </a:t>
             </a:r>
           </a:p>
           <a:p>
@@ -13320,91 +13223,37 @@
               </a:defRPr>
             </a:pPr>
             <a:r>
-              <a:t>key = "year", value = "cases")</a:t>
-            </a:r>
-          </a:p>
-        </p:txBody>
-      </p:sp>
-      <p:sp>
-        <p:nvSpPr>
-          <p:cNvPr id="252" name="spread(table2, type, count)"/>
-          <p:cNvSpPr txBox="1"/>
-          <p:nvPr/>
-        </p:nvSpPr>
-        <p:spPr>
-          <a:xfrm>
-            <a:off x="7689057" y="6480750"/>
-            <a:ext cx="1920909" cy="333081"/>
-          </a:xfrm>
-          <a:prstGeom prst="rect">
-            <a:avLst/>
-          </a:prstGeom>
-          <a:ln w="12700">
-            <a:miter lim="400000"/>
-          </a:ln>
-          <a:extLst>
-            <a:ext uri="{C572A759-6A51-4108-AA02-DFA0A04FC94B}">
-              <ma14:wrappingTextBoxFlag xmlns:ma14="http://schemas.microsoft.com/office/mac/drawingml/2011/main" val="1"/>
-            </a:ext>
-          </a:extLst>
-        </p:spPr>
-        <p:txBody>
-          <a:bodyPr lIns="54570" tIns="54570" rIns="54570" bIns="54570" anchor="ctr">
-            <a:normAutofit fontScale="100000" lnSpcReduction="0"/>
-          </a:bodyPr>
-          <a:lstStyle>
-            <a:lvl1pPr marL="114300" indent="-114300">
-              <a:lnSpc>
-                <a:spcPct val="90000"/>
-              </a:lnSpc>
-              <a:spcBef>
-                <a:spcPts val="0"/>
-              </a:spcBef>
-              <a:defRPr b="0" i="1" sz="1300">
-                <a:solidFill>
-                  <a:schemeClr val="accent1">
-                    <a:hueOff val="47394"/>
-                    <a:satOff val="-25753"/>
-                    <a:lumOff val="-7544"/>
-                  </a:schemeClr>
-                </a:solidFill>
-              </a:defRPr>
-            </a:lvl1pPr>
-          </a:lstStyle>
-          <a:p>
-            <a:pPr/>
-            <a:r>
-              <a:t>spread(table2, type, count)</a:t>
+              <a:t>names_to = "year", values_to = "cases")</a:t>
             </a:r>
           </a:p>
         </p:txBody>
       </p:sp>
       <p:grpSp>
         <p:nvGrpSpPr>
-          <p:cNvPr id="260" name="Group"/>
+          <p:cNvPr id="255" name="Group"/>
           <p:cNvGrpSpPr/>
           <p:nvPr/>
         </p:nvGrpSpPr>
         <p:grpSpPr>
           <a:xfrm>
-            <a:off x="3932382" y="4250031"/>
-            <a:ext cx="3392850" cy="1776495"/>
-            <a:chOff x="25400" y="0"/>
-            <a:chExt cx="3392849" cy="1776494"/>
+            <a:off x="3906982" y="5136451"/>
+            <a:ext cx="2716137" cy="1270001"/>
+            <a:chOff x="0" y="137120"/>
+            <a:chExt cx="2716136" cy="1270000"/>
           </a:xfrm>
         </p:grpSpPr>
         <p:sp>
           <p:nvSpPr>
-            <p:cNvPr id="253" name="value"/>
-            <p:cNvSpPr txBox="1"/>
+            <p:cNvPr id="251" name="table4a"/>
+            <p:cNvSpPr/>
             <p:nvPr/>
           </p:nvSpPr>
           <p:spPr>
             <a:xfrm>
-              <a:off x="2305571" y="1181264"/>
-              <a:ext cx="407084" cy="274241"/>
+              <a:off x="570458" y="137120"/>
+              <a:ext cx="1270001" cy="1270001"/>
             </a:xfrm>
-            <a:prstGeom prst="rect">
+            <a:prstGeom prst="line">
               <a:avLst/>
             </a:prstGeom>
             <a:noFill/>
@@ -13430,11 +13279,7 @@
                 </a:spcBef>
                 <a:defRPr b="0" sz="1000">
                   <a:solidFill>
-                    <a:schemeClr val="accent4">
-                      <a:hueOff val="-48331"/>
-                      <a:satOff val="1035"/>
-                      <a:lumOff val="-13785"/>
-                    </a:schemeClr>
+                    <a:srgbClr val="A6AAA9"/>
                   </a:solidFill>
                 </a:defRPr>
               </a:lvl1pPr>
@@ -13442,3854 +13287,1133 @@
             <a:p>
               <a:pPr/>
               <a:r>
-                <a:t>value</a:t>
+                <a:t>table4a</a:t>
               </a:r>
             </a:p>
           </p:txBody>
         </p:sp>
+        <p:graphicFrame>
+          <p:nvGraphicFramePr>
+            <p:cNvPr id="252" name="Table"/>
+            <p:cNvGraphicFramePr/>
+            <p:nvPr/>
+          </p:nvGraphicFramePr>
+          <p:xfrm>
+            <a:off x="0" y="227094"/>
+            <a:ext cx="1143000" cy="609601"/>
+          </p:xfrm>
+          <a:graphic xmlns:a="http://schemas.openxmlformats.org/drawingml/2006/main">
+            <a:graphicData uri="http://schemas.openxmlformats.org/drawingml/2006/table">
+              <a:tbl>
+                <a:tblPr firstCol="0" firstRow="1" lastCol="0" lastRow="0" bandCol="0" bandRow="0" rtl="0">
+                  <a:tableStyleId>{33BA23B1-9221-436E-865A-0063620EA4FD}</a:tableStyleId>
+                </a:tblPr>
+                <a:tblGrid>
+                  <a:gridCol w="438740"/>
+                  <a:gridCol w="320702"/>
+                  <a:gridCol w="330674"/>
+                </a:tblGrid>
+                <a:tr h="139700">
+                  <a:tc>
+                    <a:txBody>
+                      <a:bodyPr/>
+                      <a:lstStyle/>
+                      <a:p>
+                        <a:pPr algn="ctr" defTabSz="914400">
+                          <a:spcBef>
+                            <a:spcPts val="0"/>
+                          </a:spcBef>
+                          <a:defRPr b="0" sz="1800">
+                            <a:solidFill>
+                              <a:srgbClr val="000000"/>
+                            </a:solidFill>
+                          </a:defRPr>
+                        </a:pPr>
+                        <a:r>
+                          <a:rPr b="1" sz="800">
+                            <a:solidFill>
+                              <a:srgbClr val="FFFFFF"/>
+                            </a:solidFill>
+                            <a:latin typeface="Helvetica"/>
+                            <a:ea typeface="Helvetica"/>
+                            <a:cs typeface="Helvetica"/>
+                            <a:sym typeface="Helvetica"/>
+                          </a:rPr>
+                          <a:t>country</a:t>
+                        </a:r>
+                      </a:p>
+                    </a:txBody>
+                    <a:tcPr marL="0" marR="0" marT="0" marB="0" anchor="ctr" anchorCtr="0" horzOverflow="overflow">
+                      <a:solidFill>
+                        <a:srgbClr val="797979"/>
+                      </a:solidFill>
+                    </a:tcPr>
+                  </a:tc>
+                  <a:tc>
+                    <a:txBody>
+                      <a:bodyPr/>
+                      <a:lstStyle/>
+                      <a:p>
+                        <a:pPr algn="ctr" defTabSz="914400">
+                          <a:spcBef>
+                            <a:spcPts val="0"/>
+                          </a:spcBef>
+                          <a:defRPr b="0" sz="1800">
+                            <a:solidFill>
+                              <a:srgbClr val="000000"/>
+                            </a:solidFill>
+                          </a:defRPr>
+                        </a:pPr>
+                        <a:r>
+                          <a:rPr b="1" sz="800">
+                            <a:solidFill>
+                              <a:srgbClr val="FFFFFF"/>
+                            </a:solidFill>
+                            <a:latin typeface="Helvetica"/>
+                            <a:ea typeface="Helvetica"/>
+                            <a:cs typeface="Helvetica"/>
+                            <a:sym typeface="Helvetica"/>
+                          </a:rPr>
+                          <a:t>1999</a:t>
+                        </a:r>
+                      </a:p>
+                    </a:txBody>
+                    <a:tcPr marL="0" marR="0" marT="0" marB="0" anchor="ctr" anchorCtr="0" horzOverflow="overflow">
+                      <a:solidFill>
+                        <a:srgbClr val="407AAA"/>
+                      </a:solidFill>
+                    </a:tcPr>
+                  </a:tc>
+                  <a:tc>
+                    <a:txBody>
+                      <a:bodyPr/>
+                      <a:lstStyle/>
+                      <a:p>
+                        <a:pPr algn="ctr" defTabSz="914400">
+                          <a:spcBef>
+                            <a:spcPts val="0"/>
+                          </a:spcBef>
+                          <a:defRPr b="0" sz="1800">
+                            <a:solidFill>
+                              <a:srgbClr val="000000"/>
+                            </a:solidFill>
+                          </a:defRPr>
+                        </a:pPr>
+                        <a:r>
+                          <a:rPr b="1" sz="800">
+                            <a:solidFill>
+                              <a:srgbClr val="FFFFFF"/>
+                            </a:solidFill>
+                            <a:latin typeface="Helvetica"/>
+                            <a:ea typeface="Helvetica"/>
+                            <a:cs typeface="Helvetica"/>
+                            <a:sym typeface="Helvetica"/>
+                          </a:rPr>
+                          <a:t>2000</a:t>
+                        </a:r>
+                      </a:p>
+                    </a:txBody>
+                    <a:tcPr marL="0" marR="0" marT="0" marB="0" anchor="ctr" anchorCtr="0" horzOverflow="overflow">
+                      <a:solidFill>
+                        <a:schemeClr val="accent1">
+                          <a:hueOff val="47394"/>
+                          <a:satOff val="-25753"/>
+                          <a:lumOff val="-7544"/>
+                        </a:schemeClr>
+                      </a:solidFill>
+                    </a:tcPr>
+                  </a:tc>
+                </a:tr>
+                <a:tr h="139700">
+                  <a:tc>
+                    <a:txBody>
+                      <a:bodyPr/>
+                      <a:lstStyle/>
+                      <a:p>
+                        <a:pPr algn="ctr" defTabSz="914400">
+                          <a:spcBef>
+                            <a:spcPts val="0"/>
+                          </a:spcBef>
+                          <a:defRPr sz="1800"/>
+                        </a:pPr>
+                        <a:r>
+                          <a:rPr sz="800">
+                            <a:latin typeface="Helvetica"/>
+                            <a:ea typeface="Helvetica"/>
+                            <a:cs typeface="Helvetica"/>
+                            <a:sym typeface="Helvetica"/>
+                          </a:rPr>
+                          <a:t>A</a:t>
+                        </a:r>
+                      </a:p>
+                    </a:txBody>
+                    <a:tcPr marL="0" marR="0" marT="0" marB="0" anchor="ctr" anchorCtr="0" horzOverflow="overflow"/>
+                  </a:tc>
+                  <a:tc>
+                    <a:txBody>
+                      <a:bodyPr/>
+                      <a:lstStyle/>
+                      <a:p>
+                        <a:pPr algn="ctr" defTabSz="914400">
+                          <a:spcBef>
+                            <a:spcPts val="0"/>
+                          </a:spcBef>
+                          <a:defRPr sz="1800"/>
+                        </a:pPr>
+                        <a:r>
+                          <a:rPr sz="800">
+                            <a:latin typeface="Helvetica"/>
+                            <a:ea typeface="Helvetica"/>
+                            <a:cs typeface="Helvetica"/>
+                            <a:sym typeface="Helvetica"/>
+                          </a:rPr>
+                          <a:t>0.7K</a:t>
+                        </a:r>
+                      </a:p>
+                    </a:txBody>
+                    <a:tcPr marL="0" marR="0" marT="0" marB="0" anchor="ctr" anchorCtr="0" horzOverflow="overflow">
+                      <a:solidFill>
+                        <a:schemeClr val="accent4"/>
+                      </a:solidFill>
+                    </a:tcPr>
+                  </a:tc>
+                  <a:tc>
+                    <a:txBody>
+                      <a:bodyPr/>
+                      <a:lstStyle/>
+                      <a:p>
+                        <a:pPr algn="ctr" defTabSz="914400">
+                          <a:spcBef>
+                            <a:spcPts val="0"/>
+                          </a:spcBef>
+                          <a:defRPr sz="1800"/>
+                        </a:pPr>
+                        <a:r>
+                          <a:rPr sz="800">
+                            <a:latin typeface="Helvetica"/>
+                            <a:ea typeface="Helvetica"/>
+                            <a:cs typeface="Helvetica"/>
+                            <a:sym typeface="Helvetica"/>
+                          </a:rPr>
+                          <a:t>2K</a:t>
+                        </a:r>
+                      </a:p>
+                    </a:txBody>
+                    <a:tcPr marL="0" marR="0" marT="0" marB="0" anchor="ctr" anchorCtr="0" horzOverflow="overflow">
+                      <a:solidFill>
+                        <a:schemeClr val="accent4">
+                          <a:hueOff val="-48331"/>
+                          <a:satOff val="1035"/>
+                          <a:lumOff val="-13785"/>
+                        </a:schemeClr>
+                      </a:solidFill>
+                    </a:tcPr>
+                  </a:tc>
+                </a:tr>
+                <a:tr h="139700">
+                  <a:tc>
+                    <a:txBody>
+                      <a:bodyPr/>
+                      <a:lstStyle/>
+                      <a:p>
+                        <a:pPr algn="ctr" defTabSz="914400">
+                          <a:spcBef>
+                            <a:spcPts val="0"/>
+                          </a:spcBef>
+                          <a:defRPr sz="1800"/>
+                        </a:pPr>
+                        <a:r>
+                          <a:rPr sz="800">
+                            <a:latin typeface="Helvetica"/>
+                            <a:ea typeface="Helvetica"/>
+                            <a:cs typeface="Helvetica"/>
+                            <a:sym typeface="Helvetica"/>
+                          </a:rPr>
+                          <a:t>B</a:t>
+                        </a:r>
+                      </a:p>
+                    </a:txBody>
+                    <a:tcPr marL="0" marR="0" marT="0" marB="0" anchor="ctr" anchorCtr="0" horzOverflow="overflow"/>
+                  </a:tc>
+                  <a:tc>
+                    <a:txBody>
+                      <a:bodyPr/>
+                      <a:lstStyle/>
+                      <a:p>
+                        <a:pPr algn="ctr" defTabSz="914400">
+                          <a:spcBef>
+                            <a:spcPts val="0"/>
+                          </a:spcBef>
+                          <a:defRPr sz="1800"/>
+                        </a:pPr>
+                        <a:r>
+                          <a:rPr sz="800">
+                            <a:latin typeface="Helvetica"/>
+                            <a:ea typeface="Helvetica"/>
+                            <a:cs typeface="Helvetica"/>
+                            <a:sym typeface="Helvetica"/>
+                          </a:rPr>
+                          <a:t>37K</a:t>
+                        </a:r>
+                      </a:p>
+                    </a:txBody>
+                    <a:tcPr marL="0" marR="0" marT="0" marB="0" anchor="ctr" anchorCtr="0" horzOverflow="overflow">
+                      <a:solidFill>
+                        <a:schemeClr val="accent4"/>
+                      </a:solidFill>
+                    </a:tcPr>
+                  </a:tc>
+                  <a:tc>
+                    <a:txBody>
+                      <a:bodyPr/>
+                      <a:lstStyle/>
+                      <a:p>
+                        <a:pPr algn="ctr" defTabSz="914400">
+                          <a:spcBef>
+                            <a:spcPts val="0"/>
+                          </a:spcBef>
+                          <a:defRPr sz="1800"/>
+                        </a:pPr>
+                        <a:r>
+                          <a:rPr sz="800">
+                            <a:latin typeface="Helvetica"/>
+                            <a:ea typeface="Helvetica"/>
+                            <a:cs typeface="Helvetica"/>
+                            <a:sym typeface="Helvetica"/>
+                          </a:rPr>
+                          <a:t>80K</a:t>
+                        </a:r>
+                      </a:p>
+                    </a:txBody>
+                    <a:tcPr marL="0" marR="0" marT="0" marB="0" anchor="ctr" anchorCtr="0" horzOverflow="overflow">
+                      <a:solidFill>
+                        <a:schemeClr val="accent4">
+                          <a:hueOff val="-48331"/>
+                          <a:satOff val="1035"/>
+                          <a:lumOff val="-13785"/>
+                        </a:schemeClr>
+                      </a:solidFill>
+                    </a:tcPr>
+                  </a:tc>
+                </a:tr>
+                <a:tr h="139700">
+                  <a:tc>
+                    <a:txBody>
+                      <a:bodyPr/>
+                      <a:lstStyle/>
+                      <a:p>
+                        <a:pPr algn="ctr" defTabSz="914400">
+                          <a:spcBef>
+                            <a:spcPts val="0"/>
+                          </a:spcBef>
+                          <a:defRPr sz="1800"/>
+                        </a:pPr>
+                        <a:r>
+                          <a:rPr sz="800">
+                            <a:latin typeface="Helvetica"/>
+                            <a:ea typeface="Helvetica"/>
+                            <a:cs typeface="Helvetica"/>
+                            <a:sym typeface="Helvetica"/>
+                          </a:rPr>
+                          <a:t>C</a:t>
+                        </a:r>
+                      </a:p>
+                    </a:txBody>
+                    <a:tcPr marL="0" marR="0" marT="0" marB="0" anchor="ctr" anchorCtr="0" horzOverflow="overflow"/>
+                  </a:tc>
+                  <a:tc>
+                    <a:txBody>
+                      <a:bodyPr/>
+                      <a:lstStyle/>
+                      <a:p>
+                        <a:pPr algn="ctr" defTabSz="914400">
+                          <a:spcBef>
+                            <a:spcPts val="0"/>
+                          </a:spcBef>
+                          <a:defRPr sz="1800"/>
+                        </a:pPr>
+                        <a:r>
+                          <a:rPr sz="800">
+                            <a:latin typeface="Helvetica"/>
+                            <a:ea typeface="Helvetica"/>
+                            <a:cs typeface="Helvetica"/>
+                            <a:sym typeface="Helvetica"/>
+                          </a:rPr>
+                          <a:t>212K</a:t>
+                        </a:r>
+                      </a:p>
+                    </a:txBody>
+                    <a:tcPr marL="0" marR="0" marT="0" marB="0" anchor="ctr" anchorCtr="0" horzOverflow="overflow">
+                      <a:solidFill>
+                        <a:schemeClr val="accent4"/>
+                      </a:solidFill>
+                    </a:tcPr>
+                  </a:tc>
+                  <a:tc>
+                    <a:txBody>
+                      <a:bodyPr/>
+                      <a:lstStyle/>
+                      <a:p>
+                        <a:pPr algn="ctr" defTabSz="914400">
+                          <a:spcBef>
+                            <a:spcPts val="0"/>
+                          </a:spcBef>
+                          <a:defRPr sz="1800"/>
+                        </a:pPr>
+                        <a:r>
+                          <a:rPr sz="800">
+                            <a:latin typeface="Helvetica"/>
+                            <a:ea typeface="Helvetica"/>
+                            <a:cs typeface="Helvetica"/>
+                            <a:sym typeface="Helvetica"/>
+                          </a:rPr>
+                          <a:t>213K</a:t>
+                        </a:r>
+                      </a:p>
+                    </a:txBody>
+                    <a:tcPr marL="0" marR="0" marT="0" marB="0" anchor="ctr" anchorCtr="0" horzOverflow="overflow">
+                      <a:solidFill>
+                        <a:schemeClr val="accent4">
+                          <a:hueOff val="-48331"/>
+                          <a:satOff val="1035"/>
+                          <a:lumOff val="-13785"/>
+                        </a:schemeClr>
+                      </a:solidFill>
+                    </a:tcPr>
+                  </a:tc>
+                </a:tr>
+              </a:tbl>
+            </a:graphicData>
+          </a:graphic>
+        </p:graphicFrame>
         <p:sp>
           <p:nvSpPr>
-            <p:cNvPr id="254" name="key"/>
-            <p:cNvSpPr txBox="1"/>
+            <p:cNvPr id="253" name="Line"/>
+            <p:cNvSpPr/>
             <p:nvPr/>
           </p:nvSpPr>
           <p:spPr>
-            <a:xfrm>
-              <a:off x="2030207" y="1180515"/>
-              <a:ext cx="305357" cy="274242"/>
+            <a:xfrm flipV="1">
+              <a:off x="1233003" y="506224"/>
+              <a:ext cx="228506" cy="1"/>
             </a:xfrm>
-            <a:prstGeom prst="rect">
+            <a:prstGeom prst="line">
               <a:avLst/>
             </a:prstGeom>
             <a:noFill/>
-            <a:ln w="12700" cap="flat">
-              <a:noFill/>
+            <a:ln w="25400" cap="flat">
+              <a:solidFill>
+                <a:srgbClr val="53585F"/>
+              </a:solidFill>
+              <a:prstDash val="solid"/>
               <a:miter lim="400000"/>
+              <a:tailEnd type="stealth" w="med" len="med"/>
             </a:ln>
             <a:effectLst/>
-            <a:extLst>
-              <a:ext uri="{C572A759-6A51-4108-AA02-DFA0A04FC94B}">
-                <ma14:wrappingTextBoxFlag xmlns:ma14="http://schemas.microsoft.com/office/mac/drawingml/2011/main" val="1"/>
-              </a:ext>
-            </a:extLst>
           </p:spPr>
           <p:txBody>
-            <a:bodyPr wrap="none" lIns="54570" tIns="54570" rIns="54570" bIns="54570" numCol="1" anchor="ctr">
-              <a:spAutoFit/>
+            <a:bodyPr wrap="square" lIns="0" tIns="0" rIns="0" bIns="0" numCol="1" anchor="t">
+              <a:noAutofit/>
             </a:bodyPr>
-            <a:lstStyle>
-              <a:lvl1pPr algn="ctr">
+            <a:lstStyle/>
+            <a:p>
+              <a:pPr>
+                <a:lnSpc>
+                  <a:spcPct val="80000"/>
+                </a:lnSpc>
                 <a:spcBef>
                   <a:spcPts val="0"/>
                 </a:spcBef>
-                <a:defRPr b="0" sz="1000">
+                <a:defRPr b="0" sz="5600">
                   <a:solidFill>
-                    <a:schemeClr val="accent1">
-                      <a:hueOff val="47394"/>
-                      <a:satOff val="-25753"/>
-                      <a:lumOff val="-7544"/>
-                    </a:schemeClr>
+                    <a:srgbClr val="000000"/>
                   </a:solidFill>
+                  <a:effectLst>
+                    <a:outerShdw sx="100000" sy="100000" kx="0" ky="0" algn="b" rotWithShape="0" blurRad="38100" dist="12700" dir="5400000">
+                      <a:srgbClr val="000000">
+                        <a:alpha val="50000"/>
+                      </a:srgbClr>
+                    </a:outerShdw>
+                  </a:effectLst>
+                  <a:latin typeface="Gill Sans"/>
+                  <a:ea typeface="Gill Sans"/>
+                  <a:cs typeface="Gill Sans"/>
+                  <a:sym typeface="Gill Sans"/>
                 </a:defRPr>
-              </a:lvl1pPr>
-            </a:lstStyle>
-            <a:p>
-              <a:pPr/>
-              <a:r>
-                <a:t>key</a:t>
-              </a:r>
+              </a:pPr>
             </a:p>
           </p:txBody>
         </p:sp>
-        <p:grpSp>
-          <p:nvGrpSpPr>
-            <p:cNvPr id="259" name="Group"/>
-            <p:cNvGrpSpPr/>
+        <p:graphicFrame>
+          <p:nvGraphicFramePr>
+            <p:cNvPr id="254" name="Table"/>
+            <p:cNvGraphicFramePr/>
             <p:nvPr/>
-          </p:nvGrpSpPr>
-          <p:grpSpPr>
-            <a:xfrm>
-              <a:off x="25400" y="-1"/>
-              <a:ext cx="3392850" cy="1776496"/>
-              <a:chOff x="25400" y="0"/>
-              <a:chExt cx="3392849" cy="1776494"/>
-            </a:xfrm>
-          </p:grpSpPr>
-          <p:sp>
-            <p:nvSpPr>
-              <p:cNvPr id="255" name="table4a"/>
-              <p:cNvSpPr txBox="1"/>
-              <p:nvPr/>
-            </p:nvSpPr>
-            <p:spPr>
-              <a:xfrm>
-                <a:off x="311037" y="0"/>
-                <a:ext cx="518844" cy="274241"/>
-              </a:xfrm>
-              <a:prstGeom prst="rect">
-                <a:avLst/>
-              </a:prstGeom>
-              <a:noFill/>
-              <a:ln w="12700" cap="flat">
-                <a:noFill/>
-                <a:miter lim="400000"/>
-              </a:ln>
-              <a:effectLst/>
-              <a:extLst>
-                <a:ext uri="{C572A759-6A51-4108-AA02-DFA0A04FC94B}">
-                  <ma14:wrappingTextBoxFlag xmlns:ma14="http://schemas.microsoft.com/office/mac/drawingml/2011/main" val="1"/>
-                </a:ext>
-              </a:extLst>
-            </p:spPr>
-            <p:txBody>
-              <a:bodyPr wrap="none" lIns="54570" tIns="54570" rIns="54570" bIns="54570" numCol="1" anchor="ctr">
-                <a:spAutoFit/>
-              </a:bodyPr>
-              <a:lstStyle>
-                <a:lvl1pPr algn="ctr">
-                  <a:spcBef>
-                    <a:spcPts val="0"/>
-                  </a:spcBef>
-                  <a:defRPr b="0" sz="1000">
-                    <a:solidFill>
-                      <a:srgbClr val="A6AAA9"/>
-                    </a:solidFill>
-                  </a:defRPr>
-                </a:lvl1pPr>
-              </a:lstStyle>
-              <a:p>
-                <a:pPr/>
-                <a:r>
-                  <a:t>table4a</a:t>
-                </a:r>
-              </a:p>
-            </p:txBody>
-          </p:sp>
-          <p:graphicFrame>
-            <p:nvGraphicFramePr>
-              <p:cNvPr id="256" name="Table"/>
-              <p:cNvGraphicFramePr/>
-              <p:nvPr/>
-            </p:nvGraphicFramePr>
-            <p:xfrm>
-              <a:off x="25400" y="252494"/>
-              <a:ext cx="1188951" cy="1524001"/>
-            </p:xfrm>
-            <a:graphic xmlns:a="http://schemas.openxmlformats.org/drawingml/2006/main">
-              <a:graphicData uri="http://schemas.openxmlformats.org/drawingml/2006/table">
-                <a:tbl>
-                  <a:tblPr firstCol="0" firstRow="1" lastCol="0" lastRow="0" bandCol="0" bandRow="0" rtl="0">
-                    <a:tableStyleId>{33BA23B1-9221-436E-865A-0063620EA4FD}</a:tableStyleId>
-                  </a:tblPr>
-                  <a:tblGrid>
-                    <a:gridCol w="438740"/>
-                    <a:gridCol w="320702"/>
-                    <a:gridCol w="330674"/>
-                  </a:tblGrid>
-                  <a:tr h="139700">
-                    <a:tc>
-                      <a:txBody>
-                        <a:bodyPr/>
-                        <a:lstStyle/>
-                        <a:p>
-                          <a:pPr algn="ctr" defTabSz="914400">
-                            <a:spcBef>
-                              <a:spcPts val="0"/>
-                            </a:spcBef>
-                            <a:defRPr b="0" sz="1800">
-                              <a:solidFill>
-                                <a:srgbClr val="000000"/>
-                              </a:solidFill>
-                            </a:defRPr>
-                          </a:pPr>
-                          <a:r>
-                            <a:rPr b="1" sz="800">
-                              <a:solidFill>
-                                <a:srgbClr val="FFFFFF"/>
-                              </a:solidFill>
-                              <a:latin typeface="Helvetica"/>
-                              <a:ea typeface="Helvetica"/>
-                              <a:cs typeface="Helvetica"/>
-                              <a:sym typeface="Helvetica"/>
-                            </a:rPr>
-                            <a:t>country</a:t>
-                          </a:r>
-                        </a:p>
-                      </a:txBody>
-                      <a:tcPr marL="0" marR="0" marT="0" marB="0" anchor="ctr" anchorCtr="0" horzOverflow="overflow">
-                        <a:solidFill>
-                          <a:srgbClr val="797979"/>
-                        </a:solidFill>
-                      </a:tcPr>
-                    </a:tc>
-                    <a:tc>
-                      <a:txBody>
-                        <a:bodyPr/>
-                        <a:lstStyle/>
-                        <a:p>
-                          <a:pPr algn="ctr" defTabSz="914400">
-                            <a:spcBef>
-                              <a:spcPts val="0"/>
-                            </a:spcBef>
-                            <a:defRPr b="0" sz="1800">
-                              <a:solidFill>
-                                <a:srgbClr val="000000"/>
-                              </a:solidFill>
-                            </a:defRPr>
-                          </a:pPr>
-                          <a:r>
-                            <a:rPr b="1" sz="800">
-                              <a:solidFill>
-                                <a:srgbClr val="FFFFFF"/>
-                              </a:solidFill>
-                              <a:latin typeface="Helvetica"/>
-                              <a:ea typeface="Helvetica"/>
-                              <a:cs typeface="Helvetica"/>
-                              <a:sym typeface="Helvetica"/>
-                            </a:rPr>
-                            <a:t>1999</a:t>
-                          </a:r>
-                        </a:p>
-                      </a:txBody>
-                      <a:tcPr marL="0" marR="0" marT="0" marB="0" anchor="ctr" anchorCtr="0" horzOverflow="overflow">
-                        <a:solidFill>
-                          <a:srgbClr val="407AAA"/>
-                        </a:solidFill>
-                      </a:tcPr>
-                    </a:tc>
-                    <a:tc>
-                      <a:txBody>
-                        <a:bodyPr/>
-                        <a:lstStyle/>
-                        <a:p>
-                          <a:pPr algn="ctr" defTabSz="914400">
-                            <a:spcBef>
-                              <a:spcPts val="0"/>
-                            </a:spcBef>
-                            <a:defRPr b="0" sz="1800">
-                              <a:solidFill>
-                                <a:srgbClr val="000000"/>
-                              </a:solidFill>
-                            </a:defRPr>
-                          </a:pPr>
-                          <a:r>
-                            <a:rPr b="1" sz="800">
-                              <a:solidFill>
-                                <a:srgbClr val="FFFFFF"/>
-                              </a:solidFill>
-                              <a:latin typeface="Helvetica"/>
-                              <a:ea typeface="Helvetica"/>
-                              <a:cs typeface="Helvetica"/>
-                              <a:sym typeface="Helvetica"/>
-                            </a:rPr>
-                            <a:t>2000</a:t>
-                          </a:r>
-                        </a:p>
-                      </a:txBody>
-                      <a:tcPr marL="0" marR="0" marT="0" marB="0" anchor="ctr" anchorCtr="0" horzOverflow="overflow">
-                        <a:solidFill>
-                          <a:schemeClr val="accent1">
-                            <a:hueOff val="47394"/>
-                            <a:satOff val="-25753"/>
-                            <a:lumOff val="-7544"/>
-                          </a:schemeClr>
-                        </a:solidFill>
-                      </a:tcPr>
-                    </a:tc>
-                  </a:tr>
-                  <a:tr h="139700">
-                    <a:tc>
-                      <a:txBody>
-                        <a:bodyPr/>
-                        <a:lstStyle/>
-                        <a:p>
-                          <a:pPr algn="ctr" defTabSz="914400">
-                            <a:spcBef>
-                              <a:spcPts val="0"/>
-                            </a:spcBef>
-                            <a:defRPr sz="1800"/>
-                          </a:pPr>
-                          <a:r>
-                            <a:rPr sz="800">
-                              <a:latin typeface="Helvetica"/>
-                              <a:ea typeface="Helvetica"/>
-                              <a:cs typeface="Helvetica"/>
-                              <a:sym typeface="Helvetica"/>
-                            </a:rPr>
-                            <a:t>A</a:t>
-                          </a:r>
-                        </a:p>
-                      </a:txBody>
-                      <a:tcPr marL="0" marR="0" marT="0" marB="0" anchor="ctr" anchorCtr="0" horzOverflow="overflow"/>
-                    </a:tc>
-                    <a:tc>
-                      <a:txBody>
-                        <a:bodyPr/>
-                        <a:lstStyle/>
-                        <a:p>
-                          <a:pPr algn="ctr" defTabSz="914400">
-                            <a:spcBef>
-                              <a:spcPts val="0"/>
-                            </a:spcBef>
-                            <a:defRPr sz="1800"/>
-                          </a:pPr>
-                          <a:r>
-                            <a:rPr sz="800">
-                              <a:latin typeface="Helvetica"/>
-                              <a:ea typeface="Helvetica"/>
-                              <a:cs typeface="Helvetica"/>
-                              <a:sym typeface="Helvetica"/>
-                            </a:rPr>
-                            <a:t>0.7K</a:t>
-                          </a:r>
-                        </a:p>
-                      </a:txBody>
-                      <a:tcPr marL="0" marR="0" marT="0" marB="0" anchor="ctr" anchorCtr="0" horzOverflow="overflow">
-                        <a:solidFill>
-                          <a:schemeClr val="accent4"/>
-                        </a:solidFill>
-                      </a:tcPr>
-                    </a:tc>
-                    <a:tc>
-                      <a:txBody>
-                        <a:bodyPr/>
-                        <a:lstStyle/>
-                        <a:p>
-                          <a:pPr algn="ctr" defTabSz="914400">
-                            <a:spcBef>
-                              <a:spcPts val="0"/>
-                            </a:spcBef>
-                            <a:defRPr sz="1800"/>
-                          </a:pPr>
-                          <a:r>
-                            <a:rPr sz="800">
-                              <a:latin typeface="Helvetica"/>
-                              <a:ea typeface="Helvetica"/>
-                              <a:cs typeface="Helvetica"/>
-                              <a:sym typeface="Helvetica"/>
-                            </a:rPr>
-                            <a:t>2K</a:t>
-                          </a:r>
-                        </a:p>
-                      </a:txBody>
-                      <a:tcPr marL="0" marR="0" marT="0" marB="0" anchor="ctr" anchorCtr="0" horzOverflow="overflow">
-                        <a:solidFill>
-                          <a:schemeClr val="accent4">
-                            <a:hueOff val="-48331"/>
-                            <a:satOff val="1035"/>
-                            <a:lumOff val="-13785"/>
-                          </a:schemeClr>
-                        </a:solidFill>
-                      </a:tcPr>
-                    </a:tc>
-                  </a:tr>
-                  <a:tr h="139700">
-                    <a:tc>
-                      <a:txBody>
-                        <a:bodyPr/>
-                        <a:lstStyle/>
-                        <a:p>
-                          <a:pPr algn="ctr" defTabSz="914400">
-                            <a:spcBef>
-                              <a:spcPts val="0"/>
-                            </a:spcBef>
-                            <a:defRPr sz="1800"/>
-                          </a:pPr>
-                          <a:r>
-                            <a:rPr sz="800">
-                              <a:latin typeface="Helvetica"/>
-                              <a:ea typeface="Helvetica"/>
-                              <a:cs typeface="Helvetica"/>
-                              <a:sym typeface="Helvetica"/>
-                            </a:rPr>
-                            <a:t>B</a:t>
-                          </a:r>
-                        </a:p>
-                      </a:txBody>
-                      <a:tcPr marL="0" marR="0" marT="0" marB="0" anchor="ctr" anchorCtr="0" horzOverflow="overflow"/>
-                    </a:tc>
-                    <a:tc>
-                      <a:txBody>
-                        <a:bodyPr/>
-                        <a:lstStyle/>
-                        <a:p>
-                          <a:pPr algn="ctr" defTabSz="914400">
-                            <a:spcBef>
-                              <a:spcPts val="0"/>
-                            </a:spcBef>
-                            <a:defRPr sz="1800"/>
-                          </a:pPr>
-                          <a:r>
-                            <a:rPr sz="800">
-                              <a:latin typeface="Helvetica"/>
-                              <a:ea typeface="Helvetica"/>
-                              <a:cs typeface="Helvetica"/>
-                              <a:sym typeface="Helvetica"/>
-                            </a:rPr>
-                            <a:t>37K</a:t>
-                          </a:r>
-                        </a:p>
-                      </a:txBody>
-                      <a:tcPr marL="0" marR="0" marT="0" marB="0" anchor="ctr" anchorCtr="0" horzOverflow="overflow">
-                        <a:solidFill>
-                          <a:schemeClr val="accent4"/>
-                        </a:solidFill>
-                      </a:tcPr>
-                    </a:tc>
-                    <a:tc>
-                      <a:txBody>
-                        <a:bodyPr/>
-                        <a:lstStyle/>
-                        <a:p>
-                          <a:pPr algn="ctr" defTabSz="914400">
-                            <a:spcBef>
-                              <a:spcPts val="0"/>
-                            </a:spcBef>
-                            <a:defRPr sz="1800"/>
-                          </a:pPr>
-                          <a:r>
-                            <a:rPr sz="800">
-                              <a:latin typeface="Helvetica"/>
-                              <a:ea typeface="Helvetica"/>
-                              <a:cs typeface="Helvetica"/>
-                              <a:sym typeface="Helvetica"/>
-                            </a:rPr>
-                            <a:t>80K</a:t>
-                          </a:r>
-                        </a:p>
-                      </a:txBody>
-                      <a:tcPr marL="0" marR="0" marT="0" marB="0" anchor="ctr" anchorCtr="0" horzOverflow="overflow">
-                        <a:solidFill>
-                          <a:schemeClr val="accent4">
-                            <a:hueOff val="-48331"/>
-                            <a:satOff val="1035"/>
-                            <a:lumOff val="-13785"/>
-                          </a:schemeClr>
-                        </a:solidFill>
-                      </a:tcPr>
-                    </a:tc>
-                  </a:tr>
-                  <a:tr h="139700">
-                    <a:tc>
-                      <a:txBody>
-                        <a:bodyPr/>
-                        <a:lstStyle/>
-                        <a:p>
-                          <a:pPr algn="ctr" defTabSz="914400">
-                            <a:spcBef>
-                              <a:spcPts val="0"/>
-                            </a:spcBef>
-                            <a:defRPr sz="1800"/>
-                          </a:pPr>
-                          <a:r>
-                            <a:rPr sz="800">
-                              <a:latin typeface="Helvetica"/>
-                              <a:ea typeface="Helvetica"/>
-                              <a:cs typeface="Helvetica"/>
-                              <a:sym typeface="Helvetica"/>
-                            </a:rPr>
-                            <a:t>C</a:t>
-                          </a:r>
-                        </a:p>
-                      </a:txBody>
-                      <a:tcPr marL="0" marR="0" marT="0" marB="0" anchor="ctr" anchorCtr="0" horzOverflow="overflow"/>
-                    </a:tc>
-                    <a:tc>
-                      <a:txBody>
-                        <a:bodyPr/>
-                        <a:lstStyle/>
-                        <a:p>
-                          <a:pPr algn="ctr" defTabSz="914400">
-                            <a:spcBef>
-                              <a:spcPts val="0"/>
-                            </a:spcBef>
-                            <a:defRPr sz="1800"/>
-                          </a:pPr>
-                          <a:r>
-                            <a:rPr sz="800">
-                              <a:latin typeface="Helvetica"/>
-                              <a:ea typeface="Helvetica"/>
-                              <a:cs typeface="Helvetica"/>
-                              <a:sym typeface="Helvetica"/>
-                            </a:rPr>
-                            <a:t>212K</a:t>
-                          </a:r>
-                        </a:p>
-                      </a:txBody>
-                      <a:tcPr marL="0" marR="0" marT="0" marB="0" anchor="ctr" anchorCtr="0" horzOverflow="overflow">
-                        <a:solidFill>
-                          <a:schemeClr val="accent4"/>
-                        </a:solidFill>
-                      </a:tcPr>
-                    </a:tc>
-                    <a:tc>
-                      <a:txBody>
-                        <a:bodyPr/>
-                        <a:lstStyle/>
-                        <a:p>
-                          <a:pPr algn="ctr" defTabSz="914400">
-                            <a:spcBef>
-                              <a:spcPts val="0"/>
-                            </a:spcBef>
-                            <a:defRPr sz="1800"/>
-                          </a:pPr>
-                          <a:r>
-                            <a:rPr sz="800">
-                              <a:latin typeface="Helvetica"/>
-                              <a:ea typeface="Helvetica"/>
-                              <a:cs typeface="Helvetica"/>
-                              <a:sym typeface="Helvetica"/>
-                            </a:rPr>
-                            <a:t>213K</a:t>
-                          </a:r>
-                        </a:p>
-                      </a:txBody>
-                      <a:tcPr marL="0" marR="0" marT="0" marB="0" anchor="ctr" anchorCtr="0" horzOverflow="overflow">
-                        <a:solidFill>
-                          <a:schemeClr val="accent4">
-                            <a:hueOff val="-48331"/>
-                            <a:satOff val="1035"/>
-                            <a:lumOff val="-13785"/>
-                          </a:schemeClr>
-                        </a:solidFill>
-                      </a:tcPr>
-                    </a:tc>
-                  </a:tr>
-                </a:tbl>
-              </a:graphicData>
-            </a:graphic>
-          </p:graphicFrame>
-          <p:sp>
-            <p:nvSpPr>
-              <p:cNvPr id="257" name="Line"/>
-              <p:cNvSpPr/>
-              <p:nvPr/>
-            </p:nvSpPr>
-            <p:spPr>
-              <a:xfrm flipV="1">
-                <a:off x="1233003" y="506224"/>
-                <a:ext cx="228506" cy="1"/>
-              </a:xfrm>
-              <a:prstGeom prst="line">
-                <a:avLst/>
-              </a:prstGeom>
-              <a:noFill/>
-              <a:ln w="25400" cap="flat">
-                <a:solidFill>
-                  <a:srgbClr val="53585F"/>
-                </a:solidFill>
-                <a:prstDash val="solid"/>
-                <a:miter lim="400000"/>
-                <a:tailEnd type="stealth" w="med" len="med"/>
-              </a:ln>
-              <a:effectLst/>
-            </p:spPr>
-            <p:txBody>
-              <a:bodyPr wrap="square" lIns="0" tIns="0" rIns="0" bIns="0" numCol="1" anchor="t">
-                <a:noAutofit/>
-              </a:bodyPr>
-              <a:lstStyle/>
-              <a:p>
-                <a:pPr>
-                  <a:lnSpc>
-                    <a:spcPct val="80000"/>
-                  </a:lnSpc>
-                  <a:spcBef>
-                    <a:spcPts val="0"/>
-                  </a:spcBef>
-                  <a:defRPr b="0" sz="5600">
-                    <a:solidFill>
-                      <a:srgbClr val="000000"/>
-                    </a:solidFill>
-                    <a:effectLst>
-                      <a:outerShdw sx="100000" sy="100000" kx="0" ky="0" algn="b" rotWithShape="0" blurRad="38100" dist="12700" dir="5400000">
-                        <a:srgbClr val="000000">
-                          <a:alpha val="50000"/>
-                        </a:srgbClr>
-                      </a:outerShdw>
-                    </a:effectLst>
-                    <a:latin typeface="Gill Sans"/>
-                    <a:ea typeface="Gill Sans"/>
-                    <a:cs typeface="Gill Sans"/>
-                    <a:sym typeface="Gill Sans"/>
-                  </a:defRPr>
-                </a:pPr>
-              </a:p>
-            </p:txBody>
-          </p:sp>
-          <p:graphicFrame>
-            <p:nvGraphicFramePr>
-              <p:cNvPr id="258" name="Table"/>
-              <p:cNvGraphicFramePr/>
-              <p:nvPr/>
-            </p:nvGraphicFramePr>
-            <p:xfrm>
-              <a:off x="1585836" y="252494"/>
-              <a:ext cx="1832414" cy="1524001"/>
-            </p:xfrm>
-            <a:graphic xmlns:a="http://schemas.openxmlformats.org/drawingml/2006/main">
-              <a:graphicData uri="http://schemas.openxmlformats.org/drawingml/2006/table">
-                <a:tbl>
-                  <a:tblPr firstCol="0" firstRow="1" lastCol="0" lastRow="0" bandCol="0" bandRow="0" rtl="0">
-                    <a:tableStyleId>{33BA23B1-9221-436E-865A-0063620EA4FD}</a:tableStyleId>
-                  </a:tblPr>
-                  <a:tblGrid>
-                    <a:gridCol w="439005"/>
-                    <a:gridCol w="311625"/>
-                    <a:gridCol w="349725"/>
-                  </a:tblGrid>
-                  <a:tr h="139700">
-                    <a:tc>
-                      <a:txBody>
-                        <a:bodyPr/>
-                        <a:lstStyle/>
-                        <a:p>
-                          <a:pPr algn="ctr" defTabSz="914400">
-                            <a:spcBef>
-                              <a:spcPts val="0"/>
-                            </a:spcBef>
-                            <a:defRPr b="0" sz="1800">
-                              <a:solidFill>
-                                <a:srgbClr val="000000"/>
-                              </a:solidFill>
-                            </a:defRPr>
-                          </a:pPr>
-                          <a:r>
-                            <a:rPr b="1" sz="800">
-                              <a:solidFill>
-                                <a:srgbClr val="FFFFFF"/>
-                              </a:solidFill>
-                              <a:latin typeface="Helvetica"/>
-                              <a:ea typeface="Helvetica"/>
-                              <a:cs typeface="Helvetica"/>
-                              <a:sym typeface="Helvetica"/>
-                            </a:rPr>
-                            <a:t>country</a:t>
-                          </a:r>
-                        </a:p>
-                      </a:txBody>
-                      <a:tcPr marL="0" marR="0" marT="0" marB="0" anchor="ctr" anchorCtr="0" horzOverflow="overflow">
-                        <a:solidFill>
-                          <a:srgbClr val="797979"/>
-                        </a:solidFill>
-                      </a:tcPr>
-                    </a:tc>
-                    <a:tc>
-                      <a:txBody>
-                        <a:bodyPr/>
-                        <a:lstStyle/>
-                        <a:p>
-                          <a:pPr algn="ctr" defTabSz="914400">
-                            <a:spcBef>
-                              <a:spcPts val="0"/>
-                            </a:spcBef>
-                            <a:defRPr b="0" sz="1800">
-                              <a:solidFill>
-                                <a:srgbClr val="000000"/>
-                              </a:solidFill>
-                            </a:defRPr>
-                          </a:pPr>
-                          <a:r>
-                            <a:rPr b="1" sz="800">
-                              <a:solidFill>
-                                <a:srgbClr val="FFFFFF"/>
-                              </a:solidFill>
-                              <a:latin typeface="Helvetica"/>
-                              <a:ea typeface="Helvetica"/>
-                              <a:cs typeface="Helvetica"/>
-                              <a:sym typeface="Helvetica"/>
-                            </a:rPr>
-                            <a:t>year</a:t>
-                          </a:r>
-                        </a:p>
-                      </a:txBody>
-                      <a:tcPr marL="0" marR="0" marT="0" marB="0" anchor="ctr" anchorCtr="0" horzOverflow="overflow">
-                        <a:solidFill>
-                          <a:srgbClr val="797979"/>
-                        </a:solidFill>
-                      </a:tcPr>
-                    </a:tc>
-                    <a:tc>
-                      <a:txBody>
-                        <a:bodyPr/>
-                        <a:lstStyle/>
-                        <a:p>
-                          <a:pPr algn="ctr" defTabSz="914400">
-                            <a:spcBef>
-                              <a:spcPts val="0"/>
-                            </a:spcBef>
-                            <a:defRPr b="0" sz="1800">
-                              <a:solidFill>
-                                <a:srgbClr val="000000"/>
-                              </a:solidFill>
-                            </a:defRPr>
-                          </a:pPr>
-                          <a:r>
-                            <a:rPr b="1" sz="800">
-                              <a:solidFill>
-                                <a:srgbClr val="FFFFFF"/>
-                              </a:solidFill>
-                              <a:latin typeface="Helvetica"/>
-                              <a:ea typeface="Helvetica"/>
-                              <a:cs typeface="Helvetica"/>
-                              <a:sym typeface="Helvetica"/>
-                            </a:rPr>
-                            <a:t>cases</a:t>
-                          </a:r>
-                        </a:p>
-                      </a:txBody>
-                      <a:tcPr marL="0" marR="0" marT="0" marB="0" anchor="ctr" anchorCtr="0" horzOverflow="overflow">
-                        <a:solidFill>
-                          <a:srgbClr val="797979"/>
-                        </a:solidFill>
-                      </a:tcPr>
-                    </a:tc>
-                  </a:tr>
-                  <a:tr h="139700">
-                    <a:tc>
-                      <a:txBody>
-                        <a:bodyPr/>
-                        <a:lstStyle/>
-                        <a:p>
-                          <a:pPr algn="ctr" defTabSz="914400">
-                            <a:spcBef>
-                              <a:spcPts val="0"/>
-                            </a:spcBef>
-                            <a:defRPr sz="1800"/>
-                          </a:pPr>
-                          <a:r>
-                            <a:rPr sz="800">
-                              <a:latin typeface="Helvetica"/>
-                              <a:ea typeface="Helvetica"/>
-                              <a:cs typeface="Helvetica"/>
-                              <a:sym typeface="Helvetica"/>
-                            </a:rPr>
-                            <a:t>A</a:t>
-                          </a:r>
-                        </a:p>
-                      </a:txBody>
-                      <a:tcPr marL="0" marR="0" marT="0" marB="0" anchor="ctr" anchorCtr="0" horzOverflow="overflow"/>
-                    </a:tc>
-                    <a:tc>
-                      <a:txBody>
-                        <a:bodyPr/>
-                        <a:lstStyle/>
-                        <a:p>
-                          <a:pPr algn="ctr" defTabSz="914400">
-                            <a:spcBef>
-                              <a:spcPts val="0"/>
-                            </a:spcBef>
-                            <a:defRPr sz="1800"/>
-                          </a:pPr>
-                          <a:r>
-                            <a:rPr sz="800">
-                              <a:solidFill>
-                                <a:srgbClr val="FFFFFF"/>
-                              </a:solidFill>
-                              <a:latin typeface="Helvetica"/>
-                              <a:ea typeface="Helvetica"/>
-                              <a:cs typeface="Helvetica"/>
-                              <a:sym typeface="Helvetica"/>
-                            </a:rPr>
-                            <a:t>1999</a:t>
-                          </a:r>
-                        </a:p>
-                      </a:txBody>
-                      <a:tcPr marL="0" marR="0" marT="0" marB="0" anchor="ctr" anchorCtr="0" horzOverflow="overflow">
-                        <a:solidFill>
-                          <a:srgbClr val="407AAA"/>
-                        </a:solidFill>
-                      </a:tcPr>
-                    </a:tc>
-                    <a:tc>
-                      <a:txBody>
-                        <a:bodyPr/>
-                        <a:lstStyle/>
-                        <a:p>
-                          <a:pPr algn="ctr" defTabSz="914400">
-                            <a:spcBef>
-                              <a:spcPts val="0"/>
-                            </a:spcBef>
-                            <a:defRPr sz="1800"/>
-                          </a:pPr>
-                          <a:r>
-                            <a:rPr sz="800">
-                              <a:latin typeface="Helvetica"/>
-                              <a:ea typeface="Helvetica"/>
-                              <a:cs typeface="Helvetica"/>
-                              <a:sym typeface="Helvetica"/>
-                            </a:rPr>
-                            <a:t>0.7K</a:t>
-                          </a:r>
-                        </a:p>
-                      </a:txBody>
-                      <a:tcPr marL="0" marR="0" marT="0" marB="0" anchor="ctr" anchorCtr="0" horzOverflow="overflow">
-                        <a:solidFill>
-                          <a:schemeClr val="accent4"/>
-                        </a:solidFill>
-                      </a:tcPr>
-                    </a:tc>
-                  </a:tr>
-                  <a:tr h="139700">
-                    <a:tc>
-                      <a:txBody>
-                        <a:bodyPr/>
-                        <a:lstStyle/>
-                        <a:p>
-                          <a:pPr algn="ctr" defTabSz="914400">
-                            <a:spcBef>
-                              <a:spcPts val="0"/>
-                            </a:spcBef>
-                            <a:defRPr sz="1800"/>
-                          </a:pPr>
-                          <a:r>
-                            <a:rPr sz="800">
-                              <a:latin typeface="Helvetica"/>
-                              <a:ea typeface="Helvetica"/>
-                              <a:cs typeface="Helvetica"/>
-                              <a:sym typeface="Helvetica"/>
-                            </a:rPr>
-                            <a:t>B</a:t>
-                          </a:r>
-                        </a:p>
-                      </a:txBody>
-                      <a:tcPr marL="0" marR="0" marT="0" marB="0" anchor="ctr" anchorCtr="0" horzOverflow="overflow"/>
-                    </a:tc>
-                    <a:tc>
-                      <a:txBody>
-                        <a:bodyPr/>
-                        <a:lstStyle/>
-                        <a:p>
-                          <a:pPr algn="ctr" defTabSz="914400">
-                            <a:spcBef>
-                              <a:spcPts val="0"/>
-                            </a:spcBef>
-                            <a:defRPr sz="1800"/>
-                          </a:pPr>
-                          <a:r>
-                            <a:rPr sz="800">
-                              <a:solidFill>
-                                <a:srgbClr val="FFFFFF"/>
-                              </a:solidFill>
-                              <a:latin typeface="Helvetica"/>
-                              <a:ea typeface="Helvetica"/>
-                              <a:cs typeface="Helvetica"/>
-                              <a:sym typeface="Helvetica"/>
-                            </a:rPr>
-                            <a:t>1999</a:t>
-                          </a:r>
-                        </a:p>
-                      </a:txBody>
-                      <a:tcPr marL="0" marR="0" marT="0" marB="0" anchor="ctr" anchorCtr="0" horzOverflow="overflow">
-                        <a:solidFill>
-                          <a:srgbClr val="407AAA"/>
-                        </a:solidFill>
-                      </a:tcPr>
-                    </a:tc>
-                    <a:tc>
-                      <a:txBody>
-                        <a:bodyPr/>
-                        <a:lstStyle/>
-                        <a:p>
-                          <a:pPr algn="ctr" defTabSz="914400">
-                            <a:spcBef>
-                              <a:spcPts val="0"/>
-                            </a:spcBef>
-                            <a:defRPr sz="1800"/>
-                          </a:pPr>
-                          <a:r>
-                            <a:rPr sz="800">
-                              <a:latin typeface="Helvetica"/>
-                              <a:ea typeface="Helvetica"/>
-                              <a:cs typeface="Helvetica"/>
-                              <a:sym typeface="Helvetica"/>
-                            </a:rPr>
-                            <a:t>37K</a:t>
-                          </a:r>
-                        </a:p>
-                      </a:txBody>
-                      <a:tcPr marL="0" marR="0" marT="0" marB="0" anchor="ctr" anchorCtr="0" horzOverflow="overflow">
-                        <a:solidFill>
-                          <a:schemeClr val="accent4"/>
-                        </a:solidFill>
-                      </a:tcPr>
-                    </a:tc>
-                  </a:tr>
-                  <a:tr h="139700">
-                    <a:tc>
-                      <a:txBody>
-                        <a:bodyPr/>
-                        <a:lstStyle/>
-                        <a:p>
-                          <a:pPr algn="ctr" defTabSz="914400">
-                            <a:spcBef>
-                              <a:spcPts val="0"/>
-                            </a:spcBef>
-                            <a:defRPr sz="1800"/>
-                          </a:pPr>
-                          <a:r>
-                            <a:rPr sz="800">
-                              <a:latin typeface="Helvetica"/>
-                              <a:ea typeface="Helvetica"/>
-                              <a:cs typeface="Helvetica"/>
-                              <a:sym typeface="Helvetica"/>
-                            </a:rPr>
-                            <a:t>C</a:t>
-                          </a:r>
-                        </a:p>
-                      </a:txBody>
-                      <a:tcPr marL="0" marR="0" marT="0" marB="0" anchor="ctr" anchorCtr="0" horzOverflow="overflow"/>
-                    </a:tc>
-                    <a:tc>
-                      <a:txBody>
-                        <a:bodyPr/>
-                        <a:lstStyle/>
-                        <a:p>
-                          <a:pPr algn="ctr" defTabSz="914400">
-                            <a:spcBef>
-                              <a:spcPts val="0"/>
-                            </a:spcBef>
-                            <a:defRPr sz="1800"/>
-                          </a:pPr>
-                          <a:r>
-                            <a:rPr sz="800">
-                              <a:solidFill>
-                                <a:srgbClr val="FFFFFF"/>
-                              </a:solidFill>
-                              <a:latin typeface="Helvetica"/>
-                              <a:ea typeface="Helvetica"/>
-                              <a:cs typeface="Helvetica"/>
-                              <a:sym typeface="Helvetica"/>
-                            </a:rPr>
-                            <a:t>1999</a:t>
-                          </a:r>
-                        </a:p>
-                      </a:txBody>
-                      <a:tcPr marL="0" marR="0" marT="0" marB="0" anchor="ctr" anchorCtr="0" horzOverflow="overflow">
-                        <a:solidFill>
-                          <a:srgbClr val="407AAA"/>
-                        </a:solidFill>
-                      </a:tcPr>
-                    </a:tc>
-                    <a:tc>
-                      <a:txBody>
-                        <a:bodyPr/>
-                        <a:lstStyle/>
-                        <a:p>
-                          <a:pPr algn="ctr" defTabSz="914400">
-                            <a:spcBef>
-                              <a:spcPts val="0"/>
-                            </a:spcBef>
-                            <a:defRPr sz="1800"/>
-                          </a:pPr>
-                          <a:r>
-                            <a:rPr sz="800">
-                              <a:latin typeface="Helvetica"/>
-                              <a:ea typeface="Helvetica"/>
-                              <a:cs typeface="Helvetica"/>
-                              <a:sym typeface="Helvetica"/>
-                            </a:rPr>
-                            <a:t>212K</a:t>
-                          </a:r>
-                        </a:p>
-                      </a:txBody>
-                      <a:tcPr marL="0" marR="0" marT="0" marB="0" anchor="ctr" anchorCtr="0" horzOverflow="overflow">
-                        <a:solidFill>
-                          <a:schemeClr val="accent4"/>
-                        </a:solidFill>
-                      </a:tcPr>
-                    </a:tc>
-                  </a:tr>
-                  <a:tr h="139700">
-                    <a:tc>
-                      <a:txBody>
-                        <a:bodyPr/>
-                        <a:lstStyle/>
-                        <a:p>
-                          <a:pPr algn="ctr" defTabSz="914400">
-                            <a:spcBef>
-                              <a:spcPts val="0"/>
-                            </a:spcBef>
-                            <a:defRPr sz="1800"/>
-                          </a:pPr>
-                          <a:r>
-                            <a:rPr sz="800">
-                              <a:latin typeface="Helvetica"/>
-                              <a:ea typeface="Helvetica"/>
-                              <a:cs typeface="Helvetica"/>
-                              <a:sym typeface="Helvetica"/>
-                            </a:rPr>
-                            <a:t>A</a:t>
-                          </a:r>
-                        </a:p>
-                      </a:txBody>
-                      <a:tcPr marL="0" marR="0" marT="0" marB="0" anchor="ctr" anchorCtr="0" horzOverflow="overflow"/>
-                    </a:tc>
-                    <a:tc>
-                      <a:txBody>
-                        <a:bodyPr/>
-                        <a:lstStyle/>
-                        <a:p>
-                          <a:pPr algn="ctr" defTabSz="914400">
-                            <a:spcBef>
-                              <a:spcPts val="0"/>
-                            </a:spcBef>
-                            <a:defRPr sz="1800"/>
-                          </a:pPr>
-                          <a:r>
-                            <a:rPr sz="800">
-                              <a:solidFill>
-                                <a:srgbClr val="FFFFFF"/>
-                              </a:solidFill>
-                              <a:latin typeface="Helvetica"/>
-                              <a:ea typeface="Helvetica"/>
-                              <a:cs typeface="Helvetica"/>
-                              <a:sym typeface="Helvetica"/>
-                            </a:rPr>
-                            <a:t>2000</a:t>
-                          </a:r>
-                        </a:p>
-                      </a:txBody>
-                      <a:tcPr marL="0" marR="0" marT="0" marB="0" anchor="ctr" anchorCtr="0" horzOverflow="overflow">
-                        <a:solidFill>
-                          <a:schemeClr val="accent1">
-                            <a:hueOff val="47394"/>
-                            <a:satOff val="-25753"/>
-                            <a:lumOff val="-7544"/>
-                          </a:schemeClr>
-                        </a:solidFill>
-                      </a:tcPr>
-                    </a:tc>
-                    <a:tc>
-                      <a:txBody>
-                        <a:bodyPr/>
-                        <a:lstStyle/>
-                        <a:p>
-                          <a:pPr algn="ctr" defTabSz="914400">
-                            <a:spcBef>
-                              <a:spcPts val="0"/>
-                            </a:spcBef>
-                            <a:defRPr sz="1800"/>
-                          </a:pPr>
-                          <a:r>
-                            <a:rPr sz="800">
-                              <a:latin typeface="Helvetica"/>
-                              <a:ea typeface="Helvetica"/>
-                              <a:cs typeface="Helvetica"/>
-                              <a:sym typeface="Helvetica"/>
-                            </a:rPr>
-                            <a:t>2K</a:t>
-                          </a:r>
-                        </a:p>
-                      </a:txBody>
-                      <a:tcPr marL="0" marR="0" marT="0" marB="0" anchor="ctr" anchorCtr="0" horzOverflow="overflow">
-                        <a:solidFill>
-                          <a:schemeClr val="accent4">
-                            <a:hueOff val="-48331"/>
-                            <a:satOff val="1035"/>
-                            <a:lumOff val="-13785"/>
-                          </a:schemeClr>
-                        </a:solidFill>
-                      </a:tcPr>
-                    </a:tc>
-                  </a:tr>
-                  <a:tr h="139700">
-                    <a:tc>
-                      <a:txBody>
-                        <a:bodyPr/>
-                        <a:lstStyle/>
-                        <a:p>
-                          <a:pPr algn="ctr" defTabSz="914400">
-                            <a:spcBef>
-                              <a:spcPts val="0"/>
-                            </a:spcBef>
-                            <a:defRPr sz="1800"/>
-                          </a:pPr>
-                          <a:r>
-                            <a:rPr sz="800">
-                              <a:latin typeface="Helvetica"/>
-                              <a:ea typeface="Helvetica"/>
-                              <a:cs typeface="Helvetica"/>
-                              <a:sym typeface="Helvetica"/>
-                            </a:rPr>
-                            <a:t>B</a:t>
-                          </a:r>
-                        </a:p>
-                      </a:txBody>
-                      <a:tcPr marL="0" marR="0" marT="0" marB="0" anchor="ctr" anchorCtr="0" horzOverflow="overflow"/>
-                    </a:tc>
-                    <a:tc>
-                      <a:txBody>
-                        <a:bodyPr/>
-                        <a:lstStyle/>
-                        <a:p>
-                          <a:pPr algn="ctr" defTabSz="914400">
-                            <a:spcBef>
-                              <a:spcPts val="0"/>
-                            </a:spcBef>
-                            <a:defRPr sz="1800"/>
-                          </a:pPr>
-                          <a:r>
-                            <a:rPr sz="800">
-                              <a:solidFill>
-                                <a:srgbClr val="FFFFFF"/>
-                              </a:solidFill>
-                              <a:latin typeface="Helvetica"/>
-                              <a:ea typeface="Helvetica"/>
-                              <a:cs typeface="Helvetica"/>
-                              <a:sym typeface="Helvetica"/>
-                            </a:rPr>
-                            <a:t>2000</a:t>
-                          </a:r>
-                        </a:p>
-                      </a:txBody>
-                      <a:tcPr marL="0" marR="0" marT="0" marB="0" anchor="ctr" anchorCtr="0" horzOverflow="overflow">
-                        <a:solidFill>
-                          <a:schemeClr val="accent1">
-                            <a:hueOff val="47394"/>
-                            <a:satOff val="-25753"/>
-                            <a:lumOff val="-7544"/>
-                          </a:schemeClr>
-                        </a:solidFill>
-                      </a:tcPr>
-                    </a:tc>
-                    <a:tc>
-                      <a:txBody>
-                        <a:bodyPr/>
-                        <a:lstStyle/>
-                        <a:p>
-                          <a:pPr algn="ctr" defTabSz="914400">
-                            <a:spcBef>
-                              <a:spcPts val="0"/>
-                            </a:spcBef>
-                            <a:defRPr sz="1800"/>
-                          </a:pPr>
-                          <a:r>
-                            <a:rPr sz="800">
-                              <a:latin typeface="Helvetica"/>
-                              <a:ea typeface="Helvetica"/>
-                              <a:cs typeface="Helvetica"/>
-                              <a:sym typeface="Helvetica"/>
-                            </a:rPr>
-                            <a:t>80K</a:t>
-                          </a:r>
-                        </a:p>
-                      </a:txBody>
-                      <a:tcPr marL="0" marR="0" marT="0" marB="0" anchor="ctr" anchorCtr="0" horzOverflow="overflow">
-                        <a:solidFill>
-                          <a:schemeClr val="accent4">
-                            <a:hueOff val="-48331"/>
-                            <a:satOff val="1035"/>
-                            <a:lumOff val="-13785"/>
-                          </a:schemeClr>
-                        </a:solidFill>
-                      </a:tcPr>
-                    </a:tc>
-                  </a:tr>
-                  <a:tr h="139700">
-                    <a:tc>
-                      <a:txBody>
-                        <a:bodyPr/>
-                        <a:lstStyle/>
-                        <a:p>
-                          <a:pPr algn="ctr" defTabSz="914400">
-                            <a:spcBef>
-                              <a:spcPts val="0"/>
-                            </a:spcBef>
-                            <a:defRPr sz="1800"/>
-                          </a:pPr>
-                          <a:r>
-                            <a:rPr sz="800">
-                              <a:latin typeface="Helvetica"/>
-                              <a:ea typeface="Helvetica"/>
-                              <a:cs typeface="Helvetica"/>
-                              <a:sym typeface="Helvetica"/>
-                            </a:rPr>
-                            <a:t>C</a:t>
-                          </a:r>
-                        </a:p>
-                      </a:txBody>
-                      <a:tcPr marL="0" marR="0" marT="0" marB="0" anchor="ctr" anchorCtr="0" horzOverflow="overflow"/>
-                    </a:tc>
-                    <a:tc>
-                      <a:txBody>
-                        <a:bodyPr/>
-                        <a:lstStyle/>
-                        <a:p>
-                          <a:pPr algn="ctr" defTabSz="914400">
-                            <a:spcBef>
-                              <a:spcPts val="0"/>
-                            </a:spcBef>
-                            <a:defRPr sz="1800"/>
-                          </a:pPr>
-                          <a:r>
-                            <a:rPr sz="800">
-                              <a:solidFill>
-                                <a:srgbClr val="FFFFFF"/>
-                              </a:solidFill>
-                              <a:latin typeface="Helvetica"/>
-                              <a:ea typeface="Helvetica"/>
-                              <a:cs typeface="Helvetica"/>
-                              <a:sym typeface="Helvetica"/>
-                            </a:rPr>
-                            <a:t>2000</a:t>
-                          </a:r>
-                        </a:p>
-                      </a:txBody>
-                      <a:tcPr marL="0" marR="0" marT="0" marB="0" anchor="ctr" anchorCtr="0" horzOverflow="overflow">
-                        <a:solidFill>
-                          <a:schemeClr val="accent1">
-                            <a:hueOff val="47394"/>
-                            <a:satOff val="-25753"/>
-                            <a:lumOff val="-7544"/>
-                          </a:schemeClr>
-                        </a:solidFill>
-                      </a:tcPr>
-                    </a:tc>
-                    <a:tc>
-                      <a:txBody>
-                        <a:bodyPr/>
-                        <a:lstStyle/>
-                        <a:p>
-                          <a:pPr algn="ctr" defTabSz="914400">
-                            <a:spcBef>
-                              <a:spcPts val="0"/>
-                            </a:spcBef>
-                            <a:defRPr sz="1800"/>
-                          </a:pPr>
-                          <a:r>
-                            <a:rPr sz="800">
-                              <a:latin typeface="Helvetica"/>
-                              <a:ea typeface="Helvetica"/>
-                              <a:cs typeface="Helvetica"/>
-                              <a:sym typeface="Helvetica"/>
-                            </a:rPr>
-                            <a:t>213K</a:t>
-                          </a:r>
-                        </a:p>
-                      </a:txBody>
-                      <a:tcPr marL="0" marR="0" marT="0" marB="0" anchor="ctr" anchorCtr="0" horzOverflow="overflow">
-                        <a:solidFill>
-                          <a:schemeClr val="accent4">
-                            <a:hueOff val="-48331"/>
-                            <a:satOff val="1035"/>
-                            <a:lumOff val="-13785"/>
-                          </a:schemeClr>
-                        </a:solidFill>
-                      </a:tcPr>
-                    </a:tc>
-                  </a:tr>
-                </a:tbl>
-              </a:graphicData>
-            </a:graphic>
-          </p:graphicFrame>
-        </p:grpSp>
-      </p:grpSp>
-      <p:grpSp>
-        <p:nvGrpSpPr>
-          <p:cNvPr id="268" name="Group"/>
-          <p:cNvGrpSpPr/>
-          <p:nvPr/>
-        </p:nvGrpSpPr>
-        <p:grpSpPr>
-          <a:xfrm>
-            <a:off x="7022615" y="4250031"/>
-            <a:ext cx="3535667" cy="2321904"/>
-            <a:chOff x="25400" y="0"/>
-            <a:chExt cx="3535665" cy="2321903"/>
-          </a:xfrm>
-        </p:grpSpPr>
-        <p:sp>
-          <p:nvSpPr>
-            <p:cNvPr id="261" name="value"/>
-            <p:cNvSpPr txBox="1"/>
-            <p:nvPr/>
-          </p:nvSpPr>
-          <p:spPr>
-            <a:xfrm>
-              <a:off x="1090561" y="2042180"/>
-              <a:ext cx="407084" cy="274242"/>
-            </a:xfrm>
-            <a:prstGeom prst="rect">
-              <a:avLst/>
-            </a:prstGeom>
-            <a:noFill/>
-            <a:ln w="12700" cap="flat">
-              <a:noFill/>
-              <a:miter lim="400000"/>
-            </a:ln>
-            <a:effectLst/>
-            <a:extLst>
-              <a:ext uri="{C572A759-6A51-4108-AA02-DFA0A04FC94B}">
-                <ma14:wrappingTextBoxFlag xmlns:ma14="http://schemas.microsoft.com/office/mac/drawingml/2011/main" val="1"/>
-              </a:ext>
-            </a:extLst>
-          </p:spPr>
-          <p:txBody>
-            <a:bodyPr wrap="none" lIns="54570" tIns="54570" rIns="54570" bIns="54570" numCol="1" anchor="ctr">
-              <a:spAutoFit/>
-            </a:bodyPr>
-            <a:lstStyle>
-              <a:lvl1pPr algn="ctr">
-                <a:spcBef>
-                  <a:spcPts val="0"/>
-                </a:spcBef>
-                <a:defRPr b="0" sz="1000">
-                  <a:solidFill>
-                    <a:schemeClr val="accent4">
-                      <a:hueOff val="-48331"/>
-                      <a:satOff val="1035"/>
-                      <a:lumOff val="-13785"/>
-                    </a:schemeClr>
-                  </a:solidFill>
-                </a:defRPr>
-              </a:lvl1pPr>
-            </a:lstStyle>
-            <a:p>
-              <a:pPr/>
-              <a:r>
-                <a:t>value</a:t>
-              </a:r>
-            </a:p>
-          </p:txBody>
-        </p:sp>
-        <p:sp>
-          <p:nvSpPr>
-            <p:cNvPr id="262" name="key"/>
-            <p:cNvSpPr txBox="1"/>
-            <p:nvPr/>
-          </p:nvSpPr>
-          <p:spPr>
-            <a:xfrm>
-              <a:off x="781474" y="2047662"/>
-              <a:ext cx="305357" cy="274242"/>
-            </a:xfrm>
-            <a:prstGeom prst="rect">
-              <a:avLst/>
-            </a:prstGeom>
-            <a:noFill/>
-            <a:ln w="12700" cap="flat">
-              <a:noFill/>
-              <a:miter lim="400000"/>
-            </a:ln>
-            <a:effectLst/>
-            <a:extLst>
-              <a:ext uri="{C572A759-6A51-4108-AA02-DFA0A04FC94B}">
-                <ma14:wrappingTextBoxFlag xmlns:ma14="http://schemas.microsoft.com/office/mac/drawingml/2011/main" val="1"/>
-              </a:ext>
-            </a:extLst>
-          </p:spPr>
-          <p:txBody>
-            <a:bodyPr wrap="none" lIns="54570" tIns="54570" rIns="54570" bIns="54570" numCol="1" anchor="ctr">
-              <a:spAutoFit/>
-            </a:bodyPr>
-            <a:lstStyle>
-              <a:lvl1pPr algn="ctr">
-                <a:spcBef>
-                  <a:spcPts val="0"/>
-                </a:spcBef>
-                <a:defRPr b="0" sz="1000">
-                  <a:solidFill>
-                    <a:schemeClr val="accent1">
-                      <a:hueOff val="47394"/>
-                      <a:satOff val="-25753"/>
-                      <a:lumOff val="-7544"/>
-                    </a:schemeClr>
-                  </a:solidFill>
-                </a:defRPr>
-              </a:lvl1pPr>
-            </a:lstStyle>
-            <a:p>
-              <a:pPr/>
-              <a:r>
-                <a:t>key</a:t>
-              </a:r>
-            </a:p>
-          </p:txBody>
-        </p:sp>
-        <p:grpSp>
-          <p:nvGrpSpPr>
-            <p:cNvPr id="267" name="Group"/>
-            <p:cNvGrpSpPr/>
-            <p:nvPr/>
-          </p:nvGrpSpPr>
-          <p:grpSpPr>
-            <a:xfrm>
-              <a:off x="25400" y="-1"/>
-              <a:ext cx="3535666" cy="1776496"/>
-              <a:chOff x="25400" y="0"/>
-              <a:chExt cx="3535665" cy="1776494"/>
-            </a:xfrm>
-          </p:grpSpPr>
-          <p:graphicFrame>
-            <p:nvGraphicFramePr>
-              <p:cNvPr id="263" name="Table"/>
-              <p:cNvGraphicFramePr/>
-              <p:nvPr/>
-            </p:nvGraphicFramePr>
-            <p:xfrm>
-              <a:off x="1728652" y="252494"/>
-              <a:ext cx="1832414" cy="1524001"/>
-            </p:xfrm>
-            <a:graphic xmlns:a="http://schemas.openxmlformats.org/drawingml/2006/main">
-              <a:graphicData uri="http://schemas.openxmlformats.org/drawingml/2006/table">
-                <a:tbl>
-                  <a:tblPr firstCol="0" firstRow="1" lastCol="0" lastRow="0" bandCol="0" bandRow="0" rtl="0">
-                    <a:tableStyleId>{33BA23B1-9221-436E-865A-0063620EA4FD}</a:tableStyleId>
-                  </a:tblPr>
-                  <a:tblGrid>
-                    <a:gridCol w="442228"/>
-                    <a:gridCol w="304800"/>
-                    <a:gridCol w="368300"/>
-                    <a:gridCol w="340628"/>
-                  </a:tblGrid>
-                  <a:tr h="139700">
-                    <a:tc>
-                      <a:txBody>
-                        <a:bodyPr/>
-                        <a:lstStyle/>
-                        <a:p>
-                          <a:pPr algn="ctr" defTabSz="914400">
-                            <a:spcBef>
-                              <a:spcPts val="0"/>
-                            </a:spcBef>
-                            <a:defRPr b="0" sz="1800">
-                              <a:solidFill>
-                                <a:srgbClr val="000000"/>
-                              </a:solidFill>
-                            </a:defRPr>
-                          </a:pPr>
-                          <a:r>
-                            <a:rPr b="1" sz="800">
-                              <a:solidFill>
-                                <a:srgbClr val="FFFFFF"/>
-                              </a:solidFill>
-                              <a:latin typeface="Helvetica"/>
-                              <a:ea typeface="Helvetica"/>
-                              <a:cs typeface="Helvetica"/>
-                              <a:sym typeface="Helvetica"/>
-                            </a:rPr>
-                            <a:t>country</a:t>
-                          </a:r>
-                        </a:p>
-                      </a:txBody>
-                      <a:tcPr marL="0" marR="0" marT="0" marB="0" anchor="ctr" anchorCtr="0" horzOverflow="overflow">
-                        <a:solidFill>
-                          <a:srgbClr val="797979"/>
-                        </a:solidFill>
-                      </a:tcPr>
-                    </a:tc>
-                    <a:tc>
-                      <a:txBody>
-                        <a:bodyPr/>
-                        <a:lstStyle/>
-                        <a:p>
-                          <a:pPr algn="ctr" defTabSz="914400">
-                            <a:spcBef>
-                              <a:spcPts val="0"/>
-                            </a:spcBef>
-                            <a:defRPr b="0" sz="1800">
-                              <a:solidFill>
-                                <a:srgbClr val="000000"/>
-                              </a:solidFill>
-                            </a:defRPr>
-                          </a:pPr>
-                          <a:r>
-                            <a:rPr b="1" sz="800">
-                              <a:solidFill>
-                                <a:srgbClr val="FFFFFF"/>
-                              </a:solidFill>
-                              <a:latin typeface="Helvetica"/>
-                              <a:ea typeface="Helvetica"/>
-                              <a:cs typeface="Helvetica"/>
-                              <a:sym typeface="Helvetica"/>
-                            </a:rPr>
-                            <a:t>year</a:t>
-                          </a:r>
-                        </a:p>
-                      </a:txBody>
-                      <a:tcPr marL="0" marR="0" marT="0" marB="0" anchor="ctr" anchorCtr="0" horzOverflow="overflow">
-                        <a:solidFill>
-                          <a:srgbClr val="797979"/>
-                        </a:solidFill>
-                      </a:tcPr>
-                    </a:tc>
-                    <a:tc>
-                      <a:txBody>
-                        <a:bodyPr/>
-                        <a:lstStyle/>
-                        <a:p>
-                          <a:pPr algn="ctr" defTabSz="914400">
-                            <a:spcBef>
-                              <a:spcPts val="0"/>
-                            </a:spcBef>
-                            <a:defRPr b="0" sz="1800">
-                              <a:solidFill>
-                                <a:srgbClr val="000000"/>
-                              </a:solidFill>
-                            </a:defRPr>
-                          </a:pPr>
-                          <a:r>
-                            <a:rPr b="1" sz="800">
-                              <a:solidFill>
-                                <a:srgbClr val="FFFFFF"/>
-                              </a:solidFill>
-                              <a:latin typeface="Helvetica"/>
-                              <a:ea typeface="Helvetica"/>
-                              <a:cs typeface="Helvetica"/>
-                              <a:sym typeface="Helvetica"/>
-                            </a:rPr>
-                            <a:t>cases</a:t>
-                          </a:r>
-                        </a:p>
-                      </a:txBody>
-                      <a:tcPr marL="0" marR="0" marT="0" marB="0" anchor="ctr" anchorCtr="0" horzOverflow="overflow">
-                        <a:solidFill>
-                          <a:srgbClr val="407AAA"/>
-                        </a:solidFill>
-                      </a:tcPr>
-                    </a:tc>
-                    <a:tc>
-                      <a:txBody>
-                        <a:bodyPr/>
-                        <a:lstStyle/>
-                        <a:p>
-                          <a:pPr algn="ctr" defTabSz="914400">
-                            <a:spcBef>
-                              <a:spcPts val="0"/>
-                            </a:spcBef>
-                            <a:defRPr b="0" sz="1800">
-                              <a:solidFill>
-                                <a:srgbClr val="000000"/>
-                              </a:solidFill>
-                            </a:defRPr>
-                          </a:pPr>
-                          <a:r>
-                            <a:rPr b="1" sz="800">
-                              <a:solidFill>
-                                <a:srgbClr val="FFFFFF"/>
-                              </a:solidFill>
-                              <a:latin typeface="Helvetica"/>
-                              <a:ea typeface="Helvetica"/>
-                              <a:cs typeface="Helvetica"/>
-                              <a:sym typeface="Helvetica"/>
-                            </a:rPr>
-                            <a:t>pop</a:t>
-                          </a:r>
-                        </a:p>
-                      </a:txBody>
-                      <a:tcPr marL="0" marR="0" marT="0" marB="0" anchor="ctr" anchorCtr="0" horzOverflow="overflow">
-                        <a:solidFill>
-                          <a:schemeClr val="accent1">
-                            <a:hueOff val="47394"/>
-                            <a:satOff val="-25753"/>
-                            <a:lumOff val="-7544"/>
-                          </a:schemeClr>
-                        </a:solidFill>
-                      </a:tcPr>
-                    </a:tc>
-                  </a:tr>
-                  <a:tr h="139700">
-                    <a:tc>
-                      <a:txBody>
-                        <a:bodyPr/>
-                        <a:lstStyle/>
-                        <a:p>
-                          <a:pPr algn="ctr" defTabSz="914400">
-                            <a:spcBef>
-                              <a:spcPts val="0"/>
-                            </a:spcBef>
-                            <a:defRPr sz="1800"/>
-                          </a:pPr>
-                          <a:r>
-                            <a:rPr sz="800">
-                              <a:latin typeface="Helvetica"/>
-                              <a:ea typeface="Helvetica"/>
-                              <a:cs typeface="Helvetica"/>
-                              <a:sym typeface="Helvetica"/>
-                            </a:rPr>
-                            <a:t>A</a:t>
-                          </a:r>
-                        </a:p>
-                      </a:txBody>
-                      <a:tcPr marL="0" marR="0" marT="0" marB="0" anchor="ctr" anchorCtr="0" horzOverflow="overflow"/>
-                    </a:tc>
-                    <a:tc>
-                      <a:txBody>
-                        <a:bodyPr/>
-                        <a:lstStyle/>
-                        <a:p>
-                          <a:pPr algn="ctr" defTabSz="914400">
-                            <a:spcBef>
-                              <a:spcPts val="0"/>
-                            </a:spcBef>
-                            <a:defRPr sz="1800"/>
-                          </a:pPr>
-                          <a:r>
-                            <a:rPr sz="800">
-                              <a:latin typeface="Helvetica"/>
-                              <a:ea typeface="Helvetica"/>
-                              <a:cs typeface="Helvetica"/>
-                              <a:sym typeface="Helvetica"/>
-                            </a:rPr>
-                            <a:t>1999</a:t>
-                          </a:r>
-                        </a:p>
-                      </a:txBody>
-                      <a:tcPr marL="0" marR="0" marT="0" marB="0" anchor="ctr" anchorCtr="0" horzOverflow="overflow"/>
-                    </a:tc>
-                    <a:tc>
-                      <a:txBody>
-                        <a:bodyPr/>
-                        <a:lstStyle/>
-                        <a:p>
-                          <a:pPr algn="ctr" defTabSz="914400">
-                            <a:spcBef>
-                              <a:spcPts val="0"/>
-                            </a:spcBef>
-                            <a:defRPr sz="1800"/>
-                          </a:pPr>
-                          <a:r>
-                            <a:rPr sz="800">
-                              <a:latin typeface="Helvetica"/>
-                              <a:ea typeface="Helvetica"/>
-                              <a:cs typeface="Helvetica"/>
-                              <a:sym typeface="Helvetica"/>
-                            </a:rPr>
-                            <a:t>0.7K</a:t>
-                          </a:r>
-                        </a:p>
-                      </a:txBody>
-                      <a:tcPr marL="0" marR="0" marT="0" marB="0" anchor="ctr" anchorCtr="0" horzOverflow="overflow">
-                        <a:solidFill>
-                          <a:schemeClr val="accent4"/>
-                        </a:solidFill>
-                      </a:tcPr>
-                    </a:tc>
-                    <a:tc>
-                      <a:txBody>
-                        <a:bodyPr/>
-                        <a:lstStyle/>
-                        <a:p>
-                          <a:pPr algn="ctr" defTabSz="914400">
-                            <a:spcBef>
-                              <a:spcPts val="0"/>
-                            </a:spcBef>
-                            <a:defRPr sz="1800"/>
-                          </a:pPr>
-                          <a:r>
-                            <a:rPr sz="800">
-                              <a:latin typeface="Helvetica"/>
-                              <a:ea typeface="Helvetica"/>
-                              <a:cs typeface="Helvetica"/>
-                              <a:sym typeface="Helvetica"/>
-                            </a:rPr>
-                            <a:t>19M</a:t>
-                          </a:r>
-                        </a:p>
-                      </a:txBody>
-                      <a:tcPr marL="0" marR="0" marT="0" marB="0" anchor="ctr" anchorCtr="0" horzOverflow="overflow">
-                        <a:solidFill>
-                          <a:schemeClr val="accent4">
-                            <a:hueOff val="-48331"/>
-                            <a:satOff val="1035"/>
-                            <a:lumOff val="-13785"/>
-                          </a:schemeClr>
-                        </a:solidFill>
-                      </a:tcPr>
-                    </a:tc>
-                  </a:tr>
-                  <a:tr h="139700">
-                    <a:tc>
-                      <a:txBody>
-                        <a:bodyPr/>
-                        <a:lstStyle/>
-                        <a:p>
-                          <a:pPr algn="ctr" defTabSz="914400">
-                            <a:spcBef>
-                              <a:spcPts val="0"/>
-                            </a:spcBef>
-                            <a:defRPr sz="1800"/>
-                          </a:pPr>
-                          <a:r>
-                            <a:rPr sz="800">
-                              <a:latin typeface="Helvetica"/>
-                              <a:ea typeface="Helvetica"/>
-                              <a:cs typeface="Helvetica"/>
-                              <a:sym typeface="Helvetica"/>
-                            </a:rPr>
-                            <a:t>A</a:t>
-                          </a:r>
-                        </a:p>
-                      </a:txBody>
-                      <a:tcPr marL="0" marR="0" marT="0" marB="0" anchor="ctr" anchorCtr="0" horzOverflow="overflow"/>
-                    </a:tc>
-                    <a:tc>
-                      <a:txBody>
-                        <a:bodyPr/>
-                        <a:lstStyle/>
-                        <a:p>
-                          <a:pPr algn="ctr" defTabSz="914400">
-                            <a:spcBef>
-                              <a:spcPts val="0"/>
-                            </a:spcBef>
-                            <a:defRPr sz="1800"/>
-                          </a:pPr>
-                          <a:r>
-                            <a:rPr sz="800">
-                              <a:latin typeface="Helvetica"/>
-                              <a:ea typeface="Helvetica"/>
-                              <a:cs typeface="Helvetica"/>
-                              <a:sym typeface="Helvetica"/>
-                            </a:rPr>
-                            <a:t>2000</a:t>
-                          </a:r>
-                        </a:p>
-                      </a:txBody>
-                      <a:tcPr marL="0" marR="0" marT="0" marB="0" anchor="ctr" anchorCtr="0" horzOverflow="overflow"/>
-                    </a:tc>
-                    <a:tc>
-                      <a:txBody>
-                        <a:bodyPr/>
-                        <a:lstStyle/>
-                        <a:p>
-                          <a:pPr algn="ctr" defTabSz="914400">
-                            <a:spcBef>
-                              <a:spcPts val="0"/>
-                            </a:spcBef>
-                            <a:defRPr sz="1800"/>
-                          </a:pPr>
-                          <a:r>
-                            <a:rPr sz="800">
-                              <a:latin typeface="Helvetica"/>
-                              <a:ea typeface="Helvetica"/>
-                              <a:cs typeface="Helvetica"/>
-                              <a:sym typeface="Helvetica"/>
-                            </a:rPr>
-                            <a:t>2K</a:t>
-                          </a:r>
-                        </a:p>
-                      </a:txBody>
-                      <a:tcPr marL="0" marR="0" marT="0" marB="0" anchor="ctr" anchorCtr="0" horzOverflow="overflow">
-                        <a:solidFill>
-                          <a:schemeClr val="accent4"/>
-                        </a:solidFill>
-                      </a:tcPr>
-                    </a:tc>
-                    <a:tc>
-                      <a:txBody>
-                        <a:bodyPr/>
-                        <a:lstStyle/>
-                        <a:p>
-                          <a:pPr algn="ctr" defTabSz="914400">
-                            <a:spcBef>
-                              <a:spcPts val="0"/>
-                            </a:spcBef>
-                            <a:defRPr sz="1800"/>
-                          </a:pPr>
-                          <a:r>
-                            <a:rPr sz="800">
-                              <a:latin typeface="Helvetica"/>
-                              <a:ea typeface="Helvetica"/>
-                              <a:cs typeface="Helvetica"/>
-                              <a:sym typeface="Helvetica"/>
-                            </a:rPr>
-                            <a:t>20M</a:t>
-                          </a:r>
-                        </a:p>
-                      </a:txBody>
-                      <a:tcPr marL="0" marR="0" marT="0" marB="0" anchor="ctr" anchorCtr="0" horzOverflow="overflow">
-                        <a:solidFill>
-                          <a:schemeClr val="accent4">
-                            <a:hueOff val="-48331"/>
-                            <a:satOff val="1035"/>
-                            <a:lumOff val="-13785"/>
-                          </a:schemeClr>
-                        </a:solidFill>
-                      </a:tcPr>
-                    </a:tc>
-                  </a:tr>
-                  <a:tr h="139700">
-                    <a:tc>
-                      <a:txBody>
-                        <a:bodyPr/>
-                        <a:lstStyle/>
-                        <a:p>
-                          <a:pPr algn="ctr" defTabSz="914400">
-                            <a:spcBef>
-                              <a:spcPts val="0"/>
-                            </a:spcBef>
-                            <a:defRPr sz="1800"/>
-                          </a:pPr>
-                          <a:r>
-                            <a:rPr sz="800">
-                              <a:latin typeface="Helvetica"/>
-                              <a:ea typeface="Helvetica"/>
-                              <a:cs typeface="Helvetica"/>
-                              <a:sym typeface="Helvetica"/>
-                            </a:rPr>
-                            <a:t>B</a:t>
-                          </a:r>
-                        </a:p>
-                      </a:txBody>
-                      <a:tcPr marL="0" marR="0" marT="0" marB="0" anchor="ctr" anchorCtr="0" horzOverflow="overflow"/>
-                    </a:tc>
-                    <a:tc>
-                      <a:txBody>
-                        <a:bodyPr/>
-                        <a:lstStyle/>
-                        <a:p>
-                          <a:pPr algn="ctr" defTabSz="914400">
-                            <a:spcBef>
-                              <a:spcPts val="0"/>
-                            </a:spcBef>
-                            <a:defRPr sz="1800"/>
-                          </a:pPr>
-                          <a:r>
-                            <a:rPr sz="800">
-                              <a:latin typeface="Helvetica"/>
-                              <a:ea typeface="Helvetica"/>
-                              <a:cs typeface="Helvetica"/>
-                              <a:sym typeface="Helvetica"/>
-                            </a:rPr>
-                            <a:t>1999</a:t>
-                          </a:r>
-                        </a:p>
-                      </a:txBody>
-                      <a:tcPr marL="0" marR="0" marT="0" marB="0" anchor="ctr" anchorCtr="0" horzOverflow="overflow"/>
-                    </a:tc>
-                    <a:tc>
-                      <a:txBody>
-                        <a:bodyPr/>
-                        <a:lstStyle/>
-                        <a:p>
-                          <a:pPr algn="ctr" defTabSz="914400">
-                            <a:spcBef>
-                              <a:spcPts val="0"/>
-                            </a:spcBef>
-                            <a:defRPr sz="1800"/>
-                          </a:pPr>
-                          <a:r>
-                            <a:rPr sz="800">
-                              <a:latin typeface="Helvetica"/>
-                              <a:ea typeface="Helvetica"/>
-                              <a:cs typeface="Helvetica"/>
-                              <a:sym typeface="Helvetica"/>
-                            </a:rPr>
-                            <a:t>37K</a:t>
-                          </a:r>
-                        </a:p>
-                      </a:txBody>
-                      <a:tcPr marL="0" marR="0" marT="0" marB="0" anchor="ctr" anchorCtr="0" horzOverflow="overflow">
-                        <a:solidFill>
-                          <a:schemeClr val="accent4"/>
-                        </a:solidFill>
-                      </a:tcPr>
-                    </a:tc>
-                    <a:tc>
-                      <a:txBody>
-                        <a:bodyPr/>
-                        <a:lstStyle/>
-                        <a:p>
-                          <a:pPr algn="ctr" defTabSz="914400">
-                            <a:spcBef>
-                              <a:spcPts val="0"/>
-                            </a:spcBef>
-                            <a:defRPr sz="1800"/>
-                          </a:pPr>
-                          <a:r>
-                            <a:rPr sz="800">
-                              <a:latin typeface="Helvetica"/>
-                              <a:ea typeface="Helvetica"/>
-                              <a:cs typeface="Helvetica"/>
-                              <a:sym typeface="Helvetica"/>
-                            </a:rPr>
-                            <a:t>172M</a:t>
-                          </a:r>
-                        </a:p>
-                      </a:txBody>
-                      <a:tcPr marL="0" marR="0" marT="0" marB="0" anchor="ctr" anchorCtr="0" horzOverflow="overflow">
-                        <a:solidFill>
-                          <a:schemeClr val="accent4">
-                            <a:hueOff val="-48331"/>
-                            <a:satOff val="1035"/>
-                            <a:lumOff val="-13785"/>
-                          </a:schemeClr>
-                        </a:solidFill>
-                      </a:tcPr>
-                    </a:tc>
-                  </a:tr>
-                  <a:tr h="139700">
-                    <a:tc>
-                      <a:txBody>
-                        <a:bodyPr/>
-                        <a:lstStyle/>
-                        <a:p>
-                          <a:pPr algn="ctr" defTabSz="914400">
-                            <a:spcBef>
-                              <a:spcPts val="0"/>
-                            </a:spcBef>
-                            <a:defRPr sz="1800"/>
-                          </a:pPr>
-                          <a:r>
-                            <a:rPr sz="800">
-                              <a:latin typeface="Helvetica"/>
-                              <a:ea typeface="Helvetica"/>
-                              <a:cs typeface="Helvetica"/>
-                              <a:sym typeface="Helvetica"/>
-                            </a:rPr>
-                            <a:t>B</a:t>
-                          </a:r>
-                        </a:p>
-                      </a:txBody>
-                      <a:tcPr marL="0" marR="0" marT="0" marB="0" anchor="ctr" anchorCtr="0" horzOverflow="overflow"/>
-                    </a:tc>
-                    <a:tc>
-                      <a:txBody>
-                        <a:bodyPr/>
-                        <a:lstStyle/>
-                        <a:p>
-                          <a:pPr algn="ctr" defTabSz="914400">
-                            <a:spcBef>
-                              <a:spcPts val="0"/>
-                            </a:spcBef>
-                            <a:defRPr sz="1800"/>
-                          </a:pPr>
-                          <a:r>
-                            <a:rPr sz="800">
-                              <a:latin typeface="Helvetica"/>
-                              <a:ea typeface="Helvetica"/>
-                              <a:cs typeface="Helvetica"/>
-                              <a:sym typeface="Helvetica"/>
-                            </a:rPr>
-                            <a:t>2000</a:t>
-                          </a:r>
-                        </a:p>
-                      </a:txBody>
-                      <a:tcPr marL="0" marR="0" marT="0" marB="0" anchor="ctr" anchorCtr="0" horzOverflow="overflow"/>
-                    </a:tc>
-                    <a:tc>
-                      <a:txBody>
-                        <a:bodyPr/>
-                        <a:lstStyle/>
-                        <a:p>
-                          <a:pPr algn="ctr" defTabSz="914400">
-                            <a:spcBef>
-                              <a:spcPts val="0"/>
-                            </a:spcBef>
-                            <a:defRPr sz="1800"/>
-                          </a:pPr>
-                          <a:r>
-                            <a:rPr sz="800">
-                              <a:latin typeface="Helvetica"/>
-                              <a:ea typeface="Helvetica"/>
-                              <a:cs typeface="Helvetica"/>
-                              <a:sym typeface="Helvetica"/>
-                            </a:rPr>
-                            <a:t>80K</a:t>
-                          </a:r>
-                        </a:p>
-                      </a:txBody>
-                      <a:tcPr marL="0" marR="0" marT="0" marB="0" anchor="ctr" anchorCtr="0" horzOverflow="overflow">
-                        <a:solidFill>
-                          <a:schemeClr val="accent4"/>
-                        </a:solidFill>
-                      </a:tcPr>
-                    </a:tc>
-                    <a:tc>
-                      <a:txBody>
-                        <a:bodyPr/>
-                        <a:lstStyle/>
-                        <a:p>
-                          <a:pPr algn="ctr" defTabSz="914400">
-                            <a:spcBef>
-                              <a:spcPts val="0"/>
-                            </a:spcBef>
-                            <a:defRPr sz="1800"/>
-                          </a:pPr>
-                          <a:r>
-                            <a:rPr sz="800">
-                              <a:latin typeface="Helvetica"/>
-                              <a:ea typeface="Helvetica"/>
-                              <a:cs typeface="Helvetica"/>
-                              <a:sym typeface="Helvetica"/>
-                            </a:rPr>
-                            <a:t>174M</a:t>
-                          </a:r>
-                        </a:p>
-                      </a:txBody>
-                      <a:tcPr marL="0" marR="0" marT="0" marB="0" anchor="ctr" anchorCtr="0" horzOverflow="overflow">
-                        <a:solidFill>
-                          <a:schemeClr val="accent4">
-                            <a:hueOff val="-48331"/>
-                            <a:satOff val="1035"/>
-                            <a:lumOff val="-13785"/>
-                          </a:schemeClr>
-                        </a:solidFill>
-                      </a:tcPr>
-                    </a:tc>
-                  </a:tr>
-                  <a:tr h="139700">
-                    <a:tc>
-                      <a:txBody>
-                        <a:bodyPr/>
-                        <a:lstStyle/>
-                        <a:p>
-                          <a:pPr algn="ctr" defTabSz="914400">
-                            <a:spcBef>
-                              <a:spcPts val="0"/>
-                            </a:spcBef>
-                            <a:defRPr sz="1800"/>
-                          </a:pPr>
-                          <a:r>
-                            <a:rPr sz="800">
-                              <a:latin typeface="Helvetica"/>
-                              <a:ea typeface="Helvetica"/>
-                              <a:cs typeface="Helvetica"/>
-                              <a:sym typeface="Helvetica"/>
-                            </a:rPr>
-                            <a:t>C</a:t>
-                          </a:r>
-                        </a:p>
-                      </a:txBody>
-                      <a:tcPr marL="0" marR="0" marT="0" marB="0" anchor="ctr" anchorCtr="0" horzOverflow="overflow"/>
-                    </a:tc>
-                    <a:tc>
-                      <a:txBody>
-                        <a:bodyPr/>
-                        <a:lstStyle/>
-                        <a:p>
-                          <a:pPr algn="ctr" defTabSz="914400">
-                            <a:spcBef>
-                              <a:spcPts val="0"/>
-                            </a:spcBef>
-                            <a:defRPr sz="1800"/>
-                          </a:pPr>
-                          <a:r>
-                            <a:rPr sz="800">
-                              <a:latin typeface="Helvetica"/>
-                              <a:ea typeface="Helvetica"/>
-                              <a:cs typeface="Helvetica"/>
-                              <a:sym typeface="Helvetica"/>
-                            </a:rPr>
-                            <a:t>1999</a:t>
-                          </a:r>
-                        </a:p>
-                      </a:txBody>
-                      <a:tcPr marL="0" marR="0" marT="0" marB="0" anchor="ctr" anchorCtr="0" horzOverflow="overflow"/>
-                    </a:tc>
-                    <a:tc>
-                      <a:txBody>
-                        <a:bodyPr/>
-                        <a:lstStyle/>
-                        <a:p>
-                          <a:pPr algn="ctr" defTabSz="914400">
-                            <a:spcBef>
-                              <a:spcPts val="0"/>
-                            </a:spcBef>
-                            <a:defRPr sz="1800"/>
-                          </a:pPr>
-                          <a:r>
-                            <a:rPr sz="800">
-                              <a:latin typeface="Helvetica"/>
-                              <a:ea typeface="Helvetica"/>
-                              <a:cs typeface="Helvetica"/>
-                              <a:sym typeface="Helvetica"/>
-                            </a:rPr>
-                            <a:t>212K</a:t>
-                          </a:r>
-                        </a:p>
-                      </a:txBody>
-                      <a:tcPr marL="0" marR="0" marT="0" marB="0" anchor="ctr" anchorCtr="0" horzOverflow="overflow">
-                        <a:solidFill>
-                          <a:schemeClr val="accent4"/>
-                        </a:solidFill>
-                      </a:tcPr>
-                    </a:tc>
-                    <a:tc>
-                      <a:txBody>
-                        <a:bodyPr/>
-                        <a:lstStyle/>
-                        <a:p>
-                          <a:pPr algn="ctr" defTabSz="914400">
-                            <a:spcBef>
-                              <a:spcPts val="0"/>
-                            </a:spcBef>
-                            <a:defRPr sz="1800"/>
-                          </a:pPr>
-                          <a:r>
-                            <a:rPr sz="800">
-                              <a:latin typeface="Helvetica"/>
-                              <a:ea typeface="Helvetica"/>
-                              <a:cs typeface="Helvetica"/>
-                              <a:sym typeface="Helvetica"/>
-                            </a:rPr>
-                            <a:t>1T</a:t>
-                          </a:r>
-                        </a:p>
-                      </a:txBody>
-                      <a:tcPr marL="0" marR="0" marT="0" marB="0" anchor="ctr" anchorCtr="0" horzOverflow="overflow">
-                        <a:solidFill>
-                          <a:schemeClr val="accent4">
-                            <a:hueOff val="-48331"/>
-                            <a:satOff val="1035"/>
-                            <a:lumOff val="-13785"/>
-                          </a:schemeClr>
-                        </a:solidFill>
-                      </a:tcPr>
-                    </a:tc>
-                  </a:tr>
-                  <a:tr h="139700">
-                    <a:tc>
-                      <a:txBody>
-                        <a:bodyPr/>
-                        <a:lstStyle/>
-                        <a:p>
-                          <a:pPr algn="ctr" defTabSz="914400">
-                            <a:spcBef>
-                              <a:spcPts val="0"/>
-                            </a:spcBef>
-                            <a:defRPr sz="1800"/>
-                          </a:pPr>
-                          <a:r>
-                            <a:rPr sz="800">
-                              <a:latin typeface="Helvetica"/>
-                              <a:ea typeface="Helvetica"/>
-                              <a:cs typeface="Helvetica"/>
-                              <a:sym typeface="Helvetica"/>
-                            </a:rPr>
-                            <a:t>C</a:t>
-                          </a:r>
-                        </a:p>
-                      </a:txBody>
-                      <a:tcPr marL="0" marR="0" marT="0" marB="0" anchor="ctr" anchorCtr="0" horzOverflow="overflow"/>
-                    </a:tc>
-                    <a:tc>
-                      <a:txBody>
-                        <a:bodyPr/>
-                        <a:lstStyle/>
-                        <a:p>
-                          <a:pPr algn="ctr" defTabSz="914400">
-                            <a:spcBef>
-                              <a:spcPts val="0"/>
-                            </a:spcBef>
-                            <a:defRPr sz="1800"/>
-                          </a:pPr>
-                          <a:r>
-                            <a:rPr sz="800">
-                              <a:latin typeface="Helvetica"/>
-                              <a:ea typeface="Helvetica"/>
-                              <a:cs typeface="Helvetica"/>
-                              <a:sym typeface="Helvetica"/>
-                            </a:rPr>
-                            <a:t>2000</a:t>
-                          </a:r>
-                        </a:p>
-                      </a:txBody>
-                      <a:tcPr marL="0" marR="0" marT="0" marB="0" anchor="ctr" anchorCtr="0" horzOverflow="overflow"/>
-                    </a:tc>
-                    <a:tc>
-                      <a:txBody>
-                        <a:bodyPr/>
-                        <a:lstStyle/>
-                        <a:p>
-                          <a:pPr algn="ctr" defTabSz="914400">
-                            <a:spcBef>
-                              <a:spcPts val="0"/>
-                            </a:spcBef>
-                            <a:defRPr sz="1800"/>
-                          </a:pPr>
-                          <a:r>
-                            <a:rPr sz="800">
-                              <a:latin typeface="Helvetica"/>
-                              <a:ea typeface="Helvetica"/>
-                              <a:cs typeface="Helvetica"/>
-                              <a:sym typeface="Helvetica"/>
-                            </a:rPr>
-                            <a:t>213K</a:t>
-                          </a:r>
-                        </a:p>
-                      </a:txBody>
-                      <a:tcPr marL="0" marR="0" marT="0" marB="0" anchor="ctr" anchorCtr="0" horzOverflow="overflow">
-                        <a:solidFill>
-                          <a:schemeClr val="accent4"/>
-                        </a:solidFill>
-                      </a:tcPr>
-                    </a:tc>
-                    <a:tc>
-                      <a:txBody>
-                        <a:bodyPr/>
-                        <a:lstStyle/>
-                        <a:p>
-                          <a:pPr algn="ctr" defTabSz="914400">
-                            <a:spcBef>
-                              <a:spcPts val="0"/>
-                            </a:spcBef>
-                            <a:defRPr sz="1800"/>
-                          </a:pPr>
-                          <a:r>
-                            <a:rPr sz="800">
-                              <a:latin typeface="Helvetica"/>
-                              <a:ea typeface="Helvetica"/>
-                              <a:cs typeface="Helvetica"/>
-                              <a:sym typeface="Helvetica"/>
-                            </a:rPr>
-                            <a:t>1T</a:t>
-                          </a:r>
-                        </a:p>
-                      </a:txBody>
-                      <a:tcPr marL="0" marR="0" marT="0" marB="0" anchor="ctr" anchorCtr="0" horzOverflow="overflow">
-                        <a:solidFill>
-                          <a:schemeClr val="accent4">
-                            <a:hueOff val="-48331"/>
-                            <a:satOff val="1035"/>
-                            <a:lumOff val="-13785"/>
-                          </a:schemeClr>
-                        </a:solidFill>
-                      </a:tcPr>
-                    </a:tc>
-                  </a:tr>
-                </a:tbl>
-              </a:graphicData>
-            </a:graphic>
-          </p:graphicFrame>
-          <p:sp>
-            <p:nvSpPr>
-              <p:cNvPr id="264" name="table2"/>
-              <p:cNvSpPr txBox="1"/>
-              <p:nvPr/>
-            </p:nvSpPr>
-            <p:spPr>
-              <a:xfrm>
-                <a:off x="517713" y="0"/>
-                <a:ext cx="454836" cy="274241"/>
-              </a:xfrm>
-              <a:prstGeom prst="rect">
-                <a:avLst/>
-              </a:prstGeom>
-              <a:noFill/>
-              <a:ln w="12700" cap="flat">
-                <a:noFill/>
-                <a:miter lim="400000"/>
-              </a:ln>
-              <a:effectLst/>
-              <a:extLst>
-                <a:ext uri="{C572A759-6A51-4108-AA02-DFA0A04FC94B}">
-                  <ma14:wrappingTextBoxFlag xmlns:ma14="http://schemas.microsoft.com/office/mac/drawingml/2011/main" val="1"/>
-                </a:ext>
-              </a:extLst>
-            </p:spPr>
-            <p:txBody>
-              <a:bodyPr wrap="none" lIns="54570" tIns="54570" rIns="54570" bIns="54570" numCol="1" anchor="ctr">
-                <a:spAutoFit/>
-              </a:bodyPr>
-              <a:lstStyle>
-                <a:lvl1pPr algn="ctr">
-                  <a:spcBef>
-                    <a:spcPts val="0"/>
-                  </a:spcBef>
-                  <a:defRPr b="0" sz="1000">
-                    <a:solidFill>
-                      <a:srgbClr val="A6AAA9"/>
-                    </a:solidFill>
-                  </a:defRPr>
-                </a:lvl1pPr>
-              </a:lstStyle>
-              <a:p>
-                <a:pPr/>
-                <a:r>
-                  <a:t>table2</a:t>
-                </a:r>
-              </a:p>
-            </p:txBody>
-          </p:sp>
-          <p:sp>
-            <p:nvSpPr>
-              <p:cNvPr id="265" name="Line"/>
-              <p:cNvSpPr/>
-              <p:nvPr/>
-            </p:nvSpPr>
-            <p:spPr>
-              <a:xfrm flipV="1">
-                <a:off x="1522502" y="531894"/>
-                <a:ext cx="165005" cy="1"/>
-              </a:xfrm>
-              <a:prstGeom prst="line">
-                <a:avLst/>
-              </a:prstGeom>
-              <a:noFill/>
-              <a:ln w="25400" cap="flat">
-                <a:solidFill>
-                  <a:srgbClr val="53585F"/>
-                </a:solidFill>
-                <a:prstDash val="solid"/>
-                <a:miter lim="400000"/>
-                <a:tailEnd type="stealth" w="med" len="med"/>
-              </a:ln>
-              <a:effectLst/>
-            </p:spPr>
-            <p:txBody>
-              <a:bodyPr wrap="square" lIns="0" tIns="0" rIns="0" bIns="0" numCol="1" anchor="t">
-                <a:noAutofit/>
-              </a:bodyPr>
-              <a:lstStyle/>
-              <a:p>
-                <a:pPr>
-                  <a:lnSpc>
-                    <a:spcPct val="80000"/>
-                  </a:lnSpc>
-                  <a:spcBef>
-                    <a:spcPts val="0"/>
-                  </a:spcBef>
-                  <a:defRPr b="0" sz="5600">
-                    <a:solidFill>
-                      <a:srgbClr val="000000"/>
-                    </a:solidFill>
-                    <a:effectLst>
-                      <a:outerShdw sx="100000" sy="100000" kx="0" ky="0" algn="b" rotWithShape="0" blurRad="38100" dist="12700" dir="5400000">
-                        <a:srgbClr val="000000">
-                          <a:alpha val="50000"/>
-                        </a:srgbClr>
-                      </a:outerShdw>
-                    </a:effectLst>
-                    <a:latin typeface="Gill Sans"/>
-                    <a:ea typeface="Gill Sans"/>
-                    <a:cs typeface="Gill Sans"/>
-                    <a:sym typeface="Gill Sans"/>
-                  </a:defRPr>
-                </a:pPr>
-              </a:p>
-            </p:txBody>
-          </p:sp>
-          <p:graphicFrame>
-            <p:nvGraphicFramePr>
-              <p:cNvPr id="266" name="Table"/>
-              <p:cNvGraphicFramePr/>
-              <p:nvPr/>
-            </p:nvGraphicFramePr>
-            <p:xfrm>
-              <a:off x="25400" y="252494"/>
-              <a:ext cx="1188951" cy="1524001"/>
-            </p:xfrm>
-            <a:graphic xmlns:a="http://schemas.openxmlformats.org/drawingml/2006/main">
-              <a:graphicData uri="http://schemas.openxmlformats.org/drawingml/2006/table">
-                <a:tbl>
-                  <a:tblPr firstCol="0" firstRow="1" lastCol="0" lastRow="0" bandCol="0" bandRow="0" rtl="0">
-                    <a:tableStyleId>{33BA23B1-9221-436E-865A-0063620EA4FD}</a:tableStyleId>
-                  </a:tblPr>
-                  <a:tblGrid>
-                    <a:gridCol w="439785"/>
-                    <a:gridCol w="300153"/>
-                    <a:gridCol w="342440"/>
-                    <a:gridCol w="380305"/>
-                  </a:tblGrid>
-                  <a:tr h="141653">
-                    <a:tc>
-                      <a:txBody>
-                        <a:bodyPr/>
-                        <a:lstStyle/>
-                        <a:p>
-                          <a:pPr algn="ctr" defTabSz="914400">
-                            <a:spcBef>
-                              <a:spcPts val="0"/>
-                            </a:spcBef>
-                            <a:defRPr b="0" sz="1800">
-                              <a:solidFill>
-                                <a:srgbClr val="000000"/>
-                              </a:solidFill>
-                            </a:defRPr>
-                          </a:pPr>
-                          <a:r>
-                            <a:rPr b="1" sz="800">
-                              <a:solidFill>
-                                <a:srgbClr val="FFFFFF"/>
-                              </a:solidFill>
-                              <a:latin typeface="Helvetica"/>
-                              <a:ea typeface="Helvetica"/>
-                              <a:cs typeface="Helvetica"/>
-                              <a:sym typeface="Helvetica"/>
-                            </a:rPr>
-                            <a:t>country</a:t>
-                          </a:r>
-                        </a:p>
-                      </a:txBody>
-                      <a:tcPr marL="0" marR="0" marT="0" marB="0" anchor="t" anchorCtr="0" horzOverflow="overflow">
-                        <a:solidFill>
-                          <a:srgbClr val="797979"/>
-                        </a:solidFill>
-                      </a:tcPr>
-                    </a:tc>
-                    <a:tc>
-                      <a:txBody>
-                        <a:bodyPr/>
-                        <a:lstStyle/>
-                        <a:p>
-                          <a:pPr algn="ctr" defTabSz="914400">
-                            <a:spcBef>
-                              <a:spcPts val="100"/>
-                            </a:spcBef>
-                            <a:defRPr b="0" sz="1800">
-                              <a:solidFill>
-                                <a:srgbClr val="000000"/>
-                              </a:solidFill>
-                            </a:defRPr>
-                          </a:pPr>
-                          <a:r>
-                            <a:rPr b="1" baseline="75000" sz="800">
-                              <a:solidFill>
-                                <a:srgbClr val="FFFFFF"/>
-                              </a:solidFill>
-                              <a:latin typeface="Helvetica"/>
-                              <a:ea typeface="Helvetica"/>
-                              <a:cs typeface="Helvetica"/>
-                              <a:sym typeface="Helvetica"/>
-                            </a:rPr>
-                            <a:t>year</a:t>
-                          </a:r>
-                        </a:p>
-                      </a:txBody>
-                      <a:tcPr marL="0" marR="0" marT="0" marB="0" anchor="t" anchorCtr="0" horzOverflow="overflow">
-                        <a:solidFill>
-                          <a:srgbClr val="797979"/>
-                        </a:solidFill>
-                      </a:tcPr>
-                    </a:tc>
-                    <a:tc>
-                      <a:txBody>
-                        <a:bodyPr/>
-                        <a:lstStyle/>
-                        <a:p>
-                          <a:pPr algn="ctr" defTabSz="914400">
-                            <a:spcBef>
-                              <a:spcPts val="0"/>
-                            </a:spcBef>
-                            <a:defRPr b="0" sz="1800">
-                              <a:solidFill>
-                                <a:srgbClr val="000000"/>
-                              </a:solidFill>
-                            </a:defRPr>
-                          </a:pPr>
-                          <a:r>
-                            <a:rPr b="1" sz="800">
-                              <a:solidFill>
-                                <a:srgbClr val="FFFFFF"/>
-                              </a:solidFill>
-                              <a:latin typeface="Helvetica"/>
-                              <a:ea typeface="Helvetica"/>
-                              <a:cs typeface="Helvetica"/>
-                              <a:sym typeface="Helvetica"/>
-                            </a:rPr>
-                            <a:t>type</a:t>
-                          </a:r>
-                        </a:p>
-                      </a:txBody>
-                      <a:tcPr marL="0" marR="0" marT="0" marB="0" anchor="t" anchorCtr="0" horzOverflow="overflow">
-                        <a:solidFill>
-                          <a:srgbClr val="797979"/>
-                        </a:solidFill>
-                      </a:tcPr>
-                    </a:tc>
-                    <a:tc>
-                      <a:txBody>
-                        <a:bodyPr/>
-                        <a:lstStyle/>
-                        <a:p>
-                          <a:pPr algn="ctr" defTabSz="914400">
-                            <a:spcBef>
-                              <a:spcPts val="0"/>
-                            </a:spcBef>
-                            <a:defRPr b="0" sz="1800">
-                              <a:solidFill>
-                                <a:srgbClr val="000000"/>
-                              </a:solidFill>
-                            </a:defRPr>
-                          </a:pPr>
-                          <a:r>
-                            <a:rPr b="1" sz="800">
-                              <a:solidFill>
-                                <a:srgbClr val="FFFFFF"/>
-                              </a:solidFill>
-                              <a:latin typeface="Helvetica"/>
-                              <a:ea typeface="Helvetica"/>
-                              <a:cs typeface="Helvetica"/>
-                              <a:sym typeface="Helvetica"/>
-                            </a:rPr>
-                            <a:t>count</a:t>
-                          </a:r>
-                        </a:p>
-                      </a:txBody>
-                      <a:tcPr marL="0" marR="0" marT="0" marB="0" anchor="t" anchorCtr="0" horzOverflow="overflow">
-                        <a:solidFill>
-                          <a:srgbClr val="797979"/>
-                        </a:solidFill>
-                      </a:tcPr>
-                    </a:tc>
-                  </a:tr>
-                  <a:tr h="141653">
-                    <a:tc>
-                      <a:txBody>
-                        <a:bodyPr/>
-                        <a:lstStyle/>
-                        <a:p>
-                          <a:pPr algn="ctr" defTabSz="914400">
-                            <a:spcBef>
-                              <a:spcPts val="0"/>
-                            </a:spcBef>
-                            <a:defRPr sz="1800"/>
-                          </a:pPr>
-                          <a:r>
-                            <a:rPr baseline="25000" sz="800">
-                              <a:latin typeface="Helvetica"/>
-                              <a:ea typeface="Helvetica"/>
-                              <a:cs typeface="Helvetica"/>
-                              <a:sym typeface="Helvetica"/>
-                            </a:rPr>
-                            <a:t>A</a:t>
-                          </a:r>
-                        </a:p>
-                      </a:txBody>
-                      <a:tcPr marL="0" marR="0" marT="0" marB="0" anchor="t" anchorCtr="0" horzOverflow="overflow"/>
-                    </a:tc>
-                    <a:tc>
-                      <a:txBody>
-                        <a:bodyPr/>
-                        <a:lstStyle/>
-                        <a:p>
-                          <a:pPr algn="ctr" defTabSz="914400">
-                            <a:spcBef>
-                              <a:spcPts val="0"/>
-                            </a:spcBef>
-                            <a:defRPr sz="1800"/>
-                          </a:pPr>
-                          <a:r>
-                            <a:rPr baseline="25000" sz="800">
-                              <a:latin typeface="Helvetica"/>
-                              <a:ea typeface="Helvetica"/>
-                              <a:cs typeface="Helvetica"/>
-                              <a:sym typeface="Helvetica"/>
-                            </a:rPr>
-                            <a:t>1999</a:t>
-                          </a:r>
-                        </a:p>
-                      </a:txBody>
-                      <a:tcPr marL="0" marR="0" marT="0" marB="0" anchor="t" anchorCtr="0" horzOverflow="overflow"/>
-                    </a:tc>
-                    <a:tc>
-                      <a:txBody>
-                        <a:bodyPr/>
-                        <a:lstStyle/>
-                        <a:p>
-                          <a:pPr algn="ctr" defTabSz="914400">
-                            <a:spcBef>
-                              <a:spcPts val="0"/>
-                            </a:spcBef>
-                            <a:defRPr sz="1800"/>
-                          </a:pPr>
-                          <a:r>
-                            <a:rPr baseline="25000" sz="800">
-                              <a:solidFill>
-                                <a:srgbClr val="FFFFFF"/>
-                              </a:solidFill>
-                              <a:latin typeface="Helvetica"/>
-                              <a:ea typeface="Helvetica"/>
-                              <a:cs typeface="Helvetica"/>
-                              <a:sym typeface="Helvetica"/>
-                            </a:rPr>
-                            <a:t>cases</a:t>
-                          </a:r>
-                        </a:p>
-                      </a:txBody>
-                      <a:tcPr marL="0" marR="0" marT="0" marB="0" anchor="t" anchorCtr="0" horzOverflow="overflow">
-                        <a:solidFill>
-                          <a:srgbClr val="407AAA"/>
-                        </a:solidFill>
-                      </a:tcPr>
-                    </a:tc>
-                    <a:tc>
-                      <a:txBody>
-                        <a:bodyPr/>
-                        <a:lstStyle/>
-                        <a:p>
-                          <a:pPr algn="ctr" defTabSz="914400">
-                            <a:spcBef>
-                              <a:spcPts val="0"/>
-                            </a:spcBef>
-                            <a:defRPr sz="1800"/>
-                          </a:pPr>
-                          <a:r>
-                            <a:rPr baseline="25000" sz="800">
-                              <a:latin typeface="Helvetica"/>
-                              <a:ea typeface="Helvetica"/>
-                              <a:cs typeface="Helvetica"/>
-                              <a:sym typeface="Helvetica"/>
-                            </a:rPr>
-                            <a:t>0.7K</a:t>
-                          </a:r>
-                        </a:p>
-                      </a:txBody>
-                      <a:tcPr marL="0" marR="0" marT="0" marB="0" anchor="t" anchorCtr="0" horzOverflow="overflow">
-                        <a:solidFill>
-                          <a:schemeClr val="accent4"/>
-                        </a:solidFill>
-                      </a:tcPr>
-                    </a:tc>
-                  </a:tr>
-                  <a:tr h="141653">
-                    <a:tc>
-                      <a:txBody>
-                        <a:bodyPr/>
-                        <a:lstStyle/>
-                        <a:p>
-                          <a:pPr algn="ctr" defTabSz="914400">
-                            <a:spcBef>
-                              <a:spcPts val="0"/>
-                            </a:spcBef>
-                            <a:defRPr sz="1800"/>
-                          </a:pPr>
-                          <a:r>
-                            <a:rPr baseline="25000" sz="800">
-                              <a:latin typeface="Helvetica"/>
-                              <a:ea typeface="Helvetica"/>
-                              <a:cs typeface="Helvetica"/>
-                              <a:sym typeface="Helvetica"/>
-                            </a:rPr>
-                            <a:t>A</a:t>
-                          </a:r>
-                        </a:p>
-                      </a:txBody>
-                      <a:tcPr marL="0" marR="0" marT="0" marB="0" anchor="t" anchorCtr="0" horzOverflow="overflow"/>
-                    </a:tc>
-                    <a:tc>
-                      <a:txBody>
-                        <a:bodyPr/>
-                        <a:lstStyle/>
-                        <a:p>
-                          <a:pPr algn="ctr" defTabSz="914400">
-                            <a:spcBef>
-                              <a:spcPts val="0"/>
-                            </a:spcBef>
-                            <a:defRPr sz="1800"/>
-                          </a:pPr>
-                          <a:r>
-                            <a:rPr baseline="25000" sz="800">
-                              <a:latin typeface="Helvetica"/>
-                              <a:ea typeface="Helvetica"/>
-                              <a:cs typeface="Helvetica"/>
-                              <a:sym typeface="Helvetica"/>
-                            </a:rPr>
-                            <a:t>1999</a:t>
-                          </a:r>
-                        </a:p>
-                      </a:txBody>
-                      <a:tcPr marL="0" marR="0" marT="0" marB="0" anchor="t" anchorCtr="0" horzOverflow="overflow"/>
-                    </a:tc>
-                    <a:tc>
-                      <a:txBody>
-                        <a:bodyPr/>
-                        <a:lstStyle/>
-                        <a:p>
-                          <a:pPr algn="ctr" defTabSz="914400">
-                            <a:spcBef>
-                              <a:spcPts val="0"/>
-                            </a:spcBef>
-                            <a:defRPr sz="1800"/>
-                          </a:pPr>
-                          <a:r>
-                            <a:rPr baseline="25000" sz="800">
-                              <a:solidFill>
-                                <a:srgbClr val="FFFFFF"/>
-                              </a:solidFill>
-                              <a:latin typeface="Helvetica"/>
-                              <a:ea typeface="Helvetica"/>
-                              <a:cs typeface="Helvetica"/>
-                              <a:sym typeface="Helvetica"/>
-                            </a:rPr>
-                            <a:t>pop</a:t>
-                          </a:r>
-                        </a:p>
-                      </a:txBody>
-                      <a:tcPr marL="0" marR="0" marT="0" marB="0" anchor="t" anchorCtr="0" horzOverflow="overflow">
-                        <a:solidFill>
-                          <a:schemeClr val="accent1">
-                            <a:hueOff val="47394"/>
-                            <a:satOff val="-25753"/>
-                            <a:lumOff val="-7544"/>
-                          </a:schemeClr>
-                        </a:solidFill>
-                      </a:tcPr>
-                    </a:tc>
-                    <a:tc>
-                      <a:txBody>
-                        <a:bodyPr/>
-                        <a:lstStyle/>
-                        <a:p>
-                          <a:pPr algn="ctr" defTabSz="914400">
-                            <a:spcBef>
-                              <a:spcPts val="0"/>
-                            </a:spcBef>
-                            <a:defRPr sz="1800"/>
-                          </a:pPr>
-                          <a:r>
-                            <a:rPr baseline="25000" sz="800">
-                              <a:latin typeface="Helvetica"/>
-                              <a:ea typeface="Helvetica"/>
-                              <a:cs typeface="Helvetica"/>
-                              <a:sym typeface="Helvetica"/>
-                            </a:rPr>
-                            <a:t>19M</a:t>
-                          </a:r>
-                        </a:p>
-                      </a:txBody>
-                      <a:tcPr marL="0" marR="0" marT="0" marB="0" anchor="t" anchorCtr="0" horzOverflow="overflow">
-                        <a:solidFill>
-                          <a:schemeClr val="accent4">
-                            <a:hueOff val="-48331"/>
-                            <a:satOff val="1035"/>
-                            <a:lumOff val="-13785"/>
-                          </a:schemeClr>
-                        </a:solidFill>
-                      </a:tcPr>
-                    </a:tc>
-                  </a:tr>
-                  <a:tr h="141653">
-                    <a:tc>
-                      <a:txBody>
-                        <a:bodyPr/>
-                        <a:lstStyle/>
-                        <a:p>
-                          <a:pPr algn="ctr" defTabSz="914400">
-                            <a:spcBef>
-                              <a:spcPts val="0"/>
-                            </a:spcBef>
-                            <a:defRPr sz="1800"/>
-                          </a:pPr>
-                          <a:r>
-                            <a:rPr baseline="25000" sz="800">
-                              <a:latin typeface="Helvetica"/>
-                              <a:ea typeface="Helvetica"/>
-                              <a:cs typeface="Helvetica"/>
-                              <a:sym typeface="Helvetica"/>
-                            </a:rPr>
-                            <a:t>A</a:t>
-                          </a:r>
-                        </a:p>
-                      </a:txBody>
-                      <a:tcPr marL="0" marR="0" marT="0" marB="0" anchor="t" anchorCtr="0" horzOverflow="overflow"/>
-                    </a:tc>
-                    <a:tc>
-                      <a:txBody>
-                        <a:bodyPr/>
-                        <a:lstStyle/>
-                        <a:p>
-                          <a:pPr algn="ctr" defTabSz="914400">
-                            <a:spcBef>
-                              <a:spcPts val="0"/>
-                            </a:spcBef>
-                            <a:defRPr sz="1800"/>
-                          </a:pPr>
-                          <a:r>
-                            <a:rPr baseline="25000" sz="800">
-                              <a:latin typeface="Helvetica"/>
-                              <a:ea typeface="Helvetica"/>
-                              <a:cs typeface="Helvetica"/>
-                              <a:sym typeface="Helvetica"/>
-                            </a:rPr>
-                            <a:t>2000</a:t>
-                          </a:r>
-                        </a:p>
-                      </a:txBody>
-                      <a:tcPr marL="0" marR="0" marT="0" marB="0" anchor="t" anchorCtr="0" horzOverflow="overflow"/>
-                    </a:tc>
-                    <a:tc>
-                      <a:txBody>
-                        <a:bodyPr/>
-                        <a:lstStyle/>
-                        <a:p>
-                          <a:pPr algn="ctr" defTabSz="914400">
-                            <a:spcBef>
-                              <a:spcPts val="0"/>
-                            </a:spcBef>
-                            <a:defRPr sz="1800"/>
-                          </a:pPr>
-                          <a:r>
-                            <a:rPr baseline="25000" sz="800">
-                              <a:solidFill>
-                                <a:srgbClr val="FFFFFF"/>
-                              </a:solidFill>
-                              <a:latin typeface="Helvetica"/>
-                              <a:ea typeface="Helvetica"/>
-                              <a:cs typeface="Helvetica"/>
-                              <a:sym typeface="Helvetica"/>
-                            </a:rPr>
-                            <a:t>cases</a:t>
-                          </a:r>
-                        </a:p>
-                      </a:txBody>
-                      <a:tcPr marL="0" marR="0" marT="0" marB="0" anchor="t" anchorCtr="0" horzOverflow="overflow">
-                        <a:solidFill>
-                          <a:srgbClr val="407AAA"/>
-                        </a:solidFill>
-                      </a:tcPr>
-                    </a:tc>
-                    <a:tc>
-                      <a:txBody>
-                        <a:bodyPr/>
-                        <a:lstStyle/>
-                        <a:p>
-                          <a:pPr algn="ctr" defTabSz="914400">
-                            <a:spcBef>
-                              <a:spcPts val="0"/>
-                            </a:spcBef>
-                            <a:defRPr sz="1800"/>
-                          </a:pPr>
-                          <a:r>
-                            <a:rPr baseline="25000" sz="800">
-                              <a:latin typeface="Helvetica"/>
-                              <a:ea typeface="Helvetica"/>
-                              <a:cs typeface="Helvetica"/>
-                              <a:sym typeface="Helvetica"/>
-                            </a:rPr>
-                            <a:t>2K</a:t>
-                          </a:r>
-                        </a:p>
-                      </a:txBody>
-                      <a:tcPr marL="0" marR="0" marT="0" marB="0" anchor="t" anchorCtr="0" horzOverflow="overflow">
-                        <a:solidFill>
-                          <a:schemeClr val="accent4"/>
-                        </a:solidFill>
-                      </a:tcPr>
-                    </a:tc>
-                  </a:tr>
-                  <a:tr h="141653">
-                    <a:tc>
-                      <a:txBody>
-                        <a:bodyPr/>
-                        <a:lstStyle/>
-                        <a:p>
-                          <a:pPr algn="ctr" defTabSz="914400">
-                            <a:spcBef>
-                              <a:spcPts val="0"/>
-                            </a:spcBef>
-                            <a:defRPr sz="1800"/>
-                          </a:pPr>
-                          <a:r>
-                            <a:rPr baseline="25000" sz="800">
-                              <a:latin typeface="Helvetica"/>
-                              <a:ea typeface="Helvetica"/>
-                              <a:cs typeface="Helvetica"/>
-                              <a:sym typeface="Helvetica"/>
-                            </a:rPr>
-                            <a:t>A</a:t>
-                          </a:r>
-                        </a:p>
-                      </a:txBody>
-                      <a:tcPr marL="0" marR="0" marT="0" marB="0" anchor="t" anchorCtr="0" horzOverflow="overflow"/>
-                    </a:tc>
-                    <a:tc>
-                      <a:txBody>
-                        <a:bodyPr/>
-                        <a:lstStyle/>
-                        <a:p>
-                          <a:pPr algn="ctr" defTabSz="914400">
-                            <a:spcBef>
-                              <a:spcPts val="0"/>
-                            </a:spcBef>
-                            <a:defRPr sz="1800"/>
-                          </a:pPr>
-                          <a:r>
-                            <a:rPr baseline="25000" sz="800">
-                              <a:latin typeface="Helvetica"/>
-                              <a:ea typeface="Helvetica"/>
-                              <a:cs typeface="Helvetica"/>
-                              <a:sym typeface="Helvetica"/>
-                            </a:rPr>
-                            <a:t>2000</a:t>
-                          </a:r>
-                        </a:p>
-                      </a:txBody>
-                      <a:tcPr marL="0" marR="0" marT="0" marB="0" anchor="t" anchorCtr="0" horzOverflow="overflow"/>
-                    </a:tc>
-                    <a:tc>
-                      <a:txBody>
-                        <a:bodyPr/>
-                        <a:lstStyle/>
-                        <a:p>
-                          <a:pPr algn="ctr" defTabSz="914400">
-                            <a:spcBef>
-                              <a:spcPts val="0"/>
-                            </a:spcBef>
-                            <a:defRPr sz="1800"/>
-                          </a:pPr>
-                          <a:r>
-                            <a:rPr baseline="25000" sz="800">
-                              <a:solidFill>
-                                <a:srgbClr val="FFFFFF"/>
-                              </a:solidFill>
-                              <a:latin typeface="Helvetica"/>
-                              <a:ea typeface="Helvetica"/>
-                              <a:cs typeface="Helvetica"/>
-                              <a:sym typeface="Helvetica"/>
-                            </a:rPr>
-                            <a:t>pop</a:t>
-                          </a:r>
-                        </a:p>
-                      </a:txBody>
-                      <a:tcPr marL="0" marR="0" marT="0" marB="0" anchor="t" anchorCtr="0" horzOverflow="overflow">
-                        <a:solidFill>
-                          <a:schemeClr val="accent1">
-                            <a:hueOff val="47394"/>
-                            <a:satOff val="-25753"/>
-                            <a:lumOff val="-7544"/>
-                          </a:schemeClr>
-                        </a:solidFill>
-                      </a:tcPr>
-                    </a:tc>
-                    <a:tc>
-                      <a:txBody>
-                        <a:bodyPr/>
-                        <a:lstStyle/>
-                        <a:p>
-                          <a:pPr algn="ctr" defTabSz="914400">
-                            <a:spcBef>
-                              <a:spcPts val="0"/>
-                            </a:spcBef>
-                            <a:defRPr sz="1800"/>
-                          </a:pPr>
-                          <a:r>
-                            <a:rPr baseline="25000" sz="800">
-                              <a:latin typeface="Helvetica"/>
-                              <a:ea typeface="Helvetica"/>
-                              <a:cs typeface="Helvetica"/>
-                              <a:sym typeface="Helvetica"/>
-                            </a:rPr>
-                            <a:t>20M</a:t>
-                          </a:r>
-                        </a:p>
-                      </a:txBody>
-                      <a:tcPr marL="0" marR="0" marT="0" marB="0" anchor="t" anchorCtr="0" horzOverflow="overflow">
-                        <a:solidFill>
-                          <a:schemeClr val="accent4">
-                            <a:hueOff val="-48331"/>
-                            <a:satOff val="1035"/>
-                            <a:lumOff val="-13785"/>
-                          </a:schemeClr>
-                        </a:solidFill>
-                      </a:tcPr>
-                    </a:tc>
-                  </a:tr>
-                  <a:tr h="141653">
-                    <a:tc>
-                      <a:txBody>
-                        <a:bodyPr/>
-                        <a:lstStyle/>
-                        <a:p>
-                          <a:pPr algn="ctr" defTabSz="914400">
-                            <a:spcBef>
-                              <a:spcPts val="0"/>
-                            </a:spcBef>
-                            <a:defRPr sz="1800"/>
-                          </a:pPr>
-                          <a:r>
-                            <a:rPr baseline="25000" sz="800">
-                              <a:latin typeface="Helvetica"/>
-                              <a:ea typeface="Helvetica"/>
-                              <a:cs typeface="Helvetica"/>
-                              <a:sym typeface="Helvetica"/>
-                            </a:rPr>
-                            <a:t>B</a:t>
-                          </a:r>
-                        </a:p>
-                      </a:txBody>
-                      <a:tcPr marL="0" marR="0" marT="0" marB="0" anchor="t" anchorCtr="0" horzOverflow="overflow"/>
-                    </a:tc>
-                    <a:tc>
-                      <a:txBody>
-                        <a:bodyPr/>
-                        <a:lstStyle/>
-                        <a:p>
-                          <a:pPr algn="ctr" defTabSz="914400">
-                            <a:spcBef>
-                              <a:spcPts val="0"/>
-                            </a:spcBef>
-                            <a:defRPr sz="1800"/>
-                          </a:pPr>
-                          <a:r>
-                            <a:rPr baseline="25000" sz="800">
-                              <a:latin typeface="Helvetica"/>
-                              <a:ea typeface="Helvetica"/>
-                              <a:cs typeface="Helvetica"/>
-                              <a:sym typeface="Helvetica"/>
-                            </a:rPr>
-                            <a:t>1999</a:t>
-                          </a:r>
-                        </a:p>
-                      </a:txBody>
-                      <a:tcPr marL="0" marR="0" marT="0" marB="0" anchor="t" anchorCtr="0" horzOverflow="overflow"/>
-                    </a:tc>
-                    <a:tc>
-                      <a:txBody>
-                        <a:bodyPr/>
-                        <a:lstStyle/>
-                        <a:p>
-                          <a:pPr algn="ctr" defTabSz="914400">
-                            <a:spcBef>
-                              <a:spcPts val="0"/>
-                            </a:spcBef>
-                            <a:defRPr sz="1800"/>
-                          </a:pPr>
-                          <a:r>
-                            <a:rPr baseline="25000" sz="800">
-                              <a:solidFill>
-                                <a:srgbClr val="FFFFFF"/>
-                              </a:solidFill>
-                              <a:latin typeface="Helvetica"/>
-                              <a:ea typeface="Helvetica"/>
-                              <a:cs typeface="Helvetica"/>
-                              <a:sym typeface="Helvetica"/>
-                            </a:rPr>
-                            <a:t>cases</a:t>
-                          </a:r>
-                        </a:p>
-                      </a:txBody>
-                      <a:tcPr marL="0" marR="0" marT="0" marB="0" anchor="t" anchorCtr="0" horzOverflow="overflow">
-                        <a:solidFill>
-                          <a:srgbClr val="407AAA"/>
-                        </a:solidFill>
-                      </a:tcPr>
-                    </a:tc>
-                    <a:tc>
-                      <a:txBody>
-                        <a:bodyPr/>
-                        <a:lstStyle/>
-                        <a:p>
-                          <a:pPr algn="ctr" defTabSz="914400">
-                            <a:spcBef>
-                              <a:spcPts val="0"/>
-                            </a:spcBef>
-                            <a:defRPr sz="1800"/>
-                          </a:pPr>
-                          <a:r>
-                            <a:rPr baseline="25000" sz="800">
-                              <a:latin typeface="Helvetica"/>
-                              <a:ea typeface="Helvetica"/>
-                              <a:cs typeface="Helvetica"/>
-                              <a:sym typeface="Helvetica"/>
-                            </a:rPr>
-                            <a:t>37K</a:t>
-                          </a:r>
-                        </a:p>
-                      </a:txBody>
-                      <a:tcPr marL="0" marR="0" marT="0" marB="0" anchor="t" anchorCtr="0" horzOverflow="overflow">
-                        <a:solidFill>
-                          <a:schemeClr val="accent4"/>
-                        </a:solidFill>
-                      </a:tcPr>
-                    </a:tc>
-                  </a:tr>
-                  <a:tr h="141653">
-                    <a:tc>
-                      <a:txBody>
-                        <a:bodyPr/>
-                        <a:lstStyle/>
-                        <a:p>
-                          <a:pPr algn="ctr" defTabSz="914400">
-                            <a:spcBef>
-                              <a:spcPts val="0"/>
-                            </a:spcBef>
-                            <a:defRPr sz="1800"/>
-                          </a:pPr>
-                          <a:r>
-                            <a:rPr baseline="25000" sz="800">
-                              <a:latin typeface="Helvetica"/>
-                              <a:ea typeface="Helvetica"/>
-                              <a:cs typeface="Helvetica"/>
-                              <a:sym typeface="Helvetica"/>
-                            </a:rPr>
-                            <a:t>B</a:t>
-                          </a:r>
-                        </a:p>
-                      </a:txBody>
-                      <a:tcPr marL="0" marR="0" marT="0" marB="0" anchor="t" anchorCtr="0" horzOverflow="overflow"/>
-                    </a:tc>
-                    <a:tc>
-                      <a:txBody>
-                        <a:bodyPr/>
-                        <a:lstStyle/>
-                        <a:p>
-                          <a:pPr algn="ctr" defTabSz="914400">
-                            <a:spcBef>
-                              <a:spcPts val="0"/>
-                            </a:spcBef>
-                            <a:defRPr sz="1800"/>
-                          </a:pPr>
-                          <a:r>
-                            <a:rPr baseline="25000" sz="800">
-                              <a:latin typeface="Helvetica"/>
-                              <a:ea typeface="Helvetica"/>
-                              <a:cs typeface="Helvetica"/>
-                              <a:sym typeface="Helvetica"/>
-                            </a:rPr>
-                            <a:t>1999</a:t>
-                          </a:r>
-                        </a:p>
-                      </a:txBody>
-                      <a:tcPr marL="0" marR="0" marT="0" marB="0" anchor="t" anchorCtr="0" horzOverflow="overflow"/>
-                    </a:tc>
-                    <a:tc>
-                      <a:txBody>
-                        <a:bodyPr/>
-                        <a:lstStyle/>
-                        <a:p>
-                          <a:pPr algn="ctr" defTabSz="914400">
-                            <a:spcBef>
-                              <a:spcPts val="0"/>
-                            </a:spcBef>
-                            <a:defRPr sz="1800"/>
-                          </a:pPr>
-                          <a:r>
-                            <a:rPr baseline="25000" sz="800">
-                              <a:solidFill>
-                                <a:srgbClr val="FFFFFF"/>
-                              </a:solidFill>
-                              <a:latin typeface="Helvetica"/>
-                              <a:ea typeface="Helvetica"/>
-                              <a:cs typeface="Helvetica"/>
-                              <a:sym typeface="Helvetica"/>
-                            </a:rPr>
-                            <a:t>pop</a:t>
-                          </a:r>
-                        </a:p>
-                      </a:txBody>
-                      <a:tcPr marL="0" marR="0" marT="0" marB="0" anchor="t" anchorCtr="0" horzOverflow="overflow">
-                        <a:solidFill>
-                          <a:schemeClr val="accent1">
-                            <a:hueOff val="47394"/>
-                            <a:satOff val="-25753"/>
-                            <a:lumOff val="-7544"/>
-                          </a:schemeClr>
-                        </a:solidFill>
-                      </a:tcPr>
-                    </a:tc>
-                    <a:tc>
-                      <a:txBody>
-                        <a:bodyPr/>
-                        <a:lstStyle/>
-                        <a:p>
-                          <a:pPr algn="ctr" defTabSz="914400">
-                            <a:spcBef>
-                              <a:spcPts val="0"/>
-                            </a:spcBef>
-                            <a:defRPr sz="1800"/>
-                          </a:pPr>
-                          <a:r>
-                            <a:rPr baseline="25000" sz="800">
-                              <a:latin typeface="Helvetica"/>
-                              <a:ea typeface="Helvetica"/>
-                              <a:cs typeface="Helvetica"/>
-                              <a:sym typeface="Helvetica"/>
-                            </a:rPr>
-                            <a:t>172M</a:t>
-                          </a:r>
-                        </a:p>
-                      </a:txBody>
-                      <a:tcPr marL="0" marR="0" marT="0" marB="0" anchor="t" anchorCtr="0" horzOverflow="overflow">
-                        <a:solidFill>
-                          <a:schemeClr val="accent4">
-                            <a:hueOff val="-48331"/>
-                            <a:satOff val="1035"/>
-                            <a:lumOff val="-13785"/>
-                          </a:schemeClr>
-                        </a:solidFill>
-                      </a:tcPr>
-                    </a:tc>
-                  </a:tr>
-                  <a:tr h="141653">
-                    <a:tc>
-                      <a:txBody>
-                        <a:bodyPr/>
-                        <a:lstStyle/>
-                        <a:p>
-                          <a:pPr algn="ctr" defTabSz="914400">
-                            <a:spcBef>
-                              <a:spcPts val="0"/>
-                            </a:spcBef>
-                            <a:defRPr sz="1800"/>
-                          </a:pPr>
-                          <a:r>
-                            <a:rPr baseline="25000" sz="800">
-                              <a:latin typeface="Helvetica"/>
-                              <a:ea typeface="Helvetica"/>
-                              <a:cs typeface="Helvetica"/>
-                              <a:sym typeface="Helvetica"/>
-                            </a:rPr>
-                            <a:t>B</a:t>
-                          </a:r>
-                        </a:p>
-                      </a:txBody>
-                      <a:tcPr marL="0" marR="0" marT="0" marB="0" anchor="t" anchorCtr="0" horzOverflow="overflow"/>
-                    </a:tc>
-                    <a:tc>
-                      <a:txBody>
-                        <a:bodyPr/>
-                        <a:lstStyle/>
-                        <a:p>
-                          <a:pPr algn="ctr" defTabSz="914400">
-                            <a:spcBef>
-                              <a:spcPts val="0"/>
-                            </a:spcBef>
-                            <a:defRPr sz="1800"/>
-                          </a:pPr>
-                          <a:r>
-                            <a:rPr baseline="25000" sz="800">
-                              <a:latin typeface="Helvetica"/>
-                              <a:ea typeface="Helvetica"/>
-                              <a:cs typeface="Helvetica"/>
-                              <a:sym typeface="Helvetica"/>
-                            </a:rPr>
-                            <a:t>2000</a:t>
-                          </a:r>
-                        </a:p>
-                      </a:txBody>
-                      <a:tcPr marL="0" marR="0" marT="0" marB="0" anchor="t" anchorCtr="0" horzOverflow="overflow"/>
-                    </a:tc>
-                    <a:tc>
-                      <a:txBody>
-                        <a:bodyPr/>
-                        <a:lstStyle/>
-                        <a:p>
-                          <a:pPr algn="ctr" defTabSz="914400">
-                            <a:spcBef>
-                              <a:spcPts val="0"/>
-                            </a:spcBef>
-                            <a:defRPr sz="1800"/>
-                          </a:pPr>
-                          <a:r>
-                            <a:rPr baseline="25000" sz="800">
-                              <a:solidFill>
-                                <a:srgbClr val="FFFFFF"/>
-                              </a:solidFill>
-                              <a:latin typeface="Helvetica"/>
-                              <a:ea typeface="Helvetica"/>
-                              <a:cs typeface="Helvetica"/>
-                              <a:sym typeface="Helvetica"/>
-                            </a:rPr>
-                            <a:t>cases</a:t>
-                          </a:r>
-                        </a:p>
-                      </a:txBody>
-                      <a:tcPr marL="0" marR="0" marT="0" marB="0" anchor="t" anchorCtr="0" horzOverflow="overflow">
-                        <a:solidFill>
-                          <a:srgbClr val="407AAA"/>
-                        </a:solidFill>
-                      </a:tcPr>
-                    </a:tc>
-                    <a:tc>
-                      <a:txBody>
-                        <a:bodyPr/>
-                        <a:lstStyle/>
-                        <a:p>
-                          <a:pPr algn="ctr" defTabSz="914400">
-                            <a:spcBef>
-                              <a:spcPts val="0"/>
-                            </a:spcBef>
-                            <a:defRPr sz="1800"/>
-                          </a:pPr>
-                          <a:r>
-                            <a:rPr baseline="25000" sz="800">
-                              <a:latin typeface="Helvetica"/>
-                              <a:ea typeface="Helvetica"/>
-                              <a:cs typeface="Helvetica"/>
-                              <a:sym typeface="Helvetica"/>
-                            </a:rPr>
-                            <a:t>80K</a:t>
-                          </a:r>
-                        </a:p>
-                      </a:txBody>
-                      <a:tcPr marL="0" marR="0" marT="0" marB="0" anchor="t" anchorCtr="0" horzOverflow="overflow">
-                        <a:solidFill>
-                          <a:schemeClr val="accent4"/>
-                        </a:solidFill>
-                      </a:tcPr>
-                    </a:tc>
-                  </a:tr>
-                  <a:tr h="141653">
-                    <a:tc>
-                      <a:txBody>
-                        <a:bodyPr/>
-                        <a:lstStyle/>
-                        <a:p>
-                          <a:pPr algn="ctr" defTabSz="914400">
-                            <a:spcBef>
-                              <a:spcPts val="0"/>
-                            </a:spcBef>
-                            <a:defRPr sz="1800"/>
-                          </a:pPr>
-                          <a:r>
-                            <a:rPr baseline="25000" sz="800">
-                              <a:latin typeface="Helvetica"/>
-                              <a:ea typeface="Helvetica"/>
-                              <a:cs typeface="Helvetica"/>
-                              <a:sym typeface="Helvetica"/>
-                            </a:rPr>
-                            <a:t>B</a:t>
-                          </a:r>
-                        </a:p>
-                      </a:txBody>
-                      <a:tcPr marL="0" marR="0" marT="0" marB="0" anchor="t" anchorCtr="0" horzOverflow="overflow"/>
-                    </a:tc>
-                    <a:tc>
-                      <a:txBody>
-                        <a:bodyPr/>
-                        <a:lstStyle/>
-                        <a:p>
-                          <a:pPr algn="ctr" defTabSz="914400">
-                            <a:spcBef>
-                              <a:spcPts val="0"/>
-                            </a:spcBef>
-                            <a:defRPr sz="1800"/>
-                          </a:pPr>
-                          <a:r>
-                            <a:rPr baseline="25000" sz="800">
-                              <a:latin typeface="Helvetica"/>
-                              <a:ea typeface="Helvetica"/>
-                              <a:cs typeface="Helvetica"/>
-                              <a:sym typeface="Helvetica"/>
-                            </a:rPr>
-                            <a:t>2000</a:t>
-                          </a:r>
-                        </a:p>
-                      </a:txBody>
-                      <a:tcPr marL="0" marR="0" marT="0" marB="0" anchor="t" anchorCtr="0" horzOverflow="overflow"/>
-                    </a:tc>
-                    <a:tc>
-                      <a:txBody>
-                        <a:bodyPr/>
-                        <a:lstStyle/>
-                        <a:p>
-                          <a:pPr algn="ctr" defTabSz="914400">
-                            <a:spcBef>
-                              <a:spcPts val="0"/>
-                            </a:spcBef>
-                            <a:defRPr sz="1800"/>
-                          </a:pPr>
-                          <a:r>
-                            <a:rPr baseline="25000" sz="800">
-                              <a:solidFill>
-                                <a:srgbClr val="FFFFFF"/>
-                              </a:solidFill>
-                              <a:latin typeface="Helvetica"/>
-                              <a:ea typeface="Helvetica"/>
-                              <a:cs typeface="Helvetica"/>
-                              <a:sym typeface="Helvetica"/>
-                            </a:rPr>
-                            <a:t>pop</a:t>
-                          </a:r>
-                        </a:p>
-                      </a:txBody>
-                      <a:tcPr marL="0" marR="0" marT="0" marB="0" anchor="t" anchorCtr="0" horzOverflow="overflow">
-                        <a:solidFill>
-                          <a:schemeClr val="accent1">
-                            <a:hueOff val="47394"/>
-                            <a:satOff val="-25753"/>
-                            <a:lumOff val="-7544"/>
-                          </a:schemeClr>
-                        </a:solidFill>
-                      </a:tcPr>
-                    </a:tc>
-                    <a:tc>
-                      <a:txBody>
-                        <a:bodyPr/>
-                        <a:lstStyle/>
-                        <a:p>
-                          <a:pPr algn="ctr" defTabSz="914400">
-                            <a:spcBef>
-                              <a:spcPts val="0"/>
-                            </a:spcBef>
-                            <a:defRPr sz="1800"/>
-                          </a:pPr>
-                          <a:r>
-                            <a:rPr baseline="25000" sz="800">
-                              <a:latin typeface="Helvetica"/>
-                              <a:ea typeface="Helvetica"/>
-                              <a:cs typeface="Helvetica"/>
-                              <a:sym typeface="Helvetica"/>
-                            </a:rPr>
-                            <a:t>174M</a:t>
-                          </a:r>
-                        </a:p>
-                      </a:txBody>
-                      <a:tcPr marL="0" marR="0" marT="0" marB="0" anchor="t" anchorCtr="0" horzOverflow="overflow">
-                        <a:solidFill>
-                          <a:schemeClr val="accent4">
-                            <a:hueOff val="-48331"/>
-                            <a:satOff val="1035"/>
-                            <a:lumOff val="-13785"/>
-                          </a:schemeClr>
-                        </a:solidFill>
-                      </a:tcPr>
-                    </a:tc>
-                  </a:tr>
-                  <a:tr h="141653">
-                    <a:tc>
-                      <a:txBody>
-                        <a:bodyPr/>
-                        <a:lstStyle/>
-                        <a:p>
-                          <a:pPr algn="ctr" defTabSz="914400">
-                            <a:spcBef>
-                              <a:spcPts val="0"/>
-                            </a:spcBef>
-                            <a:defRPr sz="1800"/>
-                          </a:pPr>
-                          <a:r>
-                            <a:rPr baseline="25000" sz="800">
-                              <a:latin typeface="Helvetica"/>
-                              <a:ea typeface="Helvetica"/>
-                              <a:cs typeface="Helvetica"/>
-                              <a:sym typeface="Helvetica"/>
-                            </a:rPr>
-                            <a:t>C</a:t>
-                          </a:r>
-                        </a:p>
-                      </a:txBody>
-                      <a:tcPr marL="0" marR="0" marT="0" marB="0" anchor="t" anchorCtr="0" horzOverflow="overflow"/>
-                    </a:tc>
-                    <a:tc>
-                      <a:txBody>
-                        <a:bodyPr/>
-                        <a:lstStyle/>
-                        <a:p>
-                          <a:pPr algn="ctr" defTabSz="914400">
-                            <a:spcBef>
-                              <a:spcPts val="0"/>
-                            </a:spcBef>
-                            <a:defRPr sz="1800"/>
-                          </a:pPr>
-                          <a:r>
-                            <a:rPr baseline="25000" sz="800">
-                              <a:latin typeface="Helvetica"/>
-                              <a:ea typeface="Helvetica"/>
-                              <a:cs typeface="Helvetica"/>
-                              <a:sym typeface="Helvetica"/>
-                            </a:rPr>
-                            <a:t>1999</a:t>
-                          </a:r>
-                        </a:p>
-                      </a:txBody>
-                      <a:tcPr marL="0" marR="0" marT="0" marB="0" anchor="t" anchorCtr="0" horzOverflow="overflow"/>
-                    </a:tc>
-                    <a:tc>
-                      <a:txBody>
-                        <a:bodyPr/>
-                        <a:lstStyle/>
-                        <a:p>
-                          <a:pPr algn="ctr" defTabSz="914400">
-                            <a:spcBef>
-                              <a:spcPts val="0"/>
-                            </a:spcBef>
-                            <a:defRPr sz="1800"/>
-                          </a:pPr>
-                          <a:r>
-                            <a:rPr baseline="25000" sz="800">
-                              <a:solidFill>
-                                <a:srgbClr val="FFFFFF"/>
-                              </a:solidFill>
-                              <a:latin typeface="Helvetica"/>
-                              <a:ea typeface="Helvetica"/>
-                              <a:cs typeface="Helvetica"/>
-                              <a:sym typeface="Helvetica"/>
-                            </a:rPr>
-                            <a:t>cases</a:t>
-                          </a:r>
-                        </a:p>
-                      </a:txBody>
-                      <a:tcPr marL="0" marR="0" marT="0" marB="0" anchor="t" anchorCtr="0" horzOverflow="overflow">
-                        <a:solidFill>
-                          <a:srgbClr val="407AAA"/>
-                        </a:solidFill>
-                      </a:tcPr>
-                    </a:tc>
-                    <a:tc>
-                      <a:txBody>
-                        <a:bodyPr/>
-                        <a:lstStyle/>
-                        <a:p>
-                          <a:pPr algn="ctr" defTabSz="914400">
-                            <a:spcBef>
-                              <a:spcPts val="0"/>
-                            </a:spcBef>
-                            <a:defRPr sz="1800"/>
-                          </a:pPr>
-                          <a:r>
-                            <a:rPr baseline="25000" sz="800">
-                              <a:latin typeface="Helvetica"/>
-                              <a:ea typeface="Helvetica"/>
-                              <a:cs typeface="Helvetica"/>
-                              <a:sym typeface="Helvetica"/>
-                            </a:rPr>
-                            <a:t>212K</a:t>
-                          </a:r>
-                        </a:p>
-                      </a:txBody>
-                      <a:tcPr marL="0" marR="0" marT="0" marB="0" anchor="t" anchorCtr="0" horzOverflow="overflow">
-                        <a:solidFill>
-                          <a:schemeClr val="accent4"/>
-                        </a:solidFill>
-                      </a:tcPr>
-                    </a:tc>
-                  </a:tr>
-                  <a:tr h="141653">
-                    <a:tc>
-                      <a:txBody>
-                        <a:bodyPr/>
-                        <a:lstStyle/>
-                        <a:p>
-                          <a:pPr algn="ctr" defTabSz="914400">
-                            <a:spcBef>
-                              <a:spcPts val="0"/>
-                            </a:spcBef>
-                            <a:defRPr sz="1800"/>
-                          </a:pPr>
-                          <a:r>
-                            <a:rPr baseline="25000" sz="800">
-                              <a:latin typeface="Helvetica"/>
-                              <a:ea typeface="Helvetica"/>
-                              <a:cs typeface="Helvetica"/>
-                              <a:sym typeface="Helvetica"/>
-                            </a:rPr>
-                            <a:t>C</a:t>
-                          </a:r>
-                        </a:p>
-                      </a:txBody>
-                      <a:tcPr marL="0" marR="0" marT="0" marB="0" anchor="t" anchorCtr="0" horzOverflow="overflow"/>
-                    </a:tc>
-                    <a:tc>
-                      <a:txBody>
-                        <a:bodyPr/>
-                        <a:lstStyle/>
-                        <a:p>
-                          <a:pPr algn="ctr" defTabSz="914400">
-                            <a:spcBef>
-                              <a:spcPts val="0"/>
-                            </a:spcBef>
-                            <a:defRPr sz="1800"/>
-                          </a:pPr>
-                          <a:r>
-                            <a:rPr baseline="25000" sz="800">
-                              <a:latin typeface="Helvetica"/>
-                              <a:ea typeface="Helvetica"/>
-                              <a:cs typeface="Helvetica"/>
-                              <a:sym typeface="Helvetica"/>
-                            </a:rPr>
-                            <a:t>1999</a:t>
-                          </a:r>
-                        </a:p>
-                      </a:txBody>
-                      <a:tcPr marL="0" marR="0" marT="0" marB="0" anchor="t" anchorCtr="0" horzOverflow="overflow"/>
-                    </a:tc>
-                    <a:tc>
-                      <a:txBody>
-                        <a:bodyPr/>
-                        <a:lstStyle/>
-                        <a:p>
-                          <a:pPr algn="ctr" defTabSz="914400">
-                            <a:spcBef>
-                              <a:spcPts val="0"/>
-                            </a:spcBef>
-                            <a:defRPr sz="1800"/>
-                          </a:pPr>
-                          <a:r>
-                            <a:rPr baseline="25000" sz="800">
-                              <a:solidFill>
-                                <a:srgbClr val="FFFFFF"/>
-                              </a:solidFill>
-                              <a:latin typeface="Helvetica"/>
-                              <a:ea typeface="Helvetica"/>
-                              <a:cs typeface="Helvetica"/>
-                              <a:sym typeface="Helvetica"/>
-                            </a:rPr>
-                            <a:t>pop</a:t>
-                          </a:r>
-                        </a:p>
-                      </a:txBody>
-                      <a:tcPr marL="0" marR="0" marT="0" marB="0" anchor="t" anchorCtr="0" horzOverflow="overflow">
-                        <a:solidFill>
-                          <a:schemeClr val="accent1">
-                            <a:hueOff val="47394"/>
-                            <a:satOff val="-25753"/>
-                            <a:lumOff val="-7544"/>
-                          </a:schemeClr>
-                        </a:solidFill>
-                      </a:tcPr>
-                    </a:tc>
-                    <a:tc>
-                      <a:txBody>
-                        <a:bodyPr/>
-                        <a:lstStyle/>
-                        <a:p>
-                          <a:pPr algn="ctr" defTabSz="914400">
-                            <a:spcBef>
-                              <a:spcPts val="0"/>
-                            </a:spcBef>
-                            <a:defRPr sz="1800"/>
-                          </a:pPr>
-                          <a:r>
-                            <a:rPr baseline="25000" sz="800">
-                              <a:latin typeface="Helvetica"/>
-                              <a:ea typeface="Helvetica"/>
-                              <a:cs typeface="Helvetica"/>
-                              <a:sym typeface="Helvetica"/>
-                            </a:rPr>
-                            <a:t>1T</a:t>
-                          </a:r>
-                        </a:p>
-                      </a:txBody>
-                      <a:tcPr marL="0" marR="0" marT="0" marB="0" anchor="t" anchorCtr="0" horzOverflow="overflow">
-                        <a:solidFill>
-                          <a:schemeClr val="accent4">
-                            <a:hueOff val="-48331"/>
-                            <a:satOff val="1035"/>
-                            <a:lumOff val="-13785"/>
-                          </a:schemeClr>
-                        </a:solidFill>
-                      </a:tcPr>
-                    </a:tc>
-                  </a:tr>
-                  <a:tr h="141653">
-                    <a:tc>
-                      <a:txBody>
-                        <a:bodyPr/>
-                        <a:lstStyle/>
-                        <a:p>
-                          <a:pPr algn="ctr" defTabSz="914400">
-                            <a:spcBef>
-                              <a:spcPts val="0"/>
-                            </a:spcBef>
-                            <a:defRPr sz="1800"/>
-                          </a:pPr>
-                          <a:r>
-                            <a:rPr baseline="25000" sz="800">
-                              <a:latin typeface="Helvetica"/>
-                              <a:ea typeface="Helvetica"/>
-                              <a:cs typeface="Helvetica"/>
-                              <a:sym typeface="Helvetica"/>
-                            </a:rPr>
-                            <a:t>C</a:t>
-                          </a:r>
-                        </a:p>
-                      </a:txBody>
-                      <a:tcPr marL="0" marR="0" marT="0" marB="0" anchor="t" anchorCtr="0" horzOverflow="overflow"/>
-                    </a:tc>
-                    <a:tc>
-                      <a:txBody>
-                        <a:bodyPr/>
-                        <a:lstStyle/>
-                        <a:p>
-                          <a:pPr algn="ctr" defTabSz="914400">
-                            <a:spcBef>
-                              <a:spcPts val="0"/>
-                            </a:spcBef>
-                            <a:defRPr sz="1800"/>
-                          </a:pPr>
-                          <a:r>
-                            <a:rPr baseline="25000" sz="800">
-                              <a:latin typeface="Helvetica"/>
-                              <a:ea typeface="Helvetica"/>
-                              <a:cs typeface="Helvetica"/>
-                              <a:sym typeface="Helvetica"/>
-                            </a:rPr>
-                            <a:t>2000</a:t>
-                          </a:r>
-                        </a:p>
-                      </a:txBody>
-                      <a:tcPr marL="0" marR="0" marT="0" marB="0" anchor="t" anchorCtr="0" horzOverflow="overflow"/>
-                    </a:tc>
-                    <a:tc>
-                      <a:txBody>
-                        <a:bodyPr/>
-                        <a:lstStyle/>
-                        <a:p>
-                          <a:pPr algn="ctr" defTabSz="914400">
-                            <a:spcBef>
-                              <a:spcPts val="0"/>
-                            </a:spcBef>
-                            <a:defRPr sz="1800"/>
-                          </a:pPr>
-                          <a:r>
-                            <a:rPr baseline="25000" sz="800">
-                              <a:solidFill>
-                                <a:srgbClr val="FFFFFF"/>
-                              </a:solidFill>
-                              <a:latin typeface="Helvetica"/>
-                              <a:ea typeface="Helvetica"/>
-                              <a:cs typeface="Helvetica"/>
-                              <a:sym typeface="Helvetica"/>
-                            </a:rPr>
-                            <a:t>cases</a:t>
-                          </a:r>
-                        </a:p>
-                      </a:txBody>
-                      <a:tcPr marL="0" marR="0" marT="0" marB="0" anchor="t" anchorCtr="0" horzOverflow="overflow">
-                        <a:solidFill>
-                          <a:srgbClr val="407AAA"/>
-                        </a:solidFill>
-                      </a:tcPr>
-                    </a:tc>
-                    <a:tc>
-                      <a:txBody>
-                        <a:bodyPr/>
-                        <a:lstStyle/>
-                        <a:p>
-                          <a:pPr algn="ctr" defTabSz="914400">
-                            <a:spcBef>
-                              <a:spcPts val="0"/>
-                            </a:spcBef>
-                            <a:defRPr sz="1800"/>
-                          </a:pPr>
-                          <a:r>
-                            <a:rPr baseline="25000" sz="800">
-                              <a:latin typeface="Helvetica"/>
-                              <a:ea typeface="Helvetica"/>
-                              <a:cs typeface="Helvetica"/>
-                              <a:sym typeface="Helvetica"/>
-                            </a:rPr>
-                            <a:t>213K</a:t>
-                          </a:r>
-                        </a:p>
-                      </a:txBody>
-                      <a:tcPr marL="0" marR="0" marT="0" marB="0" anchor="t" anchorCtr="0" horzOverflow="overflow">
-                        <a:solidFill>
-                          <a:schemeClr val="accent4"/>
-                        </a:solidFill>
-                      </a:tcPr>
-                    </a:tc>
-                  </a:tr>
-                  <a:tr h="141653">
-                    <a:tc>
-                      <a:txBody>
-                        <a:bodyPr/>
-                        <a:lstStyle/>
-                        <a:p>
-                          <a:pPr algn="ctr" defTabSz="914400">
-                            <a:spcBef>
-                              <a:spcPts val="0"/>
-                            </a:spcBef>
-                            <a:defRPr sz="1800"/>
-                          </a:pPr>
-                          <a:r>
-                            <a:rPr baseline="25000" sz="800">
-                              <a:latin typeface="Helvetica"/>
-                              <a:ea typeface="Helvetica"/>
-                              <a:cs typeface="Helvetica"/>
-                              <a:sym typeface="Helvetica"/>
-                            </a:rPr>
-                            <a:t>C</a:t>
-                          </a:r>
-                        </a:p>
-                      </a:txBody>
-                      <a:tcPr marL="0" marR="0" marT="0" marB="0" anchor="t" anchorCtr="0" horzOverflow="overflow"/>
-                    </a:tc>
-                    <a:tc>
-                      <a:txBody>
-                        <a:bodyPr/>
-                        <a:lstStyle/>
-                        <a:p>
-                          <a:pPr algn="ctr" defTabSz="914400">
-                            <a:spcBef>
-                              <a:spcPts val="0"/>
-                            </a:spcBef>
-                            <a:defRPr sz="1800"/>
-                          </a:pPr>
-                          <a:r>
-                            <a:rPr baseline="25000" sz="800">
-                              <a:latin typeface="Helvetica"/>
-                              <a:ea typeface="Helvetica"/>
-                              <a:cs typeface="Helvetica"/>
-                              <a:sym typeface="Helvetica"/>
-                            </a:rPr>
-                            <a:t>2000</a:t>
-                          </a:r>
-                        </a:p>
-                      </a:txBody>
-                      <a:tcPr marL="0" marR="0" marT="0" marB="0" anchor="t" anchorCtr="0" horzOverflow="overflow"/>
-                    </a:tc>
-                    <a:tc>
-                      <a:txBody>
-                        <a:bodyPr/>
-                        <a:lstStyle/>
-                        <a:p>
-                          <a:pPr algn="ctr" defTabSz="914400">
-                            <a:spcBef>
-                              <a:spcPts val="0"/>
-                            </a:spcBef>
-                            <a:defRPr sz="1800"/>
-                          </a:pPr>
-                          <a:r>
-                            <a:rPr baseline="25000" sz="800">
-                              <a:solidFill>
-                                <a:srgbClr val="FFFFFF"/>
-                              </a:solidFill>
-                              <a:latin typeface="Helvetica"/>
-                              <a:ea typeface="Helvetica"/>
-                              <a:cs typeface="Helvetica"/>
-                              <a:sym typeface="Helvetica"/>
-                            </a:rPr>
-                            <a:t>pop</a:t>
-                          </a:r>
-                        </a:p>
-                      </a:txBody>
-                      <a:tcPr marL="0" marR="0" marT="0" marB="0" anchor="t" anchorCtr="0" horzOverflow="overflow">
-                        <a:solidFill>
-                          <a:schemeClr val="accent1">
-                            <a:hueOff val="47394"/>
-                            <a:satOff val="-25753"/>
-                            <a:lumOff val="-7544"/>
-                          </a:schemeClr>
-                        </a:solidFill>
-                      </a:tcPr>
-                    </a:tc>
-                    <a:tc>
-                      <a:txBody>
-                        <a:bodyPr/>
-                        <a:lstStyle/>
-                        <a:p>
-                          <a:pPr algn="ctr" defTabSz="914400">
-                            <a:spcBef>
-                              <a:spcPts val="0"/>
-                            </a:spcBef>
-                            <a:defRPr sz="1800"/>
-                          </a:pPr>
-                          <a:r>
-                            <a:rPr baseline="25000" sz="800">
-                              <a:latin typeface="Helvetica"/>
-                              <a:ea typeface="Helvetica"/>
-                              <a:cs typeface="Helvetica"/>
-                              <a:sym typeface="Helvetica"/>
-                            </a:rPr>
-                            <a:t>1T</a:t>
-                          </a:r>
-                        </a:p>
-                      </a:txBody>
-                      <a:tcPr marL="0" marR="0" marT="0" marB="0" anchor="t" anchorCtr="0" horzOverflow="overflow">
-                        <a:solidFill>
-                          <a:schemeClr val="accent4">
-                            <a:hueOff val="-48331"/>
-                            <a:satOff val="1035"/>
-                            <a:lumOff val="-13785"/>
-                          </a:schemeClr>
-                        </a:solidFill>
-                      </a:tcPr>
-                    </a:tc>
-                  </a:tr>
-                </a:tbl>
-              </a:graphicData>
-            </a:graphic>
-          </p:graphicFrame>
-        </p:grpSp>
+          </p:nvGraphicFramePr>
+          <p:xfrm>
+            <a:off x="1560436" y="227094"/>
+            <a:ext cx="1155701" cy="1028701"/>
+          </p:xfrm>
+          <a:graphic xmlns:a="http://schemas.openxmlformats.org/drawingml/2006/main">
+            <a:graphicData uri="http://schemas.openxmlformats.org/drawingml/2006/table">
+              <a:tbl>
+                <a:tblPr firstCol="0" firstRow="1" lastCol="0" lastRow="0" bandCol="0" bandRow="0" rtl="0">
+                  <a:tableStyleId>{33BA23B1-9221-436E-865A-0063620EA4FD}</a:tableStyleId>
+                </a:tblPr>
+                <a:tblGrid>
+                  <a:gridCol w="439005"/>
+                  <a:gridCol w="311625"/>
+                  <a:gridCol w="349725"/>
+                </a:tblGrid>
+                <a:tr h="139700">
+                  <a:tc>
+                    <a:txBody>
+                      <a:bodyPr/>
+                      <a:lstStyle/>
+                      <a:p>
+                        <a:pPr algn="ctr" defTabSz="914400">
+                          <a:spcBef>
+                            <a:spcPts val="0"/>
+                          </a:spcBef>
+                          <a:defRPr b="0" sz="1800">
+                            <a:solidFill>
+                              <a:srgbClr val="000000"/>
+                            </a:solidFill>
+                          </a:defRPr>
+                        </a:pPr>
+                        <a:r>
+                          <a:rPr b="1" sz="800">
+                            <a:solidFill>
+                              <a:srgbClr val="FFFFFF"/>
+                            </a:solidFill>
+                            <a:latin typeface="Helvetica"/>
+                            <a:ea typeface="Helvetica"/>
+                            <a:cs typeface="Helvetica"/>
+                            <a:sym typeface="Helvetica"/>
+                          </a:rPr>
+                          <a:t>country</a:t>
+                        </a:r>
+                      </a:p>
+                    </a:txBody>
+                    <a:tcPr marL="0" marR="0" marT="0" marB="0" anchor="ctr" anchorCtr="0" horzOverflow="overflow">
+                      <a:solidFill>
+                        <a:srgbClr val="797979"/>
+                      </a:solidFill>
+                    </a:tcPr>
+                  </a:tc>
+                  <a:tc>
+                    <a:txBody>
+                      <a:bodyPr/>
+                      <a:lstStyle/>
+                      <a:p>
+                        <a:pPr algn="ctr" defTabSz="914400">
+                          <a:spcBef>
+                            <a:spcPts val="0"/>
+                          </a:spcBef>
+                          <a:defRPr b="0" sz="1800">
+                            <a:solidFill>
+                              <a:srgbClr val="000000"/>
+                            </a:solidFill>
+                          </a:defRPr>
+                        </a:pPr>
+                        <a:r>
+                          <a:rPr b="1" sz="800">
+                            <a:solidFill>
+                              <a:srgbClr val="FFFFFF"/>
+                            </a:solidFill>
+                            <a:latin typeface="Helvetica"/>
+                            <a:ea typeface="Helvetica"/>
+                            <a:cs typeface="Helvetica"/>
+                            <a:sym typeface="Helvetica"/>
+                          </a:rPr>
+                          <a:t>year</a:t>
+                        </a:r>
+                      </a:p>
+                    </a:txBody>
+                    <a:tcPr marL="0" marR="0" marT="0" marB="0" anchor="ctr" anchorCtr="0" horzOverflow="overflow">
+                      <a:solidFill>
+                        <a:srgbClr val="797979"/>
+                      </a:solidFill>
+                    </a:tcPr>
+                  </a:tc>
+                  <a:tc>
+                    <a:txBody>
+                      <a:bodyPr/>
+                      <a:lstStyle/>
+                      <a:p>
+                        <a:pPr algn="ctr" defTabSz="914400">
+                          <a:spcBef>
+                            <a:spcPts val="0"/>
+                          </a:spcBef>
+                          <a:defRPr b="0" sz="1800">
+                            <a:solidFill>
+                              <a:srgbClr val="000000"/>
+                            </a:solidFill>
+                          </a:defRPr>
+                        </a:pPr>
+                        <a:r>
+                          <a:rPr b="1" sz="800">
+                            <a:solidFill>
+                              <a:srgbClr val="FFFFFF"/>
+                            </a:solidFill>
+                            <a:latin typeface="Helvetica"/>
+                            <a:ea typeface="Helvetica"/>
+                            <a:cs typeface="Helvetica"/>
+                            <a:sym typeface="Helvetica"/>
+                          </a:rPr>
+                          <a:t>cases</a:t>
+                        </a:r>
+                      </a:p>
+                    </a:txBody>
+                    <a:tcPr marL="0" marR="0" marT="0" marB="0" anchor="ctr" anchorCtr="0" horzOverflow="overflow">
+                      <a:solidFill>
+                        <a:srgbClr val="797979"/>
+                      </a:solidFill>
+                    </a:tcPr>
+                  </a:tc>
+                </a:tr>
+                <a:tr h="139700">
+                  <a:tc>
+                    <a:txBody>
+                      <a:bodyPr/>
+                      <a:lstStyle/>
+                      <a:p>
+                        <a:pPr algn="ctr" defTabSz="914400">
+                          <a:spcBef>
+                            <a:spcPts val="0"/>
+                          </a:spcBef>
+                          <a:defRPr sz="1800"/>
+                        </a:pPr>
+                        <a:r>
+                          <a:rPr sz="800">
+                            <a:latin typeface="Helvetica"/>
+                            <a:ea typeface="Helvetica"/>
+                            <a:cs typeface="Helvetica"/>
+                            <a:sym typeface="Helvetica"/>
+                          </a:rPr>
+                          <a:t>A</a:t>
+                        </a:r>
+                      </a:p>
+                    </a:txBody>
+                    <a:tcPr marL="0" marR="0" marT="0" marB="0" anchor="ctr" anchorCtr="0" horzOverflow="overflow"/>
+                  </a:tc>
+                  <a:tc>
+                    <a:txBody>
+                      <a:bodyPr/>
+                      <a:lstStyle/>
+                      <a:p>
+                        <a:pPr algn="ctr" defTabSz="914400">
+                          <a:spcBef>
+                            <a:spcPts val="0"/>
+                          </a:spcBef>
+                          <a:defRPr sz="1800"/>
+                        </a:pPr>
+                        <a:r>
+                          <a:rPr sz="800">
+                            <a:solidFill>
+                              <a:srgbClr val="FFFFFF"/>
+                            </a:solidFill>
+                            <a:latin typeface="Helvetica"/>
+                            <a:ea typeface="Helvetica"/>
+                            <a:cs typeface="Helvetica"/>
+                            <a:sym typeface="Helvetica"/>
+                          </a:rPr>
+                          <a:t>1999</a:t>
+                        </a:r>
+                      </a:p>
+                    </a:txBody>
+                    <a:tcPr marL="0" marR="0" marT="0" marB="0" anchor="ctr" anchorCtr="0" horzOverflow="overflow">
+                      <a:solidFill>
+                        <a:srgbClr val="407AAA"/>
+                      </a:solidFill>
+                    </a:tcPr>
+                  </a:tc>
+                  <a:tc>
+                    <a:txBody>
+                      <a:bodyPr/>
+                      <a:lstStyle/>
+                      <a:p>
+                        <a:pPr algn="ctr" defTabSz="914400">
+                          <a:spcBef>
+                            <a:spcPts val="0"/>
+                          </a:spcBef>
+                          <a:defRPr sz="1800"/>
+                        </a:pPr>
+                        <a:r>
+                          <a:rPr sz="800">
+                            <a:latin typeface="Helvetica"/>
+                            <a:ea typeface="Helvetica"/>
+                            <a:cs typeface="Helvetica"/>
+                            <a:sym typeface="Helvetica"/>
+                          </a:rPr>
+                          <a:t>0.7K</a:t>
+                        </a:r>
+                      </a:p>
+                    </a:txBody>
+                    <a:tcPr marL="0" marR="0" marT="0" marB="0" anchor="ctr" anchorCtr="0" horzOverflow="overflow">
+                      <a:solidFill>
+                        <a:schemeClr val="accent4"/>
+                      </a:solidFill>
+                    </a:tcPr>
+                  </a:tc>
+                </a:tr>
+                <a:tr h="139700">
+                  <a:tc>
+                    <a:txBody>
+                      <a:bodyPr/>
+                      <a:lstStyle/>
+                      <a:p>
+                        <a:pPr algn="ctr" defTabSz="914400">
+                          <a:spcBef>
+                            <a:spcPts val="0"/>
+                          </a:spcBef>
+                          <a:defRPr sz="1800"/>
+                        </a:pPr>
+                        <a:r>
+                          <a:rPr sz="800">
+                            <a:latin typeface="Helvetica"/>
+                            <a:ea typeface="Helvetica"/>
+                            <a:cs typeface="Helvetica"/>
+                            <a:sym typeface="Helvetica"/>
+                          </a:rPr>
+                          <a:t>B</a:t>
+                        </a:r>
+                      </a:p>
+                    </a:txBody>
+                    <a:tcPr marL="0" marR="0" marT="0" marB="0" anchor="ctr" anchorCtr="0" horzOverflow="overflow"/>
+                  </a:tc>
+                  <a:tc>
+                    <a:txBody>
+                      <a:bodyPr/>
+                      <a:lstStyle/>
+                      <a:p>
+                        <a:pPr algn="ctr" defTabSz="914400">
+                          <a:spcBef>
+                            <a:spcPts val="0"/>
+                          </a:spcBef>
+                          <a:defRPr sz="1800"/>
+                        </a:pPr>
+                        <a:r>
+                          <a:rPr sz="800">
+                            <a:solidFill>
+                              <a:srgbClr val="FFFFFF"/>
+                            </a:solidFill>
+                            <a:latin typeface="Helvetica"/>
+                            <a:ea typeface="Helvetica"/>
+                            <a:cs typeface="Helvetica"/>
+                            <a:sym typeface="Helvetica"/>
+                          </a:rPr>
+                          <a:t>1999</a:t>
+                        </a:r>
+                      </a:p>
+                    </a:txBody>
+                    <a:tcPr marL="0" marR="0" marT="0" marB="0" anchor="ctr" anchorCtr="0" horzOverflow="overflow">
+                      <a:solidFill>
+                        <a:srgbClr val="407AAA"/>
+                      </a:solidFill>
+                    </a:tcPr>
+                  </a:tc>
+                  <a:tc>
+                    <a:txBody>
+                      <a:bodyPr/>
+                      <a:lstStyle/>
+                      <a:p>
+                        <a:pPr algn="ctr" defTabSz="914400">
+                          <a:spcBef>
+                            <a:spcPts val="0"/>
+                          </a:spcBef>
+                          <a:defRPr sz="1800"/>
+                        </a:pPr>
+                        <a:r>
+                          <a:rPr sz="800">
+                            <a:latin typeface="Helvetica"/>
+                            <a:ea typeface="Helvetica"/>
+                            <a:cs typeface="Helvetica"/>
+                            <a:sym typeface="Helvetica"/>
+                          </a:rPr>
+                          <a:t>37K</a:t>
+                        </a:r>
+                      </a:p>
+                    </a:txBody>
+                    <a:tcPr marL="0" marR="0" marT="0" marB="0" anchor="ctr" anchorCtr="0" horzOverflow="overflow">
+                      <a:solidFill>
+                        <a:schemeClr val="accent4"/>
+                      </a:solidFill>
+                    </a:tcPr>
+                  </a:tc>
+                </a:tr>
+                <a:tr h="139700">
+                  <a:tc>
+                    <a:txBody>
+                      <a:bodyPr/>
+                      <a:lstStyle/>
+                      <a:p>
+                        <a:pPr algn="ctr" defTabSz="914400">
+                          <a:spcBef>
+                            <a:spcPts val="0"/>
+                          </a:spcBef>
+                          <a:defRPr sz="1800"/>
+                        </a:pPr>
+                        <a:r>
+                          <a:rPr sz="800">
+                            <a:latin typeface="Helvetica"/>
+                            <a:ea typeface="Helvetica"/>
+                            <a:cs typeface="Helvetica"/>
+                            <a:sym typeface="Helvetica"/>
+                          </a:rPr>
+                          <a:t>C</a:t>
+                        </a:r>
+                      </a:p>
+                    </a:txBody>
+                    <a:tcPr marL="0" marR="0" marT="0" marB="0" anchor="ctr" anchorCtr="0" horzOverflow="overflow"/>
+                  </a:tc>
+                  <a:tc>
+                    <a:txBody>
+                      <a:bodyPr/>
+                      <a:lstStyle/>
+                      <a:p>
+                        <a:pPr algn="ctr" defTabSz="914400">
+                          <a:spcBef>
+                            <a:spcPts val="0"/>
+                          </a:spcBef>
+                          <a:defRPr sz="1800"/>
+                        </a:pPr>
+                        <a:r>
+                          <a:rPr sz="800">
+                            <a:solidFill>
+                              <a:srgbClr val="FFFFFF"/>
+                            </a:solidFill>
+                            <a:latin typeface="Helvetica"/>
+                            <a:ea typeface="Helvetica"/>
+                            <a:cs typeface="Helvetica"/>
+                            <a:sym typeface="Helvetica"/>
+                          </a:rPr>
+                          <a:t>1999</a:t>
+                        </a:r>
+                      </a:p>
+                    </a:txBody>
+                    <a:tcPr marL="0" marR="0" marT="0" marB="0" anchor="ctr" anchorCtr="0" horzOverflow="overflow">
+                      <a:solidFill>
+                        <a:srgbClr val="407AAA"/>
+                      </a:solidFill>
+                    </a:tcPr>
+                  </a:tc>
+                  <a:tc>
+                    <a:txBody>
+                      <a:bodyPr/>
+                      <a:lstStyle/>
+                      <a:p>
+                        <a:pPr algn="ctr" defTabSz="914400">
+                          <a:spcBef>
+                            <a:spcPts val="0"/>
+                          </a:spcBef>
+                          <a:defRPr sz="1800"/>
+                        </a:pPr>
+                        <a:r>
+                          <a:rPr sz="800">
+                            <a:latin typeface="Helvetica"/>
+                            <a:ea typeface="Helvetica"/>
+                            <a:cs typeface="Helvetica"/>
+                            <a:sym typeface="Helvetica"/>
+                          </a:rPr>
+                          <a:t>212K</a:t>
+                        </a:r>
+                      </a:p>
+                    </a:txBody>
+                    <a:tcPr marL="0" marR="0" marT="0" marB="0" anchor="ctr" anchorCtr="0" horzOverflow="overflow">
+                      <a:solidFill>
+                        <a:schemeClr val="accent4"/>
+                      </a:solidFill>
+                    </a:tcPr>
+                  </a:tc>
+                </a:tr>
+                <a:tr h="139700">
+                  <a:tc>
+                    <a:txBody>
+                      <a:bodyPr/>
+                      <a:lstStyle/>
+                      <a:p>
+                        <a:pPr algn="ctr" defTabSz="914400">
+                          <a:spcBef>
+                            <a:spcPts val="0"/>
+                          </a:spcBef>
+                          <a:defRPr sz="1800"/>
+                        </a:pPr>
+                        <a:r>
+                          <a:rPr sz="800">
+                            <a:latin typeface="Helvetica"/>
+                            <a:ea typeface="Helvetica"/>
+                            <a:cs typeface="Helvetica"/>
+                            <a:sym typeface="Helvetica"/>
+                          </a:rPr>
+                          <a:t>A</a:t>
+                        </a:r>
+                      </a:p>
+                    </a:txBody>
+                    <a:tcPr marL="0" marR="0" marT="0" marB="0" anchor="ctr" anchorCtr="0" horzOverflow="overflow"/>
+                  </a:tc>
+                  <a:tc>
+                    <a:txBody>
+                      <a:bodyPr/>
+                      <a:lstStyle/>
+                      <a:p>
+                        <a:pPr algn="ctr" defTabSz="914400">
+                          <a:spcBef>
+                            <a:spcPts val="0"/>
+                          </a:spcBef>
+                          <a:defRPr sz="1800"/>
+                        </a:pPr>
+                        <a:r>
+                          <a:rPr sz="800">
+                            <a:solidFill>
+                              <a:srgbClr val="FFFFFF"/>
+                            </a:solidFill>
+                            <a:latin typeface="Helvetica"/>
+                            <a:ea typeface="Helvetica"/>
+                            <a:cs typeface="Helvetica"/>
+                            <a:sym typeface="Helvetica"/>
+                          </a:rPr>
+                          <a:t>2000</a:t>
+                        </a:r>
+                      </a:p>
+                    </a:txBody>
+                    <a:tcPr marL="0" marR="0" marT="0" marB="0" anchor="ctr" anchorCtr="0" horzOverflow="overflow">
+                      <a:solidFill>
+                        <a:schemeClr val="accent1">
+                          <a:hueOff val="47394"/>
+                          <a:satOff val="-25753"/>
+                          <a:lumOff val="-7544"/>
+                        </a:schemeClr>
+                      </a:solidFill>
+                    </a:tcPr>
+                  </a:tc>
+                  <a:tc>
+                    <a:txBody>
+                      <a:bodyPr/>
+                      <a:lstStyle/>
+                      <a:p>
+                        <a:pPr algn="ctr" defTabSz="914400">
+                          <a:spcBef>
+                            <a:spcPts val="0"/>
+                          </a:spcBef>
+                          <a:defRPr sz="1800"/>
+                        </a:pPr>
+                        <a:r>
+                          <a:rPr sz="800">
+                            <a:latin typeface="Helvetica"/>
+                            <a:ea typeface="Helvetica"/>
+                            <a:cs typeface="Helvetica"/>
+                            <a:sym typeface="Helvetica"/>
+                          </a:rPr>
+                          <a:t>2K</a:t>
+                        </a:r>
+                      </a:p>
+                    </a:txBody>
+                    <a:tcPr marL="0" marR="0" marT="0" marB="0" anchor="ctr" anchorCtr="0" horzOverflow="overflow">
+                      <a:solidFill>
+                        <a:schemeClr val="accent4">
+                          <a:hueOff val="-48331"/>
+                          <a:satOff val="1035"/>
+                          <a:lumOff val="-13785"/>
+                        </a:schemeClr>
+                      </a:solidFill>
+                    </a:tcPr>
+                  </a:tc>
+                </a:tr>
+                <a:tr h="139700">
+                  <a:tc>
+                    <a:txBody>
+                      <a:bodyPr/>
+                      <a:lstStyle/>
+                      <a:p>
+                        <a:pPr algn="ctr" defTabSz="914400">
+                          <a:spcBef>
+                            <a:spcPts val="0"/>
+                          </a:spcBef>
+                          <a:defRPr sz="1800"/>
+                        </a:pPr>
+                        <a:r>
+                          <a:rPr sz="800">
+                            <a:latin typeface="Helvetica"/>
+                            <a:ea typeface="Helvetica"/>
+                            <a:cs typeface="Helvetica"/>
+                            <a:sym typeface="Helvetica"/>
+                          </a:rPr>
+                          <a:t>B</a:t>
+                        </a:r>
+                      </a:p>
+                    </a:txBody>
+                    <a:tcPr marL="0" marR="0" marT="0" marB="0" anchor="ctr" anchorCtr="0" horzOverflow="overflow"/>
+                  </a:tc>
+                  <a:tc>
+                    <a:txBody>
+                      <a:bodyPr/>
+                      <a:lstStyle/>
+                      <a:p>
+                        <a:pPr algn="ctr" defTabSz="914400">
+                          <a:spcBef>
+                            <a:spcPts val="0"/>
+                          </a:spcBef>
+                          <a:defRPr sz="1800"/>
+                        </a:pPr>
+                        <a:r>
+                          <a:rPr sz="800">
+                            <a:solidFill>
+                              <a:srgbClr val="FFFFFF"/>
+                            </a:solidFill>
+                            <a:latin typeface="Helvetica"/>
+                            <a:ea typeface="Helvetica"/>
+                            <a:cs typeface="Helvetica"/>
+                            <a:sym typeface="Helvetica"/>
+                          </a:rPr>
+                          <a:t>2000</a:t>
+                        </a:r>
+                      </a:p>
+                    </a:txBody>
+                    <a:tcPr marL="0" marR="0" marT="0" marB="0" anchor="ctr" anchorCtr="0" horzOverflow="overflow">
+                      <a:solidFill>
+                        <a:schemeClr val="accent1">
+                          <a:hueOff val="47394"/>
+                          <a:satOff val="-25753"/>
+                          <a:lumOff val="-7544"/>
+                        </a:schemeClr>
+                      </a:solidFill>
+                    </a:tcPr>
+                  </a:tc>
+                  <a:tc>
+                    <a:txBody>
+                      <a:bodyPr/>
+                      <a:lstStyle/>
+                      <a:p>
+                        <a:pPr algn="ctr" defTabSz="914400">
+                          <a:spcBef>
+                            <a:spcPts val="0"/>
+                          </a:spcBef>
+                          <a:defRPr sz="1800"/>
+                        </a:pPr>
+                        <a:r>
+                          <a:rPr sz="800">
+                            <a:latin typeface="Helvetica"/>
+                            <a:ea typeface="Helvetica"/>
+                            <a:cs typeface="Helvetica"/>
+                            <a:sym typeface="Helvetica"/>
+                          </a:rPr>
+                          <a:t>80K</a:t>
+                        </a:r>
+                      </a:p>
+                    </a:txBody>
+                    <a:tcPr marL="0" marR="0" marT="0" marB="0" anchor="ctr" anchorCtr="0" horzOverflow="overflow">
+                      <a:solidFill>
+                        <a:schemeClr val="accent4">
+                          <a:hueOff val="-48331"/>
+                          <a:satOff val="1035"/>
+                          <a:lumOff val="-13785"/>
+                        </a:schemeClr>
+                      </a:solidFill>
+                    </a:tcPr>
+                  </a:tc>
+                </a:tr>
+                <a:tr h="139700">
+                  <a:tc>
+                    <a:txBody>
+                      <a:bodyPr/>
+                      <a:lstStyle/>
+                      <a:p>
+                        <a:pPr algn="ctr" defTabSz="914400">
+                          <a:spcBef>
+                            <a:spcPts val="0"/>
+                          </a:spcBef>
+                          <a:defRPr sz="1800"/>
+                        </a:pPr>
+                        <a:r>
+                          <a:rPr sz="800">
+                            <a:latin typeface="Helvetica"/>
+                            <a:ea typeface="Helvetica"/>
+                            <a:cs typeface="Helvetica"/>
+                            <a:sym typeface="Helvetica"/>
+                          </a:rPr>
+                          <a:t>C</a:t>
+                        </a:r>
+                      </a:p>
+                    </a:txBody>
+                    <a:tcPr marL="0" marR="0" marT="0" marB="0" anchor="ctr" anchorCtr="0" horzOverflow="overflow"/>
+                  </a:tc>
+                  <a:tc>
+                    <a:txBody>
+                      <a:bodyPr/>
+                      <a:lstStyle/>
+                      <a:p>
+                        <a:pPr algn="ctr" defTabSz="914400">
+                          <a:spcBef>
+                            <a:spcPts val="0"/>
+                          </a:spcBef>
+                          <a:defRPr sz="1800"/>
+                        </a:pPr>
+                        <a:r>
+                          <a:rPr sz="800">
+                            <a:solidFill>
+                              <a:srgbClr val="FFFFFF"/>
+                            </a:solidFill>
+                            <a:latin typeface="Helvetica"/>
+                            <a:ea typeface="Helvetica"/>
+                            <a:cs typeface="Helvetica"/>
+                            <a:sym typeface="Helvetica"/>
+                          </a:rPr>
+                          <a:t>2000</a:t>
+                        </a:r>
+                      </a:p>
+                    </a:txBody>
+                    <a:tcPr marL="0" marR="0" marT="0" marB="0" anchor="ctr" anchorCtr="0" horzOverflow="overflow">
+                      <a:solidFill>
+                        <a:schemeClr val="accent1">
+                          <a:hueOff val="47394"/>
+                          <a:satOff val="-25753"/>
+                          <a:lumOff val="-7544"/>
+                        </a:schemeClr>
+                      </a:solidFill>
+                    </a:tcPr>
+                  </a:tc>
+                  <a:tc>
+                    <a:txBody>
+                      <a:bodyPr/>
+                      <a:lstStyle/>
+                      <a:p>
+                        <a:pPr algn="ctr" defTabSz="914400">
+                          <a:spcBef>
+                            <a:spcPts val="0"/>
+                          </a:spcBef>
+                          <a:defRPr sz="1800"/>
+                        </a:pPr>
+                        <a:r>
+                          <a:rPr sz="800">
+                            <a:latin typeface="Helvetica"/>
+                            <a:ea typeface="Helvetica"/>
+                            <a:cs typeface="Helvetica"/>
+                            <a:sym typeface="Helvetica"/>
+                          </a:rPr>
+                          <a:t>213K</a:t>
+                        </a:r>
+                      </a:p>
+                    </a:txBody>
+                    <a:tcPr marL="0" marR="0" marT="0" marB="0" anchor="ctr" anchorCtr="0" horzOverflow="overflow">
+                      <a:solidFill>
+                        <a:schemeClr val="accent4">
+                          <a:hueOff val="-48331"/>
+                          <a:satOff val="1035"/>
+                          <a:lumOff val="-13785"/>
+                        </a:schemeClr>
+                      </a:solidFill>
+                    </a:tcPr>
+                  </a:tc>
+                </a:tr>
+              </a:tbl>
+            </a:graphicData>
+          </a:graphic>
+        </p:graphicFrame>
       </p:grpSp>
       <p:sp>
         <p:nvSpPr>
-          <p:cNvPr id="269" name="unite(data, col, ..., sep = &quot;_&quot;, remove = TRUE)…"/>
+          <p:cNvPr id="256" name="unite(data, col, ..., sep = &quot;_&quot;, remove = TRUE)…"/>
           <p:cNvSpPr txBox="1"/>
           <p:nvPr/>
         </p:nvSpPr>
@@ -17359,7 +14483,7 @@
       </p:sp>
       <p:sp>
         <p:nvSpPr>
-          <p:cNvPr id="270" name="drop_na(data, ...)…"/>
+          <p:cNvPr id="257" name="drop_na(data, ...)…"/>
           <p:cNvSpPr txBox="1"/>
           <p:nvPr/>
         </p:nvSpPr>
@@ -17432,7 +14556,7 @@
       </p:sp>
       <p:sp>
         <p:nvSpPr>
-          <p:cNvPr id="271" name="fill(data, ..., .direction = c(&quot;down&quot;, &quot;up&quot;))…"/>
+          <p:cNvPr id="258" name="fill(data, ..., .direction = c(&quot;down&quot;, &quot;up&quot;))…"/>
           <p:cNvSpPr txBox="1"/>
           <p:nvPr/>
         </p:nvSpPr>
@@ -17499,7 +14623,7 @@
       </p:sp>
       <p:sp>
         <p:nvSpPr>
-          <p:cNvPr id="272" name="replace_na(data,…"/>
+          <p:cNvPr id="259" name="replace_na(data,…"/>
           <p:cNvSpPr txBox="1"/>
           <p:nvPr/>
         </p:nvSpPr>
@@ -17586,7 +14710,7 @@
       </p:sp>
       <p:sp>
         <p:nvSpPr>
-          <p:cNvPr id="273" name="Use these functions to split or combine cells into individual, isolated values."/>
+          <p:cNvPr id="260" name="Use these functions to split or combine cells into individual, isolated values."/>
           <p:cNvSpPr txBox="1"/>
           <p:nvPr/>
         </p:nvSpPr>
@@ -17636,7 +14760,7 @@
       </p:sp>
       <p:grpSp>
         <p:nvGrpSpPr>
-          <p:cNvPr id="278" name="Group"/>
+          <p:cNvPr id="265" name="Group"/>
           <p:cNvGrpSpPr/>
           <p:nvPr/>
         </p:nvGrpSpPr>
@@ -17650,7 +14774,7 @@
         </p:grpSpPr>
         <p:graphicFrame>
           <p:nvGraphicFramePr>
-            <p:cNvPr id="274" name="Table"/>
+            <p:cNvPr id="261" name="Table"/>
             <p:cNvGraphicFramePr/>
             <p:nvPr/>
           </p:nvGraphicFramePr>
@@ -18388,7 +15512,7 @@
         </p:graphicFrame>
         <p:graphicFrame>
           <p:nvGraphicFramePr>
-            <p:cNvPr id="275" name="Table"/>
+            <p:cNvPr id="262" name="Table"/>
             <p:cNvGraphicFramePr/>
             <p:nvPr/>
           </p:nvGraphicFramePr>
@@ -19242,7 +16366,7 @@
         </p:graphicFrame>
         <p:sp>
           <p:nvSpPr>
-            <p:cNvPr id="276" name="Line"/>
+            <p:cNvPr id="263" name="Line"/>
             <p:cNvSpPr/>
             <p:nvPr/>
           </p:nvSpPr>
@@ -19300,7 +16424,7 @@
         </p:sp>
         <p:sp>
           <p:nvSpPr>
-            <p:cNvPr id="277" name="table3"/>
+            <p:cNvPr id="264" name="table3"/>
             <p:cNvSpPr txBox="1"/>
             <p:nvPr/>
           </p:nvSpPr>
@@ -19351,7 +16475,7 @@
       </p:grpSp>
       <p:sp>
         <p:nvSpPr>
-          <p:cNvPr id="279" name="separate(data, col, into,  sep = &quot;[^[:alnum:]]+&quot;, remove = TRUE, convert = FALSE,…"/>
+          <p:cNvPr id="266" name="separate(data, col, into,  sep = &quot;[^[:alnum:]]+&quot;, remove = TRUE, convert = FALSE,…"/>
           <p:cNvSpPr txBox="1"/>
           <p:nvPr/>
         </p:nvSpPr>
@@ -19444,7 +16568,7 @@
       </p:sp>
       <p:grpSp>
         <p:nvGrpSpPr>
-          <p:cNvPr id="284" name="Group"/>
+          <p:cNvPr id="271" name="Group"/>
           <p:cNvGrpSpPr/>
           <p:nvPr/>
         </p:nvGrpSpPr>
@@ -19458,7 +16582,7 @@
         </p:grpSpPr>
         <p:graphicFrame>
           <p:nvGraphicFramePr>
-            <p:cNvPr id="280" name="Table"/>
+            <p:cNvPr id="267" name="Table"/>
             <p:cNvGraphicFramePr/>
             <p:nvPr/>
           </p:nvGraphicFramePr>
@@ -20132,7 +17256,7 @@
         </p:graphicFrame>
         <p:graphicFrame>
           <p:nvGraphicFramePr>
-            <p:cNvPr id="281" name="Table"/>
+            <p:cNvPr id="268" name="Table"/>
             <p:cNvGraphicFramePr/>
             <p:nvPr/>
           </p:nvGraphicFramePr>
@@ -20658,7 +17782,7 @@
         </p:graphicFrame>
         <p:sp>
           <p:nvSpPr>
-            <p:cNvPr id="282" name="Line"/>
+            <p:cNvPr id="269" name="Line"/>
             <p:cNvSpPr/>
             <p:nvPr/>
           </p:nvSpPr>
@@ -20716,7 +17840,7 @@
         </p:sp>
         <p:sp>
           <p:nvSpPr>
-            <p:cNvPr id="283" name="table5"/>
+            <p:cNvPr id="270" name="table5"/>
             <p:cNvSpPr txBox="1"/>
             <p:nvPr/>
           </p:nvSpPr>
@@ -20767,7 +17891,7 @@
       </p:grpSp>
       <p:sp>
         <p:nvSpPr>
-          <p:cNvPr id="285" name="separate(table3, rate, sep = &quot;/&quot;,…"/>
+          <p:cNvPr id="272" name="separate(table3, rate, sep = &quot;/&quot;,…"/>
           <p:cNvSpPr txBox="1"/>
           <p:nvPr/>
         </p:nvSpPr>
@@ -20841,13 +17965,13 @@
       </p:sp>
       <p:sp>
         <p:nvSpPr>
-          <p:cNvPr id="286" name="separate_rows(table3, rate, sep = &quot;/&quot;)"/>
+          <p:cNvPr id="273" name="separate_rows(table3, rate, sep = &quot;/&quot;)"/>
           <p:cNvSpPr txBox="1"/>
           <p:nvPr/>
         </p:nvSpPr>
         <p:spPr>
           <a:xfrm>
-            <a:off x="10780183" y="7560553"/>
+            <a:off x="10780183" y="7560554"/>
             <a:ext cx="2638416" cy="409405"/>
           </a:xfrm>
           <a:prstGeom prst="rect">
@@ -20895,7 +18019,7 @@
       </p:sp>
       <p:sp>
         <p:nvSpPr>
-          <p:cNvPr id="287" name="unite(table5, century, year,…"/>
+          <p:cNvPr id="274" name="unite(table5, century, year,…"/>
           <p:cNvSpPr txBox="1"/>
           <p:nvPr/>
         </p:nvSpPr>
@@ -20969,7 +18093,7 @@
       </p:sp>
       <p:grpSp>
         <p:nvGrpSpPr>
-          <p:cNvPr id="292" name="Group"/>
+          <p:cNvPr id="279" name="Group"/>
           <p:cNvGrpSpPr/>
           <p:nvPr/>
         </p:nvGrpSpPr>
@@ -20983,7 +18107,7 @@
         </p:grpSpPr>
         <p:graphicFrame>
           <p:nvGraphicFramePr>
-            <p:cNvPr id="288" name="Table"/>
+            <p:cNvPr id="275" name="Table"/>
             <p:cNvGraphicFramePr/>
             <p:nvPr/>
           </p:nvGraphicFramePr>
@@ -21340,7 +18464,7 @@
         </p:graphicFrame>
         <p:graphicFrame>
           <p:nvGraphicFramePr>
-            <p:cNvPr id="289" name="Table"/>
+            <p:cNvPr id="276" name="Table"/>
             <p:cNvGraphicFramePr/>
             <p:nvPr/>
           </p:nvGraphicFramePr>
@@ -21532,7 +18656,7 @@
         </p:graphicFrame>
         <p:sp>
           <p:nvSpPr>
-            <p:cNvPr id="290" name="Line"/>
+            <p:cNvPr id="277" name="Line"/>
             <p:cNvSpPr/>
             <p:nvPr/>
           </p:nvSpPr>
@@ -21590,7 +18714,7 @@
         </p:sp>
         <p:sp>
           <p:nvSpPr>
-            <p:cNvPr id="291" name="x"/>
+            <p:cNvPr id="278" name="x"/>
             <p:cNvSpPr txBox="1"/>
             <p:nvPr/>
           </p:nvSpPr>
@@ -21641,7 +18765,7 @@
       </p:grpSp>
       <p:grpSp>
         <p:nvGrpSpPr>
-          <p:cNvPr id="297" name="Group"/>
+          <p:cNvPr id="284" name="Group"/>
           <p:cNvGrpSpPr/>
           <p:nvPr/>
         </p:nvGrpSpPr>
@@ -21655,7 +18779,7 @@
         </p:grpSpPr>
         <p:graphicFrame>
           <p:nvGraphicFramePr>
-            <p:cNvPr id="293" name="Table"/>
+            <p:cNvPr id="280" name="Table"/>
             <p:cNvGraphicFramePr/>
             <p:nvPr/>
           </p:nvGraphicFramePr>
@@ -22012,7 +19136,7 @@
         </p:graphicFrame>
         <p:graphicFrame>
           <p:nvGraphicFramePr>
-            <p:cNvPr id="294" name="Table"/>
+            <p:cNvPr id="281" name="Table"/>
             <p:cNvGraphicFramePr/>
             <p:nvPr/>
           </p:nvGraphicFramePr>
@@ -22378,7 +19502,7 @@
         </p:graphicFrame>
         <p:sp>
           <p:nvSpPr>
-            <p:cNvPr id="295" name="x"/>
+            <p:cNvPr id="282" name="x"/>
             <p:cNvSpPr txBox="1"/>
             <p:nvPr/>
           </p:nvSpPr>
@@ -22428,7 +19552,7 @@
         </p:sp>
         <p:sp>
           <p:nvSpPr>
-            <p:cNvPr id="296" name="Line"/>
+            <p:cNvPr id="283" name="Line"/>
             <p:cNvSpPr/>
             <p:nvPr/>
           </p:nvSpPr>
@@ -22487,7 +19611,7 @@
       </p:grpSp>
       <p:grpSp>
         <p:nvGrpSpPr>
-          <p:cNvPr id="302" name="Group"/>
+          <p:cNvPr id="289" name="Group"/>
           <p:cNvGrpSpPr/>
           <p:nvPr/>
         </p:nvGrpSpPr>
@@ -22501,7 +19625,7 @@
         </p:grpSpPr>
         <p:graphicFrame>
           <p:nvGraphicFramePr>
-            <p:cNvPr id="298" name="Table"/>
+            <p:cNvPr id="285" name="Table"/>
             <p:cNvGraphicFramePr/>
             <p:nvPr/>
           </p:nvGraphicFramePr>
@@ -22858,7 +19982,7 @@
         </p:graphicFrame>
         <p:graphicFrame>
           <p:nvGraphicFramePr>
-            <p:cNvPr id="299" name="Table"/>
+            <p:cNvPr id="286" name="Table"/>
             <p:cNvGraphicFramePr/>
             <p:nvPr/>
           </p:nvGraphicFramePr>
@@ -23224,7 +20348,7 @@
         </p:graphicFrame>
         <p:sp>
           <p:nvSpPr>
-            <p:cNvPr id="300" name="x"/>
+            <p:cNvPr id="287" name="x"/>
             <p:cNvSpPr txBox="1"/>
             <p:nvPr/>
           </p:nvSpPr>
@@ -23274,7 +20398,7 @@
         </p:sp>
         <p:sp>
           <p:nvSpPr>
-            <p:cNvPr id="301" name="Line"/>
+            <p:cNvPr id="288" name="Line"/>
             <p:cNvSpPr/>
             <p:nvPr/>
           </p:nvSpPr>
@@ -23333,7 +20457,7 @@
       </p:grpSp>
       <p:sp>
         <p:nvSpPr>
-          <p:cNvPr id="303" name="drop_na(x, x2)"/>
+          <p:cNvPr id="290" name="drop_na(x, x2)"/>
           <p:cNvSpPr txBox="1"/>
           <p:nvPr/>
         </p:nvSpPr>
@@ -23387,7 +20511,7 @@
       </p:sp>
       <p:sp>
         <p:nvSpPr>
-          <p:cNvPr id="304" name="fill(x, x2)"/>
+          <p:cNvPr id="291" name="fill(x, x2)"/>
           <p:cNvSpPr txBox="1"/>
           <p:nvPr/>
         </p:nvSpPr>
@@ -23441,7 +20565,7 @@
       </p:sp>
       <p:sp>
         <p:nvSpPr>
-          <p:cNvPr id="305" name="replace_na(x, list(x2 = 2))"/>
+          <p:cNvPr id="292" name="replace_na(x, list(x2 = 2))"/>
           <p:cNvSpPr txBox="1"/>
           <p:nvPr/>
         </p:nvSpPr>
@@ -23495,7 +20619,7 @@
       </p:sp>
       <p:grpSp>
         <p:nvGrpSpPr>
-          <p:cNvPr id="310" name="Group"/>
+          <p:cNvPr id="297" name="Group"/>
           <p:cNvGrpSpPr/>
           <p:nvPr/>
         </p:nvGrpSpPr>
@@ -23509,7 +20633,7 @@
         </p:grpSpPr>
         <p:graphicFrame>
           <p:nvGraphicFramePr>
-            <p:cNvPr id="306" name="Table"/>
+            <p:cNvPr id="293" name="Table"/>
             <p:cNvGraphicFramePr/>
             <p:nvPr/>
           </p:nvGraphicFramePr>
@@ -24619,7 +21743,7 @@
         </p:graphicFrame>
         <p:sp>
           <p:nvSpPr>
-            <p:cNvPr id="307" name="Line"/>
+            <p:cNvPr id="294" name="Line"/>
             <p:cNvSpPr/>
             <p:nvPr/>
           </p:nvSpPr>
@@ -24677,7 +21801,7 @@
         </p:sp>
         <p:sp>
           <p:nvSpPr>
-            <p:cNvPr id="308" name="table3"/>
+            <p:cNvPr id="295" name="table3"/>
             <p:cNvSpPr txBox="1"/>
             <p:nvPr/>
           </p:nvSpPr>
@@ -24727,7 +21851,7 @@
         </p:sp>
         <p:graphicFrame>
           <p:nvGraphicFramePr>
-            <p:cNvPr id="309" name="Table"/>
+            <p:cNvPr id="296" name="Table"/>
             <p:cNvGraphicFramePr/>
             <p:nvPr/>
           </p:nvGraphicFramePr>
@@ -25466,7 +22590,7 @@
       </p:grpSp>
       <p:sp>
         <p:nvSpPr>
-          <p:cNvPr id="311" name="Tidy data is a way to organize tabular data. It provides a consistent data structure across packages."/>
+          <p:cNvPr id="298" name="Tidy data is a way to organize tabular data. It provides a consistent data structure across packages."/>
           <p:cNvSpPr txBox="1"/>
           <p:nvPr/>
         </p:nvSpPr>
@@ -25539,7 +22663,7 @@
       </p:sp>
       <p:grpSp>
         <p:nvGrpSpPr>
-          <p:cNvPr id="320" name="Group"/>
+          <p:cNvPr id="307" name="Group"/>
           <p:cNvGrpSpPr/>
           <p:nvPr/>
         </p:nvGrpSpPr>
@@ -25553,7 +22677,7 @@
         </p:grpSpPr>
         <p:graphicFrame>
           <p:nvGraphicFramePr>
-            <p:cNvPr id="312" name="Table"/>
+            <p:cNvPr id="299" name="Table"/>
             <p:cNvGraphicFramePr/>
             <p:nvPr/>
           </p:nvGraphicFramePr>
@@ -25675,7 +22799,7 @@
         </p:graphicFrame>
         <p:graphicFrame>
           <p:nvGraphicFramePr>
-            <p:cNvPr id="313" name="Table"/>
+            <p:cNvPr id="300" name="Table"/>
             <p:cNvGraphicFramePr/>
             <p:nvPr/>
           </p:nvGraphicFramePr>
@@ -25797,7 +22921,7 @@
         </p:graphicFrame>
         <p:graphicFrame>
           <p:nvGraphicFramePr>
-            <p:cNvPr id="314" name="Table"/>
+            <p:cNvPr id="301" name="Table"/>
             <p:cNvGraphicFramePr/>
             <p:nvPr/>
           </p:nvGraphicFramePr>
@@ -25919,7 +23043,7 @@
         </p:graphicFrame>
         <p:sp>
           <p:nvSpPr>
-            <p:cNvPr id="315" name="A * B -&gt; C"/>
+            <p:cNvPr id="302" name="A * B -&gt; C"/>
             <p:cNvSpPr/>
             <p:nvPr/>
           </p:nvSpPr>
@@ -25990,10 +23114,10 @@
                   <a:solidFill>
                     <a:srgbClr val="000000"/>
                   </a:solidFill>
-                  <a:latin typeface="Menlo"/>
-                  <a:ea typeface="Menlo"/>
-                  <a:cs typeface="Menlo"/>
-                  <a:sym typeface="Menlo"/>
+                  <a:latin typeface="Menlo Regular"/>
+                  <a:ea typeface="Menlo Regular"/>
+                  <a:cs typeface="Menlo Regular"/>
+                  <a:sym typeface="Menlo Regular"/>
                 </a:defRPr>
               </a:lvl1pPr>
             </a:lstStyle>
@@ -26007,7 +23131,7 @@
         </p:sp>
         <p:sp>
           <p:nvSpPr>
-            <p:cNvPr id="316" name="*"/>
+            <p:cNvPr id="303" name="*"/>
             <p:cNvSpPr/>
             <p:nvPr/>
           </p:nvSpPr>
@@ -26044,10 +23168,10 @@
                   <a:solidFill>
                     <a:srgbClr val="000000"/>
                   </a:solidFill>
-                  <a:latin typeface="Menlo"/>
-                  <a:ea typeface="Menlo"/>
-                  <a:cs typeface="Menlo"/>
-                  <a:sym typeface="Menlo"/>
+                  <a:latin typeface="Menlo Regular"/>
+                  <a:ea typeface="Menlo Regular"/>
+                  <a:cs typeface="Menlo Regular"/>
+                  <a:sym typeface="Menlo Regular"/>
                 </a:defRPr>
               </a:lvl1pPr>
             </a:lstStyle>
@@ -26061,7 +23185,7 @@
         </p:sp>
         <p:sp>
           <p:nvSpPr>
-            <p:cNvPr id="317" name="Arrow"/>
+            <p:cNvPr id="304" name="Arrow"/>
             <p:cNvSpPr/>
             <p:nvPr/>
           </p:nvSpPr>
@@ -26123,7 +23247,7 @@
         </p:sp>
         <p:sp>
           <p:nvSpPr>
-            <p:cNvPr id="318" name="Arrow"/>
+            <p:cNvPr id="305" name="Arrow"/>
             <p:cNvSpPr/>
             <p:nvPr/>
           </p:nvSpPr>
@@ -26185,7 +23309,7 @@
         </p:sp>
         <p:sp>
           <p:nvSpPr>
-            <p:cNvPr id="319" name="Arrow"/>
+            <p:cNvPr id="306" name="Arrow"/>
             <p:cNvSpPr/>
             <p:nvPr/>
           </p:nvSpPr>
@@ -26248,7 +23372,7 @@
       </p:grpSp>
       <p:grpSp>
         <p:nvGrpSpPr>
-          <p:cNvPr id="327" name="Group"/>
+          <p:cNvPr id="314" name="Group"/>
           <p:cNvGrpSpPr/>
           <p:nvPr/>
         </p:nvGrpSpPr>
@@ -26262,7 +23386,7 @@
         </p:grpSpPr>
         <p:grpSp>
           <p:nvGrpSpPr>
-            <p:cNvPr id="323" name="Group"/>
+            <p:cNvPr id="310" name="Group"/>
             <p:cNvGrpSpPr/>
             <p:nvPr/>
           </p:nvGrpSpPr>
@@ -26276,7 +23400,7 @@
           </p:grpSpPr>
           <p:sp>
             <p:nvSpPr>
-              <p:cNvPr id="321" name="Square"/>
+              <p:cNvPr id="308" name="Square"/>
               <p:cNvSpPr/>
               <p:nvPr/>
             </p:nvSpPr>
@@ -26334,7 +23458,7 @@
           </p:sp>
           <p:graphicFrame>
             <p:nvGraphicFramePr>
-              <p:cNvPr id="322" name="Table"/>
+              <p:cNvPr id="309" name="Table"/>
               <p:cNvGraphicFramePr/>
               <p:nvPr/>
             </p:nvGraphicFramePr>
@@ -26641,7 +23765,7 @@
         </p:grpSp>
         <p:sp>
           <p:nvSpPr>
-            <p:cNvPr id="324" name="Rounded Rectangle"/>
+            <p:cNvPr id="311" name="Rounded Rectangle"/>
             <p:cNvSpPr/>
             <p:nvPr/>
           </p:nvSpPr>
@@ -26689,7 +23813,7 @@
         </p:sp>
         <p:sp>
           <p:nvSpPr>
-            <p:cNvPr id="325" name="Rounded Rectangle"/>
+            <p:cNvPr id="312" name="Rounded Rectangle"/>
             <p:cNvSpPr/>
             <p:nvPr/>
           </p:nvSpPr>
@@ -26737,7 +23861,7 @@
         </p:sp>
         <p:sp>
           <p:nvSpPr>
-            <p:cNvPr id="326" name="Rounded Rectangle"/>
+            <p:cNvPr id="313" name="Rounded Rectangle"/>
             <p:cNvSpPr/>
             <p:nvPr/>
           </p:nvSpPr>
@@ -26786,7 +23910,7 @@
       </p:grpSp>
       <p:sp>
         <p:nvSpPr>
-          <p:cNvPr id="328" name="Each observation, or case,  is in its own row"/>
+          <p:cNvPr id="315" name="Each observation, or case,  is in its own row"/>
           <p:cNvSpPr txBox="1"/>
           <p:nvPr/>
         </p:nvSpPr>
@@ -26855,7 +23979,7 @@
       </p:sp>
       <p:grpSp>
         <p:nvGrpSpPr>
-          <p:cNvPr id="334" name="Group"/>
+          <p:cNvPr id="321" name="Group"/>
           <p:cNvGrpSpPr/>
           <p:nvPr/>
         </p:nvGrpSpPr>
@@ -26869,7 +23993,7 @@
         </p:grpSpPr>
         <p:sp>
           <p:nvSpPr>
-            <p:cNvPr id="329" name="Square"/>
+            <p:cNvPr id="316" name="Square"/>
             <p:cNvSpPr/>
             <p:nvPr/>
           </p:nvSpPr>
@@ -26927,7 +24051,7 @@
         </p:sp>
         <p:graphicFrame>
           <p:nvGraphicFramePr>
-            <p:cNvPr id="330" name="Table"/>
+            <p:cNvPr id="317" name="Table"/>
             <p:cNvGraphicFramePr/>
             <p:nvPr/>
           </p:nvGraphicFramePr>
@@ -27233,7 +24357,7 @@
         </p:graphicFrame>
         <p:sp>
           <p:nvSpPr>
-            <p:cNvPr id="331" name="Line"/>
+            <p:cNvPr id="318" name="Line"/>
             <p:cNvSpPr/>
             <p:nvPr/>
           </p:nvSpPr>
@@ -27292,7 +24416,7 @@
         </p:sp>
         <p:sp>
           <p:nvSpPr>
-            <p:cNvPr id="332" name="Line"/>
+            <p:cNvPr id="319" name="Line"/>
             <p:cNvSpPr/>
             <p:nvPr/>
           </p:nvSpPr>
@@ -27351,7 +24475,7 @@
         </p:sp>
         <p:sp>
           <p:nvSpPr>
-            <p:cNvPr id="333" name="Line"/>
+            <p:cNvPr id="320" name="Line"/>
             <p:cNvSpPr/>
             <p:nvPr/>
           </p:nvSpPr>
@@ -27411,7 +24535,7 @@
       </p:grpSp>
       <p:sp>
         <p:nvSpPr>
-          <p:cNvPr id="335" name="Each variable is in its own column"/>
+          <p:cNvPr id="322" name="Each variable is in its own column"/>
           <p:cNvSpPr txBox="1"/>
           <p:nvPr/>
         </p:nvSpPr>
@@ -27473,7 +24597,7 @@
       </p:sp>
       <p:grpSp>
         <p:nvGrpSpPr>
-          <p:cNvPr id="341" name="Group"/>
+          <p:cNvPr id="328" name="Group"/>
           <p:cNvGrpSpPr/>
           <p:nvPr/>
         </p:nvGrpSpPr>
@@ -27487,7 +24611,7 @@
         </p:grpSpPr>
         <p:sp>
           <p:nvSpPr>
-            <p:cNvPr id="336" name="Square"/>
+            <p:cNvPr id="323" name="Square"/>
             <p:cNvSpPr/>
             <p:nvPr/>
           </p:nvSpPr>
@@ -27545,7 +24669,7 @@
         </p:sp>
         <p:graphicFrame>
           <p:nvGraphicFramePr>
-            <p:cNvPr id="337" name="Table"/>
+            <p:cNvPr id="324" name="Table"/>
             <p:cNvGraphicFramePr/>
             <p:nvPr/>
           </p:nvGraphicFramePr>
@@ -27851,7 +24975,7 @@
         </p:graphicFrame>
         <p:sp>
           <p:nvSpPr>
-            <p:cNvPr id="338" name="Line"/>
+            <p:cNvPr id="325" name="Line"/>
             <p:cNvSpPr/>
             <p:nvPr/>
           </p:nvSpPr>
@@ -27900,7 +25024,7 @@
         </p:sp>
         <p:sp>
           <p:nvSpPr>
-            <p:cNvPr id="339" name="Line"/>
+            <p:cNvPr id="326" name="Line"/>
             <p:cNvSpPr/>
             <p:nvPr/>
           </p:nvSpPr>
@@ -27949,7 +25073,7 @@
         </p:sp>
         <p:sp>
           <p:nvSpPr>
-            <p:cNvPr id="340" name="Line"/>
+            <p:cNvPr id="327" name="Line"/>
             <p:cNvSpPr/>
             <p:nvPr/>
           </p:nvSpPr>
@@ -27999,7 +25123,7 @@
       </p:grpSp>
       <p:sp>
         <p:nvSpPr>
-          <p:cNvPr id="342" name="&amp;"/>
+          <p:cNvPr id="329" name="&amp;"/>
           <p:cNvSpPr txBox="1"/>
           <p:nvPr/>
         </p:nvSpPr>
@@ -28054,7 +25178,7 @@
       </p:sp>
       <p:sp>
         <p:nvSpPr>
-          <p:cNvPr id="343" name="A table is tidy if:"/>
+          <p:cNvPr id="330" name="A table is tidy if:"/>
           <p:cNvSpPr txBox="1"/>
           <p:nvPr/>
         </p:nvSpPr>
@@ -28120,7 +25244,7 @@
       </p:sp>
       <p:sp>
         <p:nvSpPr>
-          <p:cNvPr id="344" name="Tidy data:"/>
+          <p:cNvPr id="331" name="Tidy data:"/>
           <p:cNvSpPr txBox="1"/>
           <p:nvPr/>
         </p:nvSpPr>
@@ -28186,7 +25310,7 @@
       </p:sp>
       <p:sp>
         <p:nvSpPr>
-          <p:cNvPr id="345" name="Makes variables easy to access as vectors"/>
+          <p:cNvPr id="332" name="Makes variables easy to access as vectors"/>
           <p:cNvSpPr txBox="1"/>
           <p:nvPr/>
         </p:nvSpPr>
@@ -28237,7 +25361,7 @@
       </p:sp>
       <p:sp>
         <p:nvSpPr>
-          <p:cNvPr id="346" name="Preserves cases during vectorized operations"/>
+          <p:cNvPr id="333" name="Preserves cases during vectorized operations"/>
           <p:cNvSpPr txBox="1"/>
           <p:nvPr/>
         </p:nvSpPr>
@@ -28288,7 +25412,7 @@
       </p:sp>
       <p:sp>
         <p:nvSpPr>
-          <p:cNvPr id="347" name="Rounded Rectangle"/>
+          <p:cNvPr id="334" name="Rounded Rectangle"/>
           <p:cNvSpPr/>
           <p:nvPr/>
         </p:nvSpPr>
@@ -28321,10 +25445,10 @@
                 <a:solidFill>
                   <a:srgbClr val="000000"/>
                 </a:solidFill>
-                <a:latin typeface="Menlo"/>
-                <a:ea typeface="Menlo"/>
-                <a:cs typeface="Menlo"/>
-                <a:sym typeface="Menlo"/>
+                <a:latin typeface="Menlo Regular"/>
+                <a:ea typeface="Menlo Regular"/>
+                <a:cs typeface="Menlo Regular"/>
+                <a:sym typeface="Menlo Regular"/>
               </a:defRPr>
             </a:pPr>
           </a:p>
@@ -28332,7 +25456,7 @@
       </p:sp>
       <p:sp>
         <p:nvSpPr>
-          <p:cNvPr id="348" name="complete(data, ..., fill = list())…"/>
+          <p:cNvPr id="335" name="complete(data, ..., fill = list())…"/>
           <p:cNvSpPr txBox="1"/>
           <p:nvPr/>
         </p:nvSpPr>
@@ -28438,7 +25562,7 @@
       </p:sp>
       <p:sp>
         <p:nvSpPr>
-          <p:cNvPr id="349" name="expand(data, ...)…"/>
+          <p:cNvPr id="336" name="expand(data, ...)…"/>
           <p:cNvSpPr txBox="1"/>
           <p:nvPr/>
         </p:nvSpPr>
@@ -28556,7 +25680,7 @@
       </p:sp>
       <p:sp>
         <p:nvSpPr>
-          <p:cNvPr id="350" name="The tibble package provides a new…"/>
+          <p:cNvPr id="337" name="The tibble package provides a new…"/>
           <p:cNvSpPr txBox="1"/>
           <p:nvPr/>
         </p:nvSpPr>
@@ -28809,7 +25933,7 @@
       </p:sp>
       <p:sp>
         <p:nvSpPr>
-          <p:cNvPr id="351" name="RStudio® is a trademark of RStudio, Inc.  •  CC BY SA  RStudio •  info@rstudio.com  •  844-448-1212 • rstudio.com •  Learn more at tidyverse.org  •  readr  1.1.0 •  tibble  1.2.12 •  tidyr  0.6.0 •  Updated: 2019–08"/>
+          <p:cNvPr id="338" name="RStudio® is a trademark of RStudio, Inc.  •  CC BY SA  RStudio •  info@rstudio.com  •  844-448-1212 • rstudio.com •  Learn more at tidyverse.org  •  readr  1.1.0 •  tibble  1.2.12 •  tidyr  0.6.0 •  Updated: 2021–03"/>
           <p:cNvSpPr txBox="1"/>
           <p:nvPr/>
         </p:nvSpPr>
@@ -28890,14 +26014,14 @@
               <a:t> </a:t>
             </a:r>
             <a:r>
-              <a:t> •  readr  1.1.0 •  tibble  1.2.12 •  tidyr  0.6.0 •  Updated: 2019–08</a:t>
+              <a:t> •  readr  1.1.0 •  tibble  1.2.12 •  tidyr  0.6.0 •  Updated: 2021–03</a:t>
             </a:r>
           </a:p>
         </p:txBody>
       </p:sp>
       <p:sp>
         <p:nvSpPr>
-          <p:cNvPr id="352" name="Line"/>
+          <p:cNvPr id="339" name="Line"/>
           <p:cNvSpPr/>
           <p:nvPr/>
         </p:nvSpPr>
@@ -28938,7 +26062,7 @@
       </p:sp>
       <p:sp>
         <p:nvSpPr>
-          <p:cNvPr id="353" name="Line"/>
+          <p:cNvPr id="340" name="Line"/>
           <p:cNvSpPr/>
           <p:nvPr/>
         </p:nvSpPr>
@@ -28979,7 +26103,7 @@
       </p:sp>
       <p:sp>
         <p:nvSpPr>
-          <p:cNvPr id="354" name="Tibbles - an enhanced data frame"/>
+          <p:cNvPr id="341" name="Tibbles - an enhanced data frame"/>
           <p:cNvSpPr txBox="1"/>
           <p:nvPr/>
         </p:nvSpPr>
@@ -29035,7 +26159,7 @@
       </p:sp>
       <p:sp>
         <p:nvSpPr>
-          <p:cNvPr id="355" name="Split Cells"/>
+          <p:cNvPr id="342" name="Split Cells"/>
           <p:cNvSpPr txBox="1"/>
           <p:nvPr/>
         </p:nvSpPr>
@@ -29087,7 +26211,7 @@
       </p:sp>
       <p:sp>
         <p:nvSpPr>
-          <p:cNvPr id="356" name="Line"/>
+          <p:cNvPr id="343" name="Line"/>
           <p:cNvSpPr/>
           <p:nvPr/>
         </p:nvSpPr>
@@ -29128,7 +26252,7 @@
       </p:sp>
       <p:sp>
         <p:nvSpPr>
-          <p:cNvPr id="357" name="Control the default appearance with options:…"/>
+          <p:cNvPr id="344" name="Control the default appearance with options:…"/>
           <p:cNvSpPr txBox="1"/>
           <p:nvPr/>
         </p:nvSpPr>
@@ -29281,7 +26405,7 @@
       </p:sp>
       <p:sp>
         <p:nvSpPr>
-          <p:cNvPr id="358" name="data frame display"/>
+          <p:cNvPr id="345" name="data frame display"/>
           <p:cNvSpPr txBox="1"/>
           <p:nvPr/>
         </p:nvSpPr>
@@ -29334,7 +26458,7 @@
       </p:sp>
       <p:sp>
         <p:nvSpPr>
-          <p:cNvPr id="359" name="tibble display"/>
+          <p:cNvPr id="346" name="tibble display"/>
           <p:cNvSpPr txBox="1"/>
           <p:nvPr/>
         </p:nvSpPr>
@@ -29390,7 +26514,7 @@
       </p:sp>
       <p:grpSp>
         <p:nvGrpSpPr>
-          <p:cNvPr id="364" name="Group"/>
+          <p:cNvPr id="351" name="Group"/>
           <p:cNvGrpSpPr/>
           <p:nvPr/>
         </p:nvGrpSpPr>
@@ -29404,7 +26528,7 @@
         </p:grpSpPr>
         <p:sp>
           <p:nvSpPr>
-            <p:cNvPr id="360" name="Rounded Rectangle"/>
+            <p:cNvPr id="347" name="Rounded Rectangle"/>
             <p:cNvSpPr/>
             <p:nvPr/>
           </p:nvSpPr>
@@ -29454,7 +26578,7 @@
         </p:sp>
         <p:sp>
           <p:nvSpPr>
-            <p:cNvPr id="361" name="tibble(…)…"/>
+            <p:cNvPr id="348" name="tibble(…)…"/>
             <p:cNvSpPr txBox="1"/>
             <p:nvPr/>
           </p:nvSpPr>
@@ -29737,7 +26861,7 @@
         </p:sp>
         <p:sp>
           <p:nvSpPr>
-            <p:cNvPr id="362" name="A tibble: 3 × 2…"/>
+            <p:cNvPr id="349" name="A tibble: 3 × 2…"/>
             <p:cNvSpPr/>
             <p:nvPr/>
           </p:nvSpPr>
@@ -29787,10 +26911,10 @@
                       <a:lumOff val="-7544"/>
                     </a:schemeClr>
                   </a:solidFill>
-                  <a:latin typeface="Menlo"/>
-                  <a:ea typeface="Menlo"/>
-                  <a:cs typeface="Menlo"/>
-                  <a:sym typeface="Menlo"/>
+                  <a:latin typeface="Menlo Regular"/>
+                  <a:ea typeface="Menlo Regular"/>
+                  <a:cs typeface="Menlo Regular"/>
+                  <a:sym typeface="Menlo Regular"/>
                 </a:defRPr>
               </a:pPr>
               <a:r>
@@ -29813,10 +26937,10 @@
                       <a:lumOff val="-7544"/>
                     </a:schemeClr>
                   </a:solidFill>
-                  <a:latin typeface="Menlo"/>
-                  <a:ea typeface="Menlo"/>
-                  <a:cs typeface="Menlo"/>
-                  <a:sym typeface="Menlo"/>
+                  <a:latin typeface="Menlo Regular"/>
+                  <a:ea typeface="Menlo Regular"/>
+                  <a:cs typeface="Menlo Regular"/>
+                  <a:sym typeface="Menlo Regular"/>
                 </a:defRPr>
               </a:pPr>
               <a:r>
@@ -29839,10 +26963,10 @@
                       <a:lumOff val="-7544"/>
                     </a:schemeClr>
                   </a:solidFill>
-                  <a:latin typeface="Menlo"/>
-                  <a:ea typeface="Menlo"/>
-                  <a:cs typeface="Menlo"/>
-                  <a:sym typeface="Menlo"/>
+                  <a:latin typeface="Menlo Regular"/>
+                  <a:ea typeface="Menlo Regular"/>
+                  <a:cs typeface="Menlo Regular"/>
+                  <a:sym typeface="Menlo Regular"/>
                 </a:defRPr>
               </a:pPr>
               <a:r>
@@ -29865,10 +26989,10 @@
                       <a:lumOff val="-7544"/>
                     </a:schemeClr>
                   </a:solidFill>
-                  <a:latin typeface="Menlo"/>
-                  <a:ea typeface="Menlo"/>
-                  <a:cs typeface="Menlo"/>
-                  <a:sym typeface="Menlo"/>
+                  <a:latin typeface="Menlo Regular"/>
+                  <a:ea typeface="Menlo Regular"/>
+                  <a:cs typeface="Menlo Regular"/>
+                  <a:sym typeface="Menlo Regular"/>
                 </a:defRPr>
               </a:pPr>
               <a:r>
@@ -29891,10 +27015,10 @@
                       <a:lumOff val="-7544"/>
                     </a:schemeClr>
                   </a:solidFill>
-                  <a:latin typeface="Menlo"/>
-                  <a:ea typeface="Menlo"/>
-                  <a:cs typeface="Menlo"/>
-                  <a:sym typeface="Menlo"/>
+                  <a:latin typeface="Menlo Regular"/>
+                  <a:ea typeface="Menlo Regular"/>
+                  <a:cs typeface="Menlo Regular"/>
+                  <a:sym typeface="Menlo Regular"/>
                 </a:defRPr>
               </a:pPr>
               <a:r>
@@ -29917,10 +27041,10 @@
                       <a:lumOff val="-7544"/>
                     </a:schemeClr>
                   </a:solidFill>
-                  <a:latin typeface="Menlo"/>
-                  <a:ea typeface="Menlo"/>
-                  <a:cs typeface="Menlo"/>
-                  <a:sym typeface="Menlo"/>
+                  <a:latin typeface="Menlo Regular"/>
+                  <a:ea typeface="Menlo Regular"/>
+                  <a:cs typeface="Menlo Regular"/>
+                  <a:sym typeface="Menlo Regular"/>
                 </a:defRPr>
               </a:pPr>
               <a:r>
@@ -29931,7 +27055,7 @@
         </p:sp>
         <p:sp>
           <p:nvSpPr>
-            <p:cNvPr id="363" name="Both…"/>
+            <p:cNvPr id="350" name="Both…"/>
             <p:cNvSpPr/>
             <p:nvPr/>
           </p:nvSpPr>
@@ -30091,7 +27215,7 @@
       </p:grpSp>
       <p:graphicFrame>
         <p:nvGraphicFramePr>
-          <p:cNvPr id="365" name="Table"/>
+          <p:cNvPr id="352" name="Table"/>
           <p:cNvGraphicFramePr/>
           <p:nvPr/>
         </p:nvGraphicFramePr>
@@ -32352,7 +29476,7 @@
       </p:graphicFrame>
       <p:sp>
         <p:nvSpPr>
-          <p:cNvPr id="366" name="Shape"/>
+          <p:cNvPr id="353" name="Shape"/>
           <p:cNvSpPr/>
           <p:nvPr/>
         </p:nvSpPr>
@@ -32439,7 +29563,7 @@
       </p:sp>
       <p:graphicFrame>
         <p:nvGraphicFramePr>
-          <p:cNvPr id="367" name="Table"/>
+          <p:cNvPr id="354" name="Table"/>
           <p:cNvGraphicFramePr/>
           <p:nvPr/>
         </p:nvGraphicFramePr>
@@ -32753,7 +29877,7 @@
       </p:graphicFrame>
       <p:sp>
         <p:nvSpPr>
-          <p:cNvPr id="368" name="Shape"/>
+          <p:cNvPr id="355" name="Shape"/>
           <p:cNvSpPr/>
           <p:nvPr/>
         </p:nvSpPr>
@@ -32840,7 +29964,7 @@
       </p:sp>
       <p:graphicFrame>
         <p:nvGraphicFramePr>
-          <p:cNvPr id="369" name="Table"/>
+          <p:cNvPr id="356" name="Table"/>
           <p:cNvGraphicFramePr/>
           <p:nvPr/>
         </p:nvGraphicFramePr>
@@ -33134,7 +30258,7 @@
       </p:graphicFrame>
       <p:sp>
         <p:nvSpPr>
-          <p:cNvPr id="370" name="# A tibble: 234 × 6…"/>
+          <p:cNvPr id="357" name="# A tibble: 234 × 6…"/>
           <p:cNvSpPr/>
           <p:nvPr/>
         </p:nvSpPr>
@@ -33180,10 +30304,10 @@
                     <a:lumOff val="-7544"/>
                   </a:schemeClr>
                 </a:solidFill>
-                <a:latin typeface="Menlo"/>
-                <a:ea typeface="Menlo"/>
-                <a:cs typeface="Menlo"/>
-                <a:sym typeface="Menlo"/>
+                <a:latin typeface="Menlo Regular"/>
+                <a:ea typeface="Menlo Regular"/>
+                <a:cs typeface="Menlo Regular"/>
+                <a:sym typeface="Menlo Regular"/>
               </a:defRPr>
             </a:pPr>
             <a:r>
@@ -33206,10 +30330,10 @@
                     <a:lumOff val="-7544"/>
                   </a:schemeClr>
                 </a:solidFill>
-                <a:latin typeface="Menlo"/>
-                <a:ea typeface="Menlo"/>
-                <a:cs typeface="Menlo"/>
-                <a:sym typeface="Menlo"/>
+                <a:latin typeface="Menlo Regular"/>
+                <a:ea typeface="Menlo Regular"/>
+                <a:cs typeface="Menlo Regular"/>
+                <a:sym typeface="Menlo Regular"/>
               </a:defRPr>
             </a:pPr>
             <a:r>
@@ -33232,10 +30356,10 @@
                     <a:lumOff val="-7544"/>
                   </a:schemeClr>
                 </a:solidFill>
-                <a:latin typeface="Menlo"/>
-                <a:ea typeface="Menlo"/>
-                <a:cs typeface="Menlo"/>
-                <a:sym typeface="Menlo"/>
+                <a:latin typeface="Menlo Regular"/>
+                <a:ea typeface="Menlo Regular"/>
+                <a:cs typeface="Menlo Regular"/>
+                <a:sym typeface="Menlo Regular"/>
               </a:defRPr>
             </a:pPr>
             <a:r>
@@ -33258,10 +30382,10 @@
                     <a:lumOff val="-7544"/>
                   </a:schemeClr>
                 </a:solidFill>
-                <a:latin typeface="Menlo"/>
-                <a:ea typeface="Menlo"/>
-                <a:cs typeface="Menlo"/>
-                <a:sym typeface="Menlo"/>
+                <a:latin typeface="Menlo Regular"/>
+                <a:ea typeface="Menlo Regular"/>
+                <a:cs typeface="Menlo Regular"/>
+                <a:sym typeface="Menlo Regular"/>
               </a:defRPr>
             </a:pPr>
             <a:r>
@@ -33284,10 +30408,10 @@
                     <a:lumOff val="-7544"/>
                   </a:schemeClr>
                 </a:solidFill>
-                <a:latin typeface="Menlo"/>
-                <a:ea typeface="Menlo"/>
-                <a:cs typeface="Menlo"/>
-                <a:sym typeface="Menlo"/>
+                <a:latin typeface="Menlo Regular"/>
+                <a:ea typeface="Menlo Regular"/>
+                <a:cs typeface="Menlo Regular"/>
+                <a:sym typeface="Menlo Regular"/>
               </a:defRPr>
             </a:pPr>
             <a:r>
@@ -33310,10 +30434,10 @@
                     <a:lumOff val="-7544"/>
                   </a:schemeClr>
                 </a:solidFill>
-                <a:latin typeface="Menlo"/>
-                <a:ea typeface="Menlo"/>
-                <a:cs typeface="Menlo"/>
-                <a:sym typeface="Menlo"/>
+                <a:latin typeface="Menlo Regular"/>
+                <a:ea typeface="Menlo Regular"/>
+                <a:cs typeface="Menlo Regular"/>
+                <a:sym typeface="Menlo Regular"/>
               </a:defRPr>
             </a:pPr>
             <a:r>
@@ -33336,10 +30460,10 @@
                     <a:lumOff val="-7544"/>
                   </a:schemeClr>
                 </a:solidFill>
-                <a:latin typeface="Menlo"/>
-                <a:ea typeface="Menlo"/>
-                <a:cs typeface="Menlo"/>
-                <a:sym typeface="Menlo"/>
+                <a:latin typeface="Menlo Regular"/>
+                <a:ea typeface="Menlo Regular"/>
+                <a:cs typeface="Menlo Regular"/>
+                <a:sym typeface="Menlo Regular"/>
               </a:defRPr>
             </a:pPr>
             <a:r>
@@ -33362,10 +30486,10 @@
                     <a:lumOff val="-7544"/>
                   </a:schemeClr>
                 </a:solidFill>
-                <a:latin typeface="Menlo"/>
-                <a:ea typeface="Menlo"/>
-                <a:cs typeface="Menlo"/>
-                <a:sym typeface="Menlo"/>
+                <a:latin typeface="Menlo Regular"/>
+                <a:ea typeface="Menlo Regular"/>
+                <a:cs typeface="Menlo Regular"/>
+                <a:sym typeface="Menlo Regular"/>
               </a:defRPr>
             </a:pPr>
             <a:r>
@@ -33388,10 +30512,10 @@
                     <a:lumOff val="-7544"/>
                   </a:schemeClr>
                 </a:solidFill>
-                <a:latin typeface="Menlo"/>
-                <a:ea typeface="Menlo"/>
-                <a:cs typeface="Menlo"/>
-                <a:sym typeface="Menlo"/>
+                <a:latin typeface="Menlo Regular"/>
+                <a:ea typeface="Menlo Regular"/>
+                <a:cs typeface="Menlo Regular"/>
+                <a:sym typeface="Menlo Regular"/>
               </a:defRPr>
             </a:pPr>
             <a:r>
@@ -33414,10 +30538,10 @@
                     <a:lumOff val="-7544"/>
                   </a:schemeClr>
                 </a:solidFill>
-                <a:latin typeface="Menlo"/>
-                <a:ea typeface="Menlo"/>
-                <a:cs typeface="Menlo"/>
-                <a:sym typeface="Menlo"/>
+                <a:latin typeface="Menlo Regular"/>
+                <a:ea typeface="Menlo Regular"/>
+                <a:cs typeface="Menlo Regular"/>
+                <a:sym typeface="Menlo Regular"/>
               </a:defRPr>
             </a:pPr>
             <a:r>
@@ -33440,10 +30564,10 @@
                     <a:lumOff val="-7544"/>
                   </a:schemeClr>
                 </a:solidFill>
-                <a:latin typeface="Menlo"/>
-                <a:ea typeface="Menlo"/>
-                <a:cs typeface="Menlo"/>
-                <a:sym typeface="Menlo"/>
+                <a:latin typeface="Menlo Regular"/>
+                <a:ea typeface="Menlo Regular"/>
+                <a:cs typeface="Menlo Regular"/>
+                <a:sym typeface="Menlo Regular"/>
               </a:defRPr>
             </a:pPr>
             <a:r>
@@ -33466,10 +30590,10 @@
                     <a:lumOff val="-7544"/>
                   </a:schemeClr>
                 </a:solidFill>
-                <a:latin typeface="Menlo"/>
-                <a:ea typeface="Menlo"/>
-                <a:cs typeface="Menlo"/>
-                <a:sym typeface="Menlo"/>
+                <a:latin typeface="Menlo Regular"/>
+                <a:ea typeface="Menlo Regular"/>
+                <a:cs typeface="Menlo Regular"/>
+                <a:sym typeface="Menlo Regular"/>
               </a:defRPr>
             </a:pPr>
             <a:r>
@@ -33492,10 +30616,10 @@
                     <a:lumOff val="-7544"/>
                   </a:schemeClr>
                 </a:solidFill>
-                <a:latin typeface="Menlo"/>
-                <a:ea typeface="Menlo"/>
-                <a:cs typeface="Menlo"/>
-                <a:sym typeface="Menlo"/>
+                <a:latin typeface="Menlo Regular"/>
+                <a:ea typeface="Menlo Regular"/>
+                <a:cs typeface="Menlo Regular"/>
+                <a:sym typeface="Menlo Regular"/>
               </a:defRPr>
             </a:pPr>
             <a:r>
@@ -33518,10 +30642,10 @@
                     <a:lumOff val="-7544"/>
                   </a:schemeClr>
                 </a:solidFill>
-                <a:latin typeface="Menlo"/>
-                <a:ea typeface="Menlo"/>
-                <a:cs typeface="Menlo"/>
-                <a:sym typeface="Menlo"/>
+                <a:latin typeface="Menlo Regular"/>
+                <a:ea typeface="Menlo Regular"/>
+                <a:cs typeface="Menlo Regular"/>
+                <a:sym typeface="Menlo Regular"/>
               </a:defRPr>
             </a:pPr>
             <a:r>
@@ -33544,10 +30668,10 @@
                     <a:lumOff val="-7544"/>
                   </a:schemeClr>
                 </a:solidFill>
-                <a:latin typeface="Menlo"/>
-                <a:ea typeface="Menlo"/>
-                <a:cs typeface="Menlo"/>
-                <a:sym typeface="Menlo"/>
+                <a:latin typeface="Menlo Regular"/>
+                <a:ea typeface="Menlo Regular"/>
+                <a:cs typeface="Menlo Regular"/>
+                <a:sym typeface="Menlo Regular"/>
               </a:defRPr>
             </a:pPr>
             <a:r>
@@ -33570,10 +30694,10 @@
                     <a:lumOff val="-7544"/>
                   </a:schemeClr>
                 </a:solidFill>
-                <a:latin typeface="Menlo"/>
-                <a:ea typeface="Menlo"/>
-                <a:cs typeface="Menlo"/>
-                <a:sym typeface="Menlo"/>
+                <a:latin typeface="Menlo Regular"/>
+                <a:ea typeface="Menlo Regular"/>
+                <a:cs typeface="Menlo Regular"/>
+                <a:sym typeface="Menlo Regular"/>
               </a:defRPr>
             </a:pPr>
             <a:r>
@@ -33584,7 +30708,7 @@
       </p:sp>
       <p:sp>
         <p:nvSpPr>
-          <p:cNvPr id="371" name="156 1999   6   auto(l4)…"/>
+          <p:cNvPr id="358" name="156 1999   6   auto(l4)…"/>
           <p:cNvSpPr/>
           <p:nvPr/>
         </p:nvSpPr>
@@ -33630,10 +30754,10 @@
                     <a:lumOff val="-7544"/>
                   </a:schemeClr>
                 </a:solidFill>
-                <a:latin typeface="Menlo"/>
-                <a:ea typeface="Menlo"/>
-                <a:cs typeface="Menlo"/>
-                <a:sym typeface="Menlo"/>
+                <a:latin typeface="Menlo Regular"/>
+                <a:ea typeface="Menlo Regular"/>
+                <a:cs typeface="Menlo Regular"/>
+                <a:sym typeface="Menlo Regular"/>
               </a:defRPr>
             </a:pPr>
             <a:r>
@@ -33656,10 +30780,10 @@
                     <a:lumOff val="-7544"/>
                   </a:schemeClr>
                 </a:solidFill>
-                <a:latin typeface="Menlo"/>
-                <a:ea typeface="Menlo"/>
-                <a:cs typeface="Menlo"/>
-                <a:sym typeface="Menlo"/>
+                <a:latin typeface="Menlo Regular"/>
+                <a:ea typeface="Menlo Regular"/>
+                <a:cs typeface="Menlo Regular"/>
+                <a:sym typeface="Menlo Regular"/>
               </a:defRPr>
             </a:pPr>
             <a:r>
@@ -33682,10 +30806,10 @@
                     <a:lumOff val="-7544"/>
                   </a:schemeClr>
                 </a:solidFill>
-                <a:latin typeface="Menlo"/>
-                <a:ea typeface="Menlo"/>
-                <a:cs typeface="Menlo"/>
-                <a:sym typeface="Menlo"/>
+                <a:latin typeface="Menlo Regular"/>
+                <a:ea typeface="Menlo Regular"/>
+                <a:cs typeface="Menlo Regular"/>
+                <a:sym typeface="Menlo Regular"/>
               </a:defRPr>
             </a:pPr>
             <a:r>
@@ -33708,10 +30832,10 @@
                     <a:lumOff val="-7544"/>
                   </a:schemeClr>
                 </a:solidFill>
-                <a:latin typeface="Menlo"/>
-                <a:ea typeface="Menlo"/>
-                <a:cs typeface="Menlo"/>
-                <a:sym typeface="Menlo"/>
+                <a:latin typeface="Menlo Regular"/>
+                <a:ea typeface="Menlo Regular"/>
+                <a:cs typeface="Menlo Regular"/>
+                <a:sym typeface="Menlo Regular"/>
               </a:defRPr>
             </a:pPr>
             <a:r>
@@ -33734,10 +30858,10 @@
                     <a:lumOff val="-7544"/>
                   </a:schemeClr>
                 </a:solidFill>
-                <a:latin typeface="Menlo"/>
-                <a:ea typeface="Menlo"/>
-                <a:cs typeface="Menlo"/>
-                <a:sym typeface="Menlo"/>
+                <a:latin typeface="Menlo Regular"/>
+                <a:ea typeface="Menlo Regular"/>
+                <a:cs typeface="Menlo Regular"/>
+                <a:sym typeface="Menlo Regular"/>
               </a:defRPr>
             </a:pPr>
             <a:r>
@@ -33760,10 +30884,10 @@
                     <a:lumOff val="-7544"/>
                   </a:schemeClr>
                 </a:solidFill>
-                <a:latin typeface="Menlo"/>
-                <a:ea typeface="Menlo"/>
-                <a:cs typeface="Menlo"/>
-                <a:sym typeface="Menlo"/>
+                <a:latin typeface="Menlo Regular"/>
+                <a:ea typeface="Menlo Regular"/>
+                <a:cs typeface="Menlo Regular"/>
+                <a:sym typeface="Menlo Regular"/>
               </a:defRPr>
             </a:pPr>
             <a:r>
@@ -33786,10 +30910,10 @@
                     <a:lumOff val="-7544"/>
                   </a:schemeClr>
                 </a:solidFill>
-                <a:latin typeface="Menlo"/>
-                <a:ea typeface="Menlo"/>
-                <a:cs typeface="Menlo"/>
-                <a:sym typeface="Menlo"/>
+                <a:latin typeface="Menlo Regular"/>
+                <a:ea typeface="Menlo Regular"/>
+                <a:cs typeface="Menlo Regular"/>
+                <a:sym typeface="Menlo Regular"/>
               </a:defRPr>
             </a:pPr>
             <a:r>
@@ -33812,10 +30936,10 @@
                     <a:lumOff val="-7544"/>
                   </a:schemeClr>
                 </a:solidFill>
-                <a:latin typeface="Menlo"/>
-                <a:ea typeface="Menlo"/>
-                <a:cs typeface="Menlo"/>
-                <a:sym typeface="Menlo"/>
+                <a:latin typeface="Menlo Regular"/>
+                <a:ea typeface="Menlo Regular"/>
+                <a:cs typeface="Menlo Regular"/>
+                <a:sym typeface="Menlo Regular"/>
               </a:defRPr>
             </a:pPr>
             <a:r>
@@ -33838,10 +30962,10 @@
                     <a:lumOff val="-7544"/>
                   </a:schemeClr>
                 </a:solidFill>
-                <a:latin typeface="Menlo"/>
-                <a:ea typeface="Menlo"/>
-                <a:cs typeface="Menlo"/>
-                <a:sym typeface="Menlo"/>
+                <a:latin typeface="Menlo Regular"/>
+                <a:ea typeface="Menlo Regular"/>
+                <a:cs typeface="Menlo Regular"/>
+                <a:sym typeface="Menlo Regular"/>
               </a:defRPr>
             </a:pPr>
             <a:r>
@@ -33864,10 +30988,10 @@
                     <a:lumOff val="-7544"/>
                   </a:schemeClr>
                 </a:solidFill>
-                <a:latin typeface="Menlo"/>
-                <a:ea typeface="Menlo"/>
-                <a:cs typeface="Menlo"/>
-                <a:sym typeface="Menlo"/>
+                <a:latin typeface="Menlo Regular"/>
+                <a:ea typeface="Menlo Regular"/>
+                <a:cs typeface="Menlo Regular"/>
+                <a:sym typeface="Menlo Regular"/>
               </a:defRPr>
             </a:pPr>
             <a:r>
@@ -33890,10 +31014,10 @@
                     <a:lumOff val="-7544"/>
                   </a:schemeClr>
                 </a:solidFill>
-                <a:latin typeface="Menlo"/>
-                <a:ea typeface="Menlo"/>
-                <a:cs typeface="Menlo"/>
-                <a:sym typeface="Menlo"/>
+                <a:latin typeface="Menlo Regular"/>
+                <a:ea typeface="Menlo Regular"/>
+                <a:cs typeface="Menlo Regular"/>
+                <a:sym typeface="Menlo Regular"/>
               </a:defRPr>
             </a:pPr>
             <a:r>
@@ -33912,10 +31036,10 @@
                 <a:solidFill>
                   <a:srgbClr val="000000"/>
                 </a:solidFill>
-                <a:latin typeface="Menlo"/>
-                <a:ea typeface="Menlo"/>
-                <a:cs typeface="Menlo"/>
-                <a:sym typeface="Menlo"/>
+                <a:latin typeface="Menlo Regular"/>
+                <a:ea typeface="Menlo Regular"/>
+                <a:cs typeface="Menlo Regular"/>
+                <a:sym typeface="Menlo Regular"/>
               </a:defRPr>
             </a:pPr>
             <a:r>
@@ -33926,7 +31050,7 @@
       </p:sp>
       <p:sp>
         <p:nvSpPr>
-          <p:cNvPr id="372" name="A large table to display"/>
+          <p:cNvPr id="359" name="A large table to display"/>
           <p:cNvSpPr txBox="1"/>
           <p:nvPr/>
         </p:nvSpPr>
@@ -33982,7 +31106,7 @@
       </p:sp>
       <p:sp>
         <p:nvSpPr>
-          <p:cNvPr id="373" name="as_tibble(x, …) Convert data frame to tibble.…"/>
+          <p:cNvPr id="360" name="as_tibble(x, …) Convert data frame to tibble.…"/>
           <p:cNvSpPr txBox="1"/>
           <p:nvPr/>
         </p:nvSpPr>
@@ -34193,7 +31317,7 @@
       </p:sp>
       <p:sp>
         <p:nvSpPr>
-          <p:cNvPr id="374" name="CONSTRUCT A TIBBLE IN TWO WAYS"/>
+          <p:cNvPr id="361" name="CONSTRUCT A TIBBLE IN TWO WAYS"/>
           <p:cNvSpPr txBox="1"/>
           <p:nvPr/>
         </p:nvSpPr>
@@ -34229,7 +31353,7 @@
       </p:sp>
       <p:sp>
         <p:nvSpPr>
-          <p:cNvPr id="375" name="Line"/>
+          <p:cNvPr id="362" name="Line"/>
           <p:cNvSpPr/>
           <p:nvPr/>
         </p:nvSpPr>
@@ -34272,7 +31396,7 @@
       </p:sp>
       <p:sp>
         <p:nvSpPr>
-          <p:cNvPr id="376" name="Line"/>
+          <p:cNvPr id="363" name="Line"/>
           <p:cNvSpPr/>
           <p:nvPr/>
         </p:nvSpPr>
@@ -34313,7 +31437,7 @@
       </p:sp>
       <p:sp>
         <p:nvSpPr>
-          <p:cNvPr id="377" name="Expand Tables - quickly create tables with combinations of values"/>
+          <p:cNvPr id="364" name="Expand Tables - quickly create tables with combinations of values"/>
           <p:cNvSpPr txBox="1"/>
           <p:nvPr/>
         </p:nvSpPr>
@@ -34369,7 +31493,7 @@
       </p:sp>
       <p:sp>
         <p:nvSpPr>
-          <p:cNvPr id="378" name="Line"/>
+          <p:cNvPr id="365" name="Line"/>
           <p:cNvSpPr/>
           <p:nvPr/>
         </p:nvSpPr>
@@ -34410,7 +31534,7 @@
       </p:sp>
       <p:sp>
         <p:nvSpPr>
-          <p:cNvPr id="379" name="Tidy Data with tidyr"/>
+          <p:cNvPr id="366" name="Tidy Data with tidyr"/>
           <p:cNvSpPr txBox="1"/>
           <p:nvPr/>
         </p:nvSpPr>
@@ -34462,7 +31586,7 @@
       </p:sp>
       <p:sp>
         <p:nvSpPr>
-          <p:cNvPr id="380" name="Line"/>
+          <p:cNvPr id="367" name="Line"/>
           <p:cNvSpPr/>
           <p:nvPr/>
         </p:nvSpPr>
@@ -34503,7 +31627,7 @@
       </p:sp>
       <p:pic>
         <p:nvPicPr>
-          <p:cNvPr id="381" name="tidyr.png" descr="tidyr.png"/>
+          <p:cNvPr id="368" name="tidyr.png" descr="tidyr.png"/>
           <p:cNvPicPr>
             <a:picLocks noChangeAspect="1"/>
           </p:cNvPicPr>
@@ -34532,7 +31656,7 @@
       </p:pic>
       <p:pic>
         <p:nvPicPr>
-          <p:cNvPr id="382" name="Image" descr="Image"/>
+          <p:cNvPr id="369" name="Image" descr="Image"/>
           <p:cNvPicPr>
             <a:picLocks noChangeAspect="1"/>
           </p:cNvPicPr>
@@ -34561,7 +31685,7 @@
       </p:pic>
       <p:pic>
         <p:nvPicPr>
-          <p:cNvPr id="383" name="tibble.png" descr="tibble.png"/>
+          <p:cNvPr id="370" name="tibble.png" descr="tibble.png"/>
           <p:cNvPicPr>
             <a:picLocks noChangeAspect="1"/>
           </p:cNvPicPr>
@@ -34588,6 +31712,2411 @@
           </a:ln>
         </p:spPr>
       </p:pic>
+      <p:sp>
+        <p:nvSpPr>
+          <p:cNvPr id="371" name="pivot_wider(data, id_cols = NULL, names_from = name, names_prefix = &quot;&quot;, names_sep = &quot;_&quot;, names_glue = NULL, names_sort = FALSE, names_repair = &quot;check_unique&quot;, values_from = value, values_fill = NULL, values_fn = NULL, ...)…"/>
+          <p:cNvSpPr txBox="1"/>
+          <p:nvPr/>
+        </p:nvSpPr>
+        <p:spPr>
+          <a:xfrm>
+            <a:off x="6845934" y="3167136"/>
+            <a:ext cx="3517116" cy="1610541"/>
+          </a:xfrm>
+          <a:prstGeom prst="rect">
+            <a:avLst/>
+          </a:prstGeom>
+          <a:ln w="12700">
+            <a:miter lim="400000"/>
+          </a:ln>
+          <a:extLst>
+            <a:ext uri="{C572A759-6A51-4108-AA02-DFA0A04FC94B}">
+              <ma14:wrappingTextBoxFlag xmlns:ma14="http://schemas.microsoft.com/office/mac/drawingml/2011/main" val="1"/>
+            </a:ext>
+          </a:extLst>
+        </p:spPr>
+        <p:txBody>
+          <a:bodyPr lIns="54570" tIns="54570" rIns="54570" bIns="54570">
+            <a:normAutofit fontScale="100000" lnSpcReduction="0"/>
+          </a:bodyPr>
+          <a:lstStyle/>
+          <a:p>
+            <a:pPr marL="114300" indent="-114300">
+              <a:lnSpc>
+                <a:spcPct val="90000"/>
+              </a:lnSpc>
+              <a:spcBef>
+                <a:spcPts val="700"/>
+              </a:spcBef>
+              <a:defRPr sz="1400">
+                <a:solidFill>
+                  <a:srgbClr val="000000"/>
+                </a:solidFill>
+              </a:defRPr>
+            </a:pPr>
+            <a:r>
+              <a:t>pivot_wider(</a:t>
+            </a:r>
+            <a:r>
+              <a:rPr b="0" sz="1000"/>
+              <a:t>data, id_cols = NULL, names_from = name, names_prefix = "", names_sep = "_", names_glue = NULL, names_sort = FALSE, names_repair = "check_unique", values_from = value, values_fill = NULL, values_fn = NULL, ...</a:t>
+            </a:r>
+            <a:r>
+              <a:rPr sz="1200"/>
+              <a:t>)</a:t>
+            </a:r>
+          </a:p>
+          <a:p>
+            <a:pPr>
+              <a:lnSpc>
+                <a:spcPct val="90000"/>
+              </a:lnSpc>
+              <a:spcBef>
+                <a:spcPts val="300"/>
+              </a:spcBef>
+              <a:defRPr b="0">
+                <a:solidFill>
+                  <a:srgbClr val="000000"/>
+                </a:solidFill>
+              </a:defRPr>
+            </a:pPr>
+            <a:r>
+              <a:t>pivot_wider() pivots a </a:t>
+            </a:r>
+            <a:r>
+              <a:rPr>
+                <a:latin typeface="Source Sans Pro Semibold"/>
+                <a:ea typeface="Source Sans Pro Semibold"/>
+                <a:cs typeface="Source Sans Pro Semibold"/>
+                <a:sym typeface="Source Sans Pro Semibold"/>
+              </a:rPr>
+              <a:t>names_from</a:t>
+            </a:r>
+            <a:r>
+              <a:t> and a </a:t>
+            </a:r>
+            <a:r>
+              <a:rPr>
+                <a:latin typeface="Source Sans Pro Semibold"/>
+                <a:ea typeface="Source Sans Pro Semibold"/>
+                <a:cs typeface="Source Sans Pro Semibold"/>
+                <a:sym typeface="Source Sans Pro Semibold"/>
+              </a:rPr>
+              <a:t>values_from</a:t>
+            </a:r>
+            <a:r>
+              <a:t> column into a rectangular field of cells.</a:t>
+            </a:r>
+          </a:p>
+        </p:txBody>
+      </p:sp>
+      <p:sp>
+        <p:nvSpPr>
+          <p:cNvPr id="372" name="pivot_wider(table2, names_from = type, values_from = count)"/>
+          <p:cNvSpPr txBox="1"/>
+          <p:nvPr/>
+        </p:nvSpPr>
+        <p:spPr>
+          <a:xfrm>
+            <a:off x="7140120" y="6290417"/>
+            <a:ext cx="2965681" cy="524266"/>
+          </a:xfrm>
+          <a:prstGeom prst="rect">
+            <a:avLst/>
+          </a:prstGeom>
+          <a:ln w="12700">
+            <a:miter lim="400000"/>
+          </a:ln>
+          <a:extLst>
+            <a:ext uri="{C572A759-6A51-4108-AA02-DFA0A04FC94B}">
+              <ma14:wrappingTextBoxFlag xmlns:ma14="http://schemas.microsoft.com/office/mac/drawingml/2011/main" val="1"/>
+            </a:ext>
+          </a:extLst>
+        </p:spPr>
+        <p:txBody>
+          <a:bodyPr lIns="54570" tIns="54570" rIns="54570" bIns="54570" anchor="ctr">
+            <a:normAutofit fontScale="100000" lnSpcReduction="0"/>
+          </a:bodyPr>
+          <a:lstStyle>
+            <a:lvl1pPr marL="114300" indent="-114300">
+              <a:lnSpc>
+                <a:spcPct val="90000"/>
+              </a:lnSpc>
+              <a:spcBef>
+                <a:spcPts val="0"/>
+              </a:spcBef>
+              <a:defRPr b="0" i="1" sz="1300">
+                <a:solidFill>
+                  <a:schemeClr val="accent1">
+                    <a:hueOff val="47394"/>
+                    <a:satOff val="-25753"/>
+                    <a:lumOff val="-7544"/>
+                  </a:schemeClr>
+                </a:solidFill>
+              </a:defRPr>
+            </a:lvl1pPr>
+          </a:lstStyle>
+          <a:p>
+            <a:pPr/>
+            <a:r>
+              <a:t>pivot_wider(table2, names_from = type, values_from = count)</a:t>
+            </a:r>
+          </a:p>
+        </p:txBody>
+      </p:sp>
+      <p:grpSp>
+        <p:nvGrpSpPr>
+          <p:cNvPr id="377" name="Group"/>
+          <p:cNvGrpSpPr/>
+          <p:nvPr/>
+        </p:nvGrpSpPr>
+        <p:grpSpPr>
+          <a:xfrm>
+            <a:off x="6997215" y="4577651"/>
+            <a:ext cx="3214554" cy="1677475"/>
+            <a:chOff x="0" y="137120"/>
+            <a:chExt cx="3214552" cy="1677474"/>
+          </a:xfrm>
+        </p:grpSpPr>
+        <p:graphicFrame>
+          <p:nvGraphicFramePr>
+            <p:cNvPr id="373" name="Table"/>
+            <p:cNvGraphicFramePr/>
+            <p:nvPr/>
+          </p:nvGraphicFramePr>
+          <p:xfrm>
+            <a:off x="1703252" y="227094"/>
+            <a:ext cx="1511301" cy="1028701"/>
+          </p:xfrm>
+          <a:graphic xmlns:a="http://schemas.openxmlformats.org/drawingml/2006/main">
+            <a:graphicData uri="http://schemas.openxmlformats.org/drawingml/2006/table">
+              <a:tbl>
+                <a:tblPr firstCol="0" firstRow="1" lastCol="0" lastRow="0" bandCol="0" bandRow="0" rtl="0">
+                  <a:tableStyleId>{33BA23B1-9221-436E-865A-0063620EA4FD}</a:tableStyleId>
+                </a:tblPr>
+                <a:tblGrid>
+                  <a:gridCol w="442228"/>
+                  <a:gridCol w="304800"/>
+                  <a:gridCol w="368300"/>
+                  <a:gridCol w="340628"/>
+                </a:tblGrid>
+                <a:tr h="139700">
+                  <a:tc>
+                    <a:txBody>
+                      <a:bodyPr/>
+                      <a:lstStyle/>
+                      <a:p>
+                        <a:pPr algn="ctr" defTabSz="914400">
+                          <a:spcBef>
+                            <a:spcPts val="0"/>
+                          </a:spcBef>
+                          <a:defRPr b="0" sz="1800">
+                            <a:solidFill>
+                              <a:srgbClr val="000000"/>
+                            </a:solidFill>
+                          </a:defRPr>
+                        </a:pPr>
+                        <a:r>
+                          <a:rPr b="1" sz="800">
+                            <a:solidFill>
+                              <a:srgbClr val="FFFFFF"/>
+                            </a:solidFill>
+                            <a:latin typeface="Helvetica"/>
+                            <a:ea typeface="Helvetica"/>
+                            <a:cs typeface="Helvetica"/>
+                            <a:sym typeface="Helvetica"/>
+                          </a:rPr>
+                          <a:t>country</a:t>
+                        </a:r>
+                      </a:p>
+                    </a:txBody>
+                    <a:tcPr marL="0" marR="0" marT="0" marB="0" anchor="ctr" anchorCtr="0" horzOverflow="overflow">
+                      <a:solidFill>
+                        <a:srgbClr val="797979"/>
+                      </a:solidFill>
+                    </a:tcPr>
+                  </a:tc>
+                  <a:tc>
+                    <a:txBody>
+                      <a:bodyPr/>
+                      <a:lstStyle/>
+                      <a:p>
+                        <a:pPr algn="ctr" defTabSz="914400">
+                          <a:spcBef>
+                            <a:spcPts val="0"/>
+                          </a:spcBef>
+                          <a:defRPr b="0" sz="1800">
+                            <a:solidFill>
+                              <a:srgbClr val="000000"/>
+                            </a:solidFill>
+                          </a:defRPr>
+                        </a:pPr>
+                        <a:r>
+                          <a:rPr b="1" sz="800">
+                            <a:solidFill>
+                              <a:srgbClr val="FFFFFF"/>
+                            </a:solidFill>
+                            <a:latin typeface="Helvetica"/>
+                            <a:ea typeface="Helvetica"/>
+                            <a:cs typeface="Helvetica"/>
+                            <a:sym typeface="Helvetica"/>
+                          </a:rPr>
+                          <a:t>year</a:t>
+                        </a:r>
+                      </a:p>
+                    </a:txBody>
+                    <a:tcPr marL="0" marR="0" marT="0" marB="0" anchor="ctr" anchorCtr="0" horzOverflow="overflow">
+                      <a:solidFill>
+                        <a:srgbClr val="797979"/>
+                      </a:solidFill>
+                    </a:tcPr>
+                  </a:tc>
+                  <a:tc>
+                    <a:txBody>
+                      <a:bodyPr/>
+                      <a:lstStyle/>
+                      <a:p>
+                        <a:pPr algn="ctr" defTabSz="914400">
+                          <a:spcBef>
+                            <a:spcPts val="0"/>
+                          </a:spcBef>
+                          <a:defRPr b="0" sz="1800">
+                            <a:solidFill>
+                              <a:srgbClr val="000000"/>
+                            </a:solidFill>
+                          </a:defRPr>
+                        </a:pPr>
+                        <a:r>
+                          <a:rPr b="1" sz="800">
+                            <a:solidFill>
+                              <a:srgbClr val="FFFFFF"/>
+                            </a:solidFill>
+                            <a:latin typeface="Helvetica"/>
+                            <a:ea typeface="Helvetica"/>
+                            <a:cs typeface="Helvetica"/>
+                            <a:sym typeface="Helvetica"/>
+                          </a:rPr>
+                          <a:t>cases</a:t>
+                        </a:r>
+                      </a:p>
+                    </a:txBody>
+                    <a:tcPr marL="0" marR="0" marT="0" marB="0" anchor="ctr" anchorCtr="0" horzOverflow="overflow">
+                      <a:solidFill>
+                        <a:srgbClr val="407AAA"/>
+                      </a:solidFill>
+                    </a:tcPr>
+                  </a:tc>
+                  <a:tc>
+                    <a:txBody>
+                      <a:bodyPr/>
+                      <a:lstStyle/>
+                      <a:p>
+                        <a:pPr algn="ctr" defTabSz="914400">
+                          <a:spcBef>
+                            <a:spcPts val="0"/>
+                          </a:spcBef>
+                          <a:defRPr b="0" sz="1800">
+                            <a:solidFill>
+                              <a:srgbClr val="000000"/>
+                            </a:solidFill>
+                          </a:defRPr>
+                        </a:pPr>
+                        <a:r>
+                          <a:rPr b="1" sz="800">
+                            <a:solidFill>
+                              <a:srgbClr val="FFFFFF"/>
+                            </a:solidFill>
+                            <a:latin typeface="Helvetica"/>
+                            <a:ea typeface="Helvetica"/>
+                            <a:cs typeface="Helvetica"/>
+                            <a:sym typeface="Helvetica"/>
+                          </a:rPr>
+                          <a:t>pop</a:t>
+                        </a:r>
+                      </a:p>
+                    </a:txBody>
+                    <a:tcPr marL="0" marR="0" marT="0" marB="0" anchor="ctr" anchorCtr="0" horzOverflow="overflow">
+                      <a:solidFill>
+                        <a:schemeClr val="accent1">
+                          <a:hueOff val="47394"/>
+                          <a:satOff val="-25753"/>
+                          <a:lumOff val="-7544"/>
+                        </a:schemeClr>
+                      </a:solidFill>
+                    </a:tcPr>
+                  </a:tc>
+                </a:tr>
+                <a:tr h="139700">
+                  <a:tc>
+                    <a:txBody>
+                      <a:bodyPr/>
+                      <a:lstStyle/>
+                      <a:p>
+                        <a:pPr algn="ctr" defTabSz="914400">
+                          <a:spcBef>
+                            <a:spcPts val="0"/>
+                          </a:spcBef>
+                          <a:defRPr sz="1800"/>
+                        </a:pPr>
+                        <a:r>
+                          <a:rPr sz="800">
+                            <a:latin typeface="Helvetica"/>
+                            <a:ea typeface="Helvetica"/>
+                            <a:cs typeface="Helvetica"/>
+                            <a:sym typeface="Helvetica"/>
+                          </a:rPr>
+                          <a:t>A</a:t>
+                        </a:r>
+                      </a:p>
+                    </a:txBody>
+                    <a:tcPr marL="0" marR="0" marT="0" marB="0" anchor="ctr" anchorCtr="0" horzOverflow="overflow"/>
+                  </a:tc>
+                  <a:tc>
+                    <a:txBody>
+                      <a:bodyPr/>
+                      <a:lstStyle/>
+                      <a:p>
+                        <a:pPr algn="ctr" defTabSz="914400">
+                          <a:spcBef>
+                            <a:spcPts val="0"/>
+                          </a:spcBef>
+                          <a:defRPr sz="1800"/>
+                        </a:pPr>
+                        <a:r>
+                          <a:rPr sz="800">
+                            <a:latin typeface="Helvetica"/>
+                            <a:ea typeface="Helvetica"/>
+                            <a:cs typeface="Helvetica"/>
+                            <a:sym typeface="Helvetica"/>
+                          </a:rPr>
+                          <a:t>1999</a:t>
+                        </a:r>
+                      </a:p>
+                    </a:txBody>
+                    <a:tcPr marL="0" marR="0" marT="0" marB="0" anchor="ctr" anchorCtr="0" horzOverflow="overflow"/>
+                  </a:tc>
+                  <a:tc>
+                    <a:txBody>
+                      <a:bodyPr/>
+                      <a:lstStyle/>
+                      <a:p>
+                        <a:pPr algn="ctr" defTabSz="914400">
+                          <a:spcBef>
+                            <a:spcPts val="0"/>
+                          </a:spcBef>
+                          <a:defRPr sz="1800"/>
+                        </a:pPr>
+                        <a:r>
+                          <a:rPr sz="800">
+                            <a:latin typeface="Helvetica"/>
+                            <a:ea typeface="Helvetica"/>
+                            <a:cs typeface="Helvetica"/>
+                            <a:sym typeface="Helvetica"/>
+                          </a:rPr>
+                          <a:t>0.7K</a:t>
+                        </a:r>
+                      </a:p>
+                    </a:txBody>
+                    <a:tcPr marL="0" marR="0" marT="0" marB="0" anchor="ctr" anchorCtr="0" horzOverflow="overflow">
+                      <a:solidFill>
+                        <a:schemeClr val="accent4"/>
+                      </a:solidFill>
+                    </a:tcPr>
+                  </a:tc>
+                  <a:tc>
+                    <a:txBody>
+                      <a:bodyPr/>
+                      <a:lstStyle/>
+                      <a:p>
+                        <a:pPr algn="ctr" defTabSz="914400">
+                          <a:spcBef>
+                            <a:spcPts val="0"/>
+                          </a:spcBef>
+                          <a:defRPr sz="1800"/>
+                        </a:pPr>
+                        <a:r>
+                          <a:rPr sz="800">
+                            <a:latin typeface="Helvetica"/>
+                            <a:ea typeface="Helvetica"/>
+                            <a:cs typeface="Helvetica"/>
+                            <a:sym typeface="Helvetica"/>
+                          </a:rPr>
+                          <a:t>19M</a:t>
+                        </a:r>
+                      </a:p>
+                    </a:txBody>
+                    <a:tcPr marL="0" marR="0" marT="0" marB="0" anchor="ctr" anchorCtr="0" horzOverflow="overflow">
+                      <a:solidFill>
+                        <a:schemeClr val="accent4">
+                          <a:hueOff val="-48331"/>
+                          <a:satOff val="1035"/>
+                          <a:lumOff val="-13785"/>
+                        </a:schemeClr>
+                      </a:solidFill>
+                    </a:tcPr>
+                  </a:tc>
+                </a:tr>
+                <a:tr h="139700">
+                  <a:tc>
+                    <a:txBody>
+                      <a:bodyPr/>
+                      <a:lstStyle/>
+                      <a:p>
+                        <a:pPr algn="ctr" defTabSz="914400">
+                          <a:spcBef>
+                            <a:spcPts val="0"/>
+                          </a:spcBef>
+                          <a:defRPr sz="1800"/>
+                        </a:pPr>
+                        <a:r>
+                          <a:rPr sz="800">
+                            <a:latin typeface="Helvetica"/>
+                            <a:ea typeface="Helvetica"/>
+                            <a:cs typeface="Helvetica"/>
+                            <a:sym typeface="Helvetica"/>
+                          </a:rPr>
+                          <a:t>A</a:t>
+                        </a:r>
+                      </a:p>
+                    </a:txBody>
+                    <a:tcPr marL="0" marR="0" marT="0" marB="0" anchor="ctr" anchorCtr="0" horzOverflow="overflow"/>
+                  </a:tc>
+                  <a:tc>
+                    <a:txBody>
+                      <a:bodyPr/>
+                      <a:lstStyle/>
+                      <a:p>
+                        <a:pPr algn="ctr" defTabSz="914400">
+                          <a:spcBef>
+                            <a:spcPts val="0"/>
+                          </a:spcBef>
+                          <a:defRPr sz="1800"/>
+                        </a:pPr>
+                        <a:r>
+                          <a:rPr sz="800">
+                            <a:latin typeface="Helvetica"/>
+                            <a:ea typeface="Helvetica"/>
+                            <a:cs typeface="Helvetica"/>
+                            <a:sym typeface="Helvetica"/>
+                          </a:rPr>
+                          <a:t>2000</a:t>
+                        </a:r>
+                      </a:p>
+                    </a:txBody>
+                    <a:tcPr marL="0" marR="0" marT="0" marB="0" anchor="ctr" anchorCtr="0" horzOverflow="overflow"/>
+                  </a:tc>
+                  <a:tc>
+                    <a:txBody>
+                      <a:bodyPr/>
+                      <a:lstStyle/>
+                      <a:p>
+                        <a:pPr algn="ctr" defTabSz="914400">
+                          <a:spcBef>
+                            <a:spcPts val="0"/>
+                          </a:spcBef>
+                          <a:defRPr sz="1800"/>
+                        </a:pPr>
+                        <a:r>
+                          <a:rPr sz="800">
+                            <a:latin typeface="Helvetica"/>
+                            <a:ea typeface="Helvetica"/>
+                            <a:cs typeface="Helvetica"/>
+                            <a:sym typeface="Helvetica"/>
+                          </a:rPr>
+                          <a:t>2K</a:t>
+                        </a:r>
+                      </a:p>
+                    </a:txBody>
+                    <a:tcPr marL="0" marR="0" marT="0" marB="0" anchor="ctr" anchorCtr="0" horzOverflow="overflow">
+                      <a:solidFill>
+                        <a:schemeClr val="accent4"/>
+                      </a:solidFill>
+                    </a:tcPr>
+                  </a:tc>
+                  <a:tc>
+                    <a:txBody>
+                      <a:bodyPr/>
+                      <a:lstStyle/>
+                      <a:p>
+                        <a:pPr algn="ctr" defTabSz="914400">
+                          <a:spcBef>
+                            <a:spcPts val="0"/>
+                          </a:spcBef>
+                          <a:defRPr sz="1800"/>
+                        </a:pPr>
+                        <a:r>
+                          <a:rPr sz="800">
+                            <a:latin typeface="Helvetica"/>
+                            <a:ea typeface="Helvetica"/>
+                            <a:cs typeface="Helvetica"/>
+                            <a:sym typeface="Helvetica"/>
+                          </a:rPr>
+                          <a:t>20M</a:t>
+                        </a:r>
+                      </a:p>
+                    </a:txBody>
+                    <a:tcPr marL="0" marR="0" marT="0" marB="0" anchor="ctr" anchorCtr="0" horzOverflow="overflow">
+                      <a:solidFill>
+                        <a:schemeClr val="accent4">
+                          <a:hueOff val="-48331"/>
+                          <a:satOff val="1035"/>
+                          <a:lumOff val="-13785"/>
+                        </a:schemeClr>
+                      </a:solidFill>
+                    </a:tcPr>
+                  </a:tc>
+                </a:tr>
+                <a:tr h="139700">
+                  <a:tc>
+                    <a:txBody>
+                      <a:bodyPr/>
+                      <a:lstStyle/>
+                      <a:p>
+                        <a:pPr algn="ctr" defTabSz="914400">
+                          <a:spcBef>
+                            <a:spcPts val="0"/>
+                          </a:spcBef>
+                          <a:defRPr sz="1800"/>
+                        </a:pPr>
+                        <a:r>
+                          <a:rPr sz="800">
+                            <a:latin typeface="Helvetica"/>
+                            <a:ea typeface="Helvetica"/>
+                            <a:cs typeface="Helvetica"/>
+                            <a:sym typeface="Helvetica"/>
+                          </a:rPr>
+                          <a:t>B</a:t>
+                        </a:r>
+                      </a:p>
+                    </a:txBody>
+                    <a:tcPr marL="0" marR="0" marT="0" marB="0" anchor="ctr" anchorCtr="0" horzOverflow="overflow"/>
+                  </a:tc>
+                  <a:tc>
+                    <a:txBody>
+                      <a:bodyPr/>
+                      <a:lstStyle/>
+                      <a:p>
+                        <a:pPr algn="ctr" defTabSz="914400">
+                          <a:spcBef>
+                            <a:spcPts val="0"/>
+                          </a:spcBef>
+                          <a:defRPr sz="1800"/>
+                        </a:pPr>
+                        <a:r>
+                          <a:rPr sz="800">
+                            <a:latin typeface="Helvetica"/>
+                            <a:ea typeface="Helvetica"/>
+                            <a:cs typeface="Helvetica"/>
+                            <a:sym typeface="Helvetica"/>
+                          </a:rPr>
+                          <a:t>1999</a:t>
+                        </a:r>
+                      </a:p>
+                    </a:txBody>
+                    <a:tcPr marL="0" marR="0" marT="0" marB="0" anchor="ctr" anchorCtr="0" horzOverflow="overflow"/>
+                  </a:tc>
+                  <a:tc>
+                    <a:txBody>
+                      <a:bodyPr/>
+                      <a:lstStyle/>
+                      <a:p>
+                        <a:pPr algn="ctr" defTabSz="914400">
+                          <a:spcBef>
+                            <a:spcPts val="0"/>
+                          </a:spcBef>
+                          <a:defRPr sz="1800"/>
+                        </a:pPr>
+                        <a:r>
+                          <a:rPr sz="800">
+                            <a:latin typeface="Helvetica"/>
+                            <a:ea typeface="Helvetica"/>
+                            <a:cs typeface="Helvetica"/>
+                            <a:sym typeface="Helvetica"/>
+                          </a:rPr>
+                          <a:t>37K</a:t>
+                        </a:r>
+                      </a:p>
+                    </a:txBody>
+                    <a:tcPr marL="0" marR="0" marT="0" marB="0" anchor="ctr" anchorCtr="0" horzOverflow="overflow">
+                      <a:solidFill>
+                        <a:schemeClr val="accent4"/>
+                      </a:solidFill>
+                    </a:tcPr>
+                  </a:tc>
+                  <a:tc>
+                    <a:txBody>
+                      <a:bodyPr/>
+                      <a:lstStyle/>
+                      <a:p>
+                        <a:pPr algn="ctr" defTabSz="914400">
+                          <a:spcBef>
+                            <a:spcPts val="0"/>
+                          </a:spcBef>
+                          <a:defRPr sz="1800"/>
+                        </a:pPr>
+                        <a:r>
+                          <a:rPr sz="800">
+                            <a:latin typeface="Helvetica"/>
+                            <a:ea typeface="Helvetica"/>
+                            <a:cs typeface="Helvetica"/>
+                            <a:sym typeface="Helvetica"/>
+                          </a:rPr>
+                          <a:t>172M</a:t>
+                        </a:r>
+                      </a:p>
+                    </a:txBody>
+                    <a:tcPr marL="0" marR="0" marT="0" marB="0" anchor="ctr" anchorCtr="0" horzOverflow="overflow">
+                      <a:solidFill>
+                        <a:schemeClr val="accent4">
+                          <a:hueOff val="-48331"/>
+                          <a:satOff val="1035"/>
+                          <a:lumOff val="-13785"/>
+                        </a:schemeClr>
+                      </a:solidFill>
+                    </a:tcPr>
+                  </a:tc>
+                </a:tr>
+                <a:tr h="139700">
+                  <a:tc>
+                    <a:txBody>
+                      <a:bodyPr/>
+                      <a:lstStyle/>
+                      <a:p>
+                        <a:pPr algn="ctr" defTabSz="914400">
+                          <a:spcBef>
+                            <a:spcPts val="0"/>
+                          </a:spcBef>
+                          <a:defRPr sz="1800"/>
+                        </a:pPr>
+                        <a:r>
+                          <a:rPr sz="800">
+                            <a:latin typeface="Helvetica"/>
+                            <a:ea typeface="Helvetica"/>
+                            <a:cs typeface="Helvetica"/>
+                            <a:sym typeface="Helvetica"/>
+                          </a:rPr>
+                          <a:t>B</a:t>
+                        </a:r>
+                      </a:p>
+                    </a:txBody>
+                    <a:tcPr marL="0" marR="0" marT="0" marB="0" anchor="ctr" anchorCtr="0" horzOverflow="overflow"/>
+                  </a:tc>
+                  <a:tc>
+                    <a:txBody>
+                      <a:bodyPr/>
+                      <a:lstStyle/>
+                      <a:p>
+                        <a:pPr algn="ctr" defTabSz="914400">
+                          <a:spcBef>
+                            <a:spcPts val="0"/>
+                          </a:spcBef>
+                          <a:defRPr sz="1800"/>
+                        </a:pPr>
+                        <a:r>
+                          <a:rPr sz="800">
+                            <a:latin typeface="Helvetica"/>
+                            <a:ea typeface="Helvetica"/>
+                            <a:cs typeface="Helvetica"/>
+                            <a:sym typeface="Helvetica"/>
+                          </a:rPr>
+                          <a:t>2000</a:t>
+                        </a:r>
+                      </a:p>
+                    </a:txBody>
+                    <a:tcPr marL="0" marR="0" marT="0" marB="0" anchor="ctr" anchorCtr="0" horzOverflow="overflow"/>
+                  </a:tc>
+                  <a:tc>
+                    <a:txBody>
+                      <a:bodyPr/>
+                      <a:lstStyle/>
+                      <a:p>
+                        <a:pPr algn="ctr" defTabSz="914400">
+                          <a:spcBef>
+                            <a:spcPts val="0"/>
+                          </a:spcBef>
+                          <a:defRPr sz="1800"/>
+                        </a:pPr>
+                        <a:r>
+                          <a:rPr sz="800">
+                            <a:latin typeface="Helvetica"/>
+                            <a:ea typeface="Helvetica"/>
+                            <a:cs typeface="Helvetica"/>
+                            <a:sym typeface="Helvetica"/>
+                          </a:rPr>
+                          <a:t>80K</a:t>
+                        </a:r>
+                      </a:p>
+                    </a:txBody>
+                    <a:tcPr marL="0" marR="0" marT="0" marB="0" anchor="ctr" anchorCtr="0" horzOverflow="overflow">
+                      <a:solidFill>
+                        <a:schemeClr val="accent4"/>
+                      </a:solidFill>
+                    </a:tcPr>
+                  </a:tc>
+                  <a:tc>
+                    <a:txBody>
+                      <a:bodyPr/>
+                      <a:lstStyle/>
+                      <a:p>
+                        <a:pPr algn="ctr" defTabSz="914400">
+                          <a:spcBef>
+                            <a:spcPts val="0"/>
+                          </a:spcBef>
+                          <a:defRPr sz="1800"/>
+                        </a:pPr>
+                        <a:r>
+                          <a:rPr sz="800">
+                            <a:latin typeface="Helvetica"/>
+                            <a:ea typeface="Helvetica"/>
+                            <a:cs typeface="Helvetica"/>
+                            <a:sym typeface="Helvetica"/>
+                          </a:rPr>
+                          <a:t>174M</a:t>
+                        </a:r>
+                      </a:p>
+                    </a:txBody>
+                    <a:tcPr marL="0" marR="0" marT="0" marB="0" anchor="ctr" anchorCtr="0" horzOverflow="overflow">
+                      <a:solidFill>
+                        <a:schemeClr val="accent4">
+                          <a:hueOff val="-48331"/>
+                          <a:satOff val="1035"/>
+                          <a:lumOff val="-13785"/>
+                        </a:schemeClr>
+                      </a:solidFill>
+                    </a:tcPr>
+                  </a:tc>
+                </a:tr>
+                <a:tr h="139700">
+                  <a:tc>
+                    <a:txBody>
+                      <a:bodyPr/>
+                      <a:lstStyle/>
+                      <a:p>
+                        <a:pPr algn="ctr" defTabSz="914400">
+                          <a:spcBef>
+                            <a:spcPts val="0"/>
+                          </a:spcBef>
+                          <a:defRPr sz="1800"/>
+                        </a:pPr>
+                        <a:r>
+                          <a:rPr sz="800">
+                            <a:latin typeface="Helvetica"/>
+                            <a:ea typeface="Helvetica"/>
+                            <a:cs typeface="Helvetica"/>
+                            <a:sym typeface="Helvetica"/>
+                          </a:rPr>
+                          <a:t>C</a:t>
+                        </a:r>
+                      </a:p>
+                    </a:txBody>
+                    <a:tcPr marL="0" marR="0" marT="0" marB="0" anchor="ctr" anchorCtr="0" horzOverflow="overflow"/>
+                  </a:tc>
+                  <a:tc>
+                    <a:txBody>
+                      <a:bodyPr/>
+                      <a:lstStyle/>
+                      <a:p>
+                        <a:pPr algn="ctr" defTabSz="914400">
+                          <a:spcBef>
+                            <a:spcPts val="0"/>
+                          </a:spcBef>
+                          <a:defRPr sz="1800"/>
+                        </a:pPr>
+                        <a:r>
+                          <a:rPr sz="800">
+                            <a:latin typeface="Helvetica"/>
+                            <a:ea typeface="Helvetica"/>
+                            <a:cs typeface="Helvetica"/>
+                            <a:sym typeface="Helvetica"/>
+                          </a:rPr>
+                          <a:t>1999</a:t>
+                        </a:r>
+                      </a:p>
+                    </a:txBody>
+                    <a:tcPr marL="0" marR="0" marT="0" marB="0" anchor="ctr" anchorCtr="0" horzOverflow="overflow"/>
+                  </a:tc>
+                  <a:tc>
+                    <a:txBody>
+                      <a:bodyPr/>
+                      <a:lstStyle/>
+                      <a:p>
+                        <a:pPr algn="ctr" defTabSz="914400">
+                          <a:spcBef>
+                            <a:spcPts val="0"/>
+                          </a:spcBef>
+                          <a:defRPr sz="1800"/>
+                        </a:pPr>
+                        <a:r>
+                          <a:rPr sz="800">
+                            <a:latin typeface="Helvetica"/>
+                            <a:ea typeface="Helvetica"/>
+                            <a:cs typeface="Helvetica"/>
+                            <a:sym typeface="Helvetica"/>
+                          </a:rPr>
+                          <a:t>212K</a:t>
+                        </a:r>
+                      </a:p>
+                    </a:txBody>
+                    <a:tcPr marL="0" marR="0" marT="0" marB="0" anchor="ctr" anchorCtr="0" horzOverflow="overflow">
+                      <a:solidFill>
+                        <a:schemeClr val="accent4"/>
+                      </a:solidFill>
+                    </a:tcPr>
+                  </a:tc>
+                  <a:tc>
+                    <a:txBody>
+                      <a:bodyPr/>
+                      <a:lstStyle/>
+                      <a:p>
+                        <a:pPr algn="ctr" defTabSz="914400">
+                          <a:spcBef>
+                            <a:spcPts val="0"/>
+                          </a:spcBef>
+                          <a:defRPr sz="1800"/>
+                        </a:pPr>
+                        <a:r>
+                          <a:rPr sz="800">
+                            <a:latin typeface="Helvetica"/>
+                            <a:ea typeface="Helvetica"/>
+                            <a:cs typeface="Helvetica"/>
+                            <a:sym typeface="Helvetica"/>
+                          </a:rPr>
+                          <a:t>1T</a:t>
+                        </a:r>
+                      </a:p>
+                    </a:txBody>
+                    <a:tcPr marL="0" marR="0" marT="0" marB="0" anchor="ctr" anchorCtr="0" horzOverflow="overflow">
+                      <a:solidFill>
+                        <a:schemeClr val="accent4">
+                          <a:hueOff val="-48331"/>
+                          <a:satOff val="1035"/>
+                          <a:lumOff val="-13785"/>
+                        </a:schemeClr>
+                      </a:solidFill>
+                    </a:tcPr>
+                  </a:tc>
+                </a:tr>
+                <a:tr h="139700">
+                  <a:tc>
+                    <a:txBody>
+                      <a:bodyPr/>
+                      <a:lstStyle/>
+                      <a:p>
+                        <a:pPr algn="ctr" defTabSz="914400">
+                          <a:spcBef>
+                            <a:spcPts val="0"/>
+                          </a:spcBef>
+                          <a:defRPr sz="1800"/>
+                        </a:pPr>
+                        <a:r>
+                          <a:rPr sz="800">
+                            <a:latin typeface="Helvetica"/>
+                            <a:ea typeface="Helvetica"/>
+                            <a:cs typeface="Helvetica"/>
+                            <a:sym typeface="Helvetica"/>
+                          </a:rPr>
+                          <a:t>C</a:t>
+                        </a:r>
+                      </a:p>
+                    </a:txBody>
+                    <a:tcPr marL="0" marR="0" marT="0" marB="0" anchor="ctr" anchorCtr="0" horzOverflow="overflow"/>
+                  </a:tc>
+                  <a:tc>
+                    <a:txBody>
+                      <a:bodyPr/>
+                      <a:lstStyle/>
+                      <a:p>
+                        <a:pPr algn="ctr" defTabSz="914400">
+                          <a:spcBef>
+                            <a:spcPts val="0"/>
+                          </a:spcBef>
+                          <a:defRPr sz="1800"/>
+                        </a:pPr>
+                        <a:r>
+                          <a:rPr sz="800">
+                            <a:latin typeface="Helvetica"/>
+                            <a:ea typeface="Helvetica"/>
+                            <a:cs typeface="Helvetica"/>
+                            <a:sym typeface="Helvetica"/>
+                          </a:rPr>
+                          <a:t>2000</a:t>
+                        </a:r>
+                      </a:p>
+                    </a:txBody>
+                    <a:tcPr marL="0" marR="0" marT="0" marB="0" anchor="ctr" anchorCtr="0" horzOverflow="overflow"/>
+                  </a:tc>
+                  <a:tc>
+                    <a:txBody>
+                      <a:bodyPr/>
+                      <a:lstStyle/>
+                      <a:p>
+                        <a:pPr algn="ctr" defTabSz="914400">
+                          <a:spcBef>
+                            <a:spcPts val="0"/>
+                          </a:spcBef>
+                          <a:defRPr sz="1800"/>
+                        </a:pPr>
+                        <a:r>
+                          <a:rPr sz="800">
+                            <a:latin typeface="Helvetica"/>
+                            <a:ea typeface="Helvetica"/>
+                            <a:cs typeface="Helvetica"/>
+                            <a:sym typeface="Helvetica"/>
+                          </a:rPr>
+                          <a:t>NA</a:t>
+                        </a:r>
+                      </a:p>
+                    </a:txBody>
+                    <a:tcPr marL="0" marR="0" marT="0" marB="0" anchor="ctr" anchorCtr="0" horzOverflow="overflow">
+                      <a:solidFill>
+                        <a:schemeClr val="accent4"/>
+                      </a:solidFill>
+                    </a:tcPr>
+                  </a:tc>
+                  <a:tc>
+                    <a:txBody>
+                      <a:bodyPr/>
+                      <a:lstStyle/>
+                      <a:p>
+                        <a:pPr algn="ctr" defTabSz="914400">
+                          <a:spcBef>
+                            <a:spcPts val="0"/>
+                          </a:spcBef>
+                          <a:defRPr sz="1800"/>
+                        </a:pPr>
+                        <a:r>
+                          <a:rPr sz="800">
+                            <a:latin typeface="Helvetica"/>
+                            <a:ea typeface="Helvetica"/>
+                            <a:cs typeface="Helvetica"/>
+                            <a:sym typeface="Helvetica"/>
+                          </a:rPr>
+                          <a:t>NA</a:t>
+                        </a:r>
+                      </a:p>
+                    </a:txBody>
+                    <a:tcPr marL="0" marR="0" marT="0" marB="0" anchor="ctr" anchorCtr="0" horzOverflow="overflow">
+                      <a:solidFill>
+                        <a:schemeClr val="accent4">
+                          <a:hueOff val="-48331"/>
+                          <a:satOff val="1035"/>
+                          <a:lumOff val="-13785"/>
+                        </a:schemeClr>
+                      </a:solidFill>
+                    </a:tcPr>
+                  </a:tc>
+                </a:tr>
+              </a:tbl>
+            </a:graphicData>
+          </a:graphic>
+        </p:graphicFrame>
+        <p:sp>
+          <p:nvSpPr>
+            <p:cNvPr id="374" name="table2"/>
+            <p:cNvSpPr/>
+            <p:nvPr/>
+          </p:nvSpPr>
+          <p:spPr>
+            <a:xfrm>
+              <a:off x="745131" y="137120"/>
+              <a:ext cx="1270001" cy="1270001"/>
+            </a:xfrm>
+            <a:prstGeom prst="line">
+              <a:avLst/>
+            </a:prstGeom>
+            <a:noFill/>
+            <a:ln w="12700" cap="flat">
+              <a:noFill/>
+              <a:miter lim="400000"/>
+            </a:ln>
+            <a:effectLst/>
+            <a:extLst>
+              <a:ext uri="{C572A759-6A51-4108-AA02-DFA0A04FC94B}">
+                <ma14:wrappingTextBoxFlag xmlns:ma14="http://schemas.microsoft.com/office/mac/drawingml/2011/main" val="1"/>
+              </a:ext>
+            </a:extLst>
+          </p:spPr>
+          <p:txBody>
+            <a:bodyPr wrap="none" lIns="54570" tIns="54570" rIns="54570" bIns="54570" numCol="1" anchor="ctr">
+              <a:spAutoFit/>
+            </a:bodyPr>
+            <a:lstStyle>
+              <a:lvl1pPr algn="ctr">
+                <a:spcBef>
+                  <a:spcPts val="0"/>
+                </a:spcBef>
+                <a:defRPr b="0" sz="1000">
+                  <a:solidFill>
+                    <a:srgbClr val="A6AAA9"/>
+                  </a:solidFill>
+                </a:defRPr>
+              </a:lvl1pPr>
+            </a:lstStyle>
+            <a:p>
+              <a:pPr/>
+              <a:r>
+                <a:t>table2</a:t>
+              </a:r>
+            </a:p>
+          </p:txBody>
+        </p:sp>
+        <p:sp>
+          <p:nvSpPr>
+            <p:cNvPr id="375" name="Line"/>
+            <p:cNvSpPr/>
+            <p:nvPr/>
+          </p:nvSpPr>
+          <p:spPr>
+            <a:xfrm flipV="1">
+              <a:off x="1522502" y="531894"/>
+              <a:ext cx="165005" cy="1"/>
+            </a:xfrm>
+            <a:prstGeom prst="line">
+              <a:avLst/>
+            </a:prstGeom>
+            <a:noFill/>
+            <a:ln w="25400" cap="flat">
+              <a:solidFill>
+                <a:srgbClr val="53585F"/>
+              </a:solidFill>
+              <a:prstDash val="solid"/>
+              <a:miter lim="400000"/>
+              <a:tailEnd type="stealth" w="med" len="med"/>
+            </a:ln>
+            <a:effectLst/>
+          </p:spPr>
+          <p:txBody>
+            <a:bodyPr wrap="square" lIns="0" tIns="0" rIns="0" bIns="0" numCol="1" anchor="t">
+              <a:noAutofit/>
+            </a:bodyPr>
+            <a:lstStyle/>
+            <a:p>
+              <a:pPr>
+                <a:lnSpc>
+                  <a:spcPct val="80000"/>
+                </a:lnSpc>
+                <a:spcBef>
+                  <a:spcPts val="0"/>
+                </a:spcBef>
+                <a:defRPr b="0" sz="5600">
+                  <a:solidFill>
+                    <a:srgbClr val="000000"/>
+                  </a:solidFill>
+                  <a:effectLst>
+                    <a:outerShdw sx="100000" sy="100000" kx="0" ky="0" algn="b" rotWithShape="0" blurRad="38100" dist="12700" dir="5400000">
+                      <a:srgbClr val="000000">
+                        <a:alpha val="50000"/>
+                      </a:srgbClr>
+                    </a:outerShdw>
+                  </a:effectLst>
+                  <a:latin typeface="Gill Sans"/>
+                  <a:ea typeface="Gill Sans"/>
+                  <a:cs typeface="Gill Sans"/>
+                  <a:sym typeface="Gill Sans"/>
+                </a:defRPr>
+              </a:pPr>
+            </a:p>
+          </p:txBody>
+        </p:sp>
+        <p:graphicFrame>
+          <p:nvGraphicFramePr>
+            <p:cNvPr id="376" name="Table"/>
+            <p:cNvGraphicFramePr/>
+            <p:nvPr/>
+          </p:nvGraphicFramePr>
+          <p:xfrm>
+            <a:off x="0" y="227094"/>
+            <a:ext cx="1511300" cy="1587501"/>
+          </p:xfrm>
+          <a:graphic xmlns:a="http://schemas.openxmlformats.org/drawingml/2006/main">
+            <a:graphicData uri="http://schemas.openxmlformats.org/drawingml/2006/table">
+              <a:tbl>
+                <a:tblPr firstCol="0" firstRow="1" lastCol="0" lastRow="0" bandCol="0" bandRow="0" rtl="0">
+                  <a:tableStyleId>{33BA23B1-9221-436E-865A-0063620EA4FD}</a:tableStyleId>
+                </a:tblPr>
+                <a:tblGrid>
+                  <a:gridCol w="439785"/>
+                  <a:gridCol w="300153"/>
+                  <a:gridCol w="342440"/>
+                  <a:gridCol w="380305"/>
+                </a:tblGrid>
+                <a:tr h="139700">
+                  <a:tc>
+                    <a:txBody>
+                      <a:bodyPr/>
+                      <a:lstStyle/>
+                      <a:p>
+                        <a:pPr algn="ctr" defTabSz="914400">
+                          <a:spcBef>
+                            <a:spcPts val="0"/>
+                          </a:spcBef>
+                          <a:defRPr b="0" sz="1800">
+                            <a:solidFill>
+                              <a:srgbClr val="000000"/>
+                            </a:solidFill>
+                          </a:defRPr>
+                        </a:pPr>
+                        <a:r>
+                          <a:rPr b="1" sz="800">
+                            <a:solidFill>
+                              <a:srgbClr val="FFFFFF"/>
+                            </a:solidFill>
+                            <a:latin typeface="Helvetica"/>
+                            <a:ea typeface="Helvetica"/>
+                            <a:cs typeface="Helvetica"/>
+                            <a:sym typeface="Helvetica"/>
+                          </a:rPr>
+                          <a:t>country</a:t>
+                        </a:r>
+                      </a:p>
+                    </a:txBody>
+                    <a:tcPr marL="0" marR="0" marT="0" marB="0" anchor="t" anchorCtr="0" horzOverflow="overflow">
+                      <a:solidFill>
+                        <a:srgbClr val="797979"/>
+                      </a:solidFill>
+                    </a:tcPr>
+                  </a:tc>
+                  <a:tc>
+                    <a:txBody>
+                      <a:bodyPr/>
+                      <a:lstStyle/>
+                      <a:p>
+                        <a:pPr algn="ctr" defTabSz="914400">
+                          <a:spcBef>
+                            <a:spcPts val="100"/>
+                          </a:spcBef>
+                          <a:defRPr b="0" sz="1800">
+                            <a:solidFill>
+                              <a:srgbClr val="000000"/>
+                            </a:solidFill>
+                          </a:defRPr>
+                        </a:pPr>
+                        <a:r>
+                          <a:rPr b="1" baseline="75000" sz="800">
+                            <a:solidFill>
+                              <a:srgbClr val="FFFFFF"/>
+                            </a:solidFill>
+                            <a:latin typeface="Helvetica"/>
+                            <a:ea typeface="Helvetica"/>
+                            <a:cs typeface="Helvetica"/>
+                            <a:sym typeface="Helvetica"/>
+                          </a:rPr>
+                          <a:t>year</a:t>
+                        </a:r>
+                      </a:p>
+                    </a:txBody>
+                    <a:tcPr marL="0" marR="0" marT="0" marB="0" anchor="t" anchorCtr="0" horzOverflow="overflow">
+                      <a:solidFill>
+                        <a:srgbClr val="797979"/>
+                      </a:solidFill>
+                    </a:tcPr>
+                  </a:tc>
+                  <a:tc>
+                    <a:txBody>
+                      <a:bodyPr/>
+                      <a:lstStyle/>
+                      <a:p>
+                        <a:pPr algn="ctr" defTabSz="914400">
+                          <a:spcBef>
+                            <a:spcPts val="0"/>
+                          </a:spcBef>
+                          <a:defRPr b="0" sz="1800">
+                            <a:solidFill>
+                              <a:srgbClr val="000000"/>
+                            </a:solidFill>
+                          </a:defRPr>
+                        </a:pPr>
+                        <a:r>
+                          <a:rPr b="1" sz="800">
+                            <a:solidFill>
+                              <a:srgbClr val="FFFFFF"/>
+                            </a:solidFill>
+                            <a:latin typeface="Helvetica"/>
+                            <a:ea typeface="Helvetica"/>
+                            <a:cs typeface="Helvetica"/>
+                            <a:sym typeface="Helvetica"/>
+                          </a:rPr>
+                          <a:t>type</a:t>
+                        </a:r>
+                      </a:p>
+                    </a:txBody>
+                    <a:tcPr marL="0" marR="0" marT="0" marB="0" anchor="t" anchorCtr="0" horzOverflow="overflow">
+                      <a:solidFill>
+                        <a:srgbClr val="797979"/>
+                      </a:solidFill>
+                    </a:tcPr>
+                  </a:tc>
+                  <a:tc>
+                    <a:txBody>
+                      <a:bodyPr/>
+                      <a:lstStyle/>
+                      <a:p>
+                        <a:pPr algn="ctr" defTabSz="914400">
+                          <a:spcBef>
+                            <a:spcPts val="0"/>
+                          </a:spcBef>
+                          <a:defRPr b="0" sz="1800">
+                            <a:solidFill>
+                              <a:srgbClr val="000000"/>
+                            </a:solidFill>
+                          </a:defRPr>
+                        </a:pPr>
+                        <a:r>
+                          <a:rPr b="1" sz="800">
+                            <a:solidFill>
+                              <a:srgbClr val="FFFFFF"/>
+                            </a:solidFill>
+                            <a:latin typeface="Helvetica"/>
+                            <a:ea typeface="Helvetica"/>
+                            <a:cs typeface="Helvetica"/>
+                            <a:sym typeface="Helvetica"/>
+                          </a:rPr>
+                          <a:t>count</a:t>
+                        </a:r>
+                      </a:p>
+                    </a:txBody>
+                    <a:tcPr marL="0" marR="0" marT="0" marB="0" anchor="t" anchorCtr="0" horzOverflow="overflow">
+                      <a:solidFill>
+                        <a:srgbClr val="797979"/>
+                      </a:solidFill>
+                    </a:tcPr>
+                  </a:tc>
+                </a:tr>
+                <a:tr h="139700">
+                  <a:tc>
+                    <a:txBody>
+                      <a:bodyPr/>
+                      <a:lstStyle/>
+                      <a:p>
+                        <a:pPr algn="ctr" defTabSz="914400">
+                          <a:spcBef>
+                            <a:spcPts val="0"/>
+                          </a:spcBef>
+                          <a:defRPr sz="1800"/>
+                        </a:pPr>
+                        <a:r>
+                          <a:rPr baseline="25000" sz="800">
+                            <a:latin typeface="Helvetica"/>
+                            <a:ea typeface="Helvetica"/>
+                            <a:cs typeface="Helvetica"/>
+                            <a:sym typeface="Helvetica"/>
+                          </a:rPr>
+                          <a:t>A</a:t>
+                        </a:r>
+                      </a:p>
+                    </a:txBody>
+                    <a:tcPr marL="0" marR="0" marT="0" marB="0" anchor="t" anchorCtr="0" horzOverflow="overflow"/>
+                  </a:tc>
+                  <a:tc>
+                    <a:txBody>
+                      <a:bodyPr/>
+                      <a:lstStyle/>
+                      <a:p>
+                        <a:pPr algn="ctr" defTabSz="914400">
+                          <a:spcBef>
+                            <a:spcPts val="0"/>
+                          </a:spcBef>
+                          <a:defRPr sz="1800"/>
+                        </a:pPr>
+                        <a:r>
+                          <a:rPr baseline="25000" sz="800">
+                            <a:latin typeface="Helvetica"/>
+                            <a:ea typeface="Helvetica"/>
+                            <a:cs typeface="Helvetica"/>
+                            <a:sym typeface="Helvetica"/>
+                          </a:rPr>
+                          <a:t>1999</a:t>
+                        </a:r>
+                      </a:p>
+                    </a:txBody>
+                    <a:tcPr marL="0" marR="0" marT="0" marB="0" anchor="t" anchorCtr="0" horzOverflow="overflow"/>
+                  </a:tc>
+                  <a:tc>
+                    <a:txBody>
+                      <a:bodyPr/>
+                      <a:lstStyle/>
+                      <a:p>
+                        <a:pPr algn="ctr" defTabSz="914400">
+                          <a:spcBef>
+                            <a:spcPts val="0"/>
+                          </a:spcBef>
+                          <a:defRPr sz="1800"/>
+                        </a:pPr>
+                        <a:r>
+                          <a:rPr baseline="25000" sz="800">
+                            <a:solidFill>
+                              <a:srgbClr val="FFFFFF"/>
+                            </a:solidFill>
+                            <a:latin typeface="Helvetica"/>
+                            <a:ea typeface="Helvetica"/>
+                            <a:cs typeface="Helvetica"/>
+                            <a:sym typeface="Helvetica"/>
+                          </a:rPr>
+                          <a:t>cases</a:t>
+                        </a:r>
+                      </a:p>
+                    </a:txBody>
+                    <a:tcPr marL="0" marR="0" marT="0" marB="0" anchor="t" anchorCtr="0" horzOverflow="overflow">
+                      <a:solidFill>
+                        <a:srgbClr val="407AAA"/>
+                      </a:solidFill>
+                    </a:tcPr>
+                  </a:tc>
+                  <a:tc>
+                    <a:txBody>
+                      <a:bodyPr/>
+                      <a:lstStyle/>
+                      <a:p>
+                        <a:pPr algn="ctr" defTabSz="914400">
+                          <a:spcBef>
+                            <a:spcPts val="0"/>
+                          </a:spcBef>
+                          <a:defRPr sz="1800"/>
+                        </a:pPr>
+                        <a:r>
+                          <a:rPr baseline="25000" sz="800">
+                            <a:latin typeface="Helvetica"/>
+                            <a:ea typeface="Helvetica"/>
+                            <a:cs typeface="Helvetica"/>
+                            <a:sym typeface="Helvetica"/>
+                          </a:rPr>
+                          <a:t>0.7K</a:t>
+                        </a:r>
+                      </a:p>
+                    </a:txBody>
+                    <a:tcPr marL="0" marR="0" marT="0" marB="0" anchor="t" anchorCtr="0" horzOverflow="overflow">
+                      <a:solidFill>
+                        <a:schemeClr val="accent4"/>
+                      </a:solidFill>
+                    </a:tcPr>
+                  </a:tc>
+                </a:tr>
+                <a:tr h="139700">
+                  <a:tc>
+                    <a:txBody>
+                      <a:bodyPr/>
+                      <a:lstStyle/>
+                      <a:p>
+                        <a:pPr algn="ctr" defTabSz="914400">
+                          <a:spcBef>
+                            <a:spcPts val="0"/>
+                          </a:spcBef>
+                          <a:defRPr sz="1800"/>
+                        </a:pPr>
+                        <a:r>
+                          <a:rPr baseline="25000" sz="800">
+                            <a:latin typeface="Helvetica"/>
+                            <a:ea typeface="Helvetica"/>
+                            <a:cs typeface="Helvetica"/>
+                            <a:sym typeface="Helvetica"/>
+                          </a:rPr>
+                          <a:t>A</a:t>
+                        </a:r>
+                      </a:p>
+                    </a:txBody>
+                    <a:tcPr marL="0" marR="0" marT="0" marB="0" anchor="t" anchorCtr="0" horzOverflow="overflow"/>
+                  </a:tc>
+                  <a:tc>
+                    <a:txBody>
+                      <a:bodyPr/>
+                      <a:lstStyle/>
+                      <a:p>
+                        <a:pPr algn="ctr" defTabSz="914400">
+                          <a:spcBef>
+                            <a:spcPts val="0"/>
+                          </a:spcBef>
+                          <a:defRPr sz="1800"/>
+                        </a:pPr>
+                        <a:r>
+                          <a:rPr baseline="25000" sz="800">
+                            <a:latin typeface="Helvetica"/>
+                            <a:ea typeface="Helvetica"/>
+                            <a:cs typeface="Helvetica"/>
+                            <a:sym typeface="Helvetica"/>
+                          </a:rPr>
+                          <a:t>1999</a:t>
+                        </a:r>
+                      </a:p>
+                    </a:txBody>
+                    <a:tcPr marL="0" marR="0" marT="0" marB="0" anchor="t" anchorCtr="0" horzOverflow="overflow"/>
+                  </a:tc>
+                  <a:tc>
+                    <a:txBody>
+                      <a:bodyPr/>
+                      <a:lstStyle/>
+                      <a:p>
+                        <a:pPr algn="ctr" defTabSz="914400">
+                          <a:spcBef>
+                            <a:spcPts val="0"/>
+                          </a:spcBef>
+                          <a:defRPr sz="1800"/>
+                        </a:pPr>
+                        <a:r>
+                          <a:rPr baseline="25000" sz="800">
+                            <a:solidFill>
+                              <a:srgbClr val="FFFFFF"/>
+                            </a:solidFill>
+                            <a:latin typeface="Helvetica"/>
+                            <a:ea typeface="Helvetica"/>
+                            <a:cs typeface="Helvetica"/>
+                            <a:sym typeface="Helvetica"/>
+                          </a:rPr>
+                          <a:t>pop</a:t>
+                        </a:r>
+                      </a:p>
+                    </a:txBody>
+                    <a:tcPr marL="0" marR="0" marT="0" marB="0" anchor="t" anchorCtr="0" horzOverflow="overflow">
+                      <a:solidFill>
+                        <a:schemeClr val="accent1">
+                          <a:hueOff val="47394"/>
+                          <a:satOff val="-25753"/>
+                          <a:lumOff val="-7544"/>
+                        </a:schemeClr>
+                      </a:solidFill>
+                    </a:tcPr>
+                  </a:tc>
+                  <a:tc>
+                    <a:txBody>
+                      <a:bodyPr/>
+                      <a:lstStyle/>
+                      <a:p>
+                        <a:pPr algn="ctr" defTabSz="914400">
+                          <a:spcBef>
+                            <a:spcPts val="0"/>
+                          </a:spcBef>
+                          <a:defRPr sz="1800"/>
+                        </a:pPr>
+                        <a:r>
+                          <a:rPr baseline="25000" sz="800">
+                            <a:latin typeface="Helvetica"/>
+                            <a:ea typeface="Helvetica"/>
+                            <a:cs typeface="Helvetica"/>
+                            <a:sym typeface="Helvetica"/>
+                          </a:rPr>
+                          <a:t>19M</a:t>
+                        </a:r>
+                      </a:p>
+                    </a:txBody>
+                    <a:tcPr marL="0" marR="0" marT="0" marB="0" anchor="t" anchorCtr="0" horzOverflow="overflow">
+                      <a:solidFill>
+                        <a:schemeClr val="accent4">
+                          <a:hueOff val="-48331"/>
+                          <a:satOff val="1035"/>
+                          <a:lumOff val="-13785"/>
+                        </a:schemeClr>
+                      </a:solidFill>
+                    </a:tcPr>
+                  </a:tc>
+                </a:tr>
+                <a:tr h="139700">
+                  <a:tc>
+                    <a:txBody>
+                      <a:bodyPr/>
+                      <a:lstStyle/>
+                      <a:p>
+                        <a:pPr algn="ctr" defTabSz="914400">
+                          <a:spcBef>
+                            <a:spcPts val="0"/>
+                          </a:spcBef>
+                          <a:defRPr sz="1800"/>
+                        </a:pPr>
+                        <a:r>
+                          <a:rPr baseline="25000" sz="800">
+                            <a:latin typeface="Helvetica"/>
+                            <a:ea typeface="Helvetica"/>
+                            <a:cs typeface="Helvetica"/>
+                            <a:sym typeface="Helvetica"/>
+                          </a:rPr>
+                          <a:t>A</a:t>
+                        </a:r>
+                      </a:p>
+                    </a:txBody>
+                    <a:tcPr marL="0" marR="0" marT="0" marB="0" anchor="t" anchorCtr="0" horzOverflow="overflow"/>
+                  </a:tc>
+                  <a:tc>
+                    <a:txBody>
+                      <a:bodyPr/>
+                      <a:lstStyle/>
+                      <a:p>
+                        <a:pPr algn="ctr" defTabSz="914400">
+                          <a:spcBef>
+                            <a:spcPts val="0"/>
+                          </a:spcBef>
+                          <a:defRPr sz="1800"/>
+                        </a:pPr>
+                        <a:r>
+                          <a:rPr baseline="25000" sz="800">
+                            <a:latin typeface="Helvetica"/>
+                            <a:ea typeface="Helvetica"/>
+                            <a:cs typeface="Helvetica"/>
+                            <a:sym typeface="Helvetica"/>
+                          </a:rPr>
+                          <a:t>2000</a:t>
+                        </a:r>
+                      </a:p>
+                    </a:txBody>
+                    <a:tcPr marL="0" marR="0" marT="0" marB="0" anchor="t" anchorCtr="0" horzOverflow="overflow"/>
+                  </a:tc>
+                  <a:tc>
+                    <a:txBody>
+                      <a:bodyPr/>
+                      <a:lstStyle/>
+                      <a:p>
+                        <a:pPr algn="ctr" defTabSz="914400">
+                          <a:spcBef>
+                            <a:spcPts val="0"/>
+                          </a:spcBef>
+                          <a:defRPr sz="1800"/>
+                        </a:pPr>
+                        <a:r>
+                          <a:rPr baseline="25000" sz="800">
+                            <a:solidFill>
+                              <a:srgbClr val="FFFFFF"/>
+                            </a:solidFill>
+                            <a:latin typeface="Helvetica"/>
+                            <a:ea typeface="Helvetica"/>
+                            <a:cs typeface="Helvetica"/>
+                            <a:sym typeface="Helvetica"/>
+                          </a:rPr>
+                          <a:t>cases</a:t>
+                        </a:r>
+                      </a:p>
+                    </a:txBody>
+                    <a:tcPr marL="0" marR="0" marT="0" marB="0" anchor="t" anchorCtr="0" horzOverflow="overflow">
+                      <a:solidFill>
+                        <a:srgbClr val="407AAA"/>
+                      </a:solidFill>
+                    </a:tcPr>
+                  </a:tc>
+                  <a:tc>
+                    <a:txBody>
+                      <a:bodyPr/>
+                      <a:lstStyle/>
+                      <a:p>
+                        <a:pPr algn="ctr" defTabSz="914400">
+                          <a:spcBef>
+                            <a:spcPts val="0"/>
+                          </a:spcBef>
+                          <a:defRPr sz="1800"/>
+                        </a:pPr>
+                        <a:r>
+                          <a:rPr baseline="25000" sz="800">
+                            <a:latin typeface="Helvetica"/>
+                            <a:ea typeface="Helvetica"/>
+                            <a:cs typeface="Helvetica"/>
+                            <a:sym typeface="Helvetica"/>
+                          </a:rPr>
+                          <a:t>2K</a:t>
+                        </a:r>
+                      </a:p>
+                    </a:txBody>
+                    <a:tcPr marL="0" marR="0" marT="0" marB="0" anchor="t" anchorCtr="0" horzOverflow="overflow">
+                      <a:solidFill>
+                        <a:schemeClr val="accent4"/>
+                      </a:solidFill>
+                    </a:tcPr>
+                  </a:tc>
+                </a:tr>
+                <a:tr h="139700">
+                  <a:tc>
+                    <a:txBody>
+                      <a:bodyPr/>
+                      <a:lstStyle/>
+                      <a:p>
+                        <a:pPr algn="ctr" defTabSz="914400">
+                          <a:spcBef>
+                            <a:spcPts val="0"/>
+                          </a:spcBef>
+                          <a:defRPr sz="1800"/>
+                        </a:pPr>
+                        <a:r>
+                          <a:rPr baseline="25000" sz="800">
+                            <a:latin typeface="Helvetica"/>
+                            <a:ea typeface="Helvetica"/>
+                            <a:cs typeface="Helvetica"/>
+                            <a:sym typeface="Helvetica"/>
+                          </a:rPr>
+                          <a:t>A</a:t>
+                        </a:r>
+                      </a:p>
+                    </a:txBody>
+                    <a:tcPr marL="0" marR="0" marT="0" marB="0" anchor="t" anchorCtr="0" horzOverflow="overflow"/>
+                  </a:tc>
+                  <a:tc>
+                    <a:txBody>
+                      <a:bodyPr/>
+                      <a:lstStyle/>
+                      <a:p>
+                        <a:pPr algn="ctr" defTabSz="914400">
+                          <a:spcBef>
+                            <a:spcPts val="0"/>
+                          </a:spcBef>
+                          <a:defRPr sz="1800"/>
+                        </a:pPr>
+                        <a:r>
+                          <a:rPr baseline="25000" sz="800">
+                            <a:latin typeface="Helvetica"/>
+                            <a:ea typeface="Helvetica"/>
+                            <a:cs typeface="Helvetica"/>
+                            <a:sym typeface="Helvetica"/>
+                          </a:rPr>
+                          <a:t>2000</a:t>
+                        </a:r>
+                      </a:p>
+                    </a:txBody>
+                    <a:tcPr marL="0" marR="0" marT="0" marB="0" anchor="t" anchorCtr="0" horzOverflow="overflow"/>
+                  </a:tc>
+                  <a:tc>
+                    <a:txBody>
+                      <a:bodyPr/>
+                      <a:lstStyle/>
+                      <a:p>
+                        <a:pPr algn="ctr" defTabSz="914400">
+                          <a:spcBef>
+                            <a:spcPts val="0"/>
+                          </a:spcBef>
+                          <a:defRPr sz="1800"/>
+                        </a:pPr>
+                        <a:r>
+                          <a:rPr baseline="25000" sz="800">
+                            <a:solidFill>
+                              <a:srgbClr val="FFFFFF"/>
+                            </a:solidFill>
+                            <a:latin typeface="Helvetica"/>
+                            <a:ea typeface="Helvetica"/>
+                            <a:cs typeface="Helvetica"/>
+                            <a:sym typeface="Helvetica"/>
+                          </a:rPr>
+                          <a:t>pop</a:t>
+                        </a:r>
+                      </a:p>
+                    </a:txBody>
+                    <a:tcPr marL="0" marR="0" marT="0" marB="0" anchor="t" anchorCtr="0" horzOverflow="overflow">
+                      <a:solidFill>
+                        <a:schemeClr val="accent1">
+                          <a:hueOff val="47394"/>
+                          <a:satOff val="-25753"/>
+                          <a:lumOff val="-7544"/>
+                        </a:schemeClr>
+                      </a:solidFill>
+                    </a:tcPr>
+                  </a:tc>
+                  <a:tc>
+                    <a:txBody>
+                      <a:bodyPr/>
+                      <a:lstStyle/>
+                      <a:p>
+                        <a:pPr algn="ctr" defTabSz="914400">
+                          <a:spcBef>
+                            <a:spcPts val="0"/>
+                          </a:spcBef>
+                          <a:defRPr sz="1800"/>
+                        </a:pPr>
+                        <a:r>
+                          <a:rPr baseline="25000" sz="800">
+                            <a:latin typeface="Helvetica"/>
+                            <a:ea typeface="Helvetica"/>
+                            <a:cs typeface="Helvetica"/>
+                            <a:sym typeface="Helvetica"/>
+                          </a:rPr>
+                          <a:t>20M</a:t>
+                        </a:r>
+                      </a:p>
+                    </a:txBody>
+                    <a:tcPr marL="0" marR="0" marT="0" marB="0" anchor="t" anchorCtr="0" horzOverflow="overflow">
+                      <a:solidFill>
+                        <a:schemeClr val="accent4">
+                          <a:hueOff val="-48331"/>
+                          <a:satOff val="1035"/>
+                          <a:lumOff val="-13785"/>
+                        </a:schemeClr>
+                      </a:solidFill>
+                    </a:tcPr>
+                  </a:tc>
+                </a:tr>
+                <a:tr h="139700">
+                  <a:tc>
+                    <a:txBody>
+                      <a:bodyPr/>
+                      <a:lstStyle/>
+                      <a:p>
+                        <a:pPr algn="ctr" defTabSz="914400">
+                          <a:spcBef>
+                            <a:spcPts val="0"/>
+                          </a:spcBef>
+                          <a:defRPr sz="1800"/>
+                        </a:pPr>
+                        <a:r>
+                          <a:rPr baseline="25000" sz="800">
+                            <a:latin typeface="Helvetica"/>
+                            <a:ea typeface="Helvetica"/>
+                            <a:cs typeface="Helvetica"/>
+                            <a:sym typeface="Helvetica"/>
+                          </a:rPr>
+                          <a:t>B</a:t>
+                        </a:r>
+                      </a:p>
+                    </a:txBody>
+                    <a:tcPr marL="0" marR="0" marT="0" marB="0" anchor="t" anchorCtr="0" horzOverflow="overflow"/>
+                  </a:tc>
+                  <a:tc>
+                    <a:txBody>
+                      <a:bodyPr/>
+                      <a:lstStyle/>
+                      <a:p>
+                        <a:pPr algn="ctr" defTabSz="914400">
+                          <a:spcBef>
+                            <a:spcPts val="0"/>
+                          </a:spcBef>
+                          <a:defRPr sz="1800"/>
+                        </a:pPr>
+                        <a:r>
+                          <a:rPr baseline="25000" sz="800">
+                            <a:latin typeface="Helvetica"/>
+                            <a:ea typeface="Helvetica"/>
+                            <a:cs typeface="Helvetica"/>
+                            <a:sym typeface="Helvetica"/>
+                          </a:rPr>
+                          <a:t>1999</a:t>
+                        </a:r>
+                      </a:p>
+                    </a:txBody>
+                    <a:tcPr marL="0" marR="0" marT="0" marB="0" anchor="t" anchorCtr="0" horzOverflow="overflow"/>
+                  </a:tc>
+                  <a:tc>
+                    <a:txBody>
+                      <a:bodyPr/>
+                      <a:lstStyle/>
+                      <a:p>
+                        <a:pPr algn="ctr" defTabSz="914400">
+                          <a:spcBef>
+                            <a:spcPts val="0"/>
+                          </a:spcBef>
+                          <a:defRPr sz="1800"/>
+                        </a:pPr>
+                        <a:r>
+                          <a:rPr baseline="25000" sz="800">
+                            <a:solidFill>
+                              <a:srgbClr val="FFFFFF"/>
+                            </a:solidFill>
+                            <a:latin typeface="Helvetica"/>
+                            <a:ea typeface="Helvetica"/>
+                            <a:cs typeface="Helvetica"/>
+                            <a:sym typeface="Helvetica"/>
+                          </a:rPr>
+                          <a:t>cases</a:t>
+                        </a:r>
+                      </a:p>
+                    </a:txBody>
+                    <a:tcPr marL="0" marR="0" marT="0" marB="0" anchor="t" anchorCtr="0" horzOverflow="overflow">
+                      <a:solidFill>
+                        <a:srgbClr val="407AAA"/>
+                      </a:solidFill>
+                    </a:tcPr>
+                  </a:tc>
+                  <a:tc>
+                    <a:txBody>
+                      <a:bodyPr/>
+                      <a:lstStyle/>
+                      <a:p>
+                        <a:pPr algn="ctr" defTabSz="914400">
+                          <a:spcBef>
+                            <a:spcPts val="0"/>
+                          </a:spcBef>
+                          <a:defRPr sz="1800"/>
+                        </a:pPr>
+                        <a:r>
+                          <a:rPr baseline="25000" sz="800">
+                            <a:latin typeface="Helvetica"/>
+                            <a:ea typeface="Helvetica"/>
+                            <a:cs typeface="Helvetica"/>
+                            <a:sym typeface="Helvetica"/>
+                          </a:rPr>
+                          <a:t>37K</a:t>
+                        </a:r>
+                      </a:p>
+                    </a:txBody>
+                    <a:tcPr marL="0" marR="0" marT="0" marB="0" anchor="t" anchorCtr="0" horzOverflow="overflow">
+                      <a:solidFill>
+                        <a:schemeClr val="accent4"/>
+                      </a:solidFill>
+                    </a:tcPr>
+                  </a:tc>
+                </a:tr>
+                <a:tr h="139700">
+                  <a:tc>
+                    <a:txBody>
+                      <a:bodyPr/>
+                      <a:lstStyle/>
+                      <a:p>
+                        <a:pPr algn="ctr" defTabSz="914400">
+                          <a:spcBef>
+                            <a:spcPts val="0"/>
+                          </a:spcBef>
+                          <a:defRPr sz="1800"/>
+                        </a:pPr>
+                        <a:r>
+                          <a:rPr baseline="25000" sz="800">
+                            <a:latin typeface="Helvetica"/>
+                            <a:ea typeface="Helvetica"/>
+                            <a:cs typeface="Helvetica"/>
+                            <a:sym typeface="Helvetica"/>
+                          </a:rPr>
+                          <a:t>B</a:t>
+                        </a:r>
+                      </a:p>
+                    </a:txBody>
+                    <a:tcPr marL="0" marR="0" marT="0" marB="0" anchor="t" anchorCtr="0" horzOverflow="overflow"/>
+                  </a:tc>
+                  <a:tc>
+                    <a:txBody>
+                      <a:bodyPr/>
+                      <a:lstStyle/>
+                      <a:p>
+                        <a:pPr algn="ctr" defTabSz="914400">
+                          <a:spcBef>
+                            <a:spcPts val="0"/>
+                          </a:spcBef>
+                          <a:defRPr sz="1800"/>
+                        </a:pPr>
+                        <a:r>
+                          <a:rPr baseline="25000" sz="800">
+                            <a:latin typeface="Helvetica"/>
+                            <a:ea typeface="Helvetica"/>
+                            <a:cs typeface="Helvetica"/>
+                            <a:sym typeface="Helvetica"/>
+                          </a:rPr>
+                          <a:t>1999</a:t>
+                        </a:r>
+                      </a:p>
+                    </a:txBody>
+                    <a:tcPr marL="0" marR="0" marT="0" marB="0" anchor="t" anchorCtr="0" horzOverflow="overflow"/>
+                  </a:tc>
+                  <a:tc>
+                    <a:txBody>
+                      <a:bodyPr/>
+                      <a:lstStyle/>
+                      <a:p>
+                        <a:pPr algn="ctr" defTabSz="914400">
+                          <a:spcBef>
+                            <a:spcPts val="0"/>
+                          </a:spcBef>
+                          <a:defRPr sz="1800"/>
+                        </a:pPr>
+                        <a:r>
+                          <a:rPr baseline="25000" sz="800">
+                            <a:solidFill>
+                              <a:srgbClr val="FFFFFF"/>
+                            </a:solidFill>
+                            <a:latin typeface="Helvetica"/>
+                            <a:ea typeface="Helvetica"/>
+                            <a:cs typeface="Helvetica"/>
+                            <a:sym typeface="Helvetica"/>
+                          </a:rPr>
+                          <a:t>pop</a:t>
+                        </a:r>
+                      </a:p>
+                    </a:txBody>
+                    <a:tcPr marL="0" marR="0" marT="0" marB="0" anchor="t" anchorCtr="0" horzOverflow="overflow">
+                      <a:solidFill>
+                        <a:schemeClr val="accent1">
+                          <a:hueOff val="47394"/>
+                          <a:satOff val="-25753"/>
+                          <a:lumOff val="-7544"/>
+                        </a:schemeClr>
+                      </a:solidFill>
+                    </a:tcPr>
+                  </a:tc>
+                  <a:tc>
+                    <a:txBody>
+                      <a:bodyPr/>
+                      <a:lstStyle/>
+                      <a:p>
+                        <a:pPr algn="ctr" defTabSz="914400">
+                          <a:spcBef>
+                            <a:spcPts val="0"/>
+                          </a:spcBef>
+                          <a:defRPr sz="1800"/>
+                        </a:pPr>
+                        <a:r>
+                          <a:rPr baseline="25000" sz="800">
+                            <a:latin typeface="Helvetica"/>
+                            <a:ea typeface="Helvetica"/>
+                            <a:cs typeface="Helvetica"/>
+                            <a:sym typeface="Helvetica"/>
+                          </a:rPr>
+                          <a:t>172M</a:t>
+                        </a:r>
+                      </a:p>
+                    </a:txBody>
+                    <a:tcPr marL="0" marR="0" marT="0" marB="0" anchor="t" anchorCtr="0" horzOverflow="overflow">
+                      <a:solidFill>
+                        <a:schemeClr val="accent4">
+                          <a:hueOff val="-48331"/>
+                          <a:satOff val="1035"/>
+                          <a:lumOff val="-13785"/>
+                        </a:schemeClr>
+                      </a:solidFill>
+                    </a:tcPr>
+                  </a:tc>
+                </a:tr>
+                <a:tr h="139700">
+                  <a:tc>
+                    <a:txBody>
+                      <a:bodyPr/>
+                      <a:lstStyle/>
+                      <a:p>
+                        <a:pPr algn="ctr" defTabSz="914400">
+                          <a:spcBef>
+                            <a:spcPts val="0"/>
+                          </a:spcBef>
+                          <a:defRPr sz="1800"/>
+                        </a:pPr>
+                        <a:r>
+                          <a:rPr baseline="25000" sz="800">
+                            <a:latin typeface="Helvetica"/>
+                            <a:ea typeface="Helvetica"/>
+                            <a:cs typeface="Helvetica"/>
+                            <a:sym typeface="Helvetica"/>
+                          </a:rPr>
+                          <a:t>B</a:t>
+                        </a:r>
+                      </a:p>
+                    </a:txBody>
+                    <a:tcPr marL="0" marR="0" marT="0" marB="0" anchor="t" anchorCtr="0" horzOverflow="overflow"/>
+                  </a:tc>
+                  <a:tc>
+                    <a:txBody>
+                      <a:bodyPr/>
+                      <a:lstStyle/>
+                      <a:p>
+                        <a:pPr algn="ctr" defTabSz="914400">
+                          <a:spcBef>
+                            <a:spcPts val="0"/>
+                          </a:spcBef>
+                          <a:defRPr sz="1800"/>
+                        </a:pPr>
+                        <a:r>
+                          <a:rPr baseline="25000" sz="800">
+                            <a:latin typeface="Helvetica"/>
+                            <a:ea typeface="Helvetica"/>
+                            <a:cs typeface="Helvetica"/>
+                            <a:sym typeface="Helvetica"/>
+                          </a:rPr>
+                          <a:t>2000</a:t>
+                        </a:r>
+                      </a:p>
+                    </a:txBody>
+                    <a:tcPr marL="0" marR="0" marT="0" marB="0" anchor="t" anchorCtr="0" horzOverflow="overflow"/>
+                  </a:tc>
+                  <a:tc>
+                    <a:txBody>
+                      <a:bodyPr/>
+                      <a:lstStyle/>
+                      <a:p>
+                        <a:pPr algn="ctr" defTabSz="914400">
+                          <a:spcBef>
+                            <a:spcPts val="0"/>
+                          </a:spcBef>
+                          <a:defRPr sz="1800"/>
+                        </a:pPr>
+                        <a:r>
+                          <a:rPr baseline="25000" sz="800">
+                            <a:solidFill>
+                              <a:srgbClr val="FFFFFF"/>
+                            </a:solidFill>
+                            <a:latin typeface="Helvetica"/>
+                            <a:ea typeface="Helvetica"/>
+                            <a:cs typeface="Helvetica"/>
+                            <a:sym typeface="Helvetica"/>
+                          </a:rPr>
+                          <a:t>cases</a:t>
+                        </a:r>
+                      </a:p>
+                    </a:txBody>
+                    <a:tcPr marL="0" marR="0" marT="0" marB="0" anchor="t" anchorCtr="0" horzOverflow="overflow">
+                      <a:solidFill>
+                        <a:srgbClr val="407AAA"/>
+                      </a:solidFill>
+                    </a:tcPr>
+                  </a:tc>
+                  <a:tc>
+                    <a:txBody>
+                      <a:bodyPr/>
+                      <a:lstStyle/>
+                      <a:p>
+                        <a:pPr algn="ctr" defTabSz="914400">
+                          <a:spcBef>
+                            <a:spcPts val="0"/>
+                          </a:spcBef>
+                          <a:defRPr sz="1800"/>
+                        </a:pPr>
+                        <a:r>
+                          <a:rPr baseline="25000" sz="800">
+                            <a:latin typeface="Helvetica"/>
+                            <a:ea typeface="Helvetica"/>
+                            <a:cs typeface="Helvetica"/>
+                            <a:sym typeface="Helvetica"/>
+                          </a:rPr>
+                          <a:t>80K</a:t>
+                        </a:r>
+                      </a:p>
+                    </a:txBody>
+                    <a:tcPr marL="0" marR="0" marT="0" marB="0" anchor="t" anchorCtr="0" horzOverflow="overflow">
+                      <a:solidFill>
+                        <a:schemeClr val="accent4"/>
+                      </a:solidFill>
+                    </a:tcPr>
+                  </a:tc>
+                </a:tr>
+                <a:tr h="139700">
+                  <a:tc>
+                    <a:txBody>
+                      <a:bodyPr/>
+                      <a:lstStyle/>
+                      <a:p>
+                        <a:pPr algn="ctr" defTabSz="914400">
+                          <a:spcBef>
+                            <a:spcPts val="0"/>
+                          </a:spcBef>
+                          <a:defRPr sz="1800"/>
+                        </a:pPr>
+                        <a:r>
+                          <a:rPr baseline="25000" sz="800">
+                            <a:latin typeface="Helvetica"/>
+                            <a:ea typeface="Helvetica"/>
+                            <a:cs typeface="Helvetica"/>
+                            <a:sym typeface="Helvetica"/>
+                          </a:rPr>
+                          <a:t>B</a:t>
+                        </a:r>
+                      </a:p>
+                    </a:txBody>
+                    <a:tcPr marL="0" marR="0" marT="0" marB="0" anchor="t" anchorCtr="0" horzOverflow="overflow"/>
+                  </a:tc>
+                  <a:tc>
+                    <a:txBody>
+                      <a:bodyPr/>
+                      <a:lstStyle/>
+                      <a:p>
+                        <a:pPr algn="ctr" defTabSz="914400">
+                          <a:spcBef>
+                            <a:spcPts val="0"/>
+                          </a:spcBef>
+                          <a:defRPr sz="1800"/>
+                        </a:pPr>
+                        <a:r>
+                          <a:rPr baseline="25000" sz="800">
+                            <a:latin typeface="Helvetica"/>
+                            <a:ea typeface="Helvetica"/>
+                            <a:cs typeface="Helvetica"/>
+                            <a:sym typeface="Helvetica"/>
+                          </a:rPr>
+                          <a:t>2000</a:t>
+                        </a:r>
+                      </a:p>
+                    </a:txBody>
+                    <a:tcPr marL="0" marR="0" marT="0" marB="0" anchor="t" anchorCtr="0" horzOverflow="overflow"/>
+                  </a:tc>
+                  <a:tc>
+                    <a:txBody>
+                      <a:bodyPr/>
+                      <a:lstStyle/>
+                      <a:p>
+                        <a:pPr algn="ctr" defTabSz="914400">
+                          <a:spcBef>
+                            <a:spcPts val="0"/>
+                          </a:spcBef>
+                          <a:defRPr sz="1800"/>
+                        </a:pPr>
+                        <a:r>
+                          <a:rPr baseline="25000" sz="800">
+                            <a:solidFill>
+                              <a:srgbClr val="FFFFFF"/>
+                            </a:solidFill>
+                            <a:latin typeface="Helvetica"/>
+                            <a:ea typeface="Helvetica"/>
+                            <a:cs typeface="Helvetica"/>
+                            <a:sym typeface="Helvetica"/>
+                          </a:rPr>
+                          <a:t>pop</a:t>
+                        </a:r>
+                      </a:p>
+                    </a:txBody>
+                    <a:tcPr marL="0" marR="0" marT="0" marB="0" anchor="t" anchorCtr="0" horzOverflow="overflow">
+                      <a:solidFill>
+                        <a:schemeClr val="accent1">
+                          <a:hueOff val="47394"/>
+                          <a:satOff val="-25753"/>
+                          <a:lumOff val="-7544"/>
+                        </a:schemeClr>
+                      </a:solidFill>
+                    </a:tcPr>
+                  </a:tc>
+                  <a:tc>
+                    <a:txBody>
+                      <a:bodyPr/>
+                      <a:lstStyle/>
+                      <a:p>
+                        <a:pPr algn="ctr" defTabSz="914400">
+                          <a:spcBef>
+                            <a:spcPts val="0"/>
+                          </a:spcBef>
+                          <a:defRPr sz="1800"/>
+                        </a:pPr>
+                        <a:r>
+                          <a:rPr baseline="25000" sz="800">
+                            <a:latin typeface="Helvetica"/>
+                            <a:ea typeface="Helvetica"/>
+                            <a:cs typeface="Helvetica"/>
+                            <a:sym typeface="Helvetica"/>
+                          </a:rPr>
+                          <a:t>174M</a:t>
+                        </a:r>
+                      </a:p>
+                    </a:txBody>
+                    <a:tcPr marL="0" marR="0" marT="0" marB="0" anchor="t" anchorCtr="0" horzOverflow="overflow">
+                      <a:solidFill>
+                        <a:schemeClr val="accent4">
+                          <a:hueOff val="-48331"/>
+                          <a:satOff val="1035"/>
+                          <a:lumOff val="-13785"/>
+                        </a:schemeClr>
+                      </a:solidFill>
+                    </a:tcPr>
+                  </a:tc>
+                </a:tr>
+                <a:tr h="139700">
+                  <a:tc>
+                    <a:txBody>
+                      <a:bodyPr/>
+                      <a:lstStyle/>
+                      <a:p>
+                        <a:pPr algn="ctr" defTabSz="914400">
+                          <a:spcBef>
+                            <a:spcPts val="0"/>
+                          </a:spcBef>
+                          <a:defRPr sz="1800"/>
+                        </a:pPr>
+                        <a:r>
+                          <a:rPr baseline="25000" sz="800">
+                            <a:latin typeface="Helvetica"/>
+                            <a:ea typeface="Helvetica"/>
+                            <a:cs typeface="Helvetica"/>
+                            <a:sym typeface="Helvetica"/>
+                          </a:rPr>
+                          <a:t>C</a:t>
+                        </a:r>
+                      </a:p>
+                    </a:txBody>
+                    <a:tcPr marL="0" marR="0" marT="0" marB="0" anchor="t" anchorCtr="0" horzOverflow="overflow"/>
+                  </a:tc>
+                  <a:tc>
+                    <a:txBody>
+                      <a:bodyPr/>
+                      <a:lstStyle/>
+                      <a:p>
+                        <a:pPr algn="ctr" defTabSz="914400">
+                          <a:spcBef>
+                            <a:spcPts val="0"/>
+                          </a:spcBef>
+                          <a:defRPr sz="1800"/>
+                        </a:pPr>
+                        <a:r>
+                          <a:rPr baseline="25000" sz="800">
+                            <a:latin typeface="Helvetica"/>
+                            <a:ea typeface="Helvetica"/>
+                            <a:cs typeface="Helvetica"/>
+                            <a:sym typeface="Helvetica"/>
+                          </a:rPr>
+                          <a:t>1999</a:t>
+                        </a:r>
+                      </a:p>
+                    </a:txBody>
+                    <a:tcPr marL="0" marR="0" marT="0" marB="0" anchor="t" anchorCtr="0" horzOverflow="overflow"/>
+                  </a:tc>
+                  <a:tc>
+                    <a:txBody>
+                      <a:bodyPr/>
+                      <a:lstStyle/>
+                      <a:p>
+                        <a:pPr algn="ctr" defTabSz="914400">
+                          <a:spcBef>
+                            <a:spcPts val="0"/>
+                          </a:spcBef>
+                          <a:defRPr sz="1800"/>
+                        </a:pPr>
+                        <a:r>
+                          <a:rPr baseline="25000" sz="800">
+                            <a:solidFill>
+                              <a:srgbClr val="FFFFFF"/>
+                            </a:solidFill>
+                            <a:latin typeface="Helvetica"/>
+                            <a:ea typeface="Helvetica"/>
+                            <a:cs typeface="Helvetica"/>
+                            <a:sym typeface="Helvetica"/>
+                          </a:rPr>
+                          <a:t>cases</a:t>
+                        </a:r>
+                      </a:p>
+                    </a:txBody>
+                    <a:tcPr marL="0" marR="0" marT="0" marB="0" anchor="t" anchorCtr="0" horzOverflow="overflow">
+                      <a:solidFill>
+                        <a:srgbClr val="407AAA"/>
+                      </a:solidFill>
+                    </a:tcPr>
+                  </a:tc>
+                  <a:tc>
+                    <a:txBody>
+                      <a:bodyPr/>
+                      <a:lstStyle/>
+                      <a:p>
+                        <a:pPr algn="ctr" defTabSz="914400">
+                          <a:spcBef>
+                            <a:spcPts val="0"/>
+                          </a:spcBef>
+                          <a:defRPr sz="1800"/>
+                        </a:pPr>
+                        <a:r>
+                          <a:rPr baseline="25000" sz="800">
+                            <a:latin typeface="Helvetica"/>
+                            <a:ea typeface="Helvetica"/>
+                            <a:cs typeface="Helvetica"/>
+                            <a:sym typeface="Helvetica"/>
+                          </a:rPr>
+                          <a:t>212K</a:t>
+                        </a:r>
+                      </a:p>
+                    </a:txBody>
+                    <a:tcPr marL="0" marR="0" marT="0" marB="0" anchor="t" anchorCtr="0" horzOverflow="overflow">
+                      <a:solidFill>
+                        <a:schemeClr val="accent4"/>
+                      </a:solidFill>
+                    </a:tcPr>
+                  </a:tc>
+                </a:tr>
+                <a:tr h="139700">
+                  <a:tc>
+                    <a:txBody>
+                      <a:bodyPr/>
+                      <a:lstStyle/>
+                      <a:p>
+                        <a:pPr algn="ctr" defTabSz="914400">
+                          <a:spcBef>
+                            <a:spcPts val="0"/>
+                          </a:spcBef>
+                          <a:defRPr sz="1800"/>
+                        </a:pPr>
+                        <a:r>
+                          <a:rPr baseline="25000" sz="800">
+                            <a:latin typeface="Helvetica"/>
+                            <a:ea typeface="Helvetica"/>
+                            <a:cs typeface="Helvetica"/>
+                            <a:sym typeface="Helvetica"/>
+                          </a:rPr>
+                          <a:t>C</a:t>
+                        </a:r>
+                      </a:p>
+                    </a:txBody>
+                    <a:tcPr marL="0" marR="0" marT="0" marB="0" anchor="t" anchorCtr="0" horzOverflow="overflow"/>
+                  </a:tc>
+                  <a:tc>
+                    <a:txBody>
+                      <a:bodyPr/>
+                      <a:lstStyle/>
+                      <a:p>
+                        <a:pPr algn="ctr" defTabSz="914400">
+                          <a:spcBef>
+                            <a:spcPts val="0"/>
+                          </a:spcBef>
+                          <a:defRPr sz="1800"/>
+                        </a:pPr>
+                        <a:r>
+                          <a:rPr baseline="25000" sz="800">
+                            <a:latin typeface="Helvetica"/>
+                            <a:ea typeface="Helvetica"/>
+                            <a:cs typeface="Helvetica"/>
+                            <a:sym typeface="Helvetica"/>
+                          </a:rPr>
+                          <a:t>1999</a:t>
+                        </a:r>
+                      </a:p>
+                    </a:txBody>
+                    <a:tcPr marL="0" marR="0" marT="0" marB="0" anchor="t" anchorCtr="0" horzOverflow="overflow"/>
+                  </a:tc>
+                  <a:tc>
+                    <a:txBody>
+                      <a:bodyPr/>
+                      <a:lstStyle/>
+                      <a:p>
+                        <a:pPr algn="ctr" defTabSz="914400">
+                          <a:spcBef>
+                            <a:spcPts val="0"/>
+                          </a:spcBef>
+                          <a:defRPr sz="1800"/>
+                        </a:pPr>
+                        <a:r>
+                          <a:rPr baseline="25000" sz="800">
+                            <a:solidFill>
+                              <a:srgbClr val="FFFFFF"/>
+                            </a:solidFill>
+                            <a:latin typeface="Helvetica"/>
+                            <a:ea typeface="Helvetica"/>
+                            <a:cs typeface="Helvetica"/>
+                            <a:sym typeface="Helvetica"/>
+                          </a:rPr>
+                          <a:t>pop</a:t>
+                        </a:r>
+                      </a:p>
+                    </a:txBody>
+                    <a:tcPr marL="0" marR="0" marT="0" marB="0" anchor="t" anchorCtr="0" horzOverflow="overflow">
+                      <a:solidFill>
+                        <a:schemeClr val="accent1">
+                          <a:hueOff val="47394"/>
+                          <a:satOff val="-25753"/>
+                          <a:lumOff val="-7544"/>
+                        </a:schemeClr>
+                      </a:solidFill>
+                    </a:tcPr>
+                  </a:tc>
+                  <a:tc>
+                    <a:txBody>
+                      <a:bodyPr/>
+                      <a:lstStyle/>
+                      <a:p>
+                        <a:pPr algn="ctr" defTabSz="914400">
+                          <a:spcBef>
+                            <a:spcPts val="0"/>
+                          </a:spcBef>
+                          <a:defRPr sz="1800"/>
+                        </a:pPr>
+                        <a:r>
+                          <a:rPr baseline="25000" sz="800">
+                            <a:latin typeface="Helvetica"/>
+                            <a:ea typeface="Helvetica"/>
+                            <a:cs typeface="Helvetica"/>
+                            <a:sym typeface="Helvetica"/>
+                          </a:rPr>
+                          <a:t>1T</a:t>
+                        </a:r>
+                      </a:p>
+                    </a:txBody>
+                    <a:tcPr marL="0" marR="0" marT="0" marB="0" anchor="t" anchorCtr="0" horzOverflow="overflow">
+                      <a:solidFill>
+                        <a:schemeClr val="accent4">
+                          <a:hueOff val="-48331"/>
+                          <a:satOff val="1035"/>
+                          <a:lumOff val="-13785"/>
+                        </a:schemeClr>
+                      </a:solidFill>
+                    </a:tcPr>
+                  </a:tc>
+                </a:tr>
+              </a:tbl>
+            </a:graphicData>
+          </a:graphic>
+        </p:graphicFrame>
+      </p:grpSp>
     </p:spTree>
   </p:cSld>
   <p:clrMapOvr>

--- a/powerpoints/data-import.pptx
+++ b/powerpoints/data-import.pptx
@@ -311,6 +311,11 @@
       </a:defRPr>
     </a:lvl9pPr>
   </p:defaultTextStyle>
+  <p:extLst>
+    <p:ext uri="{EFAFB233-063F-42B5-8137-9DF3F51BA10A}">
+      <p15:sldGuideLst xmlns:p15="http://schemas.microsoft.com/office/powerpoint/2012/main"/>
+    </p:ext>
+  </p:extLst>
 </p:presentation>
 </file>
 
@@ -2435,7 +2440,7 @@
           </a:ln>
           <a:extLst>
             <a:ext uri="{C572A759-6A51-4108-AA02-DFA0A04FC94B}">
-              <ma14:wrappingTextBoxFlag xmlns:ma14="http://schemas.microsoft.com/office/mac/drawingml/2011/main" xmlns:a14="http://schemas.microsoft.com/office/drawing/2010/main" xmlns:m="http://schemas.openxmlformats.org/officeDocument/2006/math" xmlns="" val="1"/>
+              <ma14:wrappingTextBoxFlag xmlns="" xmlns:m="http://schemas.openxmlformats.org/officeDocument/2006/math" xmlns:a14="http://schemas.microsoft.com/office/drawing/2010/main" xmlns:ma14="http://schemas.microsoft.com/office/mac/drawingml/2011/main" val="1"/>
             </a:ext>
           </a:extLst>
         </p:spPr>
@@ -2474,7 +2479,7 @@
           </a:ln>
           <a:extLst>
             <a:ext uri="{C572A759-6A51-4108-AA02-DFA0A04FC94B}">
-              <ma14:wrappingTextBoxFlag xmlns:ma14="http://schemas.microsoft.com/office/mac/drawingml/2011/main" xmlns:a14="http://schemas.microsoft.com/office/drawing/2010/main" xmlns:m="http://schemas.openxmlformats.org/officeDocument/2006/math" xmlns="" val="1"/>
+              <ma14:wrappingTextBoxFlag xmlns="" xmlns:m="http://schemas.openxmlformats.org/officeDocument/2006/math" xmlns:a14="http://schemas.microsoft.com/office/drawing/2010/main" xmlns:ma14="http://schemas.microsoft.com/office/mac/drawingml/2011/main" val="1"/>
             </a:ext>
           </a:extLst>
         </p:spPr>
@@ -3626,7 +3631,7 @@
               <a:effectLst/>
               <a:extLst>
                 <a:ext uri="{C572A759-6A51-4108-AA02-DFA0A04FC94B}">
-                  <ma14:wrappingTextBoxFlag xmlns:ma14="http://schemas.microsoft.com/office/mac/drawingml/2011/main" xmlns:a14="http://schemas.microsoft.com/office/drawing/2010/main" xmlns:m="http://schemas.openxmlformats.org/officeDocument/2006/math" xmlns="" val="1"/>
+                  <ma14:wrappingTextBoxFlag xmlns="" xmlns:m="http://schemas.openxmlformats.org/officeDocument/2006/math" xmlns:a14="http://schemas.microsoft.com/office/drawing/2010/main" xmlns:ma14="http://schemas.microsoft.com/office/mac/drawingml/2011/main" val="1"/>
                 </a:ext>
               </a:extLst>
             </p:spPr>
@@ -4174,7 +4179,7 @@
           </a:ln>
           <a:extLst>
             <a:ext uri="{C572A759-6A51-4108-AA02-DFA0A04FC94B}">
-              <ma14:wrappingTextBoxFlag xmlns:ma14="http://schemas.microsoft.com/office/mac/drawingml/2011/main" xmlns:a14="http://schemas.microsoft.com/office/drawing/2010/main" xmlns:m="http://schemas.openxmlformats.org/officeDocument/2006/math" xmlns="" val="1"/>
+              <ma14:wrappingTextBoxFlag xmlns="" xmlns:m="http://schemas.openxmlformats.org/officeDocument/2006/math" xmlns:a14="http://schemas.microsoft.com/office/drawing/2010/main" xmlns:ma14="http://schemas.microsoft.com/office/mac/drawingml/2011/main" val="1"/>
             </a:ext>
           </a:extLst>
         </p:spPr>
@@ -4431,7 +4436,7 @@
               <a:effectLst/>
               <a:extLst>
                 <a:ext uri="{C572A759-6A51-4108-AA02-DFA0A04FC94B}">
-                  <ma14:wrappingTextBoxFlag xmlns:ma14="http://schemas.microsoft.com/office/mac/drawingml/2011/main" xmlns:a14="http://schemas.microsoft.com/office/drawing/2010/main" xmlns:m="http://schemas.openxmlformats.org/officeDocument/2006/math" xmlns="" val="1"/>
+                  <ma14:wrappingTextBoxFlag xmlns="" xmlns:m="http://schemas.openxmlformats.org/officeDocument/2006/math" xmlns:a14="http://schemas.microsoft.com/office/drawing/2010/main" xmlns:ma14="http://schemas.microsoft.com/office/mac/drawingml/2011/main" val="1"/>
                 </a:ext>
               </a:extLst>
             </p:spPr>
@@ -5901,10 +5906,23 @@
           <a:lstStyle/>
           <a:p>
             <a:r>
-              <a:t>Data Import : : </a:t>
-            </a:r>
-            <a:r>
-              <a:rPr sz="3300" b="1">
+              <a:rPr dirty="0"/>
+              <a:t>Data Import</a:t>
+            </a:r>
+            <a:r>
+              <a:rPr lang="en-US" dirty="0"/>
+              <a:t> with the </a:t>
+            </a:r>
+            <a:r>
+              <a:rPr lang="en-US" dirty="0" err="1"/>
+              <a:t>tidyverse</a:t>
+            </a:r>
+            <a:r>
+              <a:rPr dirty="0"/>
+              <a:t> : : </a:t>
+            </a:r>
+            <a:r>
+              <a:rPr sz="3300" b="1" dirty="0">
                 <a:latin typeface="SourceSansPro-SemiBold"/>
                 <a:ea typeface="SourceSansPro-SemiBold"/>
                 <a:cs typeface="SourceSansPro-SemiBold"/>
@@ -5913,6 +5931,7 @@
               <a:t>CHEAT SHEET</a:t>
             </a:r>
             <a:r>
+              <a:rPr dirty="0"/>
               <a:t> </a:t>
             </a:r>
           </a:p>
@@ -5983,7 +6002,7 @@
           </a:ln>
           <a:extLst>
             <a:ext uri="{C572A759-6A51-4108-AA02-DFA0A04FC94B}">
-              <ma14:wrappingTextBoxFlag xmlns:ma14="http://schemas.microsoft.com/office/mac/drawingml/2011/main" xmlns:a14="http://schemas.microsoft.com/office/drawing/2010/main" xmlns:m="http://schemas.openxmlformats.org/officeDocument/2006/math" xmlns="" val="1"/>
+              <ma14:wrappingTextBoxFlag xmlns="" xmlns:m="http://schemas.openxmlformats.org/officeDocument/2006/math" xmlns:a14="http://schemas.microsoft.com/office/drawing/2010/main" xmlns:ma14="http://schemas.microsoft.com/office/mac/drawingml/2011/main" val="1"/>
             </a:ext>
           </a:extLst>
         </p:spPr>
@@ -6165,7 +6184,7 @@
           </a:ln>
           <a:extLst>
             <a:ext uri="{C572A759-6A51-4108-AA02-DFA0A04FC94B}">
-              <ma14:wrappingTextBoxFlag xmlns:ma14="http://schemas.microsoft.com/office/mac/drawingml/2011/main" xmlns:a14="http://schemas.microsoft.com/office/drawing/2010/main" xmlns:m="http://schemas.openxmlformats.org/officeDocument/2006/math" xmlns="" val="1"/>
+              <ma14:wrappingTextBoxFlag xmlns="" xmlns:m="http://schemas.openxmlformats.org/officeDocument/2006/math" xmlns:a14="http://schemas.microsoft.com/office/drawing/2010/main" xmlns:ma14="http://schemas.microsoft.com/office/mac/drawingml/2011/main" val="1"/>
             </a:ext>
           </a:extLst>
         </p:spPr>
@@ -6423,7 +6442,7 @@
           </a:ln>
           <a:extLst>
             <a:ext uri="{C572A759-6A51-4108-AA02-DFA0A04FC94B}">
-              <ma14:wrappingTextBoxFlag xmlns:ma14="http://schemas.microsoft.com/office/mac/drawingml/2011/main" xmlns:a14="http://schemas.microsoft.com/office/drawing/2010/main" xmlns:m="http://schemas.openxmlformats.org/officeDocument/2006/math" xmlns="" val="1"/>
+              <ma14:wrappingTextBoxFlag xmlns="" xmlns:m="http://schemas.openxmlformats.org/officeDocument/2006/math" xmlns:a14="http://schemas.microsoft.com/office/drawing/2010/main" xmlns:ma14="http://schemas.microsoft.com/office/mac/drawingml/2011/main" val="1"/>
             </a:ext>
           </a:extLst>
         </p:spPr>
@@ -6476,7 +6495,7 @@
           </a:ln>
           <a:extLst>
             <a:ext uri="{C572A759-6A51-4108-AA02-DFA0A04FC94B}">
-              <ma14:wrappingTextBoxFlag xmlns:ma14="http://schemas.microsoft.com/office/mac/drawingml/2011/main" xmlns:a14="http://schemas.microsoft.com/office/drawing/2010/main" xmlns:m="http://schemas.openxmlformats.org/officeDocument/2006/math" xmlns="" val="1"/>
+              <ma14:wrappingTextBoxFlag xmlns="" xmlns:m="http://schemas.openxmlformats.org/officeDocument/2006/math" xmlns:a14="http://schemas.microsoft.com/office/drawing/2010/main" xmlns:ma14="http://schemas.microsoft.com/office/mac/drawingml/2011/main" val="1"/>
             </a:ext>
           </a:extLst>
         </p:spPr>
@@ -6512,7 +6531,7 @@
           </a:ln>
           <a:extLst>
             <a:ext uri="{C572A759-6A51-4108-AA02-DFA0A04FC94B}">
-              <ma14:wrappingTextBoxFlag xmlns:ma14="http://schemas.microsoft.com/office/mac/drawingml/2011/main" xmlns:a14="http://schemas.microsoft.com/office/drawing/2010/main" xmlns:m="http://schemas.openxmlformats.org/officeDocument/2006/math" xmlns="" val="1"/>
+              <ma14:wrappingTextBoxFlag xmlns="" xmlns:m="http://schemas.openxmlformats.org/officeDocument/2006/math" xmlns:a14="http://schemas.microsoft.com/office/drawing/2010/main" xmlns:ma14="http://schemas.microsoft.com/office/mac/drawingml/2011/main" val="1"/>
             </a:ext>
           </a:extLst>
         </p:spPr>
@@ -6576,7 +6595,7 @@
           <a:effectLst/>
           <a:extLst>
             <a:ext uri="{C572A759-6A51-4108-AA02-DFA0A04FC94B}">
-              <ma14:wrappingTextBoxFlag xmlns:ma14="http://schemas.microsoft.com/office/mac/drawingml/2011/main" xmlns:a14="http://schemas.microsoft.com/office/drawing/2010/main" xmlns:m="http://schemas.openxmlformats.org/officeDocument/2006/math" xmlns="" val="1"/>
+              <ma14:wrappingTextBoxFlag xmlns="" xmlns:m="http://schemas.openxmlformats.org/officeDocument/2006/math" xmlns:a14="http://schemas.microsoft.com/office/drawing/2010/main" xmlns:ma14="http://schemas.microsoft.com/office/mac/drawingml/2011/main" val="1"/>
             </a:ext>
           </a:extLst>
         </p:spPr>
@@ -6825,7 +6844,7 @@
           <a:effectLst/>
           <a:extLst>
             <a:ext uri="{C572A759-6A51-4108-AA02-DFA0A04FC94B}">
-              <ma14:wrappingTextBoxFlag xmlns:ma14="http://schemas.microsoft.com/office/mac/drawingml/2011/main" xmlns:a14="http://schemas.microsoft.com/office/drawing/2010/main" xmlns:m="http://schemas.openxmlformats.org/officeDocument/2006/math" xmlns="" val="1"/>
+              <ma14:wrappingTextBoxFlag xmlns="" xmlns:m="http://schemas.openxmlformats.org/officeDocument/2006/math" xmlns:a14="http://schemas.microsoft.com/office/drawing/2010/main" xmlns:ma14="http://schemas.microsoft.com/office/mac/drawingml/2011/main" val="1"/>
             </a:ext>
           </a:extLst>
         </p:spPr>
@@ -6953,7 +6972,7 @@
           <a:effectLst/>
           <a:extLst>
             <a:ext uri="{C572A759-6A51-4108-AA02-DFA0A04FC94B}">
-              <ma14:wrappingTextBoxFlag xmlns:ma14="http://schemas.microsoft.com/office/mac/drawingml/2011/main" xmlns:a14="http://schemas.microsoft.com/office/drawing/2010/main" xmlns:m="http://schemas.openxmlformats.org/officeDocument/2006/math" xmlns="" val="1"/>
+              <ma14:wrappingTextBoxFlag xmlns="" xmlns:m="http://schemas.openxmlformats.org/officeDocument/2006/math" xmlns:a14="http://schemas.microsoft.com/office/drawing/2010/main" xmlns:ma14="http://schemas.microsoft.com/office/mac/drawingml/2011/main" val="1"/>
             </a:ext>
           </a:extLst>
         </p:spPr>
@@ -7106,7 +7125,7 @@
           <a:effectLst/>
           <a:extLst>
             <a:ext uri="{C572A759-6A51-4108-AA02-DFA0A04FC94B}">
-              <ma14:wrappingTextBoxFlag xmlns:ma14="http://schemas.microsoft.com/office/mac/drawingml/2011/main" xmlns:a14="http://schemas.microsoft.com/office/drawing/2010/main" xmlns:m="http://schemas.openxmlformats.org/officeDocument/2006/math" xmlns="" val="1"/>
+              <ma14:wrappingTextBoxFlag xmlns="" xmlns:m="http://schemas.openxmlformats.org/officeDocument/2006/math" xmlns:a14="http://schemas.microsoft.com/office/drawing/2010/main" xmlns:ma14="http://schemas.microsoft.com/office/mac/drawingml/2011/main" val="1"/>
             </a:ext>
           </a:extLst>
         </p:spPr>
@@ -7171,7 +7190,7 @@
           </a:ln>
           <a:extLst>
             <a:ext uri="{C572A759-6A51-4108-AA02-DFA0A04FC94B}">
-              <ma14:wrappingTextBoxFlag xmlns:ma14="http://schemas.microsoft.com/office/mac/drawingml/2011/main" xmlns:a14="http://schemas.microsoft.com/office/drawing/2010/main" xmlns:m="http://schemas.openxmlformats.org/officeDocument/2006/math" xmlns="" val="1"/>
+              <ma14:wrappingTextBoxFlag xmlns="" xmlns:m="http://schemas.openxmlformats.org/officeDocument/2006/math" xmlns:a14="http://schemas.microsoft.com/office/drawing/2010/main" xmlns:ma14="http://schemas.microsoft.com/office/mac/drawingml/2011/main" val="1"/>
             </a:ext>
           </a:extLst>
         </p:spPr>
@@ -7436,7 +7455,7 @@
           </a:ln>
           <a:extLst>
             <a:ext uri="{C572A759-6A51-4108-AA02-DFA0A04FC94B}">
-              <ma14:wrappingTextBoxFlag xmlns:ma14="http://schemas.microsoft.com/office/mac/drawingml/2011/main" xmlns:a14="http://schemas.microsoft.com/office/drawing/2010/main" xmlns:m="http://schemas.openxmlformats.org/officeDocument/2006/math" xmlns="" val="1"/>
+              <ma14:wrappingTextBoxFlag xmlns="" xmlns:m="http://schemas.openxmlformats.org/officeDocument/2006/math" xmlns:a14="http://schemas.microsoft.com/office/drawing/2010/main" xmlns:ma14="http://schemas.microsoft.com/office/mac/drawingml/2011/main" val="1"/>
             </a:ext>
           </a:extLst>
         </p:spPr>
@@ -7472,7 +7491,7 @@
           </a:ln>
           <a:extLst>
             <a:ext uri="{C572A759-6A51-4108-AA02-DFA0A04FC94B}">
-              <ma14:wrappingTextBoxFlag xmlns:ma14="http://schemas.microsoft.com/office/mac/drawingml/2011/main" xmlns:a14="http://schemas.microsoft.com/office/drawing/2010/main" xmlns:m="http://schemas.openxmlformats.org/officeDocument/2006/math" xmlns="" val="1"/>
+              <ma14:wrappingTextBoxFlag xmlns="" xmlns:m="http://schemas.openxmlformats.org/officeDocument/2006/math" xmlns:a14="http://schemas.microsoft.com/office/drawing/2010/main" xmlns:ma14="http://schemas.microsoft.com/office/mac/drawingml/2011/main" val="1"/>
             </a:ext>
           </a:extLst>
         </p:spPr>
@@ -7571,7 +7590,7 @@
           </a:ln>
           <a:extLst>
             <a:ext uri="{C572A759-6A51-4108-AA02-DFA0A04FC94B}">
-              <ma14:wrappingTextBoxFlag xmlns:ma14="http://schemas.microsoft.com/office/mac/drawingml/2011/main" xmlns:a14="http://schemas.microsoft.com/office/drawing/2010/main" xmlns:m="http://schemas.openxmlformats.org/officeDocument/2006/math" xmlns="" val="1"/>
+              <ma14:wrappingTextBoxFlag xmlns="" xmlns:m="http://schemas.openxmlformats.org/officeDocument/2006/math" xmlns:a14="http://schemas.microsoft.com/office/drawing/2010/main" xmlns:ma14="http://schemas.microsoft.com/office/mac/drawingml/2011/main" val="1"/>
             </a:ext>
           </a:extLst>
         </p:spPr>
@@ -8013,7 +8032,7 @@
           </a:ln>
           <a:extLst>
             <a:ext uri="{C572A759-6A51-4108-AA02-DFA0A04FC94B}">
-              <ma14:wrappingTextBoxFlag xmlns:ma14="http://schemas.microsoft.com/office/mac/drawingml/2011/main" xmlns:a14="http://schemas.microsoft.com/office/drawing/2010/main" xmlns:m="http://schemas.openxmlformats.org/officeDocument/2006/math" xmlns="" val="1"/>
+              <ma14:wrappingTextBoxFlag xmlns="" xmlns:m="http://schemas.openxmlformats.org/officeDocument/2006/math" xmlns:a14="http://schemas.microsoft.com/office/drawing/2010/main" xmlns:ma14="http://schemas.microsoft.com/office/mac/drawingml/2011/main" val="1"/>
             </a:ext>
           </a:extLst>
         </p:spPr>
@@ -9376,7 +9395,7 @@
           </a:ln>
           <a:extLst>
             <a:ext uri="{C572A759-6A51-4108-AA02-DFA0A04FC94B}">
-              <ma14:wrappingTextBoxFlag xmlns:ma14="http://schemas.microsoft.com/office/mac/drawingml/2011/main" xmlns:a14="http://schemas.microsoft.com/office/drawing/2010/main" xmlns:m="http://schemas.openxmlformats.org/officeDocument/2006/math" xmlns="" val="1"/>
+              <ma14:wrappingTextBoxFlag xmlns="" xmlns:m="http://schemas.openxmlformats.org/officeDocument/2006/math" xmlns:a14="http://schemas.microsoft.com/office/drawing/2010/main" xmlns:ma14="http://schemas.microsoft.com/office/mac/drawingml/2011/main" val="1"/>
             </a:ext>
           </a:extLst>
         </p:spPr>
@@ -9601,7 +9620,7 @@
           </a:ln>
           <a:extLst>
             <a:ext uri="{C572A759-6A51-4108-AA02-DFA0A04FC94B}">
-              <ma14:wrappingTextBoxFlag xmlns:ma14="http://schemas.microsoft.com/office/mac/drawingml/2011/main" xmlns:a14="http://schemas.microsoft.com/office/drawing/2010/main" xmlns:m="http://schemas.openxmlformats.org/officeDocument/2006/math" xmlns="" val="1"/>
+              <ma14:wrappingTextBoxFlag xmlns="" xmlns:m="http://schemas.openxmlformats.org/officeDocument/2006/math" xmlns:a14="http://schemas.microsoft.com/office/drawing/2010/main" xmlns:ma14="http://schemas.microsoft.com/office/mac/drawingml/2011/main" val="1"/>
             </a:ext>
           </a:extLst>
         </p:spPr>
@@ -9845,7 +9864,7 @@
           </a:ln>
           <a:extLst>
             <a:ext uri="{C572A759-6A51-4108-AA02-DFA0A04FC94B}">
-              <ma14:wrappingTextBoxFlag xmlns:ma14="http://schemas.microsoft.com/office/mac/drawingml/2011/main" xmlns:a14="http://schemas.microsoft.com/office/drawing/2010/main" xmlns:m="http://schemas.openxmlformats.org/officeDocument/2006/math" xmlns="" val="1"/>
+              <ma14:wrappingTextBoxFlag xmlns="" xmlns:m="http://schemas.openxmlformats.org/officeDocument/2006/math" xmlns:a14="http://schemas.microsoft.com/office/drawing/2010/main" xmlns:ma14="http://schemas.microsoft.com/office/mac/drawingml/2011/main" val="1"/>
             </a:ext>
           </a:extLst>
         </p:spPr>
@@ -9952,7 +9971,7 @@
           </a:ln>
           <a:extLst>
             <a:ext uri="{C572A759-6A51-4108-AA02-DFA0A04FC94B}">
-              <ma14:wrappingTextBoxFlag xmlns:ma14="http://schemas.microsoft.com/office/mac/drawingml/2011/main" xmlns:a14="http://schemas.microsoft.com/office/drawing/2010/main" xmlns:m="http://schemas.openxmlformats.org/officeDocument/2006/math" xmlns="" val="1"/>
+              <ma14:wrappingTextBoxFlag xmlns="" xmlns:m="http://schemas.openxmlformats.org/officeDocument/2006/math" xmlns:a14="http://schemas.microsoft.com/office/drawing/2010/main" xmlns:ma14="http://schemas.microsoft.com/office/mac/drawingml/2011/main" val="1"/>
             </a:ext>
           </a:extLst>
         </p:spPr>
@@ -10032,7 +10051,7 @@
           </a:ln>
           <a:extLst>
             <a:ext uri="{C572A759-6A51-4108-AA02-DFA0A04FC94B}">
-              <ma14:wrappingTextBoxFlag xmlns:ma14="http://schemas.microsoft.com/office/mac/drawingml/2011/main" xmlns:a14="http://schemas.microsoft.com/office/drawing/2010/main" xmlns:m="http://schemas.openxmlformats.org/officeDocument/2006/math" xmlns="" val="1"/>
+              <ma14:wrappingTextBoxFlag xmlns="" xmlns:m="http://schemas.openxmlformats.org/officeDocument/2006/math" xmlns:a14="http://schemas.microsoft.com/office/drawing/2010/main" xmlns:ma14="http://schemas.microsoft.com/office/mac/drawingml/2011/main" val="1"/>
             </a:ext>
           </a:extLst>
         </p:spPr>
@@ -10388,7 +10407,7 @@
           </a:ln>
           <a:extLst>
             <a:ext uri="{C572A759-6A51-4108-AA02-DFA0A04FC94B}">
-              <ma14:wrappingTextBoxFlag xmlns:ma14="http://schemas.microsoft.com/office/mac/drawingml/2011/main" xmlns:a14="http://schemas.microsoft.com/office/drawing/2010/main" xmlns:m="http://schemas.openxmlformats.org/officeDocument/2006/math" xmlns="" val="1"/>
+              <ma14:wrappingTextBoxFlag xmlns="" xmlns:m="http://schemas.openxmlformats.org/officeDocument/2006/math" xmlns:a14="http://schemas.microsoft.com/office/drawing/2010/main" xmlns:ma14="http://schemas.microsoft.com/office/mac/drawingml/2011/main" val="1"/>
             </a:ext>
           </a:extLst>
         </p:spPr>
@@ -10444,7 +10463,7 @@
           </a:ln>
           <a:extLst>
             <a:ext uri="{C572A759-6A51-4108-AA02-DFA0A04FC94B}">
-              <ma14:wrappingTextBoxFlag xmlns:ma14="http://schemas.microsoft.com/office/mac/drawingml/2011/main" xmlns:a14="http://schemas.microsoft.com/office/drawing/2010/main" xmlns:m="http://schemas.openxmlformats.org/officeDocument/2006/math" xmlns="" val="1"/>
+              <ma14:wrappingTextBoxFlag xmlns="" xmlns:m="http://schemas.openxmlformats.org/officeDocument/2006/math" xmlns:a14="http://schemas.microsoft.com/office/drawing/2010/main" xmlns:ma14="http://schemas.microsoft.com/office/mac/drawingml/2011/main" val="1"/>
             </a:ext>
           </a:extLst>
         </p:spPr>
@@ -10851,7 +10870,7 @@
               <a:effectLst/>
               <a:extLst>
                 <a:ext uri="{C572A759-6A51-4108-AA02-DFA0A04FC94B}">
-                  <ma14:wrappingTextBoxFlag xmlns:ma14="http://schemas.microsoft.com/office/mac/drawingml/2011/main" xmlns:a14="http://schemas.microsoft.com/office/drawing/2010/main" xmlns:m="http://schemas.openxmlformats.org/officeDocument/2006/math" xmlns="" val="1"/>
+                  <ma14:wrappingTextBoxFlag xmlns="" xmlns:m="http://schemas.openxmlformats.org/officeDocument/2006/math" xmlns:a14="http://schemas.microsoft.com/office/drawing/2010/main" xmlns:ma14="http://schemas.microsoft.com/office/mac/drawingml/2011/main" val="1"/>
                 </a:ext>
               </a:extLst>
             </p:spPr>
@@ -11347,7 +11366,7 @@
           </a:ln>
           <a:extLst>
             <a:ext uri="{C572A759-6A51-4108-AA02-DFA0A04FC94B}">
-              <ma14:wrappingTextBoxFlag xmlns:ma14="http://schemas.microsoft.com/office/mac/drawingml/2011/main" xmlns:a14="http://schemas.microsoft.com/office/drawing/2010/main" xmlns:m="http://schemas.openxmlformats.org/officeDocument/2006/math" xmlns="" val="1"/>
+              <ma14:wrappingTextBoxFlag xmlns="" xmlns:m="http://schemas.openxmlformats.org/officeDocument/2006/math" xmlns:a14="http://schemas.microsoft.com/office/drawing/2010/main" xmlns:ma14="http://schemas.microsoft.com/office/mac/drawingml/2011/main" val="1"/>
             </a:ext>
           </a:extLst>
         </p:spPr>
@@ -11556,7 +11575,7 @@
           </a:ln>
           <a:extLst>
             <a:ext uri="{C572A759-6A51-4108-AA02-DFA0A04FC94B}">
-              <ma14:wrappingTextBoxFlag xmlns:ma14="http://schemas.microsoft.com/office/mac/drawingml/2011/main" xmlns:a14="http://schemas.microsoft.com/office/drawing/2010/main" xmlns:m="http://schemas.openxmlformats.org/officeDocument/2006/math" xmlns="" val="1"/>
+              <ma14:wrappingTextBoxFlag xmlns="" xmlns:m="http://schemas.openxmlformats.org/officeDocument/2006/math" xmlns:a14="http://schemas.microsoft.com/office/drawing/2010/main" xmlns:ma14="http://schemas.microsoft.com/office/mac/drawingml/2011/main" val="1"/>
             </a:ext>
           </a:extLst>
         </p:spPr>
@@ -11868,7 +11887,7 @@
           </a:ln>
           <a:extLst>
             <a:ext uri="{C572A759-6A51-4108-AA02-DFA0A04FC94B}">
-              <ma14:wrappingTextBoxFlag xmlns:ma14="http://schemas.microsoft.com/office/mac/drawingml/2011/main" xmlns:a14="http://schemas.microsoft.com/office/drawing/2010/main" xmlns:m="http://schemas.openxmlformats.org/officeDocument/2006/math" xmlns="" val="1"/>
+              <ma14:wrappingTextBoxFlag xmlns="" xmlns:m="http://schemas.openxmlformats.org/officeDocument/2006/math" xmlns:a14="http://schemas.microsoft.com/office/drawing/2010/main" xmlns:ma14="http://schemas.microsoft.com/office/mac/drawingml/2011/main" val="1"/>
             </a:ext>
           </a:extLst>
         </p:spPr>
@@ -12210,7 +12229,7 @@
               <a:effectLst/>
               <a:extLst>
                 <a:ext uri="{C572A759-6A51-4108-AA02-DFA0A04FC94B}">
-                  <ma14:wrappingTextBoxFlag xmlns:ma14="http://schemas.microsoft.com/office/mac/drawingml/2011/main" xmlns:a14="http://schemas.microsoft.com/office/drawing/2010/main" xmlns:m="http://schemas.openxmlformats.org/officeDocument/2006/math" xmlns="" val="1"/>
+                  <ma14:wrappingTextBoxFlag xmlns="" xmlns:m="http://schemas.openxmlformats.org/officeDocument/2006/math" xmlns:a14="http://schemas.microsoft.com/office/drawing/2010/main" xmlns:ma14="http://schemas.microsoft.com/office/mac/drawingml/2011/main" val="1"/>
                 </a:ext>
               </a:extLst>
             </p:spPr>
@@ -12869,7 +12888,7 @@
               <a:effectLst/>
               <a:extLst>
                 <a:ext uri="{C572A759-6A51-4108-AA02-DFA0A04FC94B}">
-                  <ma14:wrappingTextBoxFlag xmlns:ma14="http://schemas.microsoft.com/office/mac/drawingml/2011/main" xmlns:a14="http://schemas.microsoft.com/office/drawing/2010/main" xmlns:m="http://schemas.openxmlformats.org/officeDocument/2006/math" xmlns="" val="1"/>
+                  <ma14:wrappingTextBoxFlag xmlns="" xmlns:m="http://schemas.openxmlformats.org/officeDocument/2006/math" xmlns:a14="http://schemas.microsoft.com/office/drawing/2010/main" xmlns:ma14="http://schemas.microsoft.com/office/mac/drawingml/2011/main" val="1"/>
                 </a:ext>
               </a:extLst>
             </p:spPr>
@@ -14152,7 +14171,7 @@
           </a:ln>
           <a:extLst>
             <a:ext uri="{C572A759-6A51-4108-AA02-DFA0A04FC94B}">
-              <ma14:wrappingTextBoxFlag xmlns:ma14="http://schemas.microsoft.com/office/mac/drawingml/2011/main" xmlns:a14="http://schemas.microsoft.com/office/drawing/2010/main" xmlns:m="http://schemas.openxmlformats.org/officeDocument/2006/math" xmlns="" val="1"/>
+              <ma14:wrappingTextBoxFlag xmlns="" xmlns:m="http://schemas.openxmlformats.org/officeDocument/2006/math" xmlns:a14="http://schemas.microsoft.com/office/drawing/2010/main" xmlns:ma14="http://schemas.microsoft.com/office/mac/drawingml/2011/main" val="1"/>
             </a:ext>
           </a:extLst>
         </p:spPr>
@@ -14262,7 +14281,7 @@
           </a:ln>
           <a:extLst>
             <a:ext uri="{C572A759-6A51-4108-AA02-DFA0A04FC94B}">
-              <ma14:wrappingTextBoxFlag xmlns:ma14="http://schemas.microsoft.com/office/mac/drawingml/2011/main" xmlns:a14="http://schemas.microsoft.com/office/drawing/2010/main" xmlns:m="http://schemas.openxmlformats.org/officeDocument/2006/math" xmlns="" val="1"/>
+              <ma14:wrappingTextBoxFlag xmlns="" xmlns:m="http://schemas.openxmlformats.org/officeDocument/2006/math" xmlns:a14="http://schemas.microsoft.com/office/drawing/2010/main" xmlns:ma14="http://schemas.microsoft.com/office/mac/drawingml/2011/main" val="1"/>
             </a:ext>
           </a:extLst>
         </p:spPr>
@@ -14463,7 +14482,7 @@
           </a:ln>
           <a:extLst>
             <a:ext uri="{C572A759-6A51-4108-AA02-DFA0A04FC94B}">
-              <ma14:wrappingTextBoxFlag xmlns:ma14="http://schemas.microsoft.com/office/mac/drawingml/2011/main" xmlns:a14="http://schemas.microsoft.com/office/drawing/2010/main" xmlns:m="http://schemas.openxmlformats.org/officeDocument/2006/math" xmlns="" val="1"/>
+              <ma14:wrappingTextBoxFlag xmlns="" xmlns:m="http://schemas.openxmlformats.org/officeDocument/2006/math" xmlns:a14="http://schemas.microsoft.com/office/drawing/2010/main" xmlns:ma14="http://schemas.microsoft.com/office/mac/drawingml/2011/main" val="1"/>
             </a:ext>
           </a:extLst>
         </p:spPr>
@@ -15760,7 +15779,7 @@
           </a:ln>
           <a:extLst>
             <a:ext uri="{C572A759-6A51-4108-AA02-DFA0A04FC94B}">
-              <ma14:wrappingTextBoxFlag xmlns:ma14="http://schemas.microsoft.com/office/mac/drawingml/2011/main" xmlns:a14="http://schemas.microsoft.com/office/drawing/2010/main" xmlns:m="http://schemas.openxmlformats.org/officeDocument/2006/math" xmlns="" val="1"/>
+              <ma14:wrappingTextBoxFlag xmlns="" xmlns:m="http://schemas.openxmlformats.org/officeDocument/2006/math" xmlns:a14="http://schemas.microsoft.com/office/drawing/2010/main" xmlns:ma14="http://schemas.microsoft.com/office/mac/drawingml/2011/main" val="1"/>
             </a:ext>
           </a:extLst>
         </p:spPr>
@@ -15812,7 +15831,7 @@
           </a:ln>
           <a:extLst>
             <a:ext uri="{C572A759-6A51-4108-AA02-DFA0A04FC94B}">
-              <ma14:wrappingTextBoxFlag xmlns:ma14="http://schemas.microsoft.com/office/mac/drawingml/2011/main" xmlns:a14="http://schemas.microsoft.com/office/drawing/2010/main" xmlns:m="http://schemas.openxmlformats.org/officeDocument/2006/math" xmlns="" val="1"/>
+              <ma14:wrappingTextBoxFlag xmlns="" xmlns:m="http://schemas.openxmlformats.org/officeDocument/2006/math" xmlns:a14="http://schemas.microsoft.com/office/drawing/2010/main" xmlns:ma14="http://schemas.microsoft.com/office/mac/drawingml/2011/main" val="1"/>
             </a:ext>
           </a:extLst>
         </p:spPr>
@@ -15864,7 +15883,7 @@
           </a:ln>
           <a:extLst>
             <a:ext uri="{C572A759-6A51-4108-AA02-DFA0A04FC94B}">
-              <ma14:wrappingTextBoxFlag xmlns:ma14="http://schemas.microsoft.com/office/mac/drawingml/2011/main" xmlns:a14="http://schemas.microsoft.com/office/drawing/2010/main" xmlns:m="http://schemas.openxmlformats.org/officeDocument/2006/math" xmlns="" val="1"/>
+              <ma14:wrappingTextBoxFlag xmlns="" xmlns:m="http://schemas.openxmlformats.org/officeDocument/2006/math" xmlns:a14="http://schemas.microsoft.com/office/drawing/2010/main" xmlns:ma14="http://schemas.microsoft.com/office/mac/drawingml/2011/main" val="1"/>
             </a:ext>
           </a:extLst>
         </p:spPr>
@@ -15952,7 +15971,7 @@
           </a:ln>
           <a:extLst>
             <a:ext uri="{C572A759-6A51-4108-AA02-DFA0A04FC94B}">
-              <ma14:wrappingTextBoxFlag xmlns:ma14="http://schemas.microsoft.com/office/mac/drawingml/2011/main" xmlns:a14="http://schemas.microsoft.com/office/drawing/2010/main" xmlns:m="http://schemas.openxmlformats.org/officeDocument/2006/math" xmlns="" val="1"/>
+              <ma14:wrappingTextBoxFlag xmlns="" xmlns:m="http://schemas.openxmlformats.org/officeDocument/2006/math" xmlns:a14="http://schemas.microsoft.com/office/drawing/2010/main" xmlns:ma14="http://schemas.microsoft.com/office/mac/drawingml/2011/main" val="1"/>
             </a:ext>
           </a:extLst>
         </p:spPr>
@@ -16084,7 +16103,7 @@
           </a:ln>
           <a:extLst>
             <a:ext uri="{C572A759-6A51-4108-AA02-DFA0A04FC94B}">
-              <ma14:wrappingTextBoxFlag xmlns:ma14="http://schemas.microsoft.com/office/mac/drawingml/2011/main" xmlns:a14="http://schemas.microsoft.com/office/drawing/2010/main" xmlns:m="http://schemas.openxmlformats.org/officeDocument/2006/math" xmlns="" val="1"/>
+              <ma14:wrappingTextBoxFlag xmlns="" xmlns:m="http://schemas.openxmlformats.org/officeDocument/2006/math" xmlns:a14="http://schemas.microsoft.com/office/drawing/2010/main" xmlns:ma14="http://schemas.microsoft.com/office/mac/drawingml/2011/main" val="1"/>
             </a:ext>
           </a:extLst>
         </p:spPr>
@@ -16174,7 +16193,7 @@
           </a:ln>
           <a:extLst>
             <a:ext uri="{C572A759-6A51-4108-AA02-DFA0A04FC94B}">
-              <ma14:wrappingTextBoxFlag xmlns:ma14="http://schemas.microsoft.com/office/mac/drawingml/2011/main" xmlns:a14="http://schemas.microsoft.com/office/drawing/2010/main" xmlns:m="http://schemas.openxmlformats.org/officeDocument/2006/math" xmlns="" val="1"/>
+              <ma14:wrappingTextBoxFlag xmlns="" xmlns:m="http://schemas.openxmlformats.org/officeDocument/2006/math" xmlns:a14="http://schemas.microsoft.com/office/drawing/2010/main" xmlns:ma14="http://schemas.microsoft.com/office/mac/drawingml/2011/main" val="1"/>
             </a:ext>
           </a:extLst>
         </p:spPr>
@@ -16318,7 +16337,7 @@
           </a:ln>
           <a:extLst>
             <a:ext uri="{C572A759-6A51-4108-AA02-DFA0A04FC94B}">
-              <ma14:wrappingTextBoxFlag xmlns:ma14="http://schemas.microsoft.com/office/mac/drawingml/2011/main" xmlns:a14="http://schemas.microsoft.com/office/drawing/2010/main" xmlns:m="http://schemas.openxmlformats.org/officeDocument/2006/math" xmlns="" val="1"/>
+              <ma14:wrappingTextBoxFlag xmlns="" xmlns:m="http://schemas.openxmlformats.org/officeDocument/2006/math" xmlns:a14="http://schemas.microsoft.com/office/drawing/2010/main" xmlns:ma14="http://schemas.microsoft.com/office/mac/drawingml/2011/main" val="1"/>
             </a:ext>
           </a:extLst>
         </p:spPr>
@@ -16360,7 +16379,7 @@
           </a:ln>
           <a:extLst>
             <a:ext uri="{C572A759-6A51-4108-AA02-DFA0A04FC94B}">
-              <ma14:wrappingTextBoxFlag xmlns:ma14="http://schemas.microsoft.com/office/mac/drawingml/2011/main" xmlns:a14="http://schemas.microsoft.com/office/drawing/2010/main" xmlns:m="http://schemas.openxmlformats.org/officeDocument/2006/math" xmlns="" val="1"/>
+              <ma14:wrappingTextBoxFlag xmlns="" xmlns:m="http://schemas.openxmlformats.org/officeDocument/2006/math" xmlns:a14="http://schemas.microsoft.com/office/drawing/2010/main" xmlns:ma14="http://schemas.microsoft.com/office/mac/drawingml/2011/main" val="1"/>
             </a:ext>
           </a:extLst>
         </p:spPr>
@@ -16523,7 +16542,7 @@
           </a:ln>
           <a:extLst>
             <a:ext uri="{C572A759-6A51-4108-AA02-DFA0A04FC94B}">
-              <ma14:wrappingTextBoxFlag xmlns:ma14="http://schemas.microsoft.com/office/mac/drawingml/2011/main" xmlns:a14="http://schemas.microsoft.com/office/drawing/2010/main" xmlns:m="http://schemas.openxmlformats.org/officeDocument/2006/math" xmlns="" val="1"/>
+              <ma14:wrappingTextBoxFlag xmlns="" xmlns:m="http://schemas.openxmlformats.org/officeDocument/2006/math" xmlns:a14="http://schemas.microsoft.com/office/drawing/2010/main" xmlns:ma14="http://schemas.microsoft.com/office/mac/drawingml/2011/main" val="1"/>
             </a:ext>
           </a:extLst>
         </p:spPr>
@@ -16565,7 +16584,7 @@
           </a:ln>
           <a:extLst>
             <a:ext uri="{C572A759-6A51-4108-AA02-DFA0A04FC94B}">
-              <ma14:wrappingTextBoxFlag xmlns:ma14="http://schemas.microsoft.com/office/mac/drawingml/2011/main" xmlns:a14="http://schemas.microsoft.com/office/drawing/2010/main" xmlns:m="http://schemas.openxmlformats.org/officeDocument/2006/math" xmlns="" val="1"/>
+              <ma14:wrappingTextBoxFlag xmlns="" xmlns:m="http://schemas.openxmlformats.org/officeDocument/2006/math" xmlns:a14="http://schemas.microsoft.com/office/drawing/2010/main" xmlns:ma14="http://schemas.microsoft.com/office/mac/drawingml/2011/main" val="1"/>
             </a:ext>
           </a:extLst>
         </p:spPr>
@@ -16680,7 +16699,7 @@
           </a:ln>
           <a:extLst>
             <a:ext uri="{C572A759-6A51-4108-AA02-DFA0A04FC94B}">
-              <ma14:wrappingTextBoxFlag xmlns:ma14="http://schemas.microsoft.com/office/mac/drawingml/2011/main" xmlns:a14="http://schemas.microsoft.com/office/drawing/2010/main" xmlns:m="http://schemas.openxmlformats.org/officeDocument/2006/math" xmlns="" val="1"/>
+              <ma14:wrappingTextBoxFlag xmlns="" xmlns:m="http://schemas.openxmlformats.org/officeDocument/2006/math" xmlns:a14="http://schemas.microsoft.com/office/drawing/2010/main" xmlns:ma14="http://schemas.microsoft.com/office/mac/drawingml/2011/main" val="1"/>
             </a:ext>
           </a:extLst>
         </p:spPr>
@@ -16784,7 +16803,7 @@
           </a:ln>
           <a:extLst>
             <a:ext uri="{C572A759-6A51-4108-AA02-DFA0A04FC94B}">
-              <ma14:wrappingTextBoxFlag xmlns:ma14="http://schemas.microsoft.com/office/mac/drawingml/2011/main" xmlns:a14="http://schemas.microsoft.com/office/drawing/2010/main" xmlns:m="http://schemas.openxmlformats.org/officeDocument/2006/math" xmlns="" val="1"/>
+              <ma14:wrappingTextBoxFlag xmlns="" xmlns:m="http://schemas.openxmlformats.org/officeDocument/2006/math" xmlns:a14="http://schemas.microsoft.com/office/drawing/2010/main" xmlns:ma14="http://schemas.microsoft.com/office/mac/drawingml/2011/main" val="1"/>
             </a:ext>
           </a:extLst>
         </p:spPr>
@@ -16826,7 +16845,7 @@
           </a:ln>
           <a:extLst>
             <a:ext uri="{C572A759-6A51-4108-AA02-DFA0A04FC94B}">
-              <ma14:wrappingTextBoxFlag xmlns:ma14="http://schemas.microsoft.com/office/mac/drawingml/2011/main" xmlns:a14="http://schemas.microsoft.com/office/drawing/2010/main" xmlns:m="http://schemas.openxmlformats.org/officeDocument/2006/math" xmlns="" val="1"/>
+              <ma14:wrappingTextBoxFlag xmlns="" xmlns:m="http://schemas.openxmlformats.org/officeDocument/2006/math" xmlns:a14="http://schemas.microsoft.com/office/drawing/2010/main" xmlns:ma14="http://schemas.microsoft.com/office/mac/drawingml/2011/main" val="1"/>
             </a:ext>
           </a:extLst>
         </p:spPr>
@@ -17108,7 +17127,7 @@
           </a:ln>
           <a:extLst>
             <a:ext uri="{C572A759-6A51-4108-AA02-DFA0A04FC94B}">
-              <ma14:wrappingTextBoxFlag xmlns:ma14="http://schemas.microsoft.com/office/mac/drawingml/2011/main" xmlns:a14="http://schemas.microsoft.com/office/drawing/2010/main" xmlns:m="http://schemas.openxmlformats.org/officeDocument/2006/math" xmlns="" val="1"/>
+              <ma14:wrappingTextBoxFlag xmlns="" xmlns:m="http://schemas.openxmlformats.org/officeDocument/2006/math" xmlns:a14="http://schemas.microsoft.com/office/drawing/2010/main" xmlns:ma14="http://schemas.microsoft.com/office/mac/drawingml/2011/main" val="1"/>
             </a:ext>
           </a:extLst>
         </p:spPr>
@@ -17246,7 +17265,7 @@
           </a:ln>
           <a:extLst>
             <a:ext uri="{C572A759-6A51-4108-AA02-DFA0A04FC94B}">
-              <ma14:wrappingTextBoxFlag xmlns:ma14="http://schemas.microsoft.com/office/mac/drawingml/2011/main" xmlns:a14="http://schemas.microsoft.com/office/drawing/2010/main" xmlns:m="http://schemas.openxmlformats.org/officeDocument/2006/math" xmlns="" val="1"/>
+              <ma14:wrappingTextBoxFlag xmlns="" xmlns:m="http://schemas.openxmlformats.org/officeDocument/2006/math" xmlns:a14="http://schemas.microsoft.com/office/drawing/2010/main" xmlns:ma14="http://schemas.microsoft.com/office/mac/drawingml/2011/main" val="1"/>
             </a:ext>
           </a:extLst>
         </p:spPr>
@@ -17336,7 +17355,7 @@
           </a:ln>
           <a:extLst>
             <a:ext uri="{C572A759-6A51-4108-AA02-DFA0A04FC94B}">
-              <ma14:wrappingTextBoxFlag xmlns:ma14="http://schemas.microsoft.com/office/mac/drawingml/2011/main" xmlns:a14="http://schemas.microsoft.com/office/drawing/2010/main" xmlns:m="http://schemas.openxmlformats.org/officeDocument/2006/math" xmlns="" val="1"/>
+              <ma14:wrappingTextBoxFlag xmlns="" xmlns:m="http://schemas.openxmlformats.org/officeDocument/2006/math" xmlns:a14="http://schemas.microsoft.com/office/drawing/2010/main" xmlns:ma14="http://schemas.microsoft.com/office/mac/drawingml/2011/main" val="1"/>
             </a:ext>
           </a:extLst>
         </p:spPr>
@@ -17378,7 +17397,7 @@
           </a:ln>
           <a:extLst>
             <a:ext uri="{C572A759-6A51-4108-AA02-DFA0A04FC94B}">
-              <ma14:wrappingTextBoxFlag xmlns:ma14="http://schemas.microsoft.com/office/mac/drawingml/2011/main" xmlns:a14="http://schemas.microsoft.com/office/drawing/2010/main" xmlns:m="http://schemas.openxmlformats.org/officeDocument/2006/math" xmlns="" val="1"/>
+              <ma14:wrappingTextBoxFlag xmlns="" xmlns:m="http://schemas.openxmlformats.org/officeDocument/2006/math" xmlns:a14="http://schemas.microsoft.com/office/drawing/2010/main" xmlns:ma14="http://schemas.microsoft.com/office/mac/drawingml/2011/main" val="1"/>
             </a:ext>
           </a:extLst>
         </p:spPr>
@@ -17741,7 +17760,7 @@
           </a:ln>
           <a:extLst>
             <a:ext uri="{C572A759-6A51-4108-AA02-DFA0A04FC94B}">
-              <ma14:wrappingTextBoxFlag xmlns:ma14="http://schemas.microsoft.com/office/mac/drawingml/2011/main" xmlns:a14="http://schemas.microsoft.com/office/drawing/2010/main" xmlns:m="http://schemas.openxmlformats.org/officeDocument/2006/math" xmlns="" val="1"/>
+              <ma14:wrappingTextBoxFlag xmlns="" xmlns:m="http://schemas.openxmlformats.org/officeDocument/2006/math" xmlns:a14="http://schemas.microsoft.com/office/drawing/2010/main" xmlns:ma14="http://schemas.microsoft.com/office/mac/drawingml/2011/main" val="1"/>
             </a:ext>
           </a:extLst>
         </p:spPr>
@@ -19335,7 +19354,7 @@
           </a:ln>
           <a:extLst>
             <a:ext uri="{C572A759-6A51-4108-AA02-DFA0A04FC94B}">
-              <ma14:wrappingTextBoxFlag xmlns:ma14="http://schemas.microsoft.com/office/mac/drawingml/2011/main" xmlns:a14="http://schemas.microsoft.com/office/drawing/2010/main" xmlns:m="http://schemas.openxmlformats.org/officeDocument/2006/math" xmlns="" val="1"/>
+              <ma14:wrappingTextBoxFlag xmlns="" xmlns:m="http://schemas.openxmlformats.org/officeDocument/2006/math" xmlns:a14="http://schemas.microsoft.com/office/drawing/2010/main" xmlns:ma14="http://schemas.microsoft.com/office/mac/drawingml/2011/main" val="1"/>
             </a:ext>
           </a:extLst>
         </p:spPr>
@@ -21925,7 +21944,7 @@
           </a:ln>
           <a:extLst>
             <a:ext uri="{C572A759-6A51-4108-AA02-DFA0A04FC94B}">
-              <ma14:wrappingTextBoxFlag xmlns:ma14="http://schemas.microsoft.com/office/mac/drawingml/2011/main" xmlns:a14="http://schemas.microsoft.com/office/drawing/2010/main" xmlns:m="http://schemas.openxmlformats.org/officeDocument/2006/math" xmlns="" val="1"/>
+              <ma14:wrappingTextBoxFlag xmlns="" xmlns:m="http://schemas.openxmlformats.org/officeDocument/2006/math" xmlns:a14="http://schemas.microsoft.com/office/drawing/2010/main" xmlns:ma14="http://schemas.microsoft.com/office/mac/drawingml/2011/main" val="1"/>
             </a:ext>
           </a:extLst>
         </p:spPr>
@@ -22145,7 +22164,7 @@
           </a:ln>
           <a:extLst>
             <a:ext uri="{C572A759-6A51-4108-AA02-DFA0A04FC94B}">
-              <ma14:wrappingTextBoxFlag xmlns:ma14="http://schemas.microsoft.com/office/mac/drawingml/2011/main" xmlns:a14="http://schemas.microsoft.com/office/drawing/2010/main" xmlns:m="http://schemas.openxmlformats.org/officeDocument/2006/math" xmlns="" val="1"/>
+              <ma14:wrappingTextBoxFlag xmlns="" xmlns:m="http://schemas.openxmlformats.org/officeDocument/2006/math" xmlns:a14="http://schemas.microsoft.com/office/drawing/2010/main" xmlns:ma14="http://schemas.microsoft.com/office/mac/drawingml/2011/main" val="1"/>
             </a:ext>
           </a:extLst>
         </p:spPr>
@@ -23283,7 +23302,7 @@
           </a:ln>
           <a:extLst>
             <a:ext uri="{C572A759-6A51-4108-AA02-DFA0A04FC94B}">
-              <ma14:wrappingTextBoxFlag xmlns:ma14="http://schemas.microsoft.com/office/mac/drawingml/2011/main" xmlns:a14="http://schemas.microsoft.com/office/drawing/2010/main" xmlns:m="http://schemas.openxmlformats.org/officeDocument/2006/math" xmlns="" val="1"/>
+              <ma14:wrappingTextBoxFlag xmlns="" xmlns:m="http://schemas.openxmlformats.org/officeDocument/2006/math" xmlns:a14="http://schemas.microsoft.com/office/drawing/2010/main" xmlns:ma14="http://schemas.microsoft.com/office/mac/drawingml/2011/main" val="1"/>
             </a:ext>
           </a:extLst>
         </p:spPr>
@@ -23371,7 +23390,7 @@
           </a:ln>
           <a:extLst>
             <a:ext uri="{C572A759-6A51-4108-AA02-DFA0A04FC94B}">
-              <ma14:wrappingTextBoxFlag xmlns:ma14="http://schemas.microsoft.com/office/mac/drawingml/2011/main" xmlns:a14="http://schemas.microsoft.com/office/drawing/2010/main" xmlns:m="http://schemas.openxmlformats.org/officeDocument/2006/math" xmlns="" val="1"/>
+              <ma14:wrappingTextBoxFlag xmlns="" xmlns:m="http://schemas.openxmlformats.org/officeDocument/2006/math" xmlns:a14="http://schemas.microsoft.com/office/drawing/2010/main" xmlns:ma14="http://schemas.microsoft.com/office/mac/drawingml/2011/main" val="1"/>
             </a:ext>
           </a:extLst>
         </p:spPr>
@@ -23447,7 +23466,7 @@
           </a:ln>
           <a:extLst>
             <a:ext uri="{C572A759-6A51-4108-AA02-DFA0A04FC94B}">
-              <ma14:wrappingTextBoxFlag xmlns:ma14="http://schemas.microsoft.com/office/mac/drawingml/2011/main" xmlns:a14="http://schemas.microsoft.com/office/drawing/2010/main" xmlns:m="http://schemas.openxmlformats.org/officeDocument/2006/math" xmlns="" val="1"/>
+              <ma14:wrappingTextBoxFlag xmlns="" xmlns:m="http://schemas.openxmlformats.org/officeDocument/2006/math" xmlns:a14="http://schemas.microsoft.com/office/drawing/2010/main" xmlns:ma14="http://schemas.microsoft.com/office/mac/drawingml/2011/main" val="1"/>
             </a:ext>
           </a:extLst>
         </p:spPr>
@@ -25739,7 +25758,7 @@
           </a:ln>
           <a:extLst>
             <a:ext uri="{C572A759-6A51-4108-AA02-DFA0A04FC94B}">
-              <ma14:wrappingTextBoxFlag xmlns:ma14="http://schemas.microsoft.com/office/mac/drawingml/2011/main" xmlns:a14="http://schemas.microsoft.com/office/drawing/2010/main" xmlns:m="http://schemas.openxmlformats.org/officeDocument/2006/math" xmlns="" val="1"/>
+              <ma14:wrappingTextBoxFlag xmlns="" xmlns:m="http://schemas.openxmlformats.org/officeDocument/2006/math" xmlns:a14="http://schemas.microsoft.com/office/drawing/2010/main" xmlns:ma14="http://schemas.microsoft.com/office/mac/drawingml/2011/main" val="1"/>
             </a:ext>
           </a:extLst>
         </p:spPr>
@@ -25821,7 +25840,7 @@
           </a:ln>
           <a:extLst>
             <a:ext uri="{C572A759-6A51-4108-AA02-DFA0A04FC94B}">
-              <ma14:wrappingTextBoxFlag xmlns:ma14="http://schemas.microsoft.com/office/mac/drawingml/2011/main" xmlns:a14="http://schemas.microsoft.com/office/drawing/2010/main" xmlns:m="http://schemas.openxmlformats.org/officeDocument/2006/math" xmlns="" val="1"/>
+              <ma14:wrappingTextBoxFlag xmlns="" xmlns:m="http://schemas.openxmlformats.org/officeDocument/2006/math" xmlns:a14="http://schemas.microsoft.com/office/drawing/2010/main" xmlns:ma14="http://schemas.microsoft.com/office/mac/drawingml/2011/main" val="1"/>
             </a:ext>
           </a:extLst>
         </p:spPr>
@@ -25857,7 +25876,7 @@
           </a:ln>
           <a:extLst>
             <a:ext uri="{C572A759-6A51-4108-AA02-DFA0A04FC94B}">
-              <ma14:wrappingTextBoxFlag xmlns:ma14="http://schemas.microsoft.com/office/mac/drawingml/2011/main" xmlns:a14="http://schemas.microsoft.com/office/drawing/2010/main" xmlns:m="http://schemas.openxmlformats.org/officeDocument/2006/math" xmlns="" val="1"/>
+              <ma14:wrappingTextBoxFlag xmlns="" xmlns:m="http://schemas.openxmlformats.org/officeDocument/2006/math" xmlns:a14="http://schemas.microsoft.com/office/drawing/2010/main" xmlns:ma14="http://schemas.microsoft.com/office/mac/drawingml/2011/main" val="1"/>
             </a:ext>
           </a:extLst>
         </p:spPr>
@@ -25893,7 +25912,7 @@
           </a:ln>
           <a:extLst>
             <a:ext uri="{C572A759-6A51-4108-AA02-DFA0A04FC94B}">
-              <ma14:wrappingTextBoxFlag xmlns:ma14="http://schemas.microsoft.com/office/mac/drawingml/2011/main" xmlns:a14="http://schemas.microsoft.com/office/drawing/2010/main" xmlns:m="http://schemas.openxmlformats.org/officeDocument/2006/math" xmlns="" val="1"/>
+              <ma14:wrappingTextBoxFlag xmlns="" xmlns:m="http://schemas.openxmlformats.org/officeDocument/2006/math" xmlns:a14="http://schemas.microsoft.com/office/drawing/2010/main" xmlns:ma14="http://schemas.microsoft.com/office/mac/drawingml/2011/main" val="1"/>
             </a:ext>
           </a:extLst>
         </p:spPr>
@@ -26112,7 +26131,7 @@
           </a:ln>
           <a:extLst>
             <a:ext uri="{C572A759-6A51-4108-AA02-DFA0A04FC94B}">
-              <ma14:wrappingTextBoxFlag xmlns:ma14="http://schemas.microsoft.com/office/mac/drawingml/2011/main" xmlns:a14="http://schemas.microsoft.com/office/drawing/2010/main" xmlns:m="http://schemas.openxmlformats.org/officeDocument/2006/math" xmlns="" val="1"/>
+              <ma14:wrappingTextBoxFlag xmlns="" xmlns:m="http://schemas.openxmlformats.org/officeDocument/2006/math" xmlns:a14="http://schemas.microsoft.com/office/drawing/2010/main" xmlns:ma14="http://schemas.microsoft.com/office/mac/drawingml/2011/main" val="1"/>
             </a:ext>
           </a:extLst>
         </p:spPr>

--- a/powerpoints/data-import.pptx
+++ b/powerpoints/data-import.pptx
@@ -2440,7 +2440,7 @@
           </a:ln>
           <a:extLst>
             <a:ext uri="{C572A759-6A51-4108-AA02-DFA0A04FC94B}">
-              <ma14:wrappingTextBoxFlag xmlns="" xmlns:m="http://schemas.openxmlformats.org/officeDocument/2006/math" xmlns:a14="http://schemas.microsoft.com/office/drawing/2010/main" xmlns:ma14="http://schemas.microsoft.com/office/mac/drawingml/2011/main" val="1"/>
+              <ma14:wrappingTextBoxFlag xmlns:ma14="http://schemas.microsoft.com/office/mac/drawingml/2011/main" xmlns:a14="http://schemas.microsoft.com/office/drawing/2010/main" xmlns:m="http://schemas.openxmlformats.org/officeDocument/2006/math" xmlns="" val="1"/>
             </a:ext>
           </a:extLst>
         </p:spPr>
@@ -2479,7 +2479,7 @@
           </a:ln>
           <a:extLst>
             <a:ext uri="{C572A759-6A51-4108-AA02-DFA0A04FC94B}">
-              <ma14:wrappingTextBoxFlag xmlns="" xmlns:m="http://schemas.openxmlformats.org/officeDocument/2006/math" xmlns:a14="http://schemas.microsoft.com/office/drawing/2010/main" xmlns:ma14="http://schemas.microsoft.com/office/mac/drawingml/2011/main" val="1"/>
+              <ma14:wrappingTextBoxFlag xmlns:ma14="http://schemas.microsoft.com/office/mac/drawingml/2011/main" xmlns:a14="http://schemas.microsoft.com/office/drawing/2010/main" xmlns:m="http://schemas.openxmlformats.org/officeDocument/2006/math" xmlns="" val="1"/>
             </a:ext>
           </a:extLst>
         </p:spPr>
@@ -3631,7 +3631,7 @@
               <a:effectLst/>
               <a:extLst>
                 <a:ext uri="{C572A759-6A51-4108-AA02-DFA0A04FC94B}">
-                  <ma14:wrappingTextBoxFlag xmlns="" xmlns:m="http://schemas.openxmlformats.org/officeDocument/2006/math" xmlns:a14="http://schemas.microsoft.com/office/drawing/2010/main" xmlns:ma14="http://schemas.microsoft.com/office/mac/drawingml/2011/main" val="1"/>
+                  <ma14:wrappingTextBoxFlag xmlns:ma14="http://schemas.microsoft.com/office/mac/drawingml/2011/main" xmlns:a14="http://schemas.microsoft.com/office/drawing/2010/main" xmlns:m="http://schemas.openxmlformats.org/officeDocument/2006/math" xmlns="" val="1"/>
                 </a:ext>
               </a:extLst>
             </p:spPr>
@@ -4179,7 +4179,7 @@
           </a:ln>
           <a:extLst>
             <a:ext uri="{C572A759-6A51-4108-AA02-DFA0A04FC94B}">
-              <ma14:wrappingTextBoxFlag xmlns="" xmlns:m="http://schemas.openxmlformats.org/officeDocument/2006/math" xmlns:a14="http://schemas.microsoft.com/office/drawing/2010/main" xmlns:ma14="http://schemas.microsoft.com/office/mac/drawingml/2011/main" val="1"/>
+              <ma14:wrappingTextBoxFlag xmlns:ma14="http://schemas.microsoft.com/office/mac/drawingml/2011/main" xmlns:a14="http://schemas.microsoft.com/office/drawing/2010/main" xmlns:m="http://schemas.openxmlformats.org/officeDocument/2006/math" xmlns="" val="1"/>
             </a:ext>
           </a:extLst>
         </p:spPr>
@@ -4436,7 +4436,7 @@
               <a:effectLst/>
               <a:extLst>
                 <a:ext uri="{C572A759-6A51-4108-AA02-DFA0A04FC94B}">
-                  <ma14:wrappingTextBoxFlag xmlns="" xmlns:m="http://schemas.openxmlformats.org/officeDocument/2006/math" xmlns:a14="http://schemas.microsoft.com/office/drawing/2010/main" xmlns:ma14="http://schemas.microsoft.com/office/mac/drawingml/2011/main" val="1"/>
+                  <ma14:wrappingTextBoxFlag xmlns:ma14="http://schemas.microsoft.com/office/mac/drawingml/2011/main" xmlns:a14="http://schemas.microsoft.com/office/drawing/2010/main" xmlns:m="http://schemas.openxmlformats.org/officeDocument/2006/math" xmlns="" val="1"/>
                 </a:ext>
               </a:extLst>
             </p:spPr>
@@ -5838,52 +5838,6 @@
       </p:grpSp>
       <p:sp>
         <p:nvSpPr>
-          <p:cNvPr id="177" name="Line"/>
-          <p:cNvSpPr/>
-          <p:nvPr/>
-        </p:nvSpPr>
-        <p:spPr>
-          <a:xfrm>
-            <a:off x="344039" y="1217208"/>
-            <a:ext cx="3037294" cy="1"/>
-          </a:xfrm>
-          <a:prstGeom prst="line">
-            <a:avLst/>
-          </a:prstGeom>
-          <a:ln w="3175">
-            <a:solidFill>
-              <a:srgbClr val="FFF2C5"/>
-            </a:solidFill>
-            <a:miter lim="400000"/>
-          </a:ln>
-        </p:spPr>
-        <p:txBody>
-          <a:bodyPr lIns="54570" tIns="54570" rIns="54570" bIns="54570" anchor="ctr"/>
-          <a:lstStyle/>
-          <a:p>
-            <a:pPr>
-              <a:lnSpc>
-                <a:spcPct val="80000"/>
-              </a:lnSpc>
-              <a:spcBef>
-                <a:spcPts val="600"/>
-              </a:spcBef>
-              <a:defRPr>
-                <a:solidFill>
-                  <a:srgbClr val="000000"/>
-                </a:solidFill>
-                <a:latin typeface="Source Sans Pro Regular"/>
-                <a:ea typeface="Source Sans Pro Regular"/>
-                <a:cs typeface="Source Sans Pro Regular"/>
-                <a:sym typeface="Source Sans Pro Regular"/>
-              </a:defRPr>
-            </a:pPr>
-            <a:endParaRPr/>
-          </a:p>
-        </p:txBody>
-      </p:sp>
-      <p:sp>
-        <p:nvSpPr>
           <p:cNvPr id="178" name="Data Import : : CHEAT SHEET"/>
           <p:cNvSpPr txBox="1">
             <a:spLocks noGrp="1"/>
@@ -6002,7 +5956,7 @@
           </a:ln>
           <a:extLst>
             <a:ext uri="{C572A759-6A51-4108-AA02-DFA0A04FC94B}">
-              <ma14:wrappingTextBoxFlag xmlns="" xmlns:m="http://schemas.openxmlformats.org/officeDocument/2006/math" xmlns:a14="http://schemas.microsoft.com/office/drawing/2010/main" xmlns:ma14="http://schemas.microsoft.com/office/mac/drawingml/2011/main" val="1"/>
+              <ma14:wrappingTextBoxFlag xmlns:ma14="http://schemas.microsoft.com/office/mac/drawingml/2011/main" xmlns:a14="http://schemas.microsoft.com/office/drawing/2010/main" xmlns:m="http://schemas.openxmlformats.org/officeDocument/2006/math" xmlns="" val="1"/>
             </a:ext>
           </a:extLst>
         </p:spPr>
@@ -6184,7 +6138,7 @@
           </a:ln>
           <a:extLst>
             <a:ext uri="{C572A759-6A51-4108-AA02-DFA0A04FC94B}">
-              <ma14:wrappingTextBoxFlag xmlns="" xmlns:m="http://schemas.openxmlformats.org/officeDocument/2006/math" xmlns:a14="http://schemas.microsoft.com/office/drawing/2010/main" xmlns:ma14="http://schemas.microsoft.com/office/mac/drawingml/2011/main" val="1"/>
+              <ma14:wrappingTextBoxFlag xmlns:ma14="http://schemas.microsoft.com/office/mac/drawingml/2011/main" xmlns:a14="http://schemas.microsoft.com/office/drawing/2010/main" xmlns:m="http://schemas.openxmlformats.org/officeDocument/2006/math" xmlns="" val="1"/>
             </a:ext>
           </a:extLst>
         </p:spPr>
@@ -6442,7 +6396,7 @@
           </a:ln>
           <a:extLst>
             <a:ext uri="{C572A759-6A51-4108-AA02-DFA0A04FC94B}">
-              <ma14:wrappingTextBoxFlag xmlns="" xmlns:m="http://schemas.openxmlformats.org/officeDocument/2006/math" xmlns:a14="http://schemas.microsoft.com/office/drawing/2010/main" xmlns:ma14="http://schemas.microsoft.com/office/mac/drawingml/2011/main" val="1"/>
+              <ma14:wrappingTextBoxFlag xmlns:ma14="http://schemas.microsoft.com/office/mac/drawingml/2011/main" xmlns:a14="http://schemas.microsoft.com/office/drawing/2010/main" xmlns:m="http://schemas.openxmlformats.org/officeDocument/2006/math" xmlns="" val="1"/>
             </a:ext>
           </a:extLst>
         </p:spPr>
@@ -6495,7 +6449,7 @@
           </a:ln>
           <a:extLst>
             <a:ext uri="{C572A759-6A51-4108-AA02-DFA0A04FC94B}">
-              <ma14:wrappingTextBoxFlag xmlns="" xmlns:m="http://schemas.openxmlformats.org/officeDocument/2006/math" xmlns:a14="http://schemas.microsoft.com/office/drawing/2010/main" xmlns:ma14="http://schemas.microsoft.com/office/mac/drawingml/2011/main" val="1"/>
+              <ma14:wrappingTextBoxFlag xmlns:ma14="http://schemas.microsoft.com/office/mac/drawingml/2011/main" xmlns:a14="http://schemas.microsoft.com/office/drawing/2010/main" xmlns:m="http://schemas.openxmlformats.org/officeDocument/2006/math" xmlns="" val="1"/>
             </a:ext>
           </a:extLst>
         </p:spPr>
@@ -6531,7 +6485,7 @@
           </a:ln>
           <a:extLst>
             <a:ext uri="{C572A759-6A51-4108-AA02-DFA0A04FC94B}">
-              <ma14:wrappingTextBoxFlag xmlns="" xmlns:m="http://schemas.openxmlformats.org/officeDocument/2006/math" xmlns:a14="http://schemas.microsoft.com/office/drawing/2010/main" xmlns:ma14="http://schemas.microsoft.com/office/mac/drawingml/2011/main" val="1"/>
+              <ma14:wrappingTextBoxFlag xmlns:ma14="http://schemas.microsoft.com/office/mac/drawingml/2011/main" xmlns:a14="http://schemas.microsoft.com/office/drawing/2010/main" xmlns:m="http://schemas.openxmlformats.org/officeDocument/2006/math" xmlns="" val="1"/>
             </a:ext>
           </a:extLst>
         </p:spPr>
@@ -6595,7 +6549,7 @@
           <a:effectLst/>
           <a:extLst>
             <a:ext uri="{C572A759-6A51-4108-AA02-DFA0A04FC94B}">
-              <ma14:wrappingTextBoxFlag xmlns="" xmlns:m="http://schemas.openxmlformats.org/officeDocument/2006/math" xmlns:a14="http://schemas.microsoft.com/office/drawing/2010/main" xmlns:ma14="http://schemas.microsoft.com/office/mac/drawingml/2011/main" val="1"/>
+              <ma14:wrappingTextBoxFlag xmlns:ma14="http://schemas.microsoft.com/office/mac/drawingml/2011/main" xmlns:a14="http://schemas.microsoft.com/office/drawing/2010/main" xmlns:m="http://schemas.openxmlformats.org/officeDocument/2006/math" xmlns="" val="1"/>
             </a:ext>
           </a:extLst>
         </p:spPr>
@@ -6844,7 +6798,7 @@
           <a:effectLst/>
           <a:extLst>
             <a:ext uri="{C572A759-6A51-4108-AA02-DFA0A04FC94B}">
-              <ma14:wrappingTextBoxFlag xmlns="" xmlns:m="http://schemas.openxmlformats.org/officeDocument/2006/math" xmlns:a14="http://schemas.microsoft.com/office/drawing/2010/main" xmlns:ma14="http://schemas.microsoft.com/office/mac/drawingml/2011/main" val="1"/>
+              <ma14:wrappingTextBoxFlag xmlns:ma14="http://schemas.microsoft.com/office/mac/drawingml/2011/main" xmlns:a14="http://schemas.microsoft.com/office/drawing/2010/main" xmlns:m="http://schemas.openxmlformats.org/officeDocument/2006/math" xmlns="" val="1"/>
             </a:ext>
           </a:extLst>
         </p:spPr>
@@ -6972,7 +6926,7 @@
           <a:effectLst/>
           <a:extLst>
             <a:ext uri="{C572A759-6A51-4108-AA02-DFA0A04FC94B}">
-              <ma14:wrappingTextBoxFlag xmlns="" xmlns:m="http://schemas.openxmlformats.org/officeDocument/2006/math" xmlns:a14="http://schemas.microsoft.com/office/drawing/2010/main" xmlns:ma14="http://schemas.microsoft.com/office/mac/drawingml/2011/main" val="1"/>
+              <ma14:wrappingTextBoxFlag xmlns:ma14="http://schemas.microsoft.com/office/mac/drawingml/2011/main" xmlns:a14="http://schemas.microsoft.com/office/drawing/2010/main" xmlns:m="http://schemas.openxmlformats.org/officeDocument/2006/math" xmlns="" val="1"/>
             </a:ext>
           </a:extLst>
         </p:spPr>
@@ -7125,7 +7079,7 @@
           <a:effectLst/>
           <a:extLst>
             <a:ext uri="{C572A759-6A51-4108-AA02-DFA0A04FC94B}">
-              <ma14:wrappingTextBoxFlag xmlns="" xmlns:m="http://schemas.openxmlformats.org/officeDocument/2006/math" xmlns:a14="http://schemas.microsoft.com/office/drawing/2010/main" xmlns:ma14="http://schemas.microsoft.com/office/mac/drawingml/2011/main" val="1"/>
+              <ma14:wrappingTextBoxFlag xmlns:ma14="http://schemas.microsoft.com/office/mac/drawingml/2011/main" xmlns:a14="http://schemas.microsoft.com/office/drawing/2010/main" xmlns:m="http://schemas.openxmlformats.org/officeDocument/2006/math" xmlns="" val="1"/>
             </a:ext>
           </a:extLst>
         </p:spPr>
@@ -7190,7 +7144,7 @@
           </a:ln>
           <a:extLst>
             <a:ext uri="{C572A759-6A51-4108-AA02-DFA0A04FC94B}">
-              <ma14:wrappingTextBoxFlag xmlns="" xmlns:m="http://schemas.openxmlformats.org/officeDocument/2006/math" xmlns:a14="http://schemas.microsoft.com/office/drawing/2010/main" xmlns:ma14="http://schemas.microsoft.com/office/mac/drawingml/2011/main" val="1"/>
+              <ma14:wrappingTextBoxFlag xmlns:ma14="http://schemas.microsoft.com/office/mac/drawingml/2011/main" xmlns:a14="http://schemas.microsoft.com/office/drawing/2010/main" xmlns:m="http://schemas.openxmlformats.org/officeDocument/2006/math" xmlns="" val="1"/>
             </a:ext>
           </a:extLst>
         </p:spPr>
@@ -7455,7 +7409,7 @@
           </a:ln>
           <a:extLst>
             <a:ext uri="{C572A759-6A51-4108-AA02-DFA0A04FC94B}">
-              <ma14:wrappingTextBoxFlag xmlns="" xmlns:m="http://schemas.openxmlformats.org/officeDocument/2006/math" xmlns:a14="http://schemas.microsoft.com/office/drawing/2010/main" xmlns:ma14="http://schemas.microsoft.com/office/mac/drawingml/2011/main" val="1"/>
+              <ma14:wrappingTextBoxFlag xmlns:ma14="http://schemas.microsoft.com/office/mac/drawingml/2011/main" xmlns:a14="http://schemas.microsoft.com/office/drawing/2010/main" xmlns:m="http://schemas.openxmlformats.org/officeDocument/2006/math" xmlns="" val="1"/>
             </a:ext>
           </a:extLst>
         </p:spPr>
@@ -7491,7 +7445,7 @@
           </a:ln>
           <a:extLst>
             <a:ext uri="{C572A759-6A51-4108-AA02-DFA0A04FC94B}">
-              <ma14:wrappingTextBoxFlag xmlns="" xmlns:m="http://schemas.openxmlformats.org/officeDocument/2006/math" xmlns:a14="http://schemas.microsoft.com/office/drawing/2010/main" xmlns:ma14="http://schemas.microsoft.com/office/mac/drawingml/2011/main" val="1"/>
+              <ma14:wrappingTextBoxFlag xmlns:ma14="http://schemas.microsoft.com/office/mac/drawingml/2011/main" xmlns:a14="http://schemas.microsoft.com/office/drawing/2010/main" xmlns:m="http://schemas.openxmlformats.org/officeDocument/2006/math" xmlns="" val="1"/>
             </a:ext>
           </a:extLst>
         </p:spPr>
@@ -7590,7 +7544,7 @@
           </a:ln>
           <a:extLst>
             <a:ext uri="{C572A759-6A51-4108-AA02-DFA0A04FC94B}">
-              <ma14:wrappingTextBoxFlag xmlns="" xmlns:m="http://schemas.openxmlformats.org/officeDocument/2006/math" xmlns:a14="http://schemas.microsoft.com/office/drawing/2010/main" xmlns:ma14="http://schemas.microsoft.com/office/mac/drawingml/2011/main" val="1"/>
+              <ma14:wrappingTextBoxFlag xmlns:ma14="http://schemas.microsoft.com/office/mac/drawingml/2011/main" xmlns:a14="http://schemas.microsoft.com/office/drawing/2010/main" xmlns:m="http://schemas.openxmlformats.org/officeDocument/2006/math" xmlns="" val="1"/>
             </a:ext>
           </a:extLst>
         </p:spPr>
@@ -8032,7 +7986,7 @@
           </a:ln>
           <a:extLst>
             <a:ext uri="{C572A759-6A51-4108-AA02-DFA0A04FC94B}">
-              <ma14:wrappingTextBoxFlag xmlns="" xmlns:m="http://schemas.openxmlformats.org/officeDocument/2006/math" xmlns:a14="http://schemas.microsoft.com/office/drawing/2010/main" xmlns:ma14="http://schemas.microsoft.com/office/mac/drawingml/2011/main" val="1"/>
+              <ma14:wrappingTextBoxFlag xmlns:ma14="http://schemas.microsoft.com/office/mac/drawingml/2011/main" xmlns:a14="http://schemas.microsoft.com/office/drawing/2010/main" xmlns:m="http://schemas.openxmlformats.org/officeDocument/2006/math" xmlns="" val="1"/>
             </a:ext>
           </a:extLst>
         </p:spPr>
@@ -9395,7 +9349,7 @@
           </a:ln>
           <a:extLst>
             <a:ext uri="{C572A759-6A51-4108-AA02-DFA0A04FC94B}">
-              <ma14:wrappingTextBoxFlag xmlns="" xmlns:m="http://schemas.openxmlformats.org/officeDocument/2006/math" xmlns:a14="http://schemas.microsoft.com/office/drawing/2010/main" xmlns:ma14="http://schemas.microsoft.com/office/mac/drawingml/2011/main" val="1"/>
+              <ma14:wrappingTextBoxFlag xmlns:ma14="http://schemas.microsoft.com/office/mac/drawingml/2011/main" xmlns:a14="http://schemas.microsoft.com/office/drawing/2010/main" xmlns:m="http://schemas.openxmlformats.org/officeDocument/2006/math" xmlns="" val="1"/>
             </a:ext>
           </a:extLst>
         </p:spPr>
@@ -9620,7 +9574,7 @@
           </a:ln>
           <a:extLst>
             <a:ext uri="{C572A759-6A51-4108-AA02-DFA0A04FC94B}">
-              <ma14:wrappingTextBoxFlag xmlns="" xmlns:m="http://schemas.openxmlformats.org/officeDocument/2006/math" xmlns:a14="http://schemas.microsoft.com/office/drawing/2010/main" xmlns:ma14="http://schemas.microsoft.com/office/mac/drawingml/2011/main" val="1"/>
+              <ma14:wrappingTextBoxFlag xmlns:ma14="http://schemas.microsoft.com/office/mac/drawingml/2011/main" xmlns:a14="http://schemas.microsoft.com/office/drawing/2010/main" xmlns:m="http://schemas.openxmlformats.org/officeDocument/2006/math" xmlns="" val="1"/>
             </a:ext>
           </a:extLst>
         </p:spPr>
@@ -9864,7 +9818,7 @@
           </a:ln>
           <a:extLst>
             <a:ext uri="{C572A759-6A51-4108-AA02-DFA0A04FC94B}">
-              <ma14:wrappingTextBoxFlag xmlns="" xmlns:m="http://schemas.openxmlformats.org/officeDocument/2006/math" xmlns:a14="http://schemas.microsoft.com/office/drawing/2010/main" xmlns:ma14="http://schemas.microsoft.com/office/mac/drawingml/2011/main" val="1"/>
+              <ma14:wrappingTextBoxFlag xmlns:ma14="http://schemas.microsoft.com/office/mac/drawingml/2011/main" xmlns:a14="http://schemas.microsoft.com/office/drawing/2010/main" xmlns:m="http://schemas.openxmlformats.org/officeDocument/2006/math" xmlns="" val="1"/>
             </a:ext>
           </a:extLst>
         </p:spPr>
@@ -9971,7 +9925,7 @@
           </a:ln>
           <a:extLst>
             <a:ext uri="{C572A759-6A51-4108-AA02-DFA0A04FC94B}">
-              <ma14:wrappingTextBoxFlag xmlns="" xmlns:m="http://schemas.openxmlformats.org/officeDocument/2006/math" xmlns:a14="http://schemas.microsoft.com/office/drawing/2010/main" xmlns:ma14="http://schemas.microsoft.com/office/mac/drawingml/2011/main" val="1"/>
+              <ma14:wrappingTextBoxFlag xmlns:ma14="http://schemas.microsoft.com/office/mac/drawingml/2011/main" xmlns:a14="http://schemas.microsoft.com/office/drawing/2010/main" xmlns:m="http://schemas.openxmlformats.org/officeDocument/2006/math" xmlns="" val="1"/>
             </a:ext>
           </a:extLst>
         </p:spPr>
@@ -10051,7 +10005,7 @@
           </a:ln>
           <a:extLst>
             <a:ext uri="{C572A759-6A51-4108-AA02-DFA0A04FC94B}">
-              <ma14:wrappingTextBoxFlag xmlns="" xmlns:m="http://schemas.openxmlformats.org/officeDocument/2006/math" xmlns:a14="http://schemas.microsoft.com/office/drawing/2010/main" xmlns:ma14="http://schemas.microsoft.com/office/mac/drawingml/2011/main" val="1"/>
+              <ma14:wrappingTextBoxFlag xmlns:ma14="http://schemas.microsoft.com/office/mac/drawingml/2011/main" xmlns:a14="http://schemas.microsoft.com/office/drawing/2010/main" xmlns:m="http://schemas.openxmlformats.org/officeDocument/2006/math" xmlns="" val="1"/>
             </a:ext>
           </a:extLst>
         </p:spPr>
@@ -10407,7 +10361,7 @@
           </a:ln>
           <a:extLst>
             <a:ext uri="{C572A759-6A51-4108-AA02-DFA0A04FC94B}">
-              <ma14:wrappingTextBoxFlag xmlns="" xmlns:m="http://schemas.openxmlformats.org/officeDocument/2006/math" xmlns:a14="http://schemas.microsoft.com/office/drawing/2010/main" xmlns:ma14="http://schemas.microsoft.com/office/mac/drawingml/2011/main" val="1"/>
+              <ma14:wrappingTextBoxFlag xmlns:ma14="http://schemas.microsoft.com/office/mac/drawingml/2011/main" xmlns:a14="http://schemas.microsoft.com/office/drawing/2010/main" xmlns:m="http://schemas.openxmlformats.org/officeDocument/2006/math" xmlns="" val="1"/>
             </a:ext>
           </a:extLst>
         </p:spPr>
@@ -10463,7 +10417,7 @@
           </a:ln>
           <a:extLst>
             <a:ext uri="{C572A759-6A51-4108-AA02-DFA0A04FC94B}">
-              <ma14:wrappingTextBoxFlag xmlns="" xmlns:m="http://schemas.openxmlformats.org/officeDocument/2006/math" xmlns:a14="http://schemas.microsoft.com/office/drawing/2010/main" xmlns:ma14="http://schemas.microsoft.com/office/mac/drawingml/2011/main" val="1"/>
+              <ma14:wrappingTextBoxFlag xmlns:ma14="http://schemas.microsoft.com/office/mac/drawingml/2011/main" xmlns:a14="http://schemas.microsoft.com/office/drawing/2010/main" xmlns:m="http://schemas.openxmlformats.org/officeDocument/2006/math" xmlns="" val="1"/>
             </a:ext>
           </a:extLst>
         </p:spPr>
@@ -10870,7 +10824,7 @@
               <a:effectLst/>
               <a:extLst>
                 <a:ext uri="{C572A759-6A51-4108-AA02-DFA0A04FC94B}">
-                  <ma14:wrappingTextBoxFlag xmlns="" xmlns:m="http://schemas.openxmlformats.org/officeDocument/2006/math" xmlns:a14="http://schemas.microsoft.com/office/drawing/2010/main" xmlns:ma14="http://schemas.microsoft.com/office/mac/drawingml/2011/main" val="1"/>
+                  <ma14:wrappingTextBoxFlag xmlns:ma14="http://schemas.microsoft.com/office/mac/drawingml/2011/main" xmlns:a14="http://schemas.microsoft.com/office/drawing/2010/main" xmlns:m="http://schemas.openxmlformats.org/officeDocument/2006/math" xmlns="" val="1"/>
                 </a:ext>
               </a:extLst>
             </p:spPr>
@@ -11366,7 +11320,7 @@
           </a:ln>
           <a:extLst>
             <a:ext uri="{C572A759-6A51-4108-AA02-DFA0A04FC94B}">
-              <ma14:wrappingTextBoxFlag xmlns="" xmlns:m="http://schemas.openxmlformats.org/officeDocument/2006/math" xmlns:a14="http://schemas.microsoft.com/office/drawing/2010/main" xmlns:ma14="http://schemas.microsoft.com/office/mac/drawingml/2011/main" val="1"/>
+              <ma14:wrappingTextBoxFlag xmlns:ma14="http://schemas.microsoft.com/office/mac/drawingml/2011/main" xmlns:a14="http://schemas.microsoft.com/office/drawing/2010/main" xmlns:m="http://schemas.openxmlformats.org/officeDocument/2006/math" xmlns="" val="1"/>
             </a:ext>
           </a:extLst>
         </p:spPr>
@@ -11575,7 +11529,7 @@
           </a:ln>
           <a:extLst>
             <a:ext uri="{C572A759-6A51-4108-AA02-DFA0A04FC94B}">
-              <ma14:wrappingTextBoxFlag xmlns="" xmlns:m="http://schemas.openxmlformats.org/officeDocument/2006/math" xmlns:a14="http://schemas.microsoft.com/office/drawing/2010/main" xmlns:ma14="http://schemas.microsoft.com/office/mac/drawingml/2011/main" val="1"/>
+              <ma14:wrappingTextBoxFlag xmlns:ma14="http://schemas.microsoft.com/office/mac/drawingml/2011/main" xmlns:a14="http://schemas.microsoft.com/office/drawing/2010/main" xmlns:m="http://schemas.openxmlformats.org/officeDocument/2006/math" xmlns="" val="1"/>
             </a:ext>
           </a:extLst>
         </p:spPr>
@@ -11887,7 +11841,7 @@
           </a:ln>
           <a:extLst>
             <a:ext uri="{C572A759-6A51-4108-AA02-DFA0A04FC94B}">
-              <ma14:wrappingTextBoxFlag xmlns="" xmlns:m="http://schemas.openxmlformats.org/officeDocument/2006/math" xmlns:a14="http://schemas.microsoft.com/office/drawing/2010/main" xmlns:ma14="http://schemas.microsoft.com/office/mac/drawingml/2011/main" val="1"/>
+              <ma14:wrappingTextBoxFlag xmlns:ma14="http://schemas.microsoft.com/office/mac/drawingml/2011/main" xmlns:a14="http://schemas.microsoft.com/office/drawing/2010/main" xmlns:m="http://schemas.openxmlformats.org/officeDocument/2006/math" xmlns="" val="1"/>
             </a:ext>
           </a:extLst>
         </p:spPr>
@@ -12229,7 +12183,7 @@
               <a:effectLst/>
               <a:extLst>
                 <a:ext uri="{C572A759-6A51-4108-AA02-DFA0A04FC94B}">
-                  <ma14:wrappingTextBoxFlag xmlns="" xmlns:m="http://schemas.openxmlformats.org/officeDocument/2006/math" xmlns:a14="http://schemas.microsoft.com/office/drawing/2010/main" xmlns:ma14="http://schemas.microsoft.com/office/mac/drawingml/2011/main" val="1"/>
+                  <ma14:wrappingTextBoxFlag xmlns:ma14="http://schemas.microsoft.com/office/mac/drawingml/2011/main" xmlns:a14="http://schemas.microsoft.com/office/drawing/2010/main" xmlns:m="http://schemas.openxmlformats.org/officeDocument/2006/math" xmlns="" val="1"/>
                 </a:ext>
               </a:extLst>
             </p:spPr>
@@ -12888,7 +12842,7 @@
               <a:effectLst/>
               <a:extLst>
                 <a:ext uri="{C572A759-6A51-4108-AA02-DFA0A04FC94B}">
-                  <ma14:wrappingTextBoxFlag xmlns="" xmlns:m="http://schemas.openxmlformats.org/officeDocument/2006/math" xmlns:a14="http://schemas.microsoft.com/office/drawing/2010/main" xmlns:ma14="http://schemas.microsoft.com/office/mac/drawingml/2011/main" val="1"/>
+                  <ma14:wrappingTextBoxFlag xmlns:ma14="http://schemas.microsoft.com/office/mac/drawingml/2011/main" xmlns:a14="http://schemas.microsoft.com/office/drawing/2010/main" xmlns:m="http://schemas.openxmlformats.org/officeDocument/2006/math" xmlns="" val="1"/>
                 </a:ext>
               </a:extLst>
             </p:spPr>
@@ -14171,7 +14125,7 @@
           </a:ln>
           <a:extLst>
             <a:ext uri="{C572A759-6A51-4108-AA02-DFA0A04FC94B}">
-              <ma14:wrappingTextBoxFlag xmlns="" xmlns:m="http://schemas.openxmlformats.org/officeDocument/2006/math" xmlns:a14="http://schemas.microsoft.com/office/drawing/2010/main" xmlns:ma14="http://schemas.microsoft.com/office/mac/drawingml/2011/main" val="1"/>
+              <ma14:wrappingTextBoxFlag xmlns:ma14="http://schemas.microsoft.com/office/mac/drawingml/2011/main" xmlns:a14="http://schemas.microsoft.com/office/drawing/2010/main" xmlns:m="http://schemas.openxmlformats.org/officeDocument/2006/math" xmlns="" val="1"/>
             </a:ext>
           </a:extLst>
         </p:spPr>
@@ -14281,7 +14235,7 @@
           </a:ln>
           <a:extLst>
             <a:ext uri="{C572A759-6A51-4108-AA02-DFA0A04FC94B}">
-              <ma14:wrappingTextBoxFlag xmlns="" xmlns:m="http://schemas.openxmlformats.org/officeDocument/2006/math" xmlns:a14="http://schemas.microsoft.com/office/drawing/2010/main" xmlns:ma14="http://schemas.microsoft.com/office/mac/drawingml/2011/main" val="1"/>
+              <ma14:wrappingTextBoxFlag xmlns:ma14="http://schemas.microsoft.com/office/mac/drawingml/2011/main" xmlns:a14="http://schemas.microsoft.com/office/drawing/2010/main" xmlns:m="http://schemas.openxmlformats.org/officeDocument/2006/math" xmlns="" val="1"/>
             </a:ext>
           </a:extLst>
         </p:spPr>
@@ -14482,7 +14436,7 @@
           </a:ln>
           <a:extLst>
             <a:ext uri="{C572A759-6A51-4108-AA02-DFA0A04FC94B}">
-              <ma14:wrappingTextBoxFlag xmlns="" xmlns:m="http://schemas.openxmlformats.org/officeDocument/2006/math" xmlns:a14="http://schemas.microsoft.com/office/drawing/2010/main" xmlns:ma14="http://schemas.microsoft.com/office/mac/drawingml/2011/main" val="1"/>
+              <ma14:wrappingTextBoxFlag xmlns:ma14="http://schemas.microsoft.com/office/mac/drawingml/2011/main" xmlns:a14="http://schemas.microsoft.com/office/drawing/2010/main" xmlns:m="http://schemas.openxmlformats.org/officeDocument/2006/math" xmlns="" val="1"/>
             </a:ext>
           </a:extLst>
         </p:spPr>
@@ -15779,7 +15733,7 @@
           </a:ln>
           <a:extLst>
             <a:ext uri="{C572A759-6A51-4108-AA02-DFA0A04FC94B}">
-              <ma14:wrappingTextBoxFlag xmlns="" xmlns:m="http://schemas.openxmlformats.org/officeDocument/2006/math" xmlns:a14="http://schemas.microsoft.com/office/drawing/2010/main" xmlns:ma14="http://schemas.microsoft.com/office/mac/drawingml/2011/main" val="1"/>
+              <ma14:wrappingTextBoxFlag xmlns:ma14="http://schemas.microsoft.com/office/mac/drawingml/2011/main" xmlns:a14="http://schemas.microsoft.com/office/drawing/2010/main" xmlns:m="http://schemas.openxmlformats.org/officeDocument/2006/math" xmlns="" val="1"/>
             </a:ext>
           </a:extLst>
         </p:spPr>
@@ -15831,7 +15785,7 @@
           </a:ln>
           <a:extLst>
             <a:ext uri="{C572A759-6A51-4108-AA02-DFA0A04FC94B}">
-              <ma14:wrappingTextBoxFlag xmlns="" xmlns:m="http://schemas.openxmlformats.org/officeDocument/2006/math" xmlns:a14="http://schemas.microsoft.com/office/drawing/2010/main" xmlns:ma14="http://schemas.microsoft.com/office/mac/drawingml/2011/main" val="1"/>
+              <ma14:wrappingTextBoxFlag xmlns:ma14="http://schemas.microsoft.com/office/mac/drawingml/2011/main" xmlns:a14="http://schemas.microsoft.com/office/drawing/2010/main" xmlns:m="http://schemas.openxmlformats.org/officeDocument/2006/math" xmlns="" val="1"/>
             </a:ext>
           </a:extLst>
         </p:spPr>
@@ -15883,7 +15837,7 @@
           </a:ln>
           <a:extLst>
             <a:ext uri="{C572A759-6A51-4108-AA02-DFA0A04FC94B}">
-              <ma14:wrappingTextBoxFlag xmlns="" xmlns:m="http://schemas.openxmlformats.org/officeDocument/2006/math" xmlns:a14="http://schemas.microsoft.com/office/drawing/2010/main" xmlns:ma14="http://schemas.microsoft.com/office/mac/drawingml/2011/main" val="1"/>
+              <ma14:wrappingTextBoxFlag xmlns:ma14="http://schemas.microsoft.com/office/mac/drawingml/2011/main" xmlns:a14="http://schemas.microsoft.com/office/drawing/2010/main" xmlns:m="http://schemas.openxmlformats.org/officeDocument/2006/math" xmlns="" val="1"/>
             </a:ext>
           </a:extLst>
         </p:spPr>
@@ -15971,7 +15925,7 @@
           </a:ln>
           <a:extLst>
             <a:ext uri="{C572A759-6A51-4108-AA02-DFA0A04FC94B}">
-              <ma14:wrappingTextBoxFlag xmlns="" xmlns:m="http://schemas.openxmlformats.org/officeDocument/2006/math" xmlns:a14="http://schemas.microsoft.com/office/drawing/2010/main" xmlns:ma14="http://schemas.microsoft.com/office/mac/drawingml/2011/main" val="1"/>
+              <ma14:wrappingTextBoxFlag xmlns:ma14="http://schemas.microsoft.com/office/mac/drawingml/2011/main" xmlns:a14="http://schemas.microsoft.com/office/drawing/2010/main" xmlns:m="http://schemas.openxmlformats.org/officeDocument/2006/math" xmlns="" val="1"/>
             </a:ext>
           </a:extLst>
         </p:spPr>
@@ -16103,7 +16057,7 @@
           </a:ln>
           <a:extLst>
             <a:ext uri="{C572A759-6A51-4108-AA02-DFA0A04FC94B}">
-              <ma14:wrappingTextBoxFlag xmlns="" xmlns:m="http://schemas.openxmlformats.org/officeDocument/2006/math" xmlns:a14="http://schemas.microsoft.com/office/drawing/2010/main" xmlns:ma14="http://schemas.microsoft.com/office/mac/drawingml/2011/main" val="1"/>
+              <ma14:wrappingTextBoxFlag xmlns:ma14="http://schemas.microsoft.com/office/mac/drawingml/2011/main" xmlns:a14="http://schemas.microsoft.com/office/drawing/2010/main" xmlns:m="http://schemas.openxmlformats.org/officeDocument/2006/math" xmlns="" val="1"/>
             </a:ext>
           </a:extLst>
         </p:spPr>
@@ -16193,7 +16147,7 @@
           </a:ln>
           <a:extLst>
             <a:ext uri="{C572A759-6A51-4108-AA02-DFA0A04FC94B}">
-              <ma14:wrappingTextBoxFlag xmlns="" xmlns:m="http://schemas.openxmlformats.org/officeDocument/2006/math" xmlns:a14="http://schemas.microsoft.com/office/drawing/2010/main" xmlns:ma14="http://schemas.microsoft.com/office/mac/drawingml/2011/main" val="1"/>
+              <ma14:wrappingTextBoxFlag xmlns:ma14="http://schemas.microsoft.com/office/mac/drawingml/2011/main" xmlns:a14="http://schemas.microsoft.com/office/drawing/2010/main" xmlns:m="http://schemas.openxmlformats.org/officeDocument/2006/math" xmlns="" val="1"/>
             </a:ext>
           </a:extLst>
         </p:spPr>
@@ -16337,7 +16291,7 @@
           </a:ln>
           <a:extLst>
             <a:ext uri="{C572A759-6A51-4108-AA02-DFA0A04FC94B}">
-              <ma14:wrappingTextBoxFlag xmlns="" xmlns:m="http://schemas.openxmlformats.org/officeDocument/2006/math" xmlns:a14="http://schemas.microsoft.com/office/drawing/2010/main" xmlns:ma14="http://schemas.microsoft.com/office/mac/drawingml/2011/main" val="1"/>
+              <ma14:wrappingTextBoxFlag xmlns:ma14="http://schemas.microsoft.com/office/mac/drawingml/2011/main" xmlns:a14="http://schemas.microsoft.com/office/drawing/2010/main" xmlns:m="http://schemas.openxmlformats.org/officeDocument/2006/math" xmlns="" val="1"/>
             </a:ext>
           </a:extLst>
         </p:spPr>
@@ -16379,7 +16333,7 @@
           </a:ln>
           <a:extLst>
             <a:ext uri="{C572A759-6A51-4108-AA02-DFA0A04FC94B}">
-              <ma14:wrappingTextBoxFlag xmlns="" xmlns:m="http://schemas.openxmlformats.org/officeDocument/2006/math" xmlns:a14="http://schemas.microsoft.com/office/drawing/2010/main" xmlns:ma14="http://schemas.microsoft.com/office/mac/drawingml/2011/main" val="1"/>
+              <ma14:wrappingTextBoxFlag xmlns:ma14="http://schemas.microsoft.com/office/mac/drawingml/2011/main" xmlns:a14="http://schemas.microsoft.com/office/drawing/2010/main" xmlns:m="http://schemas.openxmlformats.org/officeDocument/2006/math" xmlns="" val="1"/>
             </a:ext>
           </a:extLst>
         </p:spPr>
@@ -16542,7 +16496,7 @@
           </a:ln>
           <a:extLst>
             <a:ext uri="{C572A759-6A51-4108-AA02-DFA0A04FC94B}">
-              <ma14:wrappingTextBoxFlag xmlns="" xmlns:m="http://schemas.openxmlformats.org/officeDocument/2006/math" xmlns:a14="http://schemas.microsoft.com/office/drawing/2010/main" xmlns:ma14="http://schemas.microsoft.com/office/mac/drawingml/2011/main" val="1"/>
+              <ma14:wrappingTextBoxFlag xmlns:ma14="http://schemas.microsoft.com/office/mac/drawingml/2011/main" xmlns:a14="http://schemas.microsoft.com/office/drawing/2010/main" xmlns:m="http://schemas.openxmlformats.org/officeDocument/2006/math" xmlns="" val="1"/>
             </a:ext>
           </a:extLst>
         </p:spPr>
@@ -16584,7 +16538,7 @@
           </a:ln>
           <a:extLst>
             <a:ext uri="{C572A759-6A51-4108-AA02-DFA0A04FC94B}">
-              <ma14:wrappingTextBoxFlag xmlns="" xmlns:m="http://schemas.openxmlformats.org/officeDocument/2006/math" xmlns:a14="http://schemas.microsoft.com/office/drawing/2010/main" xmlns:ma14="http://schemas.microsoft.com/office/mac/drawingml/2011/main" val="1"/>
+              <ma14:wrappingTextBoxFlag xmlns:ma14="http://schemas.microsoft.com/office/mac/drawingml/2011/main" xmlns:a14="http://schemas.microsoft.com/office/drawing/2010/main" xmlns:m="http://schemas.openxmlformats.org/officeDocument/2006/math" xmlns="" val="1"/>
             </a:ext>
           </a:extLst>
         </p:spPr>
@@ -16699,7 +16653,7 @@
           </a:ln>
           <a:extLst>
             <a:ext uri="{C572A759-6A51-4108-AA02-DFA0A04FC94B}">
-              <ma14:wrappingTextBoxFlag xmlns="" xmlns:m="http://schemas.openxmlformats.org/officeDocument/2006/math" xmlns:a14="http://schemas.microsoft.com/office/drawing/2010/main" xmlns:ma14="http://schemas.microsoft.com/office/mac/drawingml/2011/main" val="1"/>
+              <ma14:wrappingTextBoxFlag xmlns:ma14="http://schemas.microsoft.com/office/mac/drawingml/2011/main" xmlns:a14="http://schemas.microsoft.com/office/drawing/2010/main" xmlns:m="http://schemas.openxmlformats.org/officeDocument/2006/math" xmlns="" val="1"/>
             </a:ext>
           </a:extLst>
         </p:spPr>
@@ -16803,7 +16757,7 @@
           </a:ln>
           <a:extLst>
             <a:ext uri="{C572A759-6A51-4108-AA02-DFA0A04FC94B}">
-              <ma14:wrappingTextBoxFlag xmlns="" xmlns:m="http://schemas.openxmlformats.org/officeDocument/2006/math" xmlns:a14="http://schemas.microsoft.com/office/drawing/2010/main" xmlns:ma14="http://schemas.microsoft.com/office/mac/drawingml/2011/main" val="1"/>
+              <ma14:wrappingTextBoxFlag xmlns:ma14="http://schemas.microsoft.com/office/mac/drawingml/2011/main" xmlns:a14="http://schemas.microsoft.com/office/drawing/2010/main" xmlns:m="http://schemas.openxmlformats.org/officeDocument/2006/math" xmlns="" val="1"/>
             </a:ext>
           </a:extLst>
         </p:spPr>
@@ -16845,7 +16799,7 @@
           </a:ln>
           <a:extLst>
             <a:ext uri="{C572A759-6A51-4108-AA02-DFA0A04FC94B}">
-              <ma14:wrappingTextBoxFlag xmlns="" xmlns:m="http://schemas.openxmlformats.org/officeDocument/2006/math" xmlns:a14="http://schemas.microsoft.com/office/drawing/2010/main" xmlns:ma14="http://schemas.microsoft.com/office/mac/drawingml/2011/main" val="1"/>
+              <ma14:wrappingTextBoxFlag xmlns:ma14="http://schemas.microsoft.com/office/mac/drawingml/2011/main" xmlns:a14="http://schemas.microsoft.com/office/drawing/2010/main" xmlns:m="http://schemas.openxmlformats.org/officeDocument/2006/math" xmlns="" val="1"/>
             </a:ext>
           </a:extLst>
         </p:spPr>
@@ -17127,7 +17081,7 @@
           </a:ln>
           <a:extLst>
             <a:ext uri="{C572A759-6A51-4108-AA02-DFA0A04FC94B}">
-              <ma14:wrappingTextBoxFlag xmlns="" xmlns:m="http://schemas.openxmlformats.org/officeDocument/2006/math" xmlns:a14="http://schemas.microsoft.com/office/drawing/2010/main" xmlns:ma14="http://schemas.microsoft.com/office/mac/drawingml/2011/main" val="1"/>
+              <ma14:wrappingTextBoxFlag xmlns:ma14="http://schemas.microsoft.com/office/mac/drawingml/2011/main" xmlns:a14="http://schemas.microsoft.com/office/drawing/2010/main" xmlns:m="http://schemas.openxmlformats.org/officeDocument/2006/math" xmlns="" val="1"/>
             </a:ext>
           </a:extLst>
         </p:spPr>
@@ -17265,7 +17219,7 @@
           </a:ln>
           <a:extLst>
             <a:ext uri="{C572A759-6A51-4108-AA02-DFA0A04FC94B}">
-              <ma14:wrappingTextBoxFlag xmlns="" xmlns:m="http://schemas.openxmlformats.org/officeDocument/2006/math" xmlns:a14="http://schemas.microsoft.com/office/drawing/2010/main" xmlns:ma14="http://schemas.microsoft.com/office/mac/drawingml/2011/main" val="1"/>
+              <ma14:wrappingTextBoxFlag xmlns:ma14="http://schemas.microsoft.com/office/mac/drawingml/2011/main" xmlns:a14="http://schemas.microsoft.com/office/drawing/2010/main" xmlns:m="http://schemas.openxmlformats.org/officeDocument/2006/math" xmlns="" val="1"/>
             </a:ext>
           </a:extLst>
         </p:spPr>
@@ -17355,7 +17309,7 @@
           </a:ln>
           <a:extLst>
             <a:ext uri="{C572A759-6A51-4108-AA02-DFA0A04FC94B}">
-              <ma14:wrappingTextBoxFlag xmlns="" xmlns:m="http://schemas.openxmlformats.org/officeDocument/2006/math" xmlns:a14="http://schemas.microsoft.com/office/drawing/2010/main" xmlns:ma14="http://schemas.microsoft.com/office/mac/drawingml/2011/main" val="1"/>
+              <ma14:wrappingTextBoxFlag xmlns:ma14="http://schemas.microsoft.com/office/mac/drawingml/2011/main" xmlns:a14="http://schemas.microsoft.com/office/drawing/2010/main" xmlns:m="http://schemas.openxmlformats.org/officeDocument/2006/math" xmlns="" val="1"/>
             </a:ext>
           </a:extLst>
         </p:spPr>
@@ -17397,7 +17351,7 @@
           </a:ln>
           <a:extLst>
             <a:ext uri="{C572A759-6A51-4108-AA02-DFA0A04FC94B}">
-              <ma14:wrappingTextBoxFlag xmlns="" xmlns:m="http://schemas.openxmlformats.org/officeDocument/2006/math" xmlns:a14="http://schemas.microsoft.com/office/drawing/2010/main" xmlns:ma14="http://schemas.microsoft.com/office/mac/drawingml/2011/main" val="1"/>
+              <ma14:wrappingTextBoxFlag xmlns:ma14="http://schemas.microsoft.com/office/mac/drawingml/2011/main" xmlns:a14="http://schemas.microsoft.com/office/drawing/2010/main" xmlns:m="http://schemas.openxmlformats.org/officeDocument/2006/math" xmlns="" val="1"/>
             </a:ext>
           </a:extLst>
         </p:spPr>
@@ -17760,7 +17714,7 @@
           </a:ln>
           <a:extLst>
             <a:ext uri="{C572A759-6A51-4108-AA02-DFA0A04FC94B}">
-              <ma14:wrappingTextBoxFlag xmlns="" xmlns:m="http://schemas.openxmlformats.org/officeDocument/2006/math" xmlns:a14="http://schemas.microsoft.com/office/drawing/2010/main" xmlns:ma14="http://schemas.microsoft.com/office/mac/drawingml/2011/main" val="1"/>
+              <ma14:wrappingTextBoxFlag xmlns:ma14="http://schemas.microsoft.com/office/mac/drawingml/2011/main" xmlns:a14="http://schemas.microsoft.com/office/drawing/2010/main" xmlns:m="http://schemas.openxmlformats.org/officeDocument/2006/math" xmlns="" val="1"/>
             </a:ext>
           </a:extLst>
         </p:spPr>
@@ -19354,7 +19308,7 @@
           </a:ln>
           <a:extLst>
             <a:ext uri="{C572A759-6A51-4108-AA02-DFA0A04FC94B}">
-              <ma14:wrappingTextBoxFlag xmlns="" xmlns:m="http://schemas.openxmlformats.org/officeDocument/2006/math" xmlns:a14="http://schemas.microsoft.com/office/drawing/2010/main" xmlns:ma14="http://schemas.microsoft.com/office/mac/drawingml/2011/main" val="1"/>
+              <ma14:wrappingTextBoxFlag xmlns:ma14="http://schemas.microsoft.com/office/mac/drawingml/2011/main" xmlns:a14="http://schemas.microsoft.com/office/drawing/2010/main" xmlns:m="http://schemas.openxmlformats.org/officeDocument/2006/math" xmlns="" val="1"/>
             </a:ext>
           </a:extLst>
         </p:spPr>
@@ -21944,7 +21898,7 @@
           </a:ln>
           <a:extLst>
             <a:ext uri="{C572A759-6A51-4108-AA02-DFA0A04FC94B}">
-              <ma14:wrappingTextBoxFlag xmlns="" xmlns:m="http://schemas.openxmlformats.org/officeDocument/2006/math" xmlns:a14="http://schemas.microsoft.com/office/drawing/2010/main" xmlns:ma14="http://schemas.microsoft.com/office/mac/drawingml/2011/main" val="1"/>
+              <ma14:wrappingTextBoxFlag xmlns:ma14="http://schemas.microsoft.com/office/mac/drawingml/2011/main" xmlns:a14="http://schemas.microsoft.com/office/drawing/2010/main" xmlns:m="http://schemas.openxmlformats.org/officeDocument/2006/math" xmlns="" val="1"/>
             </a:ext>
           </a:extLst>
         </p:spPr>
@@ -22164,7 +22118,7 @@
           </a:ln>
           <a:extLst>
             <a:ext uri="{C572A759-6A51-4108-AA02-DFA0A04FC94B}">
-              <ma14:wrappingTextBoxFlag xmlns="" xmlns:m="http://schemas.openxmlformats.org/officeDocument/2006/math" xmlns:a14="http://schemas.microsoft.com/office/drawing/2010/main" xmlns:ma14="http://schemas.microsoft.com/office/mac/drawingml/2011/main" val="1"/>
+              <ma14:wrappingTextBoxFlag xmlns:ma14="http://schemas.microsoft.com/office/mac/drawingml/2011/main" xmlns:a14="http://schemas.microsoft.com/office/drawing/2010/main" xmlns:m="http://schemas.openxmlformats.org/officeDocument/2006/math" xmlns="" val="1"/>
             </a:ext>
           </a:extLst>
         </p:spPr>
@@ -23302,7 +23256,7 @@
           </a:ln>
           <a:extLst>
             <a:ext uri="{C572A759-6A51-4108-AA02-DFA0A04FC94B}">
-              <ma14:wrappingTextBoxFlag xmlns="" xmlns:m="http://schemas.openxmlformats.org/officeDocument/2006/math" xmlns:a14="http://schemas.microsoft.com/office/drawing/2010/main" xmlns:ma14="http://schemas.microsoft.com/office/mac/drawingml/2011/main" val="1"/>
+              <ma14:wrappingTextBoxFlag xmlns:ma14="http://schemas.microsoft.com/office/mac/drawingml/2011/main" xmlns:a14="http://schemas.microsoft.com/office/drawing/2010/main" xmlns:m="http://schemas.openxmlformats.org/officeDocument/2006/math" xmlns="" val="1"/>
             </a:ext>
           </a:extLst>
         </p:spPr>
@@ -23390,7 +23344,7 @@
           </a:ln>
           <a:extLst>
             <a:ext uri="{C572A759-6A51-4108-AA02-DFA0A04FC94B}">
-              <ma14:wrappingTextBoxFlag xmlns="" xmlns:m="http://schemas.openxmlformats.org/officeDocument/2006/math" xmlns:a14="http://schemas.microsoft.com/office/drawing/2010/main" xmlns:ma14="http://schemas.microsoft.com/office/mac/drawingml/2011/main" val="1"/>
+              <ma14:wrappingTextBoxFlag xmlns:ma14="http://schemas.microsoft.com/office/mac/drawingml/2011/main" xmlns:a14="http://schemas.microsoft.com/office/drawing/2010/main" xmlns:m="http://schemas.openxmlformats.org/officeDocument/2006/math" xmlns="" val="1"/>
             </a:ext>
           </a:extLst>
         </p:spPr>
@@ -23466,7 +23420,7 @@
           </a:ln>
           <a:extLst>
             <a:ext uri="{C572A759-6A51-4108-AA02-DFA0A04FC94B}">
-              <ma14:wrappingTextBoxFlag xmlns="" xmlns:m="http://schemas.openxmlformats.org/officeDocument/2006/math" xmlns:a14="http://schemas.microsoft.com/office/drawing/2010/main" xmlns:ma14="http://schemas.microsoft.com/office/mac/drawingml/2011/main" val="1"/>
+              <ma14:wrappingTextBoxFlag xmlns:ma14="http://schemas.microsoft.com/office/mac/drawingml/2011/main" xmlns:a14="http://schemas.microsoft.com/office/drawing/2010/main" xmlns:m="http://schemas.openxmlformats.org/officeDocument/2006/math" xmlns="" val="1"/>
             </a:ext>
           </a:extLst>
         </p:spPr>
@@ -25758,7 +25712,7 @@
           </a:ln>
           <a:extLst>
             <a:ext uri="{C572A759-6A51-4108-AA02-DFA0A04FC94B}">
-              <ma14:wrappingTextBoxFlag xmlns="" xmlns:m="http://schemas.openxmlformats.org/officeDocument/2006/math" xmlns:a14="http://schemas.microsoft.com/office/drawing/2010/main" xmlns:ma14="http://schemas.microsoft.com/office/mac/drawingml/2011/main" val="1"/>
+              <ma14:wrappingTextBoxFlag xmlns:ma14="http://schemas.microsoft.com/office/mac/drawingml/2011/main" xmlns:a14="http://schemas.microsoft.com/office/drawing/2010/main" xmlns:m="http://schemas.openxmlformats.org/officeDocument/2006/math" xmlns="" val="1"/>
             </a:ext>
           </a:extLst>
         </p:spPr>
@@ -25840,7 +25794,7 @@
           </a:ln>
           <a:extLst>
             <a:ext uri="{C572A759-6A51-4108-AA02-DFA0A04FC94B}">
-              <ma14:wrappingTextBoxFlag xmlns="" xmlns:m="http://schemas.openxmlformats.org/officeDocument/2006/math" xmlns:a14="http://schemas.microsoft.com/office/drawing/2010/main" xmlns:ma14="http://schemas.microsoft.com/office/mac/drawingml/2011/main" val="1"/>
+              <ma14:wrappingTextBoxFlag xmlns:ma14="http://schemas.microsoft.com/office/mac/drawingml/2011/main" xmlns:a14="http://schemas.microsoft.com/office/drawing/2010/main" xmlns:m="http://schemas.openxmlformats.org/officeDocument/2006/math" xmlns="" val="1"/>
             </a:ext>
           </a:extLst>
         </p:spPr>
@@ -25876,7 +25830,7 @@
           </a:ln>
           <a:extLst>
             <a:ext uri="{C572A759-6A51-4108-AA02-DFA0A04FC94B}">
-              <ma14:wrappingTextBoxFlag xmlns="" xmlns:m="http://schemas.openxmlformats.org/officeDocument/2006/math" xmlns:a14="http://schemas.microsoft.com/office/drawing/2010/main" xmlns:ma14="http://schemas.microsoft.com/office/mac/drawingml/2011/main" val="1"/>
+              <ma14:wrappingTextBoxFlag xmlns:ma14="http://schemas.microsoft.com/office/mac/drawingml/2011/main" xmlns:a14="http://schemas.microsoft.com/office/drawing/2010/main" xmlns:m="http://schemas.openxmlformats.org/officeDocument/2006/math" xmlns="" val="1"/>
             </a:ext>
           </a:extLst>
         </p:spPr>
@@ -25912,7 +25866,7 @@
           </a:ln>
           <a:extLst>
             <a:ext uri="{C572A759-6A51-4108-AA02-DFA0A04FC94B}">
-              <ma14:wrappingTextBoxFlag xmlns="" xmlns:m="http://schemas.openxmlformats.org/officeDocument/2006/math" xmlns:a14="http://schemas.microsoft.com/office/drawing/2010/main" xmlns:ma14="http://schemas.microsoft.com/office/mac/drawingml/2011/main" val="1"/>
+              <ma14:wrappingTextBoxFlag xmlns:ma14="http://schemas.microsoft.com/office/mac/drawingml/2011/main" xmlns:a14="http://schemas.microsoft.com/office/drawing/2010/main" xmlns:m="http://schemas.openxmlformats.org/officeDocument/2006/math" xmlns="" val="1"/>
             </a:ext>
           </a:extLst>
         </p:spPr>
@@ -26131,7 +26085,7 @@
           </a:ln>
           <a:extLst>
             <a:ext uri="{C572A759-6A51-4108-AA02-DFA0A04FC94B}">
-              <ma14:wrappingTextBoxFlag xmlns="" xmlns:m="http://schemas.openxmlformats.org/officeDocument/2006/math" xmlns:a14="http://schemas.microsoft.com/office/drawing/2010/main" xmlns:ma14="http://schemas.microsoft.com/office/mac/drawingml/2011/main" val="1"/>
+              <ma14:wrappingTextBoxFlag xmlns:ma14="http://schemas.microsoft.com/office/mac/drawingml/2011/main" xmlns:a14="http://schemas.microsoft.com/office/drawing/2010/main" xmlns:m="http://schemas.openxmlformats.org/officeDocument/2006/math" xmlns="" val="1"/>
             </a:ext>
           </a:extLst>
         </p:spPr>
